--- a/JavaLecture/LectureFile/java 8강 생성자.pptx
+++ b/JavaLecture/LectureFile/java 8강 생성자.pptx
@@ -3966,7 +3966,7 @@
           <p:cNvPr id="2" name="TextBox 1">
             <a:extLst>
               <a:ext uri="{FF2B5EF4-FFF2-40B4-BE49-F238E27FC236}">
-                <a16:creationId xmlns="" xmlns:a16="http://schemas.microsoft.com/office/drawing/2014/main" id="{E9A453A8-9968-67AB-7B4A-83EEB4662AA6}"/>
+                <a16:creationId xmlns:a16="http://schemas.microsoft.com/office/drawing/2014/main" xmlns="" id="{E9A453A8-9968-67AB-7B4A-83EEB4662AA6}"/>
               </a:ext>
             </a:extLst>
           </p:cNvPr>
@@ -4014,7 +4014,7 @@
           <p:cNvPr id="4" name="TextBox 3">
             <a:extLst>
               <a:ext uri="{FF2B5EF4-FFF2-40B4-BE49-F238E27FC236}">
-                <a16:creationId xmlns="" xmlns:a16="http://schemas.microsoft.com/office/drawing/2014/main" id="{F4B7A35A-8AAC-4622-64BC-CAD1472D4115}"/>
+                <a16:creationId xmlns:a16="http://schemas.microsoft.com/office/drawing/2014/main" xmlns="" id="{F4B7A35A-8AAC-4622-64BC-CAD1472D4115}"/>
               </a:ext>
             </a:extLst>
           </p:cNvPr>
@@ -4086,7 +4086,7 @@
           <p:cNvPr id="7" name="TextBox 6">
             <a:extLst>
               <a:ext uri="{FF2B5EF4-FFF2-40B4-BE49-F238E27FC236}">
-                <a16:creationId xmlns="" xmlns:a16="http://schemas.microsoft.com/office/drawing/2014/main" id="{3ACE900A-D779-4343-6623-8588B376F0A1}"/>
+                <a16:creationId xmlns:a16="http://schemas.microsoft.com/office/drawing/2014/main" xmlns="" id="{3ACE900A-D779-4343-6623-8588B376F0A1}"/>
               </a:ext>
             </a:extLst>
           </p:cNvPr>
@@ -4222,7 +4222,7 @@
           <p:cNvPr id="14" name="직선 화살표 연결선 13">
             <a:extLst>
               <a:ext uri="{FF2B5EF4-FFF2-40B4-BE49-F238E27FC236}">
-                <a16:creationId xmlns="" xmlns:a16="http://schemas.microsoft.com/office/drawing/2014/main" id="{299DF5EC-9DF4-5255-06AC-0A7CE4FF58C3}"/>
+                <a16:creationId xmlns:a16="http://schemas.microsoft.com/office/drawing/2014/main" xmlns="" id="{299DF5EC-9DF4-5255-06AC-0A7CE4FF58C3}"/>
               </a:ext>
             </a:extLst>
           </p:cNvPr>
@@ -4263,7 +4263,7 @@
           <p:cNvPr id="15" name="TextBox 14">
             <a:extLst>
               <a:ext uri="{FF2B5EF4-FFF2-40B4-BE49-F238E27FC236}">
-                <a16:creationId xmlns="" xmlns:a16="http://schemas.microsoft.com/office/drawing/2014/main" id="{C6D113C6-EA5C-788F-0C77-E7CE6EBB865F}"/>
+                <a16:creationId xmlns:a16="http://schemas.microsoft.com/office/drawing/2014/main" xmlns="" id="{C6D113C6-EA5C-788F-0C77-E7CE6EBB865F}"/>
               </a:ext>
             </a:extLst>
           </p:cNvPr>
@@ -4507,7 +4507,7 @@
           <p:cNvPr id="5" name="직사각형 4">
             <a:extLst>
               <a:ext uri="{FF2B5EF4-FFF2-40B4-BE49-F238E27FC236}">
-                <a16:creationId xmlns="" xmlns:a16="http://schemas.microsoft.com/office/drawing/2014/main" id="{FFF506F9-840A-0508-4CAF-3AC711D8D5CE}"/>
+                <a16:creationId xmlns:a16="http://schemas.microsoft.com/office/drawing/2014/main" xmlns="" id="{FFF506F9-840A-0508-4CAF-3AC711D8D5CE}"/>
               </a:ext>
             </a:extLst>
           </p:cNvPr>
@@ -4559,7 +4559,7 @@
           <p:cNvPr id="6" name="직선 화살표 연결선 5">
             <a:extLst>
               <a:ext uri="{FF2B5EF4-FFF2-40B4-BE49-F238E27FC236}">
-                <a16:creationId xmlns="" xmlns:a16="http://schemas.microsoft.com/office/drawing/2014/main" id="{299DF5EC-9DF4-5255-06AC-0A7CE4FF58C3}"/>
+                <a16:creationId xmlns:a16="http://schemas.microsoft.com/office/drawing/2014/main" xmlns="" id="{299DF5EC-9DF4-5255-06AC-0A7CE4FF58C3}"/>
               </a:ext>
             </a:extLst>
           </p:cNvPr>
@@ -4600,7 +4600,7 @@
           <p:cNvPr id="9" name="TextBox 8">
             <a:extLst>
               <a:ext uri="{FF2B5EF4-FFF2-40B4-BE49-F238E27FC236}">
-                <a16:creationId xmlns="" xmlns:a16="http://schemas.microsoft.com/office/drawing/2014/main" id="{C6D113C6-EA5C-788F-0C77-E7CE6EBB865F}"/>
+                <a16:creationId xmlns:a16="http://schemas.microsoft.com/office/drawing/2014/main" xmlns="" id="{C6D113C6-EA5C-788F-0C77-E7CE6EBB865F}"/>
               </a:ext>
             </a:extLst>
           </p:cNvPr>
@@ -4766,7 +4766,7 @@
           <p:cNvPr id="4" name="TextBox 3">
             <a:extLst>
               <a:ext uri="{FF2B5EF4-FFF2-40B4-BE49-F238E27FC236}">
-                <a16:creationId xmlns="" xmlns:a16="http://schemas.microsoft.com/office/drawing/2014/main" id="{DF7DDD33-9412-2802-339A-E55446AC2DA7}"/>
+                <a16:creationId xmlns:a16="http://schemas.microsoft.com/office/drawing/2014/main" xmlns="" id="{DF7DDD33-9412-2802-339A-E55446AC2DA7}"/>
               </a:ext>
             </a:extLst>
           </p:cNvPr>
@@ -4814,7 +4814,7 @@
           <p:cNvPr id="8" name="TextBox 7">
             <a:extLst>
               <a:ext uri="{FF2B5EF4-FFF2-40B4-BE49-F238E27FC236}">
-                <a16:creationId xmlns="" xmlns:a16="http://schemas.microsoft.com/office/drawing/2014/main" id="{A2AD056B-97A4-5BCC-4460-250160F3E171}"/>
+                <a16:creationId xmlns:a16="http://schemas.microsoft.com/office/drawing/2014/main" xmlns="" id="{A2AD056B-97A4-5BCC-4460-250160F3E171}"/>
               </a:ext>
             </a:extLst>
           </p:cNvPr>
@@ -4926,10 +4926,10 @@
                 <a:latin typeface="G마켓 산스 Medium" panose="02000000000000000000" pitchFamily="50" charset="-127"/>
                 <a:ea typeface="G마켓 산스 Medium" panose="02000000000000000000" pitchFamily="50" charset="-127"/>
               </a:rPr>
-              <a:t>로 해야 </a:t>
-            </a:r>
-            <a:r>
-              <a:rPr lang="ko-KR" altLang="en-US" sz="4000">
+              <a:t>로 해야 한다</a:t>
+            </a:r>
+            <a:r>
+              <a:rPr lang="en-US" altLang="ko-KR" sz="4000" smtClean="0">
                 <a:solidFill>
                   <a:schemeClr val="tx1">
                     <a:lumMod val="50000"/>
@@ -4939,31 +4939,8 @@
                 <a:latin typeface="G마켓 산스 Medium" panose="02000000000000000000" pitchFamily="50" charset="-127"/>
                 <a:ea typeface="G마켓 산스 Medium" panose="02000000000000000000" pitchFamily="50" charset="-127"/>
               </a:rPr>
-              <a:t>한다</a:t>
-            </a:r>
-            <a:r>
-              <a:rPr lang="en-US" altLang="ko-KR" sz="4000" smtClean="0">
-                <a:solidFill>
-                  <a:schemeClr val="tx1">
-                    <a:lumMod val="50000"/>
-                    <a:lumOff val="50000"/>
-                  </a:schemeClr>
-                </a:solidFill>
-                <a:latin typeface="G마켓 산스 Medium" panose="02000000000000000000" pitchFamily="50" charset="-127"/>
-                <a:ea typeface="G마켓 산스 Medium" panose="02000000000000000000" pitchFamily="50" charset="-127"/>
-              </a:rPr>
               <a:t>.</a:t>
             </a:r>
-            <a:endParaRPr lang="en-US" altLang="ko-KR" sz="4000" smtClean="0">
-              <a:solidFill>
-                <a:schemeClr val="tx1">
-                  <a:lumMod val="50000"/>
-                  <a:lumOff val="50000"/>
-                </a:schemeClr>
-              </a:solidFill>
-              <a:latin typeface="G마켓 산스 Medium" panose="02000000000000000000" pitchFamily="50" charset="-127"/>
-              <a:ea typeface="G마켓 산스 Medium" panose="02000000000000000000" pitchFamily="50" charset="-127"/>
-            </a:endParaRPr>
           </a:p>
           <a:p>
             <a:r>
@@ -5189,7 +5166,7 @@
           <p:cNvPr id="4" name="TextBox 3">
             <a:extLst>
               <a:ext uri="{FF2B5EF4-FFF2-40B4-BE49-F238E27FC236}">
-                <a16:creationId xmlns="" xmlns:a16="http://schemas.microsoft.com/office/drawing/2014/main" id="{DF7DDD33-9412-2802-339A-E55446AC2DA7}"/>
+                <a16:creationId xmlns:a16="http://schemas.microsoft.com/office/drawing/2014/main" xmlns="" id="{DF7DDD33-9412-2802-339A-E55446AC2DA7}"/>
               </a:ext>
             </a:extLst>
           </p:cNvPr>
@@ -5271,7 +5248,7 @@
           <p:cNvPr id="6" name="직선 화살표 연결선 5">
             <a:extLst>
               <a:ext uri="{FF2B5EF4-FFF2-40B4-BE49-F238E27FC236}">
-                <a16:creationId xmlns="" xmlns:a16="http://schemas.microsoft.com/office/drawing/2014/main" id="{299DF5EC-9DF4-5255-06AC-0A7CE4FF58C3}"/>
+                <a16:creationId xmlns:a16="http://schemas.microsoft.com/office/drawing/2014/main" xmlns="" id="{299DF5EC-9DF4-5255-06AC-0A7CE4FF58C3}"/>
               </a:ext>
             </a:extLst>
           </p:cNvPr>
@@ -5312,7 +5289,7 @@
           <p:cNvPr id="7" name="직사각형 6">
             <a:extLst>
               <a:ext uri="{FF2B5EF4-FFF2-40B4-BE49-F238E27FC236}">
-                <a16:creationId xmlns="" xmlns:a16="http://schemas.microsoft.com/office/drawing/2014/main" id="{FFF506F9-840A-0508-4CAF-3AC711D8D5CE}"/>
+                <a16:creationId xmlns:a16="http://schemas.microsoft.com/office/drawing/2014/main" xmlns="" id="{FFF506F9-840A-0508-4CAF-3AC711D8D5CE}"/>
               </a:ext>
             </a:extLst>
           </p:cNvPr>
@@ -5364,7 +5341,7 @@
           <p:cNvPr id="8" name="TextBox 7">
             <a:extLst>
               <a:ext uri="{FF2B5EF4-FFF2-40B4-BE49-F238E27FC236}">
-                <a16:creationId xmlns="" xmlns:a16="http://schemas.microsoft.com/office/drawing/2014/main" id="{C6D113C6-EA5C-788F-0C77-E7CE6EBB865F}"/>
+                <a16:creationId xmlns:a16="http://schemas.microsoft.com/office/drawing/2014/main" xmlns="" id="{C6D113C6-EA5C-788F-0C77-E7CE6EBB865F}"/>
               </a:ext>
             </a:extLst>
           </p:cNvPr>
@@ -5446,7 +5423,7 @@
           <p:cNvPr id="10" name="직선 화살표 연결선 9">
             <a:extLst>
               <a:ext uri="{FF2B5EF4-FFF2-40B4-BE49-F238E27FC236}">
-                <a16:creationId xmlns="" xmlns:a16="http://schemas.microsoft.com/office/drawing/2014/main" id="{299DF5EC-9DF4-5255-06AC-0A7CE4FF58C3}"/>
+                <a16:creationId xmlns:a16="http://schemas.microsoft.com/office/drawing/2014/main" xmlns="" id="{299DF5EC-9DF4-5255-06AC-0A7CE4FF58C3}"/>
               </a:ext>
             </a:extLst>
           </p:cNvPr>
@@ -5487,7 +5464,7 @@
           <p:cNvPr id="11" name="TextBox 10">
             <a:extLst>
               <a:ext uri="{FF2B5EF4-FFF2-40B4-BE49-F238E27FC236}">
-                <a16:creationId xmlns="" xmlns:a16="http://schemas.microsoft.com/office/drawing/2014/main" id="{C6D113C6-EA5C-788F-0C77-E7CE6EBB865F}"/>
+                <a16:creationId xmlns:a16="http://schemas.microsoft.com/office/drawing/2014/main" xmlns="" id="{C6D113C6-EA5C-788F-0C77-E7CE6EBB865F}"/>
               </a:ext>
             </a:extLst>
           </p:cNvPr>
@@ -6081,7 +6058,7 @@
           <p:cNvPr id="2" name="TextBox 1">
             <a:extLst>
               <a:ext uri="{FF2B5EF4-FFF2-40B4-BE49-F238E27FC236}">
-                <a16:creationId xmlns="" xmlns:a16="http://schemas.microsoft.com/office/drawing/2014/main" id="{76F36AE5-79B5-0B9F-E510-1C27AAC4B649}"/>
+                <a16:creationId xmlns:a16="http://schemas.microsoft.com/office/drawing/2014/main" xmlns="" id="{76F36AE5-79B5-0B9F-E510-1C27AAC4B649}"/>
               </a:ext>
             </a:extLst>
           </p:cNvPr>
@@ -6166,7 +6143,7 @@
           <p:cNvPr id="4" name="TextBox 3">
             <a:extLst>
               <a:ext uri="{FF2B5EF4-FFF2-40B4-BE49-F238E27FC236}">
-                <a16:creationId xmlns="" xmlns:a16="http://schemas.microsoft.com/office/drawing/2014/main" id="{DF7DDD33-9412-2802-339A-E55446AC2DA7}"/>
+                <a16:creationId xmlns:a16="http://schemas.microsoft.com/office/drawing/2014/main" xmlns="" id="{DF7DDD33-9412-2802-339A-E55446AC2DA7}"/>
               </a:ext>
             </a:extLst>
           </p:cNvPr>
@@ -6244,7 +6221,7 @@
           <p:cNvPr id="6" name="그룹 1008">
             <a:extLst>
               <a:ext uri="{FF2B5EF4-FFF2-40B4-BE49-F238E27FC236}">
-                <a16:creationId xmlns="" xmlns:a16="http://schemas.microsoft.com/office/drawing/2014/main" id="{678F6342-C505-E8AD-ADA4-022CB2C2088E}"/>
+                <a16:creationId xmlns:a16="http://schemas.microsoft.com/office/drawing/2014/main" xmlns="" id="{678F6342-C505-E8AD-ADA4-022CB2C2088E}"/>
               </a:ext>
             </a:extLst>
           </p:cNvPr>
@@ -6264,7 +6241,7 @@
             <p:cNvPr id="7" name="그룹 1009">
               <a:extLst>
                 <a:ext uri="{FF2B5EF4-FFF2-40B4-BE49-F238E27FC236}">
-                  <a16:creationId xmlns="" xmlns:a16="http://schemas.microsoft.com/office/drawing/2014/main" id="{4E1F1FED-812B-9BBB-925A-84B54A077414}"/>
+                  <a16:creationId xmlns:a16="http://schemas.microsoft.com/office/drawing/2014/main" xmlns="" id="{4E1F1FED-812B-9BBB-925A-84B54A077414}"/>
                 </a:ext>
               </a:extLst>
             </p:cNvPr>
@@ -6284,7 +6261,7 @@
               <p:cNvPr id="12" name="Object 29">
                 <a:extLst>
                   <a:ext uri="{FF2B5EF4-FFF2-40B4-BE49-F238E27FC236}">
-                    <a16:creationId xmlns="" xmlns:a16="http://schemas.microsoft.com/office/drawing/2014/main" id="{7B078609-4286-7B00-51EB-809C8E2DE289}"/>
+                    <a16:creationId xmlns:a16="http://schemas.microsoft.com/office/drawing/2014/main" xmlns="" id="{7B078609-4286-7B00-51EB-809C8E2DE289}"/>
                   </a:ext>
                 </a:extLst>
               </p:cNvPr>
@@ -6315,7 +6292,7 @@
             <p:cNvPr id="8" name="그룹 1010">
               <a:extLst>
                 <a:ext uri="{FF2B5EF4-FFF2-40B4-BE49-F238E27FC236}">
-                  <a16:creationId xmlns="" xmlns:a16="http://schemas.microsoft.com/office/drawing/2014/main" id="{02A649BF-B5B5-FBAF-7DFD-E118A4DF8907}"/>
+                  <a16:creationId xmlns:a16="http://schemas.microsoft.com/office/drawing/2014/main" xmlns="" id="{02A649BF-B5B5-FBAF-7DFD-E118A4DF8907}"/>
                 </a:ext>
               </a:extLst>
             </p:cNvPr>
@@ -6335,7 +6312,7 @@
               <p:cNvPr id="11" name="Object 32">
                 <a:extLst>
                   <a:ext uri="{FF2B5EF4-FFF2-40B4-BE49-F238E27FC236}">
-                    <a16:creationId xmlns="" xmlns:a16="http://schemas.microsoft.com/office/drawing/2014/main" id="{2A0FFF23-B3C9-3EA0-1C1B-A87D4FF098AE}"/>
+                    <a16:creationId xmlns:a16="http://schemas.microsoft.com/office/drawing/2014/main" xmlns="" id="{2A0FFF23-B3C9-3EA0-1C1B-A87D4FF098AE}"/>
                   </a:ext>
                 </a:extLst>
               </p:cNvPr>
@@ -6366,7 +6343,7 @@
             <p:cNvPr id="9" name="그룹 1011">
               <a:extLst>
                 <a:ext uri="{FF2B5EF4-FFF2-40B4-BE49-F238E27FC236}">
-                  <a16:creationId xmlns="" xmlns:a16="http://schemas.microsoft.com/office/drawing/2014/main" id="{881F5410-F7FB-F261-A584-707359BAC593}"/>
+                  <a16:creationId xmlns:a16="http://schemas.microsoft.com/office/drawing/2014/main" xmlns="" id="{881F5410-F7FB-F261-A584-707359BAC593}"/>
                 </a:ext>
               </a:extLst>
             </p:cNvPr>
@@ -6386,7 +6363,7 @@
               <p:cNvPr id="10" name="Object 35">
                 <a:extLst>
                   <a:ext uri="{FF2B5EF4-FFF2-40B4-BE49-F238E27FC236}">
-                    <a16:creationId xmlns="" xmlns:a16="http://schemas.microsoft.com/office/drawing/2014/main" id="{4E99E669-73EB-F9F4-EFE8-DC107035C265}"/>
+                    <a16:creationId xmlns:a16="http://schemas.microsoft.com/office/drawing/2014/main" xmlns="" id="{4E99E669-73EB-F9F4-EFE8-DC107035C265}"/>
                   </a:ext>
                 </a:extLst>
               </p:cNvPr>
@@ -6811,7 +6788,7 @@
           <p:cNvPr id="4" name="TextBox 3">
             <a:extLst>
               <a:ext uri="{FF2B5EF4-FFF2-40B4-BE49-F238E27FC236}">
-                <a16:creationId xmlns="" xmlns:a16="http://schemas.microsoft.com/office/drawing/2014/main" id="{DF7DDD33-9412-2802-339A-E55446AC2DA7}"/>
+                <a16:creationId xmlns:a16="http://schemas.microsoft.com/office/drawing/2014/main" xmlns="" id="{DF7DDD33-9412-2802-339A-E55446AC2DA7}"/>
               </a:ext>
             </a:extLst>
           </p:cNvPr>
@@ -6879,7 +6856,7 @@
           <p:cNvPr id="8" name="직선 화살표 연결선 7">
             <a:extLst>
               <a:ext uri="{FF2B5EF4-FFF2-40B4-BE49-F238E27FC236}">
-                <a16:creationId xmlns="" xmlns:a16="http://schemas.microsoft.com/office/drawing/2014/main" id="{299DF5EC-9DF4-5255-06AC-0A7CE4FF58C3}"/>
+                <a16:creationId xmlns:a16="http://schemas.microsoft.com/office/drawing/2014/main" xmlns="" id="{299DF5EC-9DF4-5255-06AC-0A7CE4FF58C3}"/>
               </a:ext>
             </a:extLst>
           </p:cNvPr>
@@ -6920,7 +6897,7 @@
           <p:cNvPr id="10" name="직선 화살표 연결선 9">
             <a:extLst>
               <a:ext uri="{FF2B5EF4-FFF2-40B4-BE49-F238E27FC236}">
-                <a16:creationId xmlns="" xmlns:a16="http://schemas.microsoft.com/office/drawing/2014/main" id="{299DF5EC-9DF4-5255-06AC-0A7CE4FF58C3}"/>
+                <a16:creationId xmlns:a16="http://schemas.microsoft.com/office/drawing/2014/main" xmlns="" id="{299DF5EC-9DF4-5255-06AC-0A7CE4FF58C3}"/>
               </a:ext>
             </a:extLst>
           </p:cNvPr>
@@ -7231,7 +7208,7 @@
           <p:cNvPr id="10" name="TextBox 9">
             <a:extLst>
               <a:ext uri="{FF2B5EF4-FFF2-40B4-BE49-F238E27FC236}">
-                <a16:creationId xmlns="" xmlns:a16="http://schemas.microsoft.com/office/drawing/2014/main" id="{DF7DDD33-9412-2802-339A-E55446AC2DA7}"/>
+                <a16:creationId xmlns:a16="http://schemas.microsoft.com/office/drawing/2014/main" xmlns="" id="{DF7DDD33-9412-2802-339A-E55446AC2DA7}"/>
               </a:ext>
             </a:extLst>
           </p:cNvPr>
@@ -7299,7 +7276,7 @@
           <p:cNvPr id="8" name="TextBox 7">
             <a:extLst>
               <a:ext uri="{FF2B5EF4-FFF2-40B4-BE49-F238E27FC236}">
-                <a16:creationId xmlns="" xmlns:a16="http://schemas.microsoft.com/office/drawing/2014/main" id="{C6D113C6-EA5C-788F-0C77-E7CE6EBB865F}"/>
+                <a16:creationId xmlns:a16="http://schemas.microsoft.com/office/drawing/2014/main" xmlns="" id="{C6D113C6-EA5C-788F-0C77-E7CE6EBB865F}"/>
               </a:ext>
             </a:extLst>
           </p:cNvPr>
@@ -7347,7 +7324,7 @@
           <p:cNvPr id="11" name="TextBox 10">
             <a:extLst>
               <a:ext uri="{FF2B5EF4-FFF2-40B4-BE49-F238E27FC236}">
-                <a16:creationId xmlns="" xmlns:a16="http://schemas.microsoft.com/office/drawing/2014/main" id="{C6D113C6-EA5C-788F-0C77-E7CE6EBB865F}"/>
+                <a16:creationId xmlns:a16="http://schemas.microsoft.com/office/drawing/2014/main" xmlns="" id="{C6D113C6-EA5C-788F-0C77-E7CE6EBB865F}"/>
               </a:ext>
             </a:extLst>
           </p:cNvPr>
@@ -7673,7 +7650,7 @@
           <p:cNvPr id="14" name="직사각형 13">
             <a:extLst>
               <a:ext uri="{FF2B5EF4-FFF2-40B4-BE49-F238E27FC236}">
-                <a16:creationId xmlns="" xmlns:a16="http://schemas.microsoft.com/office/drawing/2014/main" id="{FFF506F9-840A-0508-4CAF-3AC711D8D5CE}"/>
+                <a16:creationId xmlns:a16="http://schemas.microsoft.com/office/drawing/2014/main" xmlns="" id="{FFF506F9-840A-0508-4CAF-3AC711D8D5CE}"/>
               </a:ext>
             </a:extLst>
           </p:cNvPr>
@@ -7725,7 +7702,7 @@
           <p:cNvPr id="18" name="TextBox 17">
             <a:extLst>
               <a:ext uri="{FF2B5EF4-FFF2-40B4-BE49-F238E27FC236}">
-                <a16:creationId xmlns="" xmlns:a16="http://schemas.microsoft.com/office/drawing/2014/main" id="{DF7DDD33-9412-2802-339A-E55446AC2DA7}"/>
+                <a16:creationId xmlns:a16="http://schemas.microsoft.com/office/drawing/2014/main" xmlns="" id="{DF7DDD33-9412-2802-339A-E55446AC2DA7}"/>
               </a:ext>
             </a:extLst>
           </p:cNvPr>
@@ -7783,7 +7760,7 @@
           <p:cNvPr id="19" name="직선 화살표 연결선 18">
             <a:extLst>
               <a:ext uri="{FF2B5EF4-FFF2-40B4-BE49-F238E27FC236}">
-                <a16:creationId xmlns="" xmlns:a16="http://schemas.microsoft.com/office/drawing/2014/main" id="{299DF5EC-9DF4-5255-06AC-0A7CE4FF58C3}"/>
+                <a16:creationId xmlns:a16="http://schemas.microsoft.com/office/drawing/2014/main" xmlns="" id="{299DF5EC-9DF4-5255-06AC-0A7CE4FF58C3}"/>
               </a:ext>
             </a:extLst>
           </p:cNvPr>
@@ -7824,7 +7801,7 @@
           <p:cNvPr id="20" name="TextBox 19">
             <a:extLst>
               <a:ext uri="{FF2B5EF4-FFF2-40B4-BE49-F238E27FC236}">
-                <a16:creationId xmlns="" xmlns:a16="http://schemas.microsoft.com/office/drawing/2014/main" id="{C6D113C6-EA5C-788F-0C77-E7CE6EBB865F}"/>
+                <a16:creationId xmlns:a16="http://schemas.microsoft.com/office/drawing/2014/main" xmlns="" id="{C6D113C6-EA5C-788F-0C77-E7CE6EBB865F}"/>
               </a:ext>
             </a:extLst>
           </p:cNvPr>
@@ -7882,7 +7859,7 @@
           <p:cNvPr id="21" name="그룹 1008">
             <a:extLst>
               <a:ext uri="{FF2B5EF4-FFF2-40B4-BE49-F238E27FC236}">
-                <a16:creationId xmlns="" xmlns:a16="http://schemas.microsoft.com/office/drawing/2014/main" id="{E395BDE3-2EDE-065D-70E8-56E348228ACF}"/>
+                <a16:creationId xmlns:a16="http://schemas.microsoft.com/office/drawing/2014/main" xmlns="" id="{E395BDE3-2EDE-065D-70E8-56E348228ACF}"/>
               </a:ext>
             </a:extLst>
           </p:cNvPr>
@@ -7902,7 +7879,7 @@
             <p:cNvPr id="22" name="그룹 1009">
               <a:extLst>
                 <a:ext uri="{FF2B5EF4-FFF2-40B4-BE49-F238E27FC236}">
-                  <a16:creationId xmlns="" xmlns:a16="http://schemas.microsoft.com/office/drawing/2014/main" id="{852F4DEB-DB33-DB3F-9E9F-52A46CD0B10A}"/>
+                  <a16:creationId xmlns:a16="http://schemas.microsoft.com/office/drawing/2014/main" xmlns="" id="{852F4DEB-DB33-DB3F-9E9F-52A46CD0B10A}"/>
                 </a:ext>
               </a:extLst>
             </p:cNvPr>
@@ -7922,7 +7899,7 @@
               <p:cNvPr id="27" name="Object 29">
                 <a:extLst>
                   <a:ext uri="{FF2B5EF4-FFF2-40B4-BE49-F238E27FC236}">
-                    <a16:creationId xmlns="" xmlns:a16="http://schemas.microsoft.com/office/drawing/2014/main" id="{7E353D3B-14D4-8A64-5888-3F0C062C2CDD}"/>
+                    <a16:creationId xmlns:a16="http://schemas.microsoft.com/office/drawing/2014/main" xmlns="" id="{7E353D3B-14D4-8A64-5888-3F0C062C2CDD}"/>
                   </a:ext>
                 </a:extLst>
               </p:cNvPr>
@@ -7953,7 +7930,7 @@
             <p:cNvPr id="23" name="그룹 1010">
               <a:extLst>
                 <a:ext uri="{FF2B5EF4-FFF2-40B4-BE49-F238E27FC236}">
-                  <a16:creationId xmlns="" xmlns:a16="http://schemas.microsoft.com/office/drawing/2014/main" id="{001E38AB-1390-ABD0-BE01-9727136FEAEE}"/>
+                  <a16:creationId xmlns:a16="http://schemas.microsoft.com/office/drawing/2014/main" xmlns="" id="{001E38AB-1390-ABD0-BE01-9727136FEAEE}"/>
                 </a:ext>
               </a:extLst>
             </p:cNvPr>
@@ -7973,7 +7950,7 @@
               <p:cNvPr id="26" name="Object 32">
                 <a:extLst>
                   <a:ext uri="{FF2B5EF4-FFF2-40B4-BE49-F238E27FC236}">
-                    <a16:creationId xmlns="" xmlns:a16="http://schemas.microsoft.com/office/drawing/2014/main" id="{2ED1C30F-0D0B-F86C-8215-2598D332B5A3}"/>
+                    <a16:creationId xmlns:a16="http://schemas.microsoft.com/office/drawing/2014/main" xmlns="" id="{2ED1C30F-0D0B-F86C-8215-2598D332B5A3}"/>
                   </a:ext>
                 </a:extLst>
               </p:cNvPr>
@@ -8004,7 +7981,7 @@
             <p:cNvPr id="24" name="그룹 1011">
               <a:extLst>
                 <a:ext uri="{FF2B5EF4-FFF2-40B4-BE49-F238E27FC236}">
-                  <a16:creationId xmlns="" xmlns:a16="http://schemas.microsoft.com/office/drawing/2014/main" id="{1BCB8DE5-ABAF-4198-BC16-85BB76F2DB24}"/>
+                  <a16:creationId xmlns:a16="http://schemas.microsoft.com/office/drawing/2014/main" xmlns="" id="{1BCB8DE5-ABAF-4198-BC16-85BB76F2DB24}"/>
                 </a:ext>
               </a:extLst>
             </p:cNvPr>
@@ -8024,7 +8001,7 @@
               <p:cNvPr id="25" name="Object 35">
                 <a:extLst>
                   <a:ext uri="{FF2B5EF4-FFF2-40B4-BE49-F238E27FC236}">
-                    <a16:creationId xmlns="" xmlns:a16="http://schemas.microsoft.com/office/drawing/2014/main" id="{86E7BA23-0A1E-B581-CADC-06AB269DB2BD}"/>
+                    <a16:creationId xmlns:a16="http://schemas.microsoft.com/office/drawing/2014/main" xmlns="" id="{86E7BA23-0A1E-B581-CADC-06AB269DB2BD}"/>
                   </a:ext>
                 </a:extLst>
               </p:cNvPr>
@@ -8363,7 +8340,7 @@
           <p:cNvPr id="7" name="TextBox 6">
             <a:extLst>
               <a:ext uri="{FF2B5EF4-FFF2-40B4-BE49-F238E27FC236}">
-                <a16:creationId xmlns="" xmlns:a16="http://schemas.microsoft.com/office/drawing/2014/main" id="{DF7DDD33-9412-2802-339A-E55446AC2DA7}"/>
+                <a16:creationId xmlns:a16="http://schemas.microsoft.com/office/drawing/2014/main" xmlns="" id="{DF7DDD33-9412-2802-339A-E55446AC2DA7}"/>
               </a:ext>
             </a:extLst>
           </p:cNvPr>
@@ -8641,7 +8618,7 @@
           <p:cNvPr id="11" name="TextBox 10">
             <a:extLst>
               <a:ext uri="{FF2B5EF4-FFF2-40B4-BE49-F238E27FC236}">
-                <a16:creationId xmlns="" xmlns:a16="http://schemas.microsoft.com/office/drawing/2014/main" id="{9F88F580-08BE-88C2-D640-13F0026591CB}"/>
+                <a16:creationId xmlns:a16="http://schemas.microsoft.com/office/drawing/2014/main" xmlns="" id="{9F88F580-08BE-88C2-D640-13F0026591CB}"/>
               </a:ext>
             </a:extLst>
           </p:cNvPr>
@@ -8692,7 +8669,7 @@
           <p:cNvPr id="13" name="TextBox 12">
             <a:extLst>
               <a:ext uri="{FF2B5EF4-FFF2-40B4-BE49-F238E27FC236}">
-                <a16:creationId xmlns="" xmlns:a16="http://schemas.microsoft.com/office/drawing/2014/main" id="{72769C28-9BB6-DE9C-7B6F-264B77B8DD0E}"/>
+                <a16:creationId xmlns:a16="http://schemas.microsoft.com/office/drawing/2014/main" xmlns="" id="{72769C28-9BB6-DE9C-7B6F-264B77B8DD0E}"/>
               </a:ext>
             </a:extLst>
           </p:cNvPr>
@@ -8733,7 +8710,7 @@
           <p:cNvPr id="14" name="TextBox 13">
             <a:extLst>
               <a:ext uri="{FF2B5EF4-FFF2-40B4-BE49-F238E27FC236}">
-                <a16:creationId xmlns="" xmlns:a16="http://schemas.microsoft.com/office/drawing/2014/main" id="{270FBB6A-01CE-5637-78DA-58F0C974145C}"/>
+                <a16:creationId xmlns:a16="http://schemas.microsoft.com/office/drawing/2014/main" xmlns="" id="{270FBB6A-01CE-5637-78DA-58F0C974145C}"/>
               </a:ext>
             </a:extLst>
           </p:cNvPr>
@@ -8781,7 +8758,7 @@
           <p:cNvPr id="2" name="Object 17">
             <a:extLst>
               <a:ext uri="{FF2B5EF4-FFF2-40B4-BE49-F238E27FC236}">
-                <a16:creationId xmlns="" xmlns:a16="http://schemas.microsoft.com/office/drawing/2014/main" id="{140B283D-FE58-FA6F-6F7C-E0F1DBB62A65}"/>
+                <a16:creationId xmlns:a16="http://schemas.microsoft.com/office/drawing/2014/main" xmlns="" id="{140B283D-FE58-FA6F-6F7C-E0F1DBB62A65}"/>
               </a:ext>
             </a:extLst>
           </p:cNvPr>
@@ -8811,7 +8788,7 @@
           <p:cNvPr id="4" name="TextBox 3">
             <a:extLst>
               <a:ext uri="{FF2B5EF4-FFF2-40B4-BE49-F238E27FC236}">
-                <a16:creationId xmlns="" xmlns:a16="http://schemas.microsoft.com/office/drawing/2014/main" id="{2C8D0998-79BC-6FD2-59D9-8052B4A25F65}"/>
+                <a16:creationId xmlns:a16="http://schemas.microsoft.com/office/drawing/2014/main" xmlns="" id="{2C8D0998-79BC-6FD2-59D9-8052B4A25F65}"/>
               </a:ext>
             </a:extLst>
           </p:cNvPr>
@@ -8859,7 +8836,7 @@
           <p:cNvPr id="5" name="Object 18">
             <a:extLst>
               <a:ext uri="{FF2B5EF4-FFF2-40B4-BE49-F238E27FC236}">
-                <a16:creationId xmlns="" xmlns:a16="http://schemas.microsoft.com/office/drawing/2014/main" id="{3F58EA3E-1018-64D3-FAB2-4F6B9618FA56}"/>
+                <a16:creationId xmlns:a16="http://schemas.microsoft.com/office/drawing/2014/main" xmlns="" id="{3F58EA3E-1018-64D3-FAB2-4F6B9618FA56}"/>
               </a:ext>
             </a:extLst>
           </p:cNvPr>
@@ -8889,7 +8866,7 @@
           <p:cNvPr id="8" name="TextBox 7">
             <a:extLst>
               <a:ext uri="{FF2B5EF4-FFF2-40B4-BE49-F238E27FC236}">
-                <a16:creationId xmlns="" xmlns:a16="http://schemas.microsoft.com/office/drawing/2014/main" id="{681D3F16-7DCF-41AD-F5F1-0558C78C0E4D}"/>
+                <a16:creationId xmlns:a16="http://schemas.microsoft.com/office/drawing/2014/main" xmlns="" id="{681D3F16-7DCF-41AD-F5F1-0558C78C0E4D}"/>
               </a:ext>
             </a:extLst>
           </p:cNvPr>
@@ -8969,7 +8946,7 @@
           <p:cNvPr id="4" name="TextBox 3">
             <a:extLst>
               <a:ext uri="{FF2B5EF4-FFF2-40B4-BE49-F238E27FC236}">
-                <a16:creationId xmlns="" xmlns:a16="http://schemas.microsoft.com/office/drawing/2014/main" id="{DF7DDD33-9412-2802-339A-E55446AC2DA7}"/>
+                <a16:creationId xmlns:a16="http://schemas.microsoft.com/office/drawing/2014/main" xmlns="" id="{DF7DDD33-9412-2802-339A-E55446AC2DA7}"/>
               </a:ext>
             </a:extLst>
           </p:cNvPr>
@@ -9041,7 +9018,7 @@
           <p:cNvPr id="6" name="직선 화살표 연결선 5">
             <a:extLst>
               <a:ext uri="{FF2B5EF4-FFF2-40B4-BE49-F238E27FC236}">
-                <a16:creationId xmlns="" xmlns:a16="http://schemas.microsoft.com/office/drawing/2014/main" id="{299DF5EC-9DF4-5255-06AC-0A7CE4FF58C3}"/>
+                <a16:creationId xmlns:a16="http://schemas.microsoft.com/office/drawing/2014/main" xmlns="" id="{299DF5EC-9DF4-5255-06AC-0A7CE4FF58C3}"/>
               </a:ext>
             </a:extLst>
           </p:cNvPr>
@@ -9082,7 +9059,7 @@
           <p:cNvPr id="7" name="TextBox 6">
             <a:extLst>
               <a:ext uri="{FF2B5EF4-FFF2-40B4-BE49-F238E27FC236}">
-                <a16:creationId xmlns="" xmlns:a16="http://schemas.microsoft.com/office/drawing/2014/main" id="{C6D113C6-EA5C-788F-0C77-E7CE6EBB865F}"/>
+                <a16:creationId xmlns:a16="http://schemas.microsoft.com/office/drawing/2014/main" xmlns="" id="{C6D113C6-EA5C-788F-0C77-E7CE6EBB865F}"/>
               </a:ext>
             </a:extLst>
           </p:cNvPr>
@@ -9399,7 +9376,7 @@
           <p:cNvPr id="7" name="TextBox 6">
             <a:extLst>
               <a:ext uri="{FF2B5EF4-FFF2-40B4-BE49-F238E27FC236}">
-                <a16:creationId xmlns="" xmlns:a16="http://schemas.microsoft.com/office/drawing/2014/main" id="{DF7DDD33-9412-2802-339A-E55446AC2DA7}"/>
+                <a16:creationId xmlns:a16="http://schemas.microsoft.com/office/drawing/2014/main" xmlns="" id="{DF7DDD33-9412-2802-339A-E55446AC2DA7}"/>
               </a:ext>
             </a:extLst>
           </p:cNvPr>
@@ -9447,7 +9424,7 @@
           <p:cNvPr id="8" name="TextBox 7">
             <a:extLst>
               <a:ext uri="{FF2B5EF4-FFF2-40B4-BE49-F238E27FC236}">
-                <a16:creationId xmlns="" xmlns:a16="http://schemas.microsoft.com/office/drawing/2014/main" id="{DF7DDD33-9412-2802-339A-E55446AC2DA7}"/>
+                <a16:creationId xmlns:a16="http://schemas.microsoft.com/office/drawing/2014/main" xmlns="" id="{DF7DDD33-9412-2802-339A-E55446AC2DA7}"/>
               </a:ext>
             </a:extLst>
           </p:cNvPr>
@@ -9664,7 +9641,7 @@
           <p:cNvPr id="5" name="TextBox 4">
             <a:extLst>
               <a:ext uri="{FF2B5EF4-FFF2-40B4-BE49-F238E27FC236}">
-                <a16:creationId xmlns="" xmlns:a16="http://schemas.microsoft.com/office/drawing/2014/main" id="{C6D113C6-EA5C-788F-0C77-E7CE6EBB865F}"/>
+                <a16:creationId xmlns:a16="http://schemas.microsoft.com/office/drawing/2014/main" xmlns="" id="{C6D113C6-EA5C-788F-0C77-E7CE6EBB865F}"/>
               </a:ext>
             </a:extLst>
           </p:cNvPr>
@@ -9749,7 +9726,7 @@
           <p:cNvPr id="4" name="TextBox 3">
             <a:extLst>
               <a:ext uri="{FF2B5EF4-FFF2-40B4-BE49-F238E27FC236}">
-                <a16:creationId xmlns="" xmlns:a16="http://schemas.microsoft.com/office/drawing/2014/main" id="{5ADC00B6-990A-40DC-3CEA-505258F5E8DA}"/>
+                <a16:creationId xmlns:a16="http://schemas.microsoft.com/office/drawing/2014/main" xmlns="" id="{5ADC00B6-990A-40DC-3CEA-505258F5E8DA}"/>
               </a:ext>
             </a:extLst>
           </p:cNvPr>
@@ -9807,7 +9784,7 @@
           <p:cNvPr id="5" name="TextBox 4">
             <a:extLst>
               <a:ext uri="{FF2B5EF4-FFF2-40B4-BE49-F238E27FC236}">
-                <a16:creationId xmlns="" xmlns:a16="http://schemas.microsoft.com/office/drawing/2014/main" id="{A2AD056B-97A4-5BCC-4460-250160F3E171}"/>
+                <a16:creationId xmlns:a16="http://schemas.microsoft.com/office/drawing/2014/main" xmlns="" id="{A2AD056B-97A4-5BCC-4460-250160F3E171}"/>
               </a:ext>
             </a:extLst>
           </p:cNvPr>
@@ -10375,7 +10352,7 @@
           <p:cNvPr id="4" name="TextBox 3">
             <a:extLst>
               <a:ext uri="{FF2B5EF4-FFF2-40B4-BE49-F238E27FC236}">
-                <a16:creationId xmlns="" xmlns:a16="http://schemas.microsoft.com/office/drawing/2014/main" id="{A2AD056B-97A4-5BCC-4460-250160F3E171}"/>
+                <a16:creationId xmlns:a16="http://schemas.microsoft.com/office/drawing/2014/main" xmlns="" id="{A2AD056B-97A4-5BCC-4460-250160F3E171}"/>
               </a:ext>
             </a:extLst>
           </p:cNvPr>
@@ -10904,7 +10881,7 @@
           <p:cNvPr id="4" name="TextBox 3">
             <a:extLst>
               <a:ext uri="{FF2B5EF4-FFF2-40B4-BE49-F238E27FC236}">
-                <a16:creationId xmlns="" xmlns:a16="http://schemas.microsoft.com/office/drawing/2014/main" id="{A2AD056B-97A4-5BCC-4460-250160F3E171}"/>
+                <a16:creationId xmlns:a16="http://schemas.microsoft.com/office/drawing/2014/main" xmlns="" id="{A2AD056B-97A4-5BCC-4460-250160F3E171}"/>
               </a:ext>
             </a:extLst>
           </p:cNvPr>
@@ -11172,7 +11149,7 @@
           <p:cNvPr id="8" name="TextBox 7">
             <a:extLst>
               <a:ext uri="{FF2B5EF4-FFF2-40B4-BE49-F238E27FC236}">
-                <a16:creationId xmlns="" xmlns:a16="http://schemas.microsoft.com/office/drawing/2014/main" id="{C6D113C6-EA5C-788F-0C77-E7CE6EBB865F}"/>
+                <a16:creationId xmlns:a16="http://schemas.microsoft.com/office/drawing/2014/main" xmlns="" id="{C6D113C6-EA5C-788F-0C77-E7CE6EBB865F}"/>
               </a:ext>
             </a:extLst>
           </p:cNvPr>
@@ -11564,7 +11541,7 @@
           <p:cNvPr id="4" name="TextBox 3">
             <a:extLst>
               <a:ext uri="{FF2B5EF4-FFF2-40B4-BE49-F238E27FC236}">
-                <a16:creationId xmlns="" xmlns:a16="http://schemas.microsoft.com/office/drawing/2014/main" id="{A2AD056B-97A4-5BCC-4460-250160F3E171}"/>
+                <a16:creationId xmlns:a16="http://schemas.microsoft.com/office/drawing/2014/main" xmlns="" id="{A2AD056B-97A4-5BCC-4460-250160F3E171}"/>
               </a:ext>
             </a:extLst>
           </p:cNvPr>
@@ -12138,7 +12115,7 @@
           <p:cNvPr id="5" name="TextBox 4">
             <a:extLst>
               <a:ext uri="{FF2B5EF4-FFF2-40B4-BE49-F238E27FC236}">
-                <a16:creationId xmlns="" xmlns:a16="http://schemas.microsoft.com/office/drawing/2014/main" id="{DF7DDD33-9412-2802-339A-E55446AC2DA7}"/>
+                <a16:creationId xmlns:a16="http://schemas.microsoft.com/office/drawing/2014/main" xmlns="" id="{DF7DDD33-9412-2802-339A-E55446AC2DA7}"/>
               </a:ext>
             </a:extLst>
           </p:cNvPr>
@@ -12186,7 +12163,7 @@
           <p:cNvPr id="7" name="TextBox 6">
             <a:extLst>
               <a:ext uri="{FF2B5EF4-FFF2-40B4-BE49-F238E27FC236}">
-                <a16:creationId xmlns="" xmlns:a16="http://schemas.microsoft.com/office/drawing/2014/main" id="{DF7DDD33-9412-2802-339A-E55446AC2DA7}"/>
+                <a16:creationId xmlns:a16="http://schemas.microsoft.com/office/drawing/2014/main" xmlns="" id="{DF7DDD33-9412-2802-339A-E55446AC2DA7}"/>
               </a:ext>
             </a:extLst>
           </p:cNvPr>
@@ -13480,7 +13457,7 @@
           <p:cNvPr id="11" name="TextBox 10">
             <a:extLst>
               <a:ext uri="{FF2B5EF4-FFF2-40B4-BE49-F238E27FC236}">
-                <a16:creationId xmlns="" xmlns:a16="http://schemas.microsoft.com/office/drawing/2014/main" id="{DF7DDD33-9412-2802-339A-E55446AC2DA7}"/>
+                <a16:creationId xmlns:a16="http://schemas.microsoft.com/office/drawing/2014/main" xmlns="" id="{DF7DDD33-9412-2802-339A-E55446AC2DA7}"/>
               </a:ext>
             </a:extLst>
           </p:cNvPr>
@@ -13538,7 +13515,7 @@
           <p:cNvPr id="12" name="TextBox 11">
             <a:extLst>
               <a:ext uri="{FF2B5EF4-FFF2-40B4-BE49-F238E27FC236}">
-                <a16:creationId xmlns="" xmlns:a16="http://schemas.microsoft.com/office/drawing/2014/main" id="{DF7DDD33-9412-2802-339A-E55446AC2DA7}"/>
+                <a16:creationId xmlns:a16="http://schemas.microsoft.com/office/drawing/2014/main" xmlns="" id="{DF7DDD33-9412-2802-339A-E55446AC2DA7}"/>
               </a:ext>
             </a:extLst>
           </p:cNvPr>
@@ -13586,7 +13563,7 @@
           <p:cNvPr id="13" name="TextBox 12">
             <a:extLst>
               <a:ext uri="{FF2B5EF4-FFF2-40B4-BE49-F238E27FC236}">
-                <a16:creationId xmlns="" xmlns:a16="http://schemas.microsoft.com/office/drawing/2014/main" id="{DF7DDD33-9412-2802-339A-E55446AC2DA7}"/>
+                <a16:creationId xmlns:a16="http://schemas.microsoft.com/office/drawing/2014/main" xmlns="" id="{DF7DDD33-9412-2802-339A-E55446AC2DA7}"/>
               </a:ext>
             </a:extLst>
           </p:cNvPr>
@@ -13634,7 +13611,7 @@
           <p:cNvPr id="14" name="TextBox 13">
             <a:extLst>
               <a:ext uri="{FF2B5EF4-FFF2-40B4-BE49-F238E27FC236}">
-                <a16:creationId xmlns="" xmlns:a16="http://schemas.microsoft.com/office/drawing/2014/main" id="{DF7DDD33-9412-2802-339A-E55446AC2DA7}"/>
+                <a16:creationId xmlns:a16="http://schemas.microsoft.com/office/drawing/2014/main" xmlns="" id="{DF7DDD33-9412-2802-339A-E55446AC2DA7}"/>
               </a:ext>
             </a:extLst>
           </p:cNvPr>
@@ -13692,7 +13669,7 @@
           <p:cNvPr id="15" name="TextBox 14">
             <a:extLst>
               <a:ext uri="{FF2B5EF4-FFF2-40B4-BE49-F238E27FC236}">
-                <a16:creationId xmlns="" xmlns:a16="http://schemas.microsoft.com/office/drawing/2014/main" id="{DF7DDD33-9412-2802-339A-E55446AC2DA7}"/>
+                <a16:creationId xmlns:a16="http://schemas.microsoft.com/office/drawing/2014/main" xmlns="" id="{DF7DDD33-9412-2802-339A-E55446AC2DA7}"/>
               </a:ext>
             </a:extLst>
           </p:cNvPr>
@@ -13740,7 +13717,7 @@
           <p:cNvPr id="16" name="TextBox 15">
             <a:extLst>
               <a:ext uri="{FF2B5EF4-FFF2-40B4-BE49-F238E27FC236}">
-                <a16:creationId xmlns="" xmlns:a16="http://schemas.microsoft.com/office/drawing/2014/main" id="{DF7DDD33-9412-2802-339A-E55446AC2DA7}"/>
+                <a16:creationId xmlns:a16="http://schemas.microsoft.com/office/drawing/2014/main" xmlns="" id="{DF7DDD33-9412-2802-339A-E55446AC2DA7}"/>
               </a:ext>
             </a:extLst>
           </p:cNvPr>
@@ -13798,7 +13775,7 @@
           <p:cNvPr id="17" name="TextBox 16">
             <a:extLst>
               <a:ext uri="{FF2B5EF4-FFF2-40B4-BE49-F238E27FC236}">
-                <a16:creationId xmlns="" xmlns:a16="http://schemas.microsoft.com/office/drawing/2014/main" id="{DF7DDD33-9412-2802-339A-E55446AC2DA7}"/>
+                <a16:creationId xmlns:a16="http://schemas.microsoft.com/office/drawing/2014/main" xmlns="" id="{DF7DDD33-9412-2802-339A-E55446AC2DA7}"/>
               </a:ext>
             </a:extLst>
           </p:cNvPr>
@@ -13846,7 +13823,7 @@
           <p:cNvPr id="18" name="TextBox 17">
             <a:extLst>
               <a:ext uri="{FF2B5EF4-FFF2-40B4-BE49-F238E27FC236}">
-                <a16:creationId xmlns="" xmlns:a16="http://schemas.microsoft.com/office/drawing/2014/main" id="{DF7DDD33-9412-2802-339A-E55446AC2DA7}"/>
+                <a16:creationId xmlns:a16="http://schemas.microsoft.com/office/drawing/2014/main" xmlns="" id="{DF7DDD33-9412-2802-339A-E55446AC2DA7}"/>
               </a:ext>
             </a:extLst>
           </p:cNvPr>
@@ -13904,7 +13881,7 @@
           <p:cNvPr id="19" name="TextBox 18">
             <a:extLst>
               <a:ext uri="{FF2B5EF4-FFF2-40B4-BE49-F238E27FC236}">
-                <a16:creationId xmlns="" xmlns:a16="http://schemas.microsoft.com/office/drawing/2014/main" id="{DF7DDD33-9412-2802-339A-E55446AC2DA7}"/>
+                <a16:creationId xmlns:a16="http://schemas.microsoft.com/office/drawing/2014/main" xmlns="" id="{DF7DDD33-9412-2802-339A-E55446AC2DA7}"/>
               </a:ext>
             </a:extLst>
           </p:cNvPr>
@@ -13952,7 +13929,7 @@
           <p:cNvPr id="20" name="TextBox 19">
             <a:extLst>
               <a:ext uri="{FF2B5EF4-FFF2-40B4-BE49-F238E27FC236}">
-                <a16:creationId xmlns="" xmlns:a16="http://schemas.microsoft.com/office/drawing/2014/main" id="{DF7DDD33-9412-2802-339A-E55446AC2DA7}"/>
+                <a16:creationId xmlns:a16="http://schemas.microsoft.com/office/drawing/2014/main" xmlns="" id="{DF7DDD33-9412-2802-339A-E55446AC2DA7}"/>
               </a:ext>
             </a:extLst>
           </p:cNvPr>
@@ -15256,7 +15233,7 @@
           <p:cNvPr id="23" name="TextBox 22">
             <a:extLst>
               <a:ext uri="{FF2B5EF4-FFF2-40B4-BE49-F238E27FC236}">
-                <a16:creationId xmlns="" xmlns:a16="http://schemas.microsoft.com/office/drawing/2014/main" id="{DF7DDD33-9412-2802-339A-E55446AC2DA7}"/>
+                <a16:creationId xmlns:a16="http://schemas.microsoft.com/office/drawing/2014/main" xmlns="" id="{DF7DDD33-9412-2802-339A-E55446AC2DA7}"/>
               </a:ext>
             </a:extLst>
           </p:cNvPr>
@@ -15304,7 +15281,7 @@
           <p:cNvPr id="24" name="TextBox 23">
             <a:extLst>
               <a:ext uri="{FF2B5EF4-FFF2-40B4-BE49-F238E27FC236}">
-                <a16:creationId xmlns="" xmlns:a16="http://schemas.microsoft.com/office/drawing/2014/main" id="{DF7DDD33-9412-2802-339A-E55446AC2DA7}"/>
+                <a16:creationId xmlns:a16="http://schemas.microsoft.com/office/drawing/2014/main" xmlns="" id="{DF7DDD33-9412-2802-339A-E55446AC2DA7}"/>
               </a:ext>
             </a:extLst>
           </p:cNvPr>
@@ -15352,7 +15329,7 @@
           <p:cNvPr id="26" name="TextBox 25">
             <a:extLst>
               <a:ext uri="{FF2B5EF4-FFF2-40B4-BE49-F238E27FC236}">
-                <a16:creationId xmlns="" xmlns:a16="http://schemas.microsoft.com/office/drawing/2014/main" id="{DF7DDD33-9412-2802-339A-E55446AC2DA7}"/>
+                <a16:creationId xmlns:a16="http://schemas.microsoft.com/office/drawing/2014/main" xmlns="" id="{DF7DDD33-9412-2802-339A-E55446AC2DA7}"/>
               </a:ext>
             </a:extLst>
           </p:cNvPr>
@@ -15400,7 +15377,7 @@
           <p:cNvPr id="28" name="TextBox 27">
             <a:extLst>
               <a:ext uri="{FF2B5EF4-FFF2-40B4-BE49-F238E27FC236}">
-                <a16:creationId xmlns="" xmlns:a16="http://schemas.microsoft.com/office/drawing/2014/main" id="{DF7DDD33-9412-2802-339A-E55446AC2DA7}"/>
+                <a16:creationId xmlns:a16="http://schemas.microsoft.com/office/drawing/2014/main" xmlns="" id="{DF7DDD33-9412-2802-339A-E55446AC2DA7}"/>
               </a:ext>
             </a:extLst>
           </p:cNvPr>
@@ -15448,7 +15425,7 @@
           <p:cNvPr id="30" name="TextBox 29">
             <a:extLst>
               <a:ext uri="{FF2B5EF4-FFF2-40B4-BE49-F238E27FC236}">
-                <a16:creationId xmlns="" xmlns:a16="http://schemas.microsoft.com/office/drawing/2014/main" id="{DF7DDD33-9412-2802-339A-E55446AC2DA7}"/>
+                <a16:creationId xmlns:a16="http://schemas.microsoft.com/office/drawing/2014/main" xmlns="" id="{DF7DDD33-9412-2802-339A-E55446AC2DA7}"/>
               </a:ext>
             </a:extLst>
           </p:cNvPr>
@@ -16076,7 +16053,7 @@
           <p:cNvPr id="2" name="TextBox 1">
             <a:extLst>
               <a:ext uri="{FF2B5EF4-FFF2-40B4-BE49-F238E27FC236}">
-                <a16:creationId xmlns="" xmlns:a16="http://schemas.microsoft.com/office/drawing/2014/main" id="{8D19D88B-9541-32D7-90F1-0C45C993E21C}"/>
+                <a16:creationId xmlns:a16="http://schemas.microsoft.com/office/drawing/2014/main" xmlns="" id="{8D19D88B-9541-32D7-90F1-0C45C993E21C}"/>
               </a:ext>
             </a:extLst>
           </p:cNvPr>
@@ -16180,7 +16157,7 @@
           <p:cNvPr id="5" name="직사각형 4">
             <a:extLst>
               <a:ext uri="{FF2B5EF4-FFF2-40B4-BE49-F238E27FC236}">
-                <a16:creationId xmlns="" xmlns:a16="http://schemas.microsoft.com/office/drawing/2014/main" id="{FFF506F9-840A-0508-4CAF-3AC711D8D5CE}"/>
+                <a16:creationId xmlns:a16="http://schemas.microsoft.com/office/drawing/2014/main" xmlns="" id="{FFF506F9-840A-0508-4CAF-3AC711D8D5CE}"/>
               </a:ext>
             </a:extLst>
           </p:cNvPr>
@@ -16256,7 +16233,7 @@
           <p:cNvPr id="7" name="직사각형 6">
             <a:extLst>
               <a:ext uri="{FF2B5EF4-FFF2-40B4-BE49-F238E27FC236}">
-                <a16:creationId xmlns="" xmlns:a16="http://schemas.microsoft.com/office/drawing/2014/main" id="{FFF506F9-840A-0508-4CAF-3AC711D8D5CE}"/>
+                <a16:creationId xmlns:a16="http://schemas.microsoft.com/office/drawing/2014/main" xmlns="" id="{FFF506F9-840A-0508-4CAF-3AC711D8D5CE}"/>
               </a:ext>
             </a:extLst>
           </p:cNvPr>
@@ -16406,7 +16383,7 @@
           <p:cNvPr id="4" name="TextBox 3">
             <a:extLst>
               <a:ext uri="{FF2B5EF4-FFF2-40B4-BE49-F238E27FC236}">
-                <a16:creationId xmlns="" xmlns:a16="http://schemas.microsoft.com/office/drawing/2014/main" id="{DF7DDD33-9412-2802-339A-E55446AC2DA7}"/>
+                <a16:creationId xmlns:a16="http://schemas.microsoft.com/office/drawing/2014/main" xmlns="" id="{DF7DDD33-9412-2802-339A-E55446AC2DA7}"/>
               </a:ext>
             </a:extLst>
           </p:cNvPr>
@@ -16577,7 +16554,7 @@
           <p:cNvPr id="9" name="직선 화살표 연결선 8">
             <a:extLst>
               <a:ext uri="{FF2B5EF4-FFF2-40B4-BE49-F238E27FC236}">
-                <a16:creationId xmlns="" xmlns:a16="http://schemas.microsoft.com/office/drawing/2014/main" id="{299DF5EC-9DF4-5255-06AC-0A7CE4FF58C3}"/>
+                <a16:creationId xmlns:a16="http://schemas.microsoft.com/office/drawing/2014/main" xmlns="" id="{299DF5EC-9DF4-5255-06AC-0A7CE4FF58C3}"/>
               </a:ext>
             </a:extLst>
           </p:cNvPr>
@@ -16618,7 +16595,7 @@
           <p:cNvPr id="10" name="직사각형 9">
             <a:extLst>
               <a:ext uri="{FF2B5EF4-FFF2-40B4-BE49-F238E27FC236}">
-                <a16:creationId xmlns="" xmlns:a16="http://schemas.microsoft.com/office/drawing/2014/main" id="{FFF506F9-840A-0508-4CAF-3AC711D8D5CE}"/>
+                <a16:creationId xmlns:a16="http://schemas.microsoft.com/office/drawing/2014/main" xmlns="" id="{FFF506F9-840A-0508-4CAF-3AC711D8D5CE}"/>
               </a:ext>
             </a:extLst>
           </p:cNvPr>
@@ -16670,7 +16647,7 @@
           <p:cNvPr id="11" name="TextBox 10">
             <a:extLst>
               <a:ext uri="{FF2B5EF4-FFF2-40B4-BE49-F238E27FC236}">
-                <a16:creationId xmlns="" xmlns:a16="http://schemas.microsoft.com/office/drawing/2014/main" id="{C6D113C6-EA5C-788F-0C77-E7CE6EBB865F}"/>
+                <a16:creationId xmlns:a16="http://schemas.microsoft.com/office/drawing/2014/main" xmlns="" id="{C6D113C6-EA5C-788F-0C77-E7CE6EBB865F}"/>
               </a:ext>
             </a:extLst>
           </p:cNvPr>
@@ -16718,7 +16695,7 @@
           <p:cNvPr id="14" name="TextBox 13">
             <a:extLst>
               <a:ext uri="{FF2B5EF4-FFF2-40B4-BE49-F238E27FC236}">
-                <a16:creationId xmlns="" xmlns:a16="http://schemas.microsoft.com/office/drawing/2014/main" id="{C6D113C6-EA5C-788F-0C77-E7CE6EBB865F}"/>
+                <a16:creationId xmlns:a16="http://schemas.microsoft.com/office/drawing/2014/main" xmlns="" id="{C6D113C6-EA5C-788F-0C77-E7CE6EBB865F}"/>
               </a:ext>
             </a:extLst>
           </p:cNvPr>
@@ -16967,7 +16944,7 @@
           <p:cNvPr id="4" name="TextBox 3">
             <a:extLst>
               <a:ext uri="{FF2B5EF4-FFF2-40B4-BE49-F238E27FC236}">
-                <a16:creationId xmlns="" xmlns:a16="http://schemas.microsoft.com/office/drawing/2014/main" id="{DF7DDD33-9412-2802-339A-E55446AC2DA7}"/>
+                <a16:creationId xmlns:a16="http://schemas.microsoft.com/office/drawing/2014/main" xmlns="" id="{DF7DDD33-9412-2802-339A-E55446AC2DA7}"/>
               </a:ext>
             </a:extLst>
           </p:cNvPr>
@@ -17038,7 +17015,7 @@
           <p:cNvPr id="5" name="TextBox 4">
             <a:extLst>
               <a:ext uri="{FF2B5EF4-FFF2-40B4-BE49-F238E27FC236}">
-                <a16:creationId xmlns="" xmlns:a16="http://schemas.microsoft.com/office/drawing/2014/main" id="{DF7DDD33-9412-2802-339A-E55446AC2DA7}"/>
+                <a16:creationId xmlns:a16="http://schemas.microsoft.com/office/drawing/2014/main" xmlns="" id="{DF7DDD33-9412-2802-339A-E55446AC2DA7}"/>
               </a:ext>
             </a:extLst>
           </p:cNvPr>
@@ -17202,7 +17179,7 @@
           <p:cNvPr id="4" name="Object 1">
             <a:extLst>
               <a:ext uri="{FF2B5EF4-FFF2-40B4-BE49-F238E27FC236}">
-                <a16:creationId xmlns="" xmlns:a16="http://schemas.microsoft.com/office/drawing/2014/main" id="{B0329035-BE76-33A8-0F2E-44624FCC1DED}"/>
+                <a16:creationId xmlns:a16="http://schemas.microsoft.com/office/drawing/2014/main" xmlns="" id="{B0329035-BE76-33A8-0F2E-44624FCC1DED}"/>
               </a:ext>
             </a:extLst>
           </p:cNvPr>
@@ -17232,7 +17209,7 @@
           <p:cNvPr id="7" name="그룹 1001">
             <a:extLst>
               <a:ext uri="{FF2B5EF4-FFF2-40B4-BE49-F238E27FC236}">
-                <a16:creationId xmlns="" xmlns:a16="http://schemas.microsoft.com/office/drawing/2014/main" id="{CD24CE9D-AC18-B6CD-F397-7E8E03D6FE26}"/>
+                <a16:creationId xmlns:a16="http://schemas.microsoft.com/office/drawing/2014/main" xmlns="" id="{CD24CE9D-AC18-B6CD-F397-7E8E03D6FE26}"/>
               </a:ext>
             </a:extLst>
           </p:cNvPr>
@@ -17252,7 +17229,7 @@
             <p:cNvPr id="8" name="Object 5">
               <a:extLst>
                 <a:ext uri="{FF2B5EF4-FFF2-40B4-BE49-F238E27FC236}">
-                  <a16:creationId xmlns="" xmlns:a16="http://schemas.microsoft.com/office/drawing/2014/main" id="{0EEF25E8-3BA8-EBAA-6DC2-66D70C3F9F4D}"/>
+                  <a16:creationId xmlns:a16="http://schemas.microsoft.com/office/drawing/2014/main" xmlns="" id="{0EEF25E8-3BA8-EBAA-6DC2-66D70C3F9F4D}"/>
                 </a:ext>
               </a:extLst>
             </p:cNvPr>
@@ -17283,7 +17260,7 @@
           <p:cNvPr id="9" name="그룹 1002">
             <a:extLst>
               <a:ext uri="{FF2B5EF4-FFF2-40B4-BE49-F238E27FC236}">
-                <a16:creationId xmlns="" xmlns:a16="http://schemas.microsoft.com/office/drawing/2014/main" id="{0F281BC9-DE1F-D1FE-E64C-C4640398F00C}"/>
+                <a16:creationId xmlns:a16="http://schemas.microsoft.com/office/drawing/2014/main" xmlns="" id="{0F281BC9-DE1F-D1FE-E64C-C4640398F00C}"/>
               </a:ext>
             </a:extLst>
           </p:cNvPr>
@@ -17303,7 +17280,7 @@
             <p:cNvPr id="10" name="Object 8">
               <a:extLst>
                 <a:ext uri="{FF2B5EF4-FFF2-40B4-BE49-F238E27FC236}">
-                  <a16:creationId xmlns="" xmlns:a16="http://schemas.microsoft.com/office/drawing/2014/main" id="{F669DCEF-04BB-7046-3F7F-5B513213556E}"/>
+                  <a16:creationId xmlns:a16="http://schemas.microsoft.com/office/drawing/2014/main" xmlns="" id="{F669DCEF-04BB-7046-3F7F-5B513213556E}"/>
                 </a:ext>
               </a:extLst>
             </p:cNvPr>
@@ -17334,7 +17311,7 @@
           <p:cNvPr id="11" name="그룹 1003">
             <a:extLst>
               <a:ext uri="{FF2B5EF4-FFF2-40B4-BE49-F238E27FC236}">
-                <a16:creationId xmlns="" xmlns:a16="http://schemas.microsoft.com/office/drawing/2014/main" id="{1F91EEF9-13EA-BB7F-B056-D35E7DB989AC}"/>
+                <a16:creationId xmlns:a16="http://schemas.microsoft.com/office/drawing/2014/main" xmlns="" id="{1F91EEF9-13EA-BB7F-B056-D35E7DB989AC}"/>
               </a:ext>
             </a:extLst>
           </p:cNvPr>
@@ -17354,7 +17331,7 @@
             <p:cNvPr id="12" name="Object 11">
               <a:extLst>
                 <a:ext uri="{FF2B5EF4-FFF2-40B4-BE49-F238E27FC236}">
-                  <a16:creationId xmlns="" xmlns:a16="http://schemas.microsoft.com/office/drawing/2014/main" id="{2CFFB217-AEFB-2C9E-5F86-6EE19510FFC6}"/>
+                  <a16:creationId xmlns:a16="http://schemas.microsoft.com/office/drawing/2014/main" xmlns="" id="{2CFFB217-AEFB-2C9E-5F86-6EE19510FFC6}"/>
                 </a:ext>
               </a:extLst>
             </p:cNvPr>
@@ -17385,7 +17362,7 @@
           <p:cNvPr id="13" name="그룹 1004">
             <a:extLst>
               <a:ext uri="{FF2B5EF4-FFF2-40B4-BE49-F238E27FC236}">
-                <a16:creationId xmlns="" xmlns:a16="http://schemas.microsoft.com/office/drawing/2014/main" id="{123B9C7E-94E8-E7E1-81BE-D59EA0299187}"/>
+                <a16:creationId xmlns:a16="http://schemas.microsoft.com/office/drawing/2014/main" xmlns="" id="{123B9C7E-94E8-E7E1-81BE-D59EA0299187}"/>
               </a:ext>
             </a:extLst>
           </p:cNvPr>
@@ -17405,7 +17382,7 @@
             <p:cNvPr id="14" name="Object 14">
               <a:extLst>
                 <a:ext uri="{FF2B5EF4-FFF2-40B4-BE49-F238E27FC236}">
-                  <a16:creationId xmlns="" xmlns:a16="http://schemas.microsoft.com/office/drawing/2014/main" id="{B6291552-2D89-A79F-7ACD-EA0EF9A4C389}"/>
+                  <a16:creationId xmlns:a16="http://schemas.microsoft.com/office/drawing/2014/main" xmlns="" id="{B6291552-2D89-A79F-7ACD-EA0EF9A4C389}"/>
                 </a:ext>
               </a:extLst>
             </p:cNvPr>
@@ -17436,7 +17413,7 @@
           <p:cNvPr id="15" name="TextBox 14">
             <a:extLst>
               <a:ext uri="{FF2B5EF4-FFF2-40B4-BE49-F238E27FC236}">
-                <a16:creationId xmlns="" xmlns:a16="http://schemas.microsoft.com/office/drawing/2014/main" id="{7D99763A-FC24-23F5-5BA9-D7B042E0F323}"/>
+                <a16:creationId xmlns:a16="http://schemas.microsoft.com/office/drawing/2014/main" xmlns="" id="{7D99763A-FC24-23F5-5BA9-D7B042E0F323}"/>
               </a:ext>
             </a:extLst>
           </p:cNvPr>
@@ -17545,7 +17522,7 @@
           <p:cNvPr id="5" name="직선 화살표 연결선 4">
             <a:extLst>
               <a:ext uri="{FF2B5EF4-FFF2-40B4-BE49-F238E27FC236}">
-                <a16:creationId xmlns="" xmlns:a16="http://schemas.microsoft.com/office/drawing/2014/main" id="{299DF5EC-9DF4-5255-06AC-0A7CE4FF58C3}"/>
+                <a16:creationId xmlns:a16="http://schemas.microsoft.com/office/drawing/2014/main" xmlns="" id="{299DF5EC-9DF4-5255-06AC-0A7CE4FF58C3}"/>
               </a:ext>
             </a:extLst>
           </p:cNvPr>
@@ -17586,7 +17563,7 @@
           <p:cNvPr id="6" name="직사각형 5">
             <a:extLst>
               <a:ext uri="{FF2B5EF4-FFF2-40B4-BE49-F238E27FC236}">
-                <a16:creationId xmlns="" xmlns:a16="http://schemas.microsoft.com/office/drawing/2014/main" id="{FFF506F9-840A-0508-4CAF-3AC711D8D5CE}"/>
+                <a16:creationId xmlns:a16="http://schemas.microsoft.com/office/drawing/2014/main" xmlns="" id="{FFF506F9-840A-0508-4CAF-3AC711D8D5CE}"/>
               </a:ext>
             </a:extLst>
           </p:cNvPr>
@@ -17638,7 +17615,7 @@
           <p:cNvPr id="7" name="TextBox 6">
             <a:extLst>
               <a:ext uri="{FF2B5EF4-FFF2-40B4-BE49-F238E27FC236}">
-                <a16:creationId xmlns="" xmlns:a16="http://schemas.microsoft.com/office/drawing/2014/main" id="{C6D113C6-EA5C-788F-0C77-E7CE6EBB865F}"/>
+                <a16:creationId xmlns:a16="http://schemas.microsoft.com/office/drawing/2014/main" xmlns="" id="{C6D113C6-EA5C-788F-0C77-E7CE6EBB865F}"/>
               </a:ext>
             </a:extLst>
           </p:cNvPr>
@@ -17686,7 +17663,7 @@
           <p:cNvPr id="8" name="직선 화살표 연결선 7">
             <a:extLst>
               <a:ext uri="{FF2B5EF4-FFF2-40B4-BE49-F238E27FC236}">
-                <a16:creationId xmlns="" xmlns:a16="http://schemas.microsoft.com/office/drawing/2014/main" id="{299DF5EC-9DF4-5255-06AC-0A7CE4FF58C3}"/>
+                <a16:creationId xmlns:a16="http://schemas.microsoft.com/office/drawing/2014/main" xmlns="" id="{299DF5EC-9DF4-5255-06AC-0A7CE4FF58C3}"/>
               </a:ext>
             </a:extLst>
           </p:cNvPr>
@@ -17727,7 +17704,7 @@
           <p:cNvPr id="9" name="직사각형 8">
             <a:extLst>
               <a:ext uri="{FF2B5EF4-FFF2-40B4-BE49-F238E27FC236}">
-                <a16:creationId xmlns="" xmlns:a16="http://schemas.microsoft.com/office/drawing/2014/main" id="{FFF506F9-840A-0508-4CAF-3AC711D8D5CE}"/>
+                <a16:creationId xmlns:a16="http://schemas.microsoft.com/office/drawing/2014/main" xmlns="" id="{FFF506F9-840A-0508-4CAF-3AC711D8D5CE}"/>
               </a:ext>
             </a:extLst>
           </p:cNvPr>
@@ -17779,7 +17756,7 @@
           <p:cNvPr id="10" name="TextBox 9">
             <a:extLst>
               <a:ext uri="{FF2B5EF4-FFF2-40B4-BE49-F238E27FC236}">
-                <a16:creationId xmlns="" xmlns:a16="http://schemas.microsoft.com/office/drawing/2014/main" id="{C6D113C6-EA5C-788F-0C77-E7CE6EBB865F}"/>
+                <a16:creationId xmlns:a16="http://schemas.microsoft.com/office/drawing/2014/main" xmlns="" id="{C6D113C6-EA5C-788F-0C77-E7CE6EBB865F}"/>
               </a:ext>
             </a:extLst>
           </p:cNvPr>
@@ -17827,7 +17804,7 @@
           <p:cNvPr id="11" name="TextBox 10">
             <a:extLst>
               <a:ext uri="{FF2B5EF4-FFF2-40B4-BE49-F238E27FC236}">
-                <a16:creationId xmlns="" xmlns:a16="http://schemas.microsoft.com/office/drawing/2014/main" id="{C6D113C6-EA5C-788F-0C77-E7CE6EBB865F}"/>
+                <a16:creationId xmlns:a16="http://schemas.microsoft.com/office/drawing/2014/main" xmlns="" id="{C6D113C6-EA5C-788F-0C77-E7CE6EBB865F}"/>
               </a:ext>
             </a:extLst>
           </p:cNvPr>
@@ -17885,7 +17862,7 @@
           <p:cNvPr id="12" name="표 2">
             <a:extLst>
               <a:ext uri="{FF2B5EF4-FFF2-40B4-BE49-F238E27FC236}">
-                <a16:creationId xmlns="" xmlns:a16="http://schemas.microsoft.com/office/drawing/2014/main" id="{D2CC6F32-611A-E22D-EB8C-52D626A5B319}"/>
+                <a16:creationId xmlns:a16="http://schemas.microsoft.com/office/drawing/2014/main" xmlns="" id="{D2CC6F32-611A-E22D-EB8C-52D626A5B319}"/>
               </a:ext>
             </a:extLst>
           </p:cNvPr>
@@ -17914,14 +17891,14 @@
                 <a:gridCol w="1731833">
                   <a:extLst>
                     <a:ext uri="{9D8B030D-6E8A-4147-A177-3AD203B41FA5}">
-                      <a16:colId xmlns="" xmlns:a16="http://schemas.microsoft.com/office/drawing/2014/main" val="1960770391"/>
+                      <a16:colId xmlns:a16="http://schemas.microsoft.com/office/drawing/2014/main" xmlns="" val="1960770391"/>
                     </a:ext>
                   </a:extLst>
                 </a:gridCol>
                 <a:gridCol w="1752960">
                   <a:extLst>
                     <a:ext uri="{9D8B030D-6E8A-4147-A177-3AD203B41FA5}">
-                      <a16:colId xmlns="" xmlns:a16="http://schemas.microsoft.com/office/drawing/2014/main" val="733308553"/>
+                      <a16:colId xmlns:a16="http://schemas.microsoft.com/office/drawing/2014/main" xmlns="" val="733308553"/>
                     </a:ext>
                   </a:extLst>
                 </a:gridCol>
@@ -18059,7 +18036,7 @@
                 </a:tc>
                 <a:extLst>
                   <a:ext uri="{0D108BD9-81ED-4DB2-BD59-A6C34878D82A}">
-                    <a16:rowId xmlns="" xmlns:a16="http://schemas.microsoft.com/office/drawing/2014/main" val="2452905565"/>
+                    <a16:rowId xmlns:a16="http://schemas.microsoft.com/office/drawing/2014/main" xmlns="" val="2452905565"/>
                   </a:ext>
                 </a:extLst>
               </a:tr>
@@ -18196,7 +18173,7 @@
                 </a:tc>
                 <a:extLst>
                   <a:ext uri="{0D108BD9-81ED-4DB2-BD59-A6C34878D82A}">
-                    <a16:rowId xmlns="" xmlns:a16="http://schemas.microsoft.com/office/drawing/2014/main" val="3551452526"/>
+                    <a16:rowId xmlns:a16="http://schemas.microsoft.com/office/drawing/2014/main" xmlns="" val="3551452526"/>
                   </a:ext>
                 </a:extLst>
               </a:tr>
@@ -18317,7 +18294,7 @@
                 </a:tc>
                 <a:extLst>
                   <a:ext uri="{0D108BD9-81ED-4DB2-BD59-A6C34878D82A}">
-                    <a16:rowId xmlns="" xmlns:a16="http://schemas.microsoft.com/office/drawing/2014/main" val="3645064171"/>
+                    <a16:rowId xmlns:a16="http://schemas.microsoft.com/office/drawing/2014/main" xmlns="" val="3645064171"/>
                   </a:ext>
                 </a:extLst>
               </a:tr>
@@ -18438,7 +18415,7 @@
                 </a:tc>
                 <a:extLst>
                   <a:ext uri="{0D108BD9-81ED-4DB2-BD59-A6C34878D82A}">
-                    <a16:rowId xmlns="" xmlns:a16="http://schemas.microsoft.com/office/drawing/2014/main" val="2802120283"/>
+                    <a16:rowId xmlns:a16="http://schemas.microsoft.com/office/drawing/2014/main" xmlns="" val="2802120283"/>
                   </a:ext>
                 </a:extLst>
               </a:tr>
@@ -18559,7 +18536,7 @@
                 </a:tc>
                 <a:extLst>
                   <a:ext uri="{0D108BD9-81ED-4DB2-BD59-A6C34878D82A}">
-                    <a16:rowId xmlns="" xmlns:a16="http://schemas.microsoft.com/office/drawing/2014/main" val="1362299918"/>
+                    <a16:rowId xmlns:a16="http://schemas.microsoft.com/office/drawing/2014/main" xmlns="" val="1362299918"/>
                   </a:ext>
                 </a:extLst>
               </a:tr>
@@ -18999,7 +18976,7 @@
           <p:cNvPr id="60" name="TextBox 59">
             <a:extLst>
               <a:ext uri="{FF2B5EF4-FFF2-40B4-BE49-F238E27FC236}">
-                <a16:creationId xmlns="" xmlns:a16="http://schemas.microsoft.com/office/drawing/2014/main" id="{5ADC00B6-990A-40DC-3CEA-505258F5E8DA}"/>
+                <a16:creationId xmlns:a16="http://schemas.microsoft.com/office/drawing/2014/main" xmlns="" id="{5ADC00B6-990A-40DC-3CEA-505258F5E8DA}"/>
               </a:ext>
             </a:extLst>
           </p:cNvPr>
@@ -19047,7 +19024,7 @@
           <p:cNvPr id="61" name="TextBox 60">
             <a:extLst>
               <a:ext uri="{FF2B5EF4-FFF2-40B4-BE49-F238E27FC236}">
-                <a16:creationId xmlns="" xmlns:a16="http://schemas.microsoft.com/office/drawing/2014/main" id="{5ADC00B6-990A-40DC-3CEA-505258F5E8DA}"/>
+                <a16:creationId xmlns:a16="http://schemas.microsoft.com/office/drawing/2014/main" xmlns="" id="{5ADC00B6-990A-40DC-3CEA-505258F5E8DA}"/>
               </a:ext>
             </a:extLst>
           </p:cNvPr>
@@ -19095,7 +19072,7 @@
           <p:cNvPr id="62" name="TextBox 61">
             <a:extLst>
               <a:ext uri="{FF2B5EF4-FFF2-40B4-BE49-F238E27FC236}">
-                <a16:creationId xmlns="" xmlns:a16="http://schemas.microsoft.com/office/drawing/2014/main" id="{5ADC00B6-990A-40DC-3CEA-505258F5E8DA}"/>
+                <a16:creationId xmlns:a16="http://schemas.microsoft.com/office/drawing/2014/main" xmlns="" id="{5ADC00B6-990A-40DC-3CEA-505258F5E8DA}"/>
               </a:ext>
             </a:extLst>
           </p:cNvPr>
@@ -19143,7 +19120,7 @@
           <p:cNvPr id="19" name="TextBox 18">
             <a:extLst>
               <a:ext uri="{FF2B5EF4-FFF2-40B4-BE49-F238E27FC236}">
-                <a16:creationId xmlns="" xmlns:a16="http://schemas.microsoft.com/office/drawing/2014/main" id="{5ADC00B6-990A-40DC-3CEA-505258F5E8DA}"/>
+                <a16:creationId xmlns:a16="http://schemas.microsoft.com/office/drawing/2014/main" xmlns="" id="{5ADC00B6-990A-40DC-3CEA-505258F5E8DA}"/>
               </a:ext>
             </a:extLst>
           </p:cNvPr>
@@ -19248,7 +19225,7 @@
           <p:cNvPr id="4" name="TextBox 3">
             <a:extLst>
               <a:ext uri="{FF2B5EF4-FFF2-40B4-BE49-F238E27FC236}">
-                <a16:creationId xmlns="" xmlns:a16="http://schemas.microsoft.com/office/drawing/2014/main" id="{5ADC00B6-990A-40DC-3CEA-505258F5E8DA}"/>
+                <a16:creationId xmlns:a16="http://schemas.microsoft.com/office/drawing/2014/main" xmlns="" id="{5ADC00B6-990A-40DC-3CEA-505258F5E8DA}"/>
               </a:ext>
             </a:extLst>
           </p:cNvPr>
@@ -19320,7 +19297,7 @@
           <p:cNvPr id="6" name="TextBox 5">
             <a:extLst>
               <a:ext uri="{FF2B5EF4-FFF2-40B4-BE49-F238E27FC236}">
-                <a16:creationId xmlns="" xmlns:a16="http://schemas.microsoft.com/office/drawing/2014/main" id="{5ADC00B6-990A-40DC-3CEA-505258F5E8DA}"/>
+                <a16:creationId xmlns:a16="http://schemas.microsoft.com/office/drawing/2014/main" xmlns="" id="{5ADC00B6-990A-40DC-3CEA-505258F5E8DA}"/>
               </a:ext>
             </a:extLst>
           </p:cNvPr>
@@ -19510,7 +19487,7 @@
           <p:cNvPr id="4" name="TextBox 3">
             <a:extLst>
               <a:ext uri="{FF2B5EF4-FFF2-40B4-BE49-F238E27FC236}">
-                <a16:creationId xmlns="" xmlns:a16="http://schemas.microsoft.com/office/drawing/2014/main" id="{5ADC00B6-990A-40DC-3CEA-505258F5E8DA}"/>
+                <a16:creationId xmlns:a16="http://schemas.microsoft.com/office/drawing/2014/main" xmlns="" id="{5ADC00B6-990A-40DC-3CEA-505258F5E8DA}"/>
               </a:ext>
             </a:extLst>
           </p:cNvPr>
@@ -19582,7 +19559,7 @@
           <p:cNvPr id="8" name="직사각형 7">
             <a:extLst>
               <a:ext uri="{FF2B5EF4-FFF2-40B4-BE49-F238E27FC236}">
-                <a16:creationId xmlns="" xmlns:a16="http://schemas.microsoft.com/office/drawing/2014/main" id="{FFF506F9-840A-0508-4CAF-3AC711D8D5CE}"/>
+                <a16:creationId xmlns:a16="http://schemas.microsoft.com/office/drawing/2014/main" xmlns="" id="{FFF506F9-840A-0508-4CAF-3AC711D8D5CE}"/>
               </a:ext>
             </a:extLst>
           </p:cNvPr>
@@ -19634,7 +19611,7 @@
           <p:cNvPr id="9" name="직사각형 8">
             <a:extLst>
               <a:ext uri="{FF2B5EF4-FFF2-40B4-BE49-F238E27FC236}">
-                <a16:creationId xmlns="" xmlns:a16="http://schemas.microsoft.com/office/drawing/2014/main" id="{FFF506F9-840A-0508-4CAF-3AC711D8D5CE}"/>
+                <a16:creationId xmlns:a16="http://schemas.microsoft.com/office/drawing/2014/main" xmlns="" id="{FFF506F9-840A-0508-4CAF-3AC711D8D5CE}"/>
               </a:ext>
             </a:extLst>
           </p:cNvPr>
@@ -19686,7 +19663,7 @@
           <p:cNvPr id="10" name="직사각형 9">
             <a:extLst>
               <a:ext uri="{FF2B5EF4-FFF2-40B4-BE49-F238E27FC236}">
-                <a16:creationId xmlns="" xmlns:a16="http://schemas.microsoft.com/office/drawing/2014/main" id="{FFF506F9-840A-0508-4CAF-3AC711D8D5CE}"/>
+                <a16:creationId xmlns:a16="http://schemas.microsoft.com/office/drawing/2014/main" xmlns="" id="{FFF506F9-840A-0508-4CAF-3AC711D8D5CE}"/>
               </a:ext>
             </a:extLst>
           </p:cNvPr>
@@ -19738,7 +19715,7 @@
           <p:cNvPr id="12" name="그룹 1008">
             <a:extLst>
               <a:ext uri="{FF2B5EF4-FFF2-40B4-BE49-F238E27FC236}">
-                <a16:creationId xmlns="" xmlns:a16="http://schemas.microsoft.com/office/drawing/2014/main" id="{678F6342-C505-E8AD-ADA4-022CB2C2088E}"/>
+                <a16:creationId xmlns:a16="http://schemas.microsoft.com/office/drawing/2014/main" xmlns="" id="{678F6342-C505-E8AD-ADA4-022CB2C2088E}"/>
               </a:ext>
             </a:extLst>
           </p:cNvPr>
@@ -19758,7 +19735,7 @@
             <p:cNvPr id="13" name="그룹 1009">
               <a:extLst>
                 <a:ext uri="{FF2B5EF4-FFF2-40B4-BE49-F238E27FC236}">
-                  <a16:creationId xmlns="" xmlns:a16="http://schemas.microsoft.com/office/drawing/2014/main" id="{4E1F1FED-812B-9BBB-925A-84B54A077414}"/>
+                  <a16:creationId xmlns:a16="http://schemas.microsoft.com/office/drawing/2014/main" xmlns="" id="{4E1F1FED-812B-9BBB-925A-84B54A077414}"/>
                 </a:ext>
               </a:extLst>
             </p:cNvPr>
@@ -19778,7 +19755,7 @@
               <p:cNvPr id="18" name="Object 29">
                 <a:extLst>
                   <a:ext uri="{FF2B5EF4-FFF2-40B4-BE49-F238E27FC236}">
-                    <a16:creationId xmlns="" xmlns:a16="http://schemas.microsoft.com/office/drawing/2014/main" id="{7B078609-4286-7B00-51EB-809C8E2DE289}"/>
+                    <a16:creationId xmlns:a16="http://schemas.microsoft.com/office/drawing/2014/main" xmlns="" id="{7B078609-4286-7B00-51EB-809C8E2DE289}"/>
                   </a:ext>
                 </a:extLst>
               </p:cNvPr>
@@ -19809,7 +19786,7 @@
             <p:cNvPr id="14" name="그룹 1010">
               <a:extLst>
                 <a:ext uri="{FF2B5EF4-FFF2-40B4-BE49-F238E27FC236}">
-                  <a16:creationId xmlns="" xmlns:a16="http://schemas.microsoft.com/office/drawing/2014/main" id="{02A649BF-B5B5-FBAF-7DFD-E118A4DF8907}"/>
+                  <a16:creationId xmlns:a16="http://schemas.microsoft.com/office/drawing/2014/main" xmlns="" id="{02A649BF-B5B5-FBAF-7DFD-E118A4DF8907}"/>
                 </a:ext>
               </a:extLst>
             </p:cNvPr>
@@ -19829,7 +19806,7 @@
               <p:cNvPr id="17" name="Object 32">
                 <a:extLst>
                   <a:ext uri="{FF2B5EF4-FFF2-40B4-BE49-F238E27FC236}">
-                    <a16:creationId xmlns="" xmlns:a16="http://schemas.microsoft.com/office/drawing/2014/main" id="{2A0FFF23-B3C9-3EA0-1C1B-A87D4FF098AE}"/>
+                    <a16:creationId xmlns:a16="http://schemas.microsoft.com/office/drawing/2014/main" xmlns="" id="{2A0FFF23-B3C9-3EA0-1C1B-A87D4FF098AE}"/>
                   </a:ext>
                 </a:extLst>
               </p:cNvPr>
@@ -19860,7 +19837,7 @@
             <p:cNvPr id="15" name="그룹 1011">
               <a:extLst>
                 <a:ext uri="{FF2B5EF4-FFF2-40B4-BE49-F238E27FC236}">
-                  <a16:creationId xmlns="" xmlns:a16="http://schemas.microsoft.com/office/drawing/2014/main" id="{881F5410-F7FB-F261-A584-707359BAC593}"/>
+                  <a16:creationId xmlns:a16="http://schemas.microsoft.com/office/drawing/2014/main" xmlns="" id="{881F5410-F7FB-F261-A584-707359BAC593}"/>
                 </a:ext>
               </a:extLst>
             </p:cNvPr>
@@ -19880,7 +19857,7 @@
               <p:cNvPr id="16" name="Object 35">
                 <a:extLst>
                   <a:ext uri="{FF2B5EF4-FFF2-40B4-BE49-F238E27FC236}">
-                    <a16:creationId xmlns="" xmlns:a16="http://schemas.microsoft.com/office/drawing/2014/main" id="{4E99E669-73EB-F9F4-EFE8-DC107035C265}"/>
+                    <a16:creationId xmlns:a16="http://schemas.microsoft.com/office/drawing/2014/main" xmlns="" id="{4E99E669-73EB-F9F4-EFE8-DC107035C265}"/>
                   </a:ext>
                 </a:extLst>
               </p:cNvPr>
@@ -19912,7 +19889,7 @@
           <p:cNvPr id="19" name="직사각형 18">
             <a:extLst>
               <a:ext uri="{FF2B5EF4-FFF2-40B4-BE49-F238E27FC236}">
-                <a16:creationId xmlns="" xmlns:a16="http://schemas.microsoft.com/office/drawing/2014/main" id="{FFF506F9-840A-0508-4CAF-3AC711D8D5CE}"/>
+                <a16:creationId xmlns:a16="http://schemas.microsoft.com/office/drawing/2014/main" xmlns="" id="{FFF506F9-840A-0508-4CAF-3AC711D8D5CE}"/>
               </a:ext>
             </a:extLst>
           </p:cNvPr>
@@ -20210,7 +20187,7 @@
           <p:cNvPr id="4" name="TextBox 3">
             <a:extLst>
               <a:ext uri="{FF2B5EF4-FFF2-40B4-BE49-F238E27FC236}">
-                <a16:creationId xmlns="" xmlns:a16="http://schemas.microsoft.com/office/drawing/2014/main" id="{5ADC00B6-990A-40DC-3CEA-505258F5E8DA}"/>
+                <a16:creationId xmlns:a16="http://schemas.microsoft.com/office/drawing/2014/main" xmlns="" id="{5ADC00B6-990A-40DC-3CEA-505258F5E8DA}"/>
               </a:ext>
             </a:extLst>
           </p:cNvPr>
@@ -20322,7 +20299,7 @@
           <p:cNvPr id="5" name="TextBox 4">
             <a:extLst>
               <a:ext uri="{FF2B5EF4-FFF2-40B4-BE49-F238E27FC236}">
-                <a16:creationId xmlns="" xmlns:a16="http://schemas.microsoft.com/office/drawing/2014/main" id="{5ADC00B6-990A-40DC-3CEA-505258F5E8DA}"/>
+                <a16:creationId xmlns:a16="http://schemas.microsoft.com/office/drawing/2014/main" xmlns="" id="{5ADC00B6-990A-40DC-3CEA-505258F5E8DA}"/>
               </a:ext>
             </a:extLst>
           </p:cNvPr>
@@ -20376,7 +20353,7 @@
           <p:cNvPr id="6" name="TextBox 5">
             <a:extLst>
               <a:ext uri="{FF2B5EF4-FFF2-40B4-BE49-F238E27FC236}">
-                <a16:creationId xmlns="" xmlns:a16="http://schemas.microsoft.com/office/drawing/2014/main" id="{5ADC00B6-990A-40DC-3CEA-505258F5E8DA}"/>
+                <a16:creationId xmlns:a16="http://schemas.microsoft.com/office/drawing/2014/main" xmlns="" id="{5ADC00B6-990A-40DC-3CEA-505258F5E8DA}"/>
               </a:ext>
             </a:extLst>
           </p:cNvPr>
@@ -20424,7 +20401,7 @@
           <p:cNvPr id="7" name="TextBox 6">
             <a:extLst>
               <a:ext uri="{FF2B5EF4-FFF2-40B4-BE49-F238E27FC236}">
-                <a16:creationId xmlns="" xmlns:a16="http://schemas.microsoft.com/office/drawing/2014/main" id="{5ADC00B6-990A-40DC-3CEA-505258F5E8DA}"/>
+                <a16:creationId xmlns:a16="http://schemas.microsoft.com/office/drawing/2014/main" xmlns="" id="{5ADC00B6-990A-40DC-3CEA-505258F5E8DA}"/>
               </a:ext>
             </a:extLst>
           </p:cNvPr>
@@ -20670,7 +20647,7 @@
           <p:cNvPr id="4" name="TextBox 3">
             <a:extLst>
               <a:ext uri="{FF2B5EF4-FFF2-40B4-BE49-F238E27FC236}">
-                <a16:creationId xmlns="" xmlns:a16="http://schemas.microsoft.com/office/drawing/2014/main" id="{DF7DDD33-9412-2802-339A-E55446AC2DA7}"/>
+                <a16:creationId xmlns:a16="http://schemas.microsoft.com/office/drawing/2014/main" xmlns="" id="{DF7DDD33-9412-2802-339A-E55446AC2DA7}"/>
               </a:ext>
             </a:extLst>
           </p:cNvPr>
@@ -20711,7 +20688,7 @@
           <p:cNvPr id="3" name="TextBox 2">
             <a:extLst>
               <a:ext uri="{FF2B5EF4-FFF2-40B4-BE49-F238E27FC236}">
-                <a16:creationId xmlns="" xmlns:a16="http://schemas.microsoft.com/office/drawing/2014/main" id="{A2AD056B-97A4-5BCC-4460-250160F3E171}"/>
+                <a16:creationId xmlns:a16="http://schemas.microsoft.com/office/drawing/2014/main" xmlns="" id="{A2AD056B-97A4-5BCC-4460-250160F3E171}"/>
               </a:ext>
             </a:extLst>
           </p:cNvPr>
@@ -21013,7 +20990,7 @@
           <p:cNvPr id="6" name="직사각형 5">
             <a:extLst>
               <a:ext uri="{FF2B5EF4-FFF2-40B4-BE49-F238E27FC236}">
-                <a16:creationId xmlns="" xmlns:a16="http://schemas.microsoft.com/office/drawing/2014/main" id="{FFF506F9-840A-0508-4CAF-3AC711D8D5CE}"/>
+                <a16:creationId xmlns:a16="http://schemas.microsoft.com/office/drawing/2014/main" xmlns="" id="{FFF506F9-840A-0508-4CAF-3AC711D8D5CE}"/>
               </a:ext>
             </a:extLst>
           </p:cNvPr>
@@ -21126,7 +21103,7 @@
           <p:cNvPr id="5" name="직선 화살표 연결선 4">
             <a:extLst>
               <a:ext uri="{FF2B5EF4-FFF2-40B4-BE49-F238E27FC236}">
-                <a16:creationId xmlns="" xmlns:a16="http://schemas.microsoft.com/office/drawing/2014/main" id="{299DF5EC-9DF4-5255-06AC-0A7CE4FF58C3}"/>
+                <a16:creationId xmlns:a16="http://schemas.microsoft.com/office/drawing/2014/main" xmlns="" id="{299DF5EC-9DF4-5255-06AC-0A7CE4FF58C3}"/>
               </a:ext>
             </a:extLst>
           </p:cNvPr>
@@ -21167,7 +21144,7 @@
           <p:cNvPr id="6" name="직사각형 5">
             <a:extLst>
               <a:ext uri="{FF2B5EF4-FFF2-40B4-BE49-F238E27FC236}">
-                <a16:creationId xmlns="" xmlns:a16="http://schemas.microsoft.com/office/drawing/2014/main" id="{FFF506F9-840A-0508-4CAF-3AC711D8D5CE}"/>
+                <a16:creationId xmlns:a16="http://schemas.microsoft.com/office/drawing/2014/main" xmlns="" id="{FFF506F9-840A-0508-4CAF-3AC711D8D5CE}"/>
               </a:ext>
             </a:extLst>
           </p:cNvPr>
@@ -21219,7 +21196,7 @@
           <p:cNvPr id="7" name="TextBox 6">
             <a:extLst>
               <a:ext uri="{FF2B5EF4-FFF2-40B4-BE49-F238E27FC236}">
-                <a16:creationId xmlns="" xmlns:a16="http://schemas.microsoft.com/office/drawing/2014/main" id="{C6D113C6-EA5C-788F-0C77-E7CE6EBB865F}"/>
+                <a16:creationId xmlns:a16="http://schemas.microsoft.com/office/drawing/2014/main" xmlns="" id="{C6D113C6-EA5C-788F-0C77-E7CE6EBB865F}"/>
               </a:ext>
             </a:extLst>
           </p:cNvPr>
@@ -21478,7 +21455,7 @@
           <p:cNvPr id="2" name="TextBox 1">
             <a:extLst>
               <a:ext uri="{FF2B5EF4-FFF2-40B4-BE49-F238E27FC236}">
-                <a16:creationId xmlns="" xmlns:a16="http://schemas.microsoft.com/office/drawing/2014/main" id="{76F36AE5-79B5-0B9F-E510-1C27AAC4B649}"/>
+                <a16:creationId xmlns:a16="http://schemas.microsoft.com/office/drawing/2014/main" xmlns="" id="{76F36AE5-79B5-0B9F-E510-1C27AAC4B649}"/>
               </a:ext>
             </a:extLst>
           </p:cNvPr>
@@ -21509,17 +21486,7 @@
                 <a:latin typeface="G마켓 산스 Medium" panose="02000000000000000000" pitchFamily="50" charset="-127"/>
                 <a:ea typeface="G마켓 산스 Medium" panose="02000000000000000000" pitchFamily="50" charset="-127"/>
               </a:rPr>
-              <a:t>실습</a:t>
-            </a:r>
-            <a:r>
-              <a:rPr lang="ko-KR" altLang="en-US" sz="6600" smtClean="0">
-                <a:solidFill>
-                  <a:prstClr val="white"/>
-                </a:solidFill>
-                <a:latin typeface="G마켓 산스 Medium" panose="02000000000000000000" pitchFamily="50" charset="-127"/>
-                <a:ea typeface="G마켓 산스 Medium" panose="02000000000000000000" pitchFamily="50" charset="-127"/>
-              </a:rPr>
-              <a:t>문제</a:t>
+              <a:t>실습문제</a:t>
             </a:r>
             <a:endParaRPr lang="ko-KR" altLang="en-US" sz="2800" dirty="0">
               <a:solidFill>
@@ -21597,7 +21564,7 @@
           <p:cNvPr id="5" name="TextBox 4">
             <a:extLst>
               <a:ext uri="{FF2B5EF4-FFF2-40B4-BE49-F238E27FC236}">
-                <a16:creationId xmlns="" xmlns:a16="http://schemas.microsoft.com/office/drawing/2014/main" id="{5ADC00B6-990A-40DC-3CEA-505258F5E8DA}"/>
+                <a16:creationId xmlns:a16="http://schemas.microsoft.com/office/drawing/2014/main" xmlns="" id="{5ADC00B6-990A-40DC-3CEA-505258F5E8DA}"/>
               </a:ext>
             </a:extLst>
           </p:cNvPr>
@@ -21655,7 +21622,7 @@
           <p:cNvPr id="6" name="TextBox 5">
             <a:extLst>
               <a:ext uri="{FF2B5EF4-FFF2-40B4-BE49-F238E27FC236}">
-                <a16:creationId xmlns="" xmlns:a16="http://schemas.microsoft.com/office/drawing/2014/main" id="{A2AD056B-97A4-5BCC-4460-250160F3E171}"/>
+                <a16:creationId xmlns:a16="http://schemas.microsoft.com/office/drawing/2014/main" xmlns="" id="{A2AD056B-97A4-5BCC-4460-250160F3E171}"/>
               </a:ext>
             </a:extLst>
           </p:cNvPr>
@@ -21664,7 +21631,7 @@
         </p:nvSpPr>
         <p:spPr>
           <a:xfrm>
-            <a:off x="762000" y="1409700"/>
+            <a:off x="762000" y="1104900"/>
             <a:ext cx="17602200" cy="2308324"/>
           </a:xfrm>
           <a:prstGeom prst="rect">
@@ -21686,17 +21653,7 @@
                 <a:latin typeface="G마켓 산스 Medium" panose="02000000000000000000" pitchFamily="50" charset="-127"/>
                 <a:ea typeface="G마켓 산스 Medium" panose="02000000000000000000" pitchFamily="50" charset="-127"/>
               </a:rPr>
-              <a:t>2-1</a:t>
-            </a:r>
-            <a:r>
-              <a:rPr lang="en-US" altLang="ko-KR" sz="3600" smtClean="0">
-                <a:solidFill>
-                  <a:srgbClr val="4C50BC"/>
-                </a:solidFill>
-                <a:latin typeface="G마켓 산스 Medium" panose="02000000000000000000" pitchFamily="50" charset="-127"/>
-                <a:ea typeface="G마켓 산스 Medium" panose="02000000000000000000" pitchFamily="50" charset="-127"/>
-              </a:rPr>
-              <a:t> </a:t>
+              <a:t>2-1 </a:t>
             </a:r>
             <a:r>
               <a:rPr lang="ko-KR" altLang="en-US" sz="3600" smtClean="0">
@@ -22312,7 +22269,7 @@
           <p:cNvPr id="2" name="TextBox 1">
             <a:extLst>
               <a:ext uri="{FF2B5EF4-FFF2-40B4-BE49-F238E27FC236}">
-                <a16:creationId xmlns="" xmlns:a16="http://schemas.microsoft.com/office/drawing/2014/main" id="{715D88A2-BD52-978B-A00A-540446126E3D}"/>
+                <a16:creationId xmlns:a16="http://schemas.microsoft.com/office/drawing/2014/main" xmlns="" id="{715D88A2-BD52-978B-A00A-540446126E3D}"/>
               </a:ext>
             </a:extLst>
           </p:cNvPr>
@@ -22392,7 +22349,7 @@
           <p:cNvPr id="4" name="TextBox 3">
             <a:extLst>
               <a:ext uri="{FF2B5EF4-FFF2-40B4-BE49-F238E27FC236}">
-                <a16:creationId xmlns="" xmlns:a16="http://schemas.microsoft.com/office/drawing/2014/main" id="{DF7DDD33-9412-2802-339A-E55446AC2DA7}"/>
+                <a16:creationId xmlns:a16="http://schemas.microsoft.com/office/drawing/2014/main" xmlns="" id="{DF7DDD33-9412-2802-339A-E55446AC2DA7}"/>
               </a:ext>
             </a:extLst>
           </p:cNvPr>
@@ -22488,7 +22445,7 @@
           <p:cNvPr id="6" name="직사각형 5">
             <a:extLst>
               <a:ext uri="{FF2B5EF4-FFF2-40B4-BE49-F238E27FC236}">
-                <a16:creationId xmlns="" xmlns:a16="http://schemas.microsoft.com/office/drawing/2014/main" id="{FFF506F9-840A-0508-4CAF-3AC711D8D5CE}"/>
+                <a16:creationId xmlns:a16="http://schemas.microsoft.com/office/drawing/2014/main" xmlns="" id="{FFF506F9-840A-0508-4CAF-3AC711D8D5CE}"/>
               </a:ext>
             </a:extLst>
           </p:cNvPr>
@@ -22540,7 +22497,7 @@
           <p:cNvPr id="9" name="그룹 1008">
             <a:extLst>
               <a:ext uri="{FF2B5EF4-FFF2-40B4-BE49-F238E27FC236}">
-                <a16:creationId xmlns="" xmlns:a16="http://schemas.microsoft.com/office/drawing/2014/main" id="{E395BDE3-2EDE-065D-70E8-56E348228ACF}"/>
+                <a16:creationId xmlns:a16="http://schemas.microsoft.com/office/drawing/2014/main" xmlns="" id="{E395BDE3-2EDE-065D-70E8-56E348228ACF}"/>
               </a:ext>
             </a:extLst>
           </p:cNvPr>
@@ -22560,7 +22517,7 @@
             <p:cNvPr id="10" name="그룹 1009">
               <a:extLst>
                 <a:ext uri="{FF2B5EF4-FFF2-40B4-BE49-F238E27FC236}">
-                  <a16:creationId xmlns="" xmlns:a16="http://schemas.microsoft.com/office/drawing/2014/main" id="{852F4DEB-DB33-DB3F-9E9F-52A46CD0B10A}"/>
+                  <a16:creationId xmlns:a16="http://schemas.microsoft.com/office/drawing/2014/main" xmlns="" id="{852F4DEB-DB33-DB3F-9E9F-52A46CD0B10A}"/>
                 </a:ext>
               </a:extLst>
             </p:cNvPr>
@@ -22580,7 +22537,7 @@
               <p:cNvPr id="15" name="Object 29">
                 <a:extLst>
                   <a:ext uri="{FF2B5EF4-FFF2-40B4-BE49-F238E27FC236}">
-                    <a16:creationId xmlns="" xmlns:a16="http://schemas.microsoft.com/office/drawing/2014/main" id="{7E353D3B-14D4-8A64-5888-3F0C062C2CDD}"/>
+                    <a16:creationId xmlns:a16="http://schemas.microsoft.com/office/drawing/2014/main" xmlns="" id="{7E353D3B-14D4-8A64-5888-3F0C062C2CDD}"/>
                   </a:ext>
                 </a:extLst>
               </p:cNvPr>
@@ -22611,7 +22568,7 @@
             <p:cNvPr id="11" name="그룹 1010">
               <a:extLst>
                 <a:ext uri="{FF2B5EF4-FFF2-40B4-BE49-F238E27FC236}">
-                  <a16:creationId xmlns="" xmlns:a16="http://schemas.microsoft.com/office/drawing/2014/main" id="{001E38AB-1390-ABD0-BE01-9727136FEAEE}"/>
+                  <a16:creationId xmlns:a16="http://schemas.microsoft.com/office/drawing/2014/main" xmlns="" id="{001E38AB-1390-ABD0-BE01-9727136FEAEE}"/>
                 </a:ext>
               </a:extLst>
             </p:cNvPr>
@@ -22631,7 +22588,7 @@
               <p:cNvPr id="14" name="Object 32">
                 <a:extLst>
                   <a:ext uri="{FF2B5EF4-FFF2-40B4-BE49-F238E27FC236}">
-                    <a16:creationId xmlns="" xmlns:a16="http://schemas.microsoft.com/office/drawing/2014/main" id="{2ED1C30F-0D0B-F86C-8215-2598D332B5A3}"/>
+                    <a16:creationId xmlns:a16="http://schemas.microsoft.com/office/drawing/2014/main" xmlns="" id="{2ED1C30F-0D0B-F86C-8215-2598D332B5A3}"/>
                   </a:ext>
                 </a:extLst>
               </p:cNvPr>
@@ -22662,7 +22619,7 @@
             <p:cNvPr id="12" name="그룹 1011">
               <a:extLst>
                 <a:ext uri="{FF2B5EF4-FFF2-40B4-BE49-F238E27FC236}">
-                  <a16:creationId xmlns="" xmlns:a16="http://schemas.microsoft.com/office/drawing/2014/main" id="{1BCB8DE5-ABAF-4198-BC16-85BB76F2DB24}"/>
+                  <a16:creationId xmlns:a16="http://schemas.microsoft.com/office/drawing/2014/main" xmlns="" id="{1BCB8DE5-ABAF-4198-BC16-85BB76F2DB24}"/>
                 </a:ext>
               </a:extLst>
             </p:cNvPr>
@@ -22682,7 +22639,7 @@
               <p:cNvPr id="13" name="Object 35">
                 <a:extLst>
                   <a:ext uri="{FF2B5EF4-FFF2-40B4-BE49-F238E27FC236}">
-                    <a16:creationId xmlns="" xmlns:a16="http://schemas.microsoft.com/office/drawing/2014/main" id="{86E7BA23-0A1E-B581-CADC-06AB269DB2BD}"/>
+                    <a16:creationId xmlns:a16="http://schemas.microsoft.com/office/drawing/2014/main" xmlns="" id="{86E7BA23-0A1E-B581-CADC-06AB269DB2BD}"/>
                   </a:ext>
                 </a:extLst>
               </p:cNvPr>
@@ -22714,7 +22671,7 @@
           <p:cNvPr id="16" name="TextBox 15">
             <a:extLst>
               <a:ext uri="{FF2B5EF4-FFF2-40B4-BE49-F238E27FC236}">
-                <a16:creationId xmlns="" xmlns:a16="http://schemas.microsoft.com/office/drawing/2014/main" id="{C6D113C6-EA5C-788F-0C77-E7CE6EBB865F}"/>
+                <a16:creationId xmlns:a16="http://schemas.microsoft.com/office/drawing/2014/main" xmlns="" id="{C6D113C6-EA5C-788F-0C77-E7CE6EBB865F}"/>
               </a:ext>
             </a:extLst>
           </p:cNvPr>
@@ -22952,7 +22909,7 @@
           <p:cNvPr id="4" name="TextBox 3">
             <a:extLst>
               <a:ext uri="{FF2B5EF4-FFF2-40B4-BE49-F238E27FC236}">
-                <a16:creationId xmlns="" xmlns:a16="http://schemas.microsoft.com/office/drawing/2014/main" id="{DF7DDD33-9412-2802-339A-E55446AC2DA7}"/>
+                <a16:creationId xmlns:a16="http://schemas.microsoft.com/office/drawing/2014/main" xmlns="" id="{DF7DDD33-9412-2802-339A-E55446AC2DA7}"/>
               </a:ext>
             </a:extLst>
           </p:cNvPr>
@@ -23071,7 +23028,7 @@
           <p:cNvPr id="4" name="TextBox 3">
             <a:extLst>
               <a:ext uri="{FF2B5EF4-FFF2-40B4-BE49-F238E27FC236}">
-                <a16:creationId xmlns="" xmlns:a16="http://schemas.microsoft.com/office/drawing/2014/main" id="{DF7DDD33-9412-2802-339A-E55446AC2DA7}"/>
+                <a16:creationId xmlns:a16="http://schemas.microsoft.com/office/drawing/2014/main" xmlns="" id="{DF7DDD33-9412-2802-339A-E55446AC2DA7}"/>
               </a:ext>
             </a:extLst>
           </p:cNvPr>
@@ -23119,7 +23076,7 @@
           <p:cNvPr id="10" name="직선 화살표 연결선 9">
             <a:extLst>
               <a:ext uri="{FF2B5EF4-FFF2-40B4-BE49-F238E27FC236}">
-                <a16:creationId xmlns="" xmlns:a16="http://schemas.microsoft.com/office/drawing/2014/main" id="{299DF5EC-9DF4-5255-06AC-0A7CE4FF58C3}"/>
+                <a16:creationId xmlns:a16="http://schemas.microsoft.com/office/drawing/2014/main" xmlns="" id="{299DF5EC-9DF4-5255-06AC-0A7CE4FF58C3}"/>
               </a:ext>
             </a:extLst>
           </p:cNvPr>
@@ -23160,7 +23117,7 @@
           <p:cNvPr id="11" name="TextBox 10">
             <a:extLst>
               <a:ext uri="{FF2B5EF4-FFF2-40B4-BE49-F238E27FC236}">
-                <a16:creationId xmlns="" xmlns:a16="http://schemas.microsoft.com/office/drawing/2014/main" id="{C6D113C6-EA5C-788F-0C77-E7CE6EBB865F}"/>
+                <a16:creationId xmlns:a16="http://schemas.microsoft.com/office/drawing/2014/main" xmlns="" id="{C6D113C6-EA5C-788F-0C77-E7CE6EBB865F}"/>
               </a:ext>
             </a:extLst>
           </p:cNvPr>
@@ -23242,7 +23199,7 @@
           <p:cNvPr id="18" name="직사각형 17">
             <a:extLst>
               <a:ext uri="{FF2B5EF4-FFF2-40B4-BE49-F238E27FC236}">
-                <a16:creationId xmlns="" xmlns:a16="http://schemas.microsoft.com/office/drawing/2014/main" id="{FFF506F9-840A-0508-4CAF-3AC711D8D5CE}"/>
+                <a16:creationId xmlns:a16="http://schemas.microsoft.com/office/drawing/2014/main" xmlns="" id="{FFF506F9-840A-0508-4CAF-3AC711D8D5CE}"/>
               </a:ext>
             </a:extLst>
           </p:cNvPr>
@@ -23447,7 +23404,7 @@
           <p:cNvPr id="6" name="직선 화살표 연결선 5">
             <a:extLst>
               <a:ext uri="{FF2B5EF4-FFF2-40B4-BE49-F238E27FC236}">
-                <a16:creationId xmlns="" xmlns:a16="http://schemas.microsoft.com/office/drawing/2014/main" id="{299DF5EC-9DF4-5255-06AC-0A7CE4FF58C3}"/>
+                <a16:creationId xmlns:a16="http://schemas.microsoft.com/office/drawing/2014/main" xmlns="" id="{299DF5EC-9DF4-5255-06AC-0A7CE4FF58C3}"/>
               </a:ext>
             </a:extLst>
           </p:cNvPr>
@@ -23488,7 +23445,7 @@
           <p:cNvPr id="7" name="TextBox 6">
             <a:extLst>
               <a:ext uri="{FF2B5EF4-FFF2-40B4-BE49-F238E27FC236}">
-                <a16:creationId xmlns="" xmlns:a16="http://schemas.microsoft.com/office/drawing/2014/main" id="{C6D113C6-EA5C-788F-0C77-E7CE6EBB865F}"/>
+                <a16:creationId xmlns:a16="http://schemas.microsoft.com/office/drawing/2014/main" xmlns="" id="{C6D113C6-EA5C-788F-0C77-E7CE6EBB865F}"/>
               </a:ext>
             </a:extLst>
           </p:cNvPr>
@@ -23708,7 +23665,7 @@
           <p:cNvPr id="4" name="TextBox 3">
             <a:extLst>
               <a:ext uri="{FF2B5EF4-FFF2-40B4-BE49-F238E27FC236}">
-                <a16:creationId xmlns="" xmlns:a16="http://schemas.microsoft.com/office/drawing/2014/main" id="{DF7DDD33-9412-2802-339A-E55446AC2DA7}"/>
+                <a16:creationId xmlns:a16="http://schemas.microsoft.com/office/drawing/2014/main" xmlns="" id="{DF7DDD33-9412-2802-339A-E55446AC2DA7}"/>
               </a:ext>
             </a:extLst>
           </p:cNvPr>

--- a/JavaLecture/LectureFile/java 8강 생성자.pptx
+++ b/JavaLecture/LectureFile/java 8강 생성자.pptx
@@ -18,7 +18,7 @@
     <p:sldId id="588" r:id="rId9"/>
     <p:sldId id="590" r:id="rId10"/>
     <p:sldId id="591" r:id="rId11"/>
-    <p:sldId id="608" r:id="rId12"/>
+    <p:sldId id="623" r:id="rId12"/>
     <p:sldId id="589" r:id="rId13"/>
     <p:sldId id="592" r:id="rId14"/>
     <p:sldId id="281" r:id="rId15"/>
@@ -250,7 +250,7 @@
           <a:p>
             <a:fld id="{D79F2C30-10E1-4C46-91DC-BBDB9629E720}" type="datetimeFigureOut">
               <a:rPr lang="ko-KR" altLang="en-US" smtClean="0"/>
-              <a:t>2023-04-12</a:t>
+              <a:t>2023-04-16</a:t>
             </a:fld>
             <a:endParaRPr lang="ko-KR" altLang="en-US"/>
           </a:p>
@@ -710,7 +710,7 @@
           <a:p>
             <a:fld id="{F8166F1F-CE9B-4651-A6AA-CD717754106B}" type="datetimeFigureOut">
               <a:rPr lang="en-US" smtClean="0"/>
-              <a:t>4/12/2023</a:t>
+              <a:t>4/16/2023</a:t>
             </a:fld>
             <a:endParaRPr lang="en-US"/>
           </a:p>
@@ -913,7 +913,7 @@
           <a:p>
             <a:fld id="{A76116CE-C4A3-4A05-B2D7-7C2E9A889C0F}" type="datetimeFigureOut">
               <a:rPr lang="en-US" smtClean="0"/>
-              <a:t>4/12/2023</a:t>
+              <a:t>4/16/2023</a:t>
             </a:fld>
             <a:endParaRPr lang="en-US"/>
           </a:p>
@@ -1116,7 +1116,7 @@
           <a:p>
             <a:fld id="{A76116CE-C4A3-4A05-B2D7-7C2E9A889C0F}" type="datetimeFigureOut">
               <a:rPr lang="en-US" smtClean="0"/>
-              <a:t>4/12/2023</a:t>
+              <a:t>4/16/2023</a:t>
             </a:fld>
             <a:endParaRPr lang="en-US"/>
           </a:p>
@@ -1321,7 +1321,7 @@
           <a:p>
             <a:fld id="{A76116CE-C4A3-4A05-B2D7-7C2E9A889C0F}" type="datetimeFigureOut">
               <a:rPr lang="en-US" smtClean="0"/>
-              <a:t>4/12/2023</a:t>
+              <a:t>4/16/2023</a:t>
             </a:fld>
             <a:endParaRPr lang="en-US"/>
           </a:p>
@@ -1591,7 +1591,7 @@
           <a:p>
             <a:fld id="{A76116CE-C4A3-4A05-B2D7-7C2E9A889C0F}" type="datetimeFigureOut">
               <a:rPr lang="en-US" smtClean="0"/>
-              <a:t>4/12/2023</a:t>
+              <a:t>4/16/2023</a:t>
             </a:fld>
             <a:endParaRPr lang="en-US"/>
           </a:p>
@@ -1909,7 +1909,7 @@
           <a:p>
             <a:fld id="{A76116CE-C4A3-4A05-B2D7-7C2E9A889C0F}" type="datetimeFigureOut">
               <a:rPr lang="en-US" smtClean="0"/>
-              <a:t>4/12/2023</a:t>
+              <a:t>4/16/2023</a:t>
             </a:fld>
             <a:endParaRPr lang="en-US"/>
           </a:p>
@@ -2367,7 +2367,7 @@
           <a:p>
             <a:fld id="{A76116CE-C4A3-4A05-B2D7-7C2E9A889C0F}" type="datetimeFigureOut">
               <a:rPr lang="en-US" smtClean="0"/>
-              <a:t>4/12/2023</a:t>
+              <a:t>4/16/2023</a:t>
             </a:fld>
             <a:endParaRPr lang="en-US"/>
           </a:p>
@@ -2511,7 +2511,7 @@
           <a:p>
             <a:fld id="{A76116CE-C4A3-4A05-B2D7-7C2E9A889C0F}" type="datetimeFigureOut">
               <a:rPr lang="en-US" smtClean="0"/>
-              <a:t>4/12/2023</a:t>
+              <a:t>4/16/2023</a:t>
             </a:fld>
             <a:endParaRPr lang="en-US"/>
           </a:p>
@@ -2625,7 +2625,7 @@
           <a:p>
             <a:fld id="{A76116CE-C4A3-4A05-B2D7-7C2E9A889C0F}" type="datetimeFigureOut">
               <a:rPr lang="en-US" smtClean="0"/>
-              <a:t>4/12/2023</a:t>
+              <a:t>4/16/2023</a:t>
             </a:fld>
             <a:endParaRPr lang="en-US"/>
           </a:p>
@@ -2928,7 +2928,7 @@
           <a:p>
             <a:fld id="{A76116CE-C4A3-4A05-B2D7-7C2E9A889C0F}" type="datetimeFigureOut">
               <a:rPr lang="en-US" smtClean="0"/>
-              <a:t>4/12/2023</a:t>
+              <a:t>4/16/2023</a:t>
             </a:fld>
             <a:endParaRPr lang="en-US"/>
           </a:p>
@@ -3208,7 +3208,7 @@
           <a:p>
             <a:fld id="{A76116CE-C4A3-4A05-B2D7-7C2E9A889C0F}" type="datetimeFigureOut">
               <a:rPr lang="en-US" smtClean="0"/>
-              <a:t>4/12/2023</a:t>
+              <a:t>4/16/2023</a:t>
             </a:fld>
             <a:endParaRPr lang="en-US"/>
           </a:p>
@@ -3966,7 +3966,7 @@
           <p:cNvPr id="2" name="TextBox 1">
             <a:extLst>
               <a:ext uri="{FF2B5EF4-FFF2-40B4-BE49-F238E27FC236}">
-                <a16:creationId xmlns:a16="http://schemas.microsoft.com/office/drawing/2014/main" xmlns="" id="{E9A453A8-9968-67AB-7B4A-83EEB4662AA6}"/>
+                <a16:creationId xmlns="" xmlns:a16="http://schemas.microsoft.com/office/drawing/2014/main" id="{E9A453A8-9968-67AB-7B4A-83EEB4662AA6}"/>
               </a:ext>
             </a:extLst>
           </p:cNvPr>
@@ -4014,7 +4014,7 @@
           <p:cNvPr id="4" name="TextBox 3">
             <a:extLst>
               <a:ext uri="{FF2B5EF4-FFF2-40B4-BE49-F238E27FC236}">
-                <a16:creationId xmlns:a16="http://schemas.microsoft.com/office/drawing/2014/main" xmlns="" id="{F4B7A35A-8AAC-4622-64BC-CAD1472D4115}"/>
+                <a16:creationId xmlns="" xmlns:a16="http://schemas.microsoft.com/office/drawing/2014/main" id="{F4B7A35A-8AAC-4622-64BC-CAD1472D4115}"/>
               </a:ext>
             </a:extLst>
           </p:cNvPr>
@@ -4086,7 +4086,7 @@
           <p:cNvPr id="7" name="TextBox 6">
             <a:extLst>
               <a:ext uri="{FF2B5EF4-FFF2-40B4-BE49-F238E27FC236}">
-                <a16:creationId xmlns:a16="http://schemas.microsoft.com/office/drawing/2014/main" xmlns="" id="{3ACE900A-D779-4343-6623-8588B376F0A1}"/>
+                <a16:creationId xmlns="" xmlns:a16="http://schemas.microsoft.com/office/drawing/2014/main" id="{3ACE900A-D779-4343-6623-8588B376F0A1}"/>
               </a:ext>
             </a:extLst>
           </p:cNvPr>
@@ -4145,9 +4145,67 @@
           <a:chExt cx="0" cy="0"/>
         </a:xfrm>
       </p:grpSpPr>
+      <p:sp>
+        <p:nvSpPr>
+          <p:cNvPr id="15" name="TextBox 14">
+            <a:extLst>
+              <a:ext uri="{FF2B5EF4-FFF2-40B4-BE49-F238E27FC236}">
+                <a16:creationId xmlns="" xmlns:a16="http://schemas.microsoft.com/office/drawing/2014/main" id="{C6D113C6-EA5C-788F-0C77-E7CE6EBB865F}"/>
+              </a:ext>
+            </a:extLst>
+          </p:cNvPr>
+          <p:cNvSpPr txBox="1"/>
+          <p:nvPr/>
+        </p:nvSpPr>
+        <p:spPr>
+          <a:xfrm>
+            <a:off x="9753600" y="4512506"/>
+            <a:ext cx="8915400" cy="707886"/>
+          </a:xfrm>
+          <a:prstGeom prst="rect">
+            <a:avLst/>
+          </a:prstGeom>
+          <a:noFill/>
+        </p:spPr>
+        <p:txBody>
+          <a:bodyPr wrap="square" rtlCol="0">
+            <a:spAutoFit/>
+          </a:bodyPr>
+          <a:lstStyle/>
+          <a:p>
+            <a:r>
+              <a:rPr lang="ko-KR" altLang="en-US" sz="4000" smtClean="0">
+                <a:solidFill>
+                  <a:srgbClr val="FF0000"/>
+                </a:solidFill>
+                <a:latin typeface="G마켓 산스 Medium" panose="02000000000000000000" pitchFamily="50" charset="-127"/>
+                <a:ea typeface="G마켓 산스 Medium" panose="02000000000000000000" pitchFamily="50" charset="-127"/>
+              </a:rPr>
+              <a:t>같은 필터 기능을 중복으로 써야 한다</a:t>
+            </a:r>
+            <a:r>
+              <a:rPr lang="en-US" altLang="ko-KR" sz="4000" smtClean="0">
+                <a:solidFill>
+                  <a:srgbClr val="FF0000"/>
+                </a:solidFill>
+                <a:latin typeface="G마켓 산스 Medium" panose="02000000000000000000" pitchFamily="50" charset="-127"/>
+                <a:ea typeface="G마켓 산스 Medium" panose="02000000000000000000" pitchFamily="50" charset="-127"/>
+              </a:rPr>
+              <a:t>.</a:t>
+            </a:r>
+            <a:endParaRPr lang="en-US" altLang="ko-KR" sz="4000" dirty="0">
+              <a:solidFill>
+                <a:srgbClr val="FF0000"/>
+              </a:solidFill>
+              <a:latin typeface="G마켓 산스 Medium" panose="02000000000000000000" pitchFamily="50" charset="-127"/>
+              <a:ea typeface="G마켓 산스 Medium" panose="02000000000000000000" pitchFamily="50" charset="-127"/>
+            </a:endParaRPr>
+          </a:p>
+        </p:txBody>
+      </p:sp>
       <p:pic>
         <p:nvPicPr>
-          <p:cNvPr id="4" name="그림 3"/>
+          <p:cNvPr id="2" name="그림 1"/>
           <p:cNvPicPr>
             <a:picLocks noChangeAspect="1"/>
           </p:cNvPicPr>
@@ -4161,56 +4219,8 @@
         </p:blipFill>
         <p:spPr>
           <a:xfrm>
-            <a:off x="1447800" y="1104900"/>
-            <a:ext cx="7696201" cy="1032911"/>
-          </a:xfrm>
-          <a:prstGeom prst="rect">
-            <a:avLst/>
-          </a:prstGeom>
-        </p:spPr>
-      </p:pic>
-      <p:pic>
-        <p:nvPicPr>
-          <p:cNvPr id="5" name="그림 4"/>
-          <p:cNvPicPr>
-            <a:picLocks noChangeAspect="1"/>
-          </p:cNvPicPr>
-          <p:nvPr/>
-        </p:nvPicPr>
-        <p:blipFill>
-          <a:blip r:embed="rId3"/>
-          <a:stretch>
-            <a:fillRect/>
-          </a:stretch>
-        </p:blipFill>
-        <p:spPr>
-          <a:xfrm>
-            <a:off x="1447800" y="2552699"/>
-            <a:ext cx="4419600" cy="6333067"/>
-          </a:xfrm>
-          <a:prstGeom prst="rect">
-            <a:avLst/>
-          </a:prstGeom>
-        </p:spPr>
-      </p:pic>
-      <p:pic>
-        <p:nvPicPr>
-          <p:cNvPr id="13" name="그림 12"/>
-          <p:cNvPicPr>
-            <a:picLocks noChangeAspect="1"/>
-          </p:cNvPicPr>
-          <p:nvPr/>
-        </p:nvPicPr>
-        <p:blipFill>
-          <a:blip r:embed="rId4"/>
-          <a:stretch>
-            <a:fillRect/>
-          </a:stretch>
-        </p:blipFill>
-        <p:spPr>
-          <a:xfrm>
-            <a:off x="7696200" y="2857500"/>
-            <a:ext cx="8579656" cy="3124200"/>
+            <a:off x="762000" y="641303"/>
+            <a:ext cx="8686800" cy="9158177"/>
           </a:xfrm>
           <a:prstGeom prst="rect">
             <a:avLst/>
@@ -4219,7 +4229,7 @@
       </p:pic>
       <p:cxnSp>
         <p:nvCxnSpPr>
-          <p:cNvPr id="14" name="직선 화살표 연결선 13">
+          <p:cNvPr id="8" name="직선 화살표 연결선 7">
             <a:extLst>
               <a:ext uri="{FF2B5EF4-FFF2-40B4-BE49-F238E27FC236}">
                 <a16:creationId xmlns:a16="http://schemas.microsoft.com/office/drawing/2014/main" xmlns="" id="{299DF5EC-9DF4-5255-06AC-0A7CE4FF58C3}"/>
@@ -4232,9 +4242,50 @@
           <p:nvPr/>
         </p:nvCxnSpPr>
         <p:spPr>
-          <a:xfrm>
-            <a:off x="11125200" y="5676900"/>
-            <a:ext cx="304800" cy="1905000"/>
+          <a:xfrm flipH="1" flipV="1">
+            <a:off x="5791200" y="3467100"/>
+            <a:ext cx="3962400" cy="1367112"/>
+          </a:xfrm>
+          <a:prstGeom prst="straightConnector1">
+            <a:avLst/>
+          </a:prstGeom>
+          <a:ln w="38100">
+            <a:tailEnd type="triangle"/>
+          </a:ln>
+        </p:spPr>
+        <p:style>
+          <a:lnRef idx="1">
+            <a:schemeClr val="accent2"/>
+          </a:lnRef>
+          <a:fillRef idx="0">
+            <a:schemeClr val="accent2"/>
+          </a:fillRef>
+          <a:effectRef idx="0">
+            <a:schemeClr val="accent2"/>
+          </a:effectRef>
+          <a:fontRef idx="minor">
+            <a:schemeClr val="tx1"/>
+          </a:fontRef>
+        </p:style>
+      </p:cxnSp>
+      <p:cxnSp>
+        <p:nvCxnSpPr>
+          <p:cNvPr id="10" name="직선 화살표 연결선 9">
+            <a:extLst>
+              <a:ext uri="{FF2B5EF4-FFF2-40B4-BE49-F238E27FC236}">
+                <a16:creationId xmlns:a16="http://schemas.microsoft.com/office/drawing/2014/main" xmlns="" id="{299DF5EC-9DF4-5255-06AC-0A7CE4FF58C3}"/>
+              </a:ext>
+            </a:extLst>
+          </p:cNvPr>
+          <p:cNvCxnSpPr>
+            <a:cxnSpLocks/>
+          </p:cNvCxnSpPr>
+          <p:nvPr/>
+        </p:nvCxnSpPr>
+        <p:spPr>
+          <a:xfrm flipH="1">
+            <a:off x="5715000" y="4986612"/>
+            <a:ext cx="3962400" cy="918888"/>
           </a:xfrm>
           <a:prstGeom prst="straightConnector1">
             <a:avLst/>
@@ -4260,10 +4311,10 @@
       </p:cxnSp>
       <p:sp>
         <p:nvSpPr>
-          <p:cNvPr id="15" name="TextBox 14">
+          <p:cNvPr id="16" name="TextBox 15">
             <a:extLst>
               <a:ext uri="{FF2B5EF4-FFF2-40B4-BE49-F238E27FC236}">
-                <a16:creationId xmlns:a16="http://schemas.microsoft.com/office/drawing/2014/main" xmlns="" id="{C6D113C6-EA5C-788F-0C77-E7CE6EBB865F}"/>
+                <a16:creationId xmlns="" xmlns:a16="http://schemas.microsoft.com/office/drawing/2014/main" id="{C6D113C6-EA5C-788F-0C77-E7CE6EBB865F}"/>
               </a:ext>
             </a:extLst>
           </p:cNvPr>
@@ -4272,7 +4323,7 @@
         </p:nvSpPr>
         <p:spPr>
           <a:xfrm>
-            <a:off x="7848600" y="7810500"/>
+            <a:off x="4800600" y="8398014"/>
             <a:ext cx="8915400" cy="707886"/>
           </a:xfrm>
           <a:prstGeom prst="rect">
@@ -4287,17 +4338,17 @@
           <a:lstStyle/>
           <a:p>
             <a:r>
-              <a:rPr lang="ko-KR" altLang="en-US" sz="4000">
+              <a:rPr lang="ko-KR" altLang="en-US" sz="4000" smtClean="0">
                 <a:solidFill>
                   <a:srgbClr val="FF0000"/>
                 </a:solidFill>
                 <a:latin typeface="G마켓 산스 Medium" panose="02000000000000000000" pitchFamily="50" charset="-127"/>
                 <a:ea typeface="G마켓 산스 Medium" panose="02000000000000000000" pitchFamily="50" charset="-127"/>
               </a:rPr>
-              <a:t>만들어놓은 생성자를 활용할수 없을까</a:t>
-            </a:r>
-            <a:r>
-              <a:rPr lang="en-US" altLang="ko-KR" sz="4000">
+              <a:t>다른 생성자를 재활용 할순 없을까</a:t>
+            </a:r>
+            <a:r>
+              <a:rPr lang="en-US" altLang="ko-KR" sz="4000" smtClean="0">
                 <a:solidFill>
                   <a:srgbClr val="FF0000"/>
                 </a:solidFill>
@@ -4347,7 +4398,7 @@
                             </p:stCondLst>
                             <p:childTnLst>
                               <p:par>
-                                <p:cTn id="5" presetID="1" presetClass="entr" presetSubtype="0" fill="hold" nodeType="clickEffect">
+                                <p:cTn id="5" presetID="1" presetClass="entr" presetSubtype="0" fill="hold" grpId="0" nodeType="clickEffect">
                                   <p:stCondLst>
                                     <p:cond delay="0"/>
                                   </p:stCondLst>
@@ -4360,7 +4411,7 @@
                                           </p:stCondLst>
                                         </p:cTn>
                                         <p:tgtEl>
-                                          <p:spTgt spid="13"/>
+                                          <p:spTgt spid="15"/>
                                         </p:tgtEl>
                                         <p:attrNameLst>
                                           <p:attrName>style.visibility</p:attrName>
@@ -4387,7 +4438,7 @@
                                           </p:stCondLst>
                                         </p:cTn>
                                         <p:tgtEl>
-                                          <p:spTgt spid="14"/>
+                                          <p:spTgt spid="8"/>
                                         </p:tgtEl>
                                         <p:attrNameLst>
                                           <p:attrName>style.visibility</p:attrName>
@@ -4401,7 +4452,7 @@
                                 </p:cTn>
                               </p:par>
                               <p:par>
-                                <p:cTn id="9" presetID="1" presetClass="entr" presetSubtype="0" fill="hold" grpId="0" nodeType="withEffect">
+                                <p:cTn id="9" presetID="1" presetClass="entr" presetSubtype="0" fill="hold" nodeType="withEffect">
                                   <p:stCondLst>
                                     <p:cond delay="0"/>
                                   </p:stCondLst>
@@ -4414,7 +4465,52 @@
                                           </p:stCondLst>
                                         </p:cTn>
                                         <p:tgtEl>
-                                          <p:spTgt spid="15"/>
+                                          <p:spTgt spid="10"/>
+                                        </p:tgtEl>
+                                        <p:attrNameLst>
+                                          <p:attrName>style.visibility</p:attrName>
+                                        </p:attrNameLst>
+                                      </p:cBhvr>
+                                      <p:to>
+                                        <p:strVal val="visible"/>
+                                      </p:to>
+                                    </p:set>
+                                  </p:childTnLst>
+                                </p:cTn>
+                              </p:par>
+                            </p:childTnLst>
+                          </p:cTn>
+                        </p:par>
+                      </p:childTnLst>
+                    </p:cTn>
+                  </p:par>
+                  <p:par>
+                    <p:cTn id="11" fill="hold">
+                      <p:stCondLst>
+                        <p:cond delay="indefinite"/>
+                      </p:stCondLst>
+                      <p:childTnLst>
+                        <p:par>
+                          <p:cTn id="12" fill="hold">
+                            <p:stCondLst>
+                              <p:cond delay="0"/>
+                            </p:stCondLst>
+                            <p:childTnLst>
+                              <p:par>
+                                <p:cTn id="13" presetID="1" presetClass="entr" presetSubtype="0" fill="hold" grpId="0" nodeType="clickEffect">
+                                  <p:stCondLst>
+                                    <p:cond delay="0"/>
+                                  </p:stCondLst>
+                                  <p:childTnLst>
+                                    <p:set>
+                                      <p:cBhvr>
+                                        <p:cTn id="14" dur="1" fill="hold">
+                                          <p:stCondLst>
+                                            <p:cond delay="0"/>
+                                          </p:stCondLst>
+                                        </p:cTn>
+                                        <p:tgtEl>
+                                          <p:spTgt spid="16"/>
                                         </p:tgtEl>
                                         <p:attrNameLst>
                                           <p:attrName>style.visibility</p:attrName>
@@ -4456,6 +4552,7 @@
     </p:tnLst>
     <p:bldLst>
       <p:bldP spid="15" grpId="0"/>
+      <p:bldP spid="16" grpId="0"/>
     </p:bldLst>
   </p:timing>
 </p:sld>
@@ -4494,8 +4591,8 @@
         </p:blipFill>
         <p:spPr>
           <a:xfrm>
-            <a:off x="4876800" y="190500"/>
-            <a:ext cx="5334000" cy="8731348"/>
+            <a:off x="685800" y="495299"/>
+            <a:ext cx="9677400" cy="9403511"/>
           </a:xfrm>
           <a:prstGeom prst="rect">
             <a:avLst/>
@@ -4504,53 +4601,110 @@
       </p:pic>
       <p:sp>
         <p:nvSpPr>
-          <p:cNvPr id="5" name="직사각형 4">
+          <p:cNvPr id="5" name="TextBox 4">
             <a:extLst>
               <a:ext uri="{FF2B5EF4-FFF2-40B4-BE49-F238E27FC236}">
-                <a16:creationId xmlns:a16="http://schemas.microsoft.com/office/drawing/2014/main" xmlns="" id="{FFF506F9-840A-0508-4CAF-3AC711D8D5CE}"/>
+                <a16:creationId xmlns="" xmlns:a16="http://schemas.microsoft.com/office/drawing/2014/main" id="{C6D113C6-EA5C-788F-0C77-E7CE6EBB865F}"/>
               </a:ext>
             </a:extLst>
           </p:cNvPr>
-          <p:cNvSpPr/>
+          <p:cNvSpPr txBox="1"/>
           <p:nvPr/>
         </p:nvSpPr>
         <p:spPr>
           <a:xfrm>
-            <a:off x="5715000" y="6972300"/>
-            <a:ext cx="4343400" cy="1524000"/>
+            <a:off x="9753600" y="4838700"/>
+            <a:ext cx="8915400" cy="2554545"/>
           </a:xfrm>
           <a:prstGeom prst="rect">
             <a:avLst/>
           </a:prstGeom>
           <a:noFill/>
-          <a:ln>
-            <a:solidFill>
-              <a:srgbClr val="FF0000"/>
-            </a:solidFill>
-          </a:ln>
-        </p:spPr>
-        <p:style>
-          <a:lnRef idx="2">
-            <a:schemeClr val="accent2">
-              <a:shade val="50000"/>
-            </a:schemeClr>
-          </a:lnRef>
-          <a:fillRef idx="1">
-            <a:schemeClr val="accent2"/>
-          </a:fillRef>
-          <a:effectRef idx="0">
-            <a:schemeClr val="accent2"/>
-          </a:effectRef>
-          <a:fontRef idx="minor">
-            <a:schemeClr val="lt1"/>
-          </a:fontRef>
-        </p:style>
+        </p:spPr>
         <p:txBody>
-          <a:bodyPr rtlCol="0" anchor="ctr"/>
+          <a:bodyPr wrap="square" rtlCol="0">
+            <a:spAutoFit/>
+          </a:bodyPr>
           <a:lstStyle/>
           <a:p>
-            <a:pPr algn="ctr"/>
-            <a:endParaRPr lang="ko-KR" altLang="en-US"/>
+            <a:r>
+              <a:rPr lang="ko-KR" altLang="en-US" sz="4000" smtClean="0">
+                <a:solidFill>
+                  <a:srgbClr val="FF0000"/>
+                </a:solidFill>
+                <a:latin typeface="G마켓 산스 Medium" panose="02000000000000000000" pitchFamily="50" charset="-127"/>
+                <a:ea typeface="G마켓 산스 Medium" panose="02000000000000000000" pitchFamily="50" charset="-127"/>
+              </a:rPr>
+              <a:t>매개변수</a:t>
+            </a:r>
+            <a:r>
+              <a:rPr lang="en-US" altLang="ko-KR" sz="4000" smtClean="0">
+                <a:solidFill>
+                  <a:srgbClr val="FF0000"/>
+                </a:solidFill>
+                <a:latin typeface="G마켓 산스 Medium" panose="02000000000000000000" pitchFamily="50" charset="-127"/>
+                <a:ea typeface="G마켓 산스 Medium" panose="02000000000000000000" pitchFamily="50" charset="-127"/>
+              </a:rPr>
+              <a:t>1</a:t>
+            </a:r>
+            <a:r>
+              <a:rPr lang="ko-KR" altLang="en-US" sz="4000" smtClean="0">
+                <a:solidFill>
+                  <a:srgbClr val="FF0000"/>
+                </a:solidFill>
+                <a:latin typeface="G마켓 산스 Medium" panose="02000000000000000000" pitchFamily="50" charset="-127"/>
+                <a:ea typeface="G마켓 산스 Medium" panose="02000000000000000000" pitchFamily="50" charset="-127"/>
+              </a:rPr>
+              <a:t>개 생성자를 재활용하면 필터 기능을 다시 안만들어도 된다</a:t>
+            </a:r>
+            <a:r>
+              <a:rPr lang="en-US" altLang="ko-KR" sz="4000" smtClean="0">
+                <a:solidFill>
+                  <a:srgbClr val="FF0000"/>
+                </a:solidFill>
+                <a:latin typeface="G마켓 산스 Medium" panose="02000000000000000000" pitchFamily="50" charset="-127"/>
+                <a:ea typeface="G마켓 산스 Medium" panose="02000000000000000000" pitchFamily="50" charset="-127"/>
+              </a:rPr>
+              <a:t>.</a:t>
+            </a:r>
+          </a:p>
+          <a:p>
+            <a:endParaRPr lang="en-US" altLang="ko-KR" sz="4000">
+              <a:solidFill>
+                <a:srgbClr val="FF0000"/>
+              </a:solidFill>
+              <a:latin typeface="G마켓 산스 Medium" panose="02000000000000000000" pitchFamily="50" charset="-127"/>
+              <a:ea typeface="G마켓 산스 Medium" panose="02000000000000000000" pitchFamily="50" charset="-127"/>
+            </a:endParaRPr>
+          </a:p>
+          <a:p>
+            <a:r>
+              <a:rPr lang="ko-KR" altLang="en-US" sz="4000" smtClean="0">
+                <a:solidFill>
+                  <a:srgbClr val="FF0000"/>
+                </a:solidFill>
+                <a:latin typeface="G마켓 산스 Medium" panose="02000000000000000000" pitchFamily="50" charset="-127"/>
+                <a:ea typeface="G마켓 산스 Medium" panose="02000000000000000000" pitchFamily="50" charset="-127"/>
+              </a:rPr>
+              <a:t>근데 왜 안될까</a:t>
+            </a:r>
+            <a:r>
+              <a:rPr lang="en-US" altLang="ko-KR" sz="4000" smtClean="0">
+                <a:solidFill>
+                  <a:srgbClr val="FF0000"/>
+                </a:solidFill>
+                <a:latin typeface="G마켓 산스 Medium" panose="02000000000000000000" pitchFamily="50" charset="-127"/>
+                <a:ea typeface="G마켓 산스 Medium" panose="02000000000000000000" pitchFamily="50" charset="-127"/>
+              </a:rPr>
+              <a:t>…?</a:t>
+            </a:r>
+            <a:endParaRPr lang="en-US" altLang="ko-KR" sz="4000" dirty="0">
+              <a:solidFill>
+                <a:srgbClr val="FF0000"/>
+              </a:solidFill>
+              <a:latin typeface="G마켓 산스 Medium" panose="02000000000000000000" pitchFamily="50" charset="-127"/>
+              <a:ea typeface="G마켓 산스 Medium" panose="02000000000000000000" pitchFamily="50" charset="-127"/>
+            </a:endParaRPr>
           </a:p>
         </p:txBody>
       </p:sp>
@@ -4569,9 +4723,9 @@
           <p:nvPr/>
         </p:nvCxnSpPr>
         <p:spPr>
-          <a:xfrm flipV="1">
-            <a:off x="6858000" y="6172200"/>
-            <a:ext cx="685800" cy="723900"/>
+          <a:xfrm flipH="1">
+            <a:off x="4953000" y="5067300"/>
+            <a:ext cx="4724400" cy="1219200"/>
           </a:xfrm>
           <a:prstGeom prst="straightConnector1">
             <a:avLst/>
@@ -4597,10 +4751,10 @@
       </p:cxnSp>
       <p:sp>
         <p:nvSpPr>
-          <p:cNvPr id="9" name="TextBox 8">
+          <p:cNvPr id="8" name="TextBox 7">
             <a:extLst>
               <a:ext uri="{FF2B5EF4-FFF2-40B4-BE49-F238E27FC236}">
-                <a16:creationId xmlns:a16="http://schemas.microsoft.com/office/drawing/2014/main" xmlns="" id="{C6D113C6-EA5C-788F-0C77-E7CE6EBB865F}"/>
+                <a16:creationId xmlns="" xmlns:a16="http://schemas.microsoft.com/office/drawing/2014/main" id="{C6D113C6-EA5C-788F-0C77-E7CE6EBB865F}"/>
               </a:ext>
             </a:extLst>
           </p:cNvPr>
@@ -4656,7 +4810,7 @@
     </p:spTree>
     <p:extLst>
       <p:ext uri="{BB962C8B-B14F-4D97-AF65-F5344CB8AC3E}">
-        <p14:creationId xmlns:p14="http://schemas.microsoft.com/office/powerpoint/2010/main" val="65425744"/>
+        <p14:creationId xmlns:p14="http://schemas.microsoft.com/office/powerpoint/2010/main" val="2817561695"/>
       </p:ext>
     </p:extLst>
   </p:cSld>
@@ -4697,7 +4851,79 @@
                                           </p:stCondLst>
                                         </p:cTn>
                                         <p:tgtEl>
-                                          <p:spTgt spid="9"/>
+                                          <p:spTgt spid="5"/>
+                                        </p:tgtEl>
+                                        <p:attrNameLst>
+                                          <p:attrName>style.visibility</p:attrName>
+                                        </p:attrNameLst>
+                                      </p:cBhvr>
+                                      <p:to>
+                                        <p:strVal val="visible"/>
+                                      </p:to>
+                                    </p:set>
+                                  </p:childTnLst>
+                                </p:cTn>
+                              </p:par>
+                              <p:par>
+                                <p:cTn id="7" presetID="1" presetClass="entr" presetSubtype="0" fill="hold" nodeType="withEffect">
+                                  <p:stCondLst>
+                                    <p:cond delay="0"/>
+                                  </p:stCondLst>
+                                  <p:childTnLst>
+                                    <p:set>
+                                      <p:cBhvr>
+                                        <p:cTn id="8" dur="1" fill="hold">
+                                          <p:stCondLst>
+                                            <p:cond delay="0"/>
+                                          </p:stCondLst>
+                                        </p:cTn>
+                                        <p:tgtEl>
+                                          <p:spTgt spid="6"/>
+                                        </p:tgtEl>
+                                        <p:attrNameLst>
+                                          <p:attrName>style.visibility</p:attrName>
+                                        </p:attrNameLst>
+                                      </p:cBhvr>
+                                      <p:to>
+                                        <p:strVal val="visible"/>
+                                      </p:to>
+                                    </p:set>
+                                  </p:childTnLst>
+                                </p:cTn>
+                              </p:par>
+                            </p:childTnLst>
+                          </p:cTn>
+                        </p:par>
+                      </p:childTnLst>
+                    </p:cTn>
+                  </p:par>
+                  <p:par>
+                    <p:cTn id="9" fill="hold">
+                      <p:stCondLst>
+                        <p:cond delay="indefinite"/>
+                      </p:stCondLst>
+                      <p:childTnLst>
+                        <p:par>
+                          <p:cTn id="10" fill="hold">
+                            <p:stCondLst>
+                              <p:cond delay="0"/>
+                            </p:stCondLst>
+                            <p:childTnLst>
+                              <p:par>
+                                <p:cTn id="11" presetID="1" presetClass="entr" presetSubtype="0" fill="hold" grpId="0" nodeType="clickEffect">
+                                  <p:stCondLst>
+                                    <p:cond delay="0"/>
+                                  </p:stCondLst>
+                                  <p:childTnLst>
+                                    <p:set>
+                                      <p:cBhvr>
+                                        <p:cTn id="12" dur="1" fill="hold">
+                                          <p:stCondLst>
+                                            <p:cond delay="0"/>
+                                          </p:stCondLst>
+                                        </p:cTn>
+                                        <p:tgtEl>
+                                          <p:spTgt spid="8"/>
                                         </p:tgtEl>
                                         <p:attrNameLst>
                                           <p:attrName>style.visibility</p:attrName>
@@ -4738,7 +4964,8 @@
       </p:par>
     </p:tnLst>
     <p:bldLst>
-      <p:bldP spid="9" grpId="0"/>
+      <p:bldP spid="5" grpId="0"/>
+      <p:bldP spid="8" grpId="0"/>
     </p:bldLst>
   </p:timing>
 </p:sld>
@@ -4766,7 +4993,7 @@
           <p:cNvPr id="4" name="TextBox 3">
             <a:extLst>
               <a:ext uri="{FF2B5EF4-FFF2-40B4-BE49-F238E27FC236}">
-                <a16:creationId xmlns:a16="http://schemas.microsoft.com/office/drawing/2014/main" xmlns="" id="{DF7DDD33-9412-2802-339A-E55446AC2DA7}"/>
+                <a16:creationId xmlns="" xmlns:a16="http://schemas.microsoft.com/office/drawing/2014/main" id="{DF7DDD33-9412-2802-339A-E55446AC2DA7}"/>
               </a:ext>
             </a:extLst>
           </p:cNvPr>
@@ -4814,7 +5041,7 @@
           <p:cNvPr id="8" name="TextBox 7">
             <a:extLst>
               <a:ext uri="{FF2B5EF4-FFF2-40B4-BE49-F238E27FC236}">
-                <a16:creationId xmlns:a16="http://schemas.microsoft.com/office/drawing/2014/main" xmlns="" id="{A2AD056B-97A4-5BCC-4460-250160F3E171}"/>
+                <a16:creationId xmlns="" xmlns:a16="http://schemas.microsoft.com/office/drawing/2014/main" id="{A2AD056B-97A4-5BCC-4460-250160F3E171}"/>
               </a:ext>
             </a:extLst>
           </p:cNvPr>
@@ -4823,8 +5050,8 @@
         </p:nvSpPr>
         <p:spPr>
           <a:xfrm>
-            <a:off x="7391400" y="1409700"/>
-            <a:ext cx="11277600" cy="1323439"/>
+            <a:off x="9220200" y="1257300"/>
+            <a:ext cx="9296400" cy="1323439"/>
           </a:xfrm>
           <a:prstGeom prst="rect">
             <a:avLst/>
@@ -5024,8 +5251,8 @@
         </p:blipFill>
         <p:spPr>
           <a:xfrm>
-            <a:off x="6784527" y="3009900"/>
-            <a:ext cx="10550769" cy="3810000"/>
+            <a:off x="9067800" y="3566582"/>
+            <a:ext cx="9220200" cy="3329517"/>
           </a:xfrm>
           <a:prstGeom prst="rect">
             <a:avLst/>
@@ -5034,7 +5261,7 @@
       </p:pic>
       <p:pic>
         <p:nvPicPr>
-          <p:cNvPr id="2" name="그림 1"/>
+          <p:cNvPr id="3" name="그림 2"/>
           <p:cNvPicPr>
             <a:picLocks noChangeAspect="1"/>
           </p:cNvPicPr>
@@ -5048,8 +5275,8 @@
         </p:blipFill>
         <p:spPr>
           <a:xfrm>
-            <a:off x="1107772" y="1418491"/>
-            <a:ext cx="5140627" cy="7915655"/>
+            <a:off x="7034" y="1257300"/>
+            <a:ext cx="8897878" cy="7848600"/>
           </a:xfrm>
           <a:prstGeom prst="rect">
             <a:avLst/>
@@ -5166,7 +5393,7 @@
           <p:cNvPr id="4" name="TextBox 3">
             <a:extLst>
               <a:ext uri="{FF2B5EF4-FFF2-40B4-BE49-F238E27FC236}">
-                <a16:creationId xmlns:a16="http://schemas.microsoft.com/office/drawing/2014/main" xmlns="" id="{DF7DDD33-9412-2802-339A-E55446AC2DA7}"/>
+                <a16:creationId xmlns="" xmlns:a16="http://schemas.microsoft.com/office/drawing/2014/main" id="{DF7DDD33-9412-2802-339A-E55446AC2DA7}"/>
               </a:ext>
             </a:extLst>
           </p:cNvPr>
@@ -5248,7 +5475,7 @@
           <p:cNvPr id="6" name="직선 화살표 연결선 5">
             <a:extLst>
               <a:ext uri="{FF2B5EF4-FFF2-40B4-BE49-F238E27FC236}">
-                <a16:creationId xmlns:a16="http://schemas.microsoft.com/office/drawing/2014/main" xmlns="" id="{299DF5EC-9DF4-5255-06AC-0A7CE4FF58C3}"/>
+                <a16:creationId xmlns="" xmlns:a16="http://schemas.microsoft.com/office/drawing/2014/main" id="{299DF5EC-9DF4-5255-06AC-0A7CE4FF58C3}"/>
               </a:ext>
             </a:extLst>
           </p:cNvPr>
@@ -5289,7 +5516,7 @@
           <p:cNvPr id="7" name="직사각형 6">
             <a:extLst>
               <a:ext uri="{FF2B5EF4-FFF2-40B4-BE49-F238E27FC236}">
-                <a16:creationId xmlns:a16="http://schemas.microsoft.com/office/drawing/2014/main" xmlns="" id="{FFF506F9-840A-0508-4CAF-3AC711D8D5CE}"/>
+                <a16:creationId xmlns="" xmlns:a16="http://schemas.microsoft.com/office/drawing/2014/main" id="{FFF506F9-840A-0508-4CAF-3AC711D8D5CE}"/>
               </a:ext>
             </a:extLst>
           </p:cNvPr>
@@ -5341,7 +5568,7 @@
           <p:cNvPr id="8" name="TextBox 7">
             <a:extLst>
               <a:ext uri="{FF2B5EF4-FFF2-40B4-BE49-F238E27FC236}">
-                <a16:creationId xmlns:a16="http://schemas.microsoft.com/office/drawing/2014/main" xmlns="" id="{C6D113C6-EA5C-788F-0C77-E7CE6EBB865F}"/>
+                <a16:creationId xmlns="" xmlns:a16="http://schemas.microsoft.com/office/drawing/2014/main" id="{C6D113C6-EA5C-788F-0C77-E7CE6EBB865F}"/>
               </a:ext>
             </a:extLst>
           </p:cNvPr>
@@ -5423,7 +5650,7 @@
           <p:cNvPr id="10" name="직선 화살표 연결선 9">
             <a:extLst>
               <a:ext uri="{FF2B5EF4-FFF2-40B4-BE49-F238E27FC236}">
-                <a16:creationId xmlns:a16="http://schemas.microsoft.com/office/drawing/2014/main" xmlns="" id="{299DF5EC-9DF4-5255-06AC-0A7CE4FF58C3}"/>
+                <a16:creationId xmlns="" xmlns:a16="http://schemas.microsoft.com/office/drawing/2014/main" id="{299DF5EC-9DF4-5255-06AC-0A7CE4FF58C3}"/>
               </a:ext>
             </a:extLst>
           </p:cNvPr>
@@ -5464,7 +5691,7 @@
           <p:cNvPr id="11" name="TextBox 10">
             <a:extLst>
               <a:ext uri="{FF2B5EF4-FFF2-40B4-BE49-F238E27FC236}">
-                <a16:creationId xmlns:a16="http://schemas.microsoft.com/office/drawing/2014/main" xmlns="" id="{C6D113C6-EA5C-788F-0C77-E7CE6EBB865F}"/>
+                <a16:creationId xmlns="" xmlns:a16="http://schemas.microsoft.com/office/drawing/2014/main" id="{C6D113C6-EA5C-788F-0C77-E7CE6EBB865F}"/>
               </a:ext>
             </a:extLst>
           </p:cNvPr>
@@ -6058,7 +6285,7 @@
           <p:cNvPr id="2" name="TextBox 1">
             <a:extLst>
               <a:ext uri="{FF2B5EF4-FFF2-40B4-BE49-F238E27FC236}">
-                <a16:creationId xmlns:a16="http://schemas.microsoft.com/office/drawing/2014/main" xmlns="" id="{76F36AE5-79B5-0B9F-E510-1C27AAC4B649}"/>
+                <a16:creationId xmlns="" xmlns:a16="http://schemas.microsoft.com/office/drawing/2014/main" id="{76F36AE5-79B5-0B9F-E510-1C27AAC4B649}"/>
               </a:ext>
             </a:extLst>
           </p:cNvPr>
@@ -6143,7 +6370,7 @@
           <p:cNvPr id="4" name="TextBox 3">
             <a:extLst>
               <a:ext uri="{FF2B5EF4-FFF2-40B4-BE49-F238E27FC236}">
-                <a16:creationId xmlns:a16="http://schemas.microsoft.com/office/drawing/2014/main" xmlns="" id="{DF7DDD33-9412-2802-339A-E55446AC2DA7}"/>
+                <a16:creationId xmlns="" xmlns:a16="http://schemas.microsoft.com/office/drawing/2014/main" id="{DF7DDD33-9412-2802-339A-E55446AC2DA7}"/>
               </a:ext>
             </a:extLst>
           </p:cNvPr>
@@ -6221,7 +6448,7 @@
           <p:cNvPr id="6" name="그룹 1008">
             <a:extLst>
               <a:ext uri="{FF2B5EF4-FFF2-40B4-BE49-F238E27FC236}">
-                <a16:creationId xmlns:a16="http://schemas.microsoft.com/office/drawing/2014/main" xmlns="" id="{678F6342-C505-E8AD-ADA4-022CB2C2088E}"/>
+                <a16:creationId xmlns="" xmlns:a16="http://schemas.microsoft.com/office/drawing/2014/main" id="{678F6342-C505-E8AD-ADA4-022CB2C2088E}"/>
               </a:ext>
             </a:extLst>
           </p:cNvPr>
@@ -6241,7 +6468,7 @@
             <p:cNvPr id="7" name="그룹 1009">
               <a:extLst>
                 <a:ext uri="{FF2B5EF4-FFF2-40B4-BE49-F238E27FC236}">
-                  <a16:creationId xmlns:a16="http://schemas.microsoft.com/office/drawing/2014/main" xmlns="" id="{4E1F1FED-812B-9BBB-925A-84B54A077414}"/>
+                  <a16:creationId xmlns="" xmlns:a16="http://schemas.microsoft.com/office/drawing/2014/main" id="{4E1F1FED-812B-9BBB-925A-84B54A077414}"/>
                 </a:ext>
               </a:extLst>
             </p:cNvPr>
@@ -6261,7 +6488,7 @@
               <p:cNvPr id="12" name="Object 29">
                 <a:extLst>
                   <a:ext uri="{FF2B5EF4-FFF2-40B4-BE49-F238E27FC236}">
-                    <a16:creationId xmlns:a16="http://schemas.microsoft.com/office/drawing/2014/main" xmlns="" id="{7B078609-4286-7B00-51EB-809C8E2DE289}"/>
+                    <a16:creationId xmlns="" xmlns:a16="http://schemas.microsoft.com/office/drawing/2014/main" id="{7B078609-4286-7B00-51EB-809C8E2DE289}"/>
                   </a:ext>
                 </a:extLst>
               </p:cNvPr>
@@ -6292,7 +6519,7 @@
             <p:cNvPr id="8" name="그룹 1010">
               <a:extLst>
                 <a:ext uri="{FF2B5EF4-FFF2-40B4-BE49-F238E27FC236}">
-                  <a16:creationId xmlns:a16="http://schemas.microsoft.com/office/drawing/2014/main" xmlns="" id="{02A649BF-B5B5-FBAF-7DFD-E118A4DF8907}"/>
+                  <a16:creationId xmlns="" xmlns:a16="http://schemas.microsoft.com/office/drawing/2014/main" id="{02A649BF-B5B5-FBAF-7DFD-E118A4DF8907}"/>
                 </a:ext>
               </a:extLst>
             </p:cNvPr>
@@ -6312,7 +6539,7 @@
               <p:cNvPr id="11" name="Object 32">
                 <a:extLst>
                   <a:ext uri="{FF2B5EF4-FFF2-40B4-BE49-F238E27FC236}">
-                    <a16:creationId xmlns:a16="http://schemas.microsoft.com/office/drawing/2014/main" xmlns="" id="{2A0FFF23-B3C9-3EA0-1C1B-A87D4FF098AE}"/>
+                    <a16:creationId xmlns="" xmlns:a16="http://schemas.microsoft.com/office/drawing/2014/main" id="{2A0FFF23-B3C9-3EA0-1C1B-A87D4FF098AE}"/>
                   </a:ext>
                 </a:extLst>
               </p:cNvPr>
@@ -6343,7 +6570,7 @@
             <p:cNvPr id="9" name="그룹 1011">
               <a:extLst>
                 <a:ext uri="{FF2B5EF4-FFF2-40B4-BE49-F238E27FC236}">
-                  <a16:creationId xmlns:a16="http://schemas.microsoft.com/office/drawing/2014/main" xmlns="" id="{881F5410-F7FB-F261-A584-707359BAC593}"/>
+                  <a16:creationId xmlns="" xmlns:a16="http://schemas.microsoft.com/office/drawing/2014/main" id="{881F5410-F7FB-F261-A584-707359BAC593}"/>
                 </a:ext>
               </a:extLst>
             </p:cNvPr>
@@ -6363,7 +6590,7 @@
               <p:cNvPr id="10" name="Object 35">
                 <a:extLst>
                   <a:ext uri="{FF2B5EF4-FFF2-40B4-BE49-F238E27FC236}">
-                    <a16:creationId xmlns:a16="http://schemas.microsoft.com/office/drawing/2014/main" xmlns="" id="{4E99E669-73EB-F9F4-EFE8-DC107035C265}"/>
+                    <a16:creationId xmlns="" xmlns:a16="http://schemas.microsoft.com/office/drawing/2014/main" id="{4E99E669-73EB-F9F4-EFE8-DC107035C265}"/>
                   </a:ext>
                 </a:extLst>
               </p:cNvPr>
@@ -6788,7 +7015,7 @@
           <p:cNvPr id="4" name="TextBox 3">
             <a:extLst>
               <a:ext uri="{FF2B5EF4-FFF2-40B4-BE49-F238E27FC236}">
-                <a16:creationId xmlns:a16="http://schemas.microsoft.com/office/drawing/2014/main" xmlns="" id="{DF7DDD33-9412-2802-339A-E55446AC2DA7}"/>
+                <a16:creationId xmlns="" xmlns:a16="http://schemas.microsoft.com/office/drawing/2014/main" id="{DF7DDD33-9412-2802-339A-E55446AC2DA7}"/>
               </a:ext>
             </a:extLst>
           </p:cNvPr>
@@ -6856,7 +7083,7 @@
           <p:cNvPr id="8" name="직선 화살표 연결선 7">
             <a:extLst>
               <a:ext uri="{FF2B5EF4-FFF2-40B4-BE49-F238E27FC236}">
-                <a16:creationId xmlns:a16="http://schemas.microsoft.com/office/drawing/2014/main" xmlns="" id="{299DF5EC-9DF4-5255-06AC-0A7CE4FF58C3}"/>
+                <a16:creationId xmlns="" xmlns:a16="http://schemas.microsoft.com/office/drawing/2014/main" id="{299DF5EC-9DF4-5255-06AC-0A7CE4FF58C3}"/>
               </a:ext>
             </a:extLst>
           </p:cNvPr>
@@ -6897,7 +7124,7 @@
           <p:cNvPr id="10" name="직선 화살표 연결선 9">
             <a:extLst>
               <a:ext uri="{FF2B5EF4-FFF2-40B4-BE49-F238E27FC236}">
-                <a16:creationId xmlns:a16="http://schemas.microsoft.com/office/drawing/2014/main" xmlns="" id="{299DF5EC-9DF4-5255-06AC-0A7CE4FF58C3}"/>
+                <a16:creationId xmlns="" xmlns:a16="http://schemas.microsoft.com/office/drawing/2014/main" id="{299DF5EC-9DF4-5255-06AC-0A7CE4FF58C3}"/>
               </a:ext>
             </a:extLst>
           </p:cNvPr>
@@ -7208,7 +7435,7 @@
           <p:cNvPr id="10" name="TextBox 9">
             <a:extLst>
               <a:ext uri="{FF2B5EF4-FFF2-40B4-BE49-F238E27FC236}">
-                <a16:creationId xmlns:a16="http://schemas.microsoft.com/office/drawing/2014/main" xmlns="" id="{DF7DDD33-9412-2802-339A-E55446AC2DA7}"/>
+                <a16:creationId xmlns="" xmlns:a16="http://schemas.microsoft.com/office/drawing/2014/main" id="{DF7DDD33-9412-2802-339A-E55446AC2DA7}"/>
               </a:ext>
             </a:extLst>
           </p:cNvPr>
@@ -7276,7 +7503,7 @@
           <p:cNvPr id="8" name="TextBox 7">
             <a:extLst>
               <a:ext uri="{FF2B5EF4-FFF2-40B4-BE49-F238E27FC236}">
-                <a16:creationId xmlns:a16="http://schemas.microsoft.com/office/drawing/2014/main" xmlns="" id="{C6D113C6-EA5C-788F-0C77-E7CE6EBB865F}"/>
+                <a16:creationId xmlns="" xmlns:a16="http://schemas.microsoft.com/office/drawing/2014/main" id="{C6D113C6-EA5C-788F-0C77-E7CE6EBB865F}"/>
               </a:ext>
             </a:extLst>
           </p:cNvPr>
@@ -7324,7 +7551,7 @@
           <p:cNvPr id="11" name="TextBox 10">
             <a:extLst>
               <a:ext uri="{FF2B5EF4-FFF2-40B4-BE49-F238E27FC236}">
-                <a16:creationId xmlns:a16="http://schemas.microsoft.com/office/drawing/2014/main" xmlns="" id="{C6D113C6-EA5C-788F-0C77-E7CE6EBB865F}"/>
+                <a16:creationId xmlns="" xmlns:a16="http://schemas.microsoft.com/office/drawing/2014/main" id="{C6D113C6-EA5C-788F-0C77-E7CE6EBB865F}"/>
               </a:ext>
             </a:extLst>
           </p:cNvPr>
@@ -7650,7 +7877,7 @@
           <p:cNvPr id="14" name="직사각형 13">
             <a:extLst>
               <a:ext uri="{FF2B5EF4-FFF2-40B4-BE49-F238E27FC236}">
-                <a16:creationId xmlns:a16="http://schemas.microsoft.com/office/drawing/2014/main" xmlns="" id="{FFF506F9-840A-0508-4CAF-3AC711D8D5CE}"/>
+                <a16:creationId xmlns="" xmlns:a16="http://schemas.microsoft.com/office/drawing/2014/main" id="{FFF506F9-840A-0508-4CAF-3AC711D8D5CE}"/>
               </a:ext>
             </a:extLst>
           </p:cNvPr>
@@ -7702,7 +7929,7 @@
           <p:cNvPr id="18" name="TextBox 17">
             <a:extLst>
               <a:ext uri="{FF2B5EF4-FFF2-40B4-BE49-F238E27FC236}">
-                <a16:creationId xmlns:a16="http://schemas.microsoft.com/office/drawing/2014/main" xmlns="" id="{DF7DDD33-9412-2802-339A-E55446AC2DA7}"/>
+                <a16:creationId xmlns="" xmlns:a16="http://schemas.microsoft.com/office/drawing/2014/main" id="{DF7DDD33-9412-2802-339A-E55446AC2DA7}"/>
               </a:ext>
             </a:extLst>
           </p:cNvPr>
@@ -7760,7 +7987,7 @@
           <p:cNvPr id="19" name="직선 화살표 연결선 18">
             <a:extLst>
               <a:ext uri="{FF2B5EF4-FFF2-40B4-BE49-F238E27FC236}">
-                <a16:creationId xmlns:a16="http://schemas.microsoft.com/office/drawing/2014/main" xmlns="" id="{299DF5EC-9DF4-5255-06AC-0A7CE4FF58C3}"/>
+                <a16:creationId xmlns="" xmlns:a16="http://schemas.microsoft.com/office/drawing/2014/main" id="{299DF5EC-9DF4-5255-06AC-0A7CE4FF58C3}"/>
               </a:ext>
             </a:extLst>
           </p:cNvPr>
@@ -7801,7 +8028,7 @@
           <p:cNvPr id="20" name="TextBox 19">
             <a:extLst>
               <a:ext uri="{FF2B5EF4-FFF2-40B4-BE49-F238E27FC236}">
-                <a16:creationId xmlns:a16="http://schemas.microsoft.com/office/drawing/2014/main" xmlns="" id="{C6D113C6-EA5C-788F-0C77-E7CE6EBB865F}"/>
+                <a16:creationId xmlns="" xmlns:a16="http://schemas.microsoft.com/office/drawing/2014/main" id="{C6D113C6-EA5C-788F-0C77-E7CE6EBB865F}"/>
               </a:ext>
             </a:extLst>
           </p:cNvPr>
@@ -7859,7 +8086,7 @@
           <p:cNvPr id="21" name="그룹 1008">
             <a:extLst>
               <a:ext uri="{FF2B5EF4-FFF2-40B4-BE49-F238E27FC236}">
-                <a16:creationId xmlns:a16="http://schemas.microsoft.com/office/drawing/2014/main" xmlns="" id="{E395BDE3-2EDE-065D-70E8-56E348228ACF}"/>
+                <a16:creationId xmlns="" xmlns:a16="http://schemas.microsoft.com/office/drawing/2014/main" id="{E395BDE3-2EDE-065D-70E8-56E348228ACF}"/>
               </a:ext>
             </a:extLst>
           </p:cNvPr>
@@ -7879,7 +8106,7 @@
             <p:cNvPr id="22" name="그룹 1009">
               <a:extLst>
                 <a:ext uri="{FF2B5EF4-FFF2-40B4-BE49-F238E27FC236}">
-                  <a16:creationId xmlns:a16="http://schemas.microsoft.com/office/drawing/2014/main" xmlns="" id="{852F4DEB-DB33-DB3F-9E9F-52A46CD0B10A}"/>
+                  <a16:creationId xmlns="" xmlns:a16="http://schemas.microsoft.com/office/drawing/2014/main" id="{852F4DEB-DB33-DB3F-9E9F-52A46CD0B10A}"/>
                 </a:ext>
               </a:extLst>
             </p:cNvPr>
@@ -7899,7 +8126,7 @@
               <p:cNvPr id="27" name="Object 29">
                 <a:extLst>
                   <a:ext uri="{FF2B5EF4-FFF2-40B4-BE49-F238E27FC236}">
-                    <a16:creationId xmlns:a16="http://schemas.microsoft.com/office/drawing/2014/main" xmlns="" id="{7E353D3B-14D4-8A64-5888-3F0C062C2CDD}"/>
+                    <a16:creationId xmlns="" xmlns:a16="http://schemas.microsoft.com/office/drawing/2014/main" id="{7E353D3B-14D4-8A64-5888-3F0C062C2CDD}"/>
                   </a:ext>
                 </a:extLst>
               </p:cNvPr>
@@ -7930,7 +8157,7 @@
             <p:cNvPr id="23" name="그룹 1010">
               <a:extLst>
                 <a:ext uri="{FF2B5EF4-FFF2-40B4-BE49-F238E27FC236}">
-                  <a16:creationId xmlns:a16="http://schemas.microsoft.com/office/drawing/2014/main" xmlns="" id="{001E38AB-1390-ABD0-BE01-9727136FEAEE}"/>
+                  <a16:creationId xmlns="" xmlns:a16="http://schemas.microsoft.com/office/drawing/2014/main" id="{001E38AB-1390-ABD0-BE01-9727136FEAEE}"/>
                 </a:ext>
               </a:extLst>
             </p:cNvPr>
@@ -7950,7 +8177,7 @@
               <p:cNvPr id="26" name="Object 32">
                 <a:extLst>
                   <a:ext uri="{FF2B5EF4-FFF2-40B4-BE49-F238E27FC236}">
-                    <a16:creationId xmlns:a16="http://schemas.microsoft.com/office/drawing/2014/main" xmlns="" id="{2ED1C30F-0D0B-F86C-8215-2598D332B5A3}"/>
+                    <a16:creationId xmlns="" xmlns:a16="http://schemas.microsoft.com/office/drawing/2014/main" id="{2ED1C30F-0D0B-F86C-8215-2598D332B5A3}"/>
                   </a:ext>
                 </a:extLst>
               </p:cNvPr>
@@ -7981,7 +8208,7 @@
             <p:cNvPr id="24" name="그룹 1011">
               <a:extLst>
                 <a:ext uri="{FF2B5EF4-FFF2-40B4-BE49-F238E27FC236}">
-                  <a16:creationId xmlns:a16="http://schemas.microsoft.com/office/drawing/2014/main" xmlns="" id="{1BCB8DE5-ABAF-4198-BC16-85BB76F2DB24}"/>
+                  <a16:creationId xmlns="" xmlns:a16="http://schemas.microsoft.com/office/drawing/2014/main" id="{1BCB8DE5-ABAF-4198-BC16-85BB76F2DB24}"/>
                 </a:ext>
               </a:extLst>
             </p:cNvPr>
@@ -8001,7 +8228,7 @@
               <p:cNvPr id="25" name="Object 35">
                 <a:extLst>
                   <a:ext uri="{FF2B5EF4-FFF2-40B4-BE49-F238E27FC236}">
-                    <a16:creationId xmlns:a16="http://schemas.microsoft.com/office/drawing/2014/main" xmlns="" id="{86E7BA23-0A1E-B581-CADC-06AB269DB2BD}"/>
+                    <a16:creationId xmlns="" xmlns:a16="http://schemas.microsoft.com/office/drawing/2014/main" id="{86E7BA23-0A1E-B581-CADC-06AB269DB2BD}"/>
                   </a:ext>
                 </a:extLst>
               </p:cNvPr>
@@ -8340,7 +8567,7 @@
           <p:cNvPr id="7" name="TextBox 6">
             <a:extLst>
               <a:ext uri="{FF2B5EF4-FFF2-40B4-BE49-F238E27FC236}">
-                <a16:creationId xmlns:a16="http://schemas.microsoft.com/office/drawing/2014/main" xmlns="" id="{DF7DDD33-9412-2802-339A-E55446AC2DA7}"/>
+                <a16:creationId xmlns="" xmlns:a16="http://schemas.microsoft.com/office/drawing/2014/main" id="{DF7DDD33-9412-2802-339A-E55446AC2DA7}"/>
               </a:ext>
             </a:extLst>
           </p:cNvPr>
@@ -8618,7 +8845,7 @@
           <p:cNvPr id="11" name="TextBox 10">
             <a:extLst>
               <a:ext uri="{FF2B5EF4-FFF2-40B4-BE49-F238E27FC236}">
-                <a16:creationId xmlns:a16="http://schemas.microsoft.com/office/drawing/2014/main" xmlns="" id="{9F88F580-08BE-88C2-D640-13F0026591CB}"/>
+                <a16:creationId xmlns="" xmlns:a16="http://schemas.microsoft.com/office/drawing/2014/main" id="{9F88F580-08BE-88C2-D640-13F0026591CB}"/>
               </a:ext>
             </a:extLst>
           </p:cNvPr>
@@ -8669,7 +8896,7 @@
           <p:cNvPr id="13" name="TextBox 12">
             <a:extLst>
               <a:ext uri="{FF2B5EF4-FFF2-40B4-BE49-F238E27FC236}">
-                <a16:creationId xmlns:a16="http://schemas.microsoft.com/office/drawing/2014/main" xmlns="" id="{72769C28-9BB6-DE9C-7B6F-264B77B8DD0E}"/>
+                <a16:creationId xmlns="" xmlns:a16="http://schemas.microsoft.com/office/drawing/2014/main" id="{72769C28-9BB6-DE9C-7B6F-264B77B8DD0E}"/>
               </a:ext>
             </a:extLst>
           </p:cNvPr>
@@ -8710,7 +8937,7 @@
           <p:cNvPr id="14" name="TextBox 13">
             <a:extLst>
               <a:ext uri="{FF2B5EF4-FFF2-40B4-BE49-F238E27FC236}">
-                <a16:creationId xmlns:a16="http://schemas.microsoft.com/office/drawing/2014/main" xmlns="" id="{270FBB6A-01CE-5637-78DA-58F0C974145C}"/>
+                <a16:creationId xmlns="" xmlns:a16="http://schemas.microsoft.com/office/drawing/2014/main" id="{270FBB6A-01CE-5637-78DA-58F0C974145C}"/>
               </a:ext>
             </a:extLst>
           </p:cNvPr>
@@ -8758,7 +8985,7 @@
           <p:cNvPr id="2" name="Object 17">
             <a:extLst>
               <a:ext uri="{FF2B5EF4-FFF2-40B4-BE49-F238E27FC236}">
-                <a16:creationId xmlns:a16="http://schemas.microsoft.com/office/drawing/2014/main" xmlns="" id="{140B283D-FE58-FA6F-6F7C-E0F1DBB62A65}"/>
+                <a16:creationId xmlns="" xmlns:a16="http://schemas.microsoft.com/office/drawing/2014/main" id="{140B283D-FE58-FA6F-6F7C-E0F1DBB62A65}"/>
               </a:ext>
             </a:extLst>
           </p:cNvPr>
@@ -8788,7 +9015,7 @@
           <p:cNvPr id="4" name="TextBox 3">
             <a:extLst>
               <a:ext uri="{FF2B5EF4-FFF2-40B4-BE49-F238E27FC236}">
-                <a16:creationId xmlns:a16="http://schemas.microsoft.com/office/drawing/2014/main" xmlns="" id="{2C8D0998-79BC-6FD2-59D9-8052B4A25F65}"/>
+                <a16:creationId xmlns="" xmlns:a16="http://schemas.microsoft.com/office/drawing/2014/main" id="{2C8D0998-79BC-6FD2-59D9-8052B4A25F65}"/>
               </a:ext>
             </a:extLst>
           </p:cNvPr>
@@ -8836,7 +9063,7 @@
           <p:cNvPr id="5" name="Object 18">
             <a:extLst>
               <a:ext uri="{FF2B5EF4-FFF2-40B4-BE49-F238E27FC236}">
-                <a16:creationId xmlns:a16="http://schemas.microsoft.com/office/drawing/2014/main" xmlns="" id="{3F58EA3E-1018-64D3-FAB2-4F6B9618FA56}"/>
+                <a16:creationId xmlns="" xmlns:a16="http://schemas.microsoft.com/office/drawing/2014/main" id="{3F58EA3E-1018-64D3-FAB2-4F6B9618FA56}"/>
               </a:ext>
             </a:extLst>
           </p:cNvPr>
@@ -8866,7 +9093,7 @@
           <p:cNvPr id="8" name="TextBox 7">
             <a:extLst>
               <a:ext uri="{FF2B5EF4-FFF2-40B4-BE49-F238E27FC236}">
-                <a16:creationId xmlns:a16="http://schemas.microsoft.com/office/drawing/2014/main" xmlns="" id="{681D3F16-7DCF-41AD-F5F1-0558C78C0E4D}"/>
+                <a16:creationId xmlns="" xmlns:a16="http://schemas.microsoft.com/office/drawing/2014/main" id="{681D3F16-7DCF-41AD-F5F1-0558C78C0E4D}"/>
               </a:ext>
             </a:extLst>
           </p:cNvPr>
@@ -8946,7 +9173,7 @@
           <p:cNvPr id="4" name="TextBox 3">
             <a:extLst>
               <a:ext uri="{FF2B5EF4-FFF2-40B4-BE49-F238E27FC236}">
-                <a16:creationId xmlns:a16="http://schemas.microsoft.com/office/drawing/2014/main" xmlns="" id="{DF7DDD33-9412-2802-339A-E55446AC2DA7}"/>
+                <a16:creationId xmlns="" xmlns:a16="http://schemas.microsoft.com/office/drawing/2014/main" id="{DF7DDD33-9412-2802-339A-E55446AC2DA7}"/>
               </a:ext>
             </a:extLst>
           </p:cNvPr>
@@ -9018,7 +9245,7 @@
           <p:cNvPr id="6" name="직선 화살표 연결선 5">
             <a:extLst>
               <a:ext uri="{FF2B5EF4-FFF2-40B4-BE49-F238E27FC236}">
-                <a16:creationId xmlns:a16="http://schemas.microsoft.com/office/drawing/2014/main" xmlns="" id="{299DF5EC-9DF4-5255-06AC-0A7CE4FF58C3}"/>
+                <a16:creationId xmlns="" xmlns:a16="http://schemas.microsoft.com/office/drawing/2014/main" id="{299DF5EC-9DF4-5255-06AC-0A7CE4FF58C3}"/>
               </a:ext>
             </a:extLst>
           </p:cNvPr>
@@ -9059,7 +9286,7 @@
           <p:cNvPr id="7" name="TextBox 6">
             <a:extLst>
               <a:ext uri="{FF2B5EF4-FFF2-40B4-BE49-F238E27FC236}">
-                <a16:creationId xmlns:a16="http://schemas.microsoft.com/office/drawing/2014/main" xmlns="" id="{C6D113C6-EA5C-788F-0C77-E7CE6EBB865F}"/>
+                <a16:creationId xmlns="" xmlns:a16="http://schemas.microsoft.com/office/drawing/2014/main" id="{C6D113C6-EA5C-788F-0C77-E7CE6EBB865F}"/>
               </a:ext>
             </a:extLst>
           </p:cNvPr>
@@ -9376,7 +9603,7 @@
           <p:cNvPr id="7" name="TextBox 6">
             <a:extLst>
               <a:ext uri="{FF2B5EF4-FFF2-40B4-BE49-F238E27FC236}">
-                <a16:creationId xmlns:a16="http://schemas.microsoft.com/office/drawing/2014/main" xmlns="" id="{DF7DDD33-9412-2802-339A-E55446AC2DA7}"/>
+                <a16:creationId xmlns="" xmlns:a16="http://schemas.microsoft.com/office/drawing/2014/main" id="{DF7DDD33-9412-2802-339A-E55446AC2DA7}"/>
               </a:ext>
             </a:extLst>
           </p:cNvPr>
@@ -9424,7 +9651,7 @@
           <p:cNvPr id="8" name="TextBox 7">
             <a:extLst>
               <a:ext uri="{FF2B5EF4-FFF2-40B4-BE49-F238E27FC236}">
-                <a16:creationId xmlns:a16="http://schemas.microsoft.com/office/drawing/2014/main" xmlns="" id="{DF7DDD33-9412-2802-339A-E55446AC2DA7}"/>
+                <a16:creationId xmlns="" xmlns:a16="http://schemas.microsoft.com/office/drawing/2014/main" id="{DF7DDD33-9412-2802-339A-E55446AC2DA7}"/>
               </a:ext>
             </a:extLst>
           </p:cNvPr>
@@ -9641,7 +9868,7 @@
           <p:cNvPr id="5" name="TextBox 4">
             <a:extLst>
               <a:ext uri="{FF2B5EF4-FFF2-40B4-BE49-F238E27FC236}">
-                <a16:creationId xmlns:a16="http://schemas.microsoft.com/office/drawing/2014/main" xmlns="" id="{C6D113C6-EA5C-788F-0C77-E7CE6EBB865F}"/>
+                <a16:creationId xmlns="" xmlns:a16="http://schemas.microsoft.com/office/drawing/2014/main" id="{C6D113C6-EA5C-788F-0C77-E7CE6EBB865F}"/>
               </a:ext>
             </a:extLst>
           </p:cNvPr>
@@ -9726,7 +9953,7 @@
           <p:cNvPr id="4" name="TextBox 3">
             <a:extLst>
               <a:ext uri="{FF2B5EF4-FFF2-40B4-BE49-F238E27FC236}">
-                <a16:creationId xmlns:a16="http://schemas.microsoft.com/office/drawing/2014/main" xmlns="" id="{5ADC00B6-990A-40DC-3CEA-505258F5E8DA}"/>
+                <a16:creationId xmlns="" xmlns:a16="http://schemas.microsoft.com/office/drawing/2014/main" id="{5ADC00B6-990A-40DC-3CEA-505258F5E8DA}"/>
               </a:ext>
             </a:extLst>
           </p:cNvPr>
@@ -9784,7 +10011,7 @@
           <p:cNvPr id="5" name="TextBox 4">
             <a:extLst>
               <a:ext uri="{FF2B5EF4-FFF2-40B4-BE49-F238E27FC236}">
-                <a16:creationId xmlns:a16="http://schemas.microsoft.com/office/drawing/2014/main" xmlns="" id="{A2AD056B-97A4-5BCC-4460-250160F3E171}"/>
+                <a16:creationId xmlns="" xmlns:a16="http://schemas.microsoft.com/office/drawing/2014/main" id="{A2AD056B-97A4-5BCC-4460-250160F3E171}"/>
               </a:ext>
             </a:extLst>
           </p:cNvPr>
@@ -10352,7 +10579,7 @@
           <p:cNvPr id="4" name="TextBox 3">
             <a:extLst>
               <a:ext uri="{FF2B5EF4-FFF2-40B4-BE49-F238E27FC236}">
-                <a16:creationId xmlns:a16="http://schemas.microsoft.com/office/drawing/2014/main" xmlns="" id="{A2AD056B-97A4-5BCC-4460-250160F3E171}"/>
+                <a16:creationId xmlns="" xmlns:a16="http://schemas.microsoft.com/office/drawing/2014/main" id="{A2AD056B-97A4-5BCC-4460-250160F3E171}"/>
               </a:ext>
             </a:extLst>
           </p:cNvPr>
@@ -10881,7 +11108,7 @@
           <p:cNvPr id="4" name="TextBox 3">
             <a:extLst>
               <a:ext uri="{FF2B5EF4-FFF2-40B4-BE49-F238E27FC236}">
-                <a16:creationId xmlns:a16="http://schemas.microsoft.com/office/drawing/2014/main" xmlns="" id="{A2AD056B-97A4-5BCC-4460-250160F3E171}"/>
+                <a16:creationId xmlns="" xmlns:a16="http://schemas.microsoft.com/office/drawing/2014/main" id="{A2AD056B-97A4-5BCC-4460-250160F3E171}"/>
               </a:ext>
             </a:extLst>
           </p:cNvPr>
@@ -11149,7 +11376,7 @@
           <p:cNvPr id="8" name="TextBox 7">
             <a:extLst>
               <a:ext uri="{FF2B5EF4-FFF2-40B4-BE49-F238E27FC236}">
-                <a16:creationId xmlns:a16="http://schemas.microsoft.com/office/drawing/2014/main" xmlns="" id="{C6D113C6-EA5C-788F-0C77-E7CE6EBB865F}"/>
+                <a16:creationId xmlns="" xmlns:a16="http://schemas.microsoft.com/office/drawing/2014/main" id="{C6D113C6-EA5C-788F-0C77-E7CE6EBB865F}"/>
               </a:ext>
             </a:extLst>
           </p:cNvPr>
@@ -11541,7 +11768,7 @@
           <p:cNvPr id="4" name="TextBox 3">
             <a:extLst>
               <a:ext uri="{FF2B5EF4-FFF2-40B4-BE49-F238E27FC236}">
-                <a16:creationId xmlns:a16="http://schemas.microsoft.com/office/drawing/2014/main" xmlns="" id="{A2AD056B-97A4-5BCC-4460-250160F3E171}"/>
+                <a16:creationId xmlns="" xmlns:a16="http://schemas.microsoft.com/office/drawing/2014/main" id="{A2AD056B-97A4-5BCC-4460-250160F3E171}"/>
               </a:ext>
             </a:extLst>
           </p:cNvPr>
@@ -12115,7 +12342,7 @@
           <p:cNvPr id="5" name="TextBox 4">
             <a:extLst>
               <a:ext uri="{FF2B5EF4-FFF2-40B4-BE49-F238E27FC236}">
-                <a16:creationId xmlns:a16="http://schemas.microsoft.com/office/drawing/2014/main" xmlns="" id="{DF7DDD33-9412-2802-339A-E55446AC2DA7}"/>
+                <a16:creationId xmlns="" xmlns:a16="http://schemas.microsoft.com/office/drawing/2014/main" id="{DF7DDD33-9412-2802-339A-E55446AC2DA7}"/>
               </a:ext>
             </a:extLst>
           </p:cNvPr>
@@ -12163,7 +12390,7 @@
           <p:cNvPr id="7" name="TextBox 6">
             <a:extLst>
               <a:ext uri="{FF2B5EF4-FFF2-40B4-BE49-F238E27FC236}">
-                <a16:creationId xmlns:a16="http://schemas.microsoft.com/office/drawing/2014/main" xmlns="" id="{DF7DDD33-9412-2802-339A-E55446AC2DA7}"/>
+                <a16:creationId xmlns="" xmlns:a16="http://schemas.microsoft.com/office/drawing/2014/main" id="{DF7DDD33-9412-2802-339A-E55446AC2DA7}"/>
               </a:ext>
             </a:extLst>
           </p:cNvPr>
@@ -13457,7 +13684,7 @@
           <p:cNvPr id="11" name="TextBox 10">
             <a:extLst>
               <a:ext uri="{FF2B5EF4-FFF2-40B4-BE49-F238E27FC236}">
-                <a16:creationId xmlns:a16="http://schemas.microsoft.com/office/drawing/2014/main" xmlns="" id="{DF7DDD33-9412-2802-339A-E55446AC2DA7}"/>
+                <a16:creationId xmlns="" xmlns:a16="http://schemas.microsoft.com/office/drawing/2014/main" id="{DF7DDD33-9412-2802-339A-E55446AC2DA7}"/>
               </a:ext>
             </a:extLst>
           </p:cNvPr>
@@ -13515,7 +13742,7 @@
           <p:cNvPr id="12" name="TextBox 11">
             <a:extLst>
               <a:ext uri="{FF2B5EF4-FFF2-40B4-BE49-F238E27FC236}">
-                <a16:creationId xmlns:a16="http://schemas.microsoft.com/office/drawing/2014/main" xmlns="" id="{DF7DDD33-9412-2802-339A-E55446AC2DA7}"/>
+                <a16:creationId xmlns="" xmlns:a16="http://schemas.microsoft.com/office/drawing/2014/main" id="{DF7DDD33-9412-2802-339A-E55446AC2DA7}"/>
               </a:ext>
             </a:extLst>
           </p:cNvPr>
@@ -13563,7 +13790,7 @@
           <p:cNvPr id="13" name="TextBox 12">
             <a:extLst>
               <a:ext uri="{FF2B5EF4-FFF2-40B4-BE49-F238E27FC236}">
-                <a16:creationId xmlns:a16="http://schemas.microsoft.com/office/drawing/2014/main" xmlns="" id="{DF7DDD33-9412-2802-339A-E55446AC2DA7}"/>
+                <a16:creationId xmlns="" xmlns:a16="http://schemas.microsoft.com/office/drawing/2014/main" id="{DF7DDD33-9412-2802-339A-E55446AC2DA7}"/>
               </a:ext>
             </a:extLst>
           </p:cNvPr>
@@ -13611,7 +13838,7 @@
           <p:cNvPr id="14" name="TextBox 13">
             <a:extLst>
               <a:ext uri="{FF2B5EF4-FFF2-40B4-BE49-F238E27FC236}">
-                <a16:creationId xmlns:a16="http://schemas.microsoft.com/office/drawing/2014/main" xmlns="" id="{DF7DDD33-9412-2802-339A-E55446AC2DA7}"/>
+                <a16:creationId xmlns="" xmlns:a16="http://schemas.microsoft.com/office/drawing/2014/main" id="{DF7DDD33-9412-2802-339A-E55446AC2DA7}"/>
               </a:ext>
             </a:extLst>
           </p:cNvPr>
@@ -13669,7 +13896,7 @@
           <p:cNvPr id="15" name="TextBox 14">
             <a:extLst>
               <a:ext uri="{FF2B5EF4-FFF2-40B4-BE49-F238E27FC236}">
-                <a16:creationId xmlns:a16="http://schemas.microsoft.com/office/drawing/2014/main" xmlns="" id="{DF7DDD33-9412-2802-339A-E55446AC2DA7}"/>
+                <a16:creationId xmlns="" xmlns:a16="http://schemas.microsoft.com/office/drawing/2014/main" id="{DF7DDD33-9412-2802-339A-E55446AC2DA7}"/>
               </a:ext>
             </a:extLst>
           </p:cNvPr>
@@ -13717,7 +13944,7 @@
           <p:cNvPr id="16" name="TextBox 15">
             <a:extLst>
               <a:ext uri="{FF2B5EF4-FFF2-40B4-BE49-F238E27FC236}">
-                <a16:creationId xmlns:a16="http://schemas.microsoft.com/office/drawing/2014/main" xmlns="" id="{DF7DDD33-9412-2802-339A-E55446AC2DA7}"/>
+                <a16:creationId xmlns="" xmlns:a16="http://schemas.microsoft.com/office/drawing/2014/main" id="{DF7DDD33-9412-2802-339A-E55446AC2DA7}"/>
               </a:ext>
             </a:extLst>
           </p:cNvPr>
@@ -13775,7 +14002,7 @@
           <p:cNvPr id="17" name="TextBox 16">
             <a:extLst>
               <a:ext uri="{FF2B5EF4-FFF2-40B4-BE49-F238E27FC236}">
-                <a16:creationId xmlns:a16="http://schemas.microsoft.com/office/drawing/2014/main" xmlns="" id="{DF7DDD33-9412-2802-339A-E55446AC2DA7}"/>
+                <a16:creationId xmlns="" xmlns:a16="http://schemas.microsoft.com/office/drawing/2014/main" id="{DF7DDD33-9412-2802-339A-E55446AC2DA7}"/>
               </a:ext>
             </a:extLst>
           </p:cNvPr>
@@ -13823,7 +14050,7 @@
           <p:cNvPr id="18" name="TextBox 17">
             <a:extLst>
               <a:ext uri="{FF2B5EF4-FFF2-40B4-BE49-F238E27FC236}">
-                <a16:creationId xmlns:a16="http://schemas.microsoft.com/office/drawing/2014/main" xmlns="" id="{DF7DDD33-9412-2802-339A-E55446AC2DA7}"/>
+                <a16:creationId xmlns="" xmlns:a16="http://schemas.microsoft.com/office/drawing/2014/main" id="{DF7DDD33-9412-2802-339A-E55446AC2DA7}"/>
               </a:ext>
             </a:extLst>
           </p:cNvPr>
@@ -13881,7 +14108,7 @@
           <p:cNvPr id="19" name="TextBox 18">
             <a:extLst>
               <a:ext uri="{FF2B5EF4-FFF2-40B4-BE49-F238E27FC236}">
-                <a16:creationId xmlns:a16="http://schemas.microsoft.com/office/drawing/2014/main" xmlns="" id="{DF7DDD33-9412-2802-339A-E55446AC2DA7}"/>
+                <a16:creationId xmlns="" xmlns:a16="http://schemas.microsoft.com/office/drawing/2014/main" id="{DF7DDD33-9412-2802-339A-E55446AC2DA7}"/>
               </a:ext>
             </a:extLst>
           </p:cNvPr>
@@ -13929,7 +14156,7 @@
           <p:cNvPr id="20" name="TextBox 19">
             <a:extLst>
               <a:ext uri="{FF2B5EF4-FFF2-40B4-BE49-F238E27FC236}">
-                <a16:creationId xmlns:a16="http://schemas.microsoft.com/office/drawing/2014/main" xmlns="" id="{DF7DDD33-9412-2802-339A-E55446AC2DA7}"/>
+                <a16:creationId xmlns="" xmlns:a16="http://schemas.microsoft.com/office/drawing/2014/main" id="{DF7DDD33-9412-2802-339A-E55446AC2DA7}"/>
               </a:ext>
             </a:extLst>
           </p:cNvPr>
@@ -15233,7 +15460,7 @@
           <p:cNvPr id="23" name="TextBox 22">
             <a:extLst>
               <a:ext uri="{FF2B5EF4-FFF2-40B4-BE49-F238E27FC236}">
-                <a16:creationId xmlns:a16="http://schemas.microsoft.com/office/drawing/2014/main" xmlns="" id="{DF7DDD33-9412-2802-339A-E55446AC2DA7}"/>
+                <a16:creationId xmlns="" xmlns:a16="http://schemas.microsoft.com/office/drawing/2014/main" id="{DF7DDD33-9412-2802-339A-E55446AC2DA7}"/>
               </a:ext>
             </a:extLst>
           </p:cNvPr>
@@ -15281,7 +15508,7 @@
           <p:cNvPr id="24" name="TextBox 23">
             <a:extLst>
               <a:ext uri="{FF2B5EF4-FFF2-40B4-BE49-F238E27FC236}">
-                <a16:creationId xmlns:a16="http://schemas.microsoft.com/office/drawing/2014/main" xmlns="" id="{DF7DDD33-9412-2802-339A-E55446AC2DA7}"/>
+                <a16:creationId xmlns="" xmlns:a16="http://schemas.microsoft.com/office/drawing/2014/main" id="{DF7DDD33-9412-2802-339A-E55446AC2DA7}"/>
               </a:ext>
             </a:extLst>
           </p:cNvPr>
@@ -15329,7 +15556,7 @@
           <p:cNvPr id="26" name="TextBox 25">
             <a:extLst>
               <a:ext uri="{FF2B5EF4-FFF2-40B4-BE49-F238E27FC236}">
-                <a16:creationId xmlns:a16="http://schemas.microsoft.com/office/drawing/2014/main" xmlns="" id="{DF7DDD33-9412-2802-339A-E55446AC2DA7}"/>
+                <a16:creationId xmlns="" xmlns:a16="http://schemas.microsoft.com/office/drawing/2014/main" id="{DF7DDD33-9412-2802-339A-E55446AC2DA7}"/>
               </a:ext>
             </a:extLst>
           </p:cNvPr>
@@ -15377,7 +15604,7 @@
           <p:cNvPr id="28" name="TextBox 27">
             <a:extLst>
               <a:ext uri="{FF2B5EF4-FFF2-40B4-BE49-F238E27FC236}">
-                <a16:creationId xmlns:a16="http://schemas.microsoft.com/office/drawing/2014/main" xmlns="" id="{DF7DDD33-9412-2802-339A-E55446AC2DA7}"/>
+                <a16:creationId xmlns="" xmlns:a16="http://schemas.microsoft.com/office/drawing/2014/main" id="{DF7DDD33-9412-2802-339A-E55446AC2DA7}"/>
               </a:ext>
             </a:extLst>
           </p:cNvPr>
@@ -15425,7 +15652,7 @@
           <p:cNvPr id="30" name="TextBox 29">
             <a:extLst>
               <a:ext uri="{FF2B5EF4-FFF2-40B4-BE49-F238E27FC236}">
-                <a16:creationId xmlns:a16="http://schemas.microsoft.com/office/drawing/2014/main" xmlns="" id="{DF7DDD33-9412-2802-339A-E55446AC2DA7}"/>
+                <a16:creationId xmlns="" xmlns:a16="http://schemas.microsoft.com/office/drawing/2014/main" id="{DF7DDD33-9412-2802-339A-E55446AC2DA7}"/>
               </a:ext>
             </a:extLst>
           </p:cNvPr>
@@ -16053,7 +16280,7 @@
           <p:cNvPr id="2" name="TextBox 1">
             <a:extLst>
               <a:ext uri="{FF2B5EF4-FFF2-40B4-BE49-F238E27FC236}">
-                <a16:creationId xmlns:a16="http://schemas.microsoft.com/office/drawing/2014/main" xmlns="" id="{8D19D88B-9541-32D7-90F1-0C45C993E21C}"/>
+                <a16:creationId xmlns="" xmlns:a16="http://schemas.microsoft.com/office/drawing/2014/main" id="{8D19D88B-9541-32D7-90F1-0C45C993E21C}"/>
               </a:ext>
             </a:extLst>
           </p:cNvPr>
@@ -16157,7 +16384,7 @@
           <p:cNvPr id="5" name="직사각형 4">
             <a:extLst>
               <a:ext uri="{FF2B5EF4-FFF2-40B4-BE49-F238E27FC236}">
-                <a16:creationId xmlns:a16="http://schemas.microsoft.com/office/drawing/2014/main" xmlns="" id="{FFF506F9-840A-0508-4CAF-3AC711D8D5CE}"/>
+                <a16:creationId xmlns="" xmlns:a16="http://schemas.microsoft.com/office/drawing/2014/main" id="{FFF506F9-840A-0508-4CAF-3AC711D8D5CE}"/>
               </a:ext>
             </a:extLst>
           </p:cNvPr>
@@ -16233,7 +16460,7 @@
           <p:cNvPr id="7" name="직사각형 6">
             <a:extLst>
               <a:ext uri="{FF2B5EF4-FFF2-40B4-BE49-F238E27FC236}">
-                <a16:creationId xmlns:a16="http://schemas.microsoft.com/office/drawing/2014/main" xmlns="" id="{FFF506F9-840A-0508-4CAF-3AC711D8D5CE}"/>
+                <a16:creationId xmlns="" xmlns:a16="http://schemas.microsoft.com/office/drawing/2014/main" id="{FFF506F9-840A-0508-4CAF-3AC711D8D5CE}"/>
               </a:ext>
             </a:extLst>
           </p:cNvPr>
@@ -16383,7 +16610,7 @@
           <p:cNvPr id="4" name="TextBox 3">
             <a:extLst>
               <a:ext uri="{FF2B5EF4-FFF2-40B4-BE49-F238E27FC236}">
-                <a16:creationId xmlns:a16="http://schemas.microsoft.com/office/drawing/2014/main" xmlns="" id="{DF7DDD33-9412-2802-339A-E55446AC2DA7}"/>
+                <a16:creationId xmlns="" xmlns:a16="http://schemas.microsoft.com/office/drawing/2014/main" id="{DF7DDD33-9412-2802-339A-E55446AC2DA7}"/>
               </a:ext>
             </a:extLst>
           </p:cNvPr>
@@ -16554,7 +16781,7 @@
           <p:cNvPr id="9" name="직선 화살표 연결선 8">
             <a:extLst>
               <a:ext uri="{FF2B5EF4-FFF2-40B4-BE49-F238E27FC236}">
-                <a16:creationId xmlns:a16="http://schemas.microsoft.com/office/drawing/2014/main" xmlns="" id="{299DF5EC-9DF4-5255-06AC-0A7CE4FF58C3}"/>
+                <a16:creationId xmlns="" xmlns:a16="http://schemas.microsoft.com/office/drawing/2014/main" id="{299DF5EC-9DF4-5255-06AC-0A7CE4FF58C3}"/>
               </a:ext>
             </a:extLst>
           </p:cNvPr>
@@ -16595,7 +16822,7 @@
           <p:cNvPr id="10" name="직사각형 9">
             <a:extLst>
               <a:ext uri="{FF2B5EF4-FFF2-40B4-BE49-F238E27FC236}">
-                <a16:creationId xmlns:a16="http://schemas.microsoft.com/office/drawing/2014/main" xmlns="" id="{FFF506F9-840A-0508-4CAF-3AC711D8D5CE}"/>
+                <a16:creationId xmlns="" xmlns:a16="http://schemas.microsoft.com/office/drawing/2014/main" id="{FFF506F9-840A-0508-4CAF-3AC711D8D5CE}"/>
               </a:ext>
             </a:extLst>
           </p:cNvPr>
@@ -16647,7 +16874,7 @@
           <p:cNvPr id="11" name="TextBox 10">
             <a:extLst>
               <a:ext uri="{FF2B5EF4-FFF2-40B4-BE49-F238E27FC236}">
-                <a16:creationId xmlns:a16="http://schemas.microsoft.com/office/drawing/2014/main" xmlns="" id="{C6D113C6-EA5C-788F-0C77-E7CE6EBB865F}"/>
+                <a16:creationId xmlns="" xmlns:a16="http://schemas.microsoft.com/office/drawing/2014/main" id="{C6D113C6-EA5C-788F-0C77-E7CE6EBB865F}"/>
               </a:ext>
             </a:extLst>
           </p:cNvPr>
@@ -16695,7 +16922,7 @@
           <p:cNvPr id="14" name="TextBox 13">
             <a:extLst>
               <a:ext uri="{FF2B5EF4-FFF2-40B4-BE49-F238E27FC236}">
-                <a16:creationId xmlns:a16="http://schemas.microsoft.com/office/drawing/2014/main" xmlns="" id="{C6D113C6-EA5C-788F-0C77-E7CE6EBB865F}"/>
+                <a16:creationId xmlns="" xmlns:a16="http://schemas.microsoft.com/office/drawing/2014/main" id="{C6D113C6-EA5C-788F-0C77-E7CE6EBB865F}"/>
               </a:ext>
             </a:extLst>
           </p:cNvPr>
@@ -16944,7 +17171,7 @@
           <p:cNvPr id="4" name="TextBox 3">
             <a:extLst>
               <a:ext uri="{FF2B5EF4-FFF2-40B4-BE49-F238E27FC236}">
-                <a16:creationId xmlns:a16="http://schemas.microsoft.com/office/drawing/2014/main" xmlns="" id="{DF7DDD33-9412-2802-339A-E55446AC2DA7}"/>
+                <a16:creationId xmlns="" xmlns:a16="http://schemas.microsoft.com/office/drawing/2014/main" id="{DF7DDD33-9412-2802-339A-E55446AC2DA7}"/>
               </a:ext>
             </a:extLst>
           </p:cNvPr>
@@ -17015,7 +17242,7 @@
           <p:cNvPr id="5" name="TextBox 4">
             <a:extLst>
               <a:ext uri="{FF2B5EF4-FFF2-40B4-BE49-F238E27FC236}">
-                <a16:creationId xmlns:a16="http://schemas.microsoft.com/office/drawing/2014/main" xmlns="" id="{DF7DDD33-9412-2802-339A-E55446AC2DA7}"/>
+                <a16:creationId xmlns="" xmlns:a16="http://schemas.microsoft.com/office/drawing/2014/main" id="{DF7DDD33-9412-2802-339A-E55446AC2DA7}"/>
               </a:ext>
             </a:extLst>
           </p:cNvPr>
@@ -17179,7 +17406,7 @@
           <p:cNvPr id="4" name="Object 1">
             <a:extLst>
               <a:ext uri="{FF2B5EF4-FFF2-40B4-BE49-F238E27FC236}">
-                <a16:creationId xmlns:a16="http://schemas.microsoft.com/office/drawing/2014/main" xmlns="" id="{B0329035-BE76-33A8-0F2E-44624FCC1DED}"/>
+                <a16:creationId xmlns="" xmlns:a16="http://schemas.microsoft.com/office/drawing/2014/main" id="{B0329035-BE76-33A8-0F2E-44624FCC1DED}"/>
               </a:ext>
             </a:extLst>
           </p:cNvPr>
@@ -17209,7 +17436,7 @@
           <p:cNvPr id="7" name="그룹 1001">
             <a:extLst>
               <a:ext uri="{FF2B5EF4-FFF2-40B4-BE49-F238E27FC236}">
-                <a16:creationId xmlns:a16="http://schemas.microsoft.com/office/drawing/2014/main" xmlns="" id="{CD24CE9D-AC18-B6CD-F397-7E8E03D6FE26}"/>
+                <a16:creationId xmlns="" xmlns:a16="http://schemas.microsoft.com/office/drawing/2014/main" id="{CD24CE9D-AC18-B6CD-F397-7E8E03D6FE26}"/>
               </a:ext>
             </a:extLst>
           </p:cNvPr>
@@ -17229,7 +17456,7 @@
             <p:cNvPr id="8" name="Object 5">
               <a:extLst>
                 <a:ext uri="{FF2B5EF4-FFF2-40B4-BE49-F238E27FC236}">
-                  <a16:creationId xmlns:a16="http://schemas.microsoft.com/office/drawing/2014/main" xmlns="" id="{0EEF25E8-3BA8-EBAA-6DC2-66D70C3F9F4D}"/>
+                  <a16:creationId xmlns="" xmlns:a16="http://schemas.microsoft.com/office/drawing/2014/main" id="{0EEF25E8-3BA8-EBAA-6DC2-66D70C3F9F4D}"/>
                 </a:ext>
               </a:extLst>
             </p:cNvPr>
@@ -17260,7 +17487,7 @@
           <p:cNvPr id="9" name="그룹 1002">
             <a:extLst>
               <a:ext uri="{FF2B5EF4-FFF2-40B4-BE49-F238E27FC236}">
-                <a16:creationId xmlns:a16="http://schemas.microsoft.com/office/drawing/2014/main" xmlns="" id="{0F281BC9-DE1F-D1FE-E64C-C4640398F00C}"/>
+                <a16:creationId xmlns="" xmlns:a16="http://schemas.microsoft.com/office/drawing/2014/main" id="{0F281BC9-DE1F-D1FE-E64C-C4640398F00C}"/>
               </a:ext>
             </a:extLst>
           </p:cNvPr>
@@ -17280,7 +17507,7 @@
             <p:cNvPr id="10" name="Object 8">
               <a:extLst>
                 <a:ext uri="{FF2B5EF4-FFF2-40B4-BE49-F238E27FC236}">
-                  <a16:creationId xmlns:a16="http://schemas.microsoft.com/office/drawing/2014/main" xmlns="" id="{F669DCEF-04BB-7046-3F7F-5B513213556E}"/>
+                  <a16:creationId xmlns="" xmlns:a16="http://schemas.microsoft.com/office/drawing/2014/main" id="{F669DCEF-04BB-7046-3F7F-5B513213556E}"/>
                 </a:ext>
               </a:extLst>
             </p:cNvPr>
@@ -17311,7 +17538,7 @@
           <p:cNvPr id="11" name="그룹 1003">
             <a:extLst>
               <a:ext uri="{FF2B5EF4-FFF2-40B4-BE49-F238E27FC236}">
-                <a16:creationId xmlns:a16="http://schemas.microsoft.com/office/drawing/2014/main" xmlns="" id="{1F91EEF9-13EA-BB7F-B056-D35E7DB989AC}"/>
+                <a16:creationId xmlns="" xmlns:a16="http://schemas.microsoft.com/office/drawing/2014/main" id="{1F91EEF9-13EA-BB7F-B056-D35E7DB989AC}"/>
               </a:ext>
             </a:extLst>
           </p:cNvPr>
@@ -17331,7 +17558,7 @@
             <p:cNvPr id="12" name="Object 11">
               <a:extLst>
                 <a:ext uri="{FF2B5EF4-FFF2-40B4-BE49-F238E27FC236}">
-                  <a16:creationId xmlns:a16="http://schemas.microsoft.com/office/drawing/2014/main" xmlns="" id="{2CFFB217-AEFB-2C9E-5F86-6EE19510FFC6}"/>
+                  <a16:creationId xmlns="" xmlns:a16="http://schemas.microsoft.com/office/drawing/2014/main" id="{2CFFB217-AEFB-2C9E-5F86-6EE19510FFC6}"/>
                 </a:ext>
               </a:extLst>
             </p:cNvPr>
@@ -17362,7 +17589,7 @@
           <p:cNvPr id="13" name="그룹 1004">
             <a:extLst>
               <a:ext uri="{FF2B5EF4-FFF2-40B4-BE49-F238E27FC236}">
-                <a16:creationId xmlns:a16="http://schemas.microsoft.com/office/drawing/2014/main" xmlns="" id="{123B9C7E-94E8-E7E1-81BE-D59EA0299187}"/>
+                <a16:creationId xmlns="" xmlns:a16="http://schemas.microsoft.com/office/drawing/2014/main" id="{123B9C7E-94E8-E7E1-81BE-D59EA0299187}"/>
               </a:ext>
             </a:extLst>
           </p:cNvPr>
@@ -17382,7 +17609,7 @@
             <p:cNvPr id="14" name="Object 14">
               <a:extLst>
                 <a:ext uri="{FF2B5EF4-FFF2-40B4-BE49-F238E27FC236}">
-                  <a16:creationId xmlns:a16="http://schemas.microsoft.com/office/drawing/2014/main" xmlns="" id="{B6291552-2D89-A79F-7ACD-EA0EF9A4C389}"/>
+                  <a16:creationId xmlns="" xmlns:a16="http://schemas.microsoft.com/office/drawing/2014/main" id="{B6291552-2D89-A79F-7ACD-EA0EF9A4C389}"/>
                 </a:ext>
               </a:extLst>
             </p:cNvPr>
@@ -17413,7 +17640,7 @@
           <p:cNvPr id="15" name="TextBox 14">
             <a:extLst>
               <a:ext uri="{FF2B5EF4-FFF2-40B4-BE49-F238E27FC236}">
-                <a16:creationId xmlns:a16="http://schemas.microsoft.com/office/drawing/2014/main" xmlns="" id="{7D99763A-FC24-23F5-5BA9-D7B042E0F323}"/>
+                <a16:creationId xmlns="" xmlns:a16="http://schemas.microsoft.com/office/drawing/2014/main" id="{7D99763A-FC24-23F5-5BA9-D7B042E0F323}"/>
               </a:ext>
             </a:extLst>
           </p:cNvPr>
@@ -17522,7 +17749,7 @@
           <p:cNvPr id="5" name="직선 화살표 연결선 4">
             <a:extLst>
               <a:ext uri="{FF2B5EF4-FFF2-40B4-BE49-F238E27FC236}">
-                <a16:creationId xmlns:a16="http://schemas.microsoft.com/office/drawing/2014/main" xmlns="" id="{299DF5EC-9DF4-5255-06AC-0A7CE4FF58C3}"/>
+                <a16:creationId xmlns="" xmlns:a16="http://schemas.microsoft.com/office/drawing/2014/main" id="{299DF5EC-9DF4-5255-06AC-0A7CE4FF58C3}"/>
               </a:ext>
             </a:extLst>
           </p:cNvPr>
@@ -17563,7 +17790,7 @@
           <p:cNvPr id="6" name="직사각형 5">
             <a:extLst>
               <a:ext uri="{FF2B5EF4-FFF2-40B4-BE49-F238E27FC236}">
-                <a16:creationId xmlns:a16="http://schemas.microsoft.com/office/drawing/2014/main" xmlns="" id="{FFF506F9-840A-0508-4CAF-3AC711D8D5CE}"/>
+                <a16:creationId xmlns="" xmlns:a16="http://schemas.microsoft.com/office/drawing/2014/main" id="{FFF506F9-840A-0508-4CAF-3AC711D8D5CE}"/>
               </a:ext>
             </a:extLst>
           </p:cNvPr>
@@ -17615,7 +17842,7 @@
           <p:cNvPr id="7" name="TextBox 6">
             <a:extLst>
               <a:ext uri="{FF2B5EF4-FFF2-40B4-BE49-F238E27FC236}">
-                <a16:creationId xmlns:a16="http://schemas.microsoft.com/office/drawing/2014/main" xmlns="" id="{C6D113C6-EA5C-788F-0C77-E7CE6EBB865F}"/>
+                <a16:creationId xmlns="" xmlns:a16="http://schemas.microsoft.com/office/drawing/2014/main" id="{C6D113C6-EA5C-788F-0C77-E7CE6EBB865F}"/>
               </a:ext>
             </a:extLst>
           </p:cNvPr>
@@ -17663,7 +17890,7 @@
           <p:cNvPr id="8" name="직선 화살표 연결선 7">
             <a:extLst>
               <a:ext uri="{FF2B5EF4-FFF2-40B4-BE49-F238E27FC236}">
-                <a16:creationId xmlns:a16="http://schemas.microsoft.com/office/drawing/2014/main" xmlns="" id="{299DF5EC-9DF4-5255-06AC-0A7CE4FF58C3}"/>
+                <a16:creationId xmlns="" xmlns:a16="http://schemas.microsoft.com/office/drawing/2014/main" id="{299DF5EC-9DF4-5255-06AC-0A7CE4FF58C3}"/>
               </a:ext>
             </a:extLst>
           </p:cNvPr>
@@ -17704,7 +17931,7 @@
           <p:cNvPr id="9" name="직사각형 8">
             <a:extLst>
               <a:ext uri="{FF2B5EF4-FFF2-40B4-BE49-F238E27FC236}">
-                <a16:creationId xmlns:a16="http://schemas.microsoft.com/office/drawing/2014/main" xmlns="" id="{FFF506F9-840A-0508-4CAF-3AC711D8D5CE}"/>
+                <a16:creationId xmlns="" xmlns:a16="http://schemas.microsoft.com/office/drawing/2014/main" id="{FFF506F9-840A-0508-4CAF-3AC711D8D5CE}"/>
               </a:ext>
             </a:extLst>
           </p:cNvPr>
@@ -17756,7 +17983,7 @@
           <p:cNvPr id="10" name="TextBox 9">
             <a:extLst>
               <a:ext uri="{FF2B5EF4-FFF2-40B4-BE49-F238E27FC236}">
-                <a16:creationId xmlns:a16="http://schemas.microsoft.com/office/drawing/2014/main" xmlns="" id="{C6D113C6-EA5C-788F-0C77-E7CE6EBB865F}"/>
+                <a16:creationId xmlns="" xmlns:a16="http://schemas.microsoft.com/office/drawing/2014/main" id="{C6D113C6-EA5C-788F-0C77-E7CE6EBB865F}"/>
               </a:ext>
             </a:extLst>
           </p:cNvPr>
@@ -17804,7 +18031,7 @@
           <p:cNvPr id="11" name="TextBox 10">
             <a:extLst>
               <a:ext uri="{FF2B5EF4-FFF2-40B4-BE49-F238E27FC236}">
-                <a16:creationId xmlns:a16="http://schemas.microsoft.com/office/drawing/2014/main" xmlns="" id="{C6D113C6-EA5C-788F-0C77-E7CE6EBB865F}"/>
+                <a16:creationId xmlns="" xmlns:a16="http://schemas.microsoft.com/office/drawing/2014/main" id="{C6D113C6-EA5C-788F-0C77-E7CE6EBB865F}"/>
               </a:ext>
             </a:extLst>
           </p:cNvPr>
@@ -17862,7 +18089,7 @@
           <p:cNvPr id="12" name="표 2">
             <a:extLst>
               <a:ext uri="{FF2B5EF4-FFF2-40B4-BE49-F238E27FC236}">
-                <a16:creationId xmlns:a16="http://schemas.microsoft.com/office/drawing/2014/main" xmlns="" id="{D2CC6F32-611A-E22D-EB8C-52D626A5B319}"/>
+                <a16:creationId xmlns="" xmlns:a16="http://schemas.microsoft.com/office/drawing/2014/main" id="{D2CC6F32-611A-E22D-EB8C-52D626A5B319}"/>
               </a:ext>
             </a:extLst>
           </p:cNvPr>
@@ -17891,14 +18118,14 @@
                 <a:gridCol w="1731833">
                   <a:extLst>
                     <a:ext uri="{9D8B030D-6E8A-4147-A177-3AD203B41FA5}">
-                      <a16:colId xmlns:a16="http://schemas.microsoft.com/office/drawing/2014/main" xmlns="" val="1960770391"/>
+                      <a16:colId xmlns="" xmlns:a16="http://schemas.microsoft.com/office/drawing/2014/main" val="1960770391"/>
                     </a:ext>
                   </a:extLst>
                 </a:gridCol>
                 <a:gridCol w="1752960">
                   <a:extLst>
                     <a:ext uri="{9D8B030D-6E8A-4147-A177-3AD203B41FA5}">
-                      <a16:colId xmlns:a16="http://schemas.microsoft.com/office/drawing/2014/main" xmlns="" val="733308553"/>
+                      <a16:colId xmlns="" xmlns:a16="http://schemas.microsoft.com/office/drawing/2014/main" val="733308553"/>
                     </a:ext>
                   </a:extLst>
                 </a:gridCol>
@@ -18036,7 +18263,7 @@
                 </a:tc>
                 <a:extLst>
                   <a:ext uri="{0D108BD9-81ED-4DB2-BD59-A6C34878D82A}">
-                    <a16:rowId xmlns:a16="http://schemas.microsoft.com/office/drawing/2014/main" xmlns="" val="2452905565"/>
+                    <a16:rowId xmlns="" xmlns:a16="http://schemas.microsoft.com/office/drawing/2014/main" val="2452905565"/>
                   </a:ext>
                 </a:extLst>
               </a:tr>
@@ -18173,7 +18400,7 @@
                 </a:tc>
                 <a:extLst>
                   <a:ext uri="{0D108BD9-81ED-4DB2-BD59-A6C34878D82A}">
-                    <a16:rowId xmlns:a16="http://schemas.microsoft.com/office/drawing/2014/main" xmlns="" val="3551452526"/>
+                    <a16:rowId xmlns="" xmlns:a16="http://schemas.microsoft.com/office/drawing/2014/main" val="3551452526"/>
                   </a:ext>
                 </a:extLst>
               </a:tr>
@@ -18294,7 +18521,7 @@
                 </a:tc>
                 <a:extLst>
                   <a:ext uri="{0D108BD9-81ED-4DB2-BD59-A6C34878D82A}">
-                    <a16:rowId xmlns:a16="http://schemas.microsoft.com/office/drawing/2014/main" xmlns="" val="3645064171"/>
+                    <a16:rowId xmlns="" xmlns:a16="http://schemas.microsoft.com/office/drawing/2014/main" val="3645064171"/>
                   </a:ext>
                 </a:extLst>
               </a:tr>
@@ -18415,7 +18642,7 @@
                 </a:tc>
                 <a:extLst>
                   <a:ext uri="{0D108BD9-81ED-4DB2-BD59-A6C34878D82A}">
-                    <a16:rowId xmlns:a16="http://schemas.microsoft.com/office/drawing/2014/main" xmlns="" val="2802120283"/>
+                    <a16:rowId xmlns="" xmlns:a16="http://schemas.microsoft.com/office/drawing/2014/main" val="2802120283"/>
                   </a:ext>
                 </a:extLst>
               </a:tr>
@@ -18536,7 +18763,7 @@
                 </a:tc>
                 <a:extLst>
                   <a:ext uri="{0D108BD9-81ED-4DB2-BD59-A6C34878D82A}">
-                    <a16:rowId xmlns:a16="http://schemas.microsoft.com/office/drawing/2014/main" xmlns="" val="1362299918"/>
+                    <a16:rowId xmlns="" xmlns:a16="http://schemas.microsoft.com/office/drawing/2014/main" val="1362299918"/>
                   </a:ext>
                 </a:extLst>
               </a:tr>
@@ -18976,7 +19203,7 @@
           <p:cNvPr id="60" name="TextBox 59">
             <a:extLst>
               <a:ext uri="{FF2B5EF4-FFF2-40B4-BE49-F238E27FC236}">
-                <a16:creationId xmlns:a16="http://schemas.microsoft.com/office/drawing/2014/main" xmlns="" id="{5ADC00B6-990A-40DC-3CEA-505258F5E8DA}"/>
+                <a16:creationId xmlns="" xmlns:a16="http://schemas.microsoft.com/office/drawing/2014/main" id="{5ADC00B6-990A-40DC-3CEA-505258F5E8DA}"/>
               </a:ext>
             </a:extLst>
           </p:cNvPr>
@@ -19024,7 +19251,7 @@
           <p:cNvPr id="61" name="TextBox 60">
             <a:extLst>
               <a:ext uri="{FF2B5EF4-FFF2-40B4-BE49-F238E27FC236}">
-                <a16:creationId xmlns:a16="http://schemas.microsoft.com/office/drawing/2014/main" xmlns="" id="{5ADC00B6-990A-40DC-3CEA-505258F5E8DA}"/>
+                <a16:creationId xmlns="" xmlns:a16="http://schemas.microsoft.com/office/drawing/2014/main" id="{5ADC00B6-990A-40DC-3CEA-505258F5E8DA}"/>
               </a:ext>
             </a:extLst>
           </p:cNvPr>
@@ -19072,7 +19299,7 @@
           <p:cNvPr id="62" name="TextBox 61">
             <a:extLst>
               <a:ext uri="{FF2B5EF4-FFF2-40B4-BE49-F238E27FC236}">
-                <a16:creationId xmlns:a16="http://schemas.microsoft.com/office/drawing/2014/main" xmlns="" id="{5ADC00B6-990A-40DC-3CEA-505258F5E8DA}"/>
+                <a16:creationId xmlns="" xmlns:a16="http://schemas.microsoft.com/office/drawing/2014/main" id="{5ADC00B6-990A-40DC-3CEA-505258F5E8DA}"/>
               </a:ext>
             </a:extLst>
           </p:cNvPr>
@@ -19120,7 +19347,7 @@
           <p:cNvPr id="19" name="TextBox 18">
             <a:extLst>
               <a:ext uri="{FF2B5EF4-FFF2-40B4-BE49-F238E27FC236}">
-                <a16:creationId xmlns:a16="http://schemas.microsoft.com/office/drawing/2014/main" xmlns="" id="{5ADC00B6-990A-40DC-3CEA-505258F5E8DA}"/>
+                <a16:creationId xmlns="" xmlns:a16="http://schemas.microsoft.com/office/drawing/2014/main" id="{5ADC00B6-990A-40DC-3CEA-505258F5E8DA}"/>
               </a:ext>
             </a:extLst>
           </p:cNvPr>
@@ -19225,7 +19452,7 @@
           <p:cNvPr id="4" name="TextBox 3">
             <a:extLst>
               <a:ext uri="{FF2B5EF4-FFF2-40B4-BE49-F238E27FC236}">
-                <a16:creationId xmlns:a16="http://schemas.microsoft.com/office/drawing/2014/main" xmlns="" id="{5ADC00B6-990A-40DC-3CEA-505258F5E8DA}"/>
+                <a16:creationId xmlns="" xmlns:a16="http://schemas.microsoft.com/office/drawing/2014/main" id="{5ADC00B6-990A-40DC-3CEA-505258F5E8DA}"/>
               </a:ext>
             </a:extLst>
           </p:cNvPr>
@@ -19297,7 +19524,7 @@
           <p:cNvPr id="6" name="TextBox 5">
             <a:extLst>
               <a:ext uri="{FF2B5EF4-FFF2-40B4-BE49-F238E27FC236}">
-                <a16:creationId xmlns:a16="http://schemas.microsoft.com/office/drawing/2014/main" xmlns="" id="{5ADC00B6-990A-40DC-3CEA-505258F5E8DA}"/>
+                <a16:creationId xmlns="" xmlns:a16="http://schemas.microsoft.com/office/drawing/2014/main" id="{5ADC00B6-990A-40DC-3CEA-505258F5E8DA}"/>
               </a:ext>
             </a:extLst>
           </p:cNvPr>
@@ -19487,7 +19714,7 @@
           <p:cNvPr id="4" name="TextBox 3">
             <a:extLst>
               <a:ext uri="{FF2B5EF4-FFF2-40B4-BE49-F238E27FC236}">
-                <a16:creationId xmlns:a16="http://schemas.microsoft.com/office/drawing/2014/main" xmlns="" id="{5ADC00B6-990A-40DC-3CEA-505258F5E8DA}"/>
+                <a16:creationId xmlns="" xmlns:a16="http://schemas.microsoft.com/office/drawing/2014/main" id="{5ADC00B6-990A-40DC-3CEA-505258F5E8DA}"/>
               </a:ext>
             </a:extLst>
           </p:cNvPr>
@@ -19559,7 +19786,7 @@
           <p:cNvPr id="8" name="직사각형 7">
             <a:extLst>
               <a:ext uri="{FF2B5EF4-FFF2-40B4-BE49-F238E27FC236}">
-                <a16:creationId xmlns:a16="http://schemas.microsoft.com/office/drawing/2014/main" xmlns="" id="{FFF506F9-840A-0508-4CAF-3AC711D8D5CE}"/>
+                <a16:creationId xmlns="" xmlns:a16="http://schemas.microsoft.com/office/drawing/2014/main" id="{FFF506F9-840A-0508-4CAF-3AC711D8D5CE}"/>
               </a:ext>
             </a:extLst>
           </p:cNvPr>
@@ -19611,7 +19838,7 @@
           <p:cNvPr id="9" name="직사각형 8">
             <a:extLst>
               <a:ext uri="{FF2B5EF4-FFF2-40B4-BE49-F238E27FC236}">
-                <a16:creationId xmlns:a16="http://schemas.microsoft.com/office/drawing/2014/main" xmlns="" id="{FFF506F9-840A-0508-4CAF-3AC711D8D5CE}"/>
+                <a16:creationId xmlns="" xmlns:a16="http://schemas.microsoft.com/office/drawing/2014/main" id="{FFF506F9-840A-0508-4CAF-3AC711D8D5CE}"/>
               </a:ext>
             </a:extLst>
           </p:cNvPr>
@@ -19663,7 +19890,7 @@
           <p:cNvPr id="10" name="직사각형 9">
             <a:extLst>
               <a:ext uri="{FF2B5EF4-FFF2-40B4-BE49-F238E27FC236}">
-                <a16:creationId xmlns:a16="http://schemas.microsoft.com/office/drawing/2014/main" xmlns="" id="{FFF506F9-840A-0508-4CAF-3AC711D8D5CE}"/>
+                <a16:creationId xmlns="" xmlns:a16="http://schemas.microsoft.com/office/drawing/2014/main" id="{FFF506F9-840A-0508-4CAF-3AC711D8D5CE}"/>
               </a:ext>
             </a:extLst>
           </p:cNvPr>
@@ -19715,7 +19942,7 @@
           <p:cNvPr id="12" name="그룹 1008">
             <a:extLst>
               <a:ext uri="{FF2B5EF4-FFF2-40B4-BE49-F238E27FC236}">
-                <a16:creationId xmlns:a16="http://schemas.microsoft.com/office/drawing/2014/main" xmlns="" id="{678F6342-C505-E8AD-ADA4-022CB2C2088E}"/>
+                <a16:creationId xmlns="" xmlns:a16="http://schemas.microsoft.com/office/drawing/2014/main" id="{678F6342-C505-E8AD-ADA4-022CB2C2088E}"/>
               </a:ext>
             </a:extLst>
           </p:cNvPr>
@@ -19735,7 +19962,7 @@
             <p:cNvPr id="13" name="그룹 1009">
               <a:extLst>
                 <a:ext uri="{FF2B5EF4-FFF2-40B4-BE49-F238E27FC236}">
-                  <a16:creationId xmlns:a16="http://schemas.microsoft.com/office/drawing/2014/main" xmlns="" id="{4E1F1FED-812B-9BBB-925A-84B54A077414}"/>
+                  <a16:creationId xmlns="" xmlns:a16="http://schemas.microsoft.com/office/drawing/2014/main" id="{4E1F1FED-812B-9BBB-925A-84B54A077414}"/>
                 </a:ext>
               </a:extLst>
             </p:cNvPr>
@@ -19755,7 +19982,7 @@
               <p:cNvPr id="18" name="Object 29">
                 <a:extLst>
                   <a:ext uri="{FF2B5EF4-FFF2-40B4-BE49-F238E27FC236}">
-                    <a16:creationId xmlns:a16="http://schemas.microsoft.com/office/drawing/2014/main" xmlns="" id="{7B078609-4286-7B00-51EB-809C8E2DE289}"/>
+                    <a16:creationId xmlns="" xmlns:a16="http://schemas.microsoft.com/office/drawing/2014/main" id="{7B078609-4286-7B00-51EB-809C8E2DE289}"/>
                   </a:ext>
                 </a:extLst>
               </p:cNvPr>
@@ -19786,7 +20013,7 @@
             <p:cNvPr id="14" name="그룹 1010">
               <a:extLst>
                 <a:ext uri="{FF2B5EF4-FFF2-40B4-BE49-F238E27FC236}">
-                  <a16:creationId xmlns:a16="http://schemas.microsoft.com/office/drawing/2014/main" xmlns="" id="{02A649BF-B5B5-FBAF-7DFD-E118A4DF8907}"/>
+                  <a16:creationId xmlns="" xmlns:a16="http://schemas.microsoft.com/office/drawing/2014/main" id="{02A649BF-B5B5-FBAF-7DFD-E118A4DF8907}"/>
                 </a:ext>
               </a:extLst>
             </p:cNvPr>
@@ -19806,7 +20033,7 @@
               <p:cNvPr id="17" name="Object 32">
                 <a:extLst>
                   <a:ext uri="{FF2B5EF4-FFF2-40B4-BE49-F238E27FC236}">
-                    <a16:creationId xmlns:a16="http://schemas.microsoft.com/office/drawing/2014/main" xmlns="" id="{2A0FFF23-B3C9-3EA0-1C1B-A87D4FF098AE}"/>
+                    <a16:creationId xmlns="" xmlns:a16="http://schemas.microsoft.com/office/drawing/2014/main" id="{2A0FFF23-B3C9-3EA0-1C1B-A87D4FF098AE}"/>
                   </a:ext>
                 </a:extLst>
               </p:cNvPr>
@@ -19837,7 +20064,7 @@
             <p:cNvPr id="15" name="그룹 1011">
               <a:extLst>
                 <a:ext uri="{FF2B5EF4-FFF2-40B4-BE49-F238E27FC236}">
-                  <a16:creationId xmlns:a16="http://schemas.microsoft.com/office/drawing/2014/main" xmlns="" id="{881F5410-F7FB-F261-A584-707359BAC593}"/>
+                  <a16:creationId xmlns="" xmlns:a16="http://schemas.microsoft.com/office/drawing/2014/main" id="{881F5410-F7FB-F261-A584-707359BAC593}"/>
                 </a:ext>
               </a:extLst>
             </p:cNvPr>
@@ -19857,7 +20084,7 @@
               <p:cNvPr id="16" name="Object 35">
                 <a:extLst>
                   <a:ext uri="{FF2B5EF4-FFF2-40B4-BE49-F238E27FC236}">
-                    <a16:creationId xmlns:a16="http://schemas.microsoft.com/office/drawing/2014/main" xmlns="" id="{4E99E669-73EB-F9F4-EFE8-DC107035C265}"/>
+                    <a16:creationId xmlns="" xmlns:a16="http://schemas.microsoft.com/office/drawing/2014/main" id="{4E99E669-73EB-F9F4-EFE8-DC107035C265}"/>
                   </a:ext>
                 </a:extLst>
               </p:cNvPr>
@@ -19889,7 +20116,7 @@
           <p:cNvPr id="19" name="직사각형 18">
             <a:extLst>
               <a:ext uri="{FF2B5EF4-FFF2-40B4-BE49-F238E27FC236}">
-                <a16:creationId xmlns:a16="http://schemas.microsoft.com/office/drawing/2014/main" xmlns="" id="{FFF506F9-840A-0508-4CAF-3AC711D8D5CE}"/>
+                <a16:creationId xmlns="" xmlns:a16="http://schemas.microsoft.com/office/drawing/2014/main" id="{FFF506F9-840A-0508-4CAF-3AC711D8D5CE}"/>
               </a:ext>
             </a:extLst>
           </p:cNvPr>
@@ -20187,7 +20414,7 @@
           <p:cNvPr id="4" name="TextBox 3">
             <a:extLst>
               <a:ext uri="{FF2B5EF4-FFF2-40B4-BE49-F238E27FC236}">
-                <a16:creationId xmlns:a16="http://schemas.microsoft.com/office/drawing/2014/main" xmlns="" id="{5ADC00B6-990A-40DC-3CEA-505258F5E8DA}"/>
+                <a16:creationId xmlns="" xmlns:a16="http://schemas.microsoft.com/office/drawing/2014/main" id="{5ADC00B6-990A-40DC-3CEA-505258F5E8DA}"/>
               </a:ext>
             </a:extLst>
           </p:cNvPr>
@@ -20299,7 +20526,7 @@
           <p:cNvPr id="5" name="TextBox 4">
             <a:extLst>
               <a:ext uri="{FF2B5EF4-FFF2-40B4-BE49-F238E27FC236}">
-                <a16:creationId xmlns:a16="http://schemas.microsoft.com/office/drawing/2014/main" xmlns="" id="{5ADC00B6-990A-40DC-3CEA-505258F5E8DA}"/>
+                <a16:creationId xmlns="" xmlns:a16="http://schemas.microsoft.com/office/drawing/2014/main" id="{5ADC00B6-990A-40DC-3CEA-505258F5E8DA}"/>
               </a:ext>
             </a:extLst>
           </p:cNvPr>
@@ -20353,7 +20580,7 @@
           <p:cNvPr id="6" name="TextBox 5">
             <a:extLst>
               <a:ext uri="{FF2B5EF4-FFF2-40B4-BE49-F238E27FC236}">
-                <a16:creationId xmlns:a16="http://schemas.microsoft.com/office/drawing/2014/main" xmlns="" id="{5ADC00B6-990A-40DC-3CEA-505258F5E8DA}"/>
+                <a16:creationId xmlns="" xmlns:a16="http://schemas.microsoft.com/office/drawing/2014/main" id="{5ADC00B6-990A-40DC-3CEA-505258F5E8DA}"/>
               </a:ext>
             </a:extLst>
           </p:cNvPr>
@@ -20401,7 +20628,7 @@
           <p:cNvPr id="7" name="TextBox 6">
             <a:extLst>
               <a:ext uri="{FF2B5EF4-FFF2-40B4-BE49-F238E27FC236}">
-                <a16:creationId xmlns:a16="http://schemas.microsoft.com/office/drawing/2014/main" xmlns="" id="{5ADC00B6-990A-40DC-3CEA-505258F5E8DA}"/>
+                <a16:creationId xmlns="" xmlns:a16="http://schemas.microsoft.com/office/drawing/2014/main" id="{5ADC00B6-990A-40DC-3CEA-505258F5E8DA}"/>
               </a:ext>
             </a:extLst>
           </p:cNvPr>
@@ -20647,7 +20874,7 @@
           <p:cNvPr id="4" name="TextBox 3">
             <a:extLst>
               <a:ext uri="{FF2B5EF4-FFF2-40B4-BE49-F238E27FC236}">
-                <a16:creationId xmlns:a16="http://schemas.microsoft.com/office/drawing/2014/main" xmlns="" id="{DF7DDD33-9412-2802-339A-E55446AC2DA7}"/>
+                <a16:creationId xmlns="" xmlns:a16="http://schemas.microsoft.com/office/drawing/2014/main" id="{DF7DDD33-9412-2802-339A-E55446AC2DA7}"/>
               </a:ext>
             </a:extLst>
           </p:cNvPr>
@@ -20688,7 +20915,7 @@
           <p:cNvPr id="3" name="TextBox 2">
             <a:extLst>
               <a:ext uri="{FF2B5EF4-FFF2-40B4-BE49-F238E27FC236}">
-                <a16:creationId xmlns:a16="http://schemas.microsoft.com/office/drawing/2014/main" xmlns="" id="{A2AD056B-97A4-5BCC-4460-250160F3E171}"/>
+                <a16:creationId xmlns="" xmlns:a16="http://schemas.microsoft.com/office/drawing/2014/main" id="{A2AD056B-97A4-5BCC-4460-250160F3E171}"/>
               </a:ext>
             </a:extLst>
           </p:cNvPr>
@@ -20990,7 +21217,7 @@
           <p:cNvPr id="6" name="직사각형 5">
             <a:extLst>
               <a:ext uri="{FF2B5EF4-FFF2-40B4-BE49-F238E27FC236}">
-                <a16:creationId xmlns:a16="http://schemas.microsoft.com/office/drawing/2014/main" xmlns="" id="{FFF506F9-840A-0508-4CAF-3AC711D8D5CE}"/>
+                <a16:creationId xmlns="" xmlns:a16="http://schemas.microsoft.com/office/drawing/2014/main" id="{FFF506F9-840A-0508-4CAF-3AC711D8D5CE}"/>
               </a:ext>
             </a:extLst>
           </p:cNvPr>
@@ -21103,7 +21330,7 @@
           <p:cNvPr id="5" name="직선 화살표 연결선 4">
             <a:extLst>
               <a:ext uri="{FF2B5EF4-FFF2-40B4-BE49-F238E27FC236}">
-                <a16:creationId xmlns:a16="http://schemas.microsoft.com/office/drawing/2014/main" xmlns="" id="{299DF5EC-9DF4-5255-06AC-0A7CE4FF58C3}"/>
+                <a16:creationId xmlns="" xmlns:a16="http://schemas.microsoft.com/office/drawing/2014/main" id="{299DF5EC-9DF4-5255-06AC-0A7CE4FF58C3}"/>
               </a:ext>
             </a:extLst>
           </p:cNvPr>
@@ -21144,7 +21371,7 @@
           <p:cNvPr id="6" name="직사각형 5">
             <a:extLst>
               <a:ext uri="{FF2B5EF4-FFF2-40B4-BE49-F238E27FC236}">
-                <a16:creationId xmlns:a16="http://schemas.microsoft.com/office/drawing/2014/main" xmlns="" id="{FFF506F9-840A-0508-4CAF-3AC711D8D5CE}"/>
+                <a16:creationId xmlns="" xmlns:a16="http://schemas.microsoft.com/office/drawing/2014/main" id="{FFF506F9-840A-0508-4CAF-3AC711D8D5CE}"/>
               </a:ext>
             </a:extLst>
           </p:cNvPr>
@@ -21196,7 +21423,7 @@
           <p:cNvPr id="7" name="TextBox 6">
             <a:extLst>
               <a:ext uri="{FF2B5EF4-FFF2-40B4-BE49-F238E27FC236}">
-                <a16:creationId xmlns:a16="http://schemas.microsoft.com/office/drawing/2014/main" xmlns="" id="{C6D113C6-EA5C-788F-0C77-E7CE6EBB865F}"/>
+                <a16:creationId xmlns="" xmlns:a16="http://schemas.microsoft.com/office/drawing/2014/main" id="{C6D113C6-EA5C-788F-0C77-E7CE6EBB865F}"/>
               </a:ext>
             </a:extLst>
           </p:cNvPr>
@@ -21455,7 +21682,7 @@
           <p:cNvPr id="2" name="TextBox 1">
             <a:extLst>
               <a:ext uri="{FF2B5EF4-FFF2-40B4-BE49-F238E27FC236}">
-                <a16:creationId xmlns:a16="http://schemas.microsoft.com/office/drawing/2014/main" xmlns="" id="{76F36AE5-79B5-0B9F-E510-1C27AAC4B649}"/>
+                <a16:creationId xmlns="" xmlns:a16="http://schemas.microsoft.com/office/drawing/2014/main" id="{76F36AE5-79B5-0B9F-E510-1C27AAC4B649}"/>
               </a:ext>
             </a:extLst>
           </p:cNvPr>
@@ -21564,7 +21791,7 @@
           <p:cNvPr id="5" name="TextBox 4">
             <a:extLst>
               <a:ext uri="{FF2B5EF4-FFF2-40B4-BE49-F238E27FC236}">
-                <a16:creationId xmlns:a16="http://schemas.microsoft.com/office/drawing/2014/main" xmlns="" id="{5ADC00B6-990A-40DC-3CEA-505258F5E8DA}"/>
+                <a16:creationId xmlns="" xmlns:a16="http://schemas.microsoft.com/office/drawing/2014/main" id="{5ADC00B6-990A-40DC-3CEA-505258F5E8DA}"/>
               </a:ext>
             </a:extLst>
           </p:cNvPr>
@@ -21622,7 +21849,7 @@
           <p:cNvPr id="6" name="TextBox 5">
             <a:extLst>
               <a:ext uri="{FF2B5EF4-FFF2-40B4-BE49-F238E27FC236}">
-                <a16:creationId xmlns:a16="http://schemas.microsoft.com/office/drawing/2014/main" xmlns="" id="{A2AD056B-97A4-5BCC-4460-250160F3E171}"/>
+                <a16:creationId xmlns="" xmlns:a16="http://schemas.microsoft.com/office/drawing/2014/main" id="{A2AD056B-97A4-5BCC-4460-250160F3E171}"/>
               </a:ext>
             </a:extLst>
           </p:cNvPr>
@@ -22269,7 +22496,7 @@
           <p:cNvPr id="2" name="TextBox 1">
             <a:extLst>
               <a:ext uri="{FF2B5EF4-FFF2-40B4-BE49-F238E27FC236}">
-                <a16:creationId xmlns:a16="http://schemas.microsoft.com/office/drawing/2014/main" xmlns="" id="{715D88A2-BD52-978B-A00A-540446126E3D}"/>
+                <a16:creationId xmlns="" xmlns:a16="http://schemas.microsoft.com/office/drawing/2014/main" id="{715D88A2-BD52-978B-A00A-540446126E3D}"/>
               </a:ext>
             </a:extLst>
           </p:cNvPr>
@@ -22349,7 +22576,7 @@
           <p:cNvPr id="4" name="TextBox 3">
             <a:extLst>
               <a:ext uri="{FF2B5EF4-FFF2-40B4-BE49-F238E27FC236}">
-                <a16:creationId xmlns:a16="http://schemas.microsoft.com/office/drawing/2014/main" xmlns="" id="{DF7DDD33-9412-2802-339A-E55446AC2DA7}"/>
+                <a16:creationId xmlns="" xmlns:a16="http://schemas.microsoft.com/office/drawing/2014/main" id="{DF7DDD33-9412-2802-339A-E55446AC2DA7}"/>
               </a:ext>
             </a:extLst>
           </p:cNvPr>
@@ -22445,7 +22672,7 @@
           <p:cNvPr id="6" name="직사각형 5">
             <a:extLst>
               <a:ext uri="{FF2B5EF4-FFF2-40B4-BE49-F238E27FC236}">
-                <a16:creationId xmlns:a16="http://schemas.microsoft.com/office/drawing/2014/main" xmlns="" id="{FFF506F9-840A-0508-4CAF-3AC711D8D5CE}"/>
+                <a16:creationId xmlns="" xmlns:a16="http://schemas.microsoft.com/office/drawing/2014/main" id="{FFF506F9-840A-0508-4CAF-3AC711D8D5CE}"/>
               </a:ext>
             </a:extLst>
           </p:cNvPr>
@@ -22497,7 +22724,7 @@
           <p:cNvPr id="9" name="그룹 1008">
             <a:extLst>
               <a:ext uri="{FF2B5EF4-FFF2-40B4-BE49-F238E27FC236}">
-                <a16:creationId xmlns:a16="http://schemas.microsoft.com/office/drawing/2014/main" xmlns="" id="{E395BDE3-2EDE-065D-70E8-56E348228ACF}"/>
+                <a16:creationId xmlns="" xmlns:a16="http://schemas.microsoft.com/office/drawing/2014/main" id="{E395BDE3-2EDE-065D-70E8-56E348228ACF}"/>
               </a:ext>
             </a:extLst>
           </p:cNvPr>
@@ -22517,7 +22744,7 @@
             <p:cNvPr id="10" name="그룹 1009">
               <a:extLst>
                 <a:ext uri="{FF2B5EF4-FFF2-40B4-BE49-F238E27FC236}">
-                  <a16:creationId xmlns:a16="http://schemas.microsoft.com/office/drawing/2014/main" xmlns="" id="{852F4DEB-DB33-DB3F-9E9F-52A46CD0B10A}"/>
+                  <a16:creationId xmlns="" xmlns:a16="http://schemas.microsoft.com/office/drawing/2014/main" id="{852F4DEB-DB33-DB3F-9E9F-52A46CD0B10A}"/>
                 </a:ext>
               </a:extLst>
             </p:cNvPr>
@@ -22537,7 +22764,7 @@
               <p:cNvPr id="15" name="Object 29">
                 <a:extLst>
                   <a:ext uri="{FF2B5EF4-FFF2-40B4-BE49-F238E27FC236}">
-                    <a16:creationId xmlns:a16="http://schemas.microsoft.com/office/drawing/2014/main" xmlns="" id="{7E353D3B-14D4-8A64-5888-3F0C062C2CDD}"/>
+                    <a16:creationId xmlns="" xmlns:a16="http://schemas.microsoft.com/office/drawing/2014/main" id="{7E353D3B-14D4-8A64-5888-3F0C062C2CDD}"/>
                   </a:ext>
                 </a:extLst>
               </p:cNvPr>
@@ -22568,7 +22795,7 @@
             <p:cNvPr id="11" name="그룹 1010">
               <a:extLst>
                 <a:ext uri="{FF2B5EF4-FFF2-40B4-BE49-F238E27FC236}">
-                  <a16:creationId xmlns:a16="http://schemas.microsoft.com/office/drawing/2014/main" xmlns="" id="{001E38AB-1390-ABD0-BE01-9727136FEAEE}"/>
+                  <a16:creationId xmlns="" xmlns:a16="http://schemas.microsoft.com/office/drawing/2014/main" id="{001E38AB-1390-ABD0-BE01-9727136FEAEE}"/>
                 </a:ext>
               </a:extLst>
             </p:cNvPr>
@@ -22588,7 +22815,7 @@
               <p:cNvPr id="14" name="Object 32">
                 <a:extLst>
                   <a:ext uri="{FF2B5EF4-FFF2-40B4-BE49-F238E27FC236}">
-                    <a16:creationId xmlns:a16="http://schemas.microsoft.com/office/drawing/2014/main" xmlns="" id="{2ED1C30F-0D0B-F86C-8215-2598D332B5A3}"/>
+                    <a16:creationId xmlns="" xmlns:a16="http://schemas.microsoft.com/office/drawing/2014/main" id="{2ED1C30F-0D0B-F86C-8215-2598D332B5A3}"/>
                   </a:ext>
                 </a:extLst>
               </p:cNvPr>
@@ -22619,7 +22846,7 @@
             <p:cNvPr id="12" name="그룹 1011">
               <a:extLst>
                 <a:ext uri="{FF2B5EF4-FFF2-40B4-BE49-F238E27FC236}">
-                  <a16:creationId xmlns:a16="http://schemas.microsoft.com/office/drawing/2014/main" xmlns="" id="{1BCB8DE5-ABAF-4198-BC16-85BB76F2DB24}"/>
+                  <a16:creationId xmlns="" xmlns:a16="http://schemas.microsoft.com/office/drawing/2014/main" id="{1BCB8DE5-ABAF-4198-BC16-85BB76F2DB24}"/>
                 </a:ext>
               </a:extLst>
             </p:cNvPr>
@@ -22639,7 +22866,7 @@
               <p:cNvPr id="13" name="Object 35">
                 <a:extLst>
                   <a:ext uri="{FF2B5EF4-FFF2-40B4-BE49-F238E27FC236}">
-                    <a16:creationId xmlns:a16="http://schemas.microsoft.com/office/drawing/2014/main" xmlns="" id="{86E7BA23-0A1E-B581-CADC-06AB269DB2BD}"/>
+                    <a16:creationId xmlns="" xmlns:a16="http://schemas.microsoft.com/office/drawing/2014/main" id="{86E7BA23-0A1E-B581-CADC-06AB269DB2BD}"/>
                   </a:ext>
                 </a:extLst>
               </p:cNvPr>
@@ -22671,7 +22898,7 @@
           <p:cNvPr id="16" name="TextBox 15">
             <a:extLst>
               <a:ext uri="{FF2B5EF4-FFF2-40B4-BE49-F238E27FC236}">
-                <a16:creationId xmlns:a16="http://schemas.microsoft.com/office/drawing/2014/main" xmlns="" id="{C6D113C6-EA5C-788F-0C77-E7CE6EBB865F}"/>
+                <a16:creationId xmlns="" xmlns:a16="http://schemas.microsoft.com/office/drawing/2014/main" id="{C6D113C6-EA5C-788F-0C77-E7CE6EBB865F}"/>
               </a:ext>
             </a:extLst>
           </p:cNvPr>
@@ -22909,7 +23136,7 @@
           <p:cNvPr id="4" name="TextBox 3">
             <a:extLst>
               <a:ext uri="{FF2B5EF4-FFF2-40B4-BE49-F238E27FC236}">
-                <a16:creationId xmlns:a16="http://schemas.microsoft.com/office/drawing/2014/main" xmlns="" id="{DF7DDD33-9412-2802-339A-E55446AC2DA7}"/>
+                <a16:creationId xmlns="" xmlns:a16="http://schemas.microsoft.com/office/drawing/2014/main" id="{DF7DDD33-9412-2802-339A-E55446AC2DA7}"/>
               </a:ext>
             </a:extLst>
           </p:cNvPr>
@@ -23028,7 +23255,7 @@
           <p:cNvPr id="4" name="TextBox 3">
             <a:extLst>
               <a:ext uri="{FF2B5EF4-FFF2-40B4-BE49-F238E27FC236}">
-                <a16:creationId xmlns:a16="http://schemas.microsoft.com/office/drawing/2014/main" xmlns="" id="{DF7DDD33-9412-2802-339A-E55446AC2DA7}"/>
+                <a16:creationId xmlns="" xmlns:a16="http://schemas.microsoft.com/office/drawing/2014/main" id="{DF7DDD33-9412-2802-339A-E55446AC2DA7}"/>
               </a:ext>
             </a:extLst>
           </p:cNvPr>
@@ -23076,7 +23303,7 @@
           <p:cNvPr id="10" name="직선 화살표 연결선 9">
             <a:extLst>
               <a:ext uri="{FF2B5EF4-FFF2-40B4-BE49-F238E27FC236}">
-                <a16:creationId xmlns:a16="http://schemas.microsoft.com/office/drawing/2014/main" xmlns="" id="{299DF5EC-9DF4-5255-06AC-0A7CE4FF58C3}"/>
+                <a16:creationId xmlns="" xmlns:a16="http://schemas.microsoft.com/office/drawing/2014/main" id="{299DF5EC-9DF4-5255-06AC-0A7CE4FF58C3}"/>
               </a:ext>
             </a:extLst>
           </p:cNvPr>
@@ -23117,7 +23344,7 @@
           <p:cNvPr id="11" name="TextBox 10">
             <a:extLst>
               <a:ext uri="{FF2B5EF4-FFF2-40B4-BE49-F238E27FC236}">
-                <a16:creationId xmlns:a16="http://schemas.microsoft.com/office/drawing/2014/main" xmlns="" id="{C6D113C6-EA5C-788F-0C77-E7CE6EBB865F}"/>
+                <a16:creationId xmlns="" xmlns:a16="http://schemas.microsoft.com/office/drawing/2014/main" id="{C6D113C6-EA5C-788F-0C77-E7CE6EBB865F}"/>
               </a:ext>
             </a:extLst>
           </p:cNvPr>
@@ -23199,7 +23426,7 @@
           <p:cNvPr id="18" name="직사각형 17">
             <a:extLst>
               <a:ext uri="{FF2B5EF4-FFF2-40B4-BE49-F238E27FC236}">
-                <a16:creationId xmlns:a16="http://schemas.microsoft.com/office/drawing/2014/main" xmlns="" id="{FFF506F9-840A-0508-4CAF-3AC711D8D5CE}"/>
+                <a16:creationId xmlns="" xmlns:a16="http://schemas.microsoft.com/office/drawing/2014/main" id="{FFF506F9-840A-0508-4CAF-3AC711D8D5CE}"/>
               </a:ext>
             </a:extLst>
           </p:cNvPr>
@@ -23404,7 +23631,7 @@
           <p:cNvPr id="6" name="직선 화살표 연결선 5">
             <a:extLst>
               <a:ext uri="{FF2B5EF4-FFF2-40B4-BE49-F238E27FC236}">
-                <a16:creationId xmlns:a16="http://schemas.microsoft.com/office/drawing/2014/main" xmlns="" id="{299DF5EC-9DF4-5255-06AC-0A7CE4FF58C3}"/>
+                <a16:creationId xmlns="" xmlns:a16="http://schemas.microsoft.com/office/drawing/2014/main" id="{299DF5EC-9DF4-5255-06AC-0A7CE4FF58C3}"/>
               </a:ext>
             </a:extLst>
           </p:cNvPr>
@@ -23445,7 +23672,7 @@
           <p:cNvPr id="7" name="TextBox 6">
             <a:extLst>
               <a:ext uri="{FF2B5EF4-FFF2-40B4-BE49-F238E27FC236}">
-                <a16:creationId xmlns:a16="http://schemas.microsoft.com/office/drawing/2014/main" xmlns="" id="{C6D113C6-EA5C-788F-0C77-E7CE6EBB865F}"/>
+                <a16:creationId xmlns="" xmlns:a16="http://schemas.microsoft.com/office/drawing/2014/main" id="{C6D113C6-EA5C-788F-0C77-E7CE6EBB865F}"/>
               </a:ext>
             </a:extLst>
           </p:cNvPr>
@@ -23665,7 +23892,7 @@
           <p:cNvPr id="4" name="TextBox 3">
             <a:extLst>
               <a:ext uri="{FF2B5EF4-FFF2-40B4-BE49-F238E27FC236}">
-                <a16:creationId xmlns:a16="http://schemas.microsoft.com/office/drawing/2014/main" xmlns="" id="{DF7DDD33-9412-2802-339A-E55446AC2DA7}"/>
+                <a16:creationId xmlns="" xmlns:a16="http://schemas.microsoft.com/office/drawing/2014/main" id="{DF7DDD33-9412-2802-339A-E55446AC2DA7}"/>
               </a:ext>
             </a:extLst>
           </p:cNvPr>
@@ -23674,8 +23901,8 @@
         </p:nvSpPr>
         <p:spPr>
           <a:xfrm>
-            <a:off x="1676400" y="4305300"/>
-            <a:ext cx="14933896" cy="923330"/>
+            <a:off x="1752600" y="4305300"/>
+            <a:ext cx="15600746" cy="923330"/>
           </a:xfrm>
           <a:prstGeom prst="rect">
             <a:avLst/>
@@ -23689,17 +23916,17 @@
           <a:lstStyle/>
           <a:p>
             <a:r>
-              <a:rPr lang="ko-KR" altLang="en-US" sz="5400">
+              <a:rPr lang="ko-KR" altLang="en-US" sz="5400" smtClean="0">
                 <a:solidFill>
                   <a:srgbClr val="4C50BC"/>
                 </a:solidFill>
                 <a:latin typeface="G마켓 산스 Bold"/>
                 <a:ea typeface="G마켓 산스 Medium" panose="02000000000000000000" pitchFamily="50" charset="-127"/>
               </a:rPr>
-              <a:t>기본 생성자로 생성시 기본값을 셋팅하면 어떨까</a:t>
-            </a:r>
-            <a:r>
-              <a:rPr lang="en-US" altLang="ko-KR" sz="5400">
+              <a:t>생성자를 오버로딩 하여 다양하게 제공하면 어떨까</a:t>
+            </a:r>
+            <a:r>
+              <a:rPr lang="en-US" altLang="ko-KR" sz="5400" smtClean="0">
                 <a:solidFill>
                   <a:srgbClr val="4C50BC"/>
                 </a:solidFill>

--- a/JavaLecture/LectureFile/java 8강 생성자.pptx
+++ b/JavaLecture/LectureFile/java 8강 생성자.pptx
@@ -3966,7 +3966,7 @@
           <p:cNvPr id="2" name="TextBox 1">
             <a:extLst>
               <a:ext uri="{FF2B5EF4-FFF2-40B4-BE49-F238E27FC236}">
-                <a16:creationId xmlns="" xmlns:a16="http://schemas.microsoft.com/office/drawing/2014/main" id="{E9A453A8-9968-67AB-7B4A-83EEB4662AA6}"/>
+                <a16:creationId xmlns:a16="http://schemas.microsoft.com/office/drawing/2014/main" id="{E9A453A8-9968-67AB-7B4A-83EEB4662AA6}"/>
               </a:ext>
             </a:extLst>
           </p:cNvPr>
@@ -4014,7 +4014,7 @@
           <p:cNvPr id="4" name="TextBox 3">
             <a:extLst>
               <a:ext uri="{FF2B5EF4-FFF2-40B4-BE49-F238E27FC236}">
-                <a16:creationId xmlns="" xmlns:a16="http://schemas.microsoft.com/office/drawing/2014/main" id="{F4B7A35A-8AAC-4622-64BC-CAD1472D4115}"/>
+                <a16:creationId xmlns:a16="http://schemas.microsoft.com/office/drawing/2014/main" id="{F4B7A35A-8AAC-4622-64BC-CAD1472D4115}"/>
               </a:ext>
             </a:extLst>
           </p:cNvPr>
@@ -4086,7 +4086,7 @@
           <p:cNvPr id="7" name="TextBox 6">
             <a:extLst>
               <a:ext uri="{FF2B5EF4-FFF2-40B4-BE49-F238E27FC236}">
-                <a16:creationId xmlns="" xmlns:a16="http://schemas.microsoft.com/office/drawing/2014/main" id="{3ACE900A-D779-4343-6623-8588B376F0A1}"/>
+                <a16:creationId xmlns:a16="http://schemas.microsoft.com/office/drawing/2014/main" id="{3ACE900A-D779-4343-6623-8588B376F0A1}"/>
               </a:ext>
             </a:extLst>
           </p:cNvPr>
@@ -4150,7 +4150,7 @@
           <p:cNvPr id="15" name="TextBox 14">
             <a:extLst>
               <a:ext uri="{FF2B5EF4-FFF2-40B4-BE49-F238E27FC236}">
-                <a16:creationId xmlns="" xmlns:a16="http://schemas.microsoft.com/office/drawing/2014/main" id="{C6D113C6-EA5C-788F-0C77-E7CE6EBB865F}"/>
+                <a16:creationId xmlns:a16="http://schemas.microsoft.com/office/drawing/2014/main" id="{C6D113C6-EA5C-788F-0C77-E7CE6EBB865F}"/>
               </a:ext>
             </a:extLst>
           </p:cNvPr>
@@ -4232,7 +4232,7 @@
           <p:cNvPr id="8" name="직선 화살표 연결선 7">
             <a:extLst>
               <a:ext uri="{FF2B5EF4-FFF2-40B4-BE49-F238E27FC236}">
-                <a16:creationId xmlns:a16="http://schemas.microsoft.com/office/drawing/2014/main" xmlns="" id="{299DF5EC-9DF4-5255-06AC-0A7CE4FF58C3}"/>
+                <a16:creationId xmlns:a16="http://schemas.microsoft.com/office/drawing/2014/main" id="{299DF5EC-9DF4-5255-06AC-0A7CE4FF58C3}"/>
               </a:ext>
             </a:extLst>
           </p:cNvPr>
@@ -4273,7 +4273,7 @@
           <p:cNvPr id="10" name="직선 화살표 연결선 9">
             <a:extLst>
               <a:ext uri="{FF2B5EF4-FFF2-40B4-BE49-F238E27FC236}">
-                <a16:creationId xmlns:a16="http://schemas.microsoft.com/office/drawing/2014/main" xmlns="" id="{299DF5EC-9DF4-5255-06AC-0A7CE4FF58C3}"/>
+                <a16:creationId xmlns:a16="http://schemas.microsoft.com/office/drawing/2014/main" id="{299DF5EC-9DF4-5255-06AC-0A7CE4FF58C3}"/>
               </a:ext>
             </a:extLst>
           </p:cNvPr>
@@ -4314,7 +4314,7 @@
           <p:cNvPr id="16" name="TextBox 15">
             <a:extLst>
               <a:ext uri="{FF2B5EF4-FFF2-40B4-BE49-F238E27FC236}">
-                <a16:creationId xmlns="" xmlns:a16="http://schemas.microsoft.com/office/drawing/2014/main" id="{C6D113C6-EA5C-788F-0C77-E7CE6EBB865F}"/>
+                <a16:creationId xmlns:a16="http://schemas.microsoft.com/office/drawing/2014/main" id="{C6D113C6-EA5C-788F-0C77-E7CE6EBB865F}"/>
               </a:ext>
             </a:extLst>
           </p:cNvPr>
@@ -4604,7 +4604,7 @@
           <p:cNvPr id="5" name="TextBox 4">
             <a:extLst>
               <a:ext uri="{FF2B5EF4-FFF2-40B4-BE49-F238E27FC236}">
-                <a16:creationId xmlns="" xmlns:a16="http://schemas.microsoft.com/office/drawing/2014/main" id="{C6D113C6-EA5C-788F-0C77-E7CE6EBB865F}"/>
+                <a16:creationId xmlns:a16="http://schemas.microsoft.com/office/drawing/2014/main" id="{C6D113C6-EA5C-788F-0C77-E7CE6EBB865F}"/>
               </a:ext>
             </a:extLst>
           </p:cNvPr>
@@ -4713,7 +4713,7 @@
           <p:cNvPr id="6" name="직선 화살표 연결선 5">
             <a:extLst>
               <a:ext uri="{FF2B5EF4-FFF2-40B4-BE49-F238E27FC236}">
-                <a16:creationId xmlns:a16="http://schemas.microsoft.com/office/drawing/2014/main" xmlns="" id="{299DF5EC-9DF4-5255-06AC-0A7CE4FF58C3}"/>
+                <a16:creationId xmlns:a16="http://schemas.microsoft.com/office/drawing/2014/main" id="{299DF5EC-9DF4-5255-06AC-0A7CE4FF58C3}"/>
               </a:ext>
             </a:extLst>
           </p:cNvPr>
@@ -4754,7 +4754,7 @@
           <p:cNvPr id="8" name="TextBox 7">
             <a:extLst>
               <a:ext uri="{FF2B5EF4-FFF2-40B4-BE49-F238E27FC236}">
-                <a16:creationId xmlns="" xmlns:a16="http://schemas.microsoft.com/office/drawing/2014/main" id="{C6D113C6-EA5C-788F-0C77-E7CE6EBB865F}"/>
+                <a16:creationId xmlns:a16="http://schemas.microsoft.com/office/drawing/2014/main" id="{C6D113C6-EA5C-788F-0C77-E7CE6EBB865F}"/>
               </a:ext>
             </a:extLst>
           </p:cNvPr>
@@ -4993,7 +4993,7 @@
           <p:cNvPr id="4" name="TextBox 3">
             <a:extLst>
               <a:ext uri="{FF2B5EF4-FFF2-40B4-BE49-F238E27FC236}">
-                <a16:creationId xmlns="" xmlns:a16="http://schemas.microsoft.com/office/drawing/2014/main" id="{DF7DDD33-9412-2802-339A-E55446AC2DA7}"/>
+                <a16:creationId xmlns:a16="http://schemas.microsoft.com/office/drawing/2014/main" id="{DF7DDD33-9412-2802-339A-E55446AC2DA7}"/>
               </a:ext>
             </a:extLst>
           </p:cNvPr>
@@ -5041,7 +5041,7 @@
           <p:cNvPr id="8" name="TextBox 7">
             <a:extLst>
               <a:ext uri="{FF2B5EF4-FFF2-40B4-BE49-F238E27FC236}">
-                <a16:creationId xmlns="" xmlns:a16="http://schemas.microsoft.com/office/drawing/2014/main" id="{A2AD056B-97A4-5BCC-4460-250160F3E171}"/>
+                <a16:creationId xmlns:a16="http://schemas.microsoft.com/office/drawing/2014/main" id="{A2AD056B-97A4-5BCC-4460-250160F3E171}"/>
               </a:ext>
             </a:extLst>
           </p:cNvPr>
@@ -5393,7 +5393,7 @@
           <p:cNvPr id="4" name="TextBox 3">
             <a:extLst>
               <a:ext uri="{FF2B5EF4-FFF2-40B4-BE49-F238E27FC236}">
-                <a16:creationId xmlns="" xmlns:a16="http://schemas.microsoft.com/office/drawing/2014/main" id="{DF7DDD33-9412-2802-339A-E55446AC2DA7}"/>
+                <a16:creationId xmlns:a16="http://schemas.microsoft.com/office/drawing/2014/main" id="{DF7DDD33-9412-2802-339A-E55446AC2DA7}"/>
               </a:ext>
             </a:extLst>
           </p:cNvPr>
@@ -5475,7 +5475,7 @@
           <p:cNvPr id="6" name="직선 화살표 연결선 5">
             <a:extLst>
               <a:ext uri="{FF2B5EF4-FFF2-40B4-BE49-F238E27FC236}">
-                <a16:creationId xmlns="" xmlns:a16="http://schemas.microsoft.com/office/drawing/2014/main" id="{299DF5EC-9DF4-5255-06AC-0A7CE4FF58C3}"/>
+                <a16:creationId xmlns:a16="http://schemas.microsoft.com/office/drawing/2014/main" id="{299DF5EC-9DF4-5255-06AC-0A7CE4FF58C3}"/>
               </a:ext>
             </a:extLst>
           </p:cNvPr>
@@ -5516,7 +5516,7 @@
           <p:cNvPr id="7" name="직사각형 6">
             <a:extLst>
               <a:ext uri="{FF2B5EF4-FFF2-40B4-BE49-F238E27FC236}">
-                <a16:creationId xmlns="" xmlns:a16="http://schemas.microsoft.com/office/drawing/2014/main" id="{FFF506F9-840A-0508-4CAF-3AC711D8D5CE}"/>
+                <a16:creationId xmlns:a16="http://schemas.microsoft.com/office/drawing/2014/main" id="{FFF506F9-840A-0508-4CAF-3AC711D8D5CE}"/>
               </a:ext>
             </a:extLst>
           </p:cNvPr>
@@ -5568,7 +5568,7 @@
           <p:cNvPr id="8" name="TextBox 7">
             <a:extLst>
               <a:ext uri="{FF2B5EF4-FFF2-40B4-BE49-F238E27FC236}">
-                <a16:creationId xmlns="" xmlns:a16="http://schemas.microsoft.com/office/drawing/2014/main" id="{C6D113C6-EA5C-788F-0C77-E7CE6EBB865F}"/>
+                <a16:creationId xmlns:a16="http://schemas.microsoft.com/office/drawing/2014/main" id="{C6D113C6-EA5C-788F-0C77-E7CE6EBB865F}"/>
               </a:ext>
             </a:extLst>
           </p:cNvPr>
@@ -5650,7 +5650,7 @@
           <p:cNvPr id="10" name="직선 화살표 연결선 9">
             <a:extLst>
               <a:ext uri="{FF2B5EF4-FFF2-40B4-BE49-F238E27FC236}">
-                <a16:creationId xmlns="" xmlns:a16="http://schemas.microsoft.com/office/drawing/2014/main" id="{299DF5EC-9DF4-5255-06AC-0A7CE4FF58C3}"/>
+                <a16:creationId xmlns:a16="http://schemas.microsoft.com/office/drawing/2014/main" id="{299DF5EC-9DF4-5255-06AC-0A7CE4FF58C3}"/>
               </a:ext>
             </a:extLst>
           </p:cNvPr>
@@ -5691,7 +5691,7 @@
           <p:cNvPr id="11" name="TextBox 10">
             <a:extLst>
               <a:ext uri="{FF2B5EF4-FFF2-40B4-BE49-F238E27FC236}">
-                <a16:creationId xmlns="" xmlns:a16="http://schemas.microsoft.com/office/drawing/2014/main" id="{C6D113C6-EA5C-788F-0C77-E7CE6EBB865F}"/>
+                <a16:creationId xmlns:a16="http://schemas.microsoft.com/office/drawing/2014/main" id="{C6D113C6-EA5C-788F-0C77-E7CE6EBB865F}"/>
               </a:ext>
             </a:extLst>
           </p:cNvPr>
@@ -6285,7 +6285,7 @@
           <p:cNvPr id="2" name="TextBox 1">
             <a:extLst>
               <a:ext uri="{FF2B5EF4-FFF2-40B4-BE49-F238E27FC236}">
-                <a16:creationId xmlns="" xmlns:a16="http://schemas.microsoft.com/office/drawing/2014/main" id="{76F36AE5-79B5-0B9F-E510-1C27AAC4B649}"/>
+                <a16:creationId xmlns:a16="http://schemas.microsoft.com/office/drawing/2014/main" id="{76F36AE5-79B5-0B9F-E510-1C27AAC4B649}"/>
               </a:ext>
             </a:extLst>
           </p:cNvPr>
@@ -6370,7 +6370,7 @@
           <p:cNvPr id="4" name="TextBox 3">
             <a:extLst>
               <a:ext uri="{FF2B5EF4-FFF2-40B4-BE49-F238E27FC236}">
-                <a16:creationId xmlns="" xmlns:a16="http://schemas.microsoft.com/office/drawing/2014/main" id="{DF7DDD33-9412-2802-339A-E55446AC2DA7}"/>
+                <a16:creationId xmlns:a16="http://schemas.microsoft.com/office/drawing/2014/main" id="{DF7DDD33-9412-2802-339A-E55446AC2DA7}"/>
               </a:ext>
             </a:extLst>
           </p:cNvPr>
@@ -6448,7 +6448,7 @@
           <p:cNvPr id="6" name="그룹 1008">
             <a:extLst>
               <a:ext uri="{FF2B5EF4-FFF2-40B4-BE49-F238E27FC236}">
-                <a16:creationId xmlns="" xmlns:a16="http://schemas.microsoft.com/office/drawing/2014/main" id="{678F6342-C505-E8AD-ADA4-022CB2C2088E}"/>
+                <a16:creationId xmlns:a16="http://schemas.microsoft.com/office/drawing/2014/main" id="{678F6342-C505-E8AD-ADA4-022CB2C2088E}"/>
               </a:ext>
             </a:extLst>
           </p:cNvPr>
@@ -6468,7 +6468,7 @@
             <p:cNvPr id="7" name="그룹 1009">
               <a:extLst>
                 <a:ext uri="{FF2B5EF4-FFF2-40B4-BE49-F238E27FC236}">
-                  <a16:creationId xmlns="" xmlns:a16="http://schemas.microsoft.com/office/drawing/2014/main" id="{4E1F1FED-812B-9BBB-925A-84B54A077414}"/>
+                  <a16:creationId xmlns:a16="http://schemas.microsoft.com/office/drawing/2014/main" id="{4E1F1FED-812B-9BBB-925A-84B54A077414}"/>
                 </a:ext>
               </a:extLst>
             </p:cNvPr>
@@ -6488,7 +6488,7 @@
               <p:cNvPr id="12" name="Object 29">
                 <a:extLst>
                   <a:ext uri="{FF2B5EF4-FFF2-40B4-BE49-F238E27FC236}">
-                    <a16:creationId xmlns="" xmlns:a16="http://schemas.microsoft.com/office/drawing/2014/main" id="{7B078609-4286-7B00-51EB-809C8E2DE289}"/>
+                    <a16:creationId xmlns:a16="http://schemas.microsoft.com/office/drawing/2014/main" id="{7B078609-4286-7B00-51EB-809C8E2DE289}"/>
                   </a:ext>
                 </a:extLst>
               </p:cNvPr>
@@ -6519,7 +6519,7 @@
             <p:cNvPr id="8" name="그룹 1010">
               <a:extLst>
                 <a:ext uri="{FF2B5EF4-FFF2-40B4-BE49-F238E27FC236}">
-                  <a16:creationId xmlns="" xmlns:a16="http://schemas.microsoft.com/office/drawing/2014/main" id="{02A649BF-B5B5-FBAF-7DFD-E118A4DF8907}"/>
+                  <a16:creationId xmlns:a16="http://schemas.microsoft.com/office/drawing/2014/main" id="{02A649BF-B5B5-FBAF-7DFD-E118A4DF8907}"/>
                 </a:ext>
               </a:extLst>
             </p:cNvPr>
@@ -6539,7 +6539,7 @@
               <p:cNvPr id="11" name="Object 32">
                 <a:extLst>
                   <a:ext uri="{FF2B5EF4-FFF2-40B4-BE49-F238E27FC236}">
-                    <a16:creationId xmlns="" xmlns:a16="http://schemas.microsoft.com/office/drawing/2014/main" id="{2A0FFF23-B3C9-3EA0-1C1B-A87D4FF098AE}"/>
+                    <a16:creationId xmlns:a16="http://schemas.microsoft.com/office/drawing/2014/main" id="{2A0FFF23-B3C9-3EA0-1C1B-A87D4FF098AE}"/>
                   </a:ext>
                 </a:extLst>
               </p:cNvPr>
@@ -6570,7 +6570,7 @@
             <p:cNvPr id="9" name="그룹 1011">
               <a:extLst>
                 <a:ext uri="{FF2B5EF4-FFF2-40B4-BE49-F238E27FC236}">
-                  <a16:creationId xmlns="" xmlns:a16="http://schemas.microsoft.com/office/drawing/2014/main" id="{881F5410-F7FB-F261-A584-707359BAC593}"/>
+                  <a16:creationId xmlns:a16="http://schemas.microsoft.com/office/drawing/2014/main" id="{881F5410-F7FB-F261-A584-707359BAC593}"/>
                 </a:ext>
               </a:extLst>
             </p:cNvPr>
@@ -6590,7 +6590,7 @@
               <p:cNvPr id="10" name="Object 35">
                 <a:extLst>
                   <a:ext uri="{FF2B5EF4-FFF2-40B4-BE49-F238E27FC236}">
-                    <a16:creationId xmlns="" xmlns:a16="http://schemas.microsoft.com/office/drawing/2014/main" id="{4E99E669-73EB-F9F4-EFE8-DC107035C265}"/>
+                    <a16:creationId xmlns:a16="http://schemas.microsoft.com/office/drawing/2014/main" id="{4E99E669-73EB-F9F4-EFE8-DC107035C265}"/>
                   </a:ext>
                 </a:extLst>
               </p:cNvPr>
@@ -7015,7 +7015,7 @@
           <p:cNvPr id="4" name="TextBox 3">
             <a:extLst>
               <a:ext uri="{FF2B5EF4-FFF2-40B4-BE49-F238E27FC236}">
-                <a16:creationId xmlns="" xmlns:a16="http://schemas.microsoft.com/office/drawing/2014/main" id="{DF7DDD33-9412-2802-339A-E55446AC2DA7}"/>
+                <a16:creationId xmlns:a16="http://schemas.microsoft.com/office/drawing/2014/main" id="{DF7DDD33-9412-2802-339A-E55446AC2DA7}"/>
               </a:ext>
             </a:extLst>
           </p:cNvPr>
@@ -7083,7 +7083,7 @@
           <p:cNvPr id="8" name="직선 화살표 연결선 7">
             <a:extLst>
               <a:ext uri="{FF2B5EF4-FFF2-40B4-BE49-F238E27FC236}">
-                <a16:creationId xmlns="" xmlns:a16="http://schemas.microsoft.com/office/drawing/2014/main" id="{299DF5EC-9DF4-5255-06AC-0A7CE4FF58C3}"/>
+                <a16:creationId xmlns:a16="http://schemas.microsoft.com/office/drawing/2014/main" id="{299DF5EC-9DF4-5255-06AC-0A7CE4FF58C3}"/>
               </a:ext>
             </a:extLst>
           </p:cNvPr>
@@ -7124,7 +7124,7 @@
           <p:cNvPr id="10" name="직선 화살표 연결선 9">
             <a:extLst>
               <a:ext uri="{FF2B5EF4-FFF2-40B4-BE49-F238E27FC236}">
-                <a16:creationId xmlns="" xmlns:a16="http://schemas.microsoft.com/office/drawing/2014/main" id="{299DF5EC-9DF4-5255-06AC-0A7CE4FF58C3}"/>
+                <a16:creationId xmlns:a16="http://schemas.microsoft.com/office/drawing/2014/main" id="{299DF5EC-9DF4-5255-06AC-0A7CE4FF58C3}"/>
               </a:ext>
             </a:extLst>
           </p:cNvPr>
@@ -7435,7 +7435,7 @@
           <p:cNvPr id="10" name="TextBox 9">
             <a:extLst>
               <a:ext uri="{FF2B5EF4-FFF2-40B4-BE49-F238E27FC236}">
-                <a16:creationId xmlns="" xmlns:a16="http://schemas.microsoft.com/office/drawing/2014/main" id="{DF7DDD33-9412-2802-339A-E55446AC2DA7}"/>
+                <a16:creationId xmlns:a16="http://schemas.microsoft.com/office/drawing/2014/main" id="{DF7DDD33-9412-2802-339A-E55446AC2DA7}"/>
               </a:ext>
             </a:extLst>
           </p:cNvPr>
@@ -7503,7 +7503,7 @@
           <p:cNvPr id="8" name="TextBox 7">
             <a:extLst>
               <a:ext uri="{FF2B5EF4-FFF2-40B4-BE49-F238E27FC236}">
-                <a16:creationId xmlns="" xmlns:a16="http://schemas.microsoft.com/office/drawing/2014/main" id="{C6D113C6-EA5C-788F-0C77-E7CE6EBB865F}"/>
+                <a16:creationId xmlns:a16="http://schemas.microsoft.com/office/drawing/2014/main" id="{C6D113C6-EA5C-788F-0C77-E7CE6EBB865F}"/>
               </a:ext>
             </a:extLst>
           </p:cNvPr>
@@ -7551,7 +7551,7 @@
           <p:cNvPr id="11" name="TextBox 10">
             <a:extLst>
               <a:ext uri="{FF2B5EF4-FFF2-40B4-BE49-F238E27FC236}">
-                <a16:creationId xmlns="" xmlns:a16="http://schemas.microsoft.com/office/drawing/2014/main" id="{C6D113C6-EA5C-788F-0C77-E7CE6EBB865F}"/>
+                <a16:creationId xmlns:a16="http://schemas.microsoft.com/office/drawing/2014/main" id="{C6D113C6-EA5C-788F-0C77-E7CE6EBB865F}"/>
               </a:ext>
             </a:extLst>
           </p:cNvPr>
@@ -7877,7 +7877,7 @@
           <p:cNvPr id="14" name="직사각형 13">
             <a:extLst>
               <a:ext uri="{FF2B5EF4-FFF2-40B4-BE49-F238E27FC236}">
-                <a16:creationId xmlns="" xmlns:a16="http://schemas.microsoft.com/office/drawing/2014/main" id="{FFF506F9-840A-0508-4CAF-3AC711D8D5CE}"/>
+                <a16:creationId xmlns:a16="http://schemas.microsoft.com/office/drawing/2014/main" id="{FFF506F9-840A-0508-4CAF-3AC711D8D5CE}"/>
               </a:ext>
             </a:extLst>
           </p:cNvPr>
@@ -7929,7 +7929,7 @@
           <p:cNvPr id="18" name="TextBox 17">
             <a:extLst>
               <a:ext uri="{FF2B5EF4-FFF2-40B4-BE49-F238E27FC236}">
-                <a16:creationId xmlns="" xmlns:a16="http://schemas.microsoft.com/office/drawing/2014/main" id="{DF7DDD33-9412-2802-339A-E55446AC2DA7}"/>
+                <a16:creationId xmlns:a16="http://schemas.microsoft.com/office/drawing/2014/main" id="{DF7DDD33-9412-2802-339A-E55446AC2DA7}"/>
               </a:ext>
             </a:extLst>
           </p:cNvPr>
@@ -7987,7 +7987,7 @@
           <p:cNvPr id="19" name="직선 화살표 연결선 18">
             <a:extLst>
               <a:ext uri="{FF2B5EF4-FFF2-40B4-BE49-F238E27FC236}">
-                <a16:creationId xmlns="" xmlns:a16="http://schemas.microsoft.com/office/drawing/2014/main" id="{299DF5EC-9DF4-5255-06AC-0A7CE4FF58C3}"/>
+                <a16:creationId xmlns:a16="http://schemas.microsoft.com/office/drawing/2014/main" id="{299DF5EC-9DF4-5255-06AC-0A7CE4FF58C3}"/>
               </a:ext>
             </a:extLst>
           </p:cNvPr>
@@ -8028,7 +8028,7 @@
           <p:cNvPr id="20" name="TextBox 19">
             <a:extLst>
               <a:ext uri="{FF2B5EF4-FFF2-40B4-BE49-F238E27FC236}">
-                <a16:creationId xmlns="" xmlns:a16="http://schemas.microsoft.com/office/drawing/2014/main" id="{C6D113C6-EA5C-788F-0C77-E7CE6EBB865F}"/>
+                <a16:creationId xmlns:a16="http://schemas.microsoft.com/office/drawing/2014/main" id="{C6D113C6-EA5C-788F-0C77-E7CE6EBB865F}"/>
               </a:ext>
             </a:extLst>
           </p:cNvPr>
@@ -8086,7 +8086,7 @@
           <p:cNvPr id="21" name="그룹 1008">
             <a:extLst>
               <a:ext uri="{FF2B5EF4-FFF2-40B4-BE49-F238E27FC236}">
-                <a16:creationId xmlns="" xmlns:a16="http://schemas.microsoft.com/office/drawing/2014/main" id="{E395BDE3-2EDE-065D-70E8-56E348228ACF}"/>
+                <a16:creationId xmlns:a16="http://schemas.microsoft.com/office/drawing/2014/main" id="{E395BDE3-2EDE-065D-70E8-56E348228ACF}"/>
               </a:ext>
             </a:extLst>
           </p:cNvPr>
@@ -8106,7 +8106,7 @@
             <p:cNvPr id="22" name="그룹 1009">
               <a:extLst>
                 <a:ext uri="{FF2B5EF4-FFF2-40B4-BE49-F238E27FC236}">
-                  <a16:creationId xmlns="" xmlns:a16="http://schemas.microsoft.com/office/drawing/2014/main" id="{852F4DEB-DB33-DB3F-9E9F-52A46CD0B10A}"/>
+                  <a16:creationId xmlns:a16="http://schemas.microsoft.com/office/drawing/2014/main" id="{852F4DEB-DB33-DB3F-9E9F-52A46CD0B10A}"/>
                 </a:ext>
               </a:extLst>
             </p:cNvPr>
@@ -8126,7 +8126,7 @@
               <p:cNvPr id="27" name="Object 29">
                 <a:extLst>
                   <a:ext uri="{FF2B5EF4-FFF2-40B4-BE49-F238E27FC236}">
-                    <a16:creationId xmlns="" xmlns:a16="http://schemas.microsoft.com/office/drawing/2014/main" id="{7E353D3B-14D4-8A64-5888-3F0C062C2CDD}"/>
+                    <a16:creationId xmlns:a16="http://schemas.microsoft.com/office/drawing/2014/main" id="{7E353D3B-14D4-8A64-5888-3F0C062C2CDD}"/>
                   </a:ext>
                 </a:extLst>
               </p:cNvPr>
@@ -8157,7 +8157,7 @@
             <p:cNvPr id="23" name="그룹 1010">
               <a:extLst>
                 <a:ext uri="{FF2B5EF4-FFF2-40B4-BE49-F238E27FC236}">
-                  <a16:creationId xmlns="" xmlns:a16="http://schemas.microsoft.com/office/drawing/2014/main" id="{001E38AB-1390-ABD0-BE01-9727136FEAEE}"/>
+                  <a16:creationId xmlns:a16="http://schemas.microsoft.com/office/drawing/2014/main" id="{001E38AB-1390-ABD0-BE01-9727136FEAEE}"/>
                 </a:ext>
               </a:extLst>
             </p:cNvPr>
@@ -8177,7 +8177,7 @@
               <p:cNvPr id="26" name="Object 32">
                 <a:extLst>
                   <a:ext uri="{FF2B5EF4-FFF2-40B4-BE49-F238E27FC236}">
-                    <a16:creationId xmlns="" xmlns:a16="http://schemas.microsoft.com/office/drawing/2014/main" id="{2ED1C30F-0D0B-F86C-8215-2598D332B5A3}"/>
+                    <a16:creationId xmlns:a16="http://schemas.microsoft.com/office/drawing/2014/main" id="{2ED1C30F-0D0B-F86C-8215-2598D332B5A3}"/>
                   </a:ext>
                 </a:extLst>
               </p:cNvPr>
@@ -8208,7 +8208,7 @@
             <p:cNvPr id="24" name="그룹 1011">
               <a:extLst>
                 <a:ext uri="{FF2B5EF4-FFF2-40B4-BE49-F238E27FC236}">
-                  <a16:creationId xmlns="" xmlns:a16="http://schemas.microsoft.com/office/drawing/2014/main" id="{1BCB8DE5-ABAF-4198-BC16-85BB76F2DB24}"/>
+                  <a16:creationId xmlns:a16="http://schemas.microsoft.com/office/drawing/2014/main" id="{1BCB8DE5-ABAF-4198-BC16-85BB76F2DB24}"/>
                 </a:ext>
               </a:extLst>
             </p:cNvPr>
@@ -8228,7 +8228,7 @@
               <p:cNvPr id="25" name="Object 35">
                 <a:extLst>
                   <a:ext uri="{FF2B5EF4-FFF2-40B4-BE49-F238E27FC236}">
-                    <a16:creationId xmlns="" xmlns:a16="http://schemas.microsoft.com/office/drawing/2014/main" id="{86E7BA23-0A1E-B581-CADC-06AB269DB2BD}"/>
+                    <a16:creationId xmlns:a16="http://schemas.microsoft.com/office/drawing/2014/main" id="{86E7BA23-0A1E-B581-CADC-06AB269DB2BD}"/>
                   </a:ext>
                 </a:extLst>
               </p:cNvPr>
@@ -8567,7 +8567,7 @@
           <p:cNvPr id="7" name="TextBox 6">
             <a:extLst>
               <a:ext uri="{FF2B5EF4-FFF2-40B4-BE49-F238E27FC236}">
-                <a16:creationId xmlns="" xmlns:a16="http://schemas.microsoft.com/office/drawing/2014/main" id="{DF7DDD33-9412-2802-339A-E55446AC2DA7}"/>
+                <a16:creationId xmlns:a16="http://schemas.microsoft.com/office/drawing/2014/main" id="{DF7DDD33-9412-2802-339A-E55446AC2DA7}"/>
               </a:ext>
             </a:extLst>
           </p:cNvPr>
@@ -8845,7 +8845,7 @@
           <p:cNvPr id="11" name="TextBox 10">
             <a:extLst>
               <a:ext uri="{FF2B5EF4-FFF2-40B4-BE49-F238E27FC236}">
-                <a16:creationId xmlns="" xmlns:a16="http://schemas.microsoft.com/office/drawing/2014/main" id="{9F88F580-08BE-88C2-D640-13F0026591CB}"/>
+                <a16:creationId xmlns:a16="http://schemas.microsoft.com/office/drawing/2014/main" id="{9F88F580-08BE-88C2-D640-13F0026591CB}"/>
               </a:ext>
             </a:extLst>
           </p:cNvPr>
@@ -8896,7 +8896,7 @@
           <p:cNvPr id="13" name="TextBox 12">
             <a:extLst>
               <a:ext uri="{FF2B5EF4-FFF2-40B4-BE49-F238E27FC236}">
-                <a16:creationId xmlns="" xmlns:a16="http://schemas.microsoft.com/office/drawing/2014/main" id="{72769C28-9BB6-DE9C-7B6F-264B77B8DD0E}"/>
+                <a16:creationId xmlns:a16="http://schemas.microsoft.com/office/drawing/2014/main" id="{72769C28-9BB6-DE9C-7B6F-264B77B8DD0E}"/>
               </a:ext>
             </a:extLst>
           </p:cNvPr>
@@ -8937,7 +8937,7 @@
           <p:cNvPr id="14" name="TextBox 13">
             <a:extLst>
               <a:ext uri="{FF2B5EF4-FFF2-40B4-BE49-F238E27FC236}">
-                <a16:creationId xmlns="" xmlns:a16="http://schemas.microsoft.com/office/drawing/2014/main" id="{270FBB6A-01CE-5637-78DA-58F0C974145C}"/>
+                <a16:creationId xmlns:a16="http://schemas.microsoft.com/office/drawing/2014/main" id="{270FBB6A-01CE-5637-78DA-58F0C974145C}"/>
               </a:ext>
             </a:extLst>
           </p:cNvPr>
@@ -8985,7 +8985,7 @@
           <p:cNvPr id="2" name="Object 17">
             <a:extLst>
               <a:ext uri="{FF2B5EF4-FFF2-40B4-BE49-F238E27FC236}">
-                <a16:creationId xmlns="" xmlns:a16="http://schemas.microsoft.com/office/drawing/2014/main" id="{140B283D-FE58-FA6F-6F7C-E0F1DBB62A65}"/>
+                <a16:creationId xmlns:a16="http://schemas.microsoft.com/office/drawing/2014/main" id="{140B283D-FE58-FA6F-6F7C-E0F1DBB62A65}"/>
               </a:ext>
             </a:extLst>
           </p:cNvPr>
@@ -9015,7 +9015,7 @@
           <p:cNvPr id="4" name="TextBox 3">
             <a:extLst>
               <a:ext uri="{FF2B5EF4-FFF2-40B4-BE49-F238E27FC236}">
-                <a16:creationId xmlns="" xmlns:a16="http://schemas.microsoft.com/office/drawing/2014/main" id="{2C8D0998-79BC-6FD2-59D9-8052B4A25F65}"/>
+                <a16:creationId xmlns:a16="http://schemas.microsoft.com/office/drawing/2014/main" id="{2C8D0998-79BC-6FD2-59D9-8052B4A25F65}"/>
               </a:ext>
             </a:extLst>
           </p:cNvPr>
@@ -9063,7 +9063,7 @@
           <p:cNvPr id="5" name="Object 18">
             <a:extLst>
               <a:ext uri="{FF2B5EF4-FFF2-40B4-BE49-F238E27FC236}">
-                <a16:creationId xmlns="" xmlns:a16="http://schemas.microsoft.com/office/drawing/2014/main" id="{3F58EA3E-1018-64D3-FAB2-4F6B9618FA56}"/>
+                <a16:creationId xmlns:a16="http://schemas.microsoft.com/office/drawing/2014/main" id="{3F58EA3E-1018-64D3-FAB2-4F6B9618FA56}"/>
               </a:ext>
             </a:extLst>
           </p:cNvPr>
@@ -9093,7 +9093,7 @@
           <p:cNvPr id="8" name="TextBox 7">
             <a:extLst>
               <a:ext uri="{FF2B5EF4-FFF2-40B4-BE49-F238E27FC236}">
-                <a16:creationId xmlns="" xmlns:a16="http://schemas.microsoft.com/office/drawing/2014/main" id="{681D3F16-7DCF-41AD-F5F1-0558C78C0E4D}"/>
+                <a16:creationId xmlns:a16="http://schemas.microsoft.com/office/drawing/2014/main" id="{681D3F16-7DCF-41AD-F5F1-0558C78C0E4D}"/>
               </a:ext>
             </a:extLst>
           </p:cNvPr>
@@ -9173,7 +9173,7 @@
           <p:cNvPr id="4" name="TextBox 3">
             <a:extLst>
               <a:ext uri="{FF2B5EF4-FFF2-40B4-BE49-F238E27FC236}">
-                <a16:creationId xmlns="" xmlns:a16="http://schemas.microsoft.com/office/drawing/2014/main" id="{DF7DDD33-9412-2802-339A-E55446AC2DA7}"/>
+                <a16:creationId xmlns:a16="http://schemas.microsoft.com/office/drawing/2014/main" id="{DF7DDD33-9412-2802-339A-E55446AC2DA7}"/>
               </a:ext>
             </a:extLst>
           </p:cNvPr>
@@ -9245,7 +9245,7 @@
           <p:cNvPr id="6" name="직선 화살표 연결선 5">
             <a:extLst>
               <a:ext uri="{FF2B5EF4-FFF2-40B4-BE49-F238E27FC236}">
-                <a16:creationId xmlns="" xmlns:a16="http://schemas.microsoft.com/office/drawing/2014/main" id="{299DF5EC-9DF4-5255-06AC-0A7CE4FF58C3}"/>
+                <a16:creationId xmlns:a16="http://schemas.microsoft.com/office/drawing/2014/main" id="{299DF5EC-9DF4-5255-06AC-0A7CE4FF58C3}"/>
               </a:ext>
             </a:extLst>
           </p:cNvPr>
@@ -9286,7 +9286,7 @@
           <p:cNvPr id="7" name="TextBox 6">
             <a:extLst>
               <a:ext uri="{FF2B5EF4-FFF2-40B4-BE49-F238E27FC236}">
-                <a16:creationId xmlns="" xmlns:a16="http://schemas.microsoft.com/office/drawing/2014/main" id="{C6D113C6-EA5C-788F-0C77-E7CE6EBB865F}"/>
+                <a16:creationId xmlns:a16="http://schemas.microsoft.com/office/drawing/2014/main" id="{C6D113C6-EA5C-788F-0C77-E7CE6EBB865F}"/>
               </a:ext>
             </a:extLst>
           </p:cNvPr>
@@ -9603,7 +9603,7 @@
           <p:cNvPr id="7" name="TextBox 6">
             <a:extLst>
               <a:ext uri="{FF2B5EF4-FFF2-40B4-BE49-F238E27FC236}">
-                <a16:creationId xmlns="" xmlns:a16="http://schemas.microsoft.com/office/drawing/2014/main" id="{DF7DDD33-9412-2802-339A-E55446AC2DA7}"/>
+                <a16:creationId xmlns:a16="http://schemas.microsoft.com/office/drawing/2014/main" id="{DF7DDD33-9412-2802-339A-E55446AC2DA7}"/>
               </a:ext>
             </a:extLst>
           </p:cNvPr>
@@ -9651,7 +9651,7 @@
           <p:cNvPr id="8" name="TextBox 7">
             <a:extLst>
               <a:ext uri="{FF2B5EF4-FFF2-40B4-BE49-F238E27FC236}">
-                <a16:creationId xmlns="" xmlns:a16="http://schemas.microsoft.com/office/drawing/2014/main" id="{DF7DDD33-9412-2802-339A-E55446AC2DA7}"/>
+                <a16:creationId xmlns:a16="http://schemas.microsoft.com/office/drawing/2014/main" id="{DF7DDD33-9412-2802-339A-E55446AC2DA7}"/>
               </a:ext>
             </a:extLst>
           </p:cNvPr>
@@ -9868,7 +9868,7 @@
           <p:cNvPr id="5" name="TextBox 4">
             <a:extLst>
               <a:ext uri="{FF2B5EF4-FFF2-40B4-BE49-F238E27FC236}">
-                <a16:creationId xmlns="" xmlns:a16="http://schemas.microsoft.com/office/drawing/2014/main" id="{C6D113C6-EA5C-788F-0C77-E7CE6EBB865F}"/>
+                <a16:creationId xmlns:a16="http://schemas.microsoft.com/office/drawing/2014/main" id="{C6D113C6-EA5C-788F-0C77-E7CE6EBB865F}"/>
               </a:ext>
             </a:extLst>
           </p:cNvPr>
@@ -9953,7 +9953,7 @@
           <p:cNvPr id="4" name="TextBox 3">
             <a:extLst>
               <a:ext uri="{FF2B5EF4-FFF2-40B4-BE49-F238E27FC236}">
-                <a16:creationId xmlns="" xmlns:a16="http://schemas.microsoft.com/office/drawing/2014/main" id="{5ADC00B6-990A-40DC-3CEA-505258F5E8DA}"/>
+                <a16:creationId xmlns:a16="http://schemas.microsoft.com/office/drawing/2014/main" id="{5ADC00B6-990A-40DC-3CEA-505258F5E8DA}"/>
               </a:ext>
             </a:extLst>
           </p:cNvPr>
@@ -10011,7 +10011,7 @@
           <p:cNvPr id="5" name="TextBox 4">
             <a:extLst>
               <a:ext uri="{FF2B5EF4-FFF2-40B4-BE49-F238E27FC236}">
-                <a16:creationId xmlns="" xmlns:a16="http://schemas.microsoft.com/office/drawing/2014/main" id="{A2AD056B-97A4-5BCC-4460-250160F3E171}"/>
+                <a16:creationId xmlns:a16="http://schemas.microsoft.com/office/drawing/2014/main" id="{A2AD056B-97A4-5BCC-4460-250160F3E171}"/>
               </a:ext>
             </a:extLst>
           </p:cNvPr>
@@ -10579,7 +10579,7 @@
           <p:cNvPr id="4" name="TextBox 3">
             <a:extLst>
               <a:ext uri="{FF2B5EF4-FFF2-40B4-BE49-F238E27FC236}">
-                <a16:creationId xmlns="" xmlns:a16="http://schemas.microsoft.com/office/drawing/2014/main" id="{A2AD056B-97A4-5BCC-4460-250160F3E171}"/>
+                <a16:creationId xmlns:a16="http://schemas.microsoft.com/office/drawing/2014/main" id="{A2AD056B-97A4-5BCC-4460-250160F3E171}"/>
               </a:ext>
             </a:extLst>
           </p:cNvPr>
@@ -11108,7 +11108,7 @@
           <p:cNvPr id="4" name="TextBox 3">
             <a:extLst>
               <a:ext uri="{FF2B5EF4-FFF2-40B4-BE49-F238E27FC236}">
-                <a16:creationId xmlns="" xmlns:a16="http://schemas.microsoft.com/office/drawing/2014/main" id="{A2AD056B-97A4-5BCC-4460-250160F3E171}"/>
+                <a16:creationId xmlns:a16="http://schemas.microsoft.com/office/drawing/2014/main" id="{A2AD056B-97A4-5BCC-4460-250160F3E171}"/>
               </a:ext>
             </a:extLst>
           </p:cNvPr>
@@ -11376,7 +11376,7 @@
           <p:cNvPr id="8" name="TextBox 7">
             <a:extLst>
               <a:ext uri="{FF2B5EF4-FFF2-40B4-BE49-F238E27FC236}">
-                <a16:creationId xmlns="" xmlns:a16="http://schemas.microsoft.com/office/drawing/2014/main" id="{C6D113C6-EA5C-788F-0C77-E7CE6EBB865F}"/>
+                <a16:creationId xmlns:a16="http://schemas.microsoft.com/office/drawing/2014/main" id="{C6D113C6-EA5C-788F-0C77-E7CE6EBB865F}"/>
               </a:ext>
             </a:extLst>
           </p:cNvPr>
@@ -11768,7 +11768,7 @@
           <p:cNvPr id="4" name="TextBox 3">
             <a:extLst>
               <a:ext uri="{FF2B5EF4-FFF2-40B4-BE49-F238E27FC236}">
-                <a16:creationId xmlns="" xmlns:a16="http://schemas.microsoft.com/office/drawing/2014/main" id="{A2AD056B-97A4-5BCC-4460-250160F3E171}"/>
+                <a16:creationId xmlns:a16="http://schemas.microsoft.com/office/drawing/2014/main" id="{A2AD056B-97A4-5BCC-4460-250160F3E171}"/>
               </a:ext>
             </a:extLst>
           </p:cNvPr>
@@ -12342,7 +12342,7 @@
           <p:cNvPr id="5" name="TextBox 4">
             <a:extLst>
               <a:ext uri="{FF2B5EF4-FFF2-40B4-BE49-F238E27FC236}">
-                <a16:creationId xmlns="" xmlns:a16="http://schemas.microsoft.com/office/drawing/2014/main" id="{DF7DDD33-9412-2802-339A-E55446AC2DA7}"/>
+                <a16:creationId xmlns:a16="http://schemas.microsoft.com/office/drawing/2014/main" id="{DF7DDD33-9412-2802-339A-E55446AC2DA7}"/>
               </a:ext>
             </a:extLst>
           </p:cNvPr>
@@ -12390,7 +12390,7 @@
           <p:cNvPr id="7" name="TextBox 6">
             <a:extLst>
               <a:ext uri="{FF2B5EF4-FFF2-40B4-BE49-F238E27FC236}">
-                <a16:creationId xmlns="" xmlns:a16="http://schemas.microsoft.com/office/drawing/2014/main" id="{DF7DDD33-9412-2802-339A-E55446AC2DA7}"/>
+                <a16:creationId xmlns:a16="http://schemas.microsoft.com/office/drawing/2014/main" id="{DF7DDD33-9412-2802-339A-E55446AC2DA7}"/>
               </a:ext>
             </a:extLst>
           </p:cNvPr>
@@ -12452,8 +12452,20 @@
                 <a:tableStyleId>{5C22544A-7EE6-4342-B048-85BDC9FD1C3A}</a:tableStyleId>
               </a:tblPr>
               <a:tblGrid>
-                <a:gridCol w="2688700"/>
-                <a:gridCol w="2721500"/>
+                <a:gridCol w="2688700">
+                  <a:extLst>
+                    <a:ext uri="{9D8B030D-6E8A-4147-A177-3AD203B41FA5}">
+                      <a16:colId xmlns:a16="http://schemas.microsoft.com/office/drawing/2014/main" val="20000"/>
+                    </a:ext>
+                  </a:extLst>
+                </a:gridCol>
+                <a:gridCol w="2721500">
+                  <a:extLst>
+                    <a:ext uri="{9D8B030D-6E8A-4147-A177-3AD203B41FA5}">
+                      <a16:colId xmlns:a16="http://schemas.microsoft.com/office/drawing/2014/main" val="20001"/>
+                    </a:ext>
+                  </a:extLst>
+                </a:gridCol>
               </a:tblGrid>
               <a:tr h="644236">
                 <a:tc>
@@ -12586,6 +12598,11 @@
                     </a:solidFill>
                   </a:tcPr>
                 </a:tc>
+                <a:extLst>
+                  <a:ext uri="{0D108BD9-81ED-4DB2-BD59-A6C34878D82A}">
+                    <a16:rowId xmlns:a16="http://schemas.microsoft.com/office/drawing/2014/main" val="10000"/>
+                  </a:ext>
+                </a:extLst>
               </a:tr>
               <a:tr h="644236">
                 <a:tc>
@@ -12706,6 +12723,11 @@
                     <a:noFill/>
                   </a:tcPr>
                 </a:tc>
+                <a:extLst>
+                  <a:ext uri="{0D108BD9-81ED-4DB2-BD59-A6C34878D82A}">
+                    <a16:rowId xmlns:a16="http://schemas.microsoft.com/office/drawing/2014/main" val="10001"/>
+                  </a:ext>
+                </a:extLst>
               </a:tr>
               <a:tr h="644236">
                 <a:tc>
@@ -12826,6 +12848,11 @@
                     <a:noFill/>
                   </a:tcPr>
                 </a:tc>
+                <a:extLst>
+                  <a:ext uri="{0D108BD9-81ED-4DB2-BD59-A6C34878D82A}">
+                    <a16:rowId xmlns:a16="http://schemas.microsoft.com/office/drawing/2014/main" val="10002"/>
+                  </a:ext>
+                </a:extLst>
               </a:tr>
               <a:tr h="644236">
                 <a:tc>
@@ -12930,6 +12957,11 @@
                     <a:noFill/>
                   </a:tcPr>
                 </a:tc>
+                <a:extLst>
+                  <a:ext uri="{0D108BD9-81ED-4DB2-BD59-A6C34878D82A}">
+                    <a16:rowId xmlns:a16="http://schemas.microsoft.com/office/drawing/2014/main" val="10003"/>
+                  </a:ext>
+                </a:extLst>
               </a:tr>
               <a:tr h="644236">
                 <a:tc>
@@ -13034,6 +13066,11 @@
                     <a:noFill/>
                   </a:tcPr>
                 </a:tc>
+                <a:extLst>
+                  <a:ext uri="{0D108BD9-81ED-4DB2-BD59-A6C34878D82A}">
+                    <a16:rowId xmlns:a16="http://schemas.microsoft.com/office/drawing/2014/main" val="10004"/>
+                  </a:ext>
+                </a:extLst>
               </a:tr>
               <a:tr h="644236">
                 <a:tc>
@@ -13138,6 +13175,11 @@
                     <a:noFill/>
                   </a:tcPr>
                 </a:tc>
+                <a:extLst>
+                  <a:ext uri="{0D108BD9-81ED-4DB2-BD59-A6C34878D82A}">
+                    <a16:rowId xmlns:a16="http://schemas.microsoft.com/office/drawing/2014/main" val="10005"/>
+                  </a:ext>
+                </a:extLst>
               </a:tr>
               <a:tr h="644236">
                 <a:tc>
@@ -13242,6 +13284,11 @@
                     <a:noFill/>
                   </a:tcPr>
                 </a:tc>
+                <a:extLst>
+                  <a:ext uri="{0D108BD9-81ED-4DB2-BD59-A6C34878D82A}">
+                    <a16:rowId xmlns:a16="http://schemas.microsoft.com/office/drawing/2014/main" val="10006"/>
+                  </a:ext>
+                </a:extLst>
               </a:tr>
               <a:tr h="644236">
                 <a:tc>
@@ -13346,6 +13393,11 @@
                     <a:noFill/>
                   </a:tcPr>
                 </a:tc>
+                <a:extLst>
+                  <a:ext uri="{0D108BD9-81ED-4DB2-BD59-A6C34878D82A}">
+                    <a16:rowId xmlns:a16="http://schemas.microsoft.com/office/drawing/2014/main" val="10007"/>
+                  </a:ext>
+                </a:extLst>
               </a:tr>
               <a:tr h="644236">
                 <a:tc>
@@ -13450,6 +13502,11 @@
                     <a:noFill/>
                   </a:tcPr>
                 </a:tc>
+                <a:extLst>
+                  <a:ext uri="{0D108BD9-81ED-4DB2-BD59-A6C34878D82A}">
+                    <a16:rowId xmlns:a16="http://schemas.microsoft.com/office/drawing/2014/main" val="10008"/>
+                  </a:ext>
+                </a:extLst>
               </a:tr>
               <a:tr h="644236">
                 <a:tc>
@@ -13570,6 +13627,11 @@
                     <a:noFill/>
                   </a:tcPr>
                 </a:tc>
+                <a:extLst>
+                  <a:ext uri="{0D108BD9-81ED-4DB2-BD59-A6C34878D82A}">
+                    <a16:rowId xmlns:a16="http://schemas.microsoft.com/office/drawing/2014/main" val="10009"/>
+                  </a:ext>
+                </a:extLst>
               </a:tr>
               <a:tr h="644236">
                 <a:tc>
@@ -13674,6 +13736,11 @@
                     <a:noFill/>
                   </a:tcPr>
                 </a:tc>
+                <a:extLst>
+                  <a:ext uri="{0D108BD9-81ED-4DB2-BD59-A6C34878D82A}">
+                    <a16:rowId xmlns:a16="http://schemas.microsoft.com/office/drawing/2014/main" val="10010"/>
+                  </a:ext>
+                </a:extLst>
               </a:tr>
             </a:tbl>
           </a:graphicData>
@@ -13684,7 +13751,7 @@
           <p:cNvPr id="11" name="TextBox 10">
             <a:extLst>
               <a:ext uri="{FF2B5EF4-FFF2-40B4-BE49-F238E27FC236}">
-                <a16:creationId xmlns="" xmlns:a16="http://schemas.microsoft.com/office/drawing/2014/main" id="{DF7DDD33-9412-2802-339A-E55446AC2DA7}"/>
+                <a16:creationId xmlns:a16="http://schemas.microsoft.com/office/drawing/2014/main" id="{DF7DDD33-9412-2802-339A-E55446AC2DA7}"/>
               </a:ext>
             </a:extLst>
           </p:cNvPr>
@@ -13742,7 +13809,7 @@
           <p:cNvPr id="12" name="TextBox 11">
             <a:extLst>
               <a:ext uri="{FF2B5EF4-FFF2-40B4-BE49-F238E27FC236}">
-                <a16:creationId xmlns="" xmlns:a16="http://schemas.microsoft.com/office/drawing/2014/main" id="{DF7DDD33-9412-2802-339A-E55446AC2DA7}"/>
+                <a16:creationId xmlns:a16="http://schemas.microsoft.com/office/drawing/2014/main" id="{DF7DDD33-9412-2802-339A-E55446AC2DA7}"/>
               </a:ext>
             </a:extLst>
           </p:cNvPr>
@@ -13790,7 +13857,7 @@
           <p:cNvPr id="13" name="TextBox 12">
             <a:extLst>
               <a:ext uri="{FF2B5EF4-FFF2-40B4-BE49-F238E27FC236}">
-                <a16:creationId xmlns="" xmlns:a16="http://schemas.microsoft.com/office/drawing/2014/main" id="{DF7DDD33-9412-2802-339A-E55446AC2DA7}"/>
+                <a16:creationId xmlns:a16="http://schemas.microsoft.com/office/drawing/2014/main" id="{DF7DDD33-9412-2802-339A-E55446AC2DA7}"/>
               </a:ext>
             </a:extLst>
           </p:cNvPr>
@@ -13838,7 +13905,7 @@
           <p:cNvPr id="14" name="TextBox 13">
             <a:extLst>
               <a:ext uri="{FF2B5EF4-FFF2-40B4-BE49-F238E27FC236}">
-                <a16:creationId xmlns="" xmlns:a16="http://schemas.microsoft.com/office/drawing/2014/main" id="{DF7DDD33-9412-2802-339A-E55446AC2DA7}"/>
+                <a16:creationId xmlns:a16="http://schemas.microsoft.com/office/drawing/2014/main" id="{DF7DDD33-9412-2802-339A-E55446AC2DA7}"/>
               </a:ext>
             </a:extLst>
           </p:cNvPr>
@@ -13896,7 +13963,7 @@
           <p:cNvPr id="15" name="TextBox 14">
             <a:extLst>
               <a:ext uri="{FF2B5EF4-FFF2-40B4-BE49-F238E27FC236}">
-                <a16:creationId xmlns="" xmlns:a16="http://schemas.microsoft.com/office/drawing/2014/main" id="{DF7DDD33-9412-2802-339A-E55446AC2DA7}"/>
+                <a16:creationId xmlns:a16="http://schemas.microsoft.com/office/drawing/2014/main" id="{DF7DDD33-9412-2802-339A-E55446AC2DA7}"/>
               </a:ext>
             </a:extLst>
           </p:cNvPr>
@@ -13944,7 +14011,7 @@
           <p:cNvPr id="16" name="TextBox 15">
             <a:extLst>
               <a:ext uri="{FF2B5EF4-FFF2-40B4-BE49-F238E27FC236}">
-                <a16:creationId xmlns="" xmlns:a16="http://schemas.microsoft.com/office/drawing/2014/main" id="{DF7DDD33-9412-2802-339A-E55446AC2DA7}"/>
+                <a16:creationId xmlns:a16="http://schemas.microsoft.com/office/drawing/2014/main" id="{DF7DDD33-9412-2802-339A-E55446AC2DA7}"/>
               </a:ext>
             </a:extLst>
           </p:cNvPr>
@@ -14002,7 +14069,7 @@
           <p:cNvPr id="17" name="TextBox 16">
             <a:extLst>
               <a:ext uri="{FF2B5EF4-FFF2-40B4-BE49-F238E27FC236}">
-                <a16:creationId xmlns="" xmlns:a16="http://schemas.microsoft.com/office/drawing/2014/main" id="{DF7DDD33-9412-2802-339A-E55446AC2DA7}"/>
+                <a16:creationId xmlns:a16="http://schemas.microsoft.com/office/drawing/2014/main" id="{DF7DDD33-9412-2802-339A-E55446AC2DA7}"/>
               </a:ext>
             </a:extLst>
           </p:cNvPr>
@@ -14050,7 +14117,7 @@
           <p:cNvPr id="18" name="TextBox 17">
             <a:extLst>
               <a:ext uri="{FF2B5EF4-FFF2-40B4-BE49-F238E27FC236}">
-                <a16:creationId xmlns="" xmlns:a16="http://schemas.microsoft.com/office/drawing/2014/main" id="{DF7DDD33-9412-2802-339A-E55446AC2DA7}"/>
+                <a16:creationId xmlns:a16="http://schemas.microsoft.com/office/drawing/2014/main" id="{DF7DDD33-9412-2802-339A-E55446AC2DA7}"/>
               </a:ext>
             </a:extLst>
           </p:cNvPr>
@@ -14108,7 +14175,7 @@
           <p:cNvPr id="19" name="TextBox 18">
             <a:extLst>
               <a:ext uri="{FF2B5EF4-FFF2-40B4-BE49-F238E27FC236}">
-                <a16:creationId xmlns="" xmlns:a16="http://schemas.microsoft.com/office/drawing/2014/main" id="{DF7DDD33-9412-2802-339A-E55446AC2DA7}"/>
+                <a16:creationId xmlns:a16="http://schemas.microsoft.com/office/drawing/2014/main" id="{DF7DDD33-9412-2802-339A-E55446AC2DA7}"/>
               </a:ext>
             </a:extLst>
           </p:cNvPr>
@@ -14156,7 +14223,7 @@
           <p:cNvPr id="20" name="TextBox 19">
             <a:extLst>
               <a:ext uri="{FF2B5EF4-FFF2-40B4-BE49-F238E27FC236}">
-                <a16:creationId xmlns="" xmlns:a16="http://schemas.microsoft.com/office/drawing/2014/main" id="{DF7DDD33-9412-2802-339A-E55446AC2DA7}"/>
+                <a16:creationId xmlns:a16="http://schemas.microsoft.com/office/drawing/2014/main" id="{DF7DDD33-9412-2802-339A-E55446AC2DA7}"/>
               </a:ext>
             </a:extLst>
           </p:cNvPr>
@@ -14228,8 +14295,20 @@
                 <a:tableStyleId>{5C22544A-7EE6-4342-B048-85BDC9FD1C3A}</a:tableStyleId>
               </a:tblPr>
               <a:tblGrid>
-                <a:gridCol w="2688700"/>
-                <a:gridCol w="2721500"/>
+                <a:gridCol w="2688700">
+                  <a:extLst>
+                    <a:ext uri="{9D8B030D-6E8A-4147-A177-3AD203B41FA5}">
+                      <a16:colId xmlns:a16="http://schemas.microsoft.com/office/drawing/2014/main" val="20000"/>
+                    </a:ext>
+                  </a:extLst>
+                </a:gridCol>
+                <a:gridCol w="2721500">
+                  <a:extLst>
+                    <a:ext uri="{9D8B030D-6E8A-4147-A177-3AD203B41FA5}">
+                      <a16:colId xmlns:a16="http://schemas.microsoft.com/office/drawing/2014/main" val="20001"/>
+                    </a:ext>
+                  </a:extLst>
+                </a:gridCol>
               </a:tblGrid>
               <a:tr h="644236">
                 <a:tc>
@@ -14362,6 +14441,11 @@
                     </a:solidFill>
                   </a:tcPr>
                 </a:tc>
+                <a:extLst>
+                  <a:ext uri="{0D108BD9-81ED-4DB2-BD59-A6C34878D82A}">
+                    <a16:rowId xmlns:a16="http://schemas.microsoft.com/office/drawing/2014/main" val="10000"/>
+                  </a:ext>
+                </a:extLst>
               </a:tr>
               <a:tr h="644236">
                 <a:tc>
@@ -14482,6 +14566,11 @@
                     <a:noFill/>
                   </a:tcPr>
                 </a:tc>
+                <a:extLst>
+                  <a:ext uri="{0D108BD9-81ED-4DB2-BD59-A6C34878D82A}">
+                    <a16:rowId xmlns:a16="http://schemas.microsoft.com/office/drawing/2014/main" val="10001"/>
+                  </a:ext>
+                </a:extLst>
               </a:tr>
               <a:tr h="644236">
                 <a:tc>
@@ -14602,6 +14691,11 @@
                     <a:noFill/>
                   </a:tcPr>
                 </a:tc>
+                <a:extLst>
+                  <a:ext uri="{0D108BD9-81ED-4DB2-BD59-A6C34878D82A}">
+                    <a16:rowId xmlns:a16="http://schemas.microsoft.com/office/drawing/2014/main" val="10002"/>
+                  </a:ext>
+                </a:extLst>
               </a:tr>
               <a:tr h="644236">
                 <a:tc>
@@ -14706,6 +14800,11 @@
                     <a:noFill/>
                   </a:tcPr>
                 </a:tc>
+                <a:extLst>
+                  <a:ext uri="{0D108BD9-81ED-4DB2-BD59-A6C34878D82A}">
+                    <a16:rowId xmlns:a16="http://schemas.microsoft.com/office/drawing/2014/main" val="10003"/>
+                  </a:ext>
+                </a:extLst>
               </a:tr>
               <a:tr h="644236">
                 <a:tc>
@@ -14810,6 +14909,11 @@
                     <a:noFill/>
                   </a:tcPr>
                 </a:tc>
+                <a:extLst>
+                  <a:ext uri="{0D108BD9-81ED-4DB2-BD59-A6C34878D82A}">
+                    <a16:rowId xmlns:a16="http://schemas.microsoft.com/office/drawing/2014/main" val="10004"/>
+                  </a:ext>
+                </a:extLst>
               </a:tr>
               <a:tr h="644236">
                 <a:tc>
@@ -14914,6 +15018,11 @@
                     <a:noFill/>
                   </a:tcPr>
                 </a:tc>
+                <a:extLst>
+                  <a:ext uri="{0D108BD9-81ED-4DB2-BD59-A6C34878D82A}">
+                    <a16:rowId xmlns:a16="http://schemas.microsoft.com/office/drawing/2014/main" val="10005"/>
+                  </a:ext>
+                </a:extLst>
               </a:tr>
               <a:tr h="644236">
                 <a:tc>
@@ -15018,6 +15127,11 @@
                     <a:noFill/>
                   </a:tcPr>
                 </a:tc>
+                <a:extLst>
+                  <a:ext uri="{0D108BD9-81ED-4DB2-BD59-A6C34878D82A}">
+                    <a16:rowId xmlns:a16="http://schemas.microsoft.com/office/drawing/2014/main" val="10006"/>
+                  </a:ext>
+                </a:extLst>
               </a:tr>
               <a:tr h="644236">
                 <a:tc>
@@ -15122,6 +15236,11 @@
                     <a:noFill/>
                   </a:tcPr>
                 </a:tc>
+                <a:extLst>
+                  <a:ext uri="{0D108BD9-81ED-4DB2-BD59-A6C34878D82A}">
+                    <a16:rowId xmlns:a16="http://schemas.microsoft.com/office/drawing/2014/main" val="10007"/>
+                  </a:ext>
+                </a:extLst>
               </a:tr>
               <a:tr h="644236">
                 <a:tc>
@@ -15226,6 +15345,11 @@
                     <a:noFill/>
                   </a:tcPr>
                 </a:tc>
+                <a:extLst>
+                  <a:ext uri="{0D108BD9-81ED-4DB2-BD59-A6C34878D82A}">
+                    <a16:rowId xmlns:a16="http://schemas.microsoft.com/office/drawing/2014/main" val="10008"/>
+                  </a:ext>
+                </a:extLst>
               </a:tr>
               <a:tr h="644236">
                 <a:tc>
@@ -15346,6 +15470,11 @@
                     <a:noFill/>
                   </a:tcPr>
                 </a:tc>
+                <a:extLst>
+                  <a:ext uri="{0D108BD9-81ED-4DB2-BD59-A6C34878D82A}">
+                    <a16:rowId xmlns:a16="http://schemas.microsoft.com/office/drawing/2014/main" val="10009"/>
+                  </a:ext>
+                </a:extLst>
               </a:tr>
               <a:tr h="644236">
                 <a:tc>
@@ -15450,6 +15579,11 @@
                     <a:noFill/>
                   </a:tcPr>
                 </a:tc>
+                <a:extLst>
+                  <a:ext uri="{0D108BD9-81ED-4DB2-BD59-A6C34878D82A}">
+                    <a16:rowId xmlns:a16="http://schemas.microsoft.com/office/drawing/2014/main" val="10010"/>
+                  </a:ext>
+                </a:extLst>
               </a:tr>
             </a:tbl>
           </a:graphicData>
@@ -15460,7 +15594,7 @@
           <p:cNvPr id="23" name="TextBox 22">
             <a:extLst>
               <a:ext uri="{FF2B5EF4-FFF2-40B4-BE49-F238E27FC236}">
-                <a16:creationId xmlns="" xmlns:a16="http://schemas.microsoft.com/office/drawing/2014/main" id="{DF7DDD33-9412-2802-339A-E55446AC2DA7}"/>
+                <a16:creationId xmlns:a16="http://schemas.microsoft.com/office/drawing/2014/main" id="{DF7DDD33-9412-2802-339A-E55446AC2DA7}"/>
               </a:ext>
             </a:extLst>
           </p:cNvPr>
@@ -15508,7 +15642,7 @@
           <p:cNvPr id="24" name="TextBox 23">
             <a:extLst>
               <a:ext uri="{FF2B5EF4-FFF2-40B4-BE49-F238E27FC236}">
-                <a16:creationId xmlns="" xmlns:a16="http://schemas.microsoft.com/office/drawing/2014/main" id="{DF7DDD33-9412-2802-339A-E55446AC2DA7}"/>
+                <a16:creationId xmlns:a16="http://schemas.microsoft.com/office/drawing/2014/main" id="{DF7DDD33-9412-2802-339A-E55446AC2DA7}"/>
               </a:ext>
             </a:extLst>
           </p:cNvPr>
@@ -15556,7 +15690,7 @@
           <p:cNvPr id="26" name="TextBox 25">
             <a:extLst>
               <a:ext uri="{FF2B5EF4-FFF2-40B4-BE49-F238E27FC236}">
-                <a16:creationId xmlns="" xmlns:a16="http://schemas.microsoft.com/office/drawing/2014/main" id="{DF7DDD33-9412-2802-339A-E55446AC2DA7}"/>
+                <a16:creationId xmlns:a16="http://schemas.microsoft.com/office/drawing/2014/main" id="{DF7DDD33-9412-2802-339A-E55446AC2DA7}"/>
               </a:ext>
             </a:extLst>
           </p:cNvPr>
@@ -15604,7 +15738,7 @@
           <p:cNvPr id="28" name="TextBox 27">
             <a:extLst>
               <a:ext uri="{FF2B5EF4-FFF2-40B4-BE49-F238E27FC236}">
-                <a16:creationId xmlns="" xmlns:a16="http://schemas.microsoft.com/office/drawing/2014/main" id="{DF7DDD33-9412-2802-339A-E55446AC2DA7}"/>
+                <a16:creationId xmlns:a16="http://schemas.microsoft.com/office/drawing/2014/main" id="{DF7DDD33-9412-2802-339A-E55446AC2DA7}"/>
               </a:ext>
             </a:extLst>
           </p:cNvPr>
@@ -15652,7 +15786,7 @@
           <p:cNvPr id="30" name="TextBox 29">
             <a:extLst>
               <a:ext uri="{FF2B5EF4-FFF2-40B4-BE49-F238E27FC236}">
-                <a16:creationId xmlns="" xmlns:a16="http://schemas.microsoft.com/office/drawing/2014/main" id="{DF7DDD33-9412-2802-339A-E55446AC2DA7}"/>
+                <a16:creationId xmlns:a16="http://schemas.microsoft.com/office/drawing/2014/main" id="{DF7DDD33-9412-2802-339A-E55446AC2DA7}"/>
               </a:ext>
             </a:extLst>
           </p:cNvPr>
@@ -16280,7 +16414,7 @@
           <p:cNvPr id="2" name="TextBox 1">
             <a:extLst>
               <a:ext uri="{FF2B5EF4-FFF2-40B4-BE49-F238E27FC236}">
-                <a16:creationId xmlns="" xmlns:a16="http://schemas.microsoft.com/office/drawing/2014/main" id="{8D19D88B-9541-32D7-90F1-0C45C993E21C}"/>
+                <a16:creationId xmlns:a16="http://schemas.microsoft.com/office/drawing/2014/main" id="{8D19D88B-9541-32D7-90F1-0C45C993E21C}"/>
               </a:ext>
             </a:extLst>
           </p:cNvPr>
@@ -16357,7 +16491,7 @@
       </p:grpSpPr>
       <p:pic>
         <p:nvPicPr>
-          <p:cNvPr id="4" name="그림 3"/>
+          <p:cNvPr id="3" name="그림 2"/>
           <p:cNvPicPr>
             <a:picLocks noChangeAspect="1"/>
           </p:cNvPicPr>
@@ -16371,8 +16505,8 @@
         </p:blipFill>
         <p:spPr>
           <a:xfrm>
-            <a:off x="975" y="952500"/>
-            <a:ext cx="10057425" cy="8686800"/>
+            <a:off x="228600" y="800100"/>
+            <a:ext cx="9633777" cy="7315200"/>
           </a:xfrm>
           <a:prstGeom prst="rect">
             <a:avLst/>
@@ -16384,7 +16518,7 @@
           <p:cNvPr id="5" name="직사각형 4">
             <a:extLst>
               <a:ext uri="{FF2B5EF4-FFF2-40B4-BE49-F238E27FC236}">
-                <a16:creationId xmlns="" xmlns:a16="http://schemas.microsoft.com/office/drawing/2014/main" id="{FFF506F9-840A-0508-4CAF-3AC711D8D5CE}"/>
+                <a16:creationId xmlns:a16="http://schemas.microsoft.com/office/drawing/2014/main" id="{FFF506F9-840A-0508-4CAF-3AC711D8D5CE}"/>
               </a:ext>
             </a:extLst>
           </p:cNvPr>
@@ -16393,8 +16527,8 @@
         </p:nvSpPr>
         <p:spPr>
           <a:xfrm>
-            <a:off x="1829775" y="3619500"/>
-            <a:ext cx="4343400" cy="1143000"/>
+            <a:off x="1676400" y="3162300"/>
+            <a:ext cx="4267200" cy="914400"/>
           </a:xfrm>
           <a:prstGeom prst="rect">
             <a:avLst/>
@@ -16460,7 +16594,7 @@
           <p:cNvPr id="7" name="직사각형 6">
             <a:extLst>
               <a:ext uri="{FF2B5EF4-FFF2-40B4-BE49-F238E27FC236}">
-                <a16:creationId xmlns="" xmlns:a16="http://schemas.microsoft.com/office/drawing/2014/main" id="{FFF506F9-840A-0508-4CAF-3AC711D8D5CE}"/>
+                <a16:creationId xmlns:a16="http://schemas.microsoft.com/office/drawing/2014/main" id="{FFF506F9-840A-0508-4CAF-3AC711D8D5CE}"/>
               </a:ext>
             </a:extLst>
           </p:cNvPr>
@@ -16493,6 +16627,49 @@
           </a:fillRef>
           <a:effectRef idx="0">
             <a:schemeClr val="accent2"/>
+          </a:effectRef>
+          <a:fontRef idx="minor">
+            <a:schemeClr val="lt1"/>
+          </a:fontRef>
+        </p:style>
+        <p:txBody>
+          <a:bodyPr rtlCol="0" anchor="ctr"/>
+          <a:lstStyle/>
+          <a:p>
+            <a:pPr algn="ctr"/>
+            <a:endParaRPr lang="ko-KR" altLang="en-US"/>
+          </a:p>
+        </p:txBody>
+      </p:sp>
+      <p:sp>
+        <p:nvSpPr>
+          <p:cNvPr id="8" name="직사각형 7"/>
+          <p:cNvSpPr/>
+          <p:nvPr/>
+        </p:nvSpPr>
+        <p:spPr>
+          <a:xfrm>
+            <a:off x="228600" y="419100"/>
+            <a:ext cx="17975056" cy="8763000"/>
+          </a:xfrm>
+          <a:prstGeom prst="rect">
+            <a:avLst/>
+          </a:prstGeom>
+          <a:solidFill>
+            <a:schemeClr val="bg1"/>
+          </a:solidFill>
+        </p:spPr>
+        <p:style>
+          <a:lnRef idx="2">
+            <a:schemeClr val="accent1">
+              <a:shade val="50000"/>
+            </a:schemeClr>
+          </a:lnRef>
+          <a:fillRef idx="1">
+            <a:schemeClr val="accent1"/>
+          </a:fillRef>
+          <a:effectRef idx="0">
+            <a:schemeClr val="accent1"/>
           </a:effectRef>
           <a:fontRef idx="minor">
             <a:schemeClr val="lt1"/>
@@ -16520,9 +16697,80 @@
   <p:timing>
     <p:tnLst>
       <p:par>
-        <p:cTn id="1" dur="indefinite" restart="never" nodeType="tmRoot"/>
+        <p:cTn id="1" dur="indefinite" restart="never" nodeType="tmRoot">
+          <p:childTnLst>
+            <p:seq concurrent="1" nextAc="seek">
+              <p:cTn id="2" dur="indefinite" nodeType="mainSeq">
+                <p:childTnLst>
+                  <p:par>
+                    <p:cTn id="3" fill="hold">
+                      <p:stCondLst>
+                        <p:cond delay="indefinite"/>
+                      </p:stCondLst>
+                      <p:childTnLst>
+                        <p:par>
+                          <p:cTn id="4" fill="hold">
+                            <p:stCondLst>
+                              <p:cond delay="0"/>
+                            </p:stCondLst>
+                            <p:childTnLst>
+                              <p:par>
+                                <p:cTn id="5" presetID="1" presetClass="exit" presetSubtype="0" fill="hold" grpId="0" nodeType="clickEffect">
+                                  <p:stCondLst>
+                                    <p:cond delay="0"/>
+                                  </p:stCondLst>
+                                  <p:childTnLst>
+                                    <p:set>
+                                      <p:cBhvr>
+                                        <p:cTn id="6" dur="1" fill="hold">
+                                          <p:stCondLst>
+                                            <p:cond delay="0"/>
+                                          </p:stCondLst>
+                                        </p:cTn>
+                                        <p:tgtEl>
+                                          <p:spTgt spid="8"/>
+                                        </p:tgtEl>
+                                        <p:attrNameLst>
+                                          <p:attrName>style.visibility</p:attrName>
+                                        </p:attrNameLst>
+                                      </p:cBhvr>
+                                      <p:to>
+                                        <p:strVal val="hidden"/>
+                                      </p:to>
+                                    </p:set>
+                                  </p:childTnLst>
+                                </p:cTn>
+                              </p:par>
+                            </p:childTnLst>
+                          </p:cTn>
+                        </p:par>
+                      </p:childTnLst>
+                    </p:cTn>
+                  </p:par>
+                </p:childTnLst>
+              </p:cTn>
+              <p:prevCondLst>
+                <p:cond evt="onPrev" delay="0">
+                  <p:tgtEl>
+                    <p:sldTgt/>
+                  </p:tgtEl>
+                </p:cond>
+              </p:prevCondLst>
+              <p:nextCondLst>
+                <p:cond evt="onNext" delay="0">
+                  <p:tgtEl>
+                    <p:sldTgt/>
+                  </p:tgtEl>
+                </p:cond>
+              </p:nextCondLst>
+            </p:seq>
+          </p:childTnLst>
+        </p:cTn>
       </p:par>
     </p:tnLst>
+    <p:bldLst>
+      <p:bldP spid="8" grpId="0" animBg="1"/>
+    </p:bldLst>
   </p:timing>
 </p:sld>
 </file>
@@ -16568,6 +16816,49 @@
           </a:prstGeom>
         </p:spPr>
       </p:pic>
+      <p:sp>
+        <p:nvSpPr>
+          <p:cNvPr id="3" name="직사각형 2"/>
+          <p:cNvSpPr/>
+          <p:nvPr/>
+        </p:nvSpPr>
+        <p:spPr>
+          <a:xfrm>
+            <a:off x="228600" y="419100"/>
+            <a:ext cx="17975056" cy="8763000"/>
+          </a:xfrm>
+          <a:prstGeom prst="rect">
+            <a:avLst/>
+          </a:prstGeom>
+          <a:solidFill>
+            <a:schemeClr val="bg1"/>
+          </a:solidFill>
+        </p:spPr>
+        <p:style>
+          <a:lnRef idx="2">
+            <a:schemeClr val="accent1">
+              <a:shade val="50000"/>
+            </a:schemeClr>
+          </a:lnRef>
+          <a:fillRef idx="1">
+            <a:schemeClr val="accent1"/>
+          </a:fillRef>
+          <a:effectRef idx="0">
+            <a:schemeClr val="accent1"/>
+          </a:effectRef>
+          <a:fontRef idx="minor">
+            <a:schemeClr val="lt1"/>
+          </a:fontRef>
+        </p:style>
+        <p:txBody>
+          <a:bodyPr rtlCol="0" anchor="ctr"/>
+          <a:lstStyle/>
+          <a:p>
+            <a:pPr algn="ctr"/>
+            <a:endParaRPr lang="ko-KR" altLang="en-US"/>
+          </a:p>
+        </p:txBody>
+      </p:sp>
     </p:spTree>
     <p:extLst>
       <p:ext uri="{BB962C8B-B14F-4D97-AF65-F5344CB8AC3E}">
@@ -16581,9 +16872,80 @@
   <p:timing>
     <p:tnLst>
       <p:par>
-        <p:cTn id="1" dur="indefinite" restart="never" nodeType="tmRoot"/>
+        <p:cTn id="1" dur="indefinite" restart="never" nodeType="tmRoot">
+          <p:childTnLst>
+            <p:seq concurrent="1" nextAc="seek">
+              <p:cTn id="2" dur="indefinite" nodeType="mainSeq">
+                <p:childTnLst>
+                  <p:par>
+                    <p:cTn id="3" fill="hold">
+                      <p:stCondLst>
+                        <p:cond delay="indefinite"/>
+                      </p:stCondLst>
+                      <p:childTnLst>
+                        <p:par>
+                          <p:cTn id="4" fill="hold">
+                            <p:stCondLst>
+                              <p:cond delay="0"/>
+                            </p:stCondLst>
+                            <p:childTnLst>
+                              <p:par>
+                                <p:cTn id="5" presetID="1" presetClass="exit" presetSubtype="0" fill="hold" grpId="0" nodeType="clickEffect">
+                                  <p:stCondLst>
+                                    <p:cond delay="0"/>
+                                  </p:stCondLst>
+                                  <p:childTnLst>
+                                    <p:set>
+                                      <p:cBhvr>
+                                        <p:cTn id="6" dur="1" fill="hold">
+                                          <p:stCondLst>
+                                            <p:cond delay="0"/>
+                                          </p:stCondLst>
+                                        </p:cTn>
+                                        <p:tgtEl>
+                                          <p:spTgt spid="3"/>
+                                        </p:tgtEl>
+                                        <p:attrNameLst>
+                                          <p:attrName>style.visibility</p:attrName>
+                                        </p:attrNameLst>
+                                      </p:cBhvr>
+                                      <p:to>
+                                        <p:strVal val="hidden"/>
+                                      </p:to>
+                                    </p:set>
+                                  </p:childTnLst>
+                                </p:cTn>
+                              </p:par>
+                            </p:childTnLst>
+                          </p:cTn>
+                        </p:par>
+                      </p:childTnLst>
+                    </p:cTn>
+                  </p:par>
+                </p:childTnLst>
+              </p:cTn>
+              <p:prevCondLst>
+                <p:cond evt="onPrev" delay="0">
+                  <p:tgtEl>
+                    <p:sldTgt/>
+                  </p:tgtEl>
+                </p:cond>
+              </p:prevCondLst>
+              <p:nextCondLst>
+                <p:cond evt="onNext" delay="0">
+                  <p:tgtEl>
+                    <p:sldTgt/>
+                  </p:tgtEl>
+                </p:cond>
+              </p:nextCondLst>
+            </p:seq>
+          </p:childTnLst>
+        </p:cTn>
       </p:par>
     </p:tnLst>
+    <p:bldLst>
+      <p:bldP spid="3" grpId="0" animBg="1"/>
+    </p:bldLst>
   </p:timing>
 </p:sld>
 </file>
@@ -16610,7 +16972,7 @@
           <p:cNvPr id="4" name="TextBox 3">
             <a:extLst>
               <a:ext uri="{FF2B5EF4-FFF2-40B4-BE49-F238E27FC236}">
-                <a16:creationId xmlns="" xmlns:a16="http://schemas.microsoft.com/office/drawing/2014/main" id="{DF7DDD33-9412-2802-339A-E55446AC2DA7}"/>
+                <a16:creationId xmlns:a16="http://schemas.microsoft.com/office/drawing/2014/main" id="{DF7DDD33-9412-2802-339A-E55446AC2DA7}"/>
               </a:ext>
             </a:extLst>
           </p:cNvPr>
@@ -16781,7 +17143,7 @@
           <p:cNvPr id="9" name="직선 화살표 연결선 8">
             <a:extLst>
               <a:ext uri="{FF2B5EF4-FFF2-40B4-BE49-F238E27FC236}">
-                <a16:creationId xmlns="" xmlns:a16="http://schemas.microsoft.com/office/drawing/2014/main" id="{299DF5EC-9DF4-5255-06AC-0A7CE4FF58C3}"/>
+                <a16:creationId xmlns:a16="http://schemas.microsoft.com/office/drawing/2014/main" id="{299DF5EC-9DF4-5255-06AC-0A7CE4FF58C3}"/>
               </a:ext>
             </a:extLst>
           </p:cNvPr>
@@ -16822,7 +17184,7 @@
           <p:cNvPr id="10" name="직사각형 9">
             <a:extLst>
               <a:ext uri="{FF2B5EF4-FFF2-40B4-BE49-F238E27FC236}">
-                <a16:creationId xmlns="" xmlns:a16="http://schemas.microsoft.com/office/drawing/2014/main" id="{FFF506F9-840A-0508-4CAF-3AC711D8D5CE}"/>
+                <a16:creationId xmlns:a16="http://schemas.microsoft.com/office/drawing/2014/main" id="{FFF506F9-840A-0508-4CAF-3AC711D8D5CE}"/>
               </a:ext>
             </a:extLst>
           </p:cNvPr>
@@ -16874,7 +17236,7 @@
           <p:cNvPr id="11" name="TextBox 10">
             <a:extLst>
               <a:ext uri="{FF2B5EF4-FFF2-40B4-BE49-F238E27FC236}">
-                <a16:creationId xmlns="" xmlns:a16="http://schemas.microsoft.com/office/drawing/2014/main" id="{C6D113C6-EA5C-788F-0C77-E7CE6EBB865F}"/>
+                <a16:creationId xmlns:a16="http://schemas.microsoft.com/office/drawing/2014/main" id="{C6D113C6-EA5C-788F-0C77-E7CE6EBB865F}"/>
               </a:ext>
             </a:extLst>
           </p:cNvPr>
@@ -16922,7 +17284,7 @@
           <p:cNvPr id="14" name="TextBox 13">
             <a:extLst>
               <a:ext uri="{FF2B5EF4-FFF2-40B4-BE49-F238E27FC236}">
-                <a16:creationId xmlns="" xmlns:a16="http://schemas.microsoft.com/office/drawing/2014/main" id="{C6D113C6-EA5C-788F-0C77-E7CE6EBB865F}"/>
+                <a16:creationId xmlns:a16="http://schemas.microsoft.com/office/drawing/2014/main" id="{C6D113C6-EA5C-788F-0C77-E7CE6EBB865F}"/>
               </a:ext>
             </a:extLst>
           </p:cNvPr>
@@ -16972,6 +17334,49 @@
               <a:latin typeface="G마켓 산스 Medium" panose="02000000000000000000" pitchFamily="50" charset="-127"/>
               <a:ea typeface="G마켓 산스 Medium" panose="02000000000000000000" pitchFamily="50" charset="-127"/>
             </a:endParaRPr>
+          </a:p>
+        </p:txBody>
+      </p:sp>
+      <p:sp>
+        <p:nvSpPr>
+          <p:cNvPr id="8" name="직사각형 7"/>
+          <p:cNvSpPr/>
+          <p:nvPr/>
+        </p:nvSpPr>
+        <p:spPr>
+          <a:xfrm>
+            <a:off x="228600" y="114300"/>
+            <a:ext cx="17975056" cy="9258300"/>
+          </a:xfrm>
+          <a:prstGeom prst="rect">
+            <a:avLst/>
+          </a:prstGeom>
+          <a:solidFill>
+            <a:schemeClr val="bg1"/>
+          </a:solidFill>
+        </p:spPr>
+        <p:style>
+          <a:lnRef idx="2">
+            <a:schemeClr val="accent1">
+              <a:shade val="50000"/>
+            </a:schemeClr>
+          </a:lnRef>
+          <a:fillRef idx="1">
+            <a:schemeClr val="accent1"/>
+          </a:fillRef>
+          <a:effectRef idx="0">
+            <a:schemeClr val="accent1"/>
+          </a:effectRef>
+          <a:fontRef idx="minor">
+            <a:schemeClr val="lt1"/>
+          </a:fontRef>
+        </p:style>
+        <p:txBody>
+          <a:bodyPr rtlCol="0" anchor="ctr"/>
+          <a:lstStyle/>
+          <a:p>
+            <a:pPr algn="ctr"/>
+            <a:endParaRPr lang="ko-KR" altLang="en-US"/>
           </a:p>
         </p:txBody>
       </p:sp>
@@ -17006,7 +17411,7 @@
                             </p:stCondLst>
                             <p:childTnLst>
                               <p:par>
-                                <p:cTn id="5" presetID="1" presetClass="entr" presetSubtype="0" fill="hold" grpId="0" nodeType="clickEffect">
+                                <p:cTn id="5" presetID="1" presetClass="exit" presetSubtype="0" fill="hold" grpId="0" nodeType="clickEffect">
                                   <p:stCondLst>
                                     <p:cond delay="0"/>
                                   </p:stCondLst>
@@ -17014,6 +17419,51 @@
                                     <p:set>
                                       <p:cBhvr>
                                         <p:cTn id="6" dur="1" fill="hold">
+                                          <p:stCondLst>
+                                            <p:cond delay="0"/>
+                                          </p:stCondLst>
+                                        </p:cTn>
+                                        <p:tgtEl>
+                                          <p:spTgt spid="8"/>
+                                        </p:tgtEl>
+                                        <p:attrNameLst>
+                                          <p:attrName>style.visibility</p:attrName>
+                                        </p:attrNameLst>
+                                      </p:cBhvr>
+                                      <p:to>
+                                        <p:strVal val="hidden"/>
+                                      </p:to>
+                                    </p:set>
+                                  </p:childTnLst>
+                                </p:cTn>
+                              </p:par>
+                            </p:childTnLst>
+                          </p:cTn>
+                        </p:par>
+                      </p:childTnLst>
+                    </p:cTn>
+                  </p:par>
+                  <p:par>
+                    <p:cTn id="7" fill="hold">
+                      <p:stCondLst>
+                        <p:cond delay="indefinite"/>
+                      </p:stCondLst>
+                      <p:childTnLst>
+                        <p:par>
+                          <p:cTn id="8" fill="hold">
+                            <p:stCondLst>
+                              <p:cond delay="0"/>
+                            </p:stCondLst>
+                            <p:childTnLst>
+                              <p:par>
+                                <p:cTn id="9" presetID="1" presetClass="entr" presetSubtype="0" fill="hold" grpId="0" nodeType="clickEffect">
+                                  <p:stCondLst>
+                                    <p:cond delay="0"/>
+                                  </p:stCondLst>
+                                  <p:childTnLst>
+                                    <p:set>
+                                      <p:cBhvr>
+                                        <p:cTn id="10" dur="1" fill="hold">
                                           <p:stCondLst>
                                             <p:cond delay="0"/>
                                           </p:stCondLst>
@@ -17033,14 +17483,14 @@
                                 </p:cTn>
                               </p:par>
                               <p:par>
-                                <p:cTn id="7" presetID="1" presetClass="entr" presetSubtype="0" fill="hold" nodeType="withEffect">
+                                <p:cTn id="11" presetID="1" presetClass="entr" presetSubtype="0" fill="hold" nodeType="withEffect">
                                   <p:stCondLst>
                                     <p:cond delay="0"/>
                                   </p:stCondLst>
                                   <p:childTnLst>
                                     <p:set>
                                       <p:cBhvr>
-                                        <p:cTn id="8" dur="1" fill="hold">
+                                        <p:cTn id="12" dur="1" fill="hold">
                                           <p:stCondLst>
                                             <p:cond delay="0"/>
                                           </p:stCondLst>
@@ -17060,14 +17510,14 @@
                                 </p:cTn>
                               </p:par>
                               <p:par>
-                                <p:cTn id="9" presetID="1" presetClass="entr" presetSubtype="0" fill="hold" grpId="0" nodeType="withEffect">
+                                <p:cTn id="13" presetID="1" presetClass="entr" presetSubtype="0" fill="hold" grpId="0" nodeType="withEffect">
                                   <p:stCondLst>
                                     <p:cond delay="0"/>
                                   </p:stCondLst>
                                   <p:childTnLst>
                                     <p:set>
                                       <p:cBhvr>
-                                        <p:cTn id="10" dur="1" fill="hold">
+                                        <p:cTn id="14" dur="1" fill="hold">
                                           <p:stCondLst>
                                             <p:cond delay="0"/>
                                           </p:stCondLst>
@@ -17087,14 +17537,14 @@
                                 </p:cTn>
                               </p:par>
                               <p:par>
-                                <p:cTn id="11" presetID="1" presetClass="entr" presetSubtype="0" fill="hold" grpId="0" nodeType="withEffect">
+                                <p:cTn id="15" presetID="1" presetClass="entr" presetSubtype="0" fill="hold" grpId="0" nodeType="withEffect">
                                   <p:stCondLst>
                                     <p:cond delay="0"/>
                                   </p:stCondLst>
                                   <p:childTnLst>
                                     <p:set>
                                       <p:cBhvr>
-                                        <p:cTn id="12" dur="1" fill="hold">
+                                        <p:cTn id="16" dur="1" fill="hold">
                                           <p:stCondLst>
                                             <p:cond delay="0"/>
                                           </p:stCondLst>
@@ -17144,6 +17594,7 @@
       <p:bldP spid="10" grpId="0" animBg="1"/>
       <p:bldP spid="11" grpId="0"/>
       <p:bldP spid="14" grpId="0"/>
+      <p:bldP spid="8" grpId="0" animBg="1"/>
     </p:bldLst>
   </p:timing>
 </p:sld>
@@ -17171,7 +17622,7 @@
           <p:cNvPr id="4" name="TextBox 3">
             <a:extLst>
               <a:ext uri="{FF2B5EF4-FFF2-40B4-BE49-F238E27FC236}">
-                <a16:creationId xmlns="" xmlns:a16="http://schemas.microsoft.com/office/drawing/2014/main" id="{DF7DDD33-9412-2802-339A-E55446AC2DA7}"/>
+                <a16:creationId xmlns:a16="http://schemas.microsoft.com/office/drawing/2014/main" id="{DF7DDD33-9412-2802-339A-E55446AC2DA7}"/>
               </a:ext>
             </a:extLst>
           </p:cNvPr>
@@ -17242,7 +17693,7 @@
           <p:cNvPr id="5" name="TextBox 4">
             <a:extLst>
               <a:ext uri="{FF2B5EF4-FFF2-40B4-BE49-F238E27FC236}">
-                <a16:creationId xmlns="" xmlns:a16="http://schemas.microsoft.com/office/drawing/2014/main" id="{DF7DDD33-9412-2802-339A-E55446AC2DA7}"/>
+                <a16:creationId xmlns:a16="http://schemas.microsoft.com/office/drawing/2014/main" id="{DF7DDD33-9412-2802-339A-E55446AC2DA7}"/>
               </a:ext>
             </a:extLst>
           </p:cNvPr>
@@ -17406,7 +17857,7 @@
           <p:cNvPr id="4" name="Object 1">
             <a:extLst>
               <a:ext uri="{FF2B5EF4-FFF2-40B4-BE49-F238E27FC236}">
-                <a16:creationId xmlns="" xmlns:a16="http://schemas.microsoft.com/office/drawing/2014/main" id="{B0329035-BE76-33A8-0F2E-44624FCC1DED}"/>
+                <a16:creationId xmlns:a16="http://schemas.microsoft.com/office/drawing/2014/main" id="{B0329035-BE76-33A8-0F2E-44624FCC1DED}"/>
               </a:ext>
             </a:extLst>
           </p:cNvPr>
@@ -17436,7 +17887,7 @@
           <p:cNvPr id="7" name="그룹 1001">
             <a:extLst>
               <a:ext uri="{FF2B5EF4-FFF2-40B4-BE49-F238E27FC236}">
-                <a16:creationId xmlns="" xmlns:a16="http://schemas.microsoft.com/office/drawing/2014/main" id="{CD24CE9D-AC18-B6CD-F397-7E8E03D6FE26}"/>
+                <a16:creationId xmlns:a16="http://schemas.microsoft.com/office/drawing/2014/main" id="{CD24CE9D-AC18-B6CD-F397-7E8E03D6FE26}"/>
               </a:ext>
             </a:extLst>
           </p:cNvPr>
@@ -17456,7 +17907,7 @@
             <p:cNvPr id="8" name="Object 5">
               <a:extLst>
                 <a:ext uri="{FF2B5EF4-FFF2-40B4-BE49-F238E27FC236}">
-                  <a16:creationId xmlns="" xmlns:a16="http://schemas.microsoft.com/office/drawing/2014/main" id="{0EEF25E8-3BA8-EBAA-6DC2-66D70C3F9F4D}"/>
+                  <a16:creationId xmlns:a16="http://schemas.microsoft.com/office/drawing/2014/main" id="{0EEF25E8-3BA8-EBAA-6DC2-66D70C3F9F4D}"/>
                 </a:ext>
               </a:extLst>
             </p:cNvPr>
@@ -17487,7 +17938,7 @@
           <p:cNvPr id="9" name="그룹 1002">
             <a:extLst>
               <a:ext uri="{FF2B5EF4-FFF2-40B4-BE49-F238E27FC236}">
-                <a16:creationId xmlns="" xmlns:a16="http://schemas.microsoft.com/office/drawing/2014/main" id="{0F281BC9-DE1F-D1FE-E64C-C4640398F00C}"/>
+                <a16:creationId xmlns:a16="http://schemas.microsoft.com/office/drawing/2014/main" id="{0F281BC9-DE1F-D1FE-E64C-C4640398F00C}"/>
               </a:ext>
             </a:extLst>
           </p:cNvPr>
@@ -17507,7 +17958,7 @@
             <p:cNvPr id="10" name="Object 8">
               <a:extLst>
                 <a:ext uri="{FF2B5EF4-FFF2-40B4-BE49-F238E27FC236}">
-                  <a16:creationId xmlns="" xmlns:a16="http://schemas.microsoft.com/office/drawing/2014/main" id="{F669DCEF-04BB-7046-3F7F-5B513213556E}"/>
+                  <a16:creationId xmlns:a16="http://schemas.microsoft.com/office/drawing/2014/main" id="{F669DCEF-04BB-7046-3F7F-5B513213556E}"/>
                 </a:ext>
               </a:extLst>
             </p:cNvPr>
@@ -17538,7 +17989,7 @@
           <p:cNvPr id="11" name="그룹 1003">
             <a:extLst>
               <a:ext uri="{FF2B5EF4-FFF2-40B4-BE49-F238E27FC236}">
-                <a16:creationId xmlns="" xmlns:a16="http://schemas.microsoft.com/office/drawing/2014/main" id="{1F91EEF9-13EA-BB7F-B056-D35E7DB989AC}"/>
+                <a16:creationId xmlns:a16="http://schemas.microsoft.com/office/drawing/2014/main" id="{1F91EEF9-13EA-BB7F-B056-D35E7DB989AC}"/>
               </a:ext>
             </a:extLst>
           </p:cNvPr>
@@ -17558,7 +18009,7 @@
             <p:cNvPr id="12" name="Object 11">
               <a:extLst>
                 <a:ext uri="{FF2B5EF4-FFF2-40B4-BE49-F238E27FC236}">
-                  <a16:creationId xmlns="" xmlns:a16="http://schemas.microsoft.com/office/drawing/2014/main" id="{2CFFB217-AEFB-2C9E-5F86-6EE19510FFC6}"/>
+                  <a16:creationId xmlns:a16="http://schemas.microsoft.com/office/drawing/2014/main" id="{2CFFB217-AEFB-2C9E-5F86-6EE19510FFC6}"/>
                 </a:ext>
               </a:extLst>
             </p:cNvPr>
@@ -17589,7 +18040,7 @@
           <p:cNvPr id="13" name="그룹 1004">
             <a:extLst>
               <a:ext uri="{FF2B5EF4-FFF2-40B4-BE49-F238E27FC236}">
-                <a16:creationId xmlns="" xmlns:a16="http://schemas.microsoft.com/office/drawing/2014/main" id="{123B9C7E-94E8-E7E1-81BE-D59EA0299187}"/>
+                <a16:creationId xmlns:a16="http://schemas.microsoft.com/office/drawing/2014/main" id="{123B9C7E-94E8-E7E1-81BE-D59EA0299187}"/>
               </a:ext>
             </a:extLst>
           </p:cNvPr>
@@ -17609,7 +18060,7 @@
             <p:cNvPr id="14" name="Object 14">
               <a:extLst>
                 <a:ext uri="{FF2B5EF4-FFF2-40B4-BE49-F238E27FC236}">
-                  <a16:creationId xmlns="" xmlns:a16="http://schemas.microsoft.com/office/drawing/2014/main" id="{B6291552-2D89-A79F-7ACD-EA0EF9A4C389}"/>
+                  <a16:creationId xmlns:a16="http://schemas.microsoft.com/office/drawing/2014/main" id="{B6291552-2D89-A79F-7ACD-EA0EF9A4C389}"/>
                 </a:ext>
               </a:extLst>
             </p:cNvPr>
@@ -17640,7 +18091,7 @@
           <p:cNvPr id="15" name="TextBox 14">
             <a:extLst>
               <a:ext uri="{FF2B5EF4-FFF2-40B4-BE49-F238E27FC236}">
-                <a16:creationId xmlns="" xmlns:a16="http://schemas.microsoft.com/office/drawing/2014/main" id="{7D99763A-FC24-23F5-5BA9-D7B042E0F323}"/>
+                <a16:creationId xmlns:a16="http://schemas.microsoft.com/office/drawing/2014/main" id="{7D99763A-FC24-23F5-5BA9-D7B042E0F323}"/>
               </a:ext>
             </a:extLst>
           </p:cNvPr>
@@ -17749,7 +18200,7 @@
           <p:cNvPr id="5" name="직선 화살표 연결선 4">
             <a:extLst>
               <a:ext uri="{FF2B5EF4-FFF2-40B4-BE49-F238E27FC236}">
-                <a16:creationId xmlns="" xmlns:a16="http://schemas.microsoft.com/office/drawing/2014/main" id="{299DF5EC-9DF4-5255-06AC-0A7CE4FF58C3}"/>
+                <a16:creationId xmlns:a16="http://schemas.microsoft.com/office/drawing/2014/main" id="{299DF5EC-9DF4-5255-06AC-0A7CE4FF58C3}"/>
               </a:ext>
             </a:extLst>
           </p:cNvPr>
@@ -17790,7 +18241,7 @@
           <p:cNvPr id="6" name="직사각형 5">
             <a:extLst>
               <a:ext uri="{FF2B5EF4-FFF2-40B4-BE49-F238E27FC236}">
-                <a16:creationId xmlns="" xmlns:a16="http://schemas.microsoft.com/office/drawing/2014/main" id="{FFF506F9-840A-0508-4CAF-3AC711D8D5CE}"/>
+                <a16:creationId xmlns:a16="http://schemas.microsoft.com/office/drawing/2014/main" id="{FFF506F9-840A-0508-4CAF-3AC711D8D5CE}"/>
               </a:ext>
             </a:extLst>
           </p:cNvPr>
@@ -17842,7 +18293,7 @@
           <p:cNvPr id="7" name="TextBox 6">
             <a:extLst>
               <a:ext uri="{FF2B5EF4-FFF2-40B4-BE49-F238E27FC236}">
-                <a16:creationId xmlns="" xmlns:a16="http://schemas.microsoft.com/office/drawing/2014/main" id="{C6D113C6-EA5C-788F-0C77-E7CE6EBB865F}"/>
+                <a16:creationId xmlns:a16="http://schemas.microsoft.com/office/drawing/2014/main" id="{C6D113C6-EA5C-788F-0C77-E7CE6EBB865F}"/>
               </a:ext>
             </a:extLst>
           </p:cNvPr>
@@ -17890,7 +18341,7 @@
           <p:cNvPr id="8" name="직선 화살표 연결선 7">
             <a:extLst>
               <a:ext uri="{FF2B5EF4-FFF2-40B4-BE49-F238E27FC236}">
-                <a16:creationId xmlns="" xmlns:a16="http://schemas.microsoft.com/office/drawing/2014/main" id="{299DF5EC-9DF4-5255-06AC-0A7CE4FF58C3}"/>
+                <a16:creationId xmlns:a16="http://schemas.microsoft.com/office/drawing/2014/main" id="{299DF5EC-9DF4-5255-06AC-0A7CE4FF58C3}"/>
               </a:ext>
             </a:extLst>
           </p:cNvPr>
@@ -17931,7 +18382,7 @@
           <p:cNvPr id="9" name="직사각형 8">
             <a:extLst>
               <a:ext uri="{FF2B5EF4-FFF2-40B4-BE49-F238E27FC236}">
-                <a16:creationId xmlns="" xmlns:a16="http://schemas.microsoft.com/office/drawing/2014/main" id="{FFF506F9-840A-0508-4CAF-3AC711D8D5CE}"/>
+                <a16:creationId xmlns:a16="http://schemas.microsoft.com/office/drawing/2014/main" id="{FFF506F9-840A-0508-4CAF-3AC711D8D5CE}"/>
               </a:ext>
             </a:extLst>
           </p:cNvPr>
@@ -17983,7 +18434,7 @@
           <p:cNvPr id="10" name="TextBox 9">
             <a:extLst>
               <a:ext uri="{FF2B5EF4-FFF2-40B4-BE49-F238E27FC236}">
-                <a16:creationId xmlns="" xmlns:a16="http://schemas.microsoft.com/office/drawing/2014/main" id="{C6D113C6-EA5C-788F-0C77-E7CE6EBB865F}"/>
+                <a16:creationId xmlns:a16="http://schemas.microsoft.com/office/drawing/2014/main" id="{C6D113C6-EA5C-788F-0C77-E7CE6EBB865F}"/>
               </a:ext>
             </a:extLst>
           </p:cNvPr>
@@ -18031,7 +18482,7 @@
           <p:cNvPr id="11" name="TextBox 10">
             <a:extLst>
               <a:ext uri="{FF2B5EF4-FFF2-40B4-BE49-F238E27FC236}">
-                <a16:creationId xmlns="" xmlns:a16="http://schemas.microsoft.com/office/drawing/2014/main" id="{C6D113C6-EA5C-788F-0C77-E7CE6EBB865F}"/>
+                <a16:creationId xmlns:a16="http://schemas.microsoft.com/office/drawing/2014/main" id="{C6D113C6-EA5C-788F-0C77-E7CE6EBB865F}"/>
               </a:ext>
             </a:extLst>
           </p:cNvPr>
@@ -18089,7 +18540,7 @@
           <p:cNvPr id="12" name="표 2">
             <a:extLst>
               <a:ext uri="{FF2B5EF4-FFF2-40B4-BE49-F238E27FC236}">
-                <a16:creationId xmlns="" xmlns:a16="http://schemas.microsoft.com/office/drawing/2014/main" id="{D2CC6F32-611A-E22D-EB8C-52D626A5B319}"/>
+                <a16:creationId xmlns:a16="http://schemas.microsoft.com/office/drawing/2014/main" id="{D2CC6F32-611A-E22D-EB8C-52D626A5B319}"/>
               </a:ext>
             </a:extLst>
           </p:cNvPr>
@@ -18118,14 +18569,14 @@
                 <a:gridCol w="1731833">
                   <a:extLst>
                     <a:ext uri="{9D8B030D-6E8A-4147-A177-3AD203B41FA5}">
-                      <a16:colId xmlns="" xmlns:a16="http://schemas.microsoft.com/office/drawing/2014/main" val="1960770391"/>
+                      <a16:colId xmlns:a16="http://schemas.microsoft.com/office/drawing/2014/main" val="1960770391"/>
                     </a:ext>
                   </a:extLst>
                 </a:gridCol>
                 <a:gridCol w="1752960">
                   <a:extLst>
                     <a:ext uri="{9D8B030D-6E8A-4147-A177-3AD203B41FA5}">
-                      <a16:colId xmlns="" xmlns:a16="http://schemas.microsoft.com/office/drawing/2014/main" val="733308553"/>
+                      <a16:colId xmlns:a16="http://schemas.microsoft.com/office/drawing/2014/main" val="733308553"/>
                     </a:ext>
                   </a:extLst>
                 </a:gridCol>
@@ -18263,7 +18714,7 @@
                 </a:tc>
                 <a:extLst>
                   <a:ext uri="{0D108BD9-81ED-4DB2-BD59-A6C34878D82A}">
-                    <a16:rowId xmlns="" xmlns:a16="http://schemas.microsoft.com/office/drawing/2014/main" val="2452905565"/>
+                    <a16:rowId xmlns:a16="http://schemas.microsoft.com/office/drawing/2014/main" val="2452905565"/>
                   </a:ext>
                 </a:extLst>
               </a:tr>
@@ -18400,7 +18851,7 @@
                 </a:tc>
                 <a:extLst>
                   <a:ext uri="{0D108BD9-81ED-4DB2-BD59-A6C34878D82A}">
-                    <a16:rowId xmlns="" xmlns:a16="http://schemas.microsoft.com/office/drawing/2014/main" val="3551452526"/>
+                    <a16:rowId xmlns:a16="http://schemas.microsoft.com/office/drawing/2014/main" val="3551452526"/>
                   </a:ext>
                 </a:extLst>
               </a:tr>
@@ -18521,7 +18972,7 @@
                 </a:tc>
                 <a:extLst>
                   <a:ext uri="{0D108BD9-81ED-4DB2-BD59-A6C34878D82A}">
-                    <a16:rowId xmlns="" xmlns:a16="http://schemas.microsoft.com/office/drawing/2014/main" val="3645064171"/>
+                    <a16:rowId xmlns:a16="http://schemas.microsoft.com/office/drawing/2014/main" val="3645064171"/>
                   </a:ext>
                 </a:extLst>
               </a:tr>
@@ -18642,7 +19093,7 @@
                 </a:tc>
                 <a:extLst>
                   <a:ext uri="{0D108BD9-81ED-4DB2-BD59-A6C34878D82A}">
-                    <a16:rowId xmlns="" xmlns:a16="http://schemas.microsoft.com/office/drawing/2014/main" val="2802120283"/>
+                    <a16:rowId xmlns:a16="http://schemas.microsoft.com/office/drawing/2014/main" val="2802120283"/>
                   </a:ext>
                 </a:extLst>
               </a:tr>
@@ -18763,7 +19214,7 @@
                 </a:tc>
                 <a:extLst>
                   <a:ext uri="{0D108BD9-81ED-4DB2-BD59-A6C34878D82A}">
-                    <a16:rowId xmlns="" xmlns:a16="http://schemas.microsoft.com/office/drawing/2014/main" val="1362299918"/>
+                    <a16:rowId xmlns:a16="http://schemas.microsoft.com/office/drawing/2014/main" val="1362299918"/>
                   </a:ext>
                 </a:extLst>
               </a:tr>
@@ -19203,7 +19654,7 @@
           <p:cNvPr id="60" name="TextBox 59">
             <a:extLst>
               <a:ext uri="{FF2B5EF4-FFF2-40B4-BE49-F238E27FC236}">
-                <a16:creationId xmlns="" xmlns:a16="http://schemas.microsoft.com/office/drawing/2014/main" id="{5ADC00B6-990A-40DC-3CEA-505258F5E8DA}"/>
+                <a16:creationId xmlns:a16="http://schemas.microsoft.com/office/drawing/2014/main" id="{5ADC00B6-990A-40DC-3CEA-505258F5E8DA}"/>
               </a:ext>
             </a:extLst>
           </p:cNvPr>
@@ -19251,7 +19702,7 @@
           <p:cNvPr id="61" name="TextBox 60">
             <a:extLst>
               <a:ext uri="{FF2B5EF4-FFF2-40B4-BE49-F238E27FC236}">
-                <a16:creationId xmlns="" xmlns:a16="http://schemas.microsoft.com/office/drawing/2014/main" id="{5ADC00B6-990A-40DC-3CEA-505258F5E8DA}"/>
+                <a16:creationId xmlns:a16="http://schemas.microsoft.com/office/drawing/2014/main" id="{5ADC00B6-990A-40DC-3CEA-505258F5E8DA}"/>
               </a:ext>
             </a:extLst>
           </p:cNvPr>
@@ -19299,7 +19750,7 @@
           <p:cNvPr id="62" name="TextBox 61">
             <a:extLst>
               <a:ext uri="{FF2B5EF4-FFF2-40B4-BE49-F238E27FC236}">
-                <a16:creationId xmlns="" xmlns:a16="http://schemas.microsoft.com/office/drawing/2014/main" id="{5ADC00B6-990A-40DC-3CEA-505258F5E8DA}"/>
+                <a16:creationId xmlns:a16="http://schemas.microsoft.com/office/drawing/2014/main" id="{5ADC00B6-990A-40DC-3CEA-505258F5E8DA}"/>
               </a:ext>
             </a:extLst>
           </p:cNvPr>
@@ -19347,7 +19798,7 @@
           <p:cNvPr id="19" name="TextBox 18">
             <a:extLst>
               <a:ext uri="{FF2B5EF4-FFF2-40B4-BE49-F238E27FC236}">
-                <a16:creationId xmlns="" xmlns:a16="http://schemas.microsoft.com/office/drawing/2014/main" id="{5ADC00B6-990A-40DC-3CEA-505258F5E8DA}"/>
+                <a16:creationId xmlns:a16="http://schemas.microsoft.com/office/drawing/2014/main" id="{5ADC00B6-990A-40DC-3CEA-505258F5E8DA}"/>
               </a:ext>
             </a:extLst>
           </p:cNvPr>
@@ -19452,7 +19903,7 @@
           <p:cNvPr id="4" name="TextBox 3">
             <a:extLst>
               <a:ext uri="{FF2B5EF4-FFF2-40B4-BE49-F238E27FC236}">
-                <a16:creationId xmlns="" xmlns:a16="http://schemas.microsoft.com/office/drawing/2014/main" id="{5ADC00B6-990A-40DC-3CEA-505258F5E8DA}"/>
+                <a16:creationId xmlns:a16="http://schemas.microsoft.com/office/drawing/2014/main" id="{5ADC00B6-990A-40DC-3CEA-505258F5E8DA}"/>
               </a:ext>
             </a:extLst>
           </p:cNvPr>
@@ -19524,7 +19975,7 @@
           <p:cNvPr id="6" name="TextBox 5">
             <a:extLst>
               <a:ext uri="{FF2B5EF4-FFF2-40B4-BE49-F238E27FC236}">
-                <a16:creationId xmlns="" xmlns:a16="http://schemas.microsoft.com/office/drawing/2014/main" id="{5ADC00B6-990A-40DC-3CEA-505258F5E8DA}"/>
+                <a16:creationId xmlns:a16="http://schemas.microsoft.com/office/drawing/2014/main" id="{5ADC00B6-990A-40DC-3CEA-505258F5E8DA}"/>
               </a:ext>
             </a:extLst>
           </p:cNvPr>
@@ -19714,7 +20165,7 @@
           <p:cNvPr id="4" name="TextBox 3">
             <a:extLst>
               <a:ext uri="{FF2B5EF4-FFF2-40B4-BE49-F238E27FC236}">
-                <a16:creationId xmlns="" xmlns:a16="http://schemas.microsoft.com/office/drawing/2014/main" id="{5ADC00B6-990A-40DC-3CEA-505258F5E8DA}"/>
+                <a16:creationId xmlns:a16="http://schemas.microsoft.com/office/drawing/2014/main" id="{5ADC00B6-990A-40DC-3CEA-505258F5E8DA}"/>
               </a:ext>
             </a:extLst>
           </p:cNvPr>
@@ -19786,7 +20237,7 @@
           <p:cNvPr id="8" name="직사각형 7">
             <a:extLst>
               <a:ext uri="{FF2B5EF4-FFF2-40B4-BE49-F238E27FC236}">
-                <a16:creationId xmlns="" xmlns:a16="http://schemas.microsoft.com/office/drawing/2014/main" id="{FFF506F9-840A-0508-4CAF-3AC711D8D5CE}"/>
+                <a16:creationId xmlns:a16="http://schemas.microsoft.com/office/drawing/2014/main" id="{FFF506F9-840A-0508-4CAF-3AC711D8D5CE}"/>
               </a:ext>
             </a:extLst>
           </p:cNvPr>
@@ -19838,7 +20289,7 @@
           <p:cNvPr id="9" name="직사각형 8">
             <a:extLst>
               <a:ext uri="{FF2B5EF4-FFF2-40B4-BE49-F238E27FC236}">
-                <a16:creationId xmlns="" xmlns:a16="http://schemas.microsoft.com/office/drawing/2014/main" id="{FFF506F9-840A-0508-4CAF-3AC711D8D5CE}"/>
+                <a16:creationId xmlns:a16="http://schemas.microsoft.com/office/drawing/2014/main" id="{FFF506F9-840A-0508-4CAF-3AC711D8D5CE}"/>
               </a:ext>
             </a:extLst>
           </p:cNvPr>
@@ -19890,7 +20341,7 @@
           <p:cNvPr id="10" name="직사각형 9">
             <a:extLst>
               <a:ext uri="{FF2B5EF4-FFF2-40B4-BE49-F238E27FC236}">
-                <a16:creationId xmlns="" xmlns:a16="http://schemas.microsoft.com/office/drawing/2014/main" id="{FFF506F9-840A-0508-4CAF-3AC711D8D5CE}"/>
+                <a16:creationId xmlns:a16="http://schemas.microsoft.com/office/drawing/2014/main" id="{FFF506F9-840A-0508-4CAF-3AC711D8D5CE}"/>
               </a:ext>
             </a:extLst>
           </p:cNvPr>
@@ -19942,7 +20393,7 @@
           <p:cNvPr id="12" name="그룹 1008">
             <a:extLst>
               <a:ext uri="{FF2B5EF4-FFF2-40B4-BE49-F238E27FC236}">
-                <a16:creationId xmlns="" xmlns:a16="http://schemas.microsoft.com/office/drawing/2014/main" id="{678F6342-C505-E8AD-ADA4-022CB2C2088E}"/>
+                <a16:creationId xmlns:a16="http://schemas.microsoft.com/office/drawing/2014/main" id="{678F6342-C505-E8AD-ADA4-022CB2C2088E}"/>
               </a:ext>
             </a:extLst>
           </p:cNvPr>
@@ -19962,7 +20413,7 @@
             <p:cNvPr id="13" name="그룹 1009">
               <a:extLst>
                 <a:ext uri="{FF2B5EF4-FFF2-40B4-BE49-F238E27FC236}">
-                  <a16:creationId xmlns="" xmlns:a16="http://schemas.microsoft.com/office/drawing/2014/main" id="{4E1F1FED-812B-9BBB-925A-84B54A077414}"/>
+                  <a16:creationId xmlns:a16="http://schemas.microsoft.com/office/drawing/2014/main" id="{4E1F1FED-812B-9BBB-925A-84B54A077414}"/>
                 </a:ext>
               </a:extLst>
             </p:cNvPr>
@@ -19982,7 +20433,7 @@
               <p:cNvPr id="18" name="Object 29">
                 <a:extLst>
                   <a:ext uri="{FF2B5EF4-FFF2-40B4-BE49-F238E27FC236}">
-                    <a16:creationId xmlns="" xmlns:a16="http://schemas.microsoft.com/office/drawing/2014/main" id="{7B078609-4286-7B00-51EB-809C8E2DE289}"/>
+                    <a16:creationId xmlns:a16="http://schemas.microsoft.com/office/drawing/2014/main" id="{7B078609-4286-7B00-51EB-809C8E2DE289}"/>
                   </a:ext>
                 </a:extLst>
               </p:cNvPr>
@@ -20013,7 +20464,7 @@
             <p:cNvPr id="14" name="그룹 1010">
               <a:extLst>
                 <a:ext uri="{FF2B5EF4-FFF2-40B4-BE49-F238E27FC236}">
-                  <a16:creationId xmlns="" xmlns:a16="http://schemas.microsoft.com/office/drawing/2014/main" id="{02A649BF-B5B5-FBAF-7DFD-E118A4DF8907}"/>
+                  <a16:creationId xmlns:a16="http://schemas.microsoft.com/office/drawing/2014/main" id="{02A649BF-B5B5-FBAF-7DFD-E118A4DF8907}"/>
                 </a:ext>
               </a:extLst>
             </p:cNvPr>
@@ -20033,7 +20484,7 @@
               <p:cNvPr id="17" name="Object 32">
                 <a:extLst>
                   <a:ext uri="{FF2B5EF4-FFF2-40B4-BE49-F238E27FC236}">
-                    <a16:creationId xmlns="" xmlns:a16="http://schemas.microsoft.com/office/drawing/2014/main" id="{2A0FFF23-B3C9-3EA0-1C1B-A87D4FF098AE}"/>
+                    <a16:creationId xmlns:a16="http://schemas.microsoft.com/office/drawing/2014/main" id="{2A0FFF23-B3C9-3EA0-1C1B-A87D4FF098AE}"/>
                   </a:ext>
                 </a:extLst>
               </p:cNvPr>
@@ -20064,7 +20515,7 @@
             <p:cNvPr id="15" name="그룹 1011">
               <a:extLst>
                 <a:ext uri="{FF2B5EF4-FFF2-40B4-BE49-F238E27FC236}">
-                  <a16:creationId xmlns="" xmlns:a16="http://schemas.microsoft.com/office/drawing/2014/main" id="{881F5410-F7FB-F261-A584-707359BAC593}"/>
+                  <a16:creationId xmlns:a16="http://schemas.microsoft.com/office/drawing/2014/main" id="{881F5410-F7FB-F261-A584-707359BAC593}"/>
                 </a:ext>
               </a:extLst>
             </p:cNvPr>
@@ -20084,7 +20535,7 @@
               <p:cNvPr id="16" name="Object 35">
                 <a:extLst>
                   <a:ext uri="{FF2B5EF4-FFF2-40B4-BE49-F238E27FC236}">
-                    <a16:creationId xmlns="" xmlns:a16="http://schemas.microsoft.com/office/drawing/2014/main" id="{4E99E669-73EB-F9F4-EFE8-DC107035C265}"/>
+                    <a16:creationId xmlns:a16="http://schemas.microsoft.com/office/drawing/2014/main" id="{4E99E669-73EB-F9F4-EFE8-DC107035C265}"/>
                   </a:ext>
                 </a:extLst>
               </p:cNvPr>
@@ -20116,7 +20567,7 @@
           <p:cNvPr id="19" name="직사각형 18">
             <a:extLst>
               <a:ext uri="{FF2B5EF4-FFF2-40B4-BE49-F238E27FC236}">
-                <a16:creationId xmlns="" xmlns:a16="http://schemas.microsoft.com/office/drawing/2014/main" id="{FFF506F9-840A-0508-4CAF-3AC711D8D5CE}"/>
+                <a16:creationId xmlns:a16="http://schemas.microsoft.com/office/drawing/2014/main" id="{FFF506F9-840A-0508-4CAF-3AC711D8D5CE}"/>
               </a:ext>
             </a:extLst>
           </p:cNvPr>
@@ -20414,7 +20865,7 @@
           <p:cNvPr id="4" name="TextBox 3">
             <a:extLst>
               <a:ext uri="{FF2B5EF4-FFF2-40B4-BE49-F238E27FC236}">
-                <a16:creationId xmlns="" xmlns:a16="http://schemas.microsoft.com/office/drawing/2014/main" id="{5ADC00B6-990A-40DC-3CEA-505258F5E8DA}"/>
+                <a16:creationId xmlns:a16="http://schemas.microsoft.com/office/drawing/2014/main" id="{5ADC00B6-990A-40DC-3CEA-505258F5E8DA}"/>
               </a:ext>
             </a:extLst>
           </p:cNvPr>
@@ -20526,7 +20977,7 @@
           <p:cNvPr id="5" name="TextBox 4">
             <a:extLst>
               <a:ext uri="{FF2B5EF4-FFF2-40B4-BE49-F238E27FC236}">
-                <a16:creationId xmlns="" xmlns:a16="http://schemas.microsoft.com/office/drawing/2014/main" id="{5ADC00B6-990A-40DC-3CEA-505258F5E8DA}"/>
+                <a16:creationId xmlns:a16="http://schemas.microsoft.com/office/drawing/2014/main" id="{5ADC00B6-990A-40DC-3CEA-505258F5E8DA}"/>
               </a:ext>
             </a:extLst>
           </p:cNvPr>
@@ -20580,7 +21031,7 @@
           <p:cNvPr id="6" name="TextBox 5">
             <a:extLst>
               <a:ext uri="{FF2B5EF4-FFF2-40B4-BE49-F238E27FC236}">
-                <a16:creationId xmlns="" xmlns:a16="http://schemas.microsoft.com/office/drawing/2014/main" id="{5ADC00B6-990A-40DC-3CEA-505258F5E8DA}"/>
+                <a16:creationId xmlns:a16="http://schemas.microsoft.com/office/drawing/2014/main" id="{5ADC00B6-990A-40DC-3CEA-505258F5E8DA}"/>
               </a:ext>
             </a:extLst>
           </p:cNvPr>
@@ -20628,7 +21079,7 @@
           <p:cNvPr id="7" name="TextBox 6">
             <a:extLst>
               <a:ext uri="{FF2B5EF4-FFF2-40B4-BE49-F238E27FC236}">
-                <a16:creationId xmlns="" xmlns:a16="http://schemas.microsoft.com/office/drawing/2014/main" id="{5ADC00B6-990A-40DC-3CEA-505258F5E8DA}"/>
+                <a16:creationId xmlns:a16="http://schemas.microsoft.com/office/drawing/2014/main" id="{5ADC00B6-990A-40DC-3CEA-505258F5E8DA}"/>
               </a:ext>
             </a:extLst>
           </p:cNvPr>
@@ -20874,7 +21325,7 @@
           <p:cNvPr id="4" name="TextBox 3">
             <a:extLst>
               <a:ext uri="{FF2B5EF4-FFF2-40B4-BE49-F238E27FC236}">
-                <a16:creationId xmlns="" xmlns:a16="http://schemas.microsoft.com/office/drawing/2014/main" id="{DF7DDD33-9412-2802-339A-E55446AC2DA7}"/>
+                <a16:creationId xmlns:a16="http://schemas.microsoft.com/office/drawing/2014/main" id="{DF7DDD33-9412-2802-339A-E55446AC2DA7}"/>
               </a:ext>
             </a:extLst>
           </p:cNvPr>
@@ -20915,7 +21366,7 @@
           <p:cNvPr id="3" name="TextBox 2">
             <a:extLst>
               <a:ext uri="{FF2B5EF4-FFF2-40B4-BE49-F238E27FC236}">
-                <a16:creationId xmlns="" xmlns:a16="http://schemas.microsoft.com/office/drawing/2014/main" id="{A2AD056B-97A4-5BCC-4460-250160F3E171}"/>
+                <a16:creationId xmlns:a16="http://schemas.microsoft.com/office/drawing/2014/main" id="{A2AD056B-97A4-5BCC-4460-250160F3E171}"/>
               </a:ext>
             </a:extLst>
           </p:cNvPr>
@@ -21217,7 +21668,7 @@
           <p:cNvPr id="6" name="직사각형 5">
             <a:extLst>
               <a:ext uri="{FF2B5EF4-FFF2-40B4-BE49-F238E27FC236}">
-                <a16:creationId xmlns="" xmlns:a16="http://schemas.microsoft.com/office/drawing/2014/main" id="{FFF506F9-840A-0508-4CAF-3AC711D8D5CE}"/>
+                <a16:creationId xmlns:a16="http://schemas.microsoft.com/office/drawing/2014/main" id="{FFF506F9-840A-0508-4CAF-3AC711D8D5CE}"/>
               </a:ext>
             </a:extLst>
           </p:cNvPr>
@@ -21330,7 +21781,7 @@
           <p:cNvPr id="5" name="직선 화살표 연결선 4">
             <a:extLst>
               <a:ext uri="{FF2B5EF4-FFF2-40B4-BE49-F238E27FC236}">
-                <a16:creationId xmlns="" xmlns:a16="http://schemas.microsoft.com/office/drawing/2014/main" id="{299DF5EC-9DF4-5255-06AC-0A7CE4FF58C3}"/>
+                <a16:creationId xmlns:a16="http://schemas.microsoft.com/office/drawing/2014/main" id="{299DF5EC-9DF4-5255-06AC-0A7CE4FF58C3}"/>
               </a:ext>
             </a:extLst>
           </p:cNvPr>
@@ -21371,7 +21822,7 @@
           <p:cNvPr id="6" name="직사각형 5">
             <a:extLst>
               <a:ext uri="{FF2B5EF4-FFF2-40B4-BE49-F238E27FC236}">
-                <a16:creationId xmlns="" xmlns:a16="http://schemas.microsoft.com/office/drawing/2014/main" id="{FFF506F9-840A-0508-4CAF-3AC711D8D5CE}"/>
+                <a16:creationId xmlns:a16="http://schemas.microsoft.com/office/drawing/2014/main" id="{FFF506F9-840A-0508-4CAF-3AC711D8D5CE}"/>
               </a:ext>
             </a:extLst>
           </p:cNvPr>
@@ -21423,7 +21874,7 @@
           <p:cNvPr id="7" name="TextBox 6">
             <a:extLst>
               <a:ext uri="{FF2B5EF4-FFF2-40B4-BE49-F238E27FC236}">
-                <a16:creationId xmlns="" xmlns:a16="http://schemas.microsoft.com/office/drawing/2014/main" id="{C6D113C6-EA5C-788F-0C77-E7CE6EBB865F}"/>
+                <a16:creationId xmlns:a16="http://schemas.microsoft.com/office/drawing/2014/main" id="{C6D113C6-EA5C-788F-0C77-E7CE6EBB865F}"/>
               </a:ext>
             </a:extLst>
           </p:cNvPr>
@@ -21682,7 +22133,7 @@
           <p:cNvPr id="2" name="TextBox 1">
             <a:extLst>
               <a:ext uri="{FF2B5EF4-FFF2-40B4-BE49-F238E27FC236}">
-                <a16:creationId xmlns="" xmlns:a16="http://schemas.microsoft.com/office/drawing/2014/main" id="{76F36AE5-79B5-0B9F-E510-1C27AAC4B649}"/>
+                <a16:creationId xmlns:a16="http://schemas.microsoft.com/office/drawing/2014/main" id="{76F36AE5-79B5-0B9F-E510-1C27AAC4B649}"/>
               </a:ext>
             </a:extLst>
           </p:cNvPr>
@@ -21791,7 +22242,7 @@
           <p:cNvPr id="5" name="TextBox 4">
             <a:extLst>
               <a:ext uri="{FF2B5EF4-FFF2-40B4-BE49-F238E27FC236}">
-                <a16:creationId xmlns="" xmlns:a16="http://schemas.microsoft.com/office/drawing/2014/main" id="{5ADC00B6-990A-40DC-3CEA-505258F5E8DA}"/>
+                <a16:creationId xmlns:a16="http://schemas.microsoft.com/office/drawing/2014/main" id="{5ADC00B6-990A-40DC-3CEA-505258F5E8DA}"/>
               </a:ext>
             </a:extLst>
           </p:cNvPr>
@@ -21849,7 +22300,7 @@
           <p:cNvPr id="6" name="TextBox 5">
             <a:extLst>
               <a:ext uri="{FF2B5EF4-FFF2-40B4-BE49-F238E27FC236}">
-                <a16:creationId xmlns="" xmlns:a16="http://schemas.microsoft.com/office/drawing/2014/main" id="{A2AD056B-97A4-5BCC-4460-250160F3E171}"/>
+                <a16:creationId xmlns:a16="http://schemas.microsoft.com/office/drawing/2014/main" id="{A2AD056B-97A4-5BCC-4460-250160F3E171}"/>
               </a:ext>
             </a:extLst>
           </p:cNvPr>
@@ -22496,7 +22947,7 @@
           <p:cNvPr id="2" name="TextBox 1">
             <a:extLst>
               <a:ext uri="{FF2B5EF4-FFF2-40B4-BE49-F238E27FC236}">
-                <a16:creationId xmlns="" xmlns:a16="http://schemas.microsoft.com/office/drawing/2014/main" id="{715D88A2-BD52-978B-A00A-540446126E3D}"/>
+                <a16:creationId xmlns:a16="http://schemas.microsoft.com/office/drawing/2014/main" id="{715D88A2-BD52-978B-A00A-540446126E3D}"/>
               </a:ext>
             </a:extLst>
           </p:cNvPr>
@@ -22576,7 +23027,7 @@
           <p:cNvPr id="4" name="TextBox 3">
             <a:extLst>
               <a:ext uri="{FF2B5EF4-FFF2-40B4-BE49-F238E27FC236}">
-                <a16:creationId xmlns="" xmlns:a16="http://schemas.microsoft.com/office/drawing/2014/main" id="{DF7DDD33-9412-2802-339A-E55446AC2DA7}"/>
+                <a16:creationId xmlns:a16="http://schemas.microsoft.com/office/drawing/2014/main" id="{DF7DDD33-9412-2802-339A-E55446AC2DA7}"/>
               </a:ext>
             </a:extLst>
           </p:cNvPr>
@@ -22672,7 +23123,7 @@
           <p:cNvPr id="6" name="직사각형 5">
             <a:extLst>
               <a:ext uri="{FF2B5EF4-FFF2-40B4-BE49-F238E27FC236}">
-                <a16:creationId xmlns="" xmlns:a16="http://schemas.microsoft.com/office/drawing/2014/main" id="{FFF506F9-840A-0508-4CAF-3AC711D8D5CE}"/>
+                <a16:creationId xmlns:a16="http://schemas.microsoft.com/office/drawing/2014/main" id="{FFF506F9-840A-0508-4CAF-3AC711D8D5CE}"/>
               </a:ext>
             </a:extLst>
           </p:cNvPr>
@@ -22724,7 +23175,7 @@
           <p:cNvPr id="9" name="그룹 1008">
             <a:extLst>
               <a:ext uri="{FF2B5EF4-FFF2-40B4-BE49-F238E27FC236}">
-                <a16:creationId xmlns="" xmlns:a16="http://schemas.microsoft.com/office/drawing/2014/main" id="{E395BDE3-2EDE-065D-70E8-56E348228ACF}"/>
+                <a16:creationId xmlns:a16="http://schemas.microsoft.com/office/drawing/2014/main" id="{E395BDE3-2EDE-065D-70E8-56E348228ACF}"/>
               </a:ext>
             </a:extLst>
           </p:cNvPr>
@@ -22744,7 +23195,7 @@
             <p:cNvPr id="10" name="그룹 1009">
               <a:extLst>
                 <a:ext uri="{FF2B5EF4-FFF2-40B4-BE49-F238E27FC236}">
-                  <a16:creationId xmlns="" xmlns:a16="http://schemas.microsoft.com/office/drawing/2014/main" id="{852F4DEB-DB33-DB3F-9E9F-52A46CD0B10A}"/>
+                  <a16:creationId xmlns:a16="http://schemas.microsoft.com/office/drawing/2014/main" id="{852F4DEB-DB33-DB3F-9E9F-52A46CD0B10A}"/>
                 </a:ext>
               </a:extLst>
             </p:cNvPr>
@@ -22764,7 +23215,7 @@
               <p:cNvPr id="15" name="Object 29">
                 <a:extLst>
                   <a:ext uri="{FF2B5EF4-FFF2-40B4-BE49-F238E27FC236}">
-                    <a16:creationId xmlns="" xmlns:a16="http://schemas.microsoft.com/office/drawing/2014/main" id="{7E353D3B-14D4-8A64-5888-3F0C062C2CDD}"/>
+                    <a16:creationId xmlns:a16="http://schemas.microsoft.com/office/drawing/2014/main" id="{7E353D3B-14D4-8A64-5888-3F0C062C2CDD}"/>
                   </a:ext>
                 </a:extLst>
               </p:cNvPr>
@@ -22795,7 +23246,7 @@
             <p:cNvPr id="11" name="그룹 1010">
               <a:extLst>
                 <a:ext uri="{FF2B5EF4-FFF2-40B4-BE49-F238E27FC236}">
-                  <a16:creationId xmlns="" xmlns:a16="http://schemas.microsoft.com/office/drawing/2014/main" id="{001E38AB-1390-ABD0-BE01-9727136FEAEE}"/>
+                  <a16:creationId xmlns:a16="http://schemas.microsoft.com/office/drawing/2014/main" id="{001E38AB-1390-ABD0-BE01-9727136FEAEE}"/>
                 </a:ext>
               </a:extLst>
             </p:cNvPr>
@@ -22815,7 +23266,7 @@
               <p:cNvPr id="14" name="Object 32">
                 <a:extLst>
                   <a:ext uri="{FF2B5EF4-FFF2-40B4-BE49-F238E27FC236}">
-                    <a16:creationId xmlns="" xmlns:a16="http://schemas.microsoft.com/office/drawing/2014/main" id="{2ED1C30F-0D0B-F86C-8215-2598D332B5A3}"/>
+                    <a16:creationId xmlns:a16="http://schemas.microsoft.com/office/drawing/2014/main" id="{2ED1C30F-0D0B-F86C-8215-2598D332B5A3}"/>
                   </a:ext>
                 </a:extLst>
               </p:cNvPr>
@@ -22846,7 +23297,7 @@
             <p:cNvPr id="12" name="그룹 1011">
               <a:extLst>
                 <a:ext uri="{FF2B5EF4-FFF2-40B4-BE49-F238E27FC236}">
-                  <a16:creationId xmlns="" xmlns:a16="http://schemas.microsoft.com/office/drawing/2014/main" id="{1BCB8DE5-ABAF-4198-BC16-85BB76F2DB24}"/>
+                  <a16:creationId xmlns:a16="http://schemas.microsoft.com/office/drawing/2014/main" id="{1BCB8DE5-ABAF-4198-BC16-85BB76F2DB24}"/>
                 </a:ext>
               </a:extLst>
             </p:cNvPr>
@@ -22866,7 +23317,7 @@
               <p:cNvPr id="13" name="Object 35">
                 <a:extLst>
                   <a:ext uri="{FF2B5EF4-FFF2-40B4-BE49-F238E27FC236}">
-                    <a16:creationId xmlns="" xmlns:a16="http://schemas.microsoft.com/office/drawing/2014/main" id="{86E7BA23-0A1E-B581-CADC-06AB269DB2BD}"/>
+                    <a16:creationId xmlns:a16="http://schemas.microsoft.com/office/drawing/2014/main" id="{86E7BA23-0A1E-B581-CADC-06AB269DB2BD}"/>
                   </a:ext>
                 </a:extLst>
               </p:cNvPr>
@@ -22898,7 +23349,7 @@
           <p:cNvPr id="16" name="TextBox 15">
             <a:extLst>
               <a:ext uri="{FF2B5EF4-FFF2-40B4-BE49-F238E27FC236}">
-                <a16:creationId xmlns="" xmlns:a16="http://schemas.microsoft.com/office/drawing/2014/main" id="{C6D113C6-EA5C-788F-0C77-E7CE6EBB865F}"/>
+                <a16:creationId xmlns:a16="http://schemas.microsoft.com/office/drawing/2014/main" id="{C6D113C6-EA5C-788F-0C77-E7CE6EBB865F}"/>
               </a:ext>
             </a:extLst>
           </p:cNvPr>
@@ -23136,7 +23587,7 @@
           <p:cNvPr id="4" name="TextBox 3">
             <a:extLst>
               <a:ext uri="{FF2B5EF4-FFF2-40B4-BE49-F238E27FC236}">
-                <a16:creationId xmlns="" xmlns:a16="http://schemas.microsoft.com/office/drawing/2014/main" id="{DF7DDD33-9412-2802-339A-E55446AC2DA7}"/>
+                <a16:creationId xmlns:a16="http://schemas.microsoft.com/office/drawing/2014/main" id="{DF7DDD33-9412-2802-339A-E55446AC2DA7}"/>
               </a:ext>
             </a:extLst>
           </p:cNvPr>
@@ -23255,7 +23706,7 @@
           <p:cNvPr id="4" name="TextBox 3">
             <a:extLst>
               <a:ext uri="{FF2B5EF4-FFF2-40B4-BE49-F238E27FC236}">
-                <a16:creationId xmlns="" xmlns:a16="http://schemas.microsoft.com/office/drawing/2014/main" id="{DF7DDD33-9412-2802-339A-E55446AC2DA7}"/>
+                <a16:creationId xmlns:a16="http://schemas.microsoft.com/office/drawing/2014/main" id="{DF7DDD33-9412-2802-339A-E55446AC2DA7}"/>
               </a:ext>
             </a:extLst>
           </p:cNvPr>
@@ -23303,7 +23754,7 @@
           <p:cNvPr id="10" name="직선 화살표 연결선 9">
             <a:extLst>
               <a:ext uri="{FF2B5EF4-FFF2-40B4-BE49-F238E27FC236}">
-                <a16:creationId xmlns="" xmlns:a16="http://schemas.microsoft.com/office/drawing/2014/main" id="{299DF5EC-9DF4-5255-06AC-0A7CE4FF58C3}"/>
+                <a16:creationId xmlns:a16="http://schemas.microsoft.com/office/drawing/2014/main" id="{299DF5EC-9DF4-5255-06AC-0A7CE4FF58C3}"/>
               </a:ext>
             </a:extLst>
           </p:cNvPr>
@@ -23344,7 +23795,7 @@
           <p:cNvPr id="11" name="TextBox 10">
             <a:extLst>
               <a:ext uri="{FF2B5EF4-FFF2-40B4-BE49-F238E27FC236}">
-                <a16:creationId xmlns="" xmlns:a16="http://schemas.microsoft.com/office/drawing/2014/main" id="{C6D113C6-EA5C-788F-0C77-E7CE6EBB865F}"/>
+                <a16:creationId xmlns:a16="http://schemas.microsoft.com/office/drawing/2014/main" id="{C6D113C6-EA5C-788F-0C77-E7CE6EBB865F}"/>
               </a:ext>
             </a:extLst>
           </p:cNvPr>
@@ -23426,7 +23877,7 @@
           <p:cNvPr id="18" name="직사각형 17">
             <a:extLst>
               <a:ext uri="{FF2B5EF4-FFF2-40B4-BE49-F238E27FC236}">
-                <a16:creationId xmlns="" xmlns:a16="http://schemas.microsoft.com/office/drawing/2014/main" id="{FFF506F9-840A-0508-4CAF-3AC711D8D5CE}"/>
+                <a16:creationId xmlns:a16="http://schemas.microsoft.com/office/drawing/2014/main" id="{FFF506F9-840A-0508-4CAF-3AC711D8D5CE}"/>
               </a:ext>
             </a:extLst>
           </p:cNvPr>
@@ -23631,7 +24082,7 @@
           <p:cNvPr id="6" name="직선 화살표 연결선 5">
             <a:extLst>
               <a:ext uri="{FF2B5EF4-FFF2-40B4-BE49-F238E27FC236}">
-                <a16:creationId xmlns="" xmlns:a16="http://schemas.microsoft.com/office/drawing/2014/main" id="{299DF5EC-9DF4-5255-06AC-0A7CE4FF58C3}"/>
+                <a16:creationId xmlns:a16="http://schemas.microsoft.com/office/drawing/2014/main" id="{299DF5EC-9DF4-5255-06AC-0A7CE4FF58C3}"/>
               </a:ext>
             </a:extLst>
           </p:cNvPr>
@@ -23672,7 +24123,7 @@
           <p:cNvPr id="7" name="TextBox 6">
             <a:extLst>
               <a:ext uri="{FF2B5EF4-FFF2-40B4-BE49-F238E27FC236}">
-                <a16:creationId xmlns="" xmlns:a16="http://schemas.microsoft.com/office/drawing/2014/main" id="{C6D113C6-EA5C-788F-0C77-E7CE6EBB865F}"/>
+                <a16:creationId xmlns:a16="http://schemas.microsoft.com/office/drawing/2014/main" id="{C6D113C6-EA5C-788F-0C77-E7CE6EBB865F}"/>
               </a:ext>
             </a:extLst>
           </p:cNvPr>
@@ -23892,7 +24343,7 @@
           <p:cNvPr id="4" name="TextBox 3">
             <a:extLst>
               <a:ext uri="{FF2B5EF4-FFF2-40B4-BE49-F238E27FC236}">
-                <a16:creationId xmlns="" xmlns:a16="http://schemas.microsoft.com/office/drawing/2014/main" id="{DF7DDD33-9412-2802-339A-E55446AC2DA7}"/>
+                <a16:creationId xmlns:a16="http://schemas.microsoft.com/office/drawing/2014/main" id="{DF7DDD33-9412-2802-339A-E55446AC2DA7}"/>
               </a:ext>
             </a:extLst>
           </p:cNvPr>

--- a/JavaLecture/LectureFile/java 8강 생성자.pptx
+++ b/JavaLecture/LectureFile/java 8강 생성자.pptx
@@ -250,7 +250,7 @@
           <a:p>
             <a:fld id="{D79F2C30-10E1-4C46-91DC-BBDB9629E720}" type="datetimeFigureOut">
               <a:rPr lang="ko-KR" altLang="en-US" smtClean="0"/>
-              <a:t>2023-04-16</a:t>
+              <a:t>2023-10-21</a:t>
             </a:fld>
             <a:endParaRPr lang="ko-KR" altLang="en-US"/>
           </a:p>
@@ -710,7 +710,7 @@
           <a:p>
             <a:fld id="{F8166F1F-CE9B-4651-A6AA-CD717754106B}" type="datetimeFigureOut">
               <a:rPr lang="en-US" smtClean="0"/>
-              <a:t>4/16/2023</a:t>
+              <a:t>10/21/2023</a:t>
             </a:fld>
             <a:endParaRPr lang="en-US"/>
           </a:p>
@@ -913,7 +913,7 @@
           <a:p>
             <a:fld id="{A76116CE-C4A3-4A05-B2D7-7C2E9A889C0F}" type="datetimeFigureOut">
               <a:rPr lang="en-US" smtClean="0"/>
-              <a:t>4/16/2023</a:t>
+              <a:t>10/21/2023</a:t>
             </a:fld>
             <a:endParaRPr lang="en-US"/>
           </a:p>
@@ -1116,7 +1116,7 @@
           <a:p>
             <a:fld id="{A76116CE-C4A3-4A05-B2D7-7C2E9A889C0F}" type="datetimeFigureOut">
               <a:rPr lang="en-US" smtClean="0"/>
-              <a:t>4/16/2023</a:t>
+              <a:t>10/21/2023</a:t>
             </a:fld>
             <a:endParaRPr lang="en-US"/>
           </a:p>
@@ -1321,7 +1321,7 @@
           <a:p>
             <a:fld id="{A76116CE-C4A3-4A05-B2D7-7C2E9A889C0F}" type="datetimeFigureOut">
               <a:rPr lang="en-US" smtClean="0"/>
-              <a:t>4/16/2023</a:t>
+              <a:t>10/21/2023</a:t>
             </a:fld>
             <a:endParaRPr lang="en-US"/>
           </a:p>
@@ -1591,7 +1591,7 @@
           <a:p>
             <a:fld id="{A76116CE-C4A3-4A05-B2D7-7C2E9A889C0F}" type="datetimeFigureOut">
               <a:rPr lang="en-US" smtClean="0"/>
-              <a:t>4/16/2023</a:t>
+              <a:t>10/21/2023</a:t>
             </a:fld>
             <a:endParaRPr lang="en-US"/>
           </a:p>
@@ -1909,7 +1909,7 @@
           <a:p>
             <a:fld id="{A76116CE-C4A3-4A05-B2D7-7C2E9A889C0F}" type="datetimeFigureOut">
               <a:rPr lang="en-US" smtClean="0"/>
-              <a:t>4/16/2023</a:t>
+              <a:t>10/21/2023</a:t>
             </a:fld>
             <a:endParaRPr lang="en-US"/>
           </a:p>
@@ -2367,7 +2367,7 @@
           <a:p>
             <a:fld id="{A76116CE-C4A3-4A05-B2D7-7C2E9A889C0F}" type="datetimeFigureOut">
               <a:rPr lang="en-US" smtClean="0"/>
-              <a:t>4/16/2023</a:t>
+              <a:t>10/21/2023</a:t>
             </a:fld>
             <a:endParaRPr lang="en-US"/>
           </a:p>
@@ -2511,7 +2511,7 @@
           <a:p>
             <a:fld id="{A76116CE-C4A3-4A05-B2D7-7C2E9A889C0F}" type="datetimeFigureOut">
               <a:rPr lang="en-US" smtClean="0"/>
-              <a:t>4/16/2023</a:t>
+              <a:t>10/21/2023</a:t>
             </a:fld>
             <a:endParaRPr lang="en-US"/>
           </a:p>
@@ -2625,7 +2625,7 @@
           <a:p>
             <a:fld id="{A76116CE-C4A3-4A05-B2D7-7C2E9A889C0F}" type="datetimeFigureOut">
               <a:rPr lang="en-US" smtClean="0"/>
-              <a:t>4/16/2023</a:t>
+              <a:t>10/21/2023</a:t>
             </a:fld>
             <a:endParaRPr lang="en-US"/>
           </a:p>
@@ -2928,7 +2928,7 @@
           <a:p>
             <a:fld id="{A76116CE-C4A3-4A05-B2D7-7C2E9A889C0F}" type="datetimeFigureOut">
               <a:rPr lang="en-US" smtClean="0"/>
-              <a:t>4/16/2023</a:t>
+              <a:t>10/21/2023</a:t>
             </a:fld>
             <a:endParaRPr lang="en-US"/>
           </a:p>
@@ -3208,7 +3208,7 @@
           <a:p>
             <a:fld id="{A76116CE-C4A3-4A05-B2D7-7C2E9A889C0F}" type="datetimeFigureOut">
               <a:rPr lang="en-US" smtClean="0"/>
-              <a:t>4/16/2023</a:t>
+              <a:t>10/21/2023</a:t>
             </a:fld>
             <a:endParaRPr lang="en-US"/>
           </a:p>
@@ -3966,7 +3966,7 @@
           <p:cNvPr id="2" name="TextBox 1">
             <a:extLst>
               <a:ext uri="{FF2B5EF4-FFF2-40B4-BE49-F238E27FC236}">
-                <a16:creationId xmlns:a16="http://schemas.microsoft.com/office/drawing/2014/main" id="{E9A453A8-9968-67AB-7B4A-83EEB4662AA6}"/>
+                <a16:creationId xmlns:a16="http://schemas.microsoft.com/office/drawing/2014/main" xmlns="" id="{E9A453A8-9968-67AB-7B4A-83EEB4662AA6}"/>
               </a:ext>
             </a:extLst>
           </p:cNvPr>
@@ -4014,7 +4014,7 @@
           <p:cNvPr id="4" name="TextBox 3">
             <a:extLst>
               <a:ext uri="{FF2B5EF4-FFF2-40B4-BE49-F238E27FC236}">
-                <a16:creationId xmlns:a16="http://schemas.microsoft.com/office/drawing/2014/main" id="{F4B7A35A-8AAC-4622-64BC-CAD1472D4115}"/>
+                <a16:creationId xmlns:a16="http://schemas.microsoft.com/office/drawing/2014/main" xmlns="" id="{F4B7A35A-8AAC-4622-64BC-CAD1472D4115}"/>
               </a:ext>
             </a:extLst>
           </p:cNvPr>
@@ -4086,7 +4086,7 @@
           <p:cNvPr id="7" name="TextBox 6">
             <a:extLst>
               <a:ext uri="{FF2B5EF4-FFF2-40B4-BE49-F238E27FC236}">
-                <a16:creationId xmlns:a16="http://schemas.microsoft.com/office/drawing/2014/main" id="{3ACE900A-D779-4343-6623-8588B376F0A1}"/>
+                <a16:creationId xmlns:a16="http://schemas.microsoft.com/office/drawing/2014/main" xmlns="" id="{3ACE900A-D779-4343-6623-8588B376F0A1}"/>
               </a:ext>
             </a:extLst>
           </p:cNvPr>
@@ -4150,7 +4150,7 @@
           <p:cNvPr id="15" name="TextBox 14">
             <a:extLst>
               <a:ext uri="{FF2B5EF4-FFF2-40B4-BE49-F238E27FC236}">
-                <a16:creationId xmlns:a16="http://schemas.microsoft.com/office/drawing/2014/main" id="{C6D113C6-EA5C-788F-0C77-E7CE6EBB865F}"/>
+                <a16:creationId xmlns:a16="http://schemas.microsoft.com/office/drawing/2014/main" xmlns="" id="{C6D113C6-EA5C-788F-0C77-E7CE6EBB865F}"/>
               </a:ext>
             </a:extLst>
           </p:cNvPr>
@@ -4232,7 +4232,7 @@
           <p:cNvPr id="8" name="직선 화살표 연결선 7">
             <a:extLst>
               <a:ext uri="{FF2B5EF4-FFF2-40B4-BE49-F238E27FC236}">
-                <a16:creationId xmlns:a16="http://schemas.microsoft.com/office/drawing/2014/main" id="{299DF5EC-9DF4-5255-06AC-0A7CE4FF58C3}"/>
+                <a16:creationId xmlns:a16="http://schemas.microsoft.com/office/drawing/2014/main" xmlns="" id="{299DF5EC-9DF4-5255-06AC-0A7CE4FF58C3}"/>
               </a:ext>
             </a:extLst>
           </p:cNvPr>
@@ -4273,7 +4273,7 @@
           <p:cNvPr id="10" name="직선 화살표 연결선 9">
             <a:extLst>
               <a:ext uri="{FF2B5EF4-FFF2-40B4-BE49-F238E27FC236}">
-                <a16:creationId xmlns:a16="http://schemas.microsoft.com/office/drawing/2014/main" id="{299DF5EC-9DF4-5255-06AC-0A7CE4FF58C3}"/>
+                <a16:creationId xmlns:a16="http://schemas.microsoft.com/office/drawing/2014/main" xmlns="" id="{299DF5EC-9DF4-5255-06AC-0A7CE4FF58C3}"/>
               </a:ext>
             </a:extLst>
           </p:cNvPr>
@@ -4314,7 +4314,7 @@
           <p:cNvPr id="16" name="TextBox 15">
             <a:extLst>
               <a:ext uri="{FF2B5EF4-FFF2-40B4-BE49-F238E27FC236}">
-                <a16:creationId xmlns:a16="http://schemas.microsoft.com/office/drawing/2014/main" id="{C6D113C6-EA5C-788F-0C77-E7CE6EBB865F}"/>
+                <a16:creationId xmlns:a16="http://schemas.microsoft.com/office/drawing/2014/main" xmlns="" id="{C6D113C6-EA5C-788F-0C77-E7CE6EBB865F}"/>
               </a:ext>
             </a:extLst>
           </p:cNvPr>
@@ -4604,7 +4604,7 @@
           <p:cNvPr id="5" name="TextBox 4">
             <a:extLst>
               <a:ext uri="{FF2B5EF4-FFF2-40B4-BE49-F238E27FC236}">
-                <a16:creationId xmlns:a16="http://schemas.microsoft.com/office/drawing/2014/main" id="{C6D113C6-EA5C-788F-0C77-E7CE6EBB865F}"/>
+                <a16:creationId xmlns:a16="http://schemas.microsoft.com/office/drawing/2014/main" xmlns="" id="{C6D113C6-EA5C-788F-0C77-E7CE6EBB865F}"/>
               </a:ext>
             </a:extLst>
           </p:cNvPr>
@@ -4713,7 +4713,7 @@
           <p:cNvPr id="6" name="직선 화살표 연결선 5">
             <a:extLst>
               <a:ext uri="{FF2B5EF4-FFF2-40B4-BE49-F238E27FC236}">
-                <a16:creationId xmlns:a16="http://schemas.microsoft.com/office/drawing/2014/main" id="{299DF5EC-9DF4-5255-06AC-0A7CE4FF58C3}"/>
+                <a16:creationId xmlns:a16="http://schemas.microsoft.com/office/drawing/2014/main" xmlns="" id="{299DF5EC-9DF4-5255-06AC-0A7CE4FF58C3}"/>
               </a:ext>
             </a:extLst>
           </p:cNvPr>
@@ -4754,7 +4754,7 @@
           <p:cNvPr id="8" name="TextBox 7">
             <a:extLst>
               <a:ext uri="{FF2B5EF4-FFF2-40B4-BE49-F238E27FC236}">
-                <a16:creationId xmlns:a16="http://schemas.microsoft.com/office/drawing/2014/main" id="{C6D113C6-EA5C-788F-0C77-E7CE6EBB865F}"/>
+                <a16:creationId xmlns:a16="http://schemas.microsoft.com/office/drawing/2014/main" xmlns="" id="{C6D113C6-EA5C-788F-0C77-E7CE6EBB865F}"/>
               </a:ext>
             </a:extLst>
           </p:cNvPr>
@@ -4993,7 +4993,7 @@
           <p:cNvPr id="4" name="TextBox 3">
             <a:extLst>
               <a:ext uri="{FF2B5EF4-FFF2-40B4-BE49-F238E27FC236}">
-                <a16:creationId xmlns:a16="http://schemas.microsoft.com/office/drawing/2014/main" id="{DF7DDD33-9412-2802-339A-E55446AC2DA7}"/>
+                <a16:creationId xmlns:a16="http://schemas.microsoft.com/office/drawing/2014/main" xmlns="" id="{DF7DDD33-9412-2802-339A-E55446AC2DA7}"/>
               </a:ext>
             </a:extLst>
           </p:cNvPr>
@@ -5041,7 +5041,7 @@
           <p:cNvPr id="8" name="TextBox 7">
             <a:extLst>
               <a:ext uri="{FF2B5EF4-FFF2-40B4-BE49-F238E27FC236}">
-                <a16:creationId xmlns:a16="http://schemas.microsoft.com/office/drawing/2014/main" id="{A2AD056B-97A4-5BCC-4460-250160F3E171}"/>
+                <a16:creationId xmlns:a16="http://schemas.microsoft.com/office/drawing/2014/main" xmlns="" id="{A2AD056B-97A4-5BCC-4460-250160F3E171}"/>
               </a:ext>
             </a:extLst>
           </p:cNvPr>
@@ -5393,7 +5393,7 @@
           <p:cNvPr id="4" name="TextBox 3">
             <a:extLst>
               <a:ext uri="{FF2B5EF4-FFF2-40B4-BE49-F238E27FC236}">
-                <a16:creationId xmlns:a16="http://schemas.microsoft.com/office/drawing/2014/main" id="{DF7DDD33-9412-2802-339A-E55446AC2DA7}"/>
+                <a16:creationId xmlns:a16="http://schemas.microsoft.com/office/drawing/2014/main" xmlns="" id="{DF7DDD33-9412-2802-339A-E55446AC2DA7}"/>
               </a:ext>
             </a:extLst>
           </p:cNvPr>
@@ -5475,7 +5475,7 @@
           <p:cNvPr id="6" name="직선 화살표 연결선 5">
             <a:extLst>
               <a:ext uri="{FF2B5EF4-FFF2-40B4-BE49-F238E27FC236}">
-                <a16:creationId xmlns:a16="http://schemas.microsoft.com/office/drawing/2014/main" id="{299DF5EC-9DF4-5255-06AC-0A7CE4FF58C3}"/>
+                <a16:creationId xmlns:a16="http://schemas.microsoft.com/office/drawing/2014/main" xmlns="" id="{299DF5EC-9DF4-5255-06AC-0A7CE4FF58C3}"/>
               </a:ext>
             </a:extLst>
           </p:cNvPr>
@@ -5516,7 +5516,7 @@
           <p:cNvPr id="7" name="직사각형 6">
             <a:extLst>
               <a:ext uri="{FF2B5EF4-FFF2-40B4-BE49-F238E27FC236}">
-                <a16:creationId xmlns:a16="http://schemas.microsoft.com/office/drawing/2014/main" id="{FFF506F9-840A-0508-4CAF-3AC711D8D5CE}"/>
+                <a16:creationId xmlns:a16="http://schemas.microsoft.com/office/drawing/2014/main" xmlns="" id="{FFF506F9-840A-0508-4CAF-3AC711D8D5CE}"/>
               </a:ext>
             </a:extLst>
           </p:cNvPr>
@@ -5568,7 +5568,7 @@
           <p:cNvPr id="8" name="TextBox 7">
             <a:extLst>
               <a:ext uri="{FF2B5EF4-FFF2-40B4-BE49-F238E27FC236}">
-                <a16:creationId xmlns:a16="http://schemas.microsoft.com/office/drawing/2014/main" id="{C6D113C6-EA5C-788F-0C77-E7CE6EBB865F}"/>
+                <a16:creationId xmlns:a16="http://schemas.microsoft.com/office/drawing/2014/main" xmlns="" id="{C6D113C6-EA5C-788F-0C77-E7CE6EBB865F}"/>
               </a:ext>
             </a:extLst>
           </p:cNvPr>
@@ -5650,7 +5650,7 @@
           <p:cNvPr id="10" name="직선 화살표 연결선 9">
             <a:extLst>
               <a:ext uri="{FF2B5EF4-FFF2-40B4-BE49-F238E27FC236}">
-                <a16:creationId xmlns:a16="http://schemas.microsoft.com/office/drawing/2014/main" id="{299DF5EC-9DF4-5255-06AC-0A7CE4FF58C3}"/>
+                <a16:creationId xmlns:a16="http://schemas.microsoft.com/office/drawing/2014/main" xmlns="" id="{299DF5EC-9DF4-5255-06AC-0A7CE4FF58C3}"/>
               </a:ext>
             </a:extLst>
           </p:cNvPr>
@@ -5691,7 +5691,7 @@
           <p:cNvPr id="11" name="TextBox 10">
             <a:extLst>
               <a:ext uri="{FF2B5EF4-FFF2-40B4-BE49-F238E27FC236}">
-                <a16:creationId xmlns:a16="http://schemas.microsoft.com/office/drawing/2014/main" id="{C6D113C6-EA5C-788F-0C77-E7CE6EBB865F}"/>
+                <a16:creationId xmlns:a16="http://schemas.microsoft.com/office/drawing/2014/main" xmlns="" id="{C6D113C6-EA5C-788F-0C77-E7CE6EBB865F}"/>
               </a:ext>
             </a:extLst>
           </p:cNvPr>
@@ -6285,7 +6285,7 @@
           <p:cNvPr id="2" name="TextBox 1">
             <a:extLst>
               <a:ext uri="{FF2B5EF4-FFF2-40B4-BE49-F238E27FC236}">
-                <a16:creationId xmlns:a16="http://schemas.microsoft.com/office/drawing/2014/main" id="{76F36AE5-79B5-0B9F-E510-1C27AAC4B649}"/>
+                <a16:creationId xmlns:a16="http://schemas.microsoft.com/office/drawing/2014/main" xmlns="" id="{76F36AE5-79B5-0B9F-E510-1C27AAC4B649}"/>
               </a:ext>
             </a:extLst>
           </p:cNvPr>
@@ -6370,7 +6370,7 @@
           <p:cNvPr id="4" name="TextBox 3">
             <a:extLst>
               <a:ext uri="{FF2B5EF4-FFF2-40B4-BE49-F238E27FC236}">
-                <a16:creationId xmlns:a16="http://schemas.microsoft.com/office/drawing/2014/main" id="{DF7DDD33-9412-2802-339A-E55446AC2DA7}"/>
+                <a16:creationId xmlns:a16="http://schemas.microsoft.com/office/drawing/2014/main" xmlns="" id="{DF7DDD33-9412-2802-339A-E55446AC2DA7}"/>
               </a:ext>
             </a:extLst>
           </p:cNvPr>
@@ -6448,7 +6448,7 @@
           <p:cNvPr id="6" name="그룹 1008">
             <a:extLst>
               <a:ext uri="{FF2B5EF4-FFF2-40B4-BE49-F238E27FC236}">
-                <a16:creationId xmlns:a16="http://schemas.microsoft.com/office/drawing/2014/main" id="{678F6342-C505-E8AD-ADA4-022CB2C2088E}"/>
+                <a16:creationId xmlns:a16="http://schemas.microsoft.com/office/drawing/2014/main" xmlns="" id="{678F6342-C505-E8AD-ADA4-022CB2C2088E}"/>
               </a:ext>
             </a:extLst>
           </p:cNvPr>
@@ -6468,7 +6468,7 @@
             <p:cNvPr id="7" name="그룹 1009">
               <a:extLst>
                 <a:ext uri="{FF2B5EF4-FFF2-40B4-BE49-F238E27FC236}">
-                  <a16:creationId xmlns:a16="http://schemas.microsoft.com/office/drawing/2014/main" id="{4E1F1FED-812B-9BBB-925A-84B54A077414}"/>
+                  <a16:creationId xmlns:a16="http://schemas.microsoft.com/office/drawing/2014/main" xmlns="" id="{4E1F1FED-812B-9BBB-925A-84B54A077414}"/>
                 </a:ext>
               </a:extLst>
             </p:cNvPr>
@@ -6488,7 +6488,7 @@
               <p:cNvPr id="12" name="Object 29">
                 <a:extLst>
                   <a:ext uri="{FF2B5EF4-FFF2-40B4-BE49-F238E27FC236}">
-                    <a16:creationId xmlns:a16="http://schemas.microsoft.com/office/drawing/2014/main" id="{7B078609-4286-7B00-51EB-809C8E2DE289}"/>
+                    <a16:creationId xmlns:a16="http://schemas.microsoft.com/office/drawing/2014/main" xmlns="" id="{7B078609-4286-7B00-51EB-809C8E2DE289}"/>
                   </a:ext>
                 </a:extLst>
               </p:cNvPr>
@@ -6519,7 +6519,7 @@
             <p:cNvPr id="8" name="그룹 1010">
               <a:extLst>
                 <a:ext uri="{FF2B5EF4-FFF2-40B4-BE49-F238E27FC236}">
-                  <a16:creationId xmlns:a16="http://schemas.microsoft.com/office/drawing/2014/main" id="{02A649BF-B5B5-FBAF-7DFD-E118A4DF8907}"/>
+                  <a16:creationId xmlns:a16="http://schemas.microsoft.com/office/drawing/2014/main" xmlns="" id="{02A649BF-B5B5-FBAF-7DFD-E118A4DF8907}"/>
                 </a:ext>
               </a:extLst>
             </p:cNvPr>
@@ -6539,7 +6539,7 @@
               <p:cNvPr id="11" name="Object 32">
                 <a:extLst>
                   <a:ext uri="{FF2B5EF4-FFF2-40B4-BE49-F238E27FC236}">
-                    <a16:creationId xmlns:a16="http://schemas.microsoft.com/office/drawing/2014/main" id="{2A0FFF23-B3C9-3EA0-1C1B-A87D4FF098AE}"/>
+                    <a16:creationId xmlns:a16="http://schemas.microsoft.com/office/drawing/2014/main" xmlns="" id="{2A0FFF23-B3C9-3EA0-1C1B-A87D4FF098AE}"/>
                   </a:ext>
                 </a:extLst>
               </p:cNvPr>
@@ -6570,7 +6570,7 @@
             <p:cNvPr id="9" name="그룹 1011">
               <a:extLst>
                 <a:ext uri="{FF2B5EF4-FFF2-40B4-BE49-F238E27FC236}">
-                  <a16:creationId xmlns:a16="http://schemas.microsoft.com/office/drawing/2014/main" id="{881F5410-F7FB-F261-A584-707359BAC593}"/>
+                  <a16:creationId xmlns:a16="http://schemas.microsoft.com/office/drawing/2014/main" xmlns="" id="{881F5410-F7FB-F261-A584-707359BAC593}"/>
                 </a:ext>
               </a:extLst>
             </p:cNvPr>
@@ -6590,7 +6590,7 @@
               <p:cNvPr id="10" name="Object 35">
                 <a:extLst>
                   <a:ext uri="{FF2B5EF4-FFF2-40B4-BE49-F238E27FC236}">
-                    <a16:creationId xmlns:a16="http://schemas.microsoft.com/office/drawing/2014/main" id="{4E99E669-73EB-F9F4-EFE8-DC107035C265}"/>
+                    <a16:creationId xmlns:a16="http://schemas.microsoft.com/office/drawing/2014/main" xmlns="" id="{4E99E669-73EB-F9F4-EFE8-DC107035C265}"/>
                   </a:ext>
                 </a:extLst>
               </p:cNvPr>
@@ -7015,7 +7015,7 @@
           <p:cNvPr id="4" name="TextBox 3">
             <a:extLst>
               <a:ext uri="{FF2B5EF4-FFF2-40B4-BE49-F238E27FC236}">
-                <a16:creationId xmlns:a16="http://schemas.microsoft.com/office/drawing/2014/main" id="{DF7DDD33-9412-2802-339A-E55446AC2DA7}"/>
+                <a16:creationId xmlns:a16="http://schemas.microsoft.com/office/drawing/2014/main" xmlns="" id="{DF7DDD33-9412-2802-339A-E55446AC2DA7}"/>
               </a:ext>
             </a:extLst>
           </p:cNvPr>
@@ -7083,7 +7083,7 @@
           <p:cNvPr id="8" name="직선 화살표 연결선 7">
             <a:extLst>
               <a:ext uri="{FF2B5EF4-FFF2-40B4-BE49-F238E27FC236}">
-                <a16:creationId xmlns:a16="http://schemas.microsoft.com/office/drawing/2014/main" id="{299DF5EC-9DF4-5255-06AC-0A7CE4FF58C3}"/>
+                <a16:creationId xmlns:a16="http://schemas.microsoft.com/office/drawing/2014/main" xmlns="" id="{299DF5EC-9DF4-5255-06AC-0A7CE4FF58C3}"/>
               </a:ext>
             </a:extLst>
           </p:cNvPr>
@@ -7124,7 +7124,7 @@
           <p:cNvPr id="10" name="직선 화살표 연결선 9">
             <a:extLst>
               <a:ext uri="{FF2B5EF4-FFF2-40B4-BE49-F238E27FC236}">
-                <a16:creationId xmlns:a16="http://schemas.microsoft.com/office/drawing/2014/main" id="{299DF5EC-9DF4-5255-06AC-0A7CE4FF58C3}"/>
+                <a16:creationId xmlns:a16="http://schemas.microsoft.com/office/drawing/2014/main" xmlns="" id="{299DF5EC-9DF4-5255-06AC-0A7CE4FF58C3}"/>
               </a:ext>
             </a:extLst>
           </p:cNvPr>
@@ -7435,7 +7435,7 @@
           <p:cNvPr id="10" name="TextBox 9">
             <a:extLst>
               <a:ext uri="{FF2B5EF4-FFF2-40B4-BE49-F238E27FC236}">
-                <a16:creationId xmlns:a16="http://schemas.microsoft.com/office/drawing/2014/main" id="{DF7DDD33-9412-2802-339A-E55446AC2DA7}"/>
+                <a16:creationId xmlns:a16="http://schemas.microsoft.com/office/drawing/2014/main" xmlns="" id="{DF7DDD33-9412-2802-339A-E55446AC2DA7}"/>
               </a:ext>
             </a:extLst>
           </p:cNvPr>
@@ -7503,7 +7503,7 @@
           <p:cNvPr id="8" name="TextBox 7">
             <a:extLst>
               <a:ext uri="{FF2B5EF4-FFF2-40B4-BE49-F238E27FC236}">
-                <a16:creationId xmlns:a16="http://schemas.microsoft.com/office/drawing/2014/main" id="{C6D113C6-EA5C-788F-0C77-E7CE6EBB865F}"/>
+                <a16:creationId xmlns:a16="http://schemas.microsoft.com/office/drawing/2014/main" xmlns="" id="{C6D113C6-EA5C-788F-0C77-E7CE6EBB865F}"/>
               </a:ext>
             </a:extLst>
           </p:cNvPr>
@@ -7551,7 +7551,7 @@
           <p:cNvPr id="11" name="TextBox 10">
             <a:extLst>
               <a:ext uri="{FF2B5EF4-FFF2-40B4-BE49-F238E27FC236}">
-                <a16:creationId xmlns:a16="http://schemas.microsoft.com/office/drawing/2014/main" id="{C6D113C6-EA5C-788F-0C77-E7CE6EBB865F}"/>
+                <a16:creationId xmlns:a16="http://schemas.microsoft.com/office/drawing/2014/main" xmlns="" id="{C6D113C6-EA5C-788F-0C77-E7CE6EBB865F}"/>
               </a:ext>
             </a:extLst>
           </p:cNvPr>
@@ -7877,7 +7877,7 @@
           <p:cNvPr id="14" name="직사각형 13">
             <a:extLst>
               <a:ext uri="{FF2B5EF4-FFF2-40B4-BE49-F238E27FC236}">
-                <a16:creationId xmlns:a16="http://schemas.microsoft.com/office/drawing/2014/main" id="{FFF506F9-840A-0508-4CAF-3AC711D8D5CE}"/>
+                <a16:creationId xmlns:a16="http://schemas.microsoft.com/office/drawing/2014/main" xmlns="" id="{FFF506F9-840A-0508-4CAF-3AC711D8D5CE}"/>
               </a:ext>
             </a:extLst>
           </p:cNvPr>
@@ -7929,7 +7929,7 @@
           <p:cNvPr id="18" name="TextBox 17">
             <a:extLst>
               <a:ext uri="{FF2B5EF4-FFF2-40B4-BE49-F238E27FC236}">
-                <a16:creationId xmlns:a16="http://schemas.microsoft.com/office/drawing/2014/main" id="{DF7DDD33-9412-2802-339A-E55446AC2DA7}"/>
+                <a16:creationId xmlns:a16="http://schemas.microsoft.com/office/drawing/2014/main" xmlns="" id="{DF7DDD33-9412-2802-339A-E55446AC2DA7}"/>
               </a:ext>
             </a:extLst>
           </p:cNvPr>
@@ -7987,7 +7987,7 @@
           <p:cNvPr id="19" name="직선 화살표 연결선 18">
             <a:extLst>
               <a:ext uri="{FF2B5EF4-FFF2-40B4-BE49-F238E27FC236}">
-                <a16:creationId xmlns:a16="http://schemas.microsoft.com/office/drawing/2014/main" id="{299DF5EC-9DF4-5255-06AC-0A7CE4FF58C3}"/>
+                <a16:creationId xmlns:a16="http://schemas.microsoft.com/office/drawing/2014/main" xmlns="" id="{299DF5EC-9DF4-5255-06AC-0A7CE4FF58C3}"/>
               </a:ext>
             </a:extLst>
           </p:cNvPr>
@@ -8028,7 +8028,7 @@
           <p:cNvPr id="20" name="TextBox 19">
             <a:extLst>
               <a:ext uri="{FF2B5EF4-FFF2-40B4-BE49-F238E27FC236}">
-                <a16:creationId xmlns:a16="http://schemas.microsoft.com/office/drawing/2014/main" id="{C6D113C6-EA5C-788F-0C77-E7CE6EBB865F}"/>
+                <a16:creationId xmlns:a16="http://schemas.microsoft.com/office/drawing/2014/main" xmlns="" id="{C6D113C6-EA5C-788F-0C77-E7CE6EBB865F}"/>
               </a:ext>
             </a:extLst>
           </p:cNvPr>
@@ -8086,7 +8086,7 @@
           <p:cNvPr id="21" name="그룹 1008">
             <a:extLst>
               <a:ext uri="{FF2B5EF4-FFF2-40B4-BE49-F238E27FC236}">
-                <a16:creationId xmlns:a16="http://schemas.microsoft.com/office/drawing/2014/main" id="{E395BDE3-2EDE-065D-70E8-56E348228ACF}"/>
+                <a16:creationId xmlns:a16="http://schemas.microsoft.com/office/drawing/2014/main" xmlns="" id="{E395BDE3-2EDE-065D-70E8-56E348228ACF}"/>
               </a:ext>
             </a:extLst>
           </p:cNvPr>
@@ -8106,7 +8106,7 @@
             <p:cNvPr id="22" name="그룹 1009">
               <a:extLst>
                 <a:ext uri="{FF2B5EF4-FFF2-40B4-BE49-F238E27FC236}">
-                  <a16:creationId xmlns:a16="http://schemas.microsoft.com/office/drawing/2014/main" id="{852F4DEB-DB33-DB3F-9E9F-52A46CD0B10A}"/>
+                  <a16:creationId xmlns:a16="http://schemas.microsoft.com/office/drawing/2014/main" xmlns="" id="{852F4DEB-DB33-DB3F-9E9F-52A46CD0B10A}"/>
                 </a:ext>
               </a:extLst>
             </p:cNvPr>
@@ -8126,7 +8126,7 @@
               <p:cNvPr id="27" name="Object 29">
                 <a:extLst>
                   <a:ext uri="{FF2B5EF4-FFF2-40B4-BE49-F238E27FC236}">
-                    <a16:creationId xmlns:a16="http://schemas.microsoft.com/office/drawing/2014/main" id="{7E353D3B-14D4-8A64-5888-3F0C062C2CDD}"/>
+                    <a16:creationId xmlns:a16="http://schemas.microsoft.com/office/drawing/2014/main" xmlns="" id="{7E353D3B-14D4-8A64-5888-3F0C062C2CDD}"/>
                   </a:ext>
                 </a:extLst>
               </p:cNvPr>
@@ -8157,7 +8157,7 @@
             <p:cNvPr id="23" name="그룹 1010">
               <a:extLst>
                 <a:ext uri="{FF2B5EF4-FFF2-40B4-BE49-F238E27FC236}">
-                  <a16:creationId xmlns:a16="http://schemas.microsoft.com/office/drawing/2014/main" id="{001E38AB-1390-ABD0-BE01-9727136FEAEE}"/>
+                  <a16:creationId xmlns:a16="http://schemas.microsoft.com/office/drawing/2014/main" xmlns="" id="{001E38AB-1390-ABD0-BE01-9727136FEAEE}"/>
                 </a:ext>
               </a:extLst>
             </p:cNvPr>
@@ -8177,7 +8177,7 @@
               <p:cNvPr id="26" name="Object 32">
                 <a:extLst>
                   <a:ext uri="{FF2B5EF4-FFF2-40B4-BE49-F238E27FC236}">
-                    <a16:creationId xmlns:a16="http://schemas.microsoft.com/office/drawing/2014/main" id="{2ED1C30F-0D0B-F86C-8215-2598D332B5A3}"/>
+                    <a16:creationId xmlns:a16="http://schemas.microsoft.com/office/drawing/2014/main" xmlns="" id="{2ED1C30F-0D0B-F86C-8215-2598D332B5A3}"/>
                   </a:ext>
                 </a:extLst>
               </p:cNvPr>
@@ -8208,7 +8208,7 @@
             <p:cNvPr id="24" name="그룹 1011">
               <a:extLst>
                 <a:ext uri="{FF2B5EF4-FFF2-40B4-BE49-F238E27FC236}">
-                  <a16:creationId xmlns:a16="http://schemas.microsoft.com/office/drawing/2014/main" id="{1BCB8DE5-ABAF-4198-BC16-85BB76F2DB24}"/>
+                  <a16:creationId xmlns:a16="http://schemas.microsoft.com/office/drawing/2014/main" xmlns="" id="{1BCB8DE5-ABAF-4198-BC16-85BB76F2DB24}"/>
                 </a:ext>
               </a:extLst>
             </p:cNvPr>
@@ -8228,7 +8228,7 @@
               <p:cNvPr id="25" name="Object 35">
                 <a:extLst>
                   <a:ext uri="{FF2B5EF4-FFF2-40B4-BE49-F238E27FC236}">
-                    <a16:creationId xmlns:a16="http://schemas.microsoft.com/office/drawing/2014/main" id="{86E7BA23-0A1E-B581-CADC-06AB269DB2BD}"/>
+                    <a16:creationId xmlns:a16="http://schemas.microsoft.com/office/drawing/2014/main" xmlns="" id="{86E7BA23-0A1E-B581-CADC-06AB269DB2BD}"/>
                   </a:ext>
                 </a:extLst>
               </p:cNvPr>
@@ -8567,7 +8567,7 @@
           <p:cNvPr id="7" name="TextBox 6">
             <a:extLst>
               <a:ext uri="{FF2B5EF4-FFF2-40B4-BE49-F238E27FC236}">
-                <a16:creationId xmlns:a16="http://schemas.microsoft.com/office/drawing/2014/main" id="{DF7DDD33-9412-2802-339A-E55446AC2DA7}"/>
+                <a16:creationId xmlns:a16="http://schemas.microsoft.com/office/drawing/2014/main" xmlns="" id="{DF7DDD33-9412-2802-339A-E55446AC2DA7}"/>
               </a:ext>
             </a:extLst>
           </p:cNvPr>
@@ -8845,7 +8845,7 @@
           <p:cNvPr id="11" name="TextBox 10">
             <a:extLst>
               <a:ext uri="{FF2B5EF4-FFF2-40B4-BE49-F238E27FC236}">
-                <a16:creationId xmlns:a16="http://schemas.microsoft.com/office/drawing/2014/main" id="{9F88F580-08BE-88C2-D640-13F0026591CB}"/>
+                <a16:creationId xmlns:a16="http://schemas.microsoft.com/office/drawing/2014/main" xmlns="" id="{9F88F580-08BE-88C2-D640-13F0026591CB}"/>
               </a:ext>
             </a:extLst>
           </p:cNvPr>
@@ -8896,7 +8896,7 @@
           <p:cNvPr id="13" name="TextBox 12">
             <a:extLst>
               <a:ext uri="{FF2B5EF4-FFF2-40B4-BE49-F238E27FC236}">
-                <a16:creationId xmlns:a16="http://schemas.microsoft.com/office/drawing/2014/main" id="{72769C28-9BB6-DE9C-7B6F-264B77B8DD0E}"/>
+                <a16:creationId xmlns:a16="http://schemas.microsoft.com/office/drawing/2014/main" xmlns="" id="{72769C28-9BB6-DE9C-7B6F-264B77B8DD0E}"/>
               </a:ext>
             </a:extLst>
           </p:cNvPr>
@@ -8937,7 +8937,7 @@
           <p:cNvPr id="14" name="TextBox 13">
             <a:extLst>
               <a:ext uri="{FF2B5EF4-FFF2-40B4-BE49-F238E27FC236}">
-                <a16:creationId xmlns:a16="http://schemas.microsoft.com/office/drawing/2014/main" id="{270FBB6A-01CE-5637-78DA-58F0C974145C}"/>
+                <a16:creationId xmlns:a16="http://schemas.microsoft.com/office/drawing/2014/main" xmlns="" id="{270FBB6A-01CE-5637-78DA-58F0C974145C}"/>
               </a:ext>
             </a:extLst>
           </p:cNvPr>
@@ -8985,7 +8985,7 @@
           <p:cNvPr id="2" name="Object 17">
             <a:extLst>
               <a:ext uri="{FF2B5EF4-FFF2-40B4-BE49-F238E27FC236}">
-                <a16:creationId xmlns:a16="http://schemas.microsoft.com/office/drawing/2014/main" id="{140B283D-FE58-FA6F-6F7C-E0F1DBB62A65}"/>
+                <a16:creationId xmlns:a16="http://schemas.microsoft.com/office/drawing/2014/main" xmlns="" id="{140B283D-FE58-FA6F-6F7C-E0F1DBB62A65}"/>
               </a:ext>
             </a:extLst>
           </p:cNvPr>
@@ -9015,7 +9015,7 @@
           <p:cNvPr id="4" name="TextBox 3">
             <a:extLst>
               <a:ext uri="{FF2B5EF4-FFF2-40B4-BE49-F238E27FC236}">
-                <a16:creationId xmlns:a16="http://schemas.microsoft.com/office/drawing/2014/main" id="{2C8D0998-79BC-6FD2-59D9-8052B4A25F65}"/>
+                <a16:creationId xmlns:a16="http://schemas.microsoft.com/office/drawing/2014/main" xmlns="" id="{2C8D0998-79BC-6FD2-59D9-8052B4A25F65}"/>
               </a:ext>
             </a:extLst>
           </p:cNvPr>
@@ -9063,7 +9063,7 @@
           <p:cNvPr id="5" name="Object 18">
             <a:extLst>
               <a:ext uri="{FF2B5EF4-FFF2-40B4-BE49-F238E27FC236}">
-                <a16:creationId xmlns:a16="http://schemas.microsoft.com/office/drawing/2014/main" id="{3F58EA3E-1018-64D3-FAB2-4F6B9618FA56}"/>
+                <a16:creationId xmlns:a16="http://schemas.microsoft.com/office/drawing/2014/main" xmlns="" id="{3F58EA3E-1018-64D3-FAB2-4F6B9618FA56}"/>
               </a:ext>
             </a:extLst>
           </p:cNvPr>
@@ -9093,7 +9093,7 @@
           <p:cNvPr id="8" name="TextBox 7">
             <a:extLst>
               <a:ext uri="{FF2B5EF4-FFF2-40B4-BE49-F238E27FC236}">
-                <a16:creationId xmlns:a16="http://schemas.microsoft.com/office/drawing/2014/main" id="{681D3F16-7DCF-41AD-F5F1-0558C78C0E4D}"/>
+                <a16:creationId xmlns:a16="http://schemas.microsoft.com/office/drawing/2014/main" xmlns="" id="{681D3F16-7DCF-41AD-F5F1-0558C78C0E4D}"/>
               </a:ext>
             </a:extLst>
           </p:cNvPr>
@@ -9173,7 +9173,7 @@
           <p:cNvPr id="4" name="TextBox 3">
             <a:extLst>
               <a:ext uri="{FF2B5EF4-FFF2-40B4-BE49-F238E27FC236}">
-                <a16:creationId xmlns:a16="http://schemas.microsoft.com/office/drawing/2014/main" id="{DF7DDD33-9412-2802-339A-E55446AC2DA7}"/>
+                <a16:creationId xmlns:a16="http://schemas.microsoft.com/office/drawing/2014/main" xmlns="" id="{DF7DDD33-9412-2802-339A-E55446AC2DA7}"/>
               </a:ext>
             </a:extLst>
           </p:cNvPr>
@@ -9245,7 +9245,7 @@
           <p:cNvPr id="6" name="직선 화살표 연결선 5">
             <a:extLst>
               <a:ext uri="{FF2B5EF4-FFF2-40B4-BE49-F238E27FC236}">
-                <a16:creationId xmlns:a16="http://schemas.microsoft.com/office/drawing/2014/main" id="{299DF5EC-9DF4-5255-06AC-0A7CE4FF58C3}"/>
+                <a16:creationId xmlns:a16="http://schemas.microsoft.com/office/drawing/2014/main" xmlns="" id="{299DF5EC-9DF4-5255-06AC-0A7CE4FF58C3}"/>
               </a:ext>
             </a:extLst>
           </p:cNvPr>
@@ -9286,7 +9286,7 @@
           <p:cNvPr id="7" name="TextBox 6">
             <a:extLst>
               <a:ext uri="{FF2B5EF4-FFF2-40B4-BE49-F238E27FC236}">
-                <a16:creationId xmlns:a16="http://schemas.microsoft.com/office/drawing/2014/main" id="{C6D113C6-EA5C-788F-0C77-E7CE6EBB865F}"/>
+                <a16:creationId xmlns:a16="http://schemas.microsoft.com/office/drawing/2014/main" xmlns="" id="{C6D113C6-EA5C-788F-0C77-E7CE6EBB865F}"/>
               </a:ext>
             </a:extLst>
           </p:cNvPr>
@@ -9603,7 +9603,7 @@
           <p:cNvPr id="7" name="TextBox 6">
             <a:extLst>
               <a:ext uri="{FF2B5EF4-FFF2-40B4-BE49-F238E27FC236}">
-                <a16:creationId xmlns:a16="http://schemas.microsoft.com/office/drawing/2014/main" id="{DF7DDD33-9412-2802-339A-E55446AC2DA7}"/>
+                <a16:creationId xmlns:a16="http://schemas.microsoft.com/office/drawing/2014/main" xmlns="" id="{DF7DDD33-9412-2802-339A-E55446AC2DA7}"/>
               </a:ext>
             </a:extLst>
           </p:cNvPr>
@@ -9651,7 +9651,7 @@
           <p:cNvPr id="8" name="TextBox 7">
             <a:extLst>
               <a:ext uri="{FF2B5EF4-FFF2-40B4-BE49-F238E27FC236}">
-                <a16:creationId xmlns:a16="http://schemas.microsoft.com/office/drawing/2014/main" id="{DF7DDD33-9412-2802-339A-E55446AC2DA7}"/>
+                <a16:creationId xmlns:a16="http://schemas.microsoft.com/office/drawing/2014/main" xmlns="" id="{DF7DDD33-9412-2802-339A-E55446AC2DA7}"/>
               </a:ext>
             </a:extLst>
           </p:cNvPr>
@@ -9868,7 +9868,7 @@
           <p:cNvPr id="5" name="TextBox 4">
             <a:extLst>
               <a:ext uri="{FF2B5EF4-FFF2-40B4-BE49-F238E27FC236}">
-                <a16:creationId xmlns:a16="http://schemas.microsoft.com/office/drawing/2014/main" id="{C6D113C6-EA5C-788F-0C77-E7CE6EBB865F}"/>
+                <a16:creationId xmlns:a16="http://schemas.microsoft.com/office/drawing/2014/main" xmlns="" id="{C6D113C6-EA5C-788F-0C77-E7CE6EBB865F}"/>
               </a:ext>
             </a:extLst>
           </p:cNvPr>
@@ -9953,7 +9953,7 @@
           <p:cNvPr id="4" name="TextBox 3">
             <a:extLst>
               <a:ext uri="{FF2B5EF4-FFF2-40B4-BE49-F238E27FC236}">
-                <a16:creationId xmlns:a16="http://schemas.microsoft.com/office/drawing/2014/main" id="{5ADC00B6-990A-40DC-3CEA-505258F5E8DA}"/>
+                <a16:creationId xmlns:a16="http://schemas.microsoft.com/office/drawing/2014/main" xmlns="" id="{5ADC00B6-990A-40DC-3CEA-505258F5E8DA}"/>
               </a:ext>
             </a:extLst>
           </p:cNvPr>
@@ -10011,7 +10011,7 @@
           <p:cNvPr id="5" name="TextBox 4">
             <a:extLst>
               <a:ext uri="{FF2B5EF4-FFF2-40B4-BE49-F238E27FC236}">
-                <a16:creationId xmlns:a16="http://schemas.microsoft.com/office/drawing/2014/main" id="{A2AD056B-97A4-5BCC-4460-250160F3E171}"/>
+                <a16:creationId xmlns:a16="http://schemas.microsoft.com/office/drawing/2014/main" xmlns="" id="{A2AD056B-97A4-5BCC-4460-250160F3E171}"/>
               </a:ext>
             </a:extLst>
           </p:cNvPr>
@@ -10579,7 +10579,7 @@
           <p:cNvPr id="4" name="TextBox 3">
             <a:extLst>
               <a:ext uri="{FF2B5EF4-FFF2-40B4-BE49-F238E27FC236}">
-                <a16:creationId xmlns:a16="http://schemas.microsoft.com/office/drawing/2014/main" id="{A2AD056B-97A4-5BCC-4460-250160F3E171}"/>
+                <a16:creationId xmlns:a16="http://schemas.microsoft.com/office/drawing/2014/main" xmlns="" id="{A2AD056B-97A4-5BCC-4460-250160F3E171}"/>
               </a:ext>
             </a:extLst>
           </p:cNvPr>
@@ -11108,7 +11108,7 @@
           <p:cNvPr id="4" name="TextBox 3">
             <a:extLst>
               <a:ext uri="{FF2B5EF4-FFF2-40B4-BE49-F238E27FC236}">
-                <a16:creationId xmlns:a16="http://schemas.microsoft.com/office/drawing/2014/main" id="{A2AD056B-97A4-5BCC-4460-250160F3E171}"/>
+                <a16:creationId xmlns:a16="http://schemas.microsoft.com/office/drawing/2014/main" xmlns="" id="{A2AD056B-97A4-5BCC-4460-250160F3E171}"/>
               </a:ext>
             </a:extLst>
           </p:cNvPr>
@@ -11376,7 +11376,7 @@
           <p:cNvPr id="8" name="TextBox 7">
             <a:extLst>
               <a:ext uri="{FF2B5EF4-FFF2-40B4-BE49-F238E27FC236}">
-                <a16:creationId xmlns:a16="http://schemas.microsoft.com/office/drawing/2014/main" id="{C6D113C6-EA5C-788F-0C77-E7CE6EBB865F}"/>
+                <a16:creationId xmlns:a16="http://schemas.microsoft.com/office/drawing/2014/main" xmlns="" id="{C6D113C6-EA5C-788F-0C77-E7CE6EBB865F}"/>
               </a:ext>
             </a:extLst>
           </p:cNvPr>
@@ -11768,7 +11768,7 @@
           <p:cNvPr id="4" name="TextBox 3">
             <a:extLst>
               <a:ext uri="{FF2B5EF4-FFF2-40B4-BE49-F238E27FC236}">
-                <a16:creationId xmlns:a16="http://schemas.microsoft.com/office/drawing/2014/main" id="{A2AD056B-97A4-5BCC-4460-250160F3E171}"/>
+                <a16:creationId xmlns:a16="http://schemas.microsoft.com/office/drawing/2014/main" xmlns="" id="{A2AD056B-97A4-5BCC-4460-250160F3E171}"/>
               </a:ext>
             </a:extLst>
           </p:cNvPr>
@@ -12342,7 +12342,7 @@
           <p:cNvPr id="5" name="TextBox 4">
             <a:extLst>
               <a:ext uri="{FF2B5EF4-FFF2-40B4-BE49-F238E27FC236}">
-                <a16:creationId xmlns:a16="http://schemas.microsoft.com/office/drawing/2014/main" id="{DF7DDD33-9412-2802-339A-E55446AC2DA7}"/>
+                <a16:creationId xmlns:a16="http://schemas.microsoft.com/office/drawing/2014/main" xmlns="" id="{DF7DDD33-9412-2802-339A-E55446AC2DA7}"/>
               </a:ext>
             </a:extLst>
           </p:cNvPr>
@@ -12390,7 +12390,7 @@
           <p:cNvPr id="7" name="TextBox 6">
             <a:extLst>
               <a:ext uri="{FF2B5EF4-FFF2-40B4-BE49-F238E27FC236}">
-                <a16:creationId xmlns:a16="http://schemas.microsoft.com/office/drawing/2014/main" id="{DF7DDD33-9412-2802-339A-E55446AC2DA7}"/>
+                <a16:creationId xmlns:a16="http://schemas.microsoft.com/office/drawing/2014/main" xmlns="" id="{DF7DDD33-9412-2802-339A-E55446AC2DA7}"/>
               </a:ext>
             </a:extLst>
           </p:cNvPr>
@@ -12455,14 +12455,14 @@
                 <a:gridCol w="2688700">
                   <a:extLst>
                     <a:ext uri="{9D8B030D-6E8A-4147-A177-3AD203B41FA5}">
-                      <a16:colId xmlns:a16="http://schemas.microsoft.com/office/drawing/2014/main" val="20000"/>
+                      <a16:colId xmlns:a16="http://schemas.microsoft.com/office/drawing/2014/main" xmlns="" val="20000"/>
                     </a:ext>
                   </a:extLst>
                 </a:gridCol>
                 <a:gridCol w="2721500">
                   <a:extLst>
                     <a:ext uri="{9D8B030D-6E8A-4147-A177-3AD203B41FA5}">
-                      <a16:colId xmlns:a16="http://schemas.microsoft.com/office/drawing/2014/main" val="20001"/>
+                      <a16:colId xmlns:a16="http://schemas.microsoft.com/office/drawing/2014/main" xmlns="" val="20001"/>
                     </a:ext>
                   </a:extLst>
                 </a:gridCol>
@@ -12600,7 +12600,7 @@
                 </a:tc>
                 <a:extLst>
                   <a:ext uri="{0D108BD9-81ED-4DB2-BD59-A6C34878D82A}">
-                    <a16:rowId xmlns:a16="http://schemas.microsoft.com/office/drawing/2014/main" val="10000"/>
+                    <a16:rowId xmlns:a16="http://schemas.microsoft.com/office/drawing/2014/main" xmlns="" val="10000"/>
                   </a:ext>
                 </a:extLst>
               </a:tr>
@@ -12725,7 +12725,7 @@
                 </a:tc>
                 <a:extLst>
                   <a:ext uri="{0D108BD9-81ED-4DB2-BD59-A6C34878D82A}">
-                    <a16:rowId xmlns:a16="http://schemas.microsoft.com/office/drawing/2014/main" val="10001"/>
+                    <a16:rowId xmlns:a16="http://schemas.microsoft.com/office/drawing/2014/main" xmlns="" val="10001"/>
                   </a:ext>
                 </a:extLst>
               </a:tr>
@@ -12850,7 +12850,7 @@
                 </a:tc>
                 <a:extLst>
                   <a:ext uri="{0D108BD9-81ED-4DB2-BD59-A6C34878D82A}">
-                    <a16:rowId xmlns:a16="http://schemas.microsoft.com/office/drawing/2014/main" val="10002"/>
+                    <a16:rowId xmlns:a16="http://schemas.microsoft.com/office/drawing/2014/main" xmlns="" val="10002"/>
                   </a:ext>
                 </a:extLst>
               </a:tr>
@@ -12959,7 +12959,7 @@
                 </a:tc>
                 <a:extLst>
                   <a:ext uri="{0D108BD9-81ED-4DB2-BD59-A6C34878D82A}">
-                    <a16:rowId xmlns:a16="http://schemas.microsoft.com/office/drawing/2014/main" val="10003"/>
+                    <a16:rowId xmlns:a16="http://schemas.microsoft.com/office/drawing/2014/main" xmlns="" val="10003"/>
                   </a:ext>
                 </a:extLst>
               </a:tr>
@@ -13068,7 +13068,7 @@
                 </a:tc>
                 <a:extLst>
                   <a:ext uri="{0D108BD9-81ED-4DB2-BD59-A6C34878D82A}">
-                    <a16:rowId xmlns:a16="http://schemas.microsoft.com/office/drawing/2014/main" val="10004"/>
+                    <a16:rowId xmlns:a16="http://schemas.microsoft.com/office/drawing/2014/main" xmlns="" val="10004"/>
                   </a:ext>
                 </a:extLst>
               </a:tr>
@@ -13177,7 +13177,7 @@
                 </a:tc>
                 <a:extLst>
                   <a:ext uri="{0D108BD9-81ED-4DB2-BD59-A6C34878D82A}">
-                    <a16:rowId xmlns:a16="http://schemas.microsoft.com/office/drawing/2014/main" val="10005"/>
+                    <a16:rowId xmlns:a16="http://schemas.microsoft.com/office/drawing/2014/main" xmlns="" val="10005"/>
                   </a:ext>
                 </a:extLst>
               </a:tr>
@@ -13286,7 +13286,7 @@
                 </a:tc>
                 <a:extLst>
                   <a:ext uri="{0D108BD9-81ED-4DB2-BD59-A6C34878D82A}">
-                    <a16:rowId xmlns:a16="http://schemas.microsoft.com/office/drawing/2014/main" val="10006"/>
+                    <a16:rowId xmlns:a16="http://schemas.microsoft.com/office/drawing/2014/main" xmlns="" val="10006"/>
                   </a:ext>
                 </a:extLst>
               </a:tr>
@@ -13395,7 +13395,7 @@
                 </a:tc>
                 <a:extLst>
                   <a:ext uri="{0D108BD9-81ED-4DB2-BD59-A6C34878D82A}">
-                    <a16:rowId xmlns:a16="http://schemas.microsoft.com/office/drawing/2014/main" val="10007"/>
+                    <a16:rowId xmlns:a16="http://schemas.microsoft.com/office/drawing/2014/main" xmlns="" val="10007"/>
                   </a:ext>
                 </a:extLst>
               </a:tr>
@@ -13504,7 +13504,7 @@
                 </a:tc>
                 <a:extLst>
                   <a:ext uri="{0D108BD9-81ED-4DB2-BD59-A6C34878D82A}">
-                    <a16:rowId xmlns:a16="http://schemas.microsoft.com/office/drawing/2014/main" val="10008"/>
+                    <a16:rowId xmlns:a16="http://schemas.microsoft.com/office/drawing/2014/main" xmlns="" val="10008"/>
                   </a:ext>
                 </a:extLst>
               </a:tr>
@@ -13629,7 +13629,7 @@
                 </a:tc>
                 <a:extLst>
                   <a:ext uri="{0D108BD9-81ED-4DB2-BD59-A6C34878D82A}">
-                    <a16:rowId xmlns:a16="http://schemas.microsoft.com/office/drawing/2014/main" val="10009"/>
+                    <a16:rowId xmlns:a16="http://schemas.microsoft.com/office/drawing/2014/main" xmlns="" val="10009"/>
                   </a:ext>
                 </a:extLst>
               </a:tr>
@@ -13738,7 +13738,7 @@
                 </a:tc>
                 <a:extLst>
                   <a:ext uri="{0D108BD9-81ED-4DB2-BD59-A6C34878D82A}">
-                    <a16:rowId xmlns:a16="http://schemas.microsoft.com/office/drawing/2014/main" val="10010"/>
+                    <a16:rowId xmlns:a16="http://schemas.microsoft.com/office/drawing/2014/main" xmlns="" val="10010"/>
                   </a:ext>
                 </a:extLst>
               </a:tr>
@@ -13751,7 +13751,7 @@
           <p:cNvPr id="11" name="TextBox 10">
             <a:extLst>
               <a:ext uri="{FF2B5EF4-FFF2-40B4-BE49-F238E27FC236}">
-                <a16:creationId xmlns:a16="http://schemas.microsoft.com/office/drawing/2014/main" id="{DF7DDD33-9412-2802-339A-E55446AC2DA7}"/>
+                <a16:creationId xmlns:a16="http://schemas.microsoft.com/office/drawing/2014/main" xmlns="" id="{DF7DDD33-9412-2802-339A-E55446AC2DA7}"/>
               </a:ext>
             </a:extLst>
           </p:cNvPr>
@@ -13809,7 +13809,7 @@
           <p:cNvPr id="12" name="TextBox 11">
             <a:extLst>
               <a:ext uri="{FF2B5EF4-FFF2-40B4-BE49-F238E27FC236}">
-                <a16:creationId xmlns:a16="http://schemas.microsoft.com/office/drawing/2014/main" id="{DF7DDD33-9412-2802-339A-E55446AC2DA7}"/>
+                <a16:creationId xmlns:a16="http://schemas.microsoft.com/office/drawing/2014/main" xmlns="" id="{DF7DDD33-9412-2802-339A-E55446AC2DA7}"/>
               </a:ext>
             </a:extLst>
           </p:cNvPr>
@@ -13857,7 +13857,7 @@
           <p:cNvPr id="13" name="TextBox 12">
             <a:extLst>
               <a:ext uri="{FF2B5EF4-FFF2-40B4-BE49-F238E27FC236}">
-                <a16:creationId xmlns:a16="http://schemas.microsoft.com/office/drawing/2014/main" id="{DF7DDD33-9412-2802-339A-E55446AC2DA7}"/>
+                <a16:creationId xmlns:a16="http://schemas.microsoft.com/office/drawing/2014/main" xmlns="" id="{DF7DDD33-9412-2802-339A-E55446AC2DA7}"/>
               </a:ext>
             </a:extLst>
           </p:cNvPr>
@@ -13905,7 +13905,7 @@
           <p:cNvPr id="14" name="TextBox 13">
             <a:extLst>
               <a:ext uri="{FF2B5EF4-FFF2-40B4-BE49-F238E27FC236}">
-                <a16:creationId xmlns:a16="http://schemas.microsoft.com/office/drawing/2014/main" id="{DF7DDD33-9412-2802-339A-E55446AC2DA7}"/>
+                <a16:creationId xmlns:a16="http://schemas.microsoft.com/office/drawing/2014/main" xmlns="" id="{DF7DDD33-9412-2802-339A-E55446AC2DA7}"/>
               </a:ext>
             </a:extLst>
           </p:cNvPr>
@@ -13963,7 +13963,7 @@
           <p:cNvPr id="15" name="TextBox 14">
             <a:extLst>
               <a:ext uri="{FF2B5EF4-FFF2-40B4-BE49-F238E27FC236}">
-                <a16:creationId xmlns:a16="http://schemas.microsoft.com/office/drawing/2014/main" id="{DF7DDD33-9412-2802-339A-E55446AC2DA7}"/>
+                <a16:creationId xmlns:a16="http://schemas.microsoft.com/office/drawing/2014/main" xmlns="" id="{DF7DDD33-9412-2802-339A-E55446AC2DA7}"/>
               </a:ext>
             </a:extLst>
           </p:cNvPr>
@@ -14011,7 +14011,7 @@
           <p:cNvPr id="16" name="TextBox 15">
             <a:extLst>
               <a:ext uri="{FF2B5EF4-FFF2-40B4-BE49-F238E27FC236}">
-                <a16:creationId xmlns:a16="http://schemas.microsoft.com/office/drawing/2014/main" id="{DF7DDD33-9412-2802-339A-E55446AC2DA7}"/>
+                <a16:creationId xmlns:a16="http://schemas.microsoft.com/office/drawing/2014/main" xmlns="" id="{DF7DDD33-9412-2802-339A-E55446AC2DA7}"/>
               </a:ext>
             </a:extLst>
           </p:cNvPr>
@@ -14069,7 +14069,7 @@
           <p:cNvPr id="17" name="TextBox 16">
             <a:extLst>
               <a:ext uri="{FF2B5EF4-FFF2-40B4-BE49-F238E27FC236}">
-                <a16:creationId xmlns:a16="http://schemas.microsoft.com/office/drawing/2014/main" id="{DF7DDD33-9412-2802-339A-E55446AC2DA7}"/>
+                <a16:creationId xmlns:a16="http://schemas.microsoft.com/office/drawing/2014/main" xmlns="" id="{DF7DDD33-9412-2802-339A-E55446AC2DA7}"/>
               </a:ext>
             </a:extLst>
           </p:cNvPr>
@@ -14117,7 +14117,7 @@
           <p:cNvPr id="18" name="TextBox 17">
             <a:extLst>
               <a:ext uri="{FF2B5EF4-FFF2-40B4-BE49-F238E27FC236}">
-                <a16:creationId xmlns:a16="http://schemas.microsoft.com/office/drawing/2014/main" id="{DF7DDD33-9412-2802-339A-E55446AC2DA7}"/>
+                <a16:creationId xmlns:a16="http://schemas.microsoft.com/office/drawing/2014/main" xmlns="" id="{DF7DDD33-9412-2802-339A-E55446AC2DA7}"/>
               </a:ext>
             </a:extLst>
           </p:cNvPr>
@@ -14175,7 +14175,7 @@
           <p:cNvPr id="19" name="TextBox 18">
             <a:extLst>
               <a:ext uri="{FF2B5EF4-FFF2-40B4-BE49-F238E27FC236}">
-                <a16:creationId xmlns:a16="http://schemas.microsoft.com/office/drawing/2014/main" id="{DF7DDD33-9412-2802-339A-E55446AC2DA7}"/>
+                <a16:creationId xmlns:a16="http://schemas.microsoft.com/office/drawing/2014/main" xmlns="" id="{DF7DDD33-9412-2802-339A-E55446AC2DA7}"/>
               </a:ext>
             </a:extLst>
           </p:cNvPr>
@@ -14223,7 +14223,7 @@
           <p:cNvPr id="20" name="TextBox 19">
             <a:extLst>
               <a:ext uri="{FF2B5EF4-FFF2-40B4-BE49-F238E27FC236}">
-                <a16:creationId xmlns:a16="http://schemas.microsoft.com/office/drawing/2014/main" id="{DF7DDD33-9412-2802-339A-E55446AC2DA7}"/>
+                <a16:creationId xmlns:a16="http://schemas.microsoft.com/office/drawing/2014/main" xmlns="" id="{DF7DDD33-9412-2802-339A-E55446AC2DA7}"/>
               </a:ext>
             </a:extLst>
           </p:cNvPr>
@@ -14298,14 +14298,14 @@
                 <a:gridCol w="2688700">
                   <a:extLst>
                     <a:ext uri="{9D8B030D-6E8A-4147-A177-3AD203B41FA5}">
-                      <a16:colId xmlns:a16="http://schemas.microsoft.com/office/drawing/2014/main" val="20000"/>
+                      <a16:colId xmlns:a16="http://schemas.microsoft.com/office/drawing/2014/main" xmlns="" val="20000"/>
                     </a:ext>
                   </a:extLst>
                 </a:gridCol>
                 <a:gridCol w="2721500">
                   <a:extLst>
                     <a:ext uri="{9D8B030D-6E8A-4147-A177-3AD203B41FA5}">
-                      <a16:colId xmlns:a16="http://schemas.microsoft.com/office/drawing/2014/main" val="20001"/>
+                      <a16:colId xmlns:a16="http://schemas.microsoft.com/office/drawing/2014/main" xmlns="" val="20001"/>
                     </a:ext>
                   </a:extLst>
                 </a:gridCol>
@@ -14443,7 +14443,7 @@
                 </a:tc>
                 <a:extLst>
                   <a:ext uri="{0D108BD9-81ED-4DB2-BD59-A6C34878D82A}">
-                    <a16:rowId xmlns:a16="http://schemas.microsoft.com/office/drawing/2014/main" val="10000"/>
+                    <a16:rowId xmlns:a16="http://schemas.microsoft.com/office/drawing/2014/main" xmlns="" val="10000"/>
                   </a:ext>
                 </a:extLst>
               </a:tr>
@@ -14568,7 +14568,7 @@
                 </a:tc>
                 <a:extLst>
                   <a:ext uri="{0D108BD9-81ED-4DB2-BD59-A6C34878D82A}">
-                    <a16:rowId xmlns:a16="http://schemas.microsoft.com/office/drawing/2014/main" val="10001"/>
+                    <a16:rowId xmlns:a16="http://schemas.microsoft.com/office/drawing/2014/main" xmlns="" val="10001"/>
                   </a:ext>
                 </a:extLst>
               </a:tr>
@@ -14693,7 +14693,7 @@
                 </a:tc>
                 <a:extLst>
                   <a:ext uri="{0D108BD9-81ED-4DB2-BD59-A6C34878D82A}">
-                    <a16:rowId xmlns:a16="http://schemas.microsoft.com/office/drawing/2014/main" val="10002"/>
+                    <a16:rowId xmlns:a16="http://schemas.microsoft.com/office/drawing/2014/main" xmlns="" val="10002"/>
                   </a:ext>
                 </a:extLst>
               </a:tr>
@@ -14802,7 +14802,7 @@
                 </a:tc>
                 <a:extLst>
                   <a:ext uri="{0D108BD9-81ED-4DB2-BD59-A6C34878D82A}">
-                    <a16:rowId xmlns:a16="http://schemas.microsoft.com/office/drawing/2014/main" val="10003"/>
+                    <a16:rowId xmlns:a16="http://schemas.microsoft.com/office/drawing/2014/main" xmlns="" val="10003"/>
                   </a:ext>
                 </a:extLst>
               </a:tr>
@@ -14911,7 +14911,7 @@
                 </a:tc>
                 <a:extLst>
                   <a:ext uri="{0D108BD9-81ED-4DB2-BD59-A6C34878D82A}">
-                    <a16:rowId xmlns:a16="http://schemas.microsoft.com/office/drawing/2014/main" val="10004"/>
+                    <a16:rowId xmlns:a16="http://schemas.microsoft.com/office/drawing/2014/main" xmlns="" val="10004"/>
                   </a:ext>
                 </a:extLst>
               </a:tr>
@@ -15020,7 +15020,7 @@
                 </a:tc>
                 <a:extLst>
                   <a:ext uri="{0D108BD9-81ED-4DB2-BD59-A6C34878D82A}">
-                    <a16:rowId xmlns:a16="http://schemas.microsoft.com/office/drawing/2014/main" val="10005"/>
+                    <a16:rowId xmlns:a16="http://schemas.microsoft.com/office/drawing/2014/main" xmlns="" val="10005"/>
                   </a:ext>
                 </a:extLst>
               </a:tr>
@@ -15129,7 +15129,7 @@
                 </a:tc>
                 <a:extLst>
                   <a:ext uri="{0D108BD9-81ED-4DB2-BD59-A6C34878D82A}">
-                    <a16:rowId xmlns:a16="http://schemas.microsoft.com/office/drawing/2014/main" val="10006"/>
+                    <a16:rowId xmlns:a16="http://schemas.microsoft.com/office/drawing/2014/main" xmlns="" val="10006"/>
                   </a:ext>
                 </a:extLst>
               </a:tr>
@@ -15238,7 +15238,7 @@
                 </a:tc>
                 <a:extLst>
                   <a:ext uri="{0D108BD9-81ED-4DB2-BD59-A6C34878D82A}">
-                    <a16:rowId xmlns:a16="http://schemas.microsoft.com/office/drawing/2014/main" val="10007"/>
+                    <a16:rowId xmlns:a16="http://schemas.microsoft.com/office/drawing/2014/main" xmlns="" val="10007"/>
                   </a:ext>
                 </a:extLst>
               </a:tr>
@@ -15347,7 +15347,7 @@
                 </a:tc>
                 <a:extLst>
                   <a:ext uri="{0D108BD9-81ED-4DB2-BD59-A6C34878D82A}">
-                    <a16:rowId xmlns:a16="http://schemas.microsoft.com/office/drawing/2014/main" val="10008"/>
+                    <a16:rowId xmlns:a16="http://schemas.microsoft.com/office/drawing/2014/main" xmlns="" val="10008"/>
                   </a:ext>
                 </a:extLst>
               </a:tr>
@@ -15472,7 +15472,7 @@
                 </a:tc>
                 <a:extLst>
                   <a:ext uri="{0D108BD9-81ED-4DB2-BD59-A6C34878D82A}">
-                    <a16:rowId xmlns:a16="http://schemas.microsoft.com/office/drawing/2014/main" val="10009"/>
+                    <a16:rowId xmlns:a16="http://schemas.microsoft.com/office/drawing/2014/main" xmlns="" val="10009"/>
                   </a:ext>
                 </a:extLst>
               </a:tr>
@@ -15581,7 +15581,7 @@
                 </a:tc>
                 <a:extLst>
                   <a:ext uri="{0D108BD9-81ED-4DB2-BD59-A6C34878D82A}">
-                    <a16:rowId xmlns:a16="http://schemas.microsoft.com/office/drawing/2014/main" val="10010"/>
+                    <a16:rowId xmlns:a16="http://schemas.microsoft.com/office/drawing/2014/main" xmlns="" val="10010"/>
                   </a:ext>
                 </a:extLst>
               </a:tr>
@@ -15594,7 +15594,7 @@
           <p:cNvPr id="23" name="TextBox 22">
             <a:extLst>
               <a:ext uri="{FF2B5EF4-FFF2-40B4-BE49-F238E27FC236}">
-                <a16:creationId xmlns:a16="http://schemas.microsoft.com/office/drawing/2014/main" id="{DF7DDD33-9412-2802-339A-E55446AC2DA7}"/>
+                <a16:creationId xmlns:a16="http://schemas.microsoft.com/office/drawing/2014/main" xmlns="" id="{DF7DDD33-9412-2802-339A-E55446AC2DA7}"/>
               </a:ext>
             </a:extLst>
           </p:cNvPr>
@@ -15642,7 +15642,7 @@
           <p:cNvPr id="24" name="TextBox 23">
             <a:extLst>
               <a:ext uri="{FF2B5EF4-FFF2-40B4-BE49-F238E27FC236}">
-                <a16:creationId xmlns:a16="http://schemas.microsoft.com/office/drawing/2014/main" id="{DF7DDD33-9412-2802-339A-E55446AC2DA7}"/>
+                <a16:creationId xmlns:a16="http://schemas.microsoft.com/office/drawing/2014/main" xmlns="" id="{DF7DDD33-9412-2802-339A-E55446AC2DA7}"/>
               </a:ext>
             </a:extLst>
           </p:cNvPr>
@@ -15690,7 +15690,7 @@
           <p:cNvPr id="26" name="TextBox 25">
             <a:extLst>
               <a:ext uri="{FF2B5EF4-FFF2-40B4-BE49-F238E27FC236}">
-                <a16:creationId xmlns:a16="http://schemas.microsoft.com/office/drawing/2014/main" id="{DF7DDD33-9412-2802-339A-E55446AC2DA7}"/>
+                <a16:creationId xmlns:a16="http://schemas.microsoft.com/office/drawing/2014/main" xmlns="" id="{DF7DDD33-9412-2802-339A-E55446AC2DA7}"/>
               </a:ext>
             </a:extLst>
           </p:cNvPr>
@@ -15738,7 +15738,7 @@
           <p:cNvPr id="28" name="TextBox 27">
             <a:extLst>
               <a:ext uri="{FF2B5EF4-FFF2-40B4-BE49-F238E27FC236}">
-                <a16:creationId xmlns:a16="http://schemas.microsoft.com/office/drawing/2014/main" id="{DF7DDD33-9412-2802-339A-E55446AC2DA7}"/>
+                <a16:creationId xmlns:a16="http://schemas.microsoft.com/office/drawing/2014/main" xmlns="" id="{DF7DDD33-9412-2802-339A-E55446AC2DA7}"/>
               </a:ext>
             </a:extLst>
           </p:cNvPr>
@@ -15786,7 +15786,7 @@
           <p:cNvPr id="30" name="TextBox 29">
             <a:extLst>
               <a:ext uri="{FF2B5EF4-FFF2-40B4-BE49-F238E27FC236}">
-                <a16:creationId xmlns:a16="http://schemas.microsoft.com/office/drawing/2014/main" id="{DF7DDD33-9412-2802-339A-E55446AC2DA7}"/>
+                <a16:creationId xmlns:a16="http://schemas.microsoft.com/office/drawing/2014/main" xmlns="" id="{DF7DDD33-9412-2802-339A-E55446AC2DA7}"/>
               </a:ext>
             </a:extLst>
           </p:cNvPr>
@@ -16414,7 +16414,7 @@
           <p:cNvPr id="2" name="TextBox 1">
             <a:extLst>
               <a:ext uri="{FF2B5EF4-FFF2-40B4-BE49-F238E27FC236}">
-                <a16:creationId xmlns:a16="http://schemas.microsoft.com/office/drawing/2014/main" id="{8D19D88B-9541-32D7-90F1-0C45C993E21C}"/>
+                <a16:creationId xmlns:a16="http://schemas.microsoft.com/office/drawing/2014/main" xmlns="" id="{8D19D88B-9541-32D7-90F1-0C45C993E21C}"/>
               </a:ext>
             </a:extLst>
           </p:cNvPr>
@@ -16518,7 +16518,7 @@
           <p:cNvPr id="5" name="직사각형 4">
             <a:extLst>
               <a:ext uri="{FF2B5EF4-FFF2-40B4-BE49-F238E27FC236}">
-                <a16:creationId xmlns:a16="http://schemas.microsoft.com/office/drawing/2014/main" id="{FFF506F9-840A-0508-4CAF-3AC711D8D5CE}"/>
+                <a16:creationId xmlns:a16="http://schemas.microsoft.com/office/drawing/2014/main" xmlns="" id="{FFF506F9-840A-0508-4CAF-3AC711D8D5CE}"/>
               </a:ext>
             </a:extLst>
           </p:cNvPr>
@@ -16594,7 +16594,7 @@
           <p:cNvPr id="7" name="직사각형 6">
             <a:extLst>
               <a:ext uri="{FF2B5EF4-FFF2-40B4-BE49-F238E27FC236}">
-                <a16:creationId xmlns:a16="http://schemas.microsoft.com/office/drawing/2014/main" id="{FFF506F9-840A-0508-4CAF-3AC711D8D5CE}"/>
+                <a16:creationId xmlns:a16="http://schemas.microsoft.com/office/drawing/2014/main" xmlns="" id="{FFF506F9-840A-0508-4CAF-3AC711D8D5CE}"/>
               </a:ext>
             </a:extLst>
           </p:cNvPr>
@@ -16972,7 +16972,7 @@
           <p:cNvPr id="4" name="TextBox 3">
             <a:extLst>
               <a:ext uri="{FF2B5EF4-FFF2-40B4-BE49-F238E27FC236}">
-                <a16:creationId xmlns:a16="http://schemas.microsoft.com/office/drawing/2014/main" id="{DF7DDD33-9412-2802-339A-E55446AC2DA7}"/>
+                <a16:creationId xmlns:a16="http://schemas.microsoft.com/office/drawing/2014/main" xmlns="" id="{DF7DDD33-9412-2802-339A-E55446AC2DA7}"/>
               </a:ext>
             </a:extLst>
           </p:cNvPr>
@@ -17143,7 +17143,7 @@
           <p:cNvPr id="9" name="직선 화살표 연결선 8">
             <a:extLst>
               <a:ext uri="{FF2B5EF4-FFF2-40B4-BE49-F238E27FC236}">
-                <a16:creationId xmlns:a16="http://schemas.microsoft.com/office/drawing/2014/main" id="{299DF5EC-9DF4-5255-06AC-0A7CE4FF58C3}"/>
+                <a16:creationId xmlns:a16="http://schemas.microsoft.com/office/drawing/2014/main" xmlns="" id="{299DF5EC-9DF4-5255-06AC-0A7CE4FF58C3}"/>
               </a:ext>
             </a:extLst>
           </p:cNvPr>
@@ -17184,7 +17184,7 @@
           <p:cNvPr id="10" name="직사각형 9">
             <a:extLst>
               <a:ext uri="{FF2B5EF4-FFF2-40B4-BE49-F238E27FC236}">
-                <a16:creationId xmlns:a16="http://schemas.microsoft.com/office/drawing/2014/main" id="{FFF506F9-840A-0508-4CAF-3AC711D8D5CE}"/>
+                <a16:creationId xmlns:a16="http://schemas.microsoft.com/office/drawing/2014/main" xmlns="" id="{FFF506F9-840A-0508-4CAF-3AC711D8D5CE}"/>
               </a:ext>
             </a:extLst>
           </p:cNvPr>
@@ -17236,7 +17236,7 @@
           <p:cNvPr id="11" name="TextBox 10">
             <a:extLst>
               <a:ext uri="{FF2B5EF4-FFF2-40B4-BE49-F238E27FC236}">
-                <a16:creationId xmlns:a16="http://schemas.microsoft.com/office/drawing/2014/main" id="{C6D113C6-EA5C-788F-0C77-E7CE6EBB865F}"/>
+                <a16:creationId xmlns:a16="http://schemas.microsoft.com/office/drawing/2014/main" xmlns="" id="{C6D113C6-EA5C-788F-0C77-E7CE6EBB865F}"/>
               </a:ext>
             </a:extLst>
           </p:cNvPr>
@@ -17284,7 +17284,7 @@
           <p:cNvPr id="14" name="TextBox 13">
             <a:extLst>
               <a:ext uri="{FF2B5EF4-FFF2-40B4-BE49-F238E27FC236}">
-                <a16:creationId xmlns:a16="http://schemas.microsoft.com/office/drawing/2014/main" id="{C6D113C6-EA5C-788F-0C77-E7CE6EBB865F}"/>
+                <a16:creationId xmlns:a16="http://schemas.microsoft.com/office/drawing/2014/main" xmlns="" id="{C6D113C6-EA5C-788F-0C77-E7CE6EBB865F}"/>
               </a:ext>
             </a:extLst>
           </p:cNvPr>
@@ -17622,7 +17622,7 @@
           <p:cNvPr id="4" name="TextBox 3">
             <a:extLst>
               <a:ext uri="{FF2B5EF4-FFF2-40B4-BE49-F238E27FC236}">
-                <a16:creationId xmlns:a16="http://schemas.microsoft.com/office/drawing/2014/main" id="{DF7DDD33-9412-2802-339A-E55446AC2DA7}"/>
+                <a16:creationId xmlns:a16="http://schemas.microsoft.com/office/drawing/2014/main" xmlns="" id="{DF7DDD33-9412-2802-339A-E55446AC2DA7}"/>
               </a:ext>
             </a:extLst>
           </p:cNvPr>
@@ -17693,7 +17693,7 @@
           <p:cNvPr id="5" name="TextBox 4">
             <a:extLst>
               <a:ext uri="{FF2B5EF4-FFF2-40B4-BE49-F238E27FC236}">
-                <a16:creationId xmlns:a16="http://schemas.microsoft.com/office/drawing/2014/main" id="{DF7DDD33-9412-2802-339A-E55446AC2DA7}"/>
+                <a16:creationId xmlns:a16="http://schemas.microsoft.com/office/drawing/2014/main" xmlns="" id="{DF7DDD33-9412-2802-339A-E55446AC2DA7}"/>
               </a:ext>
             </a:extLst>
           </p:cNvPr>
@@ -17857,7 +17857,7 @@
           <p:cNvPr id="4" name="Object 1">
             <a:extLst>
               <a:ext uri="{FF2B5EF4-FFF2-40B4-BE49-F238E27FC236}">
-                <a16:creationId xmlns:a16="http://schemas.microsoft.com/office/drawing/2014/main" id="{B0329035-BE76-33A8-0F2E-44624FCC1DED}"/>
+                <a16:creationId xmlns:a16="http://schemas.microsoft.com/office/drawing/2014/main" xmlns="" id="{B0329035-BE76-33A8-0F2E-44624FCC1DED}"/>
               </a:ext>
             </a:extLst>
           </p:cNvPr>
@@ -17887,7 +17887,7 @@
           <p:cNvPr id="7" name="그룹 1001">
             <a:extLst>
               <a:ext uri="{FF2B5EF4-FFF2-40B4-BE49-F238E27FC236}">
-                <a16:creationId xmlns:a16="http://schemas.microsoft.com/office/drawing/2014/main" id="{CD24CE9D-AC18-B6CD-F397-7E8E03D6FE26}"/>
+                <a16:creationId xmlns:a16="http://schemas.microsoft.com/office/drawing/2014/main" xmlns="" id="{CD24CE9D-AC18-B6CD-F397-7E8E03D6FE26}"/>
               </a:ext>
             </a:extLst>
           </p:cNvPr>
@@ -17907,7 +17907,7 @@
             <p:cNvPr id="8" name="Object 5">
               <a:extLst>
                 <a:ext uri="{FF2B5EF4-FFF2-40B4-BE49-F238E27FC236}">
-                  <a16:creationId xmlns:a16="http://schemas.microsoft.com/office/drawing/2014/main" id="{0EEF25E8-3BA8-EBAA-6DC2-66D70C3F9F4D}"/>
+                  <a16:creationId xmlns:a16="http://schemas.microsoft.com/office/drawing/2014/main" xmlns="" id="{0EEF25E8-3BA8-EBAA-6DC2-66D70C3F9F4D}"/>
                 </a:ext>
               </a:extLst>
             </p:cNvPr>
@@ -17938,7 +17938,7 @@
           <p:cNvPr id="9" name="그룹 1002">
             <a:extLst>
               <a:ext uri="{FF2B5EF4-FFF2-40B4-BE49-F238E27FC236}">
-                <a16:creationId xmlns:a16="http://schemas.microsoft.com/office/drawing/2014/main" id="{0F281BC9-DE1F-D1FE-E64C-C4640398F00C}"/>
+                <a16:creationId xmlns:a16="http://schemas.microsoft.com/office/drawing/2014/main" xmlns="" id="{0F281BC9-DE1F-D1FE-E64C-C4640398F00C}"/>
               </a:ext>
             </a:extLst>
           </p:cNvPr>
@@ -17958,7 +17958,7 @@
             <p:cNvPr id="10" name="Object 8">
               <a:extLst>
                 <a:ext uri="{FF2B5EF4-FFF2-40B4-BE49-F238E27FC236}">
-                  <a16:creationId xmlns:a16="http://schemas.microsoft.com/office/drawing/2014/main" id="{F669DCEF-04BB-7046-3F7F-5B513213556E}"/>
+                  <a16:creationId xmlns:a16="http://schemas.microsoft.com/office/drawing/2014/main" xmlns="" id="{F669DCEF-04BB-7046-3F7F-5B513213556E}"/>
                 </a:ext>
               </a:extLst>
             </p:cNvPr>
@@ -17989,7 +17989,7 @@
           <p:cNvPr id="11" name="그룹 1003">
             <a:extLst>
               <a:ext uri="{FF2B5EF4-FFF2-40B4-BE49-F238E27FC236}">
-                <a16:creationId xmlns:a16="http://schemas.microsoft.com/office/drawing/2014/main" id="{1F91EEF9-13EA-BB7F-B056-D35E7DB989AC}"/>
+                <a16:creationId xmlns:a16="http://schemas.microsoft.com/office/drawing/2014/main" xmlns="" id="{1F91EEF9-13EA-BB7F-B056-D35E7DB989AC}"/>
               </a:ext>
             </a:extLst>
           </p:cNvPr>
@@ -18009,7 +18009,7 @@
             <p:cNvPr id="12" name="Object 11">
               <a:extLst>
                 <a:ext uri="{FF2B5EF4-FFF2-40B4-BE49-F238E27FC236}">
-                  <a16:creationId xmlns:a16="http://schemas.microsoft.com/office/drawing/2014/main" id="{2CFFB217-AEFB-2C9E-5F86-6EE19510FFC6}"/>
+                  <a16:creationId xmlns:a16="http://schemas.microsoft.com/office/drawing/2014/main" xmlns="" id="{2CFFB217-AEFB-2C9E-5F86-6EE19510FFC6}"/>
                 </a:ext>
               </a:extLst>
             </p:cNvPr>
@@ -18040,7 +18040,7 @@
           <p:cNvPr id="13" name="그룹 1004">
             <a:extLst>
               <a:ext uri="{FF2B5EF4-FFF2-40B4-BE49-F238E27FC236}">
-                <a16:creationId xmlns:a16="http://schemas.microsoft.com/office/drawing/2014/main" id="{123B9C7E-94E8-E7E1-81BE-D59EA0299187}"/>
+                <a16:creationId xmlns:a16="http://schemas.microsoft.com/office/drawing/2014/main" xmlns="" id="{123B9C7E-94E8-E7E1-81BE-D59EA0299187}"/>
               </a:ext>
             </a:extLst>
           </p:cNvPr>
@@ -18060,7 +18060,7 @@
             <p:cNvPr id="14" name="Object 14">
               <a:extLst>
                 <a:ext uri="{FF2B5EF4-FFF2-40B4-BE49-F238E27FC236}">
-                  <a16:creationId xmlns:a16="http://schemas.microsoft.com/office/drawing/2014/main" id="{B6291552-2D89-A79F-7ACD-EA0EF9A4C389}"/>
+                  <a16:creationId xmlns:a16="http://schemas.microsoft.com/office/drawing/2014/main" xmlns="" id="{B6291552-2D89-A79F-7ACD-EA0EF9A4C389}"/>
                 </a:ext>
               </a:extLst>
             </p:cNvPr>
@@ -18091,7 +18091,7 @@
           <p:cNvPr id="15" name="TextBox 14">
             <a:extLst>
               <a:ext uri="{FF2B5EF4-FFF2-40B4-BE49-F238E27FC236}">
-                <a16:creationId xmlns:a16="http://schemas.microsoft.com/office/drawing/2014/main" id="{7D99763A-FC24-23F5-5BA9-D7B042E0F323}"/>
+                <a16:creationId xmlns:a16="http://schemas.microsoft.com/office/drawing/2014/main" xmlns="" id="{7D99763A-FC24-23F5-5BA9-D7B042E0F323}"/>
               </a:ext>
             </a:extLst>
           </p:cNvPr>
@@ -18200,7 +18200,7 @@
           <p:cNvPr id="5" name="직선 화살표 연결선 4">
             <a:extLst>
               <a:ext uri="{FF2B5EF4-FFF2-40B4-BE49-F238E27FC236}">
-                <a16:creationId xmlns:a16="http://schemas.microsoft.com/office/drawing/2014/main" id="{299DF5EC-9DF4-5255-06AC-0A7CE4FF58C3}"/>
+                <a16:creationId xmlns:a16="http://schemas.microsoft.com/office/drawing/2014/main" xmlns="" id="{299DF5EC-9DF4-5255-06AC-0A7CE4FF58C3}"/>
               </a:ext>
             </a:extLst>
           </p:cNvPr>
@@ -18241,7 +18241,7 @@
           <p:cNvPr id="6" name="직사각형 5">
             <a:extLst>
               <a:ext uri="{FF2B5EF4-FFF2-40B4-BE49-F238E27FC236}">
-                <a16:creationId xmlns:a16="http://schemas.microsoft.com/office/drawing/2014/main" id="{FFF506F9-840A-0508-4CAF-3AC711D8D5CE}"/>
+                <a16:creationId xmlns:a16="http://schemas.microsoft.com/office/drawing/2014/main" xmlns="" id="{FFF506F9-840A-0508-4CAF-3AC711D8D5CE}"/>
               </a:ext>
             </a:extLst>
           </p:cNvPr>
@@ -18293,7 +18293,7 @@
           <p:cNvPr id="7" name="TextBox 6">
             <a:extLst>
               <a:ext uri="{FF2B5EF4-FFF2-40B4-BE49-F238E27FC236}">
-                <a16:creationId xmlns:a16="http://schemas.microsoft.com/office/drawing/2014/main" id="{C6D113C6-EA5C-788F-0C77-E7CE6EBB865F}"/>
+                <a16:creationId xmlns:a16="http://schemas.microsoft.com/office/drawing/2014/main" xmlns="" id="{C6D113C6-EA5C-788F-0C77-E7CE6EBB865F}"/>
               </a:ext>
             </a:extLst>
           </p:cNvPr>
@@ -18341,7 +18341,7 @@
           <p:cNvPr id="8" name="직선 화살표 연결선 7">
             <a:extLst>
               <a:ext uri="{FF2B5EF4-FFF2-40B4-BE49-F238E27FC236}">
-                <a16:creationId xmlns:a16="http://schemas.microsoft.com/office/drawing/2014/main" id="{299DF5EC-9DF4-5255-06AC-0A7CE4FF58C3}"/>
+                <a16:creationId xmlns:a16="http://schemas.microsoft.com/office/drawing/2014/main" xmlns="" id="{299DF5EC-9DF4-5255-06AC-0A7CE4FF58C3}"/>
               </a:ext>
             </a:extLst>
           </p:cNvPr>
@@ -18382,7 +18382,7 @@
           <p:cNvPr id="9" name="직사각형 8">
             <a:extLst>
               <a:ext uri="{FF2B5EF4-FFF2-40B4-BE49-F238E27FC236}">
-                <a16:creationId xmlns:a16="http://schemas.microsoft.com/office/drawing/2014/main" id="{FFF506F9-840A-0508-4CAF-3AC711D8D5CE}"/>
+                <a16:creationId xmlns:a16="http://schemas.microsoft.com/office/drawing/2014/main" xmlns="" id="{FFF506F9-840A-0508-4CAF-3AC711D8D5CE}"/>
               </a:ext>
             </a:extLst>
           </p:cNvPr>
@@ -18434,7 +18434,7 @@
           <p:cNvPr id="10" name="TextBox 9">
             <a:extLst>
               <a:ext uri="{FF2B5EF4-FFF2-40B4-BE49-F238E27FC236}">
-                <a16:creationId xmlns:a16="http://schemas.microsoft.com/office/drawing/2014/main" id="{C6D113C6-EA5C-788F-0C77-E7CE6EBB865F}"/>
+                <a16:creationId xmlns:a16="http://schemas.microsoft.com/office/drawing/2014/main" xmlns="" id="{C6D113C6-EA5C-788F-0C77-E7CE6EBB865F}"/>
               </a:ext>
             </a:extLst>
           </p:cNvPr>
@@ -18482,7 +18482,7 @@
           <p:cNvPr id="11" name="TextBox 10">
             <a:extLst>
               <a:ext uri="{FF2B5EF4-FFF2-40B4-BE49-F238E27FC236}">
-                <a16:creationId xmlns:a16="http://schemas.microsoft.com/office/drawing/2014/main" id="{C6D113C6-EA5C-788F-0C77-E7CE6EBB865F}"/>
+                <a16:creationId xmlns:a16="http://schemas.microsoft.com/office/drawing/2014/main" xmlns="" id="{C6D113C6-EA5C-788F-0C77-E7CE6EBB865F}"/>
               </a:ext>
             </a:extLst>
           </p:cNvPr>
@@ -18540,7 +18540,7 @@
           <p:cNvPr id="12" name="표 2">
             <a:extLst>
               <a:ext uri="{FF2B5EF4-FFF2-40B4-BE49-F238E27FC236}">
-                <a16:creationId xmlns:a16="http://schemas.microsoft.com/office/drawing/2014/main" id="{D2CC6F32-611A-E22D-EB8C-52D626A5B319}"/>
+                <a16:creationId xmlns:a16="http://schemas.microsoft.com/office/drawing/2014/main" xmlns="" id="{D2CC6F32-611A-E22D-EB8C-52D626A5B319}"/>
               </a:ext>
             </a:extLst>
           </p:cNvPr>
@@ -18569,14 +18569,14 @@
                 <a:gridCol w="1731833">
                   <a:extLst>
                     <a:ext uri="{9D8B030D-6E8A-4147-A177-3AD203B41FA5}">
-                      <a16:colId xmlns:a16="http://schemas.microsoft.com/office/drawing/2014/main" val="1960770391"/>
+                      <a16:colId xmlns:a16="http://schemas.microsoft.com/office/drawing/2014/main" xmlns="" val="1960770391"/>
                     </a:ext>
                   </a:extLst>
                 </a:gridCol>
                 <a:gridCol w="1752960">
                   <a:extLst>
                     <a:ext uri="{9D8B030D-6E8A-4147-A177-3AD203B41FA5}">
-                      <a16:colId xmlns:a16="http://schemas.microsoft.com/office/drawing/2014/main" val="733308553"/>
+                      <a16:colId xmlns:a16="http://schemas.microsoft.com/office/drawing/2014/main" xmlns="" val="733308553"/>
                     </a:ext>
                   </a:extLst>
                 </a:gridCol>
@@ -18714,7 +18714,7 @@
                 </a:tc>
                 <a:extLst>
                   <a:ext uri="{0D108BD9-81ED-4DB2-BD59-A6C34878D82A}">
-                    <a16:rowId xmlns:a16="http://schemas.microsoft.com/office/drawing/2014/main" val="2452905565"/>
+                    <a16:rowId xmlns:a16="http://schemas.microsoft.com/office/drawing/2014/main" xmlns="" val="2452905565"/>
                   </a:ext>
                 </a:extLst>
               </a:tr>
@@ -18851,7 +18851,7 @@
                 </a:tc>
                 <a:extLst>
                   <a:ext uri="{0D108BD9-81ED-4DB2-BD59-A6C34878D82A}">
-                    <a16:rowId xmlns:a16="http://schemas.microsoft.com/office/drawing/2014/main" val="3551452526"/>
+                    <a16:rowId xmlns:a16="http://schemas.microsoft.com/office/drawing/2014/main" xmlns="" val="3551452526"/>
                   </a:ext>
                 </a:extLst>
               </a:tr>
@@ -18972,7 +18972,7 @@
                 </a:tc>
                 <a:extLst>
                   <a:ext uri="{0D108BD9-81ED-4DB2-BD59-A6C34878D82A}">
-                    <a16:rowId xmlns:a16="http://schemas.microsoft.com/office/drawing/2014/main" val="3645064171"/>
+                    <a16:rowId xmlns:a16="http://schemas.microsoft.com/office/drawing/2014/main" xmlns="" val="3645064171"/>
                   </a:ext>
                 </a:extLst>
               </a:tr>
@@ -19093,7 +19093,7 @@
                 </a:tc>
                 <a:extLst>
                   <a:ext uri="{0D108BD9-81ED-4DB2-BD59-A6C34878D82A}">
-                    <a16:rowId xmlns:a16="http://schemas.microsoft.com/office/drawing/2014/main" val="2802120283"/>
+                    <a16:rowId xmlns:a16="http://schemas.microsoft.com/office/drawing/2014/main" xmlns="" val="2802120283"/>
                   </a:ext>
                 </a:extLst>
               </a:tr>
@@ -19214,7 +19214,7 @@
                 </a:tc>
                 <a:extLst>
                   <a:ext uri="{0D108BD9-81ED-4DB2-BD59-A6C34878D82A}">
-                    <a16:rowId xmlns:a16="http://schemas.microsoft.com/office/drawing/2014/main" val="1362299918"/>
+                    <a16:rowId xmlns:a16="http://schemas.microsoft.com/office/drawing/2014/main" xmlns="" val="1362299918"/>
                   </a:ext>
                 </a:extLst>
               </a:tr>
@@ -19654,7 +19654,7 @@
           <p:cNvPr id="60" name="TextBox 59">
             <a:extLst>
               <a:ext uri="{FF2B5EF4-FFF2-40B4-BE49-F238E27FC236}">
-                <a16:creationId xmlns:a16="http://schemas.microsoft.com/office/drawing/2014/main" id="{5ADC00B6-990A-40DC-3CEA-505258F5E8DA}"/>
+                <a16:creationId xmlns:a16="http://schemas.microsoft.com/office/drawing/2014/main" xmlns="" id="{5ADC00B6-990A-40DC-3CEA-505258F5E8DA}"/>
               </a:ext>
             </a:extLst>
           </p:cNvPr>
@@ -19702,7 +19702,7 @@
           <p:cNvPr id="61" name="TextBox 60">
             <a:extLst>
               <a:ext uri="{FF2B5EF4-FFF2-40B4-BE49-F238E27FC236}">
-                <a16:creationId xmlns:a16="http://schemas.microsoft.com/office/drawing/2014/main" id="{5ADC00B6-990A-40DC-3CEA-505258F5E8DA}"/>
+                <a16:creationId xmlns:a16="http://schemas.microsoft.com/office/drawing/2014/main" xmlns="" id="{5ADC00B6-990A-40DC-3CEA-505258F5E8DA}"/>
               </a:ext>
             </a:extLst>
           </p:cNvPr>
@@ -19750,7 +19750,7 @@
           <p:cNvPr id="62" name="TextBox 61">
             <a:extLst>
               <a:ext uri="{FF2B5EF4-FFF2-40B4-BE49-F238E27FC236}">
-                <a16:creationId xmlns:a16="http://schemas.microsoft.com/office/drawing/2014/main" id="{5ADC00B6-990A-40DC-3CEA-505258F5E8DA}"/>
+                <a16:creationId xmlns:a16="http://schemas.microsoft.com/office/drawing/2014/main" xmlns="" id="{5ADC00B6-990A-40DC-3CEA-505258F5E8DA}"/>
               </a:ext>
             </a:extLst>
           </p:cNvPr>
@@ -19798,7 +19798,7 @@
           <p:cNvPr id="19" name="TextBox 18">
             <a:extLst>
               <a:ext uri="{FF2B5EF4-FFF2-40B4-BE49-F238E27FC236}">
-                <a16:creationId xmlns:a16="http://schemas.microsoft.com/office/drawing/2014/main" id="{5ADC00B6-990A-40DC-3CEA-505258F5E8DA}"/>
+                <a16:creationId xmlns:a16="http://schemas.microsoft.com/office/drawing/2014/main" xmlns="" id="{5ADC00B6-990A-40DC-3CEA-505258F5E8DA}"/>
               </a:ext>
             </a:extLst>
           </p:cNvPr>
@@ -19903,7 +19903,7 @@
           <p:cNvPr id="4" name="TextBox 3">
             <a:extLst>
               <a:ext uri="{FF2B5EF4-FFF2-40B4-BE49-F238E27FC236}">
-                <a16:creationId xmlns:a16="http://schemas.microsoft.com/office/drawing/2014/main" id="{5ADC00B6-990A-40DC-3CEA-505258F5E8DA}"/>
+                <a16:creationId xmlns:a16="http://schemas.microsoft.com/office/drawing/2014/main" xmlns="" id="{5ADC00B6-990A-40DC-3CEA-505258F5E8DA}"/>
               </a:ext>
             </a:extLst>
           </p:cNvPr>
@@ -19975,7 +19975,7 @@
           <p:cNvPr id="6" name="TextBox 5">
             <a:extLst>
               <a:ext uri="{FF2B5EF4-FFF2-40B4-BE49-F238E27FC236}">
-                <a16:creationId xmlns:a16="http://schemas.microsoft.com/office/drawing/2014/main" id="{5ADC00B6-990A-40DC-3CEA-505258F5E8DA}"/>
+                <a16:creationId xmlns:a16="http://schemas.microsoft.com/office/drawing/2014/main" xmlns="" id="{5ADC00B6-990A-40DC-3CEA-505258F5E8DA}"/>
               </a:ext>
             </a:extLst>
           </p:cNvPr>
@@ -20165,7 +20165,7 @@
           <p:cNvPr id="4" name="TextBox 3">
             <a:extLst>
               <a:ext uri="{FF2B5EF4-FFF2-40B4-BE49-F238E27FC236}">
-                <a16:creationId xmlns:a16="http://schemas.microsoft.com/office/drawing/2014/main" id="{5ADC00B6-990A-40DC-3CEA-505258F5E8DA}"/>
+                <a16:creationId xmlns:a16="http://schemas.microsoft.com/office/drawing/2014/main" xmlns="" id="{5ADC00B6-990A-40DC-3CEA-505258F5E8DA}"/>
               </a:ext>
             </a:extLst>
           </p:cNvPr>
@@ -20237,7 +20237,7 @@
           <p:cNvPr id="8" name="직사각형 7">
             <a:extLst>
               <a:ext uri="{FF2B5EF4-FFF2-40B4-BE49-F238E27FC236}">
-                <a16:creationId xmlns:a16="http://schemas.microsoft.com/office/drawing/2014/main" id="{FFF506F9-840A-0508-4CAF-3AC711D8D5CE}"/>
+                <a16:creationId xmlns:a16="http://schemas.microsoft.com/office/drawing/2014/main" xmlns="" id="{FFF506F9-840A-0508-4CAF-3AC711D8D5CE}"/>
               </a:ext>
             </a:extLst>
           </p:cNvPr>
@@ -20289,7 +20289,7 @@
           <p:cNvPr id="9" name="직사각형 8">
             <a:extLst>
               <a:ext uri="{FF2B5EF4-FFF2-40B4-BE49-F238E27FC236}">
-                <a16:creationId xmlns:a16="http://schemas.microsoft.com/office/drawing/2014/main" id="{FFF506F9-840A-0508-4CAF-3AC711D8D5CE}"/>
+                <a16:creationId xmlns:a16="http://schemas.microsoft.com/office/drawing/2014/main" xmlns="" id="{FFF506F9-840A-0508-4CAF-3AC711D8D5CE}"/>
               </a:ext>
             </a:extLst>
           </p:cNvPr>
@@ -20341,7 +20341,7 @@
           <p:cNvPr id="10" name="직사각형 9">
             <a:extLst>
               <a:ext uri="{FF2B5EF4-FFF2-40B4-BE49-F238E27FC236}">
-                <a16:creationId xmlns:a16="http://schemas.microsoft.com/office/drawing/2014/main" id="{FFF506F9-840A-0508-4CAF-3AC711D8D5CE}"/>
+                <a16:creationId xmlns:a16="http://schemas.microsoft.com/office/drawing/2014/main" xmlns="" id="{FFF506F9-840A-0508-4CAF-3AC711D8D5CE}"/>
               </a:ext>
             </a:extLst>
           </p:cNvPr>
@@ -20393,7 +20393,7 @@
           <p:cNvPr id="12" name="그룹 1008">
             <a:extLst>
               <a:ext uri="{FF2B5EF4-FFF2-40B4-BE49-F238E27FC236}">
-                <a16:creationId xmlns:a16="http://schemas.microsoft.com/office/drawing/2014/main" id="{678F6342-C505-E8AD-ADA4-022CB2C2088E}"/>
+                <a16:creationId xmlns:a16="http://schemas.microsoft.com/office/drawing/2014/main" xmlns="" id="{678F6342-C505-E8AD-ADA4-022CB2C2088E}"/>
               </a:ext>
             </a:extLst>
           </p:cNvPr>
@@ -20413,7 +20413,7 @@
             <p:cNvPr id="13" name="그룹 1009">
               <a:extLst>
                 <a:ext uri="{FF2B5EF4-FFF2-40B4-BE49-F238E27FC236}">
-                  <a16:creationId xmlns:a16="http://schemas.microsoft.com/office/drawing/2014/main" id="{4E1F1FED-812B-9BBB-925A-84B54A077414}"/>
+                  <a16:creationId xmlns:a16="http://schemas.microsoft.com/office/drawing/2014/main" xmlns="" id="{4E1F1FED-812B-9BBB-925A-84B54A077414}"/>
                 </a:ext>
               </a:extLst>
             </p:cNvPr>
@@ -20433,7 +20433,7 @@
               <p:cNvPr id="18" name="Object 29">
                 <a:extLst>
                   <a:ext uri="{FF2B5EF4-FFF2-40B4-BE49-F238E27FC236}">
-                    <a16:creationId xmlns:a16="http://schemas.microsoft.com/office/drawing/2014/main" id="{7B078609-4286-7B00-51EB-809C8E2DE289}"/>
+                    <a16:creationId xmlns:a16="http://schemas.microsoft.com/office/drawing/2014/main" xmlns="" id="{7B078609-4286-7B00-51EB-809C8E2DE289}"/>
                   </a:ext>
                 </a:extLst>
               </p:cNvPr>
@@ -20464,7 +20464,7 @@
             <p:cNvPr id="14" name="그룹 1010">
               <a:extLst>
                 <a:ext uri="{FF2B5EF4-FFF2-40B4-BE49-F238E27FC236}">
-                  <a16:creationId xmlns:a16="http://schemas.microsoft.com/office/drawing/2014/main" id="{02A649BF-B5B5-FBAF-7DFD-E118A4DF8907}"/>
+                  <a16:creationId xmlns:a16="http://schemas.microsoft.com/office/drawing/2014/main" xmlns="" id="{02A649BF-B5B5-FBAF-7DFD-E118A4DF8907}"/>
                 </a:ext>
               </a:extLst>
             </p:cNvPr>
@@ -20484,7 +20484,7 @@
               <p:cNvPr id="17" name="Object 32">
                 <a:extLst>
                   <a:ext uri="{FF2B5EF4-FFF2-40B4-BE49-F238E27FC236}">
-                    <a16:creationId xmlns:a16="http://schemas.microsoft.com/office/drawing/2014/main" id="{2A0FFF23-B3C9-3EA0-1C1B-A87D4FF098AE}"/>
+                    <a16:creationId xmlns:a16="http://schemas.microsoft.com/office/drawing/2014/main" xmlns="" id="{2A0FFF23-B3C9-3EA0-1C1B-A87D4FF098AE}"/>
                   </a:ext>
                 </a:extLst>
               </p:cNvPr>
@@ -20515,7 +20515,7 @@
             <p:cNvPr id="15" name="그룹 1011">
               <a:extLst>
                 <a:ext uri="{FF2B5EF4-FFF2-40B4-BE49-F238E27FC236}">
-                  <a16:creationId xmlns:a16="http://schemas.microsoft.com/office/drawing/2014/main" id="{881F5410-F7FB-F261-A584-707359BAC593}"/>
+                  <a16:creationId xmlns:a16="http://schemas.microsoft.com/office/drawing/2014/main" xmlns="" id="{881F5410-F7FB-F261-A584-707359BAC593}"/>
                 </a:ext>
               </a:extLst>
             </p:cNvPr>
@@ -20535,7 +20535,7 @@
               <p:cNvPr id="16" name="Object 35">
                 <a:extLst>
                   <a:ext uri="{FF2B5EF4-FFF2-40B4-BE49-F238E27FC236}">
-                    <a16:creationId xmlns:a16="http://schemas.microsoft.com/office/drawing/2014/main" id="{4E99E669-73EB-F9F4-EFE8-DC107035C265}"/>
+                    <a16:creationId xmlns:a16="http://schemas.microsoft.com/office/drawing/2014/main" xmlns="" id="{4E99E669-73EB-F9F4-EFE8-DC107035C265}"/>
                   </a:ext>
                 </a:extLst>
               </p:cNvPr>
@@ -20567,7 +20567,7 @@
           <p:cNvPr id="19" name="직사각형 18">
             <a:extLst>
               <a:ext uri="{FF2B5EF4-FFF2-40B4-BE49-F238E27FC236}">
-                <a16:creationId xmlns:a16="http://schemas.microsoft.com/office/drawing/2014/main" id="{FFF506F9-840A-0508-4CAF-3AC711D8D5CE}"/>
+                <a16:creationId xmlns:a16="http://schemas.microsoft.com/office/drawing/2014/main" xmlns="" id="{FFF506F9-840A-0508-4CAF-3AC711D8D5CE}"/>
               </a:ext>
             </a:extLst>
           </p:cNvPr>
@@ -20865,7 +20865,7 @@
           <p:cNvPr id="4" name="TextBox 3">
             <a:extLst>
               <a:ext uri="{FF2B5EF4-FFF2-40B4-BE49-F238E27FC236}">
-                <a16:creationId xmlns:a16="http://schemas.microsoft.com/office/drawing/2014/main" id="{5ADC00B6-990A-40DC-3CEA-505258F5E8DA}"/>
+                <a16:creationId xmlns:a16="http://schemas.microsoft.com/office/drawing/2014/main" xmlns="" id="{5ADC00B6-990A-40DC-3CEA-505258F5E8DA}"/>
               </a:ext>
             </a:extLst>
           </p:cNvPr>
@@ -20977,7 +20977,7 @@
           <p:cNvPr id="5" name="TextBox 4">
             <a:extLst>
               <a:ext uri="{FF2B5EF4-FFF2-40B4-BE49-F238E27FC236}">
-                <a16:creationId xmlns:a16="http://schemas.microsoft.com/office/drawing/2014/main" id="{5ADC00B6-990A-40DC-3CEA-505258F5E8DA}"/>
+                <a16:creationId xmlns:a16="http://schemas.microsoft.com/office/drawing/2014/main" xmlns="" id="{5ADC00B6-990A-40DC-3CEA-505258F5E8DA}"/>
               </a:ext>
             </a:extLst>
           </p:cNvPr>
@@ -21031,7 +21031,7 @@
           <p:cNvPr id="6" name="TextBox 5">
             <a:extLst>
               <a:ext uri="{FF2B5EF4-FFF2-40B4-BE49-F238E27FC236}">
-                <a16:creationId xmlns:a16="http://schemas.microsoft.com/office/drawing/2014/main" id="{5ADC00B6-990A-40DC-3CEA-505258F5E8DA}"/>
+                <a16:creationId xmlns:a16="http://schemas.microsoft.com/office/drawing/2014/main" xmlns="" id="{5ADC00B6-990A-40DC-3CEA-505258F5E8DA}"/>
               </a:ext>
             </a:extLst>
           </p:cNvPr>
@@ -21079,7 +21079,7 @@
           <p:cNvPr id="7" name="TextBox 6">
             <a:extLst>
               <a:ext uri="{FF2B5EF4-FFF2-40B4-BE49-F238E27FC236}">
-                <a16:creationId xmlns:a16="http://schemas.microsoft.com/office/drawing/2014/main" id="{5ADC00B6-990A-40DC-3CEA-505258F5E8DA}"/>
+                <a16:creationId xmlns:a16="http://schemas.microsoft.com/office/drawing/2014/main" xmlns="" id="{5ADC00B6-990A-40DC-3CEA-505258F5E8DA}"/>
               </a:ext>
             </a:extLst>
           </p:cNvPr>
@@ -21320,12 +21320,36 @@
           <a:chExt cx="0" cy="0"/>
         </a:xfrm>
       </p:grpSpPr>
+      <p:pic>
+        <p:nvPicPr>
+          <p:cNvPr id="7" name="그림 6"/>
+          <p:cNvPicPr>
+            <a:picLocks noChangeAspect="1"/>
+          </p:cNvPicPr>
+          <p:nvPr/>
+        </p:nvPicPr>
+        <p:blipFill>
+          <a:blip r:embed="rId2"/>
+          <a:stretch>
+            <a:fillRect/>
+          </a:stretch>
+        </p:blipFill>
+        <p:spPr>
+          <a:xfrm>
+            <a:off x="152400" y="1485900"/>
+            <a:ext cx="6868102" cy="6629400"/>
+          </a:xfrm>
+          <a:prstGeom prst="rect">
+            <a:avLst/>
+          </a:prstGeom>
+        </p:spPr>
+      </p:pic>
       <p:sp>
         <p:nvSpPr>
           <p:cNvPr id="4" name="TextBox 3">
             <a:extLst>
               <a:ext uri="{FF2B5EF4-FFF2-40B4-BE49-F238E27FC236}">
-                <a16:creationId xmlns:a16="http://schemas.microsoft.com/office/drawing/2014/main" id="{DF7DDD33-9412-2802-339A-E55446AC2DA7}"/>
+                <a16:creationId xmlns:a16="http://schemas.microsoft.com/office/drawing/2014/main" xmlns="" id="{DF7DDD33-9412-2802-339A-E55446AC2DA7}"/>
               </a:ext>
             </a:extLst>
           </p:cNvPr>
@@ -21366,7 +21390,7 @@
           <p:cNvPr id="3" name="TextBox 2">
             <a:extLst>
               <a:ext uri="{FF2B5EF4-FFF2-40B4-BE49-F238E27FC236}">
-                <a16:creationId xmlns:a16="http://schemas.microsoft.com/office/drawing/2014/main" id="{A2AD056B-97A4-5BCC-4460-250160F3E171}"/>
+                <a16:creationId xmlns:a16="http://schemas.microsoft.com/office/drawing/2014/main" xmlns="" id="{A2AD056B-97A4-5BCC-4460-250160F3E171}"/>
               </a:ext>
             </a:extLst>
           </p:cNvPr>
@@ -21375,8 +21399,8 @@
         </p:nvSpPr>
         <p:spPr>
           <a:xfrm>
-            <a:off x="7391400" y="647700"/>
-            <a:ext cx="11277600" cy="2554545"/>
+            <a:off x="7162800" y="647700"/>
+            <a:ext cx="11049000" cy="2554545"/>
           </a:xfrm>
           <a:prstGeom prst="rect">
             <a:avLst/>
@@ -21413,10 +21437,40 @@
                 <a:latin typeface="G마켓 산스 Medium" panose="02000000000000000000" pitchFamily="50" charset="-127"/>
                 <a:ea typeface="G마켓 산스 Medium" panose="02000000000000000000" pitchFamily="50" charset="-127"/>
               </a:rPr>
-              <a:t>객체 생성시 최초 </a:t>
+              <a:t>객체 생성시 </a:t>
+            </a:r>
+            <a:r>
+              <a:rPr lang="ko-KR" altLang="en-US" sz="4000">
+                <a:solidFill>
+                  <a:srgbClr val="FF0000"/>
+                </a:solidFill>
+                <a:latin typeface="G마켓 산스 Medium" panose="02000000000000000000" pitchFamily="50" charset="-127"/>
+                <a:ea typeface="G마켓 산스 Medium" panose="02000000000000000000" pitchFamily="50" charset="-127"/>
+              </a:rPr>
+              <a:t>최초 </a:t>
             </a:r>
             <a:r>
               <a:rPr lang="en-US" altLang="ko-KR" sz="4000">
+                <a:solidFill>
+                  <a:srgbClr val="FF0000"/>
+                </a:solidFill>
+                <a:latin typeface="G마켓 산스 Medium" panose="02000000000000000000" pitchFamily="50" charset="-127"/>
+                <a:ea typeface="G마켓 산스 Medium" panose="02000000000000000000" pitchFamily="50" charset="-127"/>
+              </a:rPr>
+              <a:t>1</a:t>
+            </a:r>
+            <a:r>
+              <a:rPr lang="ko-KR" altLang="en-US" sz="4000">
+                <a:solidFill>
+                  <a:srgbClr val="FF0000"/>
+                </a:solidFill>
+                <a:latin typeface="G마켓 산스 Medium" panose="02000000000000000000" pitchFamily="50" charset="-127"/>
+                <a:ea typeface="G마켓 산스 Medium" panose="02000000000000000000" pitchFamily="50" charset="-127"/>
+              </a:rPr>
+              <a:t>번만 실행</a:t>
+            </a:r>
+            <a:r>
+              <a:rPr lang="ko-KR" altLang="en-US" sz="4000">
                 <a:solidFill>
                   <a:schemeClr val="tx1">
                     <a:lumMod val="50000"/>
@@ -21426,20 +21480,7 @@
                 <a:latin typeface="G마켓 산스 Medium" panose="02000000000000000000" pitchFamily="50" charset="-127"/>
                 <a:ea typeface="G마켓 산스 Medium" panose="02000000000000000000" pitchFamily="50" charset="-127"/>
               </a:rPr>
-              <a:t>1</a:t>
-            </a:r>
-            <a:r>
-              <a:rPr lang="ko-KR" altLang="en-US" sz="4000">
-                <a:solidFill>
-                  <a:schemeClr val="tx1">
-                    <a:lumMod val="50000"/>
-                    <a:lumOff val="50000"/>
-                  </a:schemeClr>
-                </a:solidFill>
-                <a:latin typeface="G마켓 산스 Medium" panose="02000000000000000000" pitchFamily="50" charset="-127"/>
-                <a:ea typeface="G마켓 산스 Medium" panose="02000000000000000000" pitchFamily="50" charset="-127"/>
-              </a:rPr>
-              <a:t>번만 실행되는 특별한 메서드</a:t>
+              <a:t>되는 특별한 메서드</a:t>
             </a:r>
             <a:endParaRPr lang="en-US" altLang="ko-KR" sz="4000">
               <a:solidFill>
@@ -21639,36 +21680,12 @@
           </a:p>
         </p:txBody>
       </p:sp>
-      <p:pic>
-        <p:nvPicPr>
-          <p:cNvPr id="5" name="그림 4"/>
-          <p:cNvPicPr>
-            <a:picLocks noChangeAspect="1"/>
-          </p:cNvPicPr>
-          <p:nvPr/>
-        </p:nvPicPr>
-        <p:blipFill>
-          <a:blip r:embed="rId2"/>
-          <a:stretch>
-            <a:fillRect/>
-          </a:stretch>
-        </p:blipFill>
-        <p:spPr>
-          <a:xfrm>
-            <a:off x="152400" y="1309018"/>
-            <a:ext cx="7288562" cy="7492082"/>
-          </a:xfrm>
-          <a:prstGeom prst="rect">
-            <a:avLst/>
-          </a:prstGeom>
-        </p:spPr>
-      </p:pic>
       <p:sp>
         <p:nvSpPr>
           <p:cNvPr id="6" name="직사각형 5">
             <a:extLst>
               <a:ext uri="{FF2B5EF4-FFF2-40B4-BE49-F238E27FC236}">
-                <a16:creationId xmlns:a16="http://schemas.microsoft.com/office/drawing/2014/main" id="{FFF506F9-840A-0508-4CAF-3AC711D8D5CE}"/>
+                <a16:creationId xmlns:a16="http://schemas.microsoft.com/office/drawing/2014/main" xmlns="" id="{FFF506F9-840A-0508-4CAF-3AC711D8D5CE}"/>
               </a:ext>
             </a:extLst>
           </p:cNvPr>
@@ -21677,8 +21694,8 @@
         </p:nvSpPr>
         <p:spPr>
           <a:xfrm>
-            <a:off x="864767" y="3619500"/>
-            <a:ext cx="1345033" cy="1371600"/>
+            <a:off x="609600" y="3086100"/>
+            <a:ext cx="6410902" cy="5172670"/>
           </a:xfrm>
           <a:prstGeom prst="rect">
             <a:avLst/>
@@ -21781,7 +21798,7 @@
           <p:cNvPr id="5" name="직선 화살표 연결선 4">
             <a:extLst>
               <a:ext uri="{FF2B5EF4-FFF2-40B4-BE49-F238E27FC236}">
-                <a16:creationId xmlns:a16="http://schemas.microsoft.com/office/drawing/2014/main" id="{299DF5EC-9DF4-5255-06AC-0A7CE4FF58C3}"/>
+                <a16:creationId xmlns:a16="http://schemas.microsoft.com/office/drawing/2014/main" xmlns="" id="{299DF5EC-9DF4-5255-06AC-0A7CE4FF58C3}"/>
               </a:ext>
             </a:extLst>
           </p:cNvPr>
@@ -21822,7 +21839,7 @@
           <p:cNvPr id="6" name="직사각형 5">
             <a:extLst>
               <a:ext uri="{FF2B5EF4-FFF2-40B4-BE49-F238E27FC236}">
-                <a16:creationId xmlns:a16="http://schemas.microsoft.com/office/drawing/2014/main" id="{FFF506F9-840A-0508-4CAF-3AC711D8D5CE}"/>
+                <a16:creationId xmlns:a16="http://schemas.microsoft.com/office/drawing/2014/main" xmlns="" id="{FFF506F9-840A-0508-4CAF-3AC711D8D5CE}"/>
               </a:ext>
             </a:extLst>
           </p:cNvPr>
@@ -21874,7 +21891,7 @@
           <p:cNvPr id="7" name="TextBox 6">
             <a:extLst>
               <a:ext uri="{FF2B5EF4-FFF2-40B4-BE49-F238E27FC236}">
-                <a16:creationId xmlns:a16="http://schemas.microsoft.com/office/drawing/2014/main" id="{C6D113C6-EA5C-788F-0C77-E7CE6EBB865F}"/>
+                <a16:creationId xmlns:a16="http://schemas.microsoft.com/office/drawing/2014/main" xmlns="" id="{C6D113C6-EA5C-788F-0C77-E7CE6EBB865F}"/>
               </a:ext>
             </a:extLst>
           </p:cNvPr>
@@ -22133,7 +22150,7 @@
           <p:cNvPr id="2" name="TextBox 1">
             <a:extLst>
               <a:ext uri="{FF2B5EF4-FFF2-40B4-BE49-F238E27FC236}">
-                <a16:creationId xmlns:a16="http://schemas.microsoft.com/office/drawing/2014/main" id="{76F36AE5-79B5-0B9F-E510-1C27AAC4B649}"/>
+                <a16:creationId xmlns:a16="http://schemas.microsoft.com/office/drawing/2014/main" xmlns="" id="{76F36AE5-79B5-0B9F-E510-1C27AAC4B649}"/>
               </a:ext>
             </a:extLst>
           </p:cNvPr>
@@ -22242,7 +22259,7 @@
           <p:cNvPr id="5" name="TextBox 4">
             <a:extLst>
               <a:ext uri="{FF2B5EF4-FFF2-40B4-BE49-F238E27FC236}">
-                <a16:creationId xmlns:a16="http://schemas.microsoft.com/office/drawing/2014/main" id="{5ADC00B6-990A-40DC-3CEA-505258F5E8DA}"/>
+                <a16:creationId xmlns:a16="http://schemas.microsoft.com/office/drawing/2014/main" xmlns="" id="{5ADC00B6-990A-40DC-3CEA-505258F5E8DA}"/>
               </a:ext>
             </a:extLst>
           </p:cNvPr>
@@ -22300,7 +22317,7 @@
           <p:cNvPr id="6" name="TextBox 5">
             <a:extLst>
               <a:ext uri="{FF2B5EF4-FFF2-40B4-BE49-F238E27FC236}">
-                <a16:creationId xmlns:a16="http://schemas.microsoft.com/office/drawing/2014/main" id="{A2AD056B-97A4-5BCC-4460-250160F3E171}"/>
+                <a16:creationId xmlns:a16="http://schemas.microsoft.com/office/drawing/2014/main" xmlns="" id="{A2AD056B-97A4-5BCC-4460-250160F3E171}"/>
               </a:ext>
             </a:extLst>
           </p:cNvPr>
@@ -22947,7 +22964,7 @@
           <p:cNvPr id="2" name="TextBox 1">
             <a:extLst>
               <a:ext uri="{FF2B5EF4-FFF2-40B4-BE49-F238E27FC236}">
-                <a16:creationId xmlns:a16="http://schemas.microsoft.com/office/drawing/2014/main" id="{715D88A2-BD52-978B-A00A-540446126E3D}"/>
+                <a16:creationId xmlns:a16="http://schemas.microsoft.com/office/drawing/2014/main" xmlns="" id="{715D88A2-BD52-978B-A00A-540446126E3D}"/>
               </a:ext>
             </a:extLst>
           </p:cNvPr>
@@ -23027,7 +23044,7 @@
           <p:cNvPr id="4" name="TextBox 3">
             <a:extLst>
               <a:ext uri="{FF2B5EF4-FFF2-40B4-BE49-F238E27FC236}">
-                <a16:creationId xmlns:a16="http://schemas.microsoft.com/office/drawing/2014/main" id="{DF7DDD33-9412-2802-339A-E55446AC2DA7}"/>
+                <a16:creationId xmlns:a16="http://schemas.microsoft.com/office/drawing/2014/main" xmlns="" id="{DF7DDD33-9412-2802-339A-E55446AC2DA7}"/>
               </a:ext>
             </a:extLst>
           </p:cNvPr>
@@ -23123,7 +23140,7 @@
           <p:cNvPr id="6" name="직사각형 5">
             <a:extLst>
               <a:ext uri="{FF2B5EF4-FFF2-40B4-BE49-F238E27FC236}">
-                <a16:creationId xmlns:a16="http://schemas.microsoft.com/office/drawing/2014/main" id="{FFF506F9-840A-0508-4CAF-3AC711D8D5CE}"/>
+                <a16:creationId xmlns:a16="http://schemas.microsoft.com/office/drawing/2014/main" xmlns="" id="{FFF506F9-840A-0508-4CAF-3AC711D8D5CE}"/>
               </a:ext>
             </a:extLst>
           </p:cNvPr>
@@ -23175,7 +23192,7 @@
           <p:cNvPr id="9" name="그룹 1008">
             <a:extLst>
               <a:ext uri="{FF2B5EF4-FFF2-40B4-BE49-F238E27FC236}">
-                <a16:creationId xmlns:a16="http://schemas.microsoft.com/office/drawing/2014/main" id="{E395BDE3-2EDE-065D-70E8-56E348228ACF}"/>
+                <a16:creationId xmlns:a16="http://schemas.microsoft.com/office/drawing/2014/main" xmlns="" id="{E395BDE3-2EDE-065D-70E8-56E348228ACF}"/>
               </a:ext>
             </a:extLst>
           </p:cNvPr>
@@ -23195,7 +23212,7 @@
             <p:cNvPr id="10" name="그룹 1009">
               <a:extLst>
                 <a:ext uri="{FF2B5EF4-FFF2-40B4-BE49-F238E27FC236}">
-                  <a16:creationId xmlns:a16="http://schemas.microsoft.com/office/drawing/2014/main" id="{852F4DEB-DB33-DB3F-9E9F-52A46CD0B10A}"/>
+                  <a16:creationId xmlns:a16="http://schemas.microsoft.com/office/drawing/2014/main" xmlns="" id="{852F4DEB-DB33-DB3F-9E9F-52A46CD0B10A}"/>
                 </a:ext>
               </a:extLst>
             </p:cNvPr>
@@ -23215,7 +23232,7 @@
               <p:cNvPr id="15" name="Object 29">
                 <a:extLst>
                   <a:ext uri="{FF2B5EF4-FFF2-40B4-BE49-F238E27FC236}">
-                    <a16:creationId xmlns:a16="http://schemas.microsoft.com/office/drawing/2014/main" id="{7E353D3B-14D4-8A64-5888-3F0C062C2CDD}"/>
+                    <a16:creationId xmlns:a16="http://schemas.microsoft.com/office/drawing/2014/main" xmlns="" id="{7E353D3B-14D4-8A64-5888-3F0C062C2CDD}"/>
                   </a:ext>
                 </a:extLst>
               </p:cNvPr>
@@ -23246,7 +23263,7 @@
             <p:cNvPr id="11" name="그룹 1010">
               <a:extLst>
                 <a:ext uri="{FF2B5EF4-FFF2-40B4-BE49-F238E27FC236}">
-                  <a16:creationId xmlns:a16="http://schemas.microsoft.com/office/drawing/2014/main" id="{001E38AB-1390-ABD0-BE01-9727136FEAEE}"/>
+                  <a16:creationId xmlns:a16="http://schemas.microsoft.com/office/drawing/2014/main" xmlns="" id="{001E38AB-1390-ABD0-BE01-9727136FEAEE}"/>
                 </a:ext>
               </a:extLst>
             </p:cNvPr>
@@ -23266,7 +23283,7 @@
               <p:cNvPr id="14" name="Object 32">
                 <a:extLst>
                   <a:ext uri="{FF2B5EF4-FFF2-40B4-BE49-F238E27FC236}">
-                    <a16:creationId xmlns:a16="http://schemas.microsoft.com/office/drawing/2014/main" id="{2ED1C30F-0D0B-F86C-8215-2598D332B5A3}"/>
+                    <a16:creationId xmlns:a16="http://schemas.microsoft.com/office/drawing/2014/main" xmlns="" id="{2ED1C30F-0D0B-F86C-8215-2598D332B5A3}"/>
                   </a:ext>
                 </a:extLst>
               </p:cNvPr>
@@ -23297,7 +23314,7 @@
             <p:cNvPr id="12" name="그룹 1011">
               <a:extLst>
                 <a:ext uri="{FF2B5EF4-FFF2-40B4-BE49-F238E27FC236}">
-                  <a16:creationId xmlns:a16="http://schemas.microsoft.com/office/drawing/2014/main" id="{1BCB8DE5-ABAF-4198-BC16-85BB76F2DB24}"/>
+                  <a16:creationId xmlns:a16="http://schemas.microsoft.com/office/drawing/2014/main" xmlns="" id="{1BCB8DE5-ABAF-4198-BC16-85BB76F2DB24}"/>
                 </a:ext>
               </a:extLst>
             </p:cNvPr>
@@ -23317,7 +23334,7 @@
               <p:cNvPr id="13" name="Object 35">
                 <a:extLst>
                   <a:ext uri="{FF2B5EF4-FFF2-40B4-BE49-F238E27FC236}">
-                    <a16:creationId xmlns:a16="http://schemas.microsoft.com/office/drawing/2014/main" id="{86E7BA23-0A1E-B581-CADC-06AB269DB2BD}"/>
+                    <a16:creationId xmlns:a16="http://schemas.microsoft.com/office/drawing/2014/main" xmlns="" id="{86E7BA23-0A1E-B581-CADC-06AB269DB2BD}"/>
                   </a:ext>
                 </a:extLst>
               </p:cNvPr>
@@ -23349,7 +23366,7 @@
           <p:cNvPr id="16" name="TextBox 15">
             <a:extLst>
               <a:ext uri="{FF2B5EF4-FFF2-40B4-BE49-F238E27FC236}">
-                <a16:creationId xmlns:a16="http://schemas.microsoft.com/office/drawing/2014/main" id="{C6D113C6-EA5C-788F-0C77-E7CE6EBB865F}"/>
+                <a16:creationId xmlns:a16="http://schemas.microsoft.com/office/drawing/2014/main" xmlns="" id="{C6D113C6-EA5C-788F-0C77-E7CE6EBB865F}"/>
               </a:ext>
             </a:extLst>
           </p:cNvPr>
@@ -23587,7 +23604,7 @@
           <p:cNvPr id="4" name="TextBox 3">
             <a:extLst>
               <a:ext uri="{FF2B5EF4-FFF2-40B4-BE49-F238E27FC236}">
-                <a16:creationId xmlns:a16="http://schemas.microsoft.com/office/drawing/2014/main" id="{DF7DDD33-9412-2802-339A-E55446AC2DA7}"/>
+                <a16:creationId xmlns:a16="http://schemas.microsoft.com/office/drawing/2014/main" xmlns="" id="{DF7DDD33-9412-2802-339A-E55446AC2DA7}"/>
               </a:ext>
             </a:extLst>
           </p:cNvPr>
@@ -23706,7 +23723,7 @@
           <p:cNvPr id="4" name="TextBox 3">
             <a:extLst>
               <a:ext uri="{FF2B5EF4-FFF2-40B4-BE49-F238E27FC236}">
-                <a16:creationId xmlns:a16="http://schemas.microsoft.com/office/drawing/2014/main" id="{DF7DDD33-9412-2802-339A-E55446AC2DA7}"/>
+                <a16:creationId xmlns:a16="http://schemas.microsoft.com/office/drawing/2014/main" xmlns="" id="{DF7DDD33-9412-2802-339A-E55446AC2DA7}"/>
               </a:ext>
             </a:extLst>
           </p:cNvPr>
@@ -23754,7 +23771,7 @@
           <p:cNvPr id="10" name="직선 화살표 연결선 9">
             <a:extLst>
               <a:ext uri="{FF2B5EF4-FFF2-40B4-BE49-F238E27FC236}">
-                <a16:creationId xmlns:a16="http://schemas.microsoft.com/office/drawing/2014/main" id="{299DF5EC-9DF4-5255-06AC-0A7CE4FF58C3}"/>
+                <a16:creationId xmlns:a16="http://schemas.microsoft.com/office/drawing/2014/main" xmlns="" id="{299DF5EC-9DF4-5255-06AC-0A7CE4FF58C3}"/>
               </a:ext>
             </a:extLst>
           </p:cNvPr>
@@ -23795,7 +23812,7 @@
           <p:cNvPr id="11" name="TextBox 10">
             <a:extLst>
               <a:ext uri="{FF2B5EF4-FFF2-40B4-BE49-F238E27FC236}">
-                <a16:creationId xmlns:a16="http://schemas.microsoft.com/office/drawing/2014/main" id="{C6D113C6-EA5C-788F-0C77-E7CE6EBB865F}"/>
+                <a16:creationId xmlns:a16="http://schemas.microsoft.com/office/drawing/2014/main" xmlns="" id="{C6D113C6-EA5C-788F-0C77-E7CE6EBB865F}"/>
               </a:ext>
             </a:extLst>
           </p:cNvPr>
@@ -23877,7 +23894,7 @@
           <p:cNvPr id="18" name="직사각형 17">
             <a:extLst>
               <a:ext uri="{FF2B5EF4-FFF2-40B4-BE49-F238E27FC236}">
-                <a16:creationId xmlns:a16="http://schemas.microsoft.com/office/drawing/2014/main" id="{FFF506F9-840A-0508-4CAF-3AC711D8D5CE}"/>
+                <a16:creationId xmlns:a16="http://schemas.microsoft.com/office/drawing/2014/main" xmlns="" id="{FFF506F9-840A-0508-4CAF-3AC711D8D5CE}"/>
               </a:ext>
             </a:extLst>
           </p:cNvPr>
@@ -24082,7 +24099,7 @@
           <p:cNvPr id="6" name="직선 화살표 연결선 5">
             <a:extLst>
               <a:ext uri="{FF2B5EF4-FFF2-40B4-BE49-F238E27FC236}">
-                <a16:creationId xmlns:a16="http://schemas.microsoft.com/office/drawing/2014/main" id="{299DF5EC-9DF4-5255-06AC-0A7CE4FF58C3}"/>
+                <a16:creationId xmlns:a16="http://schemas.microsoft.com/office/drawing/2014/main" xmlns="" id="{299DF5EC-9DF4-5255-06AC-0A7CE4FF58C3}"/>
               </a:ext>
             </a:extLst>
           </p:cNvPr>
@@ -24123,7 +24140,7 @@
           <p:cNvPr id="7" name="TextBox 6">
             <a:extLst>
               <a:ext uri="{FF2B5EF4-FFF2-40B4-BE49-F238E27FC236}">
-                <a16:creationId xmlns:a16="http://schemas.microsoft.com/office/drawing/2014/main" id="{C6D113C6-EA5C-788F-0C77-E7CE6EBB865F}"/>
+                <a16:creationId xmlns:a16="http://schemas.microsoft.com/office/drawing/2014/main" xmlns="" id="{C6D113C6-EA5C-788F-0C77-E7CE6EBB865F}"/>
               </a:ext>
             </a:extLst>
           </p:cNvPr>
@@ -24343,7 +24360,7 @@
           <p:cNvPr id="4" name="TextBox 3">
             <a:extLst>
               <a:ext uri="{FF2B5EF4-FFF2-40B4-BE49-F238E27FC236}">
-                <a16:creationId xmlns:a16="http://schemas.microsoft.com/office/drawing/2014/main" id="{DF7DDD33-9412-2802-339A-E55446AC2DA7}"/>
+                <a16:creationId xmlns:a16="http://schemas.microsoft.com/office/drawing/2014/main" xmlns="" id="{DF7DDD33-9412-2802-339A-E55446AC2DA7}"/>
               </a:ext>
             </a:extLst>
           </p:cNvPr>

--- a/JavaLecture/LectureFile/java 8강 생성자.pptx
+++ b/JavaLecture/LectureFile/java 8강 생성자.pptx
@@ -40,8 +40,8 @@
     <p:sldId id="632" r:id="rId31"/>
     <p:sldId id="628" r:id="rId32"/>
     <p:sldId id="630" r:id="rId33"/>
-    <p:sldId id="612" r:id="rId34"/>
-    <p:sldId id="613" r:id="rId35"/>
+    <p:sldId id="613" r:id="rId34"/>
+    <p:sldId id="633" r:id="rId35"/>
     <p:sldId id="614" r:id="rId36"/>
     <p:sldId id="615" r:id="rId37"/>
     <p:sldId id="616" r:id="rId38"/>
@@ -14383,17 +14383,17 @@
                 <a:latin typeface="G마켓 산스 Medium" panose="02000000000000000000" pitchFamily="50" charset="-127"/>
                 <a:ea typeface="G마켓 산스 Medium" panose="02000000000000000000" pitchFamily="50" charset="-127"/>
               </a:rPr>
-              <a:t>클래스의 기능을 더해보자</a:t>
+              <a:t>클래스에 성적의 합계와 평균을 구하는 기능을 추가하자</a:t>
             </a:r>
             <a:r>
               <a:rPr lang="en-US" altLang="ko-KR" sz="3200" dirty="0">
                 <a:solidFill>
-                  <a:srgbClr val="4C50BC"/>
-                </a:solidFill>
-                <a:latin typeface="G마켓 산스 Medium" panose="02000000000000000000" pitchFamily="50" charset="-127"/>
-                <a:ea typeface="G마켓 산스 Medium" panose="02000000000000000000" pitchFamily="50" charset="-127"/>
-              </a:rPr>
-              <a:t>.</a:t>
+                  <a:srgbClr val="FF0000"/>
+                </a:solidFill>
+                <a:latin typeface="G마켓 산스 Medium" panose="02000000000000000000" pitchFamily="50" charset="-127"/>
+                <a:ea typeface="G마켓 산스 Medium" panose="02000000000000000000" pitchFamily="50" charset="-127"/>
+              </a:rPr>
+              <a:t>(normal)</a:t>
             </a:r>
           </a:p>
           <a:p>
@@ -14580,8 +14580,38 @@
         </p:blipFill>
         <p:spPr>
           <a:xfrm>
-            <a:off x="413657" y="3200400"/>
+            <a:off x="413657" y="2552700"/>
             <a:ext cx="10454197" cy="3886200"/>
+          </a:xfrm>
+          <a:prstGeom prst="rect">
+            <a:avLst/>
+          </a:prstGeom>
+        </p:spPr>
+      </p:pic>
+      <p:pic>
+        <p:nvPicPr>
+          <p:cNvPr id="3" name="그림 2">
+            <a:extLst>
+              <a:ext uri="{FF2B5EF4-FFF2-40B4-BE49-F238E27FC236}">
+                <a16:creationId xmlns:a16="http://schemas.microsoft.com/office/drawing/2014/main" id="{2B481209-30DC-8A12-A7F5-6D89E5C31881}"/>
+              </a:ext>
+            </a:extLst>
+          </p:cNvPr>
+          <p:cNvPicPr>
+            <a:picLocks noChangeAspect="1"/>
+          </p:cNvPicPr>
+          <p:nvPr/>
+        </p:nvPicPr>
+        <p:blipFill>
+          <a:blip r:embed="rId3"/>
+          <a:stretch>
+            <a:fillRect/>
+          </a:stretch>
+        </p:blipFill>
+        <p:spPr>
+          <a:xfrm>
+            <a:off x="381000" y="6743700"/>
+            <a:ext cx="6306358" cy="2576791"/>
           </a:xfrm>
           <a:prstGeom prst="rect">
             <a:avLst/>
@@ -14879,42 +14909,12 @@
           <a:chExt cx="0" cy="0"/>
         </a:xfrm>
       </p:grpSpPr>
-    </p:spTree>
-    <p:extLst>
-      <p:ext uri="{BB962C8B-B14F-4D97-AF65-F5344CB8AC3E}">
-        <p14:creationId xmlns:p14="http://schemas.microsoft.com/office/powerpoint/2010/main" val="566981277"/>
-      </p:ext>
-    </p:extLst>
-  </p:cSld>
-  <p:clrMapOvr>
-    <a:masterClrMapping/>
-  </p:clrMapOvr>
-</p:sld>
-</file>
-
-<file path=ppt/slides/slide31.xml><?xml version="1.0" encoding="utf-8"?>
-<p:sld xmlns:a="http://schemas.openxmlformats.org/drawingml/2006/main" xmlns:r="http://schemas.openxmlformats.org/officeDocument/2006/relationships" xmlns:p="http://schemas.openxmlformats.org/presentationml/2006/main">
-  <p:cSld>
-    <p:spTree>
-      <p:nvGrpSpPr>
-        <p:cNvPr id="1" name=""/>
-        <p:cNvGrpSpPr/>
-        <p:nvPr/>
-      </p:nvGrpSpPr>
-      <p:grpSpPr>
-        <a:xfrm>
-          <a:off x="0" y="0"/>
-          <a:ext cx="0" cy="0"/>
-          <a:chOff x="0" y="0"/>
-          <a:chExt cx="0" cy="0"/>
-        </a:xfrm>
-      </p:grpSpPr>
       <p:sp>
         <p:nvSpPr>
-          <p:cNvPr id="6" name="TextBox 5">
+          <p:cNvPr id="2" name="TextBox 1">
             <a:extLst>
               <a:ext uri="{FF2B5EF4-FFF2-40B4-BE49-F238E27FC236}">
-                <a16:creationId xmlns:a16="http://schemas.microsoft.com/office/drawing/2014/main" id="{3ABE030A-9E8F-F8D0-0529-3326D3C33C06}"/>
+                <a16:creationId xmlns:a16="http://schemas.microsoft.com/office/drawing/2014/main" id="{EC0C5CB0-065B-7FA5-FF43-C77AD2B07740}"/>
               </a:ext>
             </a:extLst>
           </p:cNvPr>
@@ -14923,8 +14923,8 @@
         </p:nvSpPr>
         <p:spPr>
           <a:xfrm>
-            <a:off x="381000" y="38100"/>
-            <a:ext cx="17526000" cy="6001643"/>
+            <a:off x="609600" y="571500"/>
+            <a:ext cx="1665841" cy="1015663"/>
           </a:xfrm>
           <a:prstGeom prst="rect">
             <a:avLst/>
@@ -14932,574 +14932,37 @@
           <a:noFill/>
         </p:spPr>
         <p:txBody>
-          <a:bodyPr wrap="square" rtlCol="0">
+          <a:bodyPr wrap="none" rtlCol="0">
             <a:spAutoFit/>
           </a:bodyPr>
           <a:lstStyle/>
           <a:p>
             <a:r>
-              <a:rPr lang="en-US" altLang="ko-KR" sz="3200" dirty="0">
-                <a:solidFill>
-                  <a:srgbClr val="4C50BC"/>
-                </a:solidFill>
-                <a:latin typeface="G마켓 산스 Medium" panose="02000000000000000000" pitchFamily="50" charset="-127"/>
-                <a:ea typeface="G마켓 산스 Medium" panose="02000000000000000000" pitchFamily="50" charset="-127"/>
-              </a:rPr>
-              <a:t>1-2 Student</a:t>
-            </a:r>
-            <a:r>
-              <a:rPr lang="ko-KR" altLang="en-US" sz="3200" dirty="0">
-                <a:solidFill>
-                  <a:srgbClr val="4C50BC"/>
-                </a:solidFill>
-                <a:latin typeface="G마켓 산스 Medium" panose="02000000000000000000" pitchFamily="50" charset="-127"/>
-                <a:ea typeface="G마켓 산스 Medium" panose="02000000000000000000" pitchFamily="50" charset="-127"/>
-              </a:rPr>
-              <a:t>클래스의 기능을 더해보자</a:t>
-            </a:r>
-            <a:r>
-              <a:rPr lang="en-US" altLang="ko-KR" sz="3200" dirty="0">
-                <a:solidFill>
-                  <a:srgbClr val="4C50BC"/>
-                </a:solidFill>
-                <a:latin typeface="G마켓 산스 Medium" panose="02000000000000000000" pitchFamily="50" charset="-127"/>
-                <a:ea typeface="G마켓 산스 Medium" panose="02000000000000000000" pitchFamily="50" charset="-127"/>
-              </a:rPr>
-              <a:t>.</a:t>
-            </a:r>
-          </a:p>
-          <a:p>
-            <a:r>
-              <a:rPr lang="ko-KR" altLang="en-US" sz="3200" dirty="0">
-                <a:solidFill>
-                  <a:srgbClr val="4C50BC"/>
-                </a:solidFill>
-                <a:latin typeface="G마켓 산스 Medium" panose="02000000000000000000" pitchFamily="50" charset="-127"/>
-                <a:ea typeface="G마켓 산스 Medium" panose="02000000000000000000" pitchFamily="50" charset="-127"/>
-              </a:rPr>
-              <a:t>기능</a:t>
-            </a:r>
-            <a:r>
-              <a:rPr lang="en-US" altLang="ko-KR" sz="3200" dirty="0">
-                <a:solidFill>
-                  <a:srgbClr val="4C50BC"/>
-                </a:solidFill>
-                <a:latin typeface="G마켓 산스 Medium" panose="02000000000000000000" pitchFamily="50" charset="-127"/>
-                <a:ea typeface="G마켓 산스 Medium" panose="02000000000000000000" pitchFamily="50" charset="-127"/>
-              </a:rPr>
-              <a:t>1 . </a:t>
-            </a:r>
-            <a:r>
-              <a:rPr lang="ko-KR" altLang="en-US" sz="3200" dirty="0">
-                <a:solidFill>
-                  <a:srgbClr val="4C50BC"/>
-                </a:solidFill>
-                <a:latin typeface="G마켓 산스 Medium" panose="02000000000000000000" pitchFamily="50" charset="-127"/>
-                <a:ea typeface="G마켓 산스 Medium" panose="02000000000000000000" pitchFamily="50" charset="-127"/>
-              </a:rPr>
-              <a:t>객체가 생성 될 때마다 학생수 카운트를 올려보자</a:t>
-            </a:r>
-            <a:endParaRPr lang="en-US" altLang="ko-KR" sz="3200" dirty="0">
+              <a:rPr lang="ko-KR" altLang="en-US" sz="6000" dirty="0">
+                <a:solidFill>
+                  <a:srgbClr val="4C50BB"/>
+                </a:solidFill>
+                <a:latin typeface="G마켓 산스 TTF Bold" panose="02000000000000000000" pitchFamily="2" charset="-127"/>
+                <a:ea typeface="G마켓 산스 TTF Bold" panose="02000000000000000000" pitchFamily="2" charset="-127"/>
+              </a:rPr>
+              <a:t>해설</a:t>
+            </a:r>
+            <a:endParaRPr lang="ko-KR" altLang="en-US" sz="800" dirty="0">
               <a:solidFill>
-                <a:srgbClr val="4C50BC"/>
+                <a:srgbClr val="4C50BB"/>
               </a:solidFill>
-              <a:latin typeface="G마켓 산스 Medium" panose="02000000000000000000" pitchFamily="50" charset="-127"/>
-              <a:ea typeface="G마켓 산스 Medium" panose="02000000000000000000" pitchFamily="50" charset="-127"/>
+              <a:latin typeface="G마켓 산스 TTF Bold" panose="02000000000000000000" pitchFamily="2" charset="-127"/>
+              <a:ea typeface="G마켓 산스 TTF Bold" panose="02000000000000000000" pitchFamily="2" charset="-127"/>
             </a:endParaRPr>
-          </a:p>
-          <a:p>
-            <a:r>
-              <a:rPr lang="en-US" altLang="ko-KR" sz="3200" dirty="0">
-                <a:solidFill>
-                  <a:schemeClr val="bg1">
-                    <a:lumMod val="50000"/>
-                  </a:schemeClr>
-                </a:solidFill>
-                <a:latin typeface="G마켓 산스 Medium" panose="02000000000000000000" pitchFamily="50" charset="-127"/>
-                <a:ea typeface="G마켓 산스 Medium" panose="02000000000000000000" pitchFamily="50" charset="-127"/>
-              </a:rPr>
-              <a:t>- </a:t>
-            </a:r>
-            <a:r>
-              <a:rPr lang="ko-KR" altLang="en-US" sz="3200" dirty="0">
-                <a:solidFill>
-                  <a:schemeClr val="bg1">
-                    <a:lumMod val="50000"/>
-                  </a:schemeClr>
-                </a:solidFill>
-                <a:latin typeface="G마켓 산스 Medium" panose="02000000000000000000" pitchFamily="50" charset="-127"/>
-                <a:ea typeface="G마켓 산스 Medium" panose="02000000000000000000" pitchFamily="50" charset="-127"/>
-              </a:rPr>
-              <a:t>멤버변수 </a:t>
-            </a:r>
-            <a:r>
-              <a:rPr lang="en-US" altLang="ko-KR" sz="3200" dirty="0">
-                <a:solidFill>
-                  <a:schemeClr val="bg1">
-                    <a:lumMod val="50000"/>
-                  </a:schemeClr>
-                </a:solidFill>
-                <a:latin typeface="G마켓 산스 Medium" panose="02000000000000000000" pitchFamily="50" charset="-127"/>
-                <a:ea typeface="G마켓 산스 Medium" panose="02000000000000000000" pitchFamily="50" charset="-127"/>
-              </a:rPr>
-              <a:t>count </a:t>
-            </a:r>
-            <a:r>
-              <a:rPr lang="ko-KR" altLang="en-US" sz="3200" dirty="0">
-                <a:solidFill>
-                  <a:schemeClr val="bg1">
-                    <a:lumMod val="50000"/>
-                  </a:schemeClr>
-                </a:solidFill>
-                <a:latin typeface="G마켓 산스 Medium" panose="02000000000000000000" pitchFamily="50" charset="-127"/>
-                <a:ea typeface="G마켓 산스 Medium" panose="02000000000000000000" pitchFamily="50" charset="-127"/>
-              </a:rPr>
-              <a:t>추가</a:t>
-            </a:r>
-            <a:endParaRPr lang="en-US" altLang="ko-KR" sz="3200" dirty="0">
-              <a:solidFill>
-                <a:schemeClr val="bg1">
-                  <a:lumMod val="50000"/>
-                </a:schemeClr>
-              </a:solidFill>
-              <a:latin typeface="G마켓 산스 Medium" panose="02000000000000000000" pitchFamily="50" charset="-127"/>
-              <a:ea typeface="G마켓 산스 Medium" panose="02000000000000000000" pitchFamily="50" charset="-127"/>
-            </a:endParaRPr>
-          </a:p>
-          <a:p>
-            <a:r>
-              <a:rPr lang="ko-KR" altLang="en-US" sz="3200" dirty="0">
-                <a:solidFill>
-                  <a:srgbClr val="FF0000"/>
-                </a:solidFill>
-                <a:latin typeface="G마켓 산스 Medium" panose="02000000000000000000" pitchFamily="50" charset="-127"/>
-                <a:ea typeface="G마켓 산스 Medium" panose="02000000000000000000" pitchFamily="50" charset="-127"/>
-              </a:rPr>
-              <a:t>힌트</a:t>
-            </a:r>
-            <a:r>
-              <a:rPr lang="ko-KR" altLang="en-US" sz="3200" dirty="0">
-                <a:solidFill>
-                  <a:schemeClr val="bg1">
-                    <a:lumMod val="50000"/>
-                  </a:schemeClr>
-                </a:solidFill>
-                <a:latin typeface="G마켓 산스 Medium" panose="02000000000000000000" pitchFamily="50" charset="-127"/>
-                <a:ea typeface="G마켓 산스 Medium" panose="02000000000000000000" pitchFamily="50" charset="-127"/>
-              </a:rPr>
-              <a:t> </a:t>
-            </a:r>
-            <a:endParaRPr lang="en-US" altLang="ko-KR" sz="3200" dirty="0">
-              <a:solidFill>
-                <a:schemeClr val="bg1">
-                  <a:lumMod val="50000"/>
-                </a:schemeClr>
-              </a:solidFill>
-              <a:latin typeface="G마켓 산스 Medium" panose="02000000000000000000" pitchFamily="50" charset="-127"/>
-              <a:ea typeface="G마켓 산스 Medium" panose="02000000000000000000" pitchFamily="50" charset="-127"/>
-            </a:endParaRPr>
-          </a:p>
-          <a:p>
-            <a:r>
-              <a:rPr lang="en-US" altLang="ko-KR" sz="3200" dirty="0">
-                <a:solidFill>
-                  <a:srgbClr val="FF0000"/>
-                </a:solidFill>
-                <a:latin typeface="G마켓 산스 Medium" panose="02000000000000000000" pitchFamily="50" charset="-127"/>
-                <a:ea typeface="G마켓 산스 Medium" panose="02000000000000000000" pitchFamily="50" charset="-127"/>
-              </a:rPr>
-              <a:t>   1. count </a:t>
-            </a:r>
-            <a:r>
-              <a:rPr lang="ko-KR" altLang="en-US" sz="3200" dirty="0">
-                <a:solidFill>
-                  <a:srgbClr val="FF0000"/>
-                </a:solidFill>
-                <a:latin typeface="G마켓 산스 Medium" panose="02000000000000000000" pitchFamily="50" charset="-127"/>
-                <a:ea typeface="G마켓 산스 Medium" panose="02000000000000000000" pitchFamily="50" charset="-127"/>
-              </a:rPr>
-              <a:t>변수는 객체가 </a:t>
-            </a:r>
-            <a:r>
-              <a:rPr lang="ko-KR" altLang="en-US" sz="3200" dirty="0" err="1">
-                <a:solidFill>
-                  <a:srgbClr val="FF0000"/>
-                </a:solidFill>
-                <a:latin typeface="G마켓 산스 Medium" panose="02000000000000000000" pitchFamily="50" charset="-127"/>
-                <a:ea typeface="G마켓 산스 Medium" panose="02000000000000000000" pitchFamily="50" charset="-127"/>
-              </a:rPr>
-              <a:t>생성될때마다</a:t>
-            </a:r>
-            <a:r>
-              <a:rPr lang="ko-KR" altLang="en-US" sz="3200" dirty="0">
-                <a:solidFill>
-                  <a:srgbClr val="FF0000"/>
-                </a:solidFill>
-                <a:latin typeface="G마켓 산스 Medium" panose="02000000000000000000" pitchFamily="50" charset="-127"/>
-                <a:ea typeface="G마켓 산스 Medium" panose="02000000000000000000" pitchFamily="50" charset="-127"/>
-              </a:rPr>
-              <a:t> </a:t>
-            </a:r>
-            <a:r>
-              <a:rPr lang="en-US" altLang="ko-KR" sz="3200" dirty="0">
-                <a:solidFill>
-                  <a:srgbClr val="FF0000"/>
-                </a:solidFill>
-                <a:latin typeface="G마켓 산스 Medium" panose="02000000000000000000" pitchFamily="50" charset="-127"/>
-                <a:ea typeface="G마켓 산스 Medium" panose="02000000000000000000" pitchFamily="50" charset="-127"/>
-              </a:rPr>
-              <a:t>1</a:t>
-            </a:r>
-            <a:r>
-              <a:rPr lang="ko-KR" altLang="en-US" sz="3200" dirty="0">
-                <a:solidFill>
-                  <a:srgbClr val="FF0000"/>
-                </a:solidFill>
-                <a:latin typeface="G마켓 산스 Medium" panose="02000000000000000000" pitchFamily="50" charset="-127"/>
-                <a:ea typeface="G마켓 산스 Medium" panose="02000000000000000000" pitchFamily="50" charset="-127"/>
-              </a:rPr>
-              <a:t>씩 증가하여 현재 객체가 </a:t>
-            </a:r>
-            <a:endParaRPr lang="en-US" altLang="ko-KR" sz="3200" dirty="0">
-              <a:solidFill>
-                <a:srgbClr val="FF0000"/>
-              </a:solidFill>
-              <a:latin typeface="G마켓 산스 Medium" panose="02000000000000000000" pitchFamily="50" charset="-127"/>
-              <a:ea typeface="G마켓 산스 Medium" panose="02000000000000000000" pitchFamily="50" charset="-127"/>
-            </a:endParaRPr>
-          </a:p>
-          <a:p>
-            <a:r>
-              <a:rPr lang="ko-KR" altLang="en-US" sz="3200" dirty="0">
-                <a:solidFill>
-                  <a:srgbClr val="FF0000"/>
-                </a:solidFill>
-                <a:latin typeface="G마켓 산스 Medium" panose="02000000000000000000" pitchFamily="50" charset="-127"/>
-                <a:ea typeface="G마켓 산스 Medium" panose="02000000000000000000" pitchFamily="50" charset="-127"/>
-              </a:rPr>
-              <a:t>   몇 개 생성되었는지를 저장하고 있어야 한다</a:t>
-            </a:r>
-            <a:r>
-              <a:rPr lang="en-US" altLang="ko-KR" sz="3200" dirty="0">
-                <a:solidFill>
-                  <a:srgbClr val="FF0000"/>
-                </a:solidFill>
-                <a:latin typeface="G마켓 산스 Medium" panose="02000000000000000000" pitchFamily="50" charset="-127"/>
-                <a:ea typeface="G마켓 산스 Medium" panose="02000000000000000000" pitchFamily="50" charset="-127"/>
-              </a:rPr>
-              <a:t>.</a:t>
-            </a:r>
-          </a:p>
-          <a:p>
-            <a:r>
-              <a:rPr lang="en-US" altLang="ko-KR" sz="3200" dirty="0">
-                <a:solidFill>
-                  <a:srgbClr val="FF0000"/>
-                </a:solidFill>
-                <a:latin typeface="G마켓 산스 Medium" panose="02000000000000000000" pitchFamily="50" charset="-127"/>
-                <a:ea typeface="G마켓 산스 Medium" panose="02000000000000000000" pitchFamily="50" charset="-127"/>
-              </a:rPr>
-              <a:t>   2. static</a:t>
-            </a:r>
-            <a:r>
-              <a:rPr lang="ko-KR" altLang="en-US" sz="3200" dirty="0">
-                <a:solidFill>
-                  <a:srgbClr val="FF0000"/>
-                </a:solidFill>
-                <a:latin typeface="G마켓 산스 Medium" panose="02000000000000000000" pitchFamily="50" charset="-127"/>
-                <a:ea typeface="G마켓 산스 Medium" panose="02000000000000000000" pitchFamily="50" charset="-127"/>
-              </a:rPr>
-              <a:t>을 활용해야만 가능하다</a:t>
-            </a:r>
-            <a:r>
-              <a:rPr lang="en-US" altLang="ko-KR" sz="3200" dirty="0">
-                <a:solidFill>
-                  <a:srgbClr val="FF0000"/>
-                </a:solidFill>
-                <a:latin typeface="G마켓 산스 Medium" panose="02000000000000000000" pitchFamily="50" charset="-127"/>
-                <a:ea typeface="G마켓 산스 Medium" panose="02000000000000000000" pitchFamily="50" charset="-127"/>
-              </a:rPr>
-              <a:t>.</a:t>
-            </a:r>
-          </a:p>
-          <a:p>
-            <a:r>
-              <a:rPr lang="en-US" altLang="ko-KR" sz="3200" dirty="0">
-                <a:solidFill>
-                  <a:srgbClr val="FF0000"/>
-                </a:solidFill>
-                <a:latin typeface="G마켓 산스 Medium" panose="02000000000000000000" pitchFamily="50" charset="-127"/>
-                <a:ea typeface="G마켓 산스 Medium" panose="02000000000000000000" pitchFamily="50" charset="-127"/>
-              </a:rPr>
-              <a:t>   3. </a:t>
-            </a:r>
-            <a:r>
-              <a:rPr lang="ko-KR" altLang="en-US" sz="3200" dirty="0">
-                <a:solidFill>
-                  <a:srgbClr val="FF0000"/>
-                </a:solidFill>
-                <a:latin typeface="G마켓 산스 Medium" panose="02000000000000000000" pitchFamily="50" charset="-127"/>
-                <a:ea typeface="G마켓 산스 Medium" panose="02000000000000000000" pitchFamily="50" charset="-127"/>
-              </a:rPr>
-              <a:t>객체가 </a:t>
-            </a:r>
-            <a:r>
-              <a:rPr lang="ko-KR" altLang="en-US" sz="3200" dirty="0" err="1">
-                <a:solidFill>
-                  <a:srgbClr val="FF0000"/>
-                </a:solidFill>
-                <a:latin typeface="G마켓 산스 Medium" panose="02000000000000000000" pitchFamily="50" charset="-127"/>
-                <a:ea typeface="G마켓 산스 Medium" panose="02000000000000000000" pitchFamily="50" charset="-127"/>
-              </a:rPr>
-              <a:t>생성될때마다</a:t>
-            </a:r>
-            <a:r>
-              <a:rPr lang="ko-KR" altLang="en-US" sz="3200" dirty="0">
-                <a:solidFill>
-                  <a:srgbClr val="FF0000"/>
-                </a:solidFill>
-                <a:latin typeface="G마켓 산스 Medium" panose="02000000000000000000" pitchFamily="50" charset="-127"/>
-                <a:ea typeface="G마켓 산스 Medium" panose="02000000000000000000" pitchFamily="50" charset="-127"/>
-              </a:rPr>
-              <a:t> 특정 작업을 하고 싶다면 생성자 내부에서 해야 한다</a:t>
-            </a:r>
-            <a:r>
-              <a:rPr lang="en-US" altLang="ko-KR" sz="3200" dirty="0">
-                <a:solidFill>
-                  <a:srgbClr val="FF0000"/>
-                </a:solidFill>
-                <a:latin typeface="G마켓 산스 Medium" panose="02000000000000000000" pitchFamily="50" charset="-127"/>
-                <a:ea typeface="G마켓 산스 Medium" panose="02000000000000000000" pitchFamily="50" charset="-127"/>
-              </a:rPr>
-              <a:t>.</a:t>
-            </a:r>
-          </a:p>
-          <a:p>
-            <a:endParaRPr lang="en-US" altLang="ko-KR" sz="3200" dirty="0">
-              <a:solidFill>
-                <a:srgbClr val="FF0000"/>
-              </a:solidFill>
-              <a:latin typeface="G마켓 산스 Medium" panose="02000000000000000000" pitchFamily="50" charset="-127"/>
-              <a:ea typeface="G마켓 산스 Medium" panose="02000000000000000000" pitchFamily="50" charset="-127"/>
-            </a:endParaRPr>
-          </a:p>
-          <a:p>
-            <a:r>
-              <a:rPr lang="ko-KR" altLang="en-US" sz="3200" dirty="0">
-                <a:solidFill>
-                  <a:srgbClr val="4C50BC"/>
-                </a:solidFill>
-                <a:latin typeface="G마켓 산스 Medium" panose="02000000000000000000" pitchFamily="50" charset="-127"/>
-                <a:ea typeface="G마켓 산스 Medium" panose="02000000000000000000" pitchFamily="50" charset="-127"/>
-              </a:rPr>
-              <a:t>기능</a:t>
-            </a:r>
-            <a:r>
-              <a:rPr lang="en-US" altLang="ko-KR" sz="3200" dirty="0">
-                <a:solidFill>
-                  <a:srgbClr val="4C50BC"/>
-                </a:solidFill>
-                <a:latin typeface="G마켓 산스 Medium" panose="02000000000000000000" pitchFamily="50" charset="-127"/>
-                <a:ea typeface="G마켓 산스 Medium" panose="02000000000000000000" pitchFamily="50" charset="-127"/>
-              </a:rPr>
-              <a:t>2 . </a:t>
-            </a:r>
-            <a:r>
-              <a:rPr lang="ko-KR" altLang="en-US" sz="3200" dirty="0">
-                <a:solidFill>
-                  <a:srgbClr val="4C50BC"/>
-                </a:solidFill>
-                <a:latin typeface="G마켓 산스 Medium" panose="02000000000000000000" pitchFamily="50" charset="-127"/>
-                <a:ea typeface="G마켓 산스 Medium" panose="02000000000000000000" pitchFamily="50" charset="-127"/>
-              </a:rPr>
-              <a:t>성적의 합계와 평균을 반환하는 메서드를 추가하자</a:t>
-            </a:r>
-            <a:r>
-              <a:rPr lang="en-US" altLang="ko-KR" sz="3200" dirty="0">
-                <a:solidFill>
-                  <a:srgbClr val="4C50BC"/>
-                </a:solidFill>
-                <a:latin typeface="G마켓 산스 Medium" panose="02000000000000000000" pitchFamily="50" charset="-127"/>
-                <a:ea typeface="G마켓 산스 Medium" panose="02000000000000000000" pitchFamily="50" charset="-127"/>
-              </a:rPr>
-              <a:t>.</a:t>
-            </a:r>
-            <a:endParaRPr lang="en-US" altLang="ko-KR" sz="3200" dirty="0">
-              <a:solidFill>
-                <a:srgbClr val="FF0000"/>
-              </a:solidFill>
-              <a:latin typeface="G마켓 산스 Medium" panose="02000000000000000000" pitchFamily="50" charset="-127"/>
-              <a:ea typeface="G마켓 산스 Medium" panose="02000000000000000000" pitchFamily="50" charset="-127"/>
-            </a:endParaRPr>
-          </a:p>
-          <a:p>
-            <a:r>
-              <a:rPr lang="en-US" altLang="ko-KR" sz="3200" dirty="0">
-                <a:solidFill>
-                  <a:schemeClr val="bg1">
-                    <a:lumMod val="50000"/>
-                  </a:schemeClr>
-                </a:solidFill>
-                <a:latin typeface="G마켓 산스 Medium" panose="02000000000000000000" pitchFamily="50" charset="-127"/>
-                <a:ea typeface="G마켓 산스 Medium" panose="02000000000000000000" pitchFamily="50" charset="-127"/>
-              </a:rPr>
-              <a:t>- </a:t>
-            </a:r>
-            <a:r>
-              <a:rPr lang="ko-KR" altLang="en-US" sz="3200" dirty="0" err="1">
-                <a:solidFill>
-                  <a:schemeClr val="bg1">
-                    <a:lumMod val="50000"/>
-                  </a:schemeClr>
-                </a:solidFill>
-                <a:latin typeface="G마켓 산스 Medium" panose="02000000000000000000" pitchFamily="50" charset="-127"/>
-                <a:ea typeface="G마켓 산스 Medium" panose="02000000000000000000" pitchFamily="50" charset="-127"/>
-              </a:rPr>
-              <a:t>멤버메서드</a:t>
-            </a:r>
-            <a:r>
-              <a:rPr lang="ko-KR" altLang="en-US" sz="3200" dirty="0">
-                <a:solidFill>
-                  <a:schemeClr val="bg1">
-                    <a:lumMod val="50000"/>
-                  </a:schemeClr>
-                </a:solidFill>
-                <a:latin typeface="G마켓 산스 Medium" panose="02000000000000000000" pitchFamily="50" charset="-127"/>
-                <a:ea typeface="G마켓 산스 Medium" panose="02000000000000000000" pitchFamily="50" charset="-127"/>
-              </a:rPr>
-              <a:t> </a:t>
-            </a:r>
-            <a:r>
-              <a:rPr lang="en-US" altLang="ko-KR" sz="3200" dirty="0">
-                <a:solidFill>
-                  <a:schemeClr val="bg1">
-                    <a:lumMod val="50000"/>
-                  </a:schemeClr>
-                </a:solidFill>
-                <a:latin typeface="G마켓 산스 Medium" panose="02000000000000000000" pitchFamily="50" charset="-127"/>
-                <a:ea typeface="G마켓 산스 Medium" panose="02000000000000000000" pitchFamily="50" charset="-127"/>
-              </a:rPr>
-              <a:t>: </a:t>
-            </a:r>
-            <a:r>
-              <a:rPr lang="en-US" altLang="ko-KR" sz="3200" dirty="0" err="1">
-                <a:solidFill>
-                  <a:schemeClr val="bg1">
-                    <a:lumMod val="50000"/>
-                  </a:schemeClr>
-                </a:solidFill>
-                <a:latin typeface="G마켓 산스 Medium" panose="02000000000000000000" pitchFamily="50" charset="-127"/>
-                <a:ea typeface="G마켓 산스 Medium" panose="02000000000000000000" pitchFamily="50" charset="-127"/>
-              </a:rPr>
-              <a:t>getTotal</a:t>
-            </a:r>
-            <a:r>
-              <a:rPr lang="en-US" altLang="ko-KR" sz="3200" dirty="0">
-                <a:solidFill>
-                  <a:schemeClr val="bg1">
-                    <a:lumMod val="50000"/>
-                  </a:schemeClr>
-                </a:solidFill>
-                <a:latin typeface="G마켓 산스 Medium" panose="02000000000000000000" pitchFamily="50" charset="-127"/>
-                <a:ea typeface="G마켓 산스 Medium" panose="02000000000000000000" pitchFamily="50" charset="-127"/>
-              </a:rPr>
-              <a:t>() </a:t>
-            </a:r>
-            <a:r>
-              <a:rPr lang="ko-KR" altLang="en-US" sz="3200" dirty="0">
-                <a:solidFill>
-                  <a:schemeClr val="bg1">
-                    <a:lumMod val="50000"/>
-                  </a:schemeClr>
-                </a:solidFill>
-                <a:latin typeface="G마켓 산스 Medium" panose="02000000000000000000" pitchFamily="50" charset="-127"/>
-                <a:ea typeface="G마켓 산스 Medium" panose="02000000000000000000" pitchFamily="50" charset="-127"/>
-              </a:rPr>
-              <a:t>성적의 합계를 반환한다</a:t>
-            </a:r>
-            <a:r>
-              <a:rPr lang="en-US" altLang="ko-KR" sz="3200" dirty="0">
-                <a:solidFill>
-                  <a:schemeClr val="bg1">
-                    <a:lumMod val="50000"/>
-                  </a:schemeClr>
-                </a:solidFill>
-                <a:latin typeface="G마켓 산스 Medium" panose="02000000000000000000" pitchFamily="50" charset="-127"/>
-                <a:ea typeface="G마켓 산스 Medium" panose="02000000000000000000" pitchFamily="50" charset="-127"/>
-              </a:rPr>
-              <a:t>. </a:t>
-            </a:r>
-          </a:p>
-          <a:p>
-            <a:r>
-              <a:rPr lang="en-US" altLang="ko-KR" sz="3200" dirty="0">
-                <a:solidFill>
-                  <a:schemeClr val="bg1">
-                    <a:lumMod val="50000"/>
-                  </a:schemeClr>
-                </a:solidFill>
-                <a:latin typeface="G마켓 산스 Medium" panose="02000000000000000000" pitchFamily="50" charset="-127"/>
-                <a:ea typeface="G마켓 산스 Medium" panose="02000000000000000000" pitchFamily="50" charset="-127"/>
-              </a:rPr>
-              <a:t>                   </a:t>
-            </a:r>
-            <a:r>
-              <a:rPr lang="en-US" altLang="ko-KR" sz="3200" dirty="0" err="1">
-                <a:solidFill>
-                  <a:schemeClr val="bg1">
-                    <a:lumMod val="50000"/>
-                  </a:schemeClr>
-                </a:solidFill>
-                <a:latin typeface="G마켓 산스 Medium" panose="02000000000000000000" pitchFamily="50" charset="-127"/>
-                <a:ea typeface="G마켓 산스 Medium" panose="02000000000000000000" pitchFamily="50" charset="-127"/>
-              </a:rPr>
-              <a:t>getAverage</a:t>
-            </a:r>
-            <a:r>
-              <a:rPr lang="en-US" altLang="ko-KR" sz="3200" dirty="0">
-                <a:solidFill>
-                  <a:schemeClr val="bg1">
-                    <a:lumMod val="50000"/>
-                  </a:schemeClr>
-                </a:solidFill>
-                <a:latin typeface="G마켓 산스 Medium" panose="02000000000000000000" pitchFamily="50" charset="-127"/>
-                <a:ea typeface="G마켓 산스 Medium" panose="02000000000000000000" pitchFamily="50" charset="-127"/>
-              </a:rPr>
-              <a:t>() </a:t>
-            </a:r>
-            <a:r>
-              <a:rPr lang="ko-KR" altLang="en-US" sz="3200" dirty="0">
-                <a:solidFill>
-                  <a:schemeClr val="bg1">
-                    <a:lumMod val="50000"/>
-                  </a:schemeClr>
-                </a:solidFill>
-                <a:latin typeface="G마켓 산스 Medium" panose="02000000000000000000" pitchFamily="50" charset="-127"/>
-                <a:ea typeface="G마켓 산스 Medium" panose="02000000000000000000" pitchFamily="50" charset="-127"/>
-              </a:rPr>
-              <a:t>성적의 평균을 반환한다</a:t>
-            </a:r>
-            <a:r>
-              <a:rPr lang="en-US" altLang="ko-KR" sz="3200" dirty="0">
-                <a:solidFill>
-                  <a:schemeClr val="bg1">
-                    <a:lumMod val="50000"/>
-                  </a:schemeClr>
-                </a:solidFill>
-                <a:latin typeface="G마켓 산스 Medium" panose="02000000000000000000" pitchFamily="50" charset="-127"/>
-                <a:ea typeface="G마켓 산스 Medium" panose="02000000000000000000" pitchFamily="50" charset="-127"/>
-              </a:rPr>
-              <a:t>.</a:t>
-            </a:r>
           </a:p>
         </p:txBody>
       </p:sp>
       <p:pic>
         <p:nvPicPr>
-          <p:cNvPr id="8" name="그림 7">
+          <p:cNvPr id="4" name="그림 3">
             <a:extLst>
               <a:ext uri="{FF2B5EF4-FFF2-40B4-BE49-F238E27FC236}">
-                <a16:creationId xmlns:a16="http://schemas.microsoft.com/office/drawing/2014/main" id="{2B377D11-C304-6504-036E-0E1101A85092}"/>
+                <a16:creationId xmlns:a16="http://schemas.microsoft.com/office/drawing/2014/main" id="{BCD7D187-06D7-7C07-42FE-10554D74D646}"/>
               </a:ext>
             </a:extLst>
           </p:cNvPr>
@@ -15516,168 +14979,254 @@
         </p:blipFill>
         <p:spPr>
           <a:xfrm>
-            <a:off x="304800" y="6052443"/>
-            <a:ext cx="13497406" cy="3739257"/>
+            <a:off x="1066800" y="1714500"/>
+            <a:ext cx="7142357" cy="4800600"/>
           </a:xfrm>
           <a:prstGeom prst="rect">
             <a:avLst/>
           </a:prstGeom>
         </p:spPr>
       </p:pic>
-      <p:pic>
-        <p:nvPicPr>
-          <p:cNvPr id="10" name="그림 9">
+      <p:cxnSp>
+        <p:nvCxnSpPr>
+          <p:cNvPr id="5" name="직선 화살표 연결선 4">
             <a:extLst>
               <a:ext uri="{FF2B5EF4-FFF2-40B4-BE49-F238E27FC236}">
-                <a16:creationId xmlns:a16="http://schemas.microsoft.com/office/drawing/2014/main" id="{3D006D41-16C6-7508-4859-C471D7FB4B34}"/>
+                <a16:creationId xmlns:a16="http://schemas.microsoft.com/office/drawing/2014/main" id="{5F511D8E-3871-704B-C027-311C2DA837EB}"/>
               </a:ext>
             </a:extLst>
           </p:cNvPr>
-          <p:cNvPicPr>
-            <a:picLocks noChangeAspect="1"/>
-          </p:cNvPicPr>
+          <p:cNvCxnSpPr>
+            <a:cxnSpLocks/>
+          </p:cNvCxnSpPr>
           <p:nvPr/>
-        </p:nvPicPr>
-        <p:blipFill>
-          <a:blip r:embed="rId3"/>
-          <a:stretch>
-            <a:fillRect/>
-          </a:stretch>
-        </p:blipFill>
-        <p:spPr>
-          <a:xfrm>
-            <a:off x="13624303" y="7810500"/>
-            <a:ext cx="4663697" cy="1752600"/>
+        </p:nvCxnSpPr>
+        <p:spPr>
+          <a:xfrm>
+            <a:off x="5257800" y="5600700"/>
+            <a:ext cx="381000" cy="914400"/>
+          </a:xfrm>
+          <a:prstGeom prst="straightConnector1">
+            <a:avLst/>
+          </a:prstGeom>
+          <a:ln w="38100">
+            <a:tailEnd type="triangle"/>
+          </a:ln>
+        </p:spPr>
+        <p:style>
+          <a:lnRef idx="1">
+            <a:schemeClr val="accent2"/>
+          </a:lnRef>
+          <a:fillRef idx="0">
+            <a:schemeClr val="accent2"/>
+          </a:fillRef>
+          <a:effectRef idx="0">
+            <a:schemeClr val="accent2"/>
+          </a:effectRef>
+          <a:fontRef idx="minor">
+            <a:schemeClr val="tx1"/>
+          </a:fontRef>
+        </p:style>
+      </p:cxnSp>
+      <p:sp>
+        <p:nvSpPr>
+          <p:cNvPr id="6" name="직사각형 5">
+            <a:extLst>
+              <a:ext uri="{FF2B5EF4-FFF2-40B4-BE49-F238E27FC236}">
+                <a16:creationId xmlns:a16="http://schemas.microsoft.com/office/drawing/2014/main" id="{EB6665D4-BA53-0802-048B-7E997B1DF6D8}"/>
+              </a:ext>
+            </a:extLst>
+          </p:cNvPr>
+          <p:cNvSpPr/>
+          <p:nvPr/>
+        </p:nvSpPr>
+        <p:spPr>
+          <a:xfrm>
+            <a:off x="4038600" y="5143500"/>
+            <a:ext cx="2590800" cy="457200"/>
           </a:xfrm>
           <a:prstGeom prst="rect">
             <a:avLst/>
           </a:prstGeom>
-        </p:spPr>
-      </p:pic>
+          <a:noFill/>
+          <a:ln>
+            <a:solidFill>
+              <a:srgbClr val="FF0000"/>
+            </a:solidFill>
+          </a:ln>
+        </p:spPr>
+        <p:style>
+          <a:lnRef idx="2">
+            <a:schemeClr val="accent2">
+              <a:shade val="50000"/>
+            </a:schemeClr>
+          </a:lnRef>
+          <a:fillRef idx="1">
+            <a:schemeClr val="accent2"/>
+          </a:fillRef>
+          <a:effectRef idx="0">
+            <a:schemeClr val="accent2"/>
+          </a:effectRef>
+          <a:fontRef idx="minor">
+            <a:schemeClr val="lt1"/>
+          </a:fontRef>
+        </p:style>
+        <p:txBody>
+          <a:bodyPr rtlCol="0" anchor="ctr"/>
+          <a:lstStyle/>
+          <a:p>
+            <a:pPr algn="ctr"/>
+            <a:endParaRPr lang="ko-KR" altLang="en-US"/>
+          </a:p>
+        </p:txBody>
+      </p:sp>
+      <p:sp>
+        <p:nvSpPr>
+          <p:cNvPr id="7" name="TextBox 6">
+            <a:extLst>
+              <a:ext uri="{FF2B5EF4-FFF2-40B4-BE49-F238E27FC236}">
+                <a16:creationId xmlns:a16="http://schemas.microsoft.com/office/drawing/2014/main" id="{300D42C1-314A-1AEE-FC17-A8993AD347C1}"/>
+              </a:ext>
+            </a:extLst>
+          </p:cNvPr>
+          <p:cNvSpPr txBox="1"/>
+          <p:nvPr/>
+        </p:nvSpPr>
+        <p:spPr>
+          <a:xfrm>
+            <a:off x="3657600" y="6642437"/>
+            <a:ext cx="13716000" cy="1200329"/>
+          </a:xfrm>
+          <a:prstGeom prst="rect">
+            <a:avLst/>
+          </a:prstGeom>
+          <a:noFill/>
+        </p:spPr>
+        <p:txBody>
+          <a:bodyPr wrap="square" rtlCol="0">
+            <a:spAutoFit/>
+          </a:bodyPr>
+          <a:lstStyle/>
+          <a:p>
+            <a:r>
+              <a:rPr lang="ko-KR" altLang="en-US" sz="3600" dirty="0">
+                <a:solidFill>
+                  <a:srgbClr val="FF0000"/>
+                </a:solidFill>
+                <a:latin typeface="G마켓 산스 Medium" panose="02000000000000000000" pitchFamily="50" charset="-127"/>
+                <a:ea typeface="G마켓 산스 Medium" panose="02000000000000000000" pitchFamily="50" charset="-127"/>
+              </a:rPr>
+              <a:t>합계를 직접 </a:t>
+            </a:r>
+            <a:r>
+              <a:rPr lang="ko-KR" altLang="en-US" sz="3600" dirty="0" err="1">
+                <a:solidFill>
+                  <a:srgbClr val="FF0000"/>
+                </a:solidFill>
+                <a:latin typeface="G마켓 산스 Medium" panose="02000000000000000000" pitchFamily="50" charset="-127"/>
+                <a:ea typeface="G마켓 산스 Medium" panose="02000000000000000000" pitchFamily="50" charset="-127"/>
+              </a:rPr>
+              <a:t>구하는것보다</a:t>
+            </a:r>
+            <a:r>
+              <a:rPr lang="ko-KR" altLang="en-US" sz="3600" dirty="0">
+                <a:solidFill>
+                  <a:srgbClr val="FF0000"/>
+                </a:solidFill>
+                <a:latin typeface="G마켓 산스 Medium" panose="02000000000000000000" pitchFamily="50" charset="-127"/>
+                <a:ea typeface="G마켓 산스 Medium" panose="02000000000000000000" pitchFamily="50" charset="-127"/>
+              </a:rPr>
+              <a:t> 기존에 만들어 놓은 메서드를 </a:t>
+            </a:r>
+            <a:r>
+              <a:rPr lang="ko-KR" altLang="en-US" sz="3600" dirty="0" err="1">
+                <a:solidFill>
+                  <a:srgbClr val="FF0000"/>
+                </a:solidFill>
+                <a:latin typeface="G마켓 산스 Medium" panose="02000000000000000000" pitchFamily="50" charset="-127"/>
+                <a:ea typeface="G마켓 산스 Medium" panose="02000000000000000000" pitchFamily="50" charset="-127"/>
+              </a:rPr>
+              <a:t>활용하는것이</a:t>
+            </a:r>
+            <a:r>
+              <a:rPr lang="ko-KR" altLang="en-US" sz="3600" dirty="0">
+                <a:solidFill>
+                  <a:srgbClr val="FF0000"/>
+                </a:solidFill>
+                <a:latin typeface="G마켓 산스 Medium" panose="02000000000000000000" pitchFamily="50" charset="-127"/>
+                <a:ea typeface="G마켓 산스 Medium" panose="02000000000000000000" pitchFamily="50" charset="-127"/>
+              </a:rPr>
+              <a:t> 좋다</a:t>
+            </a:r>
+            <a:r>
+              <a:rPr lang="en-US" altLang="ko-KR" sz="3600" dirty="0">
+                <a:solidFill>
+                  <a:srgbClr val="FF0000"/>
+                </a:solidFill>
+                <a:latin typeface="G마켓 산스 Medium" panose="02000000000000000000" pitchFamily="50" charset="-127"/>
+                <a:ea typeface="G마켓 산스 Medium" panose="02000000000000000000" pitchFamily="50" charset="-127"/>
+              </a:rPr>
+              <a:t>.</a:t>
+            </a:r>
+          </a:p>
+        </p:txBody>
+      </p:sp>
+      <p:sp>
+        <p:nvSpPr>
+          <p:cNvPr id="9" name="직사각형 8">
+            <a:extLst>
+              <a:ext uri="{FF2B5EF4-FFF2-40B4-BE49-F238E27FC236}">
+                <a16:creationId xmlns:a16="http://schemas.microsoft.com/office/drawing/2014/main" id="{4A27CCE5-46F4-7571-8023-C80A092954BB}"/>
+              </a:ext>
+            </a:extLst>
+          </p:cNvPr>
+          <p:cNvSpPr/>
+          <p:nvPr/>
+        </p:nvSpPr>
+        <p:spPr>
+          <a:xfrm>
+            <a:off x="228600" y="1509486"/>
+            <a:ext cx="15240000" cy="6758214"/>
+          </a:xfrm>
+          <a:prstGeom prst="rect">
+            <a:avLst/>
+          </a:prstGeom>
+          <a:solidFill>
+            <a:schemeClr val="bg1"/>
+          </a:solidFill>
+          <a:ln>
+            <a:noFill/>
+          </a:ln>
+        </p:spPr>
+        <p:style>
+          <a:lnRef idx="2">
+            <a:schemeClr val="accent1">
+              <a:shade val="15000"/>
+            </a:schemeClr>
+          </a:lnRef>
+          <a:fillRef idx="1">
+            <a:schemeClr val="accent1"/>
+          </a:fillRef>
+          <a:effectRef idx="0">
+            <a:schemeClr val="accent1"/>
+          </a:effectRef>
+          <a:fontRef idx="minor">
+            <a:schemeClr val="lt1"/>
+          </a:fontRef>
+        </p:style>
+        <p:txBody>
+          <a:bodyPr rtlCol="0" anchor="ctr"/>
+          <a:lstStyle/>
+          <a:p>
+            <a:pPr algn="ctr"/>
+            <a:endParaRPr lang="ko-KR" altLang="en-US"/>
+          </a:p>
+        </p:txBody>
+      </p:sp>
     </p:spTree>
     <p:extLst>
       <p:ext uri="{BB962C8B-B14F-4D97-AF65-F5344CB8AC3E}">
-        <p14:creationId xmlns:p14="http://schemas.microsoft.com/office/powerpoint/2010/main" val="4196209334"/>
-      </p:ext>
-    </p:extLst>
-  </p:cSld>
-  <p:clrMapOvr>
-    <a:masterClrMapping/>
-  </p:clrMapOvr>
-</p:sld>
-</file>
-
-<file path=ppt/slides/slide32.xml><?xml version="1.0" encoding="utf-8"?>
-<p:sld xmlns:a="http://schemas.openxmlformats.org/drawingml/2006/main" xmlns:r="http://schemas.openxmlformats.org/officeDocument/2006/relationships" xmlns:p="http://schemas.openxmlformats.org/presentationml/2006/main">
-  <p:cSld>
-    <p:spTree>
-      <p:nvGrpSpPr>
-        <p:cNvPr id="1" name=""/>
-        <p:cNvGrpSpPr/>
-        <p:nvPr/>
-      </p:nvGrpSpPr>
-      <p:grpSpPr>
-        <a:xfrm>
-          <a:off x="0" y="0"/>
-          <a:ext cx="0" cy="0"/>
-          <a:chOff x="0" y="0"/>
-          <a:chExt cx="0" cy="0"/>
-        </a:xfrm>
-      </p:grpSpPr>
-    </p:spTree>
-    <p:extLst>
-      <p:ext uri="{BB962C8B-B14F-4D97-AF65-F5344CB8AC3E}">
-        <p14:creationId xmlns:p14="http://schemas.microsoft.com/office/powerpoint/2010/main" val="1087762848"/>
-      </p:ext>
-    </p:extLst>
-  </p:cSld>
-  <p:clrMapOvr>
-    <a:masterClrMapping/>
-  </p:clrMapOvr>
-</p:sld>
-</file>
-
-<file path=ppt/slides/slide33.xml><?xml version="1.0" encoding="utf-8"?>
-<p:sld xmlns:a="http://schemas.openxmlformats.org/drawingml/2006/main" xmlns:r="http://schemas.openxmlformats.org/officeDocument/2006/relationships" xmlns:p="http://schemas.openxmlformats.org/presentationml/2006/main">
-  <p:cSld>
-    <p:spTree>
-      <p:nvGrpSpPr>
-        <p:cNvPr id="1" name=""/>
-        <p:cNvGrpSpPr/>
-        <p:nvPr/>
-      </p:nvGrpSpPr>
-      <p:grpSpPr>
-        <a:xfrm>
-          <a:off x="0" y="0"/>
-          <a:ext cx="0" cy="0"/>
-          <a:chOff x="0" y="0"/>
-          <a:chExt cx="0" cy="0"/>
-        </a:xfrm>
-      </p:grpSpPr>
-      <p:pic>
-        <p:nvPicPr>
-          <p:cNvPr id="4" name="그림 3"/>
-          <p:cNvPicPr>
-            <a:picLocks noChangeAspect="1"/>
-          </p:cNvPicPr>
-          <p:nvPr/>
-        </p:nvPicPr>
-        <p:blipFill>
-          <a:blip r:embed="rId2"/>
-          <a:stretch>
-            <a:fillRect/>
-          </a:stretch>
-        </p:blipFill>
-        <p:spPr>
-          <a:xfrm>
-            <a:off x="1219200" y="647700"/>
-            <a:ext cx="9803873" cy="7696200"/>
-          </a:xfrm>
-          <a:prstGeom prst="rect">
-            <a:avLst/>
-          </a:prstGeom>
-        </p:spPr>
-      </p:pic>
-      <p:pic>
-        <p:nvPicPr>
-          <p:cNvPr id="5" name="그림 4"/>
-          <p:cNvPicPr>
-            <a:picLocks noChangeAspect="1"/>
-          </p:cNvPicPr>
-          <p:nvPr/>
-        </p:nvPicPr>
-        <p:blipFill>
-          <a:blip r:embed="rId3">
-            <a:extLst>
-              <a:ext uri="{BEBA8EAE-BF5A-486C-A8C5-ECC9F3942E4B}">
-                <a14:imgProps xmlns:a14="http://schemas.microsoft.com/office/drawing/2010/main">
-                  <a14:imgLayer r:embed="rId4">
-                    <a14:imgEffect>
-                      <a14:artisticGlass/>
-                    </a14:imgEffect>
-                  </a14:imgLayer>
-                </a14:imgProps>
-              </a:ext>
-            </a:extLst>
-          </a:blip>
-          <a:stretch>
-            <a:fillRect/>
-          </a:stretch>
-        </p:blipFill>
-        <p:spPr>
-          <a:xfrm>
-            <a:off x="9176657" y="1943100"/>
-            <a:ext cx="9803873" cy="7696200"/>
-          </a:xfrm>
-          <a:prstGeom prst="rect">
-            <a:avLst/>
-          </a:prstGeom>
-        </p:spPr>
-      </p:pic>
-    </p:spTree>
-    <p:extLst>
-      <p:ext uri="{BB962C8B-B14F-4D97-AF65-F5344CB8AC3E}">
-        <p14:creationId xmlns:p14="http://schemas.microsoft.com/office/powerpoint/2010/main" val="251849400"/>
+        <p14:creationId xmlns:p14="http://schemas.microsoft.com/office/powerpoint/2010/main" val="566981277"/>
       </p:ext>
     </p:extLst>
   </p:cSld>
@@ -15705,7 +15254,7 @@
                             </p:stCondLst>
                             <p:childTnLst>
                               <p:par>
-                                <p:cTn id="5" presetID="1" presetClass="exit" presetSubtype="0" fill="hold" nodeType="clickEffect">
+                                <p:cTn id="5" presetID="1" presetClass="exit" presetSubtype="0" fill="hold" grpId="0" nodeType="clickEffect">
                                   <p:stCondLst>
                                     <p:cond delay="0"/>
                                   </p:stCondLst>
@@ -15718,7 +15267,7 @@
                                           </p:stCondLst>
                                         </p:cTn>
                                         <p:tgtEl>
-                                          <p:spTgt spid="5"/>
+                                          <p:spTgt spid="9"/>
                                         </p:tgtEl>
                                         <p:attrNameLst>
                                           <p:attrName>style.visibility</p:attrName>
@@ -15758,11 +15307,1137 @@
         </p:cTn>
       </p:par>
     </p:tnLst>
+    <p:bldLst>
+      <p:bldP spid="9" grpId="0" animBg="1"/>
+    </p:bldLst>
   </p:timing>
 </p:sld>
 </file>
 
-<file path=ppt/slides/slide34.xml><?xml version="1.0" encoding="utf-8"?>
+<file path=ppt/slides/slide31.xml><?xml version="1.0" encoding="utf-8"?>
+<p:sld xmlns:a="http://schemas.openxmlformats.org/drawingml/2006/main" xmlns:r="http://schemas.openxmlformats.org/officeDocument/2006/relationships" xmlns:p="http://schemas.openxmlformats.org/presentationml/2006/main">
+  <p:cSld>
+    <p:spTree>
+      <p:nvGrpSpPr>
+        <p:cNvPr id="1" name=""/>
+        <p:cNvGrpSpPr/>
+        <p:nvPr/>
+      </p:nvGrpSpPr>
+      <p:grpSpPr>
+        <a:xfrm>
+          <a:off x="0" y="0"/>
+          <a:ext cx="0" cy="0"/>
+          <a:chOff x="0" y="0"/>
+          <a:chExt cx="0" cy="0"/>
+        </a:xfrm>
+      </p:grpSpPr>
+      <p:sp>
+        <p:nvSpPr>
+          <p:cNvPr id="6" name="TextBox 5">
+            <a:extLst>
+              <a:ext uri="{FF2B5EF4-FFF2-40B4-BE49-F238E27FC236}">
+                <a16:creationId xmlns:a16="http://schemas.microsoft.com/office/drawing/2014/main" id="{3ABE030A-9E8F-F8D0-0529-3326D3C33C06}"/>
+              </a:ext>
+            </a:extLst>
+          </p:cNvPr>
+          <p:cNvSpPr txBox="1"/>
+          <p:nvPr/>
+        </p:nvSpPr>
+        <p:spPr>
+          <a:xfrm>
+            <a:off x="381000" y="38100"/>
+            <a:ext cx="17526000" cy="3539430"/>
+          </a:xfrm>
+          <a:prstGeom prst="rect">
+            <a:avLst/>
+          </a:prstGeom>
+          <a:noFill/>
+        </p:spPr>
+        <p:txBody>
+          <a:bodyPr wrap="square" rtlCol="0">
+            <a:spAutoFit/>
+          </a:bodyPr>
+          <a:lstStyle/>
+          <a:p>
+            <a:r>
+              <a:rPr lang="en-US" altLang="ko-KR" sz="3200" dirty="0">
+                <a:solidFill>
+                  <a:srgbClr val="4C50BC"/>
+                </a:solidFill>
+                <a:latin typeface="G마켓 산스 Medium" panose="02000000000000000000" pitchFamily="50" charset="-127"/>
+                <a:ea typeface="G마켓 산스 Medium" panose="02000000000000000000" pitchFamily="50" charset="-127"/>
+              </a:rPr>
+              <a:t>1-3 Student</a:t>
+            </a:r>
+            <a:r>
+              <a:rPr lang="ko-KR" altLang="en-US" sz="3200" dirty="0">
+                <a:solidFill>
+                  <a:srgbClr val="4C50BC"/>
+                </a:solidFill>
+                <a:latin typeface="G마켓 산스 Medium" panose="02000000000000000000" pitchFamily="50" charset="-127"/>
+                <a:ea typeface="G마켓 산스 Medium" panose="02000000000000000000" pitchFamily="50" charset="-127"/>
+              </a:rPr>
+              <a:t>클래스에 객체가 생성 될 때마다 객체의 카운트를 올려보자</a:t>
+            </a:r>
+            <a:r>
+              <a:rPr lang="en-US" altLang="ko-KR" sz="3200" dirty="0">
+                <a:solidFill>
+                  <a:srgbClr val="FF0000"/>
+                </a:solidFill>
+                <a:latin typeface="G마켓 산스 Medium" panose="02000000000000000000" pitchFamily="50" charset="-127"/>
+                <a:ea typeface="G마켓 산스 Medium" panose="02000000000000000000" pitchFamily="50" charset="-127"/>
+              </a:rPr>
+              <a:t>(hard)</a:t>
+            </a:r>
+          </a:p>
+          <a:p>
+            <a:r>
+              <a:rPr lang="en-US" altLang="ko-KR" sz="3200" dirty="0">
+                <a:solidFill>
+                  <a:schemeClr val="bg1">
+                    <a:lumMod val="50000"/>
+                  </a:schemeClr>
+                </a:solidFill>
+                <a:latin typeface="G마켓 산스 Medium" panose="02000000000000000000" pitchFamily="50" charset="-127"/>
+                <a:ea typeface="G마켓 산스 Medium" panose="02000000000000000000" pitchFamily="50" charset="-127"/>
+              </a:rPr>
+              <a:t>- </a:t>
+            </a:r>
+            <a:r>
+              <a:rPr lang="ko-KR" altLang="en-US" sz="3200" dirty="0">
+                <a:solidFill>
+                  <a:schemeClr val="bg1">
+                    <a:lumMod val="50000"/>
+                  </a:schemeClr>
+                </a:solidFill>
+                <a:latin typeface="G마켓 산스 Medium" panose="02000000000000000000" pitchFamily="50" charset="-127"/>
+                <a:ea typeface="G마켓 산스 Medium" panose="02000000000000000000" pitchFamily="50" charset="-127"/>
+              </a:rPr>
+              <a:t>멤버변수 </a:t>
+            </a:r>
+            <a:r>
+              <a:rPr lang="en-US" altLang="ko-KR" sz="3200" dirty="0">
+                <a:solidFill>
+                  <a:schemeClr val="bg1">
+                    <a:lumMod val="50000"/>
+                  </a:schemeClr>
+                </a:solidFill>
+                <a:latin typeface="G마켓 산스 Medium" panose="02000000000000000000" pitchFamily="50" charset="-127"/>
+                <a:ea typeface="G마켓 산스 Medium" panose="02000000000000000000" pitchFamily="50" charset="-127"/>
+              </a:rPr>
+              <a:t>count </a:t>
+            </a:r>
+            <a:r>
+              <a:rPr lang="ko-KR" altLang="en-US" sz="3200" dirty="0">
+                <a:solidFill>
+                  <a:schemeClr val="bg1">
+                    <a:lumMod val="50000"/>
+                  </a:schemeClr>
+                </a:solidFill>
+                <a:latin typeface="G마켓 산스 Medium" panose="02000000000000000000" pitchFamily="50" charset="-127"/>
+                <a:ea typeface="G마켓 산스 Medium" panose="02000000000000000000" pitchFamily="50" charset="-127"/>
+              </a:rPr>
+              <a:t>추가</a:t>
+            </a:r>
+            <a:r>
+              <a:rPr lang="en-US" altLang="ko-KR" sz="3200" dirty="0">
+                <a:solidFill>
+                  <a:schemeClr val="bg1">
+                    <a:lumMod val="50000"/>
+                  </a:schemeClr>
+                </a:solidFill>
+                <a:latin typeface="G마켓 산스 Medium" panose="02000000000000000000" pitchFamily="50" charset="-127"/>
+                <a:ea typeface="G마켓 산스 Medium" panose="02000000000000000000" pitchFamily="50" charset="-127"/>
+              </a:rPr>
+              <a:t>(</a:t>
+            </a:r>
+            <a:r>
+              <a:rPr lang="ko-KR" altLang="en-US" sz="3200" dirty="0">
+                <a:solidFill>
+                  <a:schemeClr val="bg1">
+                    <a:lumMod val="50000"/>
+                  </a:schemeClr>
+                </a:solidFill>
+                <a:latin typeface="G마켓 산스 Medium" panose="02000000000000000000" pitchFamily="50" charset="-127"/>
+                <a:ea typeface="G마켓 산스 Medium" panose="02000000000000000000" pitchFamily="50" charset="-127"/>
+              </a:rPr>
+              <a:t>현재 생성된 객체의 개수를 저장한다</a:t>
+            </a:r>
+            <a:r>
+              <a:rPr lang="en-US" altLang="ko-KR" sz="3200" dirty="0">
+                <a:solidFill>
+                  <a:schemeClr val="bg1">
+                    <a:lumMod val="50000"/>
+                  </a:schemeClr>
+                </a:solidFill>
+                <a:latin typeface="G마켓 산스 Medium" panose="02000000000000000000" pitchFamily="50" charset="-127"/>
+                <a:ea typeface="G마켓 산스 Medium" panose="02000000000000000000" pitchFamily="50" charset="-127"/>
+              </a:rPr>
+              <a:t>.)</a:t>
+            </a:r>
+          </a:p>
+          <a:p>
+            <a:r>
+              <a:rPr lang="ko-KR" altLang="en-US" sz="3200" dirty="0">
+                <a:solidFill>
+                  <a:srgbClr val="FF0000"/>
+                </a:solidFill>
+                <a:latin typeface="G마켓 산스 Medium" panose="02000000000000000000" pitchFamily="50" charset="-127"/>
+                <a:ea typeface="G마켓 산스 Medium" panose="02000000000000000000" pitchFamily="50" charset="-127"/>
+              </a:rPr>
+              <a:t>힌트</a:t>
+            </a:r>
+            <a:r>
+              <a:rPr lang="ko-KR" altLang="en-US" sz="3200" dirty="0">
+                <a:solidFill>
+                  <a:schemeClr val="bg1">
+                    <a:lumMod val="50000"/>
+                  </a:schemeClr>
+                </a:solidFill>
+                <a:latin typeface="G마켓 산스 Medium" panose="02000000000000000000" pitchFamily="50" charset="-127"/>
+                <a:ea typeface="G마켓 산스 Medium" panose="02000000000000000000" pitchFamily="50" charset="-127"/>
+              </a:rPr>
+              <a:t> </a:t>
+            </a:r>
+            <a:endParaRPr lang="en-US" altLang="ko-KR" sz="3200" dirty="0">
+              <a:solidFill>
+                <a:schemeClr val="bg1">
+                  <a:lumMod val="50000"/>
+                </a:schemeClr>
+              </a:solidFill>
+              <a:latin typeface="G마켓 산스 Medium" panose="02000000000000000000" pitchFamily="50" charset="-127"/>
+              <a:ea typeface="G마켓 산스 Medium" panose="02000000000000000000" pitchFamily="50" charset="-127"/>
+            </a:endParaRPr>
+          </a:p>
+          <a:p>
+            <a:r>
+              <a:rPr lang="en-US" altLang="ko-KR" sz="3200" dirty="0">
+                <a:solidFill>
+                  <a:srgbClr val="FF0000"/>
+                </a:solidFill>
+                <a:latin typeface="G마켓 산스 Medium" panose="02000000000000000000" pitchFamily="50" charset="-127"/>
+                <a:ea typeface="G마켓 산스 Medium" panose="02000000000000000000" pitchFamily="50" charset="-127"/>
+              </a:rPr>
+              <a:t>   1. count </a:t>
+            </a:r>
+            <a:r>
+              <a:rPr lang="ko-KR" altLang="en-US" sz="3200" dirty="0">
+                <a:solidFill>
+                  <a:srgbClr val="FF0000"/>
+                </a:solidFill>
+                <a:latin typeface="G마켓 산스 Medium" panose="02000000000000000000" pitchFamily="50" charset="-127"/>
+                <a:ea typeface="G마켓 산스 Medium" panose="02000000000000000000" pitchFamily="50" charset="-127"/>
+              </a:rPr>
+              <a:t>변수는 객체가 </a:t>
+            </a:r>
+            <a:r>
+              <a:rPr lang="ko-KR" altLang="en-US" sz="3200" dirty="0" err="1">
+                <a:solidFill>
+                  <a:srgbClr val="FF0000"/>
+                </a:solidFill>
+                <a:latin typeface="G마켓 산스 Medium" panose="02000000000000000000" pitchFamily="50" charset="-127"/>
+                <a:ea typeface="G마켓 산스 Medium" panose="02000000000000000000" pitchFamily="50" charset="-127"/>
+              </a:rPr>
+              <a:t>생성될때마다</a:t>
+            </a:r>
+            <a:r>
+              <a:rPr lang="ko-KR" altLang="en-US" sz="3200" dirty="0">
+                <a:solidFill>
+                  <a:srgbClr val="FF0000"/>
+                </a:solidFill>
+                <a:latin typeface="G마켓 산스 Medium" panose="02000000000000000000" pitchFamily="50" charset="-127"/>
+                <a:ea typeface="G마켓 산스 Medium" panose="02000000000000000000" pitchFamily="50" charset="-127"/>
+              </a:rPr>
+              <a:t> </a:t>
+            </a:r>
+            <a:r>
+              <a:rPr lang="en-US" altLang="ko-KR" sz="3200" dirty="0">
+                <a:solidFill>
+                  <a:srgbClr val="FF0000"/>
+                </a:solidFill>
+                <a:latin typeface="G마켓 산스 Medium" panose="02000000000000000000" pitchFamily="50" charset="-127"/>
+                <a:ea typeface="G마켓 산스 Medium" panose="02000000000000000000" pitchFamily="50" charset="-127"/>
+              </a:rPr>
+              <a:t>1</a:t>
+            </a:r>
+            <a:r>
+              <a:rPr lang="ko-KR" altLang="en-US" sz="3200" dirty="0">
+                <a:solidFill>
+                  <a:srgbClr val="FF0000"/>
+                </a:solidFill>
+                <a:latin typeface="G마켓 산스 Medium" panose="02000000000000000000" pitchFamily="50" charset="-127"/>
+                <a:ea typeface="G마켓 산스 Medium" panose="02000000000000000000" pitchFamily="50" charset="-127"/>
+              </a:rPr>
+              <a:t>씩 증가하여 현재 객체가 </a:t>
+            </a:r>
+            <a:endParaRPr lang="en-US" altLang="ko-KR" sz="3200" dirty="0">
+              <a:solidFill>
+                <a:srgbClr val="FF0000"/>
+              </a:solidFill>
+              <a:latin typeface="G마켓 산스 Medium" panose="02000000000000000000" pitchFamily="50" charset="-127"/>
+              <a:ea typeface="G마켓 산스 Medium" panose="02000000000000000000" pitchFamily="50" charset="-127"/>
+            </a:endParaRPr>
+          </a:p>
+          <a:p>
+            <a:r>
+              <a:rPr lang="ko-KR" altLang="en-US" sz="3200" dirty="0">
+                <a:solidFill>
+                  <a:srgbClr val="FF0000"/>
+                </a:solidFill>
+                <a:latin typeface="G마켓 산스 Medium" panose="02000000000000000000" pitchFamily="50" charset="-127"/>
+                <a:ea typeface="G마켓 산스 Medium" panose="02000000000000000000" pitchFamily="50" charset="-127"/>
+              </a:rPr>
+              <a:t>   몇 개 생성되었는지를 저장하고 있어야 한다</a:t>
+            </a:r>
+            <a:r>
+              <a:rPr lang="en-US" altLang="ko-KR" sz="3200" dirty="0">
+                <a:solidFill>
+                  <a:srgbClr val="FF0000"/>
+                </a:solidFill>
+                <a:latin typeface="G마켓 산스 Medium" panose="02000000000000000000" pitchFamily="50" charset="-127"/>
+                <a:ea typeface="G마켓 산스 Medium" panose="02000000000000000000" pitchFamily="50" charset="-127"/>
+              </a:rPr>
+              <a:t>.</a:t>
+            </a:r>
+          </a:p>
+          <a:p>
+            <a:r>
+              <a:rPr lang="en-US" altLang="ko-KR" sz="3200" dirty="0">
+                <a:solidFill>
+                  <a:srgbClr val="FF0000"/>
+                </a:solidFill>
+                <a:latin typeface="G마켓 산스 Medium" panose="02000000000000000000" pitchFamily="50" charset="-127"/>
+                <a:ea typeface="G마켓 산스 Medium" panose="02000000000000000000" pitchFamily="50" charset="-127"/>
+              </a:rPr>
+              <a:t>   2. static</a:t>
+            </a:r>
+            <a:r>
+              <a:rPr lang="ko-KR" altLang="en-US" sz="3200" dirty="0">
+                <a:solidFill>
+                  <a:srgbClr val="FF0000"/>
+                </a:solidFill>
+                <a:latin typeface="G마켓 산스 Medium" panose="02000000000000000000" pitchFamily="50" charset="-127"/>
+                <a:ea typeface="G마켓 산스 Medium" panose="02000000000000000000" pitchFamily="50" charset="-127"/>
+              </a:rPr>
+              <a:t>을 활용해야만 가능하다</a:t>
+            </a:r>
+            <a:r>
+              <a:rPr lang="en-US" altLang="ko-KR" sz="3200" dirty="0">
+                <a:solidFill>
+                  <a:srgbClr val="FF0000"/>
+                </a:solidFill>
+                <a:latin typeface="G마켓 산스 Medium" panose="02000000000000000000" pitchFamily="50" charset="-127"/>
+                <a:ea typeface="G마켓 산스 Medium" panose="02000000000000000000" pitchFamily="50" charset="-127"/>
+              </a:rPr>
+              <a:t>.</a:t>
+            </a:r>
+          </a:p>
+          <a:p>
+            <a:r>
+              <a:rPr lang="en-US" altLang="ko-KR" sz="3200" dirty="0">
+                <a:solidFill>
+                  <a:srgbClr val="FF0000"/>
+                </a:solidFill>
+                <a:latin typeface="G마켓 산스 Medium" panose="02000000000000000000" pitchFamily="50" charset="-127"/>
+                <a:ea typeface="G마켓 산스 Medium" panose="02000000000000000000" pitchFamily="50" charset="-127"/>
+              </a:rPr>
+              <a:t>   3. </a:t>
+            </a:r>
+            <a:r>
+              <a:rPr lang="ko-KR" altLang="en-US" sz="3200" dirty="0">
+                <a:solidFill>
+                  <a:srgbClr val="FF0000"/>
+                </a:solidFill>
+                <a:latin typeface="G마켓 산스 Medium" panose="02000000000000000000" pitchFamily="50" charset="-127"/>
+                <a:ea typeface="G마켓 산스 Medium" panose="02000000000000000000" pitchFamily="50" charset="-127"/>
+              </a:rPr>
+              <a:t>객체가 </a:t>
+            </a:r>
+            <a:r>
+              <a:rPr lang="ko-KR" altLang="en-US" sz="3200" dirty="0" err="1">
+                <a:solidFill>
+                  <a:srgbClr val="FF0000"/>
+                </a:solidFill>
+                <a:latin typeface="G마켓 산스 Medium" panose="02000000000000000000" pitchFamily="50" charset="-127"/>
+                <a:ea typeface="G마켓 산스 Medium" panose="02000000000000000000" pitchFamily="50" charset="-127"/>
+              </a:rPr>
+              <a:t>생성될때마다</a:t>
+            </a:r>
+            <a:r>
+              <a:rPr lang="ko-KR" altLang="en-US" sz="3200" dirty="0">
+                <a:solidFill>
+                  <a:srgbClr val="FF0000"/>
+                </a:solidFill>
+                <a:latin typeface="G마켓 산스 Medium" panose="02000000000000000000" pitchFamily="50" charset="-127"/>
+                <a:ea typeface="G마켓 산스 Medium" panose="02000000000000000000" pitchFamily="50" charset="-127"/>
+              </a:rPr>
+              <a:t> 특정 작업을 하고 싶다면 생성자 내부에서 해야 한다</a:t>
+            </a:r>
+            <a:r>
+              <a:rPr lang="en-US" altLang="ko-KR" sz="3200" dirty="0">
+                <a:solidFill>
+                  <a:srgbClr val="FF0000"/>
+                </a:solidFill>
+                <a:latin typeface="G마켓 산스 Medium" panose="02000000000000000000" pitchFamily="50" charset="-127"/>
+                <a:ea typeface="G마켓 산스 Medium" panose="02000000000000000000" pitchFamily="50" charset="-127"/>
+              </a:rPr>
+              <a:t>.</a:t>
+            </a:r>
+          </a:p>
+        </p:txBody>
+      </p:sp>
+      <p:pic>
+        <p:nvPicPr>
+          <p:cNvPr id="3" name="그림 2">
+            <a:extLst>
+              <a:ext uri="{FF2B5EF4-FFF2-40B4-BE49-F238E27FC236}">
+                <a16:creationId xmlns:a16="http://schemas.microsoft.com/office/drawing/2014/main" id="{B467608B-17AD-97AF-B8E2-5A81619D18A1}"/>
+              </a:ext>
+            </a:extLst>
+          </p:cNvPr>
+          <p:cNvPicPr>
+            <a:picLocks noChangeAspect="1"/>
+          </p:cNvPicPr>
+          <p:nvPr/>
+        </p:nvPicPr>
+        <p:blipFill>
+          <a:blip r:embed="rId2"/>
+          <a:stretch>
+            <a:fillRect/>
+          </a:stretch>
+        </p:blipFill>
+        <p:spPr>
+          <a:xfrm>
+            <a:off x="533400" y="4838700"/>
+            <a:ext cx="13305099" cy="2514600"/>
+          </a:xfrm>
+          <a:prstGeom prst="rect">
+            <a:avLst/>
+          </a:prstGeom>
+        </p:spPr>
+      </p:pic>
+      <p:pic>
+        <p:nvPicPr>
+          <p:cNvPr id="5" name="그림 4">
+            <a:extLst>
+              <a:ext uri="{FF2B5EF4-FFF2-40B4-BE49-F238E27FC236}">
+                <a16:creationId xmlns:a16="http://schemas.microsoft.com/office/drawing/2014/main" id="{6A408723-6047-BF9E-A444-4A482BDF4E9D}"/>
+              </a:ext>
+            </a:extLst>
+          </p:cNvPr>
+          <p:cNvPicPr>
+            <a:picLocks noChangeAspect="1"/>
+          </p:cNvPicPr>
+          <p:nvPr/>
+        </p:nvPicPr>
+        <p:blipFill>
+          <a:blip r:embed="rId3"/>
+          <a:stretch>
+            <a:fillRect/>
+          </a:stretch>
+        </p:blipFill>
+        <p:spPr>
+          <a:xfrm>
+            <a:off x="547914" y="7658100"/>
+            <a:ext cx="5726428" cy="2057400"/>
+          </a:xfrm>
+          <a:prstGeom prst="rect">
+            <a:avLst/>
+          </a:prstGeom>
+        </p:spPr>
+      </p:pic>
+    </p:spTree>
+    <p:extLst>
+      <p:ext uri="{BB962C8B-B14F-4D97-AF65-F5344CB8AC3E}">
+        <p14:creationId xmlns:p14="http://schemas.microsoft.com/office/powerpoint/2010/main" val="4196209334"/>
+      </p:ext>
+    </p:extLst>
+  </p:cSld>
+  <p:clrMapOvr>
+    <a:masterClrMapping/>
+  </p:clrMapOvr>
+</p:sld>
+</file>
+
+<file path=ppt/slides/slide32.xml><?xml version="1.0" encoding="utf-8"?>
+<p:sld xmlns:a="http://schemas.openxmlformats.org/drawingml/2006/main" xmlns:r="http://schemas.openxmlformats.org/officeDocument/2006/relationships" xmlns:p="http://schemas.openxmlformats.org/presentationml/2006/main">
+  <p:cSld>
+    <p:spTree>
+      <p:nvGrpSpPr>
+        <p:cNvPr id="1" name=""/>
+        <p:cNvGrpSpPr/>
+        <p:nvPr/>
+      </p:nvGrpSpPr>
+      <p:grpSpPr>
+        <a:xfrm>
+          <a:off x="0" y="0"/>
+          <a:ext cx="0" cy="0"/>
+          <a:chOff x="0" y="0"/>
+          <a:chExt cx="0" cy="0"/>
+        </a:xfrm>
+      </p:grpSpPr>
+      <p:sp>
+        <p:nvSpPr>
+          <p:cNvPr id="2" name="TextBox 1">
+            <a:extLst>
+              <a:ext uri="{FF2B5EF4-FFF2-40B4-BE49-F238E27FC236}">
+                <a16:creationId xmlns:a16="http://schemas.microsoft.com/office/drawing/2014/main" id="{09BE8972-653C-8683-18AD-0DEBD8A0310C}"/>
+              </a:ext>
+            </a:extLst>
+          </p:cNvPr>
+          <p:cNvSpPr txBox="1"/>
+          <p:nvPr/>
+        </p:nvSpPr>
+        <p:spPr>
+          <a:xfrm>
+            <a:off x="609600" y="38100"/>
+            <a:ext cx="1665841" cy="1015663"/>
+          </a:xfrm>
+          <a:prstGeom prst="rect">
+            <a:avLst/>
+          </a:prstGeom>
+          <a:noFill/>
+        </p:spPr>
+        <p:txBody>
+          <a:bodyPr wrap="none" rtlCol="0">
+            <a:spAutoFit/>
+          </a:bodyPr>
+          <a:lstStyle/>
+          <a:p>
+            <a:r>
+              <a:rPr lang="ko-KR" altLang="en-US" sz="6000" dirty="0">
+                <a:solidFill>
+                  <a:srgbClr val="4C50BB"/>
+                </a:solidFill>
+                <a:latin typeface="G마켓 산스 TTF Bold" panose="02000000000000000000" pitchFamily="2" charset="-127"/>
+                <a:ea typeface="G마켓 산스 TTF Bold" panose="02000000000000000000" pitchFamily="2" charset="-127"/>
+              </a:rPr>
+              <a:t>해설</a:t>
+            </a:r>
+            <a:endParaRPr lang="ko-KR" altLang="en-US" sz="800" dirty="0">
+              <a:solidFill>
+                <a:srgbClr val="4C50BB"/>
+              </a:solidFill>
+              <a:latin typeface="G마켓 산스 TTF Bold" panose="02000000000000000000" pitchFamily="2" charset="-127"/>
+              <a:ea typeface="G마켓 산스 TTF Bold" panose="02000000000000000000" pitchFamily="2" charset="-127"/>
+            </a:endParaRPr>
+          </a:p>
+        </p:txBody>
+      </p:sp>
+      <p:pic>
+        <p:nvPicPr>
+          <p:cNvPr id="4" name="그림 3">
+            <a:extLst>
+              <a:ext uri="{FF2B5EF4-FFF2-40B4-BE49-F238E27FC236}">
+                <a16:creationId xmlns:a16="http://schemas.microsoft.com/office/drawing/2014/main" id="{9008AAF9-5A78-2079-2F55-121DCD2CF51C}"/>
+              </a:ext>
+            </a:extLst>
+          </p:cNvPr>
+          <p:cNvPicPr>
+            <a:picLocks noChangeAspect="1"/>
+          </p:cNvPicPr>
+          <p:nvPr/>
+        </p:nvPicPr>
+        <p:blipFill>
+          <a:blip r:embed="rId2"/>
+          <a:stretch>
+            <a:fillRect/>
+          </a:stretch>
+        </p:blipFill>
+        <p:spPr>
+          <a:xfrm>
+            <a:off x="1295400" y="1588976"/>
+            <a:ext cx="9677400" cy="7560947"/>
+          </a:xfrm>
+          <a:prstGeom prst="rect">
+            <a:avLst/>
+          </a:prstGeom>
+        </p:spPr>
+      </p:pic>
+      <p:cxnSp>
+        <p:nvCxnSpPr>
+          <p:cNvPr id="5" name="직선 화살표 연결선 4">
+            <a:extLst>
+              <a:ext uri="{FF2B5EF4-FFF2-40B4-BE49-F238E27FC236}">
+                <a16:creationId xmlns:a16="http://schemas.microsoft.com/office/drawing/2014/main" id="{AE809B45-36F0-44DC-F182-A78C8AFD27AB}"/>
+              </a:ext>
+            </a:extLst>
+          </p:cNvPr>
+          <p:cNvCxnSpPr>
+            <a:cxnSpLocks/>
+          </p:cNvCxnSpPr>
+          <p:nvPr/>
+        </p:nvCxnSpPr>
+        <p:spPr>
+          <a:xfrm>
+            <a:off x="3962400" y="2569029"/>
+            <a:ext cx="3962400" cy="59871"/>
+          </a:xfrm>
+          <a:prstGeom prst="straightConnector1">
+            <a:avLst/>
+          </a:prstGeom>
+          <a:ln w="38100">
+            <a:tailEnd type="triangle"/>
+          </a:ln>
+        </p:spPr>
+        <p:style>
+          <a:lnRef idx="1">
+            <a:schemeClr val="accent2"/>
+          </a:lnRef>
+          <a:fillRef idx="0">
+            <a:schemeClr val="accent2"/>
+          </a:fillRef>
+          <a:effectRef idx="0">
+            <a:schemeClr val="accent2"/>
+          </a:effectRef>
+          <a:fontRef idx="minor">
+            <a:schemeClr val="tx1"/>
+          </a:fontRef>
+        </p:style>
+      </p:cxnSp>
+      <p:sp>
+        <p:nvSpPr>
+          <p:cNvPr id="6" name="직사각형 5">
+            <a:extLst>
+              <a:ext uri="{FF2B5EF4-FFF2-40B4-BE49-F238E27FC236}">
+                <a16:creationId xmlns:a16="http://schemas.microsoft.com/office/drawing/2014/main" id="{3B22551B-1FC8-FD3D-B6AC-7734D474069A}"/>
+              </a:ext>
+            </a:extLst>
+          </p:cNvPr>
+          <p:cNvSpPr/>
+          <p:nvPr/>
+        </p:nvSpPr>
+        <p:spPr>
+          <a:xfrm>
+            <a:off x="2297212" y="2400300"/>
+            <a:ext cx="1665188" cy="457200"/>
+          </a:xfrm>
+          <a:prstGeom prst="rect">
+            <a:avLst/>
+          </a:prstGeom>
+          <a:noFill/>
+          <a:ln>
+            <a:solidFill>
+              <a:srgbClr val="FF0000"/>
+            </a:solidFill>
+          </a:ln>
+        </p:spPr>
+        <p:style>
+          <a:lnRef idx="2">
+            <a:schemeClr val="accent2">
+              <a:shade val="50000"/>
+            </a:schemeClr>
+          </a:lnRef>
+          <a:fillRef idx="1">
+            <a:schemeClr val="accent2"/>
+          </a:fillRef>
+          <a:effectRef idx="0">
+            <a:schemeClr val="accent2"/>
+          </a:effectRef>
+          <a:fontRef idx="minor">
+            <a:schemeClr val="lt1"/>
+          </a:fontRef>
+        </p:style>
+        <p:txBody>
+          <a:bodyPr rtlCol="0" anchor="ctr"/>
+          <a:lstStyle/>
+          <a:p>
+            <a:pPr algn="ctr"/>
+            <a:endParaRPr lang="ko-KR" altLang="en-US"/>
+          </a:p>
+        </p:txBody>
+      </p:sp>
+      <p:sp>
+        <p:nvSpPr>
+          <p:cNvPr id="7" name="TextBox 6">
+            <a:extLst>
+              <a:ext uri="{FF2B5EF4-FFF2-40B4-BE49-F238E27FC236}">
+                <a16:creationId xmlns:a16="http://schemas.microsoft.com/office/drawing/2014/main" id="{CB849EBE-3CD4-39AF-A004-79B4F6784137}"/>
+              </a:ext>
+            </a:extLst>
+          </p:cNvPr>
+          <p:cNvSpPr txBox="1"/>
+          <p:nvPr/>
+        </p:nvSpPr>
+        <p:spPr>
+          <a:xfrm>
+            <a:off x="8534400" y="952500"/>
+            <a:ext cx="9220200" cy="2554545"/>
+          </a:xfrm>
+          <a:prstGeom prst="rect">
+            <a:avLst/>
+          </a:prstGeom>
+          <a:noFill/>
+        </p:spPr>
+        <p:txBody>
+          <a:bodyPr wrap="square" rtlCol="0">
+            <a:spAutoFit/>
+          </a:bodyPr>
+          <a:lstStyle/>
+          <a:p>
+            <a:r>
+              <a:rPr lang="ko-KR" altLang="en-US" sz="3200" dirty="0">
+                <a:solidFill>
+                  <a:srgbClr val="FF0000"/>
+                </a:solidFill>
+                <a:latin typeface="G마켓 산스 Medium" panose="02000000000000000000" pitchFamily="50" charset="-127"/>
+                <a:ea typeface="G마켓 산스 Medium" panose="02000000000000000000" pitchFamily="50" charset="-127"/>
+              </a:rPr>
+              <a:t>객체 생성을 위해선 반드시 생성자가 </a:t>
+            </a:r>
+            <a:endParaRPr lang="en-US" altLang="ko-KR" sz="3200" dirty="0">
+              <a:solidFill>
+                <a:srgbClr val="FF0000"/>
+              </a:solidFill>
+              <a:latin typeface="G마켓 산스 Medium" panose="02000000000000000000" pitchFamily="50" charset="-127"/>
+              <a:ea typeface="G마켓 산스 Medium" panose="02000000000000000000" pitchFamily="50" charset="-127"/>
+            </a:endParaRPr>
+          </a:p>
+          <a:p>
+            <a:r>
+              <a:rPr lang="ko-KR" altLang="en-US" sz="3200" dirty="0">
+                <a:solidFill>
+                  <a:srgbClr val="FF0000"/>
+                </a:solidFill>
+                <a:latin typeface="G마켓 산스 Medium" panose="02000000000000000000" pitchFamily="50" charset="-127"/>
+                <a:ea typeface="G마켓 산스 Medium" panose="02000000000000000000" pitchFamily="50" charset="-127"/>
+              </a:rPr>
+              <a:t>실행되어야 한다</a:t>
+            </a:r>
+            <a:r>
+              <a:rPr lang="en-US" altLang="ko-KR" sz="3200" dirty="0">
+                <a:solidFill>
+                  <a:srgbClr val="FF0000"/>
+                </a:solidFill>
+                <a:latin typeface="G마켓 산스 Medium" panose="02000000000000000000" pitchFamily="50" charset="-127"/>
+                <a:ea typeface="G마켓 산스 Medium" panose="02000000000000000000" pitchFamily="50" charset="-127"/>
+              </a:rPr>
+              <a:t>.</a:t>
+            </a:r>
+          </a:p>
+          <a:p>
+            <a:r>
+              <a:rPr lang="ko-KR" altLang="en-US" sz="3200" dirty="0" err="1">
+                <a:solidFill>
+                  <a:srgbClr val="FF0000"/>
+                </a:solidFill>
+                <a:latin typeface="G마켓 산스 Medium" panose="02000000000000000000" pitchFamily="50" charset="-127"/>
+                <a:ea typeface="G마켓 산스 Medium" panose="02000000000000000000" pitchFamily="50" charset="-127"/>
+              </a:rPr>
+              <a:t>만들어놓은</a:t>
+            </a:r>
+            <a:r>
+              <a:rPr lang="ko-KR" altLang="en-US" sz="3200" dirty="0">
+                <a:solidFill>
+                  <a:srgbClr val="FF0000"/>
+                </a:solidFill>
+                <a:latin typeface="G마켓 산스 Medium" panose="02000000000000000000" pitchFamily="50" charset="-127"/>
+                <a:ea typeface="G마켓 산스 Medium" panose="02000000000000000000" pitchFamily="50" charset="-127"/>
+              </a:rPr>
+              <a:t> 모든 생성자에 </a:t>
+            </a:r>
+            <a:r>
+              <a:rPr lang="en-US" altLang="ko-KR" sz="3200" dirty="0">
+                <a:solidFill>
+                  <a:srgbClr val="FF0000"/>
+                </a:solidFill>
+                <a:latin typeface="G마켓 산스 Medium" panose="02000000000000000000" pitchFamily="50" charset="-127"/>
+                <a:ea typeface="G마켓 산스 Medium" panose="02000000000000000000" pitchFamily="50" charset="-127"/>
+              </a:rPr>
+              <a:t>count</a:t>
+            </a:r>
+            <a:r>
+              <a:rPr lang="ko-KR" altLang="en-US" sz="3200" dirty="0">
+                <a:solidFill>
+                  <a:srgbClr val="FF0000"/>
+                </a:solidFill>
+                <a:latin typeface="G마켓 산스 Medium" panose="02000000000000000000" pitchFamily="50" charset="-127"/>
+                <a:ea typeface="G마켓 산스 Medium" panose="02000000000000000000" pitchFamily="50" charset="-127"/>
+              </a:rPr>
+              <a:t>를 증가 시키도록 하면 </a:t>
+            </a:r>
+            <a:endParaRPr lang="en-US" altLang="ko-KR" sz="3200" dirty="0">
+              <a:solidFill>
+                <a:srgbClr val="FF0000"/>
+              </a:solidFill>
+              <a:latin typeface="G마켓 산스 Medium" panose="02000000000000000000" pitchFamily="50" charset="-127"/>
+              <a:ea typeface="G마켓 산스 Medium" panose="02000000000000000000" pitchFamily="50" charset="-127"/>
+            </a:endParaRPr>
+          </a:p>
+          <a:p>
+            <a:r>
+              <a:rPr lang="ko-KR" altLang="en-US" sz="3200" dirty="0">
+                <a:solidFill>
+                  <a:srgbClr val="FF0000"/>
+                </a:solidFill>
+                <a:latin typeface="G마켓 산스 Medium" panose="02000000000000000000" pitchFamily="50" charset="-127"/>
+                <a:ea typeface="G마켓 산스 Medium" panose="02000000000000000000" pitchFamily="50" charset="-127"/>
+              </a:rPr>
+              <a:t>객체 생성시 반드시 카운트가 </a:t>
+            </a:r>
+            <a:r>
+              <a:rPr lang="en-US" altLang="ko-KR" sz="3200" dirty="0">
+                <a:solidFill>
+                  <a:srgbClr val="FF0000"/>
+                </a:solidFill>
+                <a:latin typeface="G마켓 산스 Medium" panose="02000000000000000000" pitchFamily="50" charset="-127"/>
+                <a:ea typeface="G마켓 산스 Medium" panose="02000000000000000000" pitchFamily="50" charset="-127"/>
+              </a:rPr>
+              <a:t>1</a:t>
+            </a:r>
+            <a:r>
+              <a:rPr lang="ko-KR" altLang="en-US" sz="3200" dirty="0">
+                <a:solidFill>
+                  <a:srgbClr val="FF0000"/>
+                </a:solidFill>
+                <a:latin typeface="G마켓 산스 Medium" panose="02000000000000000000" pitchFamily="50" charset="-127"/>
+                <a:ea typeface="G마켓 산스 Medium" panose="02000000000000000000" pitchFamily="50" charset="-127"/>
+              </a:rPr>
+              <a:t>씩 증가 한다</a:t>
+            </a:r>
+            <a:r>
+              <a:rPr lang="en-US" altLang="ko-KR" sz="3200" dirty="0">
+                <a:solidFill>
+                  <a:srgbClr val="FF0000"/>
+                </a:solidFill>
+                <a:latin typeface="G마켓 산스 Medium" panose="02000000000000000000" pitchFamily="50" charset="-127"/>
+                <a:ea typeface="G마켓 산스 Medium" panose="02000000000000000000" pitchFamily="50" charset="-127"/>
+              </a:rPr>
+              <a:t>.</a:t>
+            </a:r>
+          </a:p>
+        </p:txBody>
+      </p:sp>
+      <p:sp>
+        <p:nvSpPr>
+          <p:cNvPr id="8" name="직사각형 7">
+            <a:extLst>
+              <a:ext uri="{FF2B5EF4-FFF2-40B4-BE49-F238E27FC236}">
+                <a16:creationId xmlns:a16="http://schemas.microsoft.com/office/drawing/2014/main" id="{BE2A7C28-436D-1A92-1446-11A9FFF45F88}"/>
+              </a:ext>
+            </a:extLst>
+          </p:cNvPr>
+          <p:cNvSpPr/>
+          <p:nvPr/>
+        </p:nvSpPr>
+        <p:spPr>
+          <a:xfrm>
+            <a:off x="2221012" y="4917692"/>
+            <a:ext cx="1665188" cy="457200"/>
+          </a:xfrm>
+          <a:prstGeom prst="rect">
+            <a:avLst/>
+          </a:prstGeom>
+          <a:noFill/>
+          <a:ln>
+            <a:solidFill>
+              <a:srgbClr val="FF0000"/>
+            </a:solidFill>
+          </a:ln>
+        </p:spPr>
+        <p:style>
+          <a:lnRef idx="2">
+            <a:schemeClr val="accent2">
+              <a:shade val="50000"/>
+            </a:schemeClr>
+          </a:lnRef>
+          <a:fillRef idx="1">
+            <a:schemeClr val="accent2"/>
+          </a:fillRef>
+          <a:effectRef idx="0">
+            <a:schemeClr val="accent2"/>
+          </a:effectRef>
+          <a:fontRef idx="minor">
+            <a:schemeClr val="lt1"/>
+          </a:fontRef>
+        </p:style>
+        <p:txBody>
+          <a:bodyPr rtlCol="0" anchor="ctr"/>
+          <a:lstStyle/>
+          <a:p>
+            <a:pPr algn="ctr"/>
+            <a:endParaRPr lang="ko-KR" altLang="en-US"/>
+          </a:p>
+        </p:txBody>
+      </p:sp>
+      <p:sp>
+        <p:nvSpPr>
+          <p:cNvPr id="9" name="직사각형 8">
+            <a:extLst>
+              <a:ext uri="{FF2B5EF4-FFF2-40B4-BE49-F238E27FC236}">
+                <a16:creationId xmlns:a16="http://schemas.microsoft.com/office/drawing/2014/main" id="{9F513C1C-EB01-725C-9BF9-A53EEE1B9700}"/>
+              </a:ext>
+            </a:extLst>
+          </p:cNvPr>
+          <p:cNvSpPr/>
+          <p:nvPr/>
+        </p:nvSpPr>
+        <p:spPr>
+          <a:xfrm>
+            <a:off x="2210126" y="8343900"/>
+            <a:ext cx="1665188" cy="457200"/>
+          </a:xfrm>
+          <a:prstGeom prst="rect">
+            <a:avLst/>
+          </a:prstGeom>
+          <a:noFill/>
+          <a:ln>
+            <a:solidFill>
+              <a:srgbClr val="FF0000"/>
+            </a:solidFill>
+          </a:ln>
+        </p:spPr>
+        <p:style>
+          <a:lnRef idx="2">
+            <a:schemeClr val="accent2">
+              <a:shade val="50000"/>
+            </a:schemeClr>
+          </a:lnRef>
+          <a:fillRef idx="1">
+            <a:schemeClr val="accent2"/>
+          </a:fillRef>
+          <a:effectRef idx="0">
+            <a:schemeClr val="accent2"/>
+          </a:effectRef>
+          <a:fontRef idx="minor">
+            <a:schemeClr val="lt1"/>
+          </a:fontRef>
+        </p:style>
+        <p:txBody>
+          <a:bodyPr rtlCol="0" anchor="ctr"/>
+          <a:lstStyle/>
+          <a:p>
+            <a:pPr algn="ctr"/>
+            <a:endParaRPr lang="ko-KR" altLang="en-US"/>
+          </a:p>
+        </p:txBody>
+      </p:sp>
+      <p:cxnSp>
+        <p:nvCxnSpPr>
+          <p:cNvPr id="11" name="직선 화살표 연결선 10">
+            <a:extLst>
+              <a:ext uri="{FF2B5EF4-FFF2-40B4-BE49-F238E27FC236}">
+                <a16:creationId xmlns:a16="http://schemas.microsoft.com/office/drawing/2014/main" id="{64CD52B3-C79B-3A76-BA6F-914229D9F589}"/>
+              </a:ext>
+            </a:extLst>
+          </p:cNvPr>
+          <p:cNvCxnSpPr>
+            <a:cxnSpLocks/>
+          </p:cNvCxnSpPr>
+          <p:nvPr/>
+        </p:nvCxnSpPr>
+        <p:spPr>
+          <a:xfrm flipV="1">
+            <a:off x="3757386" y="3223399"/>
+            <a:ext cx="4700814" cy="1945501"/>
+          </a:xfrm>
+          <a:prstGeom prst="straightConnector1">
+            <a:avLst/>
+          </a:prstGeom>
+          <a:ln w="38100">
+            <a:tailEnd type="triangle"/>
+          </a:ln>
+        </p:spPr>
+        <p:style>
+          <a:lnRef idx="1">
+            <a:schemeClr val="accent2"/>
+          </a:lnRef>
+          <a:fillRef idx="0">
+            <a:schemeClr val="accent2"/>
+          </a:fillRef>
+          <a:effectRef idx="0">
+            <a:schemeClr val="accent2"/>
+          </a:effectRef>
+          <a:fontRef idx="minor">
+            <a:schemeClr val="tx1"/>
+          </a:fontRef>
+        </p:style>
+      </p:cxnSp>
+      <p:cxnSp>
+        <p:nvCxnSpPr>
+          <p:cNvPr id="13" name="직선 화살표 연결선 12">
+            <a:extLst>
+              <a:ext uri="{FF2B5EF4-FFF2-40B4-BE49-F238E27FC236}">
+                <a16:creationId xmlns:a16="http://schemas.microsoft.com/office/drawing/2014/main" id="{0CB43B55-74F6-F275-9D1B-2B0F180D003F}"/>
+              </a:ext>
+            </a:extLst>
+          </p:cNvPr>
+          <p:cNvCxnSpPr>
+            <a:cxnSpLocks/>
+          </p:cNvCxnSpPr>
+          <p:nvPr/>
+        </p:nvCxnSpPr>
+        <p:spPr>
+          <a:xfrm flipV="1">
+            <a:off x="3875314" y="3608953"/>
+            <a:ext cx="5116286" cy="4956041"/>
+          </a:xfrm>
+          <a:prstGeom prst="straightConnector1">
+            <a:avLst/>
+          </a:prstGeom>
+          <a:ln w="38100">
+            <a:tailEnd type="triangle"/>
+          </a:ln>
+        </p:spPr>
+        <p:style>
+          <a:lnRef idx="1">
+            <a:schemeClr val="accent2"/>
+          </a:lnRef>
+          <a:fillRef idx="0">
+            <a:schemeClr val="accent2"/>
+          </a:fillRef>
+          <a:effectRef idx="0">
+            <a:schemeClr val="accent2"/>
+          </a:effectRef>
+          <a:fontRef idx="minor">
+            <a:schemeClr val="tx1"/>
+          </a:fontRef>
+        </p:style>
+      </p:cxnSp>
+      <p:sp>
+        <p:nvSpPr>
+          <p:cNvPr id="15" name="직사각형 14">
+            <a:extLst>
+              <a:ext uri="{FF2B5EF4-FFF2-40B4-BE49-F238E27FC236}">
+                <a16:creationId xmlns:a16="http://schemas.microsoft.com/office/drawing/2014/main" id="{D467A0E1-55DF-52C7-9F8A-4372D35710A8}"/>
+              </a:ext>
+            </a:extLst>
+          </p:cNvPr>
+          <p:cNvSpPr/>
+          <p:nvPr/>
+        </p:nvSpPr>
+        <p:spPr>
+          <a:xfrm>
+            <a:off x="914400" y="914400"/>
+            <a:ext cx="17286841" cy="8420100"/>
+          </a:xfrm>
+          <a:prstGeom prst="rect">
+            <a:avLst/>
+          </a:prstGeom>
+          <a:solidFill>
+            <a:schemeClr val="bg1"/>
+          </a:solidFill>
+          <a:ln>
+            <a:noFill/>
+          </a:ln>
+        </p:spPr>
+        <p:style>
+          <a:lnRef idx="2">
+            <a:schemeClr val="accent1">
+              <a:shade val="15000"/>
+            </a:schemeClr>
+          </a:lnRef>
+          <a:fillRef idx="1">
+            <a:schemeClr val="accent1"/>
+          </a:fillRef>
+          <a:effectRef idx="0">
+            <a:schemeClr val="accent1"/>
+          </a:effectRef>
+          <a:fontRef idx="minor">
+            <a:schemeClr val="lt1"/>
+          </a:fontRef>
+        </p:style>
+        <p:txBody>
+          <a:bodyPr rtlCol="0" anchor="ctr"/>
+          <a:lstStyle/>
+          <a:p>
+            <a:pPr algn="ctr"/>
+            <a:endParaRPr lang="ko-KR" altLang="en-US"/>
+          </a:p>
+        </p:txBody>
+      </p:sp>
+    </p:spTree>
+    <p:extLst>
+      <p:ext uri="{BB962C8B-B14F-4D97-AF65-F5344CB8AC3E}">
+        <p14:creationId xmlns:p14="http://schemas.microsoft.com/office/powerpoint/2010/main" val="1087762848"/>
+      </p:ext>
+    </p:extLst>
+  </p:cSld>
+  <p:clrMapOvr>
+    <a:masterClrMapping/>
+  </p:clrMapOvr>
+  <p:timing>
+    <p:tnLst>
+      <p:par>
+        <p:cTn id="1" dur="indefinite" restart="never" nodeType="tmRoot">
+          <p:childTnLst>
+            <p:seq concurrent="1" nextAc="seek">
+              <p:cTn id="2" dur="indefinite" nodeType="mainSeq">
+                <p:childTnLst>
+                  <p:par>
+                    <p:cTn id="3" fill="hold">
+                      <p:stCondLst>
+                        <p:cond delay="indefinite"/>
+                      </p:stCondLst>
+                      <p:childTnLst>
+                        <p:par>
+                          <p:cTn id="4" fill="hold">
+                            <p:stCondLst>
+                              <p:cond delay="0"/>
+                            </p:stCondLst>
+                            <p:childTnLst>
+                              <p:par>
+                                <p:cTn id="5" presetID="1" presetClass="exit" presetSubtype="0" fill="hold" grpId="0" nodeType="clickEffect">
+                                  <p:stCondLst>
+                                    <p:cond delay="0"/>
+                                  </p:stCondLst>
+                                  <p:childTnLst>
+                                    <p:set>
+                                      <p:cBhvr>
+                                        <p:cTn id="6" dur="1" fill="hold">
+                                          <p:stCondLst>
+                                            <p:cond delay="0"/>
+                                          </p:stCondLst>
+                                        </p:cTn>
+                                        <p:tgtEl>
+                                          <p:spTgt spid="15"/>
+                                        </p:tgtEl>
+                                        <p:attrNameLst>
+                                          <p:attrName>style.visibility</p:attrName>
+                                        </p:attrNameLst>
+                                      </p:cBhvr>
+                                      <p:to>
+                                        <p:strVal val="hidden"/>
+                                      </p:to>
+                                    </p:set>
+                                  </p:childTnLst>
+                                </p:cTn>
+                              </p:par>
+                            </p:childTnLst>
+                          </p:cTn>
+                        </p:par>
+                      </p:childTnLst>
+                    </p:cTn>
+                  </p:par>
+                </p:childTnLst>
+              </p:cTn>
+              <p:prevCondLst>
+                <p:cond evt="onPrev" delay="0">
+                  <p:tgtEl>
+                    <p:sldTgt/>
+                  </p:tgtEl>
+                </p:cond>
+              </p:prevCondLst>
+              <p:nextCondLst>
+                <p:cond evt="onNext" delay="0">
+                  <p:tgtEl>
+                    <p:sldTgt/>
+                  </p:tgtEl>
+                </p:cond>
+              </p:nextCondLst>
+            </p:seq>
+          </p:childTnLst>
+        </p:cTn>
+      </p:par>
+    </p:tnLst>
+    <p:bldLst>
+      <p:bldP spid="15" grpId="0" animBg="1"/>
+    </p:bldLst>
+  </p:timing>
+</p:sld>
+</file>
+
+<file path=ppt/slides/slide33.xml><?xml version="1.0" encoding="utf-8"?>
 <p:sld xmlns:a="http://schemas.openxmlformats.org/drawingml/2006/main" xmlns:r="http://schemas.openxmlformats.org/officeDocument/2006/relationships" xmlns:p="http://schemas.openxmlformats.org/presentationml/2006/main">
   <p:cSld>
     <p:spTree>
@@ -15793,7 +16468,7 @@
         </p:nvSpPr>
         <p:spPr>
           <a:xfrm>
-            <a:off x="838200" y="800100"/>
+            <a:off x="609600" y="342514"/>
             <a:ext cx="15544800" cy="3108543"/>
           </a:xfrm>
           <a:prstGeom prst="rect">
@@ -15815,7 +16490,7 @@
                 <a:latin typeface="G마켓 산스 Medium" panose="02000000000000000000" pitchFamily="50" charset="-127"/>
                 <a:ea typeface="G마켓 산스 Medium" panose="02000000000000000000" pitchFamily="50" charset="-127"/>
               </a:rPr>
-              <a:t>1-3 Student </a:t>
+              <a:t>1-4 Student </a:t>
             </a:r>
             <a:r>
               <a:rPr lang="ko-KR" altLang="en-US" sz="3600" dirty="0">
@@ -15836,6 +16511,16 @@
                 <a:ea typeface="G마켓 산스 Medium" panose="02000000000000000000" pitchFamily="50" charset="-127"/>
               </a:rPr>
               <a:t>.</a:t>
+            </a:r>
+            <a:r>
+              <a:rPr lang="en-US" altLang="ko-KR" sz="3600" dirty="0">
+                <a:solidFill>
+                  <a:srgbClr val="FF0000"/>
+                </a:solidFill>
+                <a:latin typeface="G마켓 산스 Medium" panose="02000000000000000000" pitchFamily="50" charset="-127"/>
+                <a:ea typeface="G마켓 산스 Medium" panose="02000000000000000000" pitchFamily="50" charset="-127"/>
+              </a:rPr>
+              <a:t>(hard)</a:t>
             </a:r>
           </a:p>
           <a:p>
@@ -16303,6 +16988,785 @@
 </p:sld>
 </file>
 
+<file path=ppt/slides/slide34.xml><?xml version="1.0" encoding="utf-8"?>
+<p:sld xmlns:a="http://schemas.openxmlformats.org/drawingml/2006/main" xmlns:r="http://schemas.openxmlformats.org/officeDocument/2006/relationships" xmlns:p="http://schemas.openxmlformats.org/presentationml/2006/main">
+  <p:cSld>
+    <p:spTree>
+      <p:nvGrpSpPr>
+        <p:cNvPr id="1" name=""/>
+        <p:cNvGrpSpPr/>
+        <p:nvPr/>
+      </p:nvGrpSpPr>
+      <p:grpSpPr>
+        <a:xfrm>
+          <a:off x="0" y="0"/>
+          <a:ext cx="0" cy="0"/>
+          <a:chOff x="0" y="0"/>
+          <a:chExt cx="0" cy="0"/>
+        </a:xfrm>
+      </p:grpSpPr>
+      <p:pic>
+        <p:nvPicPr>
+          <p:cNvPr id="5" name="그림 4">
+            <a:extLst>
+              <a:ext uri="{FF2B5EF4-FFF2-40B4-BE49-F238E27FC236}">
+                <a16:creationId xmlns:a16="http://schemas.microsoft.com/office/drawing/2014/main" id="{AFAD68E1-E53E-A649-B22F-2FE4956C1E6D}"/>
+              </a:ext>
+            </a:extLst>
+          </p:cNvPr>
+          <p:cNvPicPr>
+            <a:picLocks noChangeAspect="1"/>
+          </p:cNvPicPr>
+          <p:nvPr/>
+        </p:nvPicPr>
+        <p:blipFill>
+          <a:blip r:embed="rId2"/>
+          <a:stretch>
+            <a:fillRect/>
+          </a:stretch>
+        </p:blipFill>
+        <p:spPr>
+          <a:xfrm>
+            <a:off x="2743200" y="5051661"/>
+            <a:ext cx="9440252" cy="4842143"/>
+          </a:xfrm>
+          <a:prstGeom prst="rect">
+            <a:avLst/>
+          </a:prstGeom>
+        </p:spPr>
+      </p:pic>
+      <p:sp>
+        <p:nvSpPr>
+          <p:cNvPr id="6" name="TextBox 5">
+            <a:extLst>
+              <a:ext uri="{FF2B5EF4-FFF2-40B4-BE49-F238E27FC236}">
+                <a16:creationId xmlns:a16="http://schemas.microsoft.com/office/drawing/2014/main" id="{A207007B-1BC8-1388-2C31-03C92AE72613}"/>
+              </a:ext>
+            </a:extLst>
+          </p:cNvPr>
+          <p:cNvSpPr txBox="1"/>
+          <p:nvPr/>
+        </p:nvSpPr>
+        <p:spPr>
+          <a:xfrm>
+            <a:off x="609600" y="38100"/>
+            <a:ext cx="1665841" cy="1015663"/>
+          </a:xfrm>
+          <a:prstGeom prst="rect">
+            <a:avLst/>
+          </a:prstGeom>
+          <a:noFill/>
+        </p:spPr>
+        <p:txBody>
+          <a:bodyPr wrap="none" rtlCol="0">
+            <a:spAutoFit/>
+          </a:bodyPr>
+          <a:lstStyle/>
+          <a:p>
+            <a:r>
+              <a:rPr lang="ko-KR" altLang="en-US" sz="6000" dirty="0">
+                <a:solidFill>
+                  <a:srgbClr val="4C50BB"/>
+                </a:solidFill>
+                <a:latin typeface="G마켓 산스 TTF Bold" panose="02000000000000000000" pitchFamily="2" charset="-127"/>
+                <a:ea typeface="G마켓 산스 TTF Bold" panose="02000000000000000000" pitchFamily="2" charset="-127"/>
+              </a:rPr>
+              <a:t>해설</a:t>
+            </a:r>
+            <a:endParaRPr lang="ko-KR" altLang="en-US" sz="800" dirty="0">
+              <a:solidFill>
+                <a:srgbClr val="4C50BB"/>
+              </a:solidFill>
+              <a:latin typeface="G마켓 산스 TTF Bold" panose="02000000000000000000" pitchFamily="2" charset="-127"/>
+              <a:ea typeface="G마켓 산스 TTF Bold" panose="02000000000000000000" pitchFamily="2" charset="-127"/>
+            </a:endParaRPr>
+          </a:p>
+        </p:txBody>
+      </p:sp>
+      <p:pic>
+        <p:nvPicPr>
+          <p:cNvPr id="8" name="그림 7">
+            <a:extLst>
+              <a:ext uri="{FF2B5EF4-FFF2-40B4-BE49-F238E27FC236}">
+                <a16:creationId xmlns:a16="http://schemas.microsoft.com/office/drawing/2014/main" id="{C68DE2AA-1C4B-E5F9-E001-BED58998BFA6}"/>
+              </a:ext>
+            </a:extLst>
+          </p:cNvPr>
+          <p:cNvPicPr>
+            <a:picLocks noChangeAspect="1"/>
+          </p:cNvPicPr>
+          <p:nvPr/>
+        </p:nvPicPr>
+        <p:blipFill>
+          <a:blip r:embed="rId3"/>
+          <a:stretch>
+            <a:fillRect/>
+          </a:stretch>
+        </p:blipFill>
+        <p:spPr>
+          <a:xfrm>
+            <a:off x="2743200" y="393196"/>
+            <a:ext cx="8183775" cy="4369304"/>
+          </a:xfrm>
+          <a:prstGeom prst="rect">
+            <a:avLst/>
+          </a:prstGeom>
+        </p:spPr>
+      </p:pic>
+      <p:cxnSp>
+        <p:nvCxnSpPr>
+          <p:cNvPr id="9" name="직선 화살표 연결선 8">
+            <a:extLst>
+              <a:ext uri="{FF2B5EF4-FFF2-40B4-BE49-F238E27FC236}">
+                <a16:creationId xmlns:a16="http://schemas.microsoft.com/office/drawing/2014/main" id="{965FC0D5-AA0A-9709-2FE4-BA0CD0B932B7}"/>
+              </a:ext>
+            </a:extLst>
+          </p:cNvPr>
+          <p:cNvCxnSpPr>
+            <a:cxnSpLocks/>
+          </p:cNvCxnSpPr>
+          <p:nvPr/>
+        </p:nvCxnSpPr>
+        <p:spPr>
+          <a:xfrm>
+            <a:off x="10363200" y="3162300"/>
+            <a:ext cx="1219200" cy="0"/>
+          </a:xfrm>
+          <a:prstGeom prst="straightConnector1">
+            <a:avLst/>
+          </a:prstGeom>
+          <a:ln w="38100">
+            <a:tailEnd type="triangle"/>
+          </a:ln>
+        </p:spPr>
+        <p:style>
+          <a:lnRef idx="1">
+            <a:schemeClr val="accent2"/>
+          </a:lnRef>
+          <a:fillRef idx="0">
+            <a:schemeClr val="accent2"/>
+          </a:fillRef>
+          <a:effectRef idx="0">
+            <a:schemeClr val="accent2"/>
+          </a:effectRef>
+          <a:fontRef idx="minor">
+            <a:schemeClr val="tx1"/>
+          </a:fontRef>
+        </p:style>
+      </p:cxnSp>
+      <p:sp>
+        <p:nvSpPr>
+          <p:cNvPr id="10" name="직사각형 9">
+            <a:extLst>
+              <a:ext uri="{FF2B5EF4-FFF2-40B4-BE49-F238E27FC236}">
+                <a16:creationId xmlns:a16="http://schemas.microsoft.com/office/drawing/2014/main" id="{32A92ACA-4D80-6AE4-5A79-799AAAE041F3}"/>
+              </a:ext>
+            </a:extLst>
+          </p:cNvPr>
+          <p:cNvSpPr/>
+          <p:nvPr/>
+        </p:nvSpPr>
+        <p:spPr>
+          <a:xfrm>
+            <a:off x="7543800" y="2857500"/>
+            <a:ext cx="2819400" cy="1219200"/>
+          </a:xfrm>
+          <a:prstGeom prst="rect">
+            <a:avLst/>
+          </a:prstGeom>
+          <a:noFill/>
+          <a:ln>
+            <a:solidFill>
+              <a:srgbClr val="FF0000"/>
+            </a:solidFill>
+          </a:ln>
+        </p:spPr>
+        <p:style>
+          <a:lnRef idx="2">
+            <a:schemeClr val="accent2">
+              <a:shade val="50000"/>
+            </a:schemeClr>
+          </a:lnRef>
+          <a:fillRef idx="1">
+            <a:schemeClr val="accent2"/>
+          </a:fillRef>
+          <a:effectRef idx="0">
+            <a:schemeClr val="accent2"/>
+          </a:effectRef>
+          <a:fontRef idx="minor">
+            <a:schemeClr val="lt1"/>
+          </a:fontRef>
+        </p:style>
+        <p:txBody>
+          <a:bodyPr rtlCol="0" anchor="ctr"/>
+          <a:lstStyle/>
+          <a:p>
+            <a:pPr algn="ctr"/>
+            <a:endParaRPr lang="ko-KR" altLang="en-US"/>
+          </a:p>
+        </p:txBody>
+      </p:sp>
+      <p:sp>
+        <p:nvSpPr>
+          <p:cNvPr id="11" name="TextBox 10">
+            <a:extLst>
+              <a:ext uri="{FF2B5EF4-FFF2-40B4-BE49-F238E27FC236}">
+                <a16:creationId xmlns:a16="http://schemas.microsoft.com/office/drawing/2014/main" id="{13E4EA50-8B53-4FC3-CD32-EB29AB221651}"/>
+              </a:ext>
+            </a:extLst>
+          </p:cNvPr>
+          <p:cNvSpPr txBox="1"/>
+          <p:nvPr/>
+        </p:nvSpPr>
+        <p:spPr>
+          <a:xfrm>
+            <a:off x="11658600" y="2857500"/>
+            <a:ext cx="6400800" cy="1200329"/>
+          </a:xfrm>
+          <a:prstGeom prst="rect">
+            <a:avLst/>
+          </a:prstGeom>
+          <a:noFill/>
+        </p:spPr>
+        <p:txBody>
+          <a:bodyPr wrap="square" rtlCol="0">
+            <a:spAutoFit/>
+          </a:bodyPr>
+          <a:lstStyle/>
+          <a:p>
+            <a:r>
+              <a:rPr lang="ko-KR" altLang="en-US" sz="3600" dirty="0" err="1">
+                <a:solidFill>
+                  <a:srgbClr val="FF0000"/>
+                </a:solidFill>
+                <a:latin typeface="G마켓 산스 Medium" panose="02000000000000000000" pitchFamily="50" charset="-127"/>
+                <a:ea typeface="G마켓 산스 Medium" panose="02000000000000000000" pitchFamily="50" charset="-127"/>
+              </a:rPr>
+              <a:t>만들어둔</a:t>
+            </a:r>
+            <a:r>
+              <a:rPr lang="ko-KR" altLang="en-US" sz="3600" dirty="0">
+                <a:solidFill>
+                  <a:srgbClr val="FF0000"/>
+                </a:solidFill>
+                <a:latin typeface="G마켓 산스 Medium" panose="02000000000000000000" pitchFamily="50" charset="-127"/>
+                <a:ea typeface="G마켓 산스 Medium" panose="02000000000000000000" pitchFamily="50" charset="-127"/>
+              </a:rPr>
+              <a:t> 메서드를 적극 활용한다</a:t>
+            </a:r>
+            <a:r>
+              <a:rPr lang="en-US" altLang="ko-KR" sz="3600" dirty="0">
+                <a:solidFill>
+                  <a:srgbClr val="FF0000"/>
+                </a:solidFill>
+                <a:latin typeface="G마켓 산스 Medium" panose="02000000000000000000" pitchFamily="50" charset="-127"/>
+                <a:ea typeface="G마켓 산스 Medium" panose="02000000000000000000" pitchFamily="50" charset="-127"/>
+              </a:rPr>
+              <a:t>.</a:t>
+            </a:r>
+          </a:p>
+        </p:txBody>
+      </p:sp>
+      <p:cxnSp>
+        <p:nvCxnSpPr>
+          <p:cNvPr id="12" name="직선 화살표 연결선 11">
+            <a:extLst>
+              <a:ext uri="{FF2B5EF4-FFF2-40B4-BE49-F238E27FC236}">
+                <a16:creationId xmlns:a16="http://schemas.microsoft.com/office/drawing/2014/main" id="{7C8B8470-7167-4EF0-BD08-D8D879CCFDA3}"/>
+              </a:ext>
+            </a:extLst>
+          </p:cNvPr>
+          <p:cNvCxnSpPr>
+            <a:cxnSpLocks/>
+          </p:cNvCxnSpPr>
+          <p:nvPr/>
+        </p:nvCxnSpPr>
+        <p:spPr>
+          <a:xfrm>
+            <a:off x="10591800" y="5950275"/>
+            <a:ext cx="1219200" cy="0"/>
+          </a:xfrm>
+          <a:prstGeom prst="straightConnector1">
+            <a:avLst/>
+          </a:prstGeom>
+          <a:ln w="38100">
+            <a:tailEnd type="triangle"/>
+          </a:ln>
+        </p:spPr>
+        <p:style>
+          <a:lnRef idx="1">
+            <a:schemeClr val="accent2"/>
+          </a:lnRef>
+          <a:fillRef idx="0">
+            <a:schemeClr val="accent2"/>
+          </a:fillRef>
+          <a:effectRef idx="0">
+            <a:schemeClr val="accent2"/>
+          </a:effectRef>
+          <a:fontRef idx="minor">
+            <a:schemeClr val="tx1"/>
+          </a:fontRef>
+        </p:style>
+      </p:cxnSp>
+      <p:sp>
+        <p:nvSpPr>
+          <p:cNvPr id="13" name="직사각형 12">
+            <a:extLst>
+              <a:ext uri="{FF2B5EF4-FFF2-40B4-BE49-F238E27FC236}">
+                <a16:creationId xmlns:a16="http://schemas.microsoft.com/office/drawing/2014/main" id="{FD0277A3-2AA2-15DD-F226-5A60B9232E08}"/>
+              </a:ext>
+            </a:extLst>
+          </p:cNvPr>
+          <p:cNvSpPr/>
+          <p:nvPr/>
+        </p:nvSpPr>
+        <p:spPr>
+          <a:xfrm>
+            <a:off x="6934200" y="5645475"/>
+            <a:ext cx="3657600" cy="412424"/>
+          </a:xfrm>
+          <a:prstGeom prst="rect">
+            <a:avLst/>
+          </a:prstGeom>
+          <a:noFill/>
+          <a:ln>
+            <a:solidFill>
+              <a:srgbClr val="FF0000"/>
+            </a:solidFill>
+          </a:ln>
+        </p:spPr>
+        <p:style>
+          <a:lnRef idx="2">
+            <a:schemeClr val="accent2">
+              <a:shade val="50000"/>
+            </a:schemeClr>
+          </a:lnRef>
+          <a:fillRef idx="1">
+            <a:schemeClr val="accent2"/>
+          </a:fillRef>
+          <a:effectRef idx="0">
+            <a:schemeClr val="accent2"/>
+          </a:effectRef>
+          <a:fontRef idx="minor">
+            <a:schemeClr val="lt1"/>
+          </a:fontRef>
+        </p:style>
+        <p:txBody>
+          <a:bodyPr rtlCol="0" anchor="ctr"/>
+          <a:lstStyle/>
+          <a:p>
+            <a:pPr algn="ctr"/>
+            <a:endParaRPr lang="ko-KR" altLang="en-US"/>
+          </a:p>
+        </p:txBody>
+      </p:sp>
+      <p:sp>
+        <p:nvSpPr>
+          <p:cNvPr id="14" name="TextBox 13">
+            <a:extLst>
+              <a:ext uri="{FF2B5EF4-FFF2-40B4-BE49-F238E27FC236}">
+                <a16:creationId xmlns:a16="http://schemas.microsoft.com/office/drawing/2014/main" id="{8D6B9908-3ECD-668C-1D19-40CEA40A06BE}"/>
+              </a:ext>
+            </a:extLst>
+          </p:cNvPr>
+          <p:cNvSpPr txBox="1"/>
+          <p:nvPr/>
+        </p:nvSpPr>
+        <p:spPr>
+          <a:xfrm>
+            <a:off x="11887200" y="5067300"/>
+            <a:ext cx="6400800" cy="1754326"/>
+          </a:xfrm>
+          <a:prstGeom prst="rect">
+            <a:avLst/>
+          </a:prstGeom>
+          <a:noFill/>
+        </p:spPr>
+        <p:txBody>
+          <a:bodyPr wrap="square" rtlCol="0">
+            <a:spAutoFit/>
+          </a:bodyPr>
+          <a:lstStyle/>
+          <a:p>
+            <a:r>
+              <a:rPr lang="ko-KR" altLang="en-US" sz="3600" dirty="0">
+                <a:solidFill>
+                  <a:srgbClr val="FF0000"/>
+                </a:solidFill>
+                <a:latin typeface="G마켓 산스 Medium" panose="02000000000000000000" pitchFamily="50" charset="-127"/>
+                <a:ea typeface="G마켓 산스 Medium" panose="02000000000000000000" pitchFamily="50" charset="-127"/>
+              </a:rPr>
+              <a:t>객체배열을 만든다</a:t>
+            </a:r>
+            <a:r>
+              <a:rPr lang="en-US" altLang="ko-KR" sz="3600" dirty="0">
+                <a:solidFill>
+                  <a:srgbClr val="FF0000"/>
+                </a:solidFill>
+                <a:latin typeface="G마켓 산스 Medium" panose="02000000000000000000" pitchFamily="50" charset="-127"/>
+                <a:ea typeface="G마켓 산스 Medium" panose="02000000000000000000" pitchFamily="50" charset="-127"/>
+              </a:rPr>
+              <a:t>.(</a:t>
+            </a:r>
+            <a:r>
+              <a:rPr lang="ko-KR" altLang="en-US" sz="3600" dirty="0">
+                <a:solidFill>
+                  <a:srgbClr val="FF0000"/>
+                </a:solidFill>
+                <a:latin typeface="G마켓 산스 Medium" panose="02000000000000000000" pitchFamily="50" charset="-127"/>
+                <a:ea typeface="G마켓 산스 Medium" panose="02000000000000000000" pitchFamily="50" charset="-127"/>
+              </a:rPr>
+              <a:t>배열을 </a:t>
+            </a:r>
+            <a:r>
+              <a:rPr lang="ko-KR" altLang="en-US" sz="3600" dirty="0" err="1">
+                <a:solidFill>
+                  <a:srgbClr val="FF0000"/>
+                </a:solidFill>
+                <a:latin typeface="G마켓 산스 Medium" panose="02000000000000000000" pitchFamily="50" charset="-127"/>
+                <a:ea typeface="G마켓 산스 Medium" panose="02000000000000000000" pitchFamily="50" charset="-127"/>
+              </a:rPr>
+              <a:t>만든것이지</a:t>
+            </a:r>
+            <a:r>
+              <a:rPr lang="ko-KR" altLang="en-US" sz="3600" dirty="0">
+                <a:solidFill>
+                  <a:srgbClr val="FF0000"/>
+                </a:solidFill>
+                <a:latin typeface="G마켓 산스 Medium" panose="02000000000000000000" pitchFamily="50" charset="-127"/>
+                <a:ea typeface="G마켓 산스 Medium" panose="02000000000000000000" pitchFamily="50" charset="-127"/>
+              </a:rPr>
+              <a:t> </a:t>
+            </a:r>
+            <a:r>
+              <a:rPr lang="en-US" altLang="ko-KR" sz="3600" dirty="0">
+                <a:solidFill>
+                  <a:srgbClr val="FF0000"/>
+                </a:solidFill>
+                <a:latin typeface="G마켓 산스 Medium" panose="02000000000000000000" pitchFamily="50" charset="-127"/>
+                <a:ea typeface="G마켓 산스 Medium" panose="02000000000000000000" pitchFamily="50" charset="-127"/>
+              </a:rPr>
+              <a:t>Student</a:t>
+            </a:r>
+            <a:r>
+              <a:rPr lang="ko-KR" altLang="en-US" sz="3600" dirty="0">
+                <a:solidFill>
+                  <a:srgbClr val="FF0000"/>
+                </a:solidFill>
+                <a:latin typeface="G마켓 산스 Medium" panose="02000000000000000000" pitchFamily="50" charset="-127"/>
+                <a:ea typeface="G마켓 산스 Medium" panose="02000000000000000000" pitchFamily="50" charset="-127"/>
+              </a:rPr>
+              <a:t>객체를 </a:t>
+            </a:r>
+            <a:r>
+              <a:rPr lang="ko-KR" altLang="en-US" sz="3600" dirty="0" err="1">
+                <a:solidFill>
+                  <a:srgbClr val="FF0000"/>
+                </a:solidFill>
+                <a:latin typeface="G마켓 산스 Medium" panose="02000000000000000000" pitchFamily="50" charset="-127"/>
+                <a:ea typeface="G마켓 산스 Medium" panose="02000000000000000000" pitchFamily="50" charset="-127"/>
+              </a:rPr>
+              <a:t>만든게</a:t>
+            </a:r>
+            <a:r>
+              <a:rPr lang="ko-KR" altLang="en-US" sz="3600" dirty="0">
+                <a:solidFill>
+                  <a:srgbClr val="FF0000"/>
+                </a:solidFill>
+                <a:latin typeface="G마켓 산스 Medium" panose="02000000000000000000" pitchFamily="50" charset="-127"/>
+                <a:ea typeface="G마켓 산스 Medium" panose="02000000000000000000" pitchFamily="50" charset="-127"/>
+              </a:rPr>
+              <a:t> 아니다</a:t>
+            </a:r>
+            <a:r>
+              <a:rPr lang="en-US" altLang="ko-KR" sz="3600" dirty="0">
+                <a:solidFill>
+                  <a:srgbClr val="FF0000"/>
+                </a:solidFill>
+                <a:latin typeface="G마켓 산스 Medium" panose="02000000000000000000" pitchFamily="50" charset="-127"/>
+                <a:ea typeface="G마켓 산스 Medium" panose="02000000000000000000" pitchFamily="50" charset="-127"/>
+              </a:rPr>
+              <a:t>.)</a:t>
+            </a:r>
+          </a:p>
+        </p:txBody>
+      </p:sp>
+      <p:cxnSp>
+        <p:nvCxnSpPr>
+          <p:cNvPr id="17" name="직선 화살표 연결선 16">
+            <a:extLst>
+              <a:ext uri="{FF2B5EF4-FFF2-40B4-BE49-F238E27FC236}">
+                <a16:creationId xmlns:a16="http://schemas.microsoft.com/office/drawing/2014/main" id="{F3A9222A-913A-E3B3-5B0F-8F59EA0C9BBB}"/>
+              </a:ext>
+            </a:extLst>
+          </p:cNvPr>
+          <p:cNvCxnSpPr>
+            <a:cxnSpLocks/>
+          </p:cNvCxnSpPr>
+          <p:nvPr/>
+        </p:nvCxnSpPr>
+        <p:spPr>
+          <a:xfrm>
+            <a:off x="6629400" y="7277100"/>
+            <a:ext cx="3715657" cy="1760992"/>
+          </a:xfrm>
+          <a:prstGeom prst="straightConnector1">
+            <a:avLst/>
+          </a:prstGeom>
+          <a:ln w="38100">
+            <a:tailEnd type="triangle"/>
+          </a:ln>
+        </p:spPr>
+        <p:style>
+          <a:lnRef idx="1">
+            <a:schemeClr val="accent2"/>
+          </a:lnRef>
+          <a:fillRef idx="0">
+            <a:schemeClr val="accent2"/>
+          </a:fillRef>
+          <a:effectRef idx="0">
+            <a:schemeClr val="accent2"/>
+          </a:effectRef>
+          <a:fontRef idx="minor">
+            <a:schemeClr val="tx1"/>
+          </a:fontRef>
+        </p:style>
+      </p:cxnSp>
+      <p:sp>
+        <p:nvSpPr>
+          <p:cNvPr id="18" name="TextBox 17">
+            <a:extLst>
+              <a:ext uri="{FF2B5EF4-FFF2-40B4-BE49-F238E27FC236}">
+                <a16:creationId xmlns:a16="http://schemas.microsoft.com/office/drawing/2014/main" id="{01929403-3294-3F57-0E97-552FFCFF4BFA}"/>
+              </a:ext>
+            </a:extLst>
+          </p:cNvPr>
+          <p:cNvSpPr txBox="1"/>
+          <p:nvPr/>
+        </p:nvSpPr>
+        <p:spPr>
+          <a:xfrm>
+            <a:off x="10421257" y="8155117"/>
+            <a:ext cx="6400800" cy="1200329"/>
+          </a:xfrm>
+          <a:prstGeom prst="rect">
+            <a:avLst/>
+          </a:prstGeom>
+          <a:noFill/>
+        </p:spPr>
+        <p:txBody>
+          <a:bodyPr wrap="square" rtlCol="0">
+            <a:spAutoFit/>
+          </a:bodyPr>
+          <a:lstStyle/>
+          <a:p>
+            <a:r>
+              <a:rPr lang="ko-KR" altLang="en-US" sz="3600" dirty="0">
+                <a:solidFill>
+                  <a:srgbClr val="FF0000"/>
+                </a:solidFill>
+                <a:latin typeface="G마켓 산스 Medium" panose="02000000000000000000" pitchFamily="50" charset="-127"/>
+                <a:ea typeface="G마켓 산스 Medium" panose="02000000000000000000" pitchFamily="50" charset="-127"/>
+              </a:rPr>
+              <a:t>요소마다 객체를 만들어 넣는다</a:t>
+            </a:r>
+            <a:r>
+              <a:rPr lang="en-US" altLang="ko-KR" sz="3600" dirty="0">
+                <a:solidFill>
+                  <a:srgbClr val="FF0000"/>
+                </a:solidFill>
+                <a:latin typeface="G마켓 산스 Medium" panose="02000000000000000000" pitchFamily="50" charset="-127"/>
+                <a:ea typeface="G마켓 산스 Medium" panose="02000000000000000000" pitchFamily="50" charset="-127"/>
+              </a:rPr>
+              <a:t>.</a:t>
+            </a:r>
+          </a:p>
+        </p:txBody>
+      </p:sp>
+      <p:cxnSp>
+        <p:nvCxnSpPr>
+          <p:cNvPr id="20" name="직선 화살표 연결선 19">
+            <a:extLst>
+              <a:ext uri="{FF2B5EF4-FFF2-40B4-BE49-F238E27FC236}">
+                <a16:creationId xmlns:a16="http://schemas.microsoft.com/office/drawing/2014/main" id="{F8222E14-E72B-2748-FFB0-0DA2E7C22436}"/>
+              </a:ext>
+            </a:extLst>
+          </p:cNvPr>
+          <p:cNvCxnSpPr>
+            <a:cxnSpLocks/>
+          </p:cNvCxnSpPr>
+          <p:nvPr/>
+        </p:nvCxnSpPr>
+        <p:spPr>
+          <a:xfrm>
+            <a:off x="6629400" y="9038092"/>
+            <a:ext cx="3868057" cy="152400"/>
+          </a:xfrm>
+          <a:prstGeom prst="straightConnector1">
+            <a:avLst/>
+          </a:prstGeom>
+          <a:ln w="38100">
+            <a:tailEnd type="triangle"/>
+          </a:ln>
+        </p:spPr>
+        <p:style>
+          <a:lnRef idx="1">
+            <a:schemeClr val="accent2"/>
+          </a:lnRef>
+          <a:fillRef idx="0">
+            <a:schemeClr val="accent2"/>
+          </a:fillRef>
+          <a:effectRef idx="0">
+            <a:schemeClr val="accent2"/>
+          </a:effectRef>
+          <a:fontRef idx="minor">
+            <a:schemeClr val="tx1"/>
+          </a:fontRef>
+        </p:style>
+      </p:cxnSp>
+      <p:sp>
+        <p:nvSpPr>
+          <p:cNvPr id="22" name="직사각형 21">
+            <a:extLst>
+              <a:ext uri="{FF2B5EF4-FFF2-40B4-BE49-F238E27FC236}">
+                <a16:creationId xmlns:a16="http://schemas.microsoft.com/office/drawing/2014/main" id="{F12D4A9E-34E6-F67B-C0C6-7EA47906AB3D}"/>
+              </a:ext>
+            </a:extLst>
+          </p:cNvPr>
+          <p:cNvSpPr/>
+          <p:nvPr/>
+        </p:nvSpPr>
+        <p:spPr>
+          <a:xfrm>
+            <a:off x="2590800" y="266700"/>
+            <a:ext cx="15610441" cy="9067800"/>
+          </a:xfrm>
+          <a:prstGeom prst="rect">
+            <a:avLst/>
+          </a:prstGeom>
+          <a:solidFill>
+            <a:schemeClr val="bg1"/>
+          </a:solidFill>
+          <a:ln>
+            <a:noFill/>
+          </a:ln>
+        </p:spPr>
+        <p:style>
+          <a:lnRef idx="2">
+            <a:schemeClr val="accent1">
+              <a:shade val="15000"/>
+            </a:schemeClr>
+          </a:lnRef>
+          <a:fillRef idx="1">
+            <a:schemeClr val="accent1"/>
+          </a:fillRef>
+          <a:effectRef idx="0">
+            <a:schemeClr val="accent1"/>
+          </a:effectRef>
+          <a:fontRef idx="minor">
+            <a:schemeClr val="lt1"/>
+          </a:fontRef>
+        </p:style>
+        <p:txBody>
+          <a:bodyPr rtlCol="0" anchor="ctr"/>
+          <a:lstStyle/>
+          <a:p>
+            <a:pPr algn="ctr"/>
+            <a:endParaRPr lang="ko-KR" altLang="en-US"/>
+          </a:p>
+        </p:txBody>
+      </p:sp>
+    </p:spTree>
+    <p:extLst>
+      <p:ext uri="{BB962C8B-B14F-4D97-AF65-F5344CB8AC3E}">
+        <p14:creationId xmlns:p14="http://schemas.microsoft.com/office/powerpoint/2010/main" val="2041150495"/>
+      </p:ext>
+    </p:extLst>
+  </p:cSld>
+  <p:clrMapOvr>
+    <a:masterClrMapping/>
+  </p:clrMapOvr>
+  <p:timing>
+    <p:tnLst>
+      <p:par>
+        <p:cTn id="1" dur="indefinite" restart="never" nodeType="tmRoot">
+          <p:childTnLst>
+            <p:seq concurrent="1" nextAc="seek">
+              <p:cTn id="2" dur="indefinite" nodeType="mainSeq">
+                <p:childTnLst>
+                  <p:par>
+                    <p:cTn id="3" fill="hold">
+                      <p:stCondLst>
+                        <p:cond delay="indefinite"/>
+                      </p:stCondLst>
+                      <p:childTnLst>
+                        <p:par>
+                          <p:cTn id="4" fill="hold">
+                            <p:stCondLst>
+                              <p:cond delay="0"/>
+                            </p:stCondLst>
+                            <p:childTnLst>
+                              <p:par>
+                                <p:cTn id="5" presetID="1" presetClass="exit" presetSubtype="0" fill="hold" grpId="0" nodeType="clickEffect">
+                                  <p:stCondLst>
+                                    <p:cond delay="0"/>
+                                  </p:stCondLst>
+                                  <p:childTnLst>
+                                    <p:set>
+                                      <p:cBhvr>
+                                        <p:cTn id="6" dur="1" fill="hold">
+                                          <p:stCondLst>
+                                            <p:cond delay="0"/>
+                                          </p:stCondLst>
+                                        </p:cTn>
+                                        <p:tgtEl>
+                                          <p:spTgt spid="22"/>
+                                        </p:tgtEl>
+                                        <p:attrNameLst>
+                                          <p:attrName>style.visibility</p:attrName>
+                                        </p:attrNameLst>
+                                      </p:cBhvr>
+                                      <p:to>
+                                        <p:strVal val="hidden"/>
+                                      </p:to>
+                                    </p:set>
+                                  </p:childTnLst>
+                                </p:cTn>
+                              </p:par>
+                            </p:childTnLst>
+                          </p:cTn>
+                        </p:par>
+                      </p:childTnLst>
+                    </p:cTn>
+                  </p:par>
+                </p:childTnLst>
+              </p:cTn>
+              <p:prevCondLst>
+                <p:cond evt="onPrev" delay="0">
+                  <p:tgtEl>
+                    <p:sldTgt/>
+                  </p:tgtEl>
+                </p:cond>
+              </p:prevCondLst>
+              <p:nextCondLst>
+                <p:cond evt="onNext" delay="0">
+                  <p:tgtEl>
+                    <p:sldTgt/>
+                  </p:tgtEl>
+                </p:cond>
+              </p:nextCondLst>
+            </p:seq>
+          </p:childTnLst>
+        </p:cTn>
+      </p:par>
+    </p:tnLst>
+    <p:bldLst>
+      <p:bldP spid="22" grpId="0" animBg="1"/>
+    </p:bldLst>
+  </p:timing>
+</p:sld>
+</file>
+
 <file path=ppt/slides/slide35.xml><?xml version="1.0" encoding="utf-8"?>
 <p:sld xmlns:a="http://schemas.openxmlformats.org/drawingml/2006/main" xmlns:r="http://schemas.openxmlformats.org/officeDocument/2006/relationships" xmlns:p="http://schemas.openxmlformats.org/presentationml/2006/main">
   <p:cSld>
@@ -16356,7 +17820,7 @@
                 <a:latin typeface="G마켓 산스 Medium" panose="02000000000000000000" pitchFamily="50" charset="-127"/>
                 <a:ea typeface="G마켓 산스 Medium" panose="02000000000000000000" pitchFamily="50" charset="-127"/>
               </a:rPr>
-              <a:t>1-4 Student </a:t>
+              <a:t>1-5 Student </a:t>
             </a:r>
             <a:r>
               <a:rPr lang="ko-KR" altLang="en-US" sz="3600" dirty="0">
@@ -16853,7 +18317,7 @@
         </p:blipFill>
         <p:spPr>
           <a:xfrm>
-            <a:off x="3276600" y="571500"/>
+            <a:off x="2590800" y="1014568"/>
             <a:ext cx="10744200" cy="8243732"/>
           </a:xfrm>
           <a:prstGeom prst="rect">
@@ -16861,42 +18325,54 @@
           </a:prstGeom>
         </p:spPr>
       </p:pic>
-      <p:pic>
-        <p:nvPicPr>
-          <p:cNvPr id="5" name="그림 4"/>
-          <p:cNvPicPr>
-            <a:picLocks noChangeAspect="1"/>
-          </p:cNvPicPr>
-          <p:nvPr/>
-        </p:nvPicPr>
-        <p:blipFill>
-          <a:blip r:embed="rId3">
+      <p:sp>
+        <p:nvSpPr>
+          <p:cNvPr id="2" name="TextBox 1">
             <a:extLst>
-              <a:ext uri="{BEBA8EAE-BF5A-486C-A8C5-ECC9F3942E4B}">
-                <a14:imgProps xmlns:a14="http://schemas.microsoft.com/office/drawing/2010/main">
-                  <a14:imgLayer r:embed="rId4">
-                    <a14:imgEffect>
-                      <a14:artisticGlass/>
-                    </a14:imgEffect>
-                  </a14:imgLayer>
-                </a14:imgProps>
+              <a:ext uri="{FF2B5EF4-FFF2-40B4-BE49-F238E27FC236}">
+                <a16:creationId xmlns:a16="http://schemas.microsoft.com/office/drawing/2014/main" id="{B2A0685E-724F-91EF-7A2D-DEBCA22BC99F}"/>
               </a:ext>
             </a:extLst>
-          </a:blip>
-          <a:stretch>
-            <a:fillRect/>
-          </a:stretch>
-        </p:blipFill>
-        <p:spPr>
-          <a:xfrm>
-            <a:off x="3276599" y="589670"/>
-            <a:ext cx="11000037" cy="8440029"/>
+          </p:cNvPr>
+          <p:cNvSpPr txBox="1"/>
+          <p:nvPr/>
+        </p:nvSpPr>
+        <p:spPr>
+          <a:xfrm>
+            <a:off x="609600" y="165437"/>
+            <a:ext cx="1665841" cy="1015663"/>
           </a:xfrm>
           <a:prstGeom prst="rect">
             <a:avLst/>
           </a:prstGeom>
-        </p:spPr>
-      </p:pic>
+          <a:noFill/>
+        </p:spPr>
+        <p:txBody>
+          <a:bodyPr wrap="none" rtlCol="0">
+            <a:spAutoFit/>
+          </a:bodyPr>
+          <a:lstStyle/>
+          <a:p>
+            <a:r>
+              <a:rPr lang="ko-KR" altLang="en-US" sz="6000" dirty="0">
+                <a:solidFill>
+                  <a:srgbClr val="4C50BB"/>
+                </a:solidFill>
+                <a:latin typeface="G마켓 산스 TTF Bold" panose="02000000000000000000" pitchFamily="2" charset="-127"/>
+                <a:ea typeface="G마켓 산스 TTF Bold" panose="02000000000000000000" pitchFamily="2" charset="-127"/>
+              </a:rPr>
+              <a:t>해설</a:t>
+            </a:r>
+            <a:endParaRPr lang="ko-KR" altLang="en-US" sz="800" dirty="0">
+              <a:solidFill>
+                <a:srgbClr val="4C50BB"/>
+              </a:solidFill>
+              <a:latin typeface="G마켓 산스 TTF Bold" panose="02000000000000000000" pitchFamily="2" charset="-127"/>
+              <a:ea typeface="G마켓 산스 TTF Bold" panose="02000000000000000000" pitchFamily="2" charset="-127"/>
+            </a:endParaRPr>
+          </a:p>
+        </p:txBody>
+      </p:sp>
     </p:spTree>
     <p:extLst>
       <p:ext uri="{BB962C8B-B14F-4D97-AF65-F5344CB8AC3E}">
@@ -16907,81 +18383,6 @@
   <p:clrMapOvr>
     <a:masterClrMapping/>
   </p:clrMapOvr>
-  <p:timing>
-    <p:tnLst>
-      <p:par>
-        <p:cTn id="1" dur="indefinite" restart="never" nodeType="tmRoot">
-          <p:childTnLst>
-            <p:seq concurrent="1" nextAc="seek">
-              <p:cTn id="2" dur="indefinite" nodeType="mainSeq">
-                <p:childTnLst>
-                  <p:par>
-                    <p:cTn id="3" fill="hold">
-                      <p:stCondLst>
-                        <p:cond delay="indefinite"/>
-                      </p:stCondLst>
-                      <p:childTnLst>
-                        <p:par>
-                          <p:cTn id="4" fill="hold">
-                            <p:stCondLst>
-                              <p:cond delay="0"/>
-                            </p:stCondLst>
-                            <p:childTnLst>
-                              <p:par>
-                                <p:cTn id="5" presetID="1" presetClass="exit" presetSubtype="0" fill="hold" nodeType="clickEffect">
-                                  <p:stCondLst>
-                                    <p:cond delay="0"/>
-                                  </p:stCondLst>
-                                  <p:childTnLst>
-                                    <p:set>
-                                      <p:cBhvr>
-                                        <p:cTn id="6" dur="1" fill="hold">
-                                          <p:stCondLst>
-                                            <p:cond delay="0"/>
-                                          </p:stCondLst>
-                                        </p:cTn>
-                                        <p:tgtEl>
-                                          <p:spTgt spid="5"/>
-                                        </p:tgtEl>
-                                        <p:attrNameLst>
-                                          <p:attrName>style.visibility</p:attrName>
-                                        </p:attrNameLst>
-                                      </p:cBhvr>
-                                      <p:to>
-                                        <p:strVal val="hidden"/>
-                                      </p:to>
-                                    </p:set>
-                                  </p:childTnLst>
-                                </p:cTn>
-                              </p:par>
-                            </p:childTnLst>
-                          </p:cTn>
-                        </p:par>
-                      </p:childTnLst>
-                    </p:cTn>
-                  </p:par>
-                </p:childTnLst>
-              </p:cTn>
-              <p:prevCondLst>
-                <p:cond evt="onPrev" delay="0">
-                  <p:tgtEl>
-                    <p:sldTgt/>
-                  </p:tgtEl>
-                </p:cond>
-              </p:prevCondLst>
-              <p:nextCondLst>
-                <p:cond evt="onNext" delay="0">
-                  <p:tgtEl>
-                    <p:sldTgt/>
-                  </p:tgtEl>
-                </p:cond>
-              </p:nextCondLst>
-            </p:seq>
-          </p:childTnLst>
-        </p:cTn>
-      </p:par>
-    </p:tnLst>
-  </p:timing>
 </p:sld>
 </file>
 

--- a/JavaLecture/LectureFile/java 8강 생성자.pptx
+++ b/JavaLecture/LectureFile/java 8강 생성자.pptx
@@ -265,7 +265,7 @@
           <a:p>
             <a:fld id="{D79F2C30-10E1-4C46-91DC-BBDB9629E720}" type="datetimeFigureOut">
               <a:rPr lang="ko-KR" altLang="en-US" smtClean="0"/>
-              <a:t>2023-10-22</a:t>
+              <a:t>2023-10-25 Wednesday</a:t>
             </a:fld>
             <a:endParaRPr lang="ko-KR" altLang="en-US"/>
           </a:p>
@@ -725,7 +725,7 @@
           <a:p>
             <a:fld id="{F8166F1F-CE9B-4651-A6AA-CD717754106B}" type="datetimeFigureOut">
               <a:rPr lang="en-US" smtClean="0"/>
-              <a:t>10/22/2023</a:t>
+              <a:t>10/25/2023</a:t>
             </a:fld>
             <a:endParaRPr lang="en-US"/>
           </a:p>
@@ -928,7 +928,7 @@
           <a:p>
             <a:fld id="{A76116CE-C4A3-4A05-B2D7-7C2E9A889C0F}" type="datetimeFigureOut">
               <a:rPr lang="en-US" smtClean="0"/>
-              <a:t>10/22/2023</a:t>
+              <a:t>10/25/2023</a:t>
             </a:fld>
             <a:endParaRPr lang="en-US"/>
           </a:p>
@@ -1131,7 +1131,7 @@
           <a:p>
             <a:fld id="{A76116CE-C4A3-4A05-B2D7-7C2E9A889C0F}" type="datetimeFigureOut">
               <a:rPr lang="en-US" smtClean="0"/>
-              <a:t>10/22/2023</a:t>
+              <a:t>10/25/2023</a:t>
             </a:fld>
             <a:endParaRPr lang="en-US"/>
           </a:p>
@@ -1336,7 +1336,7 @@
           <a:p>
             <a:fld id="{A76116CE-C4A3-4A05-B2D7-7C2E9A889C0F}" type="datetimeFigureOut">
               <a:rPr lang="en-US" smtClean="0"/>
-              <a:t>10/22/2023</a:t>
+              <a:t>10/25/2023</a:t>
             </a:fld>
             <a:endParaRPr lang="en-US"/>
           </a:p>
@@ -1606,7 +1606,7 @@
           <a:p>
             <a:fld id="{A76116CE-C4A3-4A05-B2D7-7C2E9A889C0F}" type="datetimeFigureOut">
               <a:rPr lang="en-US" smtClean="0"/>
-              <a:t>10/22/2023</a:t>
+              <a:t>10/25/2023</a:t>
             </a:fld>
             <a:endParaRPr lang="en-US"/>
           </a:p>
@@ -1924,7 +1924,7 @@
           <a:p>
             <a:fld id="{A76116CE-C4A3-4A05-B2D7-7C2E9A889C0F}" type="datetimeFigureOut">
               <a:rPr lang="en-US" smtClean="0"/>
-              <a:t>10/22/2023</a:t>
+              <a:t>10/25/2023</a:t>
             </a:fld>
             <a:endParaRPr lang="en-US"/>
           </a:p>
@@ -2382,7 +2382,7 @@
           <a:p>
             <a:fld id="{A76116CE-C4A3-4A05-B2D7-7C2E9A889C0F}" type="datetimeFigureOut">
               <a:rPr lang="en-US" smtClean="0"/>
-              <a:t>10/22/2023</a:t>
+              <a:t>10/25/2023</a:t>
             </a:fld>
             <a:endParaRPr lang="en-US"/>
           </a:p>
@@ -2526,7 +2526,7 @@
           <a:p>
             <a:fld id="{A76116CE-C4A3-4A05-B2D7-7C2E9A889C0F}" type="datetimeFigureOut">
               <a:rPr lang="en-US" smtClean="0"/>
-              <a:t>10/22/2023</a:t>
+              <a:t>10/25/2023</a:t>
             </a:fld>
             <a:endParaRPr lang="en-US"/>
           </a:p>
@@ -2640,7 +2640,7 @@
           <a:p>
             <a:fld id="{A76116CE-C4A3-4A05-B2D7-7C2E9A889C0F}" type="datetimeFigureOut">
               <a:rPr lang="en-US" smtClean="0"/>
-              <a:t>10/22/2023</a:t>
+              <a:t>10/25/2023</a:t>
             </a:fld>
             <a:endParaRPr lang="en-US"/>
           </a:p>
@@ -2943,7 +2943,7 @@
           <a:p>
             <a:fld id="{A76116CE-C4A3-4A05-B2D7-7C2E9A889C0F}" type="datetimeFigureOut">
               <a:rPr lang="en-US" smtClean="0"/>
-              <a:t>10/22/2023</a:t>
+              <a:t>10/25/2023</a:t>
             </a:fld>
             <a:endParaRPr lang="en-US"/>
           </a:p>
@@ -3223,7 +3223,7 @@
           <a:p>
             <a:fld id="{A76116CE-C4A3-4A05-B2D7-7C2E9A889C0F}" type="datetimeFigureOut">
               <a:rPr lang="en-US" smtClean="0"/>
-              <a:t>10/22/2023</a:t>
+              <a:t>10/25/2023</a:t>
             </a:fld>
             <a:endParaRPr lang="en-US"/>
           </a:p>
@@ -3981,7 +3981,7 @@
           <p:cNvPr id="2" name="TextBox 1">
             <a:extLst>
               <a:ext uri="{FF2B5EF4-FFF2-40B4-BE49-F238E27FC236}">
-                <a16:creationId xmlns:a16="http://schemas.microsoft.com/office/drawing/2014/main" xmlns="" id="{E9A453A8-9968-67AB-7B4A-83EEB4662AA6}"/>
+                <a16:creationId xmlns:a16="http://schemas.microsoft.com/office/drawing/2014/main" id="{E9A453A8-9968-67AB-7B4A-83EEB4662AA6}"/>
               </a:ext>
             </a:extLst>
           </p:cNvPr>
@@ -4029,7 +4029,7 @@
           <p:cNvPr id="4" name="TextBox 3">
             <a:extLst>
               <a:ext uri="{FF2B5EF4-FFF2-40B4-BE49-F238E27FC236}">
-                <a16:creationId xmlns:a16="http://schemas.microsoft.com/office/drawing/2014/main" xmlns="" id="{F4B7A35A-8AAC-4622-64BC-CAD1472D4115}"/>
+                <a16:creationId xmlns:a16="http://schemas.microsoft.com/office/drawing/2014/main" id="{F4B7A35A-8AAC-4622-64BC-CAD1472D4115}"/>
               </a:ext>
             </a:extLst>
           </p:cNvPr>
@@ -4101,7 +4101,7 @@
           <p:cNvPr id="7" name="TextBox 6">
             <a:extLst>
               <a:ext uri="{FF2B5EF4-FFF2-40B4-BE49-F238E27FC236}">
-                <a16:creationId xmlns:a16="http://schemas.microsoft.com/office/drawing/2014/main" xmlns="" id="{3ACE900A-D779-4343-6623-8588B376F0A1}"/>
+                <a16:creationId xmlns:a16="http://schemas.microsoft.com/office/drawing/2014/main" id="{3ACE900A-D779-4343-6623-8588B376F0A1}"/>
               </a:ext>
             </a:extLst>
           </p:cNvPr>
@@ -4165,7 +4165,7 @@
           <p:cNvPr id="15" name="TextBox 14">
             <a:extLst>
               <a:ext uri="{FF2B5EF4-FFF2-40B4-BE49-F238E27FC236}">
-                <a16:creationId xmlns:a16="http://schemas.microsoft.com/office/drawing/2014/main" xmlns="" id="{C6D113C6-EA5C-788F-0C77-E7CE6EBB865F}"/>
+                <a16:creationId xmlns:a16="http://schemas.microsoft.com/office/drawing/2014/main" id="{C6D113C6-EA5C-788F-0C77-E7CE6EBB865F}"/>
               </a:ext>
             </a:extLst>
           </p:cNvPr>
@@ -4247,7 +4247,7 @@
           <p:cNvPr id="8" name="직선 화살표 연결선 7">
             <a:extLst>
               <a:ext uri="{FF2B5EF4-FFF2-40B4-BE49-F238E27FC236}">
-                <a16:creationId xmlns:a16="http://schemas.microsoft.com/office/drawing/2014/main" xmlns="" id="{299DF5EC-9DF4-5255-06AC-0A7CE4FF58C3}"/>
+                <a16:creationId xmlns:a16="http://schemas.microsoft.com/office/drawing/2014/main" id="{299DF5EC-9DF4-5255-06AC-0A7CE4FF58C3}"/>
               </a:ext>
             </a:extLst>
           </p:cNvPr>
@@ -4288,7 +4288,7 @@
           <p:cNvPr id="10" name="직선 화살표 연결선 9">
             <a:extLst>
               <a:ext uri="{FF2B5EF4-FFF2-40B4-BE49-F238E27FC236}">
-                <a16:creationId xmlns:a16="http://schemas.microsoft.com/office/drawing/2014/main" xmlns="" id="{299DF5EC-9DF4-5255-06AC-0A7CE4FF58C3}"/>
+                <a16:creationId xmlns:a16="http://schemas.microsoft.com/office/drawing/2014/main" id="{299DF5EC-9DF4-5255-06AC-0A7CE4FF58C3}"/>
               </a:ext>
             </a:extLst>
           </p:cNvPr>
@@ -4329,7 +4329,7 @@
           <p:cNvPr id="16" name="TextBox 15">
             <a:extLst>
               <a:ext uri="{FF2B5EF4-FFF2-40B4-BE49-F238E27FC236}">
-                <a16:creationId xmlns:a16="http://schemas.microsoft.com/office/drawing/2014/main" xmlns="" id="{C6D113C6-EA5C-788F-0C77-E7CE6EBB865F}"/>
+                <a16:creationId xmlns:a16="http://schemas.microsoft.com/office/drawing/2014/main" id="{C6D113C6-EA5C-788F-0C77-E7CE6EBB865F}"/>
               </a:ext>
             </a:extLst>
           </p:cNvPr>
@@ -4619,7 +4619,7 @@
           <p:cNvPr id="5" name="TextBox 4">
             <a:extLst>
               <a:ext uri="{FF2B5EF4-FFF2-40B4-BE49-F238E27FC236}">
-                <a16:creationId xmlns:a16="http://schemas.microsoft.com/office/drawing/2014/main" xmlns="" id="{C6D113C6-EA5C-788F-0C77-E7CE6EBB865F}"/>
+                <a16:creationId xmlns:a16="http://schemas.microsoft.com/office/drawing/2014/main" id="{C6D113C6-EA5C-788F-0C77-E7CE6EBB865F}"/>
               </a:ext>
             </a:extLst>
           </p:cNvPr>
@@ -4728,7 +4728,7 @@
           <p:cNvPr id="6" name="직선 화살표 연결선 5">
             <a:extLst>
               <a:ext uri="{FF2B5EF4-FFF2-40B4-BE49-F238E27FC236}">
-                <a16:creationId xmlns:a16="http://schemas.microsoft.com/office/drawing/2014/main" xmlns="" id="{299DF5EC-9DF4-5255-06AC-0A7CE4FF58C3}"/>
+                <a16:creationId xmlns:a16="http://schemas.microsoft.com/office/drawing/2014/main" id="{299DF5EC-9DF4-5255-06AC-0A7CE4FF58C3}"/>
               </a:ext>
             </a:extLst>
           </p:cNvPr>
@@ -4769,7 +4769,7 @@
           <p:cNvPr id="8" name="TextBox 7">
             <a:extLst>
               <a:ext uri="{FF2B5EF4-FFF2-40B4-BE49-F238E27FC236}">
-                <a16:creationId xmlns:a16="http://schemas.microsoft.com/office/drawing/2014/main" xmlns="" id="{C6D113C6-EA5C-788F-0C77-E7CE6EBB865F}"/>
+                <a16:creationId xmlns:a16="http://schemas.microsoft.com/office/drawing/2014/main" id="{C6D113C6-EA5C-788F-0C77-E7CE6EBB865F}"/>
               </a:ext>
             </a:extLst>
           </p:cNvPr>
@@ -4820,7 +4820,7 @@
           <p:cNvPr id="2" name="TextBox 1">
             <a:extLst>
               <a:ext uri="{FF2B5EF4-FFF2-40B4-BE49-F238E27FC236}">
-                <a16:creationId xmlns:a16="http://schemas.microsoft.com/office/drawing/2014/main" xmlns="" id="{967B4167-E8E5-F23D-82D7-C415C8DC4B3E}"/>
+                <a16:creationId xmlns:a16="http://schemas.microsoft.com/office/drawing/2014/main" id="{967B4167-E8E5-F23D-82D7-C415C8DC4B3E}"/>
               </a:ext>
             </a:extLst>
           </p:cNvPr>
@@ -5042,7 +5042,7 @@
           <p:cNvPr id="4" name="TextBox 3">
             <a:extLst>
               <a:ext uri="{FF2B5EF4-FFF2-40B4-BE49-F238E27FC236}">
-                <a16:creationId xmlns:a16="http://schemas.microsoft.com/office/drawing/2014/main" xmlns="" id="{DF7DDD33-9412-2802-339A-E55446AC2DA7}"/>
+                <a16:creationId xmlns:a16="http://schemas.microsoft.com/office/drawing/2014/main" id="{DF7DDD33-9412-2802-339A-E55446AC2DA7}"/>
               </a:ext>
             </a:extLst>
           </p:cNvPr>
@@ -5083,7 +5083,7 @@
           <p:cNvPr id="8" name="TextBox 7">
             <a:extLst>
               <a:ext uri="{FF2B5EF4-FFF2-40B4-BE49-F238E27FC236}">
-                <a16:creationId xmlns:a16="http://schemas.microsoft.com/office/drawing/2014/main" xmlns="" id="{A2AD056B-97A4-5BCC-4460-250160F3E171}"/>
+                <a16:creationId xmlns:a16="http://schemas.microsoft.com/office/drawing/2014/main" id="{A2AD056B-97A4-5BCC-4460-250160F3E171}"/>
               </a:ext>
             </a:extLst>
           </p:cNvPr>
@@ -5093,7 +5093,7 @@
         <p:spPr>
           <a:xfrm>
             <a:off x="9220200" y="1257300"/>
-            <a:ext cx="9296400" cy="1323439"/>
+            <a:ext cx="9296400" cy="1938992"/>
           </a:xfrm>
           <a:prstGeom prst="rect">
             <a:avLst/>
@@ -5107,7 +5107,7 @@
           <a:lstStyle/>
           <a:p>
             <a:r>
-              <a:rPr lang="en-US" altLang="ko-KR" sz="4000">
+              <a:rPr lang="en-US" altLang="ko-KR" sz="4000" dirty="0">
                 <a:solidFill>
                   <a:schemeClr val="tx1">
                     <a:lumMod val="50000"/>
@@ -5120,7 +5120,7 @@
               <a:t>1.</a:t>
             </a:r>
             <a:r>
-              <a:rPr lang="ko-KR" altLang="en-US" sz="4000">
+              <a:rPr lang="ko-KR" altLang="en-US" sz="4000" dirty="0">
                 <a:solidFill>
                   <a:schemeClr val="tx1">
                     <a:lumMod val="50000"/>
@@ -5133,7 +5133,7 @@
               <a:t>  메서드 이름을 </a:t>
             </a:r>
             <a:r>
-              <a:rPr lang="en-US" altLang="ko-KR" sz="4000">
+              <a:rPr lang="en-US" altLang="ko-KR" sz="4000" dirty="0">
                 <a:solidFill>
                   <a:schemeClr val="tx1">
                     <a:lumMod val="50000"/>
@@ -5146,7 +5146,7 @@
               <a:t>this</a:t>
             </a:r>
             <a:r>
-              <a:rPr lang="ko-KR" altLang="en-US" sz="4000">
+              <a:rPr lang="ko-KR" altLang="en-US" sz="4000" dirty="0">
                 <a:solidFill>
                   <a:schemeClr val="tx1">
                     <a:lumMod val="50000"/>
@@ -5159,7 +5159,7 @@
               <a:t>로 해야 한다</a:t>
             </a:r>
             <a:r>
-              <a:rPr lang="en-US" altLang="ko-KR" sz="4000">
+              <a:rPr lang="en-US" altLang="ko-KR" sz="4000" dirty="0">
                 <a:solidFill>
                   <a:schemeClr val="tx1">
                     <a:lumMod val="50000"/>
@@ -5174,7 +5174,7 @@
           </a:p>
           <a:p>
             <a:r>
-              <a:rPr lang="en-US" altLang="ko-KR" sz="4000">
+              <a:rPr lang="en-US" altLang="ko-KR" sz="4000" dirty="0">
                 <a:solidFill>
                   <a:schemeClr val="tx1">
                     <a:lumMod val="50000"/>
@@ -5187,7 +5187,7 @@
               <a:t>2. </a:t>
             </a:r>
             <a:r>
-              <a:rPr lang="ko-KR" altLang="en-US" sz="4000">
+              <a:rPr lang="ko-KR" altLang="en-US" sz="4000" dirty="0">
                 <a:solidFill>
                   <a:schemeClr val="tx1">
                     <a:lumMod val="50000"/>
@@ -5197,10 +5197,77 @@
                 <a:latin typeface="G마켓 산스 Medium" panose="02000000000000000000" pitchFamily="50" charset="-127"/>
                 <a:ea typeface="G마켓 산스 Medium" panose="02000000000000000000" pitchFamily="50" charset="-127"/>
               </a:rPr>
-              <a:t>생성자의 가장 첫줄에 작성해야 한다</a:t>
-            </a:r>
-            <a:r>
-              <a:rPr lang="en-US" altLang="ko-KR" sz="4000">
+              <a:t>생성자의 가장 </a:t>
+            </a:r>
+            <a:r>
+              <a:rPr lang="ko-KR" altLang="en-US" sz="4000" dirty="0" err="1">
+                <a:solidFill>
+                  <a:schemeClr val="tx1">
+                    <a:lumMod val="50000"/>
+                    <a:lumOff val="50000"/>
+                  </a:schemeClr>
+                </a:solidFill>
+                <a:latin typeface="G마켓 산스 Medium" panose="02000000000000000000" pitchFamily="50" charset="-127"/>
+                <a:ea typeface="G마켓 산스 Medium" panose="02000000000000000000" pitchFamily="50" charset="-127"/>
+              </a:rPr>
+              <a:t>첫줄에</a:t>
+            </a:r>
+            <a:r>
+              <a:rPr lang="ko-KR" altLang="en-US" sz="4000" dirty="0">
+                <a:solidFill>
+                  <a:schemeClr val="tx1">
+                    <a:lumMod val="50000"/>
+                    <a:lumOff val="50000"/>
+                  </a:schemeClr>
+                </a:solidFill>
+                <a:latin typeface="G마켓 산스 Medium" panose="02000000000000000000" pitchFamily="50" charset="-127"/>
+                <a:ea typeface="G마켓 산스 Medium" panose="02000000000000000000" pitchFamily="50" charset="-127"/>
+              </a:rPr>
+              <a:t> 작성해야 한다</a:t>
+            </a:r>
+            <a:r>
+              <a:rPr lang="en-US" altLang="ko-KR" sz="4000" dirty="0">
+                <a:solidFill>
+                  <a:schemeClr val="tx1">
+                    <a:lumMod val="50000"/>
+                    <a:lumOff val="50000"/>
+                  </a:schemeClr>
+                </a:solidFill>
+                <a:latin typeface="G마켓 산스 Medium" panose="02000000000000000000" pitchFamily="50" charset="-127"/>
+                <a:ea typeface="G마켓 산스 Medium" panose="02000000000000000000" pitchFamily="50" charset="-127"/>
+              </a:rPr>
+              <a:t>.</a:t>
+            </a:r>
+          </a:p>
+          <a:p>
+            <a:r>
+              <a:rPr lang="en-US" altLang="ko-KR" sz="4000" dirty="0">
+                <a:solidFill>
+                  <a:schemeClr val="tx1">
+                    <a:lumMod val="50000"/>
+                    <a:lumOff val="50000"/>
+                  </a:schemeClr>
+                </a:solidFill>
+                <a:latin typeface="G마켓 산스 Medium" panose="02000000000000000000" pitchFamily="50" charset="-127"/>
+                <a:ea typeface="G마켓 산스 Medium" panose="02000000000000000000" pitchFamily="50" charset="-127"/>
+              </a:rPr>
+              <a:t>3.</a:t>
+            </a:r>
+            <a:r>
+              <a:rPr lang="ko-KR" altLang="en-US" sz="4000" dirty="0">
+                <a:solidFill>
+                  <a:schemeClr val="tx1">
+                    <a:lumMod val="50000"/>
+                    <a:lumOff val="50000"/>
+                  </a:schemeClr>
+                </a:solidFill>
+                <a:latin typeface="G마켓 산스 Medium" panose="02000000000000000000" pitchFamily="50" charset="-127"/>
+                <a:ea typeface="G마켓 산스 Medium" panose="02000000000000000000" pitchFamily="50" charset="-127"/>
+              </a:rPr>
+              <a:t>일반 메서드에서는 호출 할 수 없다</a:t>
+            </a:r>
+            <a:r>
+              <a:rPr lang="en-US" altLang="ko-KR" sz="4000" dirty="0">
                 <a:solidFill>
                   <a:schemeClr val="tx1">
                     <a:lumMod val="50000"/>
@@ -5244,7 +5311,7 @@
           <p:cNvPr id="2" name="직선 화살표 연결선 1">
             <a:extLst>
               <a:ext uri="{FF2B5EF4-FFF2-40B4-BE49-F238E27FC236}">
-                <a16:creationId xmlns:a16="http://schemas.microsoft.com/office/drawing/2014/main" xmlns="" id="{C5E723FA-19CC-75D4-0B0E-4D97BFFFCB3A}"/>
+                <a16:creationId xmlns:a16="http://schemas.microsoft.com/office/drawing/2014/main" id="{C5E723FA-19CC-75D4-0B0E-4D97BFFFCB3A}"/>
               </a:ext>
             </a:extLst>
           </p:cNvPr>
@@ -5285,7 +5352,7 @@
           <p:cNvPr id="5" name="직사각형 4">
             <a:extLst>
               <a:ext uri="{FF2B5EF4-FFF2-40B4-BE49-F238E27FC236}">
-                <a16:creationId xmlns:a16="http://schemas.microsoft.com/office/drawing/2014/main" xmlns="" id="{BC2D7A93-6FBE-2473-744A-55D59D38517E}"/>
+                <a16:creationId xmlns:a16="http://schemas.microsoft.com/office/drawing/2014/main" id="{BC2D7A93-6FBE-2473-744A-55D59D38517E}"/>
               </a:ext>
             </a:extLst>
           </p:cNvPr>
@@ -5337,7 +5404,7 @@
           <p:cNvPr id="6" name="TextBox 5">
             <a:extLst>
               <a:ext uri="{FF2B5EF4-FFF2-40B4-BE49-F238E27FC236}">
-                <a16:creationId xmlns:a16="http://schemas.microsoft.com/office/drawing/2014/main" xmlns="" id="{A824A7A1-5ED1-255F-ADF7-A56F6C720E1E}"/>
+                <a16:creationId xmlns:a16="http://schemas.microsoft.com/office/drawing/2014/main" id="{A824A7A1-5ED1-255F-ADF7-A56F6C720E1E}"/>
               </a:ext>
             </a:extLst>
           </p:cNvPr>
@@ -5423,13 +5490,6 @@
   <p:clrMapOvr>
     <a:masterClrMapping/>
   </p:clrMapOvr>
-  <p:timing>
-    <p:tnLst>
-      <p:par>
-        <p:cTn id="1" dur="indefinite" restart="never" nodeType="tmRoot"/>
-      </p:par>
-    </p:tnLst>
-  </p:timing>
 </p:sld>
 </file>
 
@@ -5455,7 +5515,7 @@
           <p:cNvPr id="4" name="그림 3">
             <a:extLst>
               <a:ext uri="{FF2B5EF4-FFF2-40B4-BE49-F238E27FC236}">
-                <a16:creationId xmlns:a16="http://schemas.microsoft.com/office/drawing/2014/main" xmlns="" id="{F4454630-DF2B-AC60-5D8E-F6B5E0D6AB5B}"/>
+                <a16:creationId xmlns:a16="http://schemas.microsoft.com/office/drawing/2014/main" id="{F4454630-DF2B-AC60-5D8E-F6B5E0D6AB5B}"/>
               </a:ext>
             </a:extLst>
           </p:cNvPr>
@@ -5485,7 +5545,7 @@
           <p:cNvPr id="5" name="직선 화살표 연결선 4">
             <a:extLst>
               <a:ext uri="{FF2B5EF4-FFF2-40B4-BE49-F238E27FC236}">
-                <a16:creationId xmlns:a16="http://schemas.microsoft.com/office/drawing/2014/main" xmlns="" id="{D0E0CC4C-8D52-523A-43F9-72878686A85F}"/>
+                <a16:creationId xmlns:a16="http://schemas.microsoft.com/office/drawing/2014/main" id="{D0E0CC4C-8D52-523A-43F9-72878686A85F}"/>
               </a:ext>
             </a:extLst>
           </p:cNvPr>
@@ -5526,7 +5586,7 @@
           <p:cNvPr id="6" name="TextBox 5">
             <a:extLst>
               <a:ext uri="{FF2B5EF4-FFF2-40B4-BE49-F238E27FC236}">
-                <a16:creationId xmlns:a16="http://schemas.microsoft.com/office/drawing/2014/main" xmlns="" id="{20BC858E-30CE-2273-AAB8-F47A04F512E8}"/>
+                <a16:creationId xmlns:a16="http://schemas.microsoft.com/office/drawing/2014/main" id="{20BC858E-30CE-2273-AAB8-F47A04F512E8}"/>
               </a:ext>
             </a:extLst>
           </p:cNvPr>
@@ -5627,7 +5687,7 @@
           <p:cNvPr id="4" name="TextBox 3">
             <a:extLst>
               <a:ext uri="{FF2B5EF4-FFF2-40B4-BE49-F238E27FC236}">
-                <a16:creationId xmlns:a16="http://schemas.microsoft.com/office/drawing/2014/main" xmlns="" id="{DF7DDD33-9412-2802-339A-E55446AC2DA7}"/>
+                <a16:creationId xmlns:a16="http://schemas.microsoft.com/office/drawing/2014/main" id="{DF7DDD33-9412-2802-339A-E55446AC2DA7}"/>
               </a:ext>
             </a:extLst>
           </p:cNvPr>
@@ -5709,7 +5769,7 @@
           <p:cNvPr id="6" name="직선 화살표 연결선 5">
             <a:extLst>
               <a:ext uri="{FF2B5EF4-FFF2-40B4-BE49-F238E27FC236}">
-                <a16:creationId xmlns:a16="http://schemas.microsoft.com/office/drawing/2014/main" xmlns="" id="{299DF5EC-9DF4-5255-06AC-0A7CE4FF58C3}"/>
+                <a16:creationId xmlns:a16="http://schemas.microsoft.com/office/drawing/2014/main" id="{299DF5EC-9DF4-5255-06AC-0A7CE4FF58C3}"/>
               </a:ext>
             </a:extLst>
           </p:cNvPr>
@@ -5750,7 +5810,7 @@
           <p:cNvPr id="7" name="직사각형 6">
             <a:extLst>
               <a:ext uri="{FF2B5EF4-FFF2-40B4-BE49-F238E27FC236}">
-                <a16:creationId xmlns:a16="http://schemas.microsoft.com/office/drawing/2014/main" xmlns="" id="{FFF506F9-840A-0508-4CAF-3AC711D8D5CE}"/>
+                <a16:creationId xmlns:a16="http://schemas.microsoft.com/office/drawing/2014/main" id="{FFF506F9-840A-0508-4CAF-3AC711D8D5CE}"/>
               </a:ext>
             </a:extLst>
           </p:cNvPr>
@@ -5802,7 +5862,7 @@
           <p:cNvPr id="8" name="TextBox 7">
             <a:extLst>
               <a:ext uri="{FF2B5EF4-FFF2-40B4-BE49-F238E27FC236}">
-                <a16:creationId xmlns:a16="http://schemas.microsoft.com/office/drawing/2014/main" xmlns="" id="{C6D113C6-EA5C-788F-0C77-E7CE6EBB865F}"/>
+                <a16:creationId xmlns:a16="http://schemas.microsoft.com/office/drawing/2014/main" id="{C6D113C6-EA5C-788F-0C77-E7CE6EBB865F}"/>
               </a:ext>
             </a:extLst>
           </p:cNvPr>
@@ -5884,7 +5944,7 @@
           <p:cNvPr id="10" name="직선 화살표 연결선 9">
             <a:extLst>
               <a:ext uri="{FF2B5EF4-FFF2-40B4-BE49-F238E27FC236}">
-                <a16:creationId xmlns:a16="http://schemas.microsoft.com/office/drawing/2014/main" xmlns="" id="{299DF5EC-9DF4-5255-06AC-0A7CE4FF58C3}"/>
+                <a16:creationId xmlns:a16="http://schemas.microsoft.com/office/drawing/2014/main" id="{299DF5EC-9DF4-5255-06AC-0A7CE4FF58C3}"/>
               </a:ext>
             </a:extLst>
           </p:cNvPr>
@@ -5925,7 +5985,7 @@
           <p:cNvPr id="11" name="TextBox 10">
             <a:extLst>
               <a:ext uri="{FF2B5EF4-FFF2-40B4-BE49-F238E27FC236}">
-                <a16:creationId xmlns:a16="http://schemas.microsoft.com/office/drawing/2014/main" xmlns="" id="{C6D113C6-EA5C-788F-0C77-E7CE6EBB865F}"/>
+                <a16:creationId xmlns:a16="http://schemas.microsoft.com/office/drawing/2014/main" id="{C6D113C6-EA5C-788F-0C77-E7CE6EBB865F}"/>
               </a:ext>
             </a:extLst>
           </p:cNvPr>
@@ -6509,7 +6569,7 @@
           <p:cNvPr id="2" name="TextBox 1">
             <a:extLst>
               <a:ext uri="{FF2B5EF4-FFF2-40B4-BE49-F238E27FC236}">
-                <a16:creationId xmlns:a16="http://schemas.microsoft.com/office/drawing/2014/main" xmlns="" id="{76F36AE5-79B5-0B9F-E510-1C27AAC4B649}"/>
+                <a16:creationId xmlns:a16="http://schemas.microsoft.com/office/drawing/2014/main" id="{76F36AE5-79B5-0B9F-E510-1C27AAC4B649}"/>
               </a:ext>
             </a:extLst>
           </p:cNvPr>
@@ -6587,7 +6647,7 @@
           <p:cNvPr id="4" name="TextBox 3">
             <a:extLst>
               <a:ext uri="{FF2B5EF4-FFF2-40B4-BE49-F238E27FC236}">
-                <a16:creationId xmlns:a16="http://schemas.microsoft.com/office/drawing/2014/main" xmlns="" id="{DF7DDD33-9412-2802-339A-E55446AC2DA7}"/>
+                <a16:creationId xmlns:a16="http://schemas.microsoft.com/office/drawing/2014/main" id="{DF7DDD33-9412-2802-339A-E55446AC2DA7}"/>
               </a:ext>
             </a:extLst>
           </p:cNvPr>
@@ -6665,7 +6725,7 @@
           <p:cNvPr id="6" name="그룹 1008">
             <a:extLst>
               <a:ext uri="{FF2B5EF4-FFF2-40B4-BE49-F238E27FC236}">
-                <a16:creationId xmlns:a16="http://schemas.microsoft.com/office/drawing/2014/main" xmlns="" id="{678F6342-C505-E8AD-ADA4-022CB2C2088E}"/>
+                <a16:creationId xmlns:a16="http://schemas.microsoft.com/office/drawing/2014/main" id="{678F6342-C505-E8AD-ADA4-022CB2C2088E}"/>
               </a:ext>
             </a:extLst>
           </p:cNvPr>
@@ -6685,7 +6745,7 @@
             <p:cNvPr id="7" name="그룹 1009">
               <a:extLst>
                 <a:ext uri="{FF2B5EF4-FFF2-40B4-BE49-F238E27FC236}">
-                  <a16:creationId xmlns:a16="http://schemas.microsoft.com/office/drawing/2014/main" xmlns="" id="{4E1F1FED-812B-9BBB-925A-84B54A077414}"/>
+                  <a16:creationId xmlns:a16="http://schemas.microsoft.com/office/drawing/2014/main" id="{4E1F1FED-812B-9BBB-925A-84B54A077414}"/>
                 </a:ext>
               </a:extLst>
             </p:cNvPr>
@@ -6705,7 +6765,7 @@
               <p:cNvPr id="12" name="Object 29">
                 <a:extLst>
                   <a:ext uri="{FF2B5EF4-FFF2-40B4-BE49-F238E27FC236}">
-                    <a16:creationId xmlns:a16="http://schemas.microsoft.com/office/drawing/2014/main" xmlns="" id="{7B078609-4286-7B00-51EB-809C8E2DE289}"/>
+                    <a16:creationId xmlns:a16="http://schemas.microsoft.com/office/drawing/2014/main" id="{7B078609-4286-7B00-51EB-809C8E2DE289}"/>
                   </a:ext>
                 </a:extLst>
               </p:cNvPr>
@@ -6736,7 +6796,7 @@
             <p:cNvPr id="8" name="그룹 1010">
               <a:extLst>
                 <a:ext uri="{FF2B5EF4-FFF2-40B4-BE49-F238E27FC236}">
-                  <a16:creationId xmlns:a16="http://schemas.microsoft.com/office/drawing/2014/main" xmlns="" id="{02A649BF-B5B5-FBAF-7DFD-E118A4DF8907}"/>
+                  <a16:creationId xmlns:a16="http://schemas.microsoft.com/office/drawing/2014/main" id="{02A649BF-B5B5-FBAF-7DFD-E118A4DF8907}"/>
                 </a:ext>
               </a:extLst>
             </p:cNvPr>
@@ -6756,7 +6816,7 @@
               <p:cNvPr id="11" name="Object 32">
                 <a:extLst>
                   <a:ext uri="{FF2B5EF4-FFF2-40B4-BE49-F238E27FC236}">
-                    <a16:creationId xmlns:a16="http://schemas.microsoft.com/office/drawing/2014/main" xmlns="" id="{2A0FFF23-B3C9-3EA0-1C1B-A87D4FF098AE}"/>
+                    <a16:creationId xmlns:a16="http://schemas.microsoft.com/office/drawing/2014/main" id="{2A0FFF23-B3C9-3EA0-1C1B-A87D4FF098AE}"/>
                   </a:ext>
                 </a:extLst>
               </p:cNvPr>
@@ -6787,7 +6847,7 @@
             <p:cNvPr id="9" name="그룹 1011">
               <a:extLst>
                 <a:ext uri="{FF2B5EF4-FFF2-40B4-BE49-F238E27FC236}">
-                  <a16:creationId xmlns:a16="http://schemas.microsoft.com/office/drawing/2014/main" xmlns="" id="{881F5410-F7FB-F261-A584-707359BAC593}"/>
+                  <a16:creationId xmlns:a16="http://schemas.microsoft.com/office/drawing/2014/main" id="{881F5410-F7FB-F261-A584-707359BAC593}"/>
                 </a:ext>
               </a:extLst>
             </p:cNvPr>
@@ -6807,7 +6867,7 @@
               <p:cNvPr id="10" name="Object 35">
                 <a:extLst>
                   <a:ext uri="{FF2B5EF4-FFF2-40B4-BE49-F238E27FC236}">
-                    <a16:creationId xmlns:a16="http://schemas.microsoft.com/office/drawing/2014/main" xmlns="" id="{4E99E669-73EB-F9F4-EFE8-DC107035C265}"/>
+                    <a16:creationId xmlns:a16="http://schemas.microsoft.com/office/drawing/2014/main" id="{4E99E669-73EB-F9F4-EFE8-DC107035C265}"/>
                   </a:ext>
                 </a:extLst>
               </p:cNvPr>
@@ -6887,7 +6947,7 @@
           <p:cNvPr id="2" name="TextBox 1">
             <a:extLst>
               <a:ext uri="{FF2B5EF4-FFF2-40B4-BE49-F238E27FC236}">
-                <a16:creationId xmlns:a16="http://schemas.microsoft.com/office/drawing/2014/main" xmlns="" id="{DD9582C5-50A1-A386-D1DA-E600C8637FF6}"/>
+                <a16:creationId xmlns:a16="http://schemas.microsoft.com/office/drawing/2014/main" id="{DD9582C5-50A1-A386-D1DA-E600C8637FF6}"/>
               </a:ext>
             </a:extLst>
           </p:cNvPr>
@@ -7115,7 +7175,7 @@
           <p:cNvPr id="9" name="그림 8">
             <a:extLst>
               <a:ext uri="{FF2B5EF4-FFF2-40B4-BE49-F238E27FC236}">
-                <a16:creationId xmlns:a16="http://schemas.microsoft.com/office/drawing/2014/main" xmlns="" id="{8F78DBCE-1393-A029-803F-C36F40E77C60}"/>
+                <a16:creationId xmlns:a16="http://schemas.microsoft.com/office/drawing/2014/main" id="{8F78DBCE-1393-A029-803F-C36F40E77C60}"/>
               </a:ext>
             </a:extLst>
           </p:cNvPr>
@@ -7145,7 +7205,7 @@
           <p:cNvPr id="11" name="그림 10">
             <a:extLst>
               <a:ext uri="{FF2B5EF4-FFF2-40B4-BE49-F238E27FC236}">
-                <a16:creationId xmlns:a16="http://schemas.microsoft.com/office/drawing/2014/main" xmlns="" id="{02C6ED1B-2C27-B474-59B2-A78C81530138}"/>
+                <a16:creationId xmlns:a16="http://schemas.microsoft.com/office/drawing/2014/main" id="{02C6ED1B-2C27-B474-59B2-A78C81530138}"/>
               </a:ext>
             </a:extLst>
           </p:cNvPr>
@@ -7175,7 +7235,7 @@
           <p:cNvPr id="16" name="그림 15">
             <a:extLst>
               <a:ext uri="{FF2B5EF4-FFF2-40B4-BE49-F238E27FC236}">
-                <a16:creationId xmlns:a16="http://schemas.microsoft.com/office/drawing/2014/main" xmlns="" id="{ACC146D5-2F26-BA40-9A47-955EB85594F4}"/>
+                <a16:creationId xmlns:a16="http://schemas.microsoft.com/office/drawing/2014/main" id="{ACC146D5-2F26-BA40-9A47-955EB85594F4}"/>
               </a:ext>
             </a:extLst>
           </p:cNvPr>
@@ -7205,7 +7265,7 @@
           <p:cNvPr id="17" name="직선 화살표 연결선 16">
             <a:extLst>
               <a:ext uri="{FF2B5EF4-FFF2-40B4-BE49-F238E27FC236}">
-                <a16:creationId xmlns:a16="http://schemas.microsoft.com/office/drawing/2014/main" xmlns="" id="{F0ECBD76-0A96-2064-0B0B-347AA5EFA7D7}"/>
+                <a16:creationId xmlns:a16="http://schemas.microsoft.com/office/drawing/2014/main" id="{F0ECBD76-0A96-2064-0B0B-347AA5EFA7D7}"/>
               </a:ext>
             </a:extLst>
           </p:cNvPr>
@@ -7246,7 +7306,7 @@
           <p:cNvPr id="18" name="직사각형 17">
             <a:extLst>
               <a:ext uri="{FF2B5EF4-FFF2-40B4-BE49-F238E27FC236}">
-                <a16:creationId xmlns:a16="http://schemas.microsoft.com/office/drawing/2014/main" xmlns="" id="{DE18E5DD-47B1-5A30-8CF8-93028635327E}"/>
+                <a16:creationId xmlns:a16="http://schemas.microsoft.com/office/drawing/2014/main" id="{DE18E5DD-47B1-5A30-8CF8-93028635327E}"/>
               </a:ext>
             </a:extLst>
           </p:cNvPr>
@@ -7298,7 +7358,7 @@
           <p:cNvPr id="19" name="TextBox 18">
             <a:extLst>
               <a:ext uri="{FF2B5EF4-FFF2-40B4-BE49-F238E27FC236}">
-                <a16:creationId xmlns:a16="http://schemas.microsoft.com/office/drawing/2014/main" xmlns="" id="{15AF908A-B8F0-040E-CAD7-2D8E305843F3}"/>
+                <a16:creationId xmlns:a16="http://schemas.microsoft.com/office/drawing/2014/main" id="{15AF908A-B8F0-040E-CAD7-2D8E305843F3}"/>
               </a:ext>
             </a:extLst>
           </p:cNvPr>
@@ -7349,7 +7409,7 @@
           <p:cNvPr id="22" name="직선 화살표 연결선 21">
             <a:extLst>
               <a:ext uri="{FF2B5EF4-FFF2-40B4-BE49-F238E27FC236}">
-                <a16:creationId xmlns:a16="http://schemas.microsoft.com/office/drawing/2014/main" xmlns="" id="{BDAF088E-C45C-D180-F207-CEFB523CE8BB}"/>
+                <a16:creationId xmlns:a16="http://schemas.microsoft.com/office/drawing/2014/main" id="{BDAF088E-C45C-D180-F207-CEFB523CE8BB}"/>
               </a:ext>
             </a:extLst>
           </p:cNvPr>
@@ -7390,7 +7450,7 @@
           <p:cNvPr id="24" name="TextBox 23">
             <a:extLst>
               <a:ext uri="{FF2B5EF4-FFF2-40B4-BE49-F238E27FC236}">
-                <a16:creationId xmlns:a16="http://schemas.microsoft.com/office/drawing/2014/main" xmlns="" id="{1FC29A97-0AA6-73E9-55AF-0E0E312ED08D}"/>
+                <a16:creationId xmlns:a16="http://schemas.microsoft.com/office/drawing/2014/main" id="{1FC29A97-0AA6-73E9-55AF-0E0E312ED08D}"/>
               </a:ext>
             </a:extLst>
           </p:cNvPr>
@@ -7586,7 +7646,7 @@
           <p:cNvPr id="5" name="그림 4">
             <a:extLst>
               <a:ext uri="{FF2B5EF4-FFF2-40B4-BE49-F238E27FC236}">
-                <a16:creationId xmlns:a16="http://schemas.microsoft.com/office/drawing/2014/main" xmlns="" id="{B86289DF-E5CD-F0FB-51BB-E9B35802E0FC}"/>
+                <a16:creationId xmlns:a16="http://schemas.microsoft.com/office/drawing/2014/main" id="{B86289DF-E5CD-F0FB-51BB-E9B35802E0FC}"/>
               </a:ext>
             </a:extLst>
           </p:cNvPr>
@@ -7616,7 +7676,7 @@
           <p:cNvPr id="6" name="그림 5">
             <a:extLst>
               <a:ext uri="{FF2B5EF4-FFF2-40B4-BE49-F238E27FC236}">
-                <a16:creationId xmlns:a16="http://schemas.microsoft.com/office/drawing/2014/main" xmlns="" id="{0E5D44E9-3B26-BA90-A15A-2349B9674C52}"/>
+                <a16:creationId xmlns:a16="http://schemas.microsoft.com/office/drawing/2014/main" id="{0E5D44E9-3B26-BA90-A15A-2349B9674C52}"/>
               </a:ext>
             </a:extLst>
           </p:cNvPr>
@@ -7646,7 +7706,7 @@
           <p:cNvPr id="7" name="표 6">
             <a:extLst>
               <a:ext uri="{FF2B5EF4-FFF2-40B4-BE49-F238E27FC236}">
-                <a16:creationId xmlns:a16="http://schemas.microsoft.com/office/drawing/2014/main" xmlns="" id="{2772E58C-1EBF-36E3-6E19-10F3CD138932}"/>
+                <a16:creationId xmlns:a16="http://schemas.microsoft.com/office/drawing/2014/main" id="{2772E58C-1EBF-36E3-6E19-10F3CD138932}"/>
               </a:ext>
             </a:extLst>
           </p:cNvPr>
@@ -7675,14 +7735,14 @@
                 <a:gridCol w="1741975">
                   <a:extLst>
                     <a:ext uri="{9D8B030D-6E8A-4147-A177-3AD203B41FA5}">
-                      <a16:colId xmlns:a16="http://schemas.microsoft.com/office/drawing/2014/main" xmlns="" val="20000"/>
+                      <a16:colId xmlns:a16="http://schemas.microsoft.com/office/drawing/2014/main" val="20000"/>
                     </a:ext>
                   </a:extLst>
                 </a:gridCol>
                 <a:gridCol w="1763225">
                   <a:extLst>
                     <a:ext uri="{9D8B030D-6E8A-4147-A177-3AD203B41FA5}">
-                      <a16:colId xmlns:a16="http://schemas.microsoft.com/office/drawing/2014/main" xmlns="" val="20001"/>
+                      <a16:colId xmlns:a16="http://schemas.microsoft.com/office/drawing/2014/main" val="20001"/>
                     </a:ext>
                   </a:extLst>
                 </a:gridCol>
@@ -7808,7 +7868,7 @@
                 </a:tc>
                 <a:extLst>
                   <a:ext uri="{0D108BD9-81ED-4DB2-BD59-A6C34878D82A}">
-                    <a16:rowId xmlns:a16="http://schemas.microsoft.com/office/drawing/2014/main" xmlns="" val="10000"/>
+                    <a16:rowId xmlns:a16="http://schemas.microsoft.com/office/drawing/2014/main" val="10000"/>
                   </a:ext>
                 </a:extLst>
               </a:tr>
@@ -7942,7 +8002,7 @@
                 </a:tc>
                 <a:extLst>
                   <a:ext uri="{0D108BD9-81ED-4DB2-BD59-A6C34878D82A}">
-                    <a16:rowId xmlns:a16="http://schemas.microsoft.com/office/drawing/2014/main" xmlns="" val="10001"/>
+                    <a16:rowId xmlns:a16="http://schemas.microsoft.com/office/drawing/2014/main" val="10001"/>
                   </a:ext>
                 </a:extLst>
               </a:tr>
@@ -8095,7 +8155,7 @@
                 </a:tc>
                 <a:extLst>
                   <a:ext uri="{0D108BD9-81ED-4DB2-BD59-A6C34878D82A}">
-                    <a16:rowId xmlns:a16="http://schemas.microsoft.com/office/drawing/2014/main" xmlns="" val="10002"/>
+                    <a16:rowId xmlns:a16="http://schemas.microsoft.com/office/drawing/2014/main" val="10002"/>
                   </a:ext>
                 </a:extLst>
               </a:tr>
@@ -8232,7 +8292,7 @@
                 </a:tc>
                 <a:extLst>
                   <a:ext uri="{0D108BD9-81ED-4DB2-BD59-A6C34878D82A}">
-                    <a16:rowId xmlns:a16="http://schemas.microsoft.com/office/drawing/2014/main" xmlns="" val="10009"/>
+                    <a16:rowId xmlns:a16="http://schemas.microsoft.com/office/drawing/2014/main" val="10009"/>
                   </a:ext>
                 </a:extLst>
               </a:tr>
@@ -8369,7 +8429,7 @@
                 </a:tc>
                 <a:extLst>
                   <a:ext uri="{0D108BD9-81ED-4DB2-BD59-A6C34878D82A}">
-                    <a16:rowId xmlns:a16="http://schemas.microsoft.com/office/drawing/2014/main" xmlns="" val="10010"/>
+                    <a16:rowId xmlns:a16="http://schemas.microsoft.com/office/drawing/2014/main" val="10010"/>
                   </a:ext>
                 </a:extLst>
               </a:tr>
@@ -8382,7 +8442,7 @@
           <p:cNvPr id="8" name="표 7">
             <a:extLst>
               <a:ext uri="{FF2B5EF4-FFF2-40B4-BE49-F238E27FC236}">
-                <a16:creationId xmlns:a16="http://schemas.microsoft.com/office/drawing/2014/main" xmlns="" id="{A65E3879-B6E4-706F-F5E4-04BB84F5B078}"/>
+                <a16:creationId xmlns:a16="http://schemas.microsoft.com/office/drawing/2014/main" id="{A65E3879-B6E4-706F-F5E4-04BB84F5B078}"/>
               </a:ext>
             </a:extLst>
           </p:cNvPr>
@@ -8411,14 +8471,14 @@
                 <a:gridCol w="1741975">
                   <a:extLst>
                     <a:ext uri="{9D8B030D-6E8A-4147-A177-3AD203B41FA5}">
-                      <a16:colId xmlns:a16="http://schemas.microsoft.com/office/drawing/2014/main" xmlns="" val="20000"/>
+                      <a16:colId xmlns:a16="http://schemas.microsoft.com/office/drawing/2014/main" val="20000"/>
                     </a:ext>
                   </a:extLst>
                 </a:gridCol>
                 <a:gridCol w="1763225">
                   <a:extLst>
                     <a:ext uri="{9D8B030D-6E8A-4147-A177-3AD203B41FA5}">
-                      <a16:colId xmlns:a16="http://schemas.microsoft.com/office/drawing/2014/main" xmlns="" val="20001"/>
+                      <a16:colId xmlns:a16="http://schemas.microsoft.com/office/drawing/2014/main" val="20001"/>
                     </a:ext>
                   </a:extLst>
                 </a:gridCol>
@@ -8550,7 +8610,7 @@
                 </a:tc>
                 <a:extLst>
                   <a:ext uri="{0D108BD9-81ED-4DB2-BD59-A6C34878D82A}">
-                    <a16:rowId xmlns:a16="http://schemas.microsoft.com/office/drawing/2014/main" xmlns="" val="10000"/>
+                    <a16:rowId xmlns:a16="http://schemas.microsoft.com/office/drawing/2014/main" val="10000"/>
                   </a:ext>
                 </a:extLst>
               </a:tr>
@@ -8681,7 +8741,7 @@
                 </a:tc>
                 <a:extLst>
                   <a:ext uri="{0D108BD9-81ED-4DB2-BD59-A6C34878D82A}">
-                    <a16:rowId xmlns:a16="http://schemas.microsoft.com/office/drawing/2014/main" xmlns="" val="10001"/>
+                    <a16:rowId xmlns:a16="http://schemas.microsoft.com/office/drawing/2014/main" val="10001"/>
                   </a:ext>
                 </a:extLst>
               </a:tr>
@@ -8834,7 +8894,7 @@
                 </a:tc>
                 <a:extLst>
                   <a:ext uri="{0D108BD9-81ED-4DB2-BD59-A6C34878D82A}">
-                    <a16:rowId xmlns:a16="http://schemas.microsoft.com/office/drawing/2014/main" xmlns="" val="10002"/>
+                    <a16:rowId xmlns:a16="http://schemas.microsoft.com/office/drawing/2014/main" val="10002"/>
                   </a:ext>
                 </a:extLst>
               </a:tr>
@@ -8971,7 +9031,7 @@
                 </a:tc>
                 <a:extLst>
                   <a:ext uri="{0D108BD9-81ED-4DB2-BD59-A6C34878D82A}">
-                    <a16:rowId xmlns:a16="http://schemas.microsoft.com/office/drawing/2014/main" xmlns="" val="10009"/>
+                    <a16:rowId xmlns:a16="http://schemas.microsoft.com/office/drawing/2014/main" val="10009"/>
                   </a:ext>
                 </a:extLst>
               </a:tr>
@@ -9108,7 +9168,7 @@
                 </a:tc>
                 <a:extLst>
                   <a:ext uri="{0D108BD9-81ED-4DB2-BD59-A6C34878D82A}">
-                    <a16:rowId xmlns:a16="http://schemas.microsoft.com/office/drawing/2014/main" xmlns="" val="10010"/>
+                    <a16:rowId xmlns:a16="http://schemas.microsoft.com/office/drawing/2014/main" val="10010"/>
                   </a:ext>
                 </a:extLst>
               </a:tr>
@@ -9121,7 +9181,7 @@
           <p:cNvPr id="9" name="직선 화살표 연결선 8">
             <a:extLst>
               <a:ext uri="{FF2B5EF4-FFF2-40B4-BE49-F238E27FC236}">
-                <a16:creationId xmlns:a16="http://schemas.microsoft.com/office/drawing/2014/main" xmlns="" id="{6980FCFD-94F7-2384-F864-1B360A571092}"/>
+                <a16:creationId xmlns:a16="http://schemas.microsoft.com/office/drawing/2014/main" id="{6980FCFD-94F7-2384-F864-1B360A571092}"/>
               </a:ext>
             </a:extLst>
           </p:cNvPr>
@@ -9162,7 +9222,7 @@
           <p:cNvPr id="10" name="TextBox 9">
             <a:extLst>
               <a:ext uri="{FF2B5EF4-FFF2-40B4-BE49-F238E27FC236}">
-                <a16:creationId xmlns:a16="http://schemas.microsoft.com/office/drawing/2014/main" xmlns="" id="{0084A895-466C-9873-DBF3-2E491E76C677}"/>
+                <a16:creationId xmlns:a16="http://schemas.microsoft.com/office/drawing/2014/main" id="{0084A895-466C-9873-DBF3-2E491E76C677}"/>
               </a:ext>
             </a:extLst>
           </p:cNvPr>
@@ -9210,7 +9270,7 @@
           <p:cNvPr id="12" name="TextBox 11">
             <a:extLst>
               <a:ext uri="{FF2B5EF4-FFF2-40B4-BE49-F238E27FC236}">
-                <a16:creationId xmlns:a16="http://schemas.microsoft.com/office/drawing/2014/main" xmlns="" id="{06C17F6F-1B2C-8D96-89EE-1D060BE5047D}"/>
+                <a16:creationId xmlns:a16="http://schemas.microsoft.com/office/drawing/2014/main" id="{06C17F6F-1B2C-8D96-89EE-1D060BE5047D}"/>
               </a:ext>
             </a:extLst>
           </p:cNvPr>
@@ -9258,7 +9318,7 @@
           <p:cNvPr id="13" name="직선 화살표 연결선 12">
             <a:extLst>
               <a:ext uri="{FF2B5EF4-FFF2-40B4-BE49-F238E27FC236}">
-                <a16:creationId xmlns:a16="http://schemas.microsoft.com/office/drawing/2014/main" xmlns="" id="{EB5621A4-27F6-0CDF-0FE1-4BD9E4AA0326}"/>
+                <a16:creationId xmlns:a16="http://schemas.microsoft.com/office/drawing/2014/main" id="{EB5621A4-27F6-0CDF-0FE1-4BD9E4AA0326}"/>
               </a:ext>
             </a:extLst>
           </p:cNvPr>
@@ -9299,7 +9359,7 @@
           <p:cNvPr id="17" name="TextBox 16">
             <a:extLst>
               <a:ext uri="{FF2B5EF4-FFF2-40B4-BE49-F238E27FC236}">
-                <a16:creationId xmlns:a16="http://schemas.microsoft.com/office/drawing/2014/main" xmlns="" id="{142EB6C3-1B9F-21CC-4799-E617403F4806}"/>
+                <a16:creationId xmlns:a16="http://schemas.microsoft.com/office/drawing/2014/main" id="{142EB6C3-1B9F-21CC-4799-E617403F4806}"/>
               </a:ext>
             </a:extLst>
           </p:cNvPr>
@@ -9350,7 +9410,7 @@
           <p:cNvPr id="18" name="직선 화살표 연결선 17">
             <a:extLst>
               <a:ext uri="{FF2B5EF4-FFF2-40B4-BE49-F238E27FC236}">
-                <a16:creationId xmlns:a16="http://schemas.microsoft.com/office/drawing/2014/main" xmlns="" id="{164AAC56-4E57-7945-4946-8DB2F7B7C2EA}"/>
+                <a16:creationId xmlns:a16="http://schemas.microsoft.com/office/drawing/2014/main" id="{164AAC56-4E57-7945-4946-8DB2F7B7C2EA}"/>
               </a:ext>
             </a:extLst>
           </p:cNvPr>
@@ -9726,7 +9786,7 @@
           <p:cNvPr id="9" name="그림 8">
             <a:extLst>
               <a:ext uri="{FF2B5EF4-FFF2-40B4-BE49-F238E27FC236}">
-                <a16:creationId xmlns:a16="http://schemas.microsoft.com/office/drawing/2014/main" xmlns="" id="{1745FE5A-F0FC-88D3-0D82-311CA4FDA431}"/>
+                <a16:creationId xmlns:a16="http://schemas.microsoft.com/office/drawing/2014/main" id="{1745FE5A-F0FC-88D3-0D82-311CA4FDA431}"/>
               </a:ext>
             </a:extLst>
           </p:cNvPr>
@@ -9756,7 +9816,7 @@
           <p:cNvPr id="5" name="그림 4">
             <a:extLst>
               <a:ext uri="{FF2B5EF4-FFF2-40B4-BE49-F238E27FC236}">
-                <a16:creationId xmlns:a16="http://schemas.microsoft.com/office/drawing/2014/main" xmlns="" id="{D831F856-664C-1D07-8832-7FB2A2F2B988}"/>
+                <a16:creationId xmlns:a16="http://schemas.microsoft.com/office/drawing/2014/main" id="{D831F856-664C-1D07-8832-7FB2A2F2B988}"/>
               </a:ext>
             </a:extLst>
           </p:cNvPr>
@@ -9786,7 +9846,7 @@
           <p:cNvPr id="6" name="직선 화살표 연결선 5">
             <a:extLst>
               <a:ext uri="{FF2B5EF4-FFF2-40B4-BE49-F238E27FC236}">
-                <a16:creationId xmlns:a16="http://schemas.microsoft.com/office/drawing/2014/main" xmlns="" id="{E490174E-05A7-230C-C06B-30DF22873BE5}"/>
+                <a16:creationId xmlns:a16="http://schemas.microsoft.com/office/drawing/2014/main" id="{E490174E-05A7-230C-C06B-30DF22873BE5}"/>
               </a:ext>
             </a:extLst>
           </p:cNvPr>
@@ -9827,7 +9887,7 @@
           <p:cNvPr id="7" name="직사각형 6">
             <a:extLst>
               <a:ext uri="{FF2B5EF4-FFF2-40B4-BE49-F238E27FC236}">
-                <a16:creationId xmlns:a16="http://schemas.microsoft.com/office/drawing/2014/main" xmlns="" id="{76A98BF5-7371-70D8-5557-09052271AE3A}"/>
+                <a16:creationId xmlns:a16="http://schemas.microsoft.com/office/drawing/2014/main" id="{76A98BF5-7371-70D8-5557-09052271AE3A}"/>
               </a:ext>
             </a:extLst>
           </p:cNvPr>
@@ -9879,7 +9939,7 @@
           <p:cNvPr id="8" name="TextBox 7">
             <a:extLst>
               <a:ext uri="{FF2B5EF4-FFF2-40B4-BE49-F238E27FC236}">
-                <a16:creationId xmlns:a16="http://schemas.microsoft.com/office/drawing/2014/main" xmlns="" id="{3DE7715B-582B-2DA9-CE74-F185ADAD4A63}"/>
+                <a16:creationId xmlns:a16="http://schemas.microsoft.com/office/drawing/2014/main" id="{3DE7715B-582B-2DA9-CE74-F185ADAD4A63}"/>
               </a:ext>
             </a:extLst>
           </p:cNvPr>
@@ -9983,7 +10043,7 @@
           </a:p>
           <a:p>
             <a:r>
-              <a:rPr lang="ko-KR" altLang="en-US" sz="3600" smtClean="0">
+              <a:rPr lang="ko-KR" altLang="en-US" sz="3600">
                 <a:solidFill>
                   <a:srgbClr val="FF0000"/>
                 </a:solidFill>
@@ -10012,13 +10072,6 @@
   <p:clrMapOvr>
     <a:masterClrMapping/>
   </p:clrMapOvr>
-  <p:timing>
-    <p:tnLst>
-      <p:par>
-        <p:cTn id="1" dur="indefinite" restart="never" nodeType="tmRoot"/>
-      </p:par>
-    </p:tnLst>
-  </p:timing>
 </p:sld>
 </file>
 
@@ -10217,7 +10270,7 @@
           <p:cNvPr id="11" name="TextBox 10">
             <a:extLst>
               <a:ext uri="{FF2B5EF4-FFF2-40B4-BE49-F238E27FC236}">
-                <a16:creationId xmlns:a16="http://schemas.microsoft.com/office/drawing/2014/main" xmlns="" id="{9F88F580-08BE-88C2-D640-13F0026591CB}"/>
+                <a16:creationId xmlns:a16="http://schemas.microsoft.com/office/drawing/2014/main" id="{9F88F580-08BE-88C2-D640-13F0026591CB}"/>
               </a:ext>
             </a:extLst>
           </p:cNvPr>
@@ -10268,7 +10321,7 @@
           <p:cNvPr id="13" name="TextBox 12">
             <a:extLst>
               <a:ext uri="{FF2B5EF4-FFF2-40B4-BE49-F238E27FC236}">
-                <a16:creationId xmlns:a16="http://schemas.microsoft.com/office/drawing/2014/main" xmlns="" id="{72769C28-9BB6-DE9C-7B6F-264B77B8DD0E}"/>
+                <a16:creationId xmlns:a16="http://schemas.microsoft.com/office/drawing/2014/main" id="{72769C28-9BB6-DE9C-7B6F-264B77B8DD0E}"/>
               </a:ext>
             </a:extLst>
           </p:cNvPr>
@@ -10309,7 +10362,7 @@
           <p:cNvPr id="14" name="TextBox 13">
             <a:extLst>
               <a:ext uri="{FF2B5EF4-FFF2-40B4-BE49-F238E27FC236}">
-                <a16:creationId xmlns:a16="http://schemas.microsoft.com/office/drawing/2014/main" xmlns="" id="{270FBB6A-01CE-5637-78DA-58F0C974145C}"/>
+                <a16:creationId xmlns:a16="http://schemas.microsoft.com/office/drawing/2014/main" id="{270FBB6A-01CE-5637-78DA-58F0C974145C}"/>
               </a:ext>
             </a:extLst>
           </p:cNvPr>
@@ -10357,7 +10410,7 @@
           <p:cNvPr id="2" name="Object 17">
             <a:extLst>
               <a:ext uri="{FF2B5EF4-FFF2-40B4-BE49-F238E27FC236}">
-                <a16:creationId xmlns:a16="http://schemas.microsoft.com/office/drawing/2014/main" xmlns="" id="{140B283D-FE58-FA6F-6F7C-E0F1DBB62A65}"/>
+                <a16:creationId xmlns:a16="http://schemas.microsoft.com/office/drawing/2014/main" id="{140B283D-FE58-FA6F-6F7C-E0F1DBB62A65}"/>
               </a:ext>
             </a:extLst>
           </p:cNvPr>
@@ -10387,7 +10440,7 @@
           <p:cNvPr id="4" name="TextBox 3">
             <a:extLst>
               <a:ext uri="{FF2B5EF4-FFF2-40B4-BE49-F238E27FC236}">
-                <a16:creationId xmlns:a16="http://schemas.microsoft.com/office/drawing/2014/main" xmlns="" id="{2C8D0998-79BC-6FD2-59D9-8052B4A25F65}"/>
+                <a16:creationId xmlns:a16="http://schemas.microsoft.com/office/drawing/2014/main" id="{2C8D0998-79BC-6FD2-59D9-8052B4A25F65}"/>
               </a:ext>
             </a:extLst>
           </p:cNvPr>
@@ -10435,7 +10488,7 @@
           <p:cNvPr id="5" name="Object 18">
             <a:extLst>
               <a:ext uri="{FF2B5EF4-FFF2-40B4-BE49-F238E27FC236}">
-                <a16:creationId xmlns:a16="http://schemas.microsoft.com/office/drawing/2014/main" xmlns="" id="{3F58EA3E-1018-64D3-FAB2-4F6B9618FA56}"/>
+                <a16:creationId xmlns:a16="http://schemas.microsoft.com/office/drawing/2014/main" id="{3F58EA3E-1018-64D3-FAB2-4F6B9618FA56}"/>
               </a:ext>
             </a:extLst>
           </p:cNvPr>
@@ -10465,7 +10518,7 @@
           <p:cNvPr id="8" name="TextBox 7">
             <a:extLst>
               <a:ext uri="{FF2B5EF4-FFF2-40B4-BE49-F238E27FC236}">
-                <a16:creationId xmlns:a16="http://schemas.microsoft.com/office/drawing/2014/main" xmlns="" id="{681D3F16-7DCF-41AD-F5F1-0558C78C0E4D}"/>
+                <a16:creationId xmlns:a16="http://schemas.microsoft.com/office/drawing/2014/main" id="{681D3F16-7DCF-41AD-F5F1-0558C78C0E4D}"/>
               </a:ext>
             </a:extLst>
           </p:cNvPr>
@@ -10538,7 +10591,7 @@
           <p:cNvPr id="4" name="TextBox 3">
             <a:extLst>
               <a:ext uri="{FF2B5EF4-FFF2-40B4-BE49-F238E27FC236}">
-                <a16:creationId xmlns:a16="http://schemas.microsoft.com/office/drawing/2014/main" xmlns="" id="{DF7DDD33-9412-2802-339A-E55446AC2DA7}"/>
+                <a16:creationId xmlns:a16="http://schemas.microsoft.com/office/drawing/2014/main" id="{DF7DDD33-9412-2802-339A-E55446AC2DA7}"/>
               </a:ext>
             </a:extLst>
           </p:cNvPr>
@@ -10562,7 +10615,7 @@
           <a:lstStyle/>
           <a:p>
             <a:r>
-              <a:rPr lang="en-US" altLang="ko-KR" sz="4400" smtClean="0">
+              <a:rPr lang="en-US" altLang="ko-KR" sz="4400">
                 <a:solidFill>
                   <a:srgbClr val="4C50BC"/>
                 </a:solidFill>
@@ -10572,7 +10625,7 @@
               <a:t>this</a:t>
             </a:r>
             <a:r>
-              <a:rPr lang="ko-KR" altLang="en-US" sz="4400" smtClean="0">
+              <a:rPr lang="ko-KR" altLang="en-US" sz="4400">
                 <a:solidFill>
                   <a:srgbClr val="4C50BC"/>
                 </a:solidFill>
@@ -10620,7 +10673,7 @@
           <p:cNvPr id="6" name="직사각형 5">
             <a:extLst>
               <a:ext uri="{FF2B5EF4-FFF2-40B4-BE49-F238E27FC236}">
-                <a16:creationId xmlns:a16="http://schemas.microsoft.com/office/drawing/2014/main" xmlns="" id="{BC2D7A93-6FBE-2473-744A-55D59D38517E}"/>
+                <a16:creationId xmlns:a16="http://schemas.microsoft.com/office/drawing/2014/main" id="{BC2D7A93-6FBE-2473-744A-55D59D38517E}"/>
               </a:ext>
             </a:extLst>
           </p:cNvPr>
@@ -10672,7 +10725,7 @@
           <p:cNvPr id="7" name="직선 화살표 연결선 6">
             <a:extLst>
               <a:ext uri="{FF2B5EF4-FFF2-40B4-BE49-F238E27FC236}">
-                <a16:creationId xmlns:a16="http://schemas.microsoft.com/office/drawing/2014/main" xmlns="" id="{299DF5EC-9DF4-5255-06AC-0A7CE4FF58C3}"/>
+                <a16:creationId xmlns:a16="http://schemas.microsoft.com/office/drawing/2014/main" id="{299DF5EC-9DF4-5255-06AC-0A7CE4FF58C3}"/>
               </a:ext>
             </a:extLst>
           </p:cNvPr>
@@ -10713,7 +10766,7 @@
           <p:cNvPr id="8" name="TextBox 7">
             <a:extLst>
               <a:ext uri="{FF2B5EF4-FFF2-40B4-BE49-F238E27FC236}">
-                <a16:creationId xmlns:a16="http://schemas.microsoft.com/office/drawing/2014/main" xmlns="" id="{C6D113C6-EA5C-788F-0C77-E7CE6EBB865F}"/>
+                <a16:creationId xmlns:a16="http://schemas.microsoft.com/office/drawing/2014/main" id="{C6D113C6-EA5C-788F-0C77-E7CE6EBB865F}"/>
               </a:ext>
             </a:extLst>
           </p:cNvPr>
@@ -10737,7 +10790,7 @@
           <a:lstStyle/>
           <a:p>
             <a:r>
-              <a:rPr lang="ko-KR" altLang="en-US" sz="3600" smtClean="0">
+              <a:rPr lang="ko-KR" altLang="en-US" sz="3600">
                 <a:solidFill>
                   <a:srgbClr val="FF0000"/>
                 </a:solidFill>
@@ -10785,7 +10838,7 @@
           <p:cNvPr id="10" name="직사각형 9">
             <a:extLst>
               <a:ext uri="{FF2B5EF4-FFF2-40B4-BE49-F238E27FC236}">
-                <a16:creationId xmlns:a16="http://schemas.microsoft.com/office/drawing/2014/main" xmlns="" id="{BC2D7A93-6FBE-2473-744A-55D59D38517E}"/>
+                <a16:creationId xmlns:a16="http://schemas.microsoft.com/office/drawing/2014/main" id="{BC2D7A93-6FBE-2473-744A-55D59D38517E}"/>
               </a:ext>
             </a:extLst>
           </p:cNvPr>
@@ -10837,7 +10890,7 @@
           <p:cNvPr id="11" name="직선 화살표 연결선 10">
             <a:extLst>
               <a:ext uri="{FF2B5EF4-FFF2-40B4-BE49-F238E27FC236}">
-                <a16:creationId xmlns:a16="http://schemas.microsoft.com/office/drawing/2014/main" xmlns="" id="{299DF5EC-9DF4-5255-06AC-0A7CE4FF58C3}"/>
+                <a16:creationId xmlns:a16="http://schemas.microsoft.com/office/drawing/2014/main" id="{299DF5EC-9DF4-5255-06AC-0A7CE4FF58C3}"/>
               </a:ext>
             </a:extLst>
           </p:cNvPr>
@@ -10878,7 +10931,7 @@
           <p:cNvPr id="12" name="TextBox 11">
             <a:extLst>
               <a:ext uri="{FF2B5EF4-FFF2-40B4-BE49-F238E27FC236}">
-                <a16:creationId xmlns:a16="http://schemas.microsoft.com/office/drawing/2014/main" xmlns="" id="{C6D113C6-EA5C-788F-0C77-E7CE6EBB865F}"/>
+                <a16:creationId xmlns:a16="http://schemas.microsoft.com/office/drawing/2014/main" id="{C6D113C6-EA5C-788F-0C77-E7CE6EBB865F}"/>
               </a:ext>
             </a:extLst>
           </p:cNvPr>
@@ -10902,7 +10955,7 @@
           <a:lstStyle/>
           <a:p>
             <a:r>
-              <a:rPr lang="en-US" altLang="ko-KR" sz="3600" smtClean="0">
+              <a:rPr lang="en-US" altLang="ko-KR" sz="3600">
                 <a:solidFill>
                   <a:srgbClr val="FF0000"/>
                 </a:solidFill>
@@ -10912,7 +10965,7 @@
               <a:t>this</a:t>
             </a:r>
             <a:r>
-              <a:rPr lang="ko-KR" altLang="en-US" sz="3600" smtClean="0">
+              <a:rPr lang="ko-KR" altLang="en-US" sz="3600">
                 <a:solidFill>
                   <a:srgbClr val="FF0000"/>
                 </a:solidFill>
@@ -10941,13 +10994,6 @@
   <p:clrMapOvr>
     <a:masterClrMapping/>
   </p:clrMapOvr>
-  <p:timing>
-    <p:tnLst>
-      <p:par>
-        <p:cTn id="1" dur="indefinite" restart="never" nodeType="tmRoot"/>
-      </p:par>
-    </p:tnLst>
-  </p:timing>
 </p:sld>
 </file>
 
@@ -10973,7 +11019,7 @@
           <p:cNvPr id="4" name="TextBox 3">
             <a:extLst>
               <a:ext uri="{FF2B5EF4-FFF2-40B4-BE49-F238E27FC236}">
-                <a16:creationId xmlns:a16="http://schemas.microsoft.com/office/drawing/2014/main" xmlns="" id="{DF7DDD33-9412-2802-339A-E55446AC2DA7}"/>
+                <a16:creationId xmlns:a16="http://schemas.microsoft.com/office/drawing/2014/main" id="{DF7DDD33-9412-2802-339A-E55446AC2DA7}"/>
               </a:ext>
             </a:extLst>
           </p:cNvPr>
@@ -10997,7 +11043,7 @@
           <a:lstStyle/>
           <a:p>
             <a:r>
-              <a:rPr lang="en-US" altLang="ko-KR" sz="4400" smtClean="0">
+              <a:rPr lang="en-US" altLang="ko-KR" sz="4400">
                 <a:solidFill>
                   <a:srgbClr val="4C50BC"/>
                 </a:solidFill>
@@ -11007,7 +11053,7 @@
               <a:t>this</a:t>
             </a:r>
             <a:r>
-              <a:rPr lang="ko-KR" altLang="en-US" sz="4400" smtClean="0">
+              <a:rPr lang="ko-KR" altLang="en-US" sz="4400">
                 <a:solidFill>
                   <a:srgbClr val="4C50BC"/>
                 </a:solidFill>
@@ -11031,7 +11077,7 @@
           <p:cNvPr id="5" name="TextBox 4">
             <a:extLst>
               <a:ext uri="{FF2B5EF4-FFF2-40B4-BE49-F238E27FC236}">
-                <a16:creationId xmlns:a16="http://schemas.microsoft.com/office/drawing/2014/main" xmlns="" id="{A2AD056B-97A4-5BCC-4460-250160F3E171}"/>
+                <a16:creationId xmlns:a16="http://schemas.microsoft.com/office/drawing/2014/main" id="{A2AD056B-97A4-5BCC-4460-250160F3E171}"/>
               </a:ext>
             </a:extLst>
           </p:cNvPr>
@@ -11055,7 +11101,7 @@
           <a:lstStyle/>
           <a:p>
             <a:r>
-              <a:rPr lang="en-US" altLang="ko-KR" sz="4000" smtClean="0">
+              <a:rPr lang="en-US" altLang="ko-KR" sz="4000">
                 <a:solidFill>
                   <a:schemeClr val="tx1">
                     <a:lumMod val="50000"/>
@@ -11068,7 +11114,7 @@
               <a:t>1. </a:t>
             </a:r>
             <a:r>
-              <a:rPr lang="ko-KR" altLang="en-US" sz="4000" smtClean="0">
+              <a:rPr lang="ko-KR" altLang="en-US" sz="4000">
                 <a:solidFill>
                   <a:schemeClr val="tx1">
                     <a:lumMod val="50000"/>
@@ -11103,10 +11149,10 @@
                 <a:latin typeface="G마켓 산스 Medium" panose="02000000000000000000" pitchFamily="50" charset="-127"/>
                 <a:ea typeface="G마켓 산스 Medium" panose="02000000000000000000" pitchFamily="50" charset="-127"/>
               </a:rPr>
-              <a:t>2</a:t>
-            </a:r>
-            <a:r>
-              <a:rPr lang="en-US" altLang="ko-KR" sz="4000" smtClean="0">
+              <a:t>2.</a:t>
+            </a:r>
+            <a:r>
+              <a:rPr lang="ko-KR" altLang="en-US" sz="4000">
                 <a:solidFill>
                   <a:schemeClr val="tx1">
                     <a:lumMod val="50000"/>
@@ -11116,10 +11162,10 @@
                 <a:latin typeface="G마켓 산스 Medium" panose="02000000000000000000" pitchFamily="50" charset="-127"/>
                 <a:ea typeface="G마켓 산스 Medium" panose="02000000000000000000" pitchFamily="50" charset="-127"/>
               </a:rPr>
-              <a:t>.</a:t>
-            </a:r>
-            <a:r>
-              <a:rPr lang="ko-KR" altLang="en-US" sz="4000" smtClean="0">
+              <a:t>객체 자신의 주소를 가지고 있다</a:t>
+            </a:r>
+            <a:r>
+              <a:rPr lang="en-US" altLang="ko-KR" sz="4000">
                 <a:solidFill>
                   <a:schemeClr val="tx1">
                     <a:lumMod val="50000"/>
@@ -11129,31 +11175,8 @@
                 <a:latin typeface="G마켓 산스 Medium" panose="02000000000000000000" pitchFamily="50" charset="-127"/>
                 <a:ea typeface="G마켓 산스 Medium" panose="02000000000000000000" pitchFamily="50" charset="-127"/>
               </a:rPr>
-              <a:t>객체 자신의 주소를 가지고 있다</a:t>
-            </a:r>
-            <a:r>
-              <a:rPr lang="en-US" altLang="ko-KR" sz="4000" smtClean="0">
-                <a:solidFill>
-                  <a:schemeClr val="tx1">
-                    <a:lumMod val="50000"/>
-                    <a:lumOff val="50000"/>
-                  </a:schemeClr>
-                </a:solidFill>
-                <a:latin typeface="G마켓 산스 Medium" panose="02000000000000000000" pitchFamily="50" charset="-127"/>
-                <a:ea typeface="G마켓 산스 Medium" panose="02000000000000000000" pitchFamily="50" charset="-127"/>
-              </a:rPr>
               <a:t>.</a:t>
             </a:r>
-            <a:endParaRPr lang="en-US" altLang="ko-KR" sz="4000">
-              <a:solidFill>
-                <a:schemeClr val="tx1">
-                  <a:lumMod val="50000"/>
-                  <a:lumOff val="50000"/>
-                </a:schemeClr>
-              </a:solidFill>
-              <a:latin typeface="G마켓 산스 Medium" panose="02000000000000000000" pitchFamily="50" charset="-127"/>
-              <a:ea typeface="G마켓 산스 Medium" panose="02000000000000000000" pitchFamily="50" charset="-127"/>
-            </a:endParaRPr>
           </a:p>
         </p:txBody>
       </p:sp>
@@ -11186,7 +11209,7 @@
           <p:cNvPr id="7" name="직선 화살표 연결선 6">
             <a:extLst>
               <a:ext uri="{FF2B5EF4-FFF2-40B4-BE49-F238E27FC236}">
-                <a16:creationId xmlns:a16="http://schemas.microsoft.com/office/drawing/2014/main" xmlns="" id="{299DF5EC-9DF4-5255-06AC-0A7CE4FF58C3}"/>
+                <a16:creationId xmlns:a16="http://schemas.microsoft.com/office/drawing/2014/main" id="{299DF5EC-9DF4-5255-06AC-0A7CE4FF58C3}"/>
               </a:ext>
             </a:extLst>
           </p:cNvPr>
@@ -11227,7 +11250,7 @@
           <p:cNvPr id="8" name="TextBox 7">
             <a:extLst>
               <a:ext uri="{FF2B5EF4-FFF2-40B4-BE49-F238E27FC236}">
-                <a16:creationId xmlns:a16="http://schemas.microsoft.com/office/drawing/2014/main" xmlns="" id="{C6D113C6-EA5C-788F-0C77-E7CE6EBB865F}"/>
+                <a16:creationId xmlns:a16="http://schemas.microsoft.com/office/drawing/2014/main" id="{C6D113C6-EA5C-788F-0C77-E7CE6EBB865F}"/>
               </a:ext>
             </a:extLst>
           </p:cNvPr>
@@ -11251,7 +11274,7 @@
           <a:lstStyle/>
           <a:p>
             <a:r>
-              <a:rPr lang="ko-KR" altLang="en-US" sz="3600" smtClean="0">
+              <a:rPr lang="ko-KR" altLang="en-US" sz="3600">
                 <a:solidFill>
                   <a:srgbClr val="FF0000"/>
                 </a:solidFill>
@@ -11261,7 +11284,7 @@
               <a:t>만들지 않아도 이미 존재하는 멤버변수이다</a:t>
             </a:r>
             <a:r>
-              <a:rPr lang="en-US" altLang="ko-KR" sz="3600" smtClean="0">
+              <a:rPr lang="en-US" altLang="ko-KR" sz="3600">
                 <a:solidFill>
                   <a:srgbClr val="FF0000"/>
                 </a:solidFill>
@@ -11285,7 +11308,7 @@
           <p:cNvPr id="9" name="직선 화살표 연결선 8">
             <a:extLst>
               <a:ext uri="{FF2B5EF4-FFF2-40B4-BE49-F238E27FC236}">
-                <a16:creationId xmlns:a16="http://schemas.microsoft.com/office/drawing/2014/main" xmlns="" id="{299DF5EC-9DF4-5255-06AC-0A7CE4FF58C3}"/>
+                <a16:creationId xmlns:a16="http://schemas.microsoft.com/office/drawing/2014/main" id="{299DF5EC-9DF4-5255-06AC-0A7CE4FF58C3}"/>
               </a:ext>
             </a:extLst>
           </p:cNvPr>
@@ -11326,7 +11349,7 @@
           <p:cNvPr id="10" name="TextBox 9">
             <a:extLst>
               <a:ext uri="{FF2B5EF4-FFF2-40B4-BE49-F238E27FC236}">
-                <a16:creationId xmlns:a16="http://schemas.microsoft.com/office/drawing/2014/main" xmlns="" id="{C6D113C6-EA5C-788F-0C77-E7CE6EBB865F}"/>
+                <a16:creationId xmlns:a16="http://schemas.microsoft.com/office/drawing/2014/main" id="{C6D113C6-EA5C-788F-0C77-E7CE6EBB865F}"/>
               </a:ext>
             </a:extLst>
           </p:cNvPr>
@@ -11350,7 +11373,7 @@
           <a:lstStyle/>
           <a:p>
             <a:r>
-              <a:rPr lang="ko-KR" altLang="en-US" sz="3600" smtClean="0">
+              <a:rPr lang="ko-KR" altLang="en-US" sz="3600">
                 <a:solidFill>
                   <a:srgbClr val="FF0000"/>
                 </a:solidFill>
@@ -11360,7 +11383,7 @@
               <a:t>멤버변수이기에 클래스 내부 어디서든 사용가능하다</a:t>
             </a:r>
             <a:r>
-              <a:rPr lang="en-US" altLang="ko-KR" sz="3600" smtClean="0">
+              <a:rPr lang="en-US" altLang="ko-KR" sz="3600">
                 <a:solidFill>
                   <a:srgbClr val="FF0000"/>
                 </a:solidFill>
@@ -11389,13 +11412,6 @@
   <p:clrMapOvr>
     <a:masterClrMapping/>
   </p:clrMapOvr>
-  <p:timing>
-    <p:tnLst>
-      <p:par>
-        <p:cTn id="1" dur="indefinite" restart="never" nodeType="tmRoot"/>
-      </p:par>
-    </p:tnLst>
-  </p:timing>
 </p:sld>
 </file>
 
@@ -11445,7 +11461,7 @@
           <p:cNvPr id="6" name="TextBox 5">
             <a:extLst>
               <a:ext uri="{FF2B5EF4-FFF2-40B4-BE49-F238E27FC236}">
-                <a16:creationId xmlns:a16="http://schemas.microsoft.com/office/drawing/2014/main" xmlns="" id="{DF7DDD33-9412-2802-339A-E55446AC2DA7}"/>
+                <a16:creationId xmlns:a16="http://schemas.microsoft.com/office/drawing/2014/main" id="{DF7DDD33-9412-2802-339A-E55446AC2DA7}"/>
               </a:ext>
             </a:extLst>
           </p:cNvPr>
@@ -11469,7 +11485,7 @@
           <a:lstStyle/>
           <a:p>
             <a:r>
-              <a:rPr lang="en-US" altLang="ko-KR" sz="4400" smtClean="0">
+              <a:rPr lang="en-US" altLang="ko-KR" sz="4400">
                 <a:solidFill>
                   <a:srgbClr val="4C50BC"/>
                 </a:solidFill>
@@ -11479,7 +11495,7 @@
               <a:t>this</a:t>
             </a:r>
             <a:r>
-              <a:rPr lang="ko-KR" altLang="en-US" sz="4400" smtClean="0">
+              <a:rPr lang="ko-KR" altLang="en-US" sz="4400">
                 <a:solidFill>
                   <a:srgbClr val="4C50BC"/>
                 </a:solidFill>
@@ -11551,7 +11567,7 @@
           <p:cNvPr id="9" name="직선 화살표 연결선 8">
             <a:extLst>
               <a:ext uri="{FF2B5EF4-FFF2-40B4-BE49-F238E27FC236}">
-                <a16:creationId xmlns:a16="http://schemas.microsoft.com/office/drawing/2014/main" xmlns="" id="{299DF5EC-9DF4-5255-06AC-0A7CE4FF58C3}"/>
+                <a16:creationId xmlns:a16="http://schemas.microsoft.com/office/drawing/2014/main" id="{299DF5EC-9DF4-5255-06AC-0A7CE4FF58C3}"/>
               </a:ext>
             </a:extLst>
           </p:cNvPr>
@@ -11592,7 +11608,7 @@
           <p:cNvPr id="12" name="직사각형 11">
             <a:extLst>
               <a:ext uri="{FF2B5EF4-FFF2-40B4-BE49-F238E27FC236}">
-                <a16:creationId xmlns:a16="http://schemas.microsoft.com/office/drawing/2014/main" xmlns="" id="{FFF506F9-840A-0508-4CAF-3AC711D8D5CE}"/>
+                <a16:creationId xmlns:a16="http://schemas.microsoft.com/office/drawing/2014/main" id="{FFF506F9-840A-0508-4CAF-3AC711D8D5CE}"/>
               </a:ext>
             </a:extLst>
           </p:cNvPr>
@@ -11644,7 +11660,7 @@
           <p:cNvPr id="13" name="직사각형 12">
             <a:extLst>
               <a:ext uri="{FF2B5EF4-FFF2-40B4-BE49-F238E27FC236}">
-                <a16:creationId xmlns:a16="http://schemas.microsoft.com/office/drawing/2014/main" xmlns="" id="{FFF506F9-840A-0508-4CAF-3AC711D8D5CE}"/>
+                <a16:creationId xmlns:a16="http://schemas.microsoft.com/office/drawing/2014/main" id="{FFF506F9-840A-0508-4CAF-3AC711D8D5CE}"/>
               </a:ext>
             </a:extLst>
           </p:cNvPr>
@@ -11696,7 +11712,7 @@
           <p:cNvPr id="14" name="직선 화살표 연결선 13">
             <a:extLst>
               <a:ext uri="{FF2B5EF4-FFF2-40B4-BE49-F238E27FC236}">
-                <a16:creationId xmlns:a16="http://schemas.microsoft.com/office/drawing/2014/main" xmlns="" id="{299DF5EC-9DF4-5255-06AC-0A7CE4FF58C3}"/>
+                <a16:creationId xmlns:a16="http://schemas.microsoft.com/office/drawing/2014/main" id="{299DF5EC-9DF4-5255-06AC-0A7CE4FF58C3}"/>
               </a:ext>
             </a:extLst>
           </p:cNvPr>
@@ -11737,7 +11753,7 @@
           <p:cNvPr id="17" name="TextBox 16">
             <a:extLst>
               <a:ext uri="{FF2B5EF4-FFF2-40B4-BE49-F238E27FC236}">
-                <a16:creationId xmlns:a16="http://schemas.microsoft.com/office/drawing/2014/main" xmlns="" id="{C6D113C6-EA5C-788F-0C77-E7CE6EBB865F}"/>
+                <a16:creationId xmlns:a16="http://schemas.microsoft.com/office/drawing/2014/main" id="{C6D113C6-EA5C-788F-0C77-E7CE6EBB865F}"/>
               </a:ext>
             </a:extLst>
           </p:cNvPr>
@@ -11761,7 +11777,7 @@
           <a:lstStyle/>
           <a:p>
             <a:r>
-              <a:rPr lang="en-US" altLang="ko-KR" sz="3600" smtClean="0">
+              <a:rPr lang="en-US" altLang="ko-KR" sz="3600">
                 <a:solidFill>
                   <a:srgbClr val="FF0000"/>
                 </a:solidFill>
@@ -11771,7 +11787,7 @@
               <a:t>bird1</a:t>
             </a:r>
             <a:r>
-              <a:rPr lang="ko-KR" altLang="en-US" sz="3600" smtClean="0">
+              <a:rPr lang="ko-KR" altLang="en-US" sz="3600">
                 <a:solidFill>
                   <a:srgbClr val="FF0000"/>
                 </a:solidFill>
@@ -11781,7 +11797,7 @@
               <a:t>과 </a:t>
             </a:r>
             <a:r>
-              <a:rPr lang="en-US" altLang="ko-KR" sz="3600" smtClean="0">
+              <a:rPr lang="en-US" altLang="ko-KR" sz="3600">
                 <a:solidFill>
                   <a:srgbClr val="FF0000"/>
                 </a:solidFill>
@@ -11791,7 +11807,7 @@
               <a:t>this</a:t>
             </a:r>
             <a:r>
-              <a:rPr lang="ko-KR" altLang="en-US" sz="3600" smtClean="0">
+              <a:rPr lang="ko-KR" altLang="en-US" sz="3600">
                 <a:solidFill>
                   <a:srgbClr val="FF0000"/>
                 </a:solidFill>
@@ -11801,7 +11817,7 @@
               <a:t>는 같은 주소를 가지고 있다</a:t>
             </a:r>
             <a:r>
-              <a:rPr lang="en-US" altLang="ko-KR" sz="3600" smtClean="0">
+              <a:rPr lang="en-US" altLang="ko-KR" sz="3600">
                 <a:solidFill>
                   <a:srgbClr val="FF0000"/>
                 </a:solidFill>
@@ -12071,7 +12087,7 @@
           <p:cNvPr id="11" name="TextBox 10">
             <a:extLst>
               <a:ext uri="{FF2B5EF4-FFF2-40B4-BE49-F238E27FC236}">
-                <a16:creationId xmlns:a16="http://schemas.microsoft.com/office/drawing/2014/main" xmlns="" id="{C6D113C6-EA5C-788F-0C77-E7CE6EBB865F}"/>
+                <a16:creationId xmlns:a16="http://schemas.microsoft.com/office/drawing/2014/main" id="{C6D113C6-EA5C-788F-0C77-E7CE6EBB865F}"/>
               </a:ext>
             </a:extLst>
           </p:cNvPr>
@@ -12095,7 +12111,7 @@
           <a:lstStyle/>
           <a:p>
             <a:r>
-              <a:rPr lang="en-US" altLang="ko-KR" sz="4800" smtClean="0">
+              <a:rPr lang="en-US" altLang="ko-KR" sz="4800">
                 <a:solidFill>
                   <a:srgbClr val="FF0000"/>
                 </a:solidFill>
@@ -12105,7 +12121,7 @@
               <a:t>this</a:t>
             </a:r>
             <a:r>
-              <a:rPr lang="ko-KR" altLang="en-US" sz="4800" smtClean="0">
+              <a:rPr lang="ko-KR" altLang="en-US" sz="4800">
                 <a:solidFill>
                   <a:srgbClr val="FF0000"/>
                 </a:solidFill>
@@ -12115,7 +12131,7 @@
               <a:t>는 호출하는 객체의 주소를 가진다</a:t>
             </a:r>
             <a:r>
-              <a:rPr lang="en-US" altLang="ko-KR" sz="4800" smtClean="0">
+              <a:rPr lang="en-US" altLang="ko-KR" sz="4800">
                 <a:solidFill>
                   <a:srgbClr val="FF0000"/>
                 </a:solidFill>
@@ -12144,13 +12160,6 @@
   <p:clrMapOvr>
     <a:masterClrMapping/>
   </p:clrMapOvr>
-  <p:timing>
-    <p:tnLst>
-      <p:par>
-        <p:cTn id="1" dur="indefinite" restart="never" nodeType="tmRoot"/>
-      </p:par>
-    </p:tnLst>
-  </p:timing>
 </p:sld>
 </file>
 
@@ -12176,7 +12185,7 @@
           <p:cNvPr id="4" name="TextBox 3">
             <a:extLst>
               <a:ext uri="{FF2B5EF4-FFF2-40B4-BE49-F238E27FC236}">
-                <a16:creationId xmlns:a16="http://schemas.microsoft.com/office/drawing/2014/main" xmlns="" id="{DF7DDD33-9412-2802-339A-E55446AC2DA7}"/>
+                <a16:creationId xmlns:a16="http://schemas.microsoft.com/office/drawing/2014/main" id="{DF7DDD33-9412-2802-339A-E55446AC2DA7}"/>
               </a:ext>
             </a:extLst>
           </p:cNvPr>
@@ -12200,7 +12209,7 @@
           <a:lstStyle/>
           <a:p>
             <a:r>
-              <a:rPr lang="ko-KR" altLang="en-US" sz="4400" smtClean="0">
+              <a:rPr lang="ko-KR" altLang="en-US" sz="4400">
                 <a:solidFill>
                   <a:srgbClr val="4C50BC"/>
                 </a:solidFill>
@@ -12210,7 +12219,7 @@
               <a:t>왜 필요할까</a:t>
             </a:r>
             <a:r>
-              <a:rPr lang="en-US" altLang="ko-KR" sz="4400" smtClean="0">
+              <a:rPr lang="en-US" altLang="ko-KR" sz="4400">
                 <a:solidFill>
                   <a:srgbClr val="4C50BC"/>
                 </a:solidFill>
@@ -12239,13 +12248,6 @@
   <p:clrMapOvr>
     <a:masterClrMapping/>
   </p:clrMapOvr>
-  <p:timing>
-    <p:tnLst>
-      <p:par>
-        <p:cTn id="1" dur="indefinite" restart="never" nodeType="tmRoot"/>
-      </p:par>
-    </p:tnLst>
-  </p:timing>
 </p:sld>
 </file>
 
@@ -12268,7 +12270,13 @@
       </p:grpSpPr>
       <p:pic>
         <p:nvPicPr>
-          <p:cNvPr id="4" name="그림 3"/>
+          <p:cNvPr id="22" name="그림 21">
+            <a:extLst>
+              <a:ext uri="{FF2B5EF4-FFF2-40B4-BE49-F238E27FC236}">
+                <a16:creationId xmlns:a16="http://schemas.microsoft.com/office/drawing/2014/main" id="{65F93672-3CDA-556D-F172-727A6B0A8A21}"/>
+              </a:ext>
+            </a:extLst>
+          </p:cNvPr>
           <p:cNvPicPr>
             <a:picLocks noChangeAspect="1"/>
           </p:cNvPicPr>
@@ -12282,8 +12290,38 @@
         </p:blipFill>
         <p:spPr>
           <a:xfrm>
-            <a:off x="762000" y="190500"/>
-            <a:ext cx="4724400" cy="7373227"/>
+            <a:off x="8938268" y="114300"/>
+            <a:ext cx="5920732" cy="7186679"/>
+          </a:xfrm>
+          <a:prstGeom prst="rect">
+            <a:avLst/>
+          </a:prstGeom>
+        </p:spPr>
+      </p:pic>
+      <p:pic>
+        <p:nvPicPr>
+          <p:cNvPr id="13" name="그림 12">
+            <a:extLst>
+              <a:ext uri="{FF2B5EF4-FFF2-40B4-BE49-F238E27FC236}">
+                <a16:creationId xmlns:a16="http://schemas.microsoft.com/office/drawing/2014/main" id="{C1E529A5-F9D1-4F25-85E3-337590BC0002}"/>
+              </a:ext>
+            </a:extLst>
+          </p:cNvPr>
+          <p:cNvPicPr>
+            <a:picLocks noChangeAspect="1"/>
+          </p:cNvPicPr>
+          <p:nvPr/>
+        </p:nvPicPr>
+        <p:blipFill>
+          <a:blip r:embed="rId3"/>
+          <a:stretch>
+            <a:fillRect/>
+          </a:stretch>
+        </p:blipFill>
+        <p:spPr>
+          <a:xfrm>
+            <a:off x="609600" y="563915"/>
+            <a:ext cx="4993514" cy="6342129"/>
           </a:xfrm>
           <a:prstGeom prst="rect">
             <a:avLst/>
@@ -12295,7 +12333,7 @@
           <p:cNvPr id="5" name="직선 화살표 연결선 4">
             <a:extLst>
               <a:ext uri="{FF2B5EF4-FFF2-40B4-BE49-F238E27FC236}">
-                <a16:creationId xmlns:a16="http://schemas.microsoft.com/office/drawing/2014/main" xmlns="" id="{299DF5EC-9DF4-5255-06AC-0A7CE4FF58C3}"/>
+                <a16:creationId xmlns:a16="http://schemas.microsoft.com/office/drawing/2014/main" id="{299DF5EC-9DF4-5255-06AC-0A7CE4FF58C3}"/>
               </a:ext>
             </a:extLst>
           </p:cNvPr>
@@ -12336,7 +12374,7 @@
           <p:cNvPr id="6" name="직사각형 5">
             <a:extLst>
               <a:ext uri="{FF2B5EF4-FFF2-40B4-BE49-F238E27FC236}">
-                <a16:creationId xmlns:a16="http://schemas.microsoft.com/office/drawing/2014/main" xmlns="" id="{FFF506F9-840A-0508-4CAF-3AC711D8D5CE}"/>
+                <a16:creationId xmlns:a16="http://schemas.microsoft.com/office/drawing/2014/main" id="{FFF506F9-840A-0508-4CAF-3AC711D8D5CE}"/>
               </a:ext>
             </a:extLst>
           </p:cNvPr>
@@ -12388,7 +12426,7 @@
           <p:cNvPr id="7" name="TextBox 6">
             <a:extLst>
               <a:ext uri="{FF2B5EF4-FFF2-40B4-BE49-F238E27FC236}">
-                <a16:creationId xmlns:a16="http://schemas.microsoft.com/office/drawing/2014/main" xmlns="" id="{C6D113C6-EA5C-788F-0C77-E7CE6EBB865F}"/>
+                <a16:creationId xmlns:a16="http://schemas.microsoft.com/office/drawing/2014/main" id="{C6D113C6-EA5C-788F-0C77-E7CE6EBB865F}"/>
               </a:ext>
             </a:extLst>
           </p:cNvPr>
@@ -12412,7 +12450,7 @@
           <a:lstStyle/>
           <a:p>
             <a:r>
-              <a:rPr lang="ko-KR" altLang="en-US" sz="3600" smtClean="0">
+              <a:rPr lang="ko-KR" altLang="en-US" sz="3600">
                 <a:solidFill>
                   <a:srgbClr val="FF0000"/>
                 </a:solidFill>
@@ -12422,7 +12460,7 @@
               <a:t>지역변수가 우선시되어 멤버변수 </a:t>
             </a:r>
             <a:r>
-              <a:rPr lang="en-US" altLang="ko-KR" sz="3600" smtClean="0">
+              <a:rPr lang="en-US" altLang="ko-KR" sz="3600">
                 <a:solidFill>
                   <a:srgbClr val="FF0000"/>
                 </a:solidFill>
@@ -12432,7 +12470,7 @@
               <a:t>age</a:t>
             </a:r>
             <a:r>
-              <a:rPr lang="ko-KR" altLang="en-US" sz="3600" smtClean="0">
+              <a:rPr lang="ko-KR" altLang="en-US" sz="3600">
                 <a:solidFill>
                   <a:srgbClr val="FF0000"/>
                 </a:solidFill>
@@ -12442,7 +12480,7 @@
               <a:t>에 값을 저장할수 없다</a:t>
             </a:r>
             <a:r>
-              <a:rPr lang="en-US" altLang="ko-KR" sz="3600" smtClean="0">
+              <a:rPr lang="en-US" altLang="ko-KR" sz="3600">
                 <a:solidFill>
                   <a:srgbClr val="FF0000"/>
                 </a:solidFill>
@@ -12461,36 +12499,12 @@
           </a:p>
         </p:txBody>
       </p:sp>
-      <p:pic>
-        <p:nvPicPr>
-          <p:cNvPr id="9" name="그림 8"/>
-          <p:cNvPicPr>
-            <a:picLocks noChangeAspect="1"/>
-          </p:cNvPicPr>
-          <p:nvPr/>
-        </p:nvPicPr>
-        <p:blipFill>
-          <a:blip r:embed="rId3"/>
-          <a:stretch>
-            <a:fillRect/>
-          </a:stretch>
-        </p:blipFill>
-        <p:spPr>
-          <a:xfrm>
-            <a:off x="9220200" y="201637"/>
-            <a:ext cx="5334000" cy="6760308"/>
-          </a:xfrm>
-          <a:prstGeom prst="rect">
-            <a:avLst/>
-          </a:prstGeom>
-        </p:spPr>
-      </p:pic>
       <p:cxnSp>
         <p:nvCxnSpPr>
           <p:cNvPr id="10" name="직선 화살표 연결선 9">
             <a:extLst>
               <a:ext uri="{FF2B5EF4-FFF2-40B4-BE49-F238E27FC236}">
-                <a16:creationId xmlns:a16="http://schemas.microsoft.com/office/drawing/2014/main" xmlns="" id="{299DF5EC-9DF4-5255-06AC-0A7CE4FF58C3}"/>
+                <a16:creationId xmlns:a16="http://schemas.microsoft.com/office/drawing/2014/main" id="{299DF5EC-9DF4-5255-06AC-0A7CE4FF58C3}"/>
               </a:ext>
             </a:extLst>
           </p:cNvPr>
@@ -12531,7 +12545,7 @@
           <p:cNvPr id="11" name="직사각형 10">
             <a:extLst>
               <a:ext uri="{FF2B5EF4-FFF2-40B4-BE49-F238E27FC236}">
-                <a16:creationId xmlns:a16="http://schemas.microsoft.com/office/drawing/2014/main" xmlns="" id="{FFF506F9-840A-0508-4CAF-3AC711D8D5CE}"/>
+                <a16:creationId xmlns:a16="http://schemas.microsoft.com/office/drawing/2014/main" id="{FFF506F9-840A-0508-4CAF-3AC711D8D5CE}"/>
               </a:ext>
             </a:extLst>
           </p:cNvPr>
@@ -12583,7 +12597,7 @@
           <p:cNvPr id="12" name="TextBox 11">
             <a:extLst>
               <a:ext uri="{FF2B5EF4-FFF2-40B4-BE49-F238E27FC236}">
-                <a16:creationId xmlns:a16="http://schemas.microsoft.com/office/drawing/2014/main" xmlns="" id="{C6D113C6-EA5C-788F-0C77-E7CE6EBB865F}"/>
+                <a16:creationId xmlns:a16="http://schemas.microsoft.com/office/drawing/2014/main" id="{C6D113C6-EA5C-788F-0C77-E7CE6EBB865F}"/>
               </a:ext>
             </a:extLst>
           </p:cNvPr>
@@ -12607,7 +12621,7 @@
           <a:lstStyle/>
           <a:p>
             <a:r>
-              <a:rPr lang="ko-KR" altLang="en-US" sz="3600" smtClean="0">
+              <a:rPr lang="ko-KR" altLang="en-US" sz="3600">
                 <a:solidFill>
                   <a:srgbClr val="FF0000"/>
                 </a:solidFill>
@@ -12617,7 +12631,7 @@
               <a:t>클래스밖에서 사용하듯이 참조변수를 이용해 접근하면 무조건 멤버변수이다</a:t>
             </a:r>
             <a:r>
-              <a:rPr lang="en-US" altLang="ko-KR" sz="3600" smtClean="0">
+              <a:rPr lang="en-US" altLang="ko-KR" sz="3600">
                 <a:solidFill>
                   <a:srgbClr val="FF0000"/>
                 </a:solidFill>
@@ -12629,7 +12643,7 @@
           </a:p>
           <a:p>
             <a:r>
-              <a:rPr lang="ko-KR" altLang="en-US" sz="3600" smtClean="0">
+              <a:rPr lang="ko-KR" altLang="en-US" sz="3600">
                 <a:solidFill>
                   <a:srgbClr val="FF0000"/>
                 </a:solidFill>
@@ -12639,7 +12653,7 @@
               <a:t>클래스 밖에서는 지역변수를 사용할수 없다</a:t>
             </a:r>
             <a:r>
-              <a:rPr lang="en-US" altLang="ko-KR" sz="3600" smtClean="0">
+              <a:rPr lang="en-US" altLang="ko-KR" sz="3600">
                 <a:solidFill>
                   <a:srgbClr val="FF0000"/>
                 </a:solidFill>
@@ -12663,7 +12677,7 @@
           <p:cNvPr id="14" name="그룹 1008">
             <a:extLst>
               <a:ext uri="{FF2B5EF4-FFF2-40B4-BE49-F238E27FC236}">
-                <a16:creationId xmlns:a16="http://schemas.microsoft.com/office/drawing/2014/main" xmlns="" id="{678F6342-C505-E8AD-ADA4-022CB2C2088E}"/>
+                <a16:creationId xmlns:a16="http://schemas.microsoft.com/office/drawing/2014/main" id="{678F6342-C505-E8AD-ADA4-022CB2C2088E}"/>
               </a:ext>
             </a:extLst>
           </p:cNvPr>
@@ -12683,7 +12697,7 @@
             <p:cNvPr id="15" name="그룹 1009">
               <a:extLst>
                 <a:ext uri="{FF2B5EF4-FFF2-40B4-BE49-F238E27FC236}">
-                  <a16:creationId xmlns:a16="http://schemas.microsoft.com/office/drawing/2014/main" xmlns="" id="{4E1F1FED-812B-9BBB-925A-84B54A077414}"/>
+                  <a16:creationId xmlns:a16="http://schemas.microsoft.com/office/drawing/2014/main" id="{4E1F1FED-812B-9BBB-925A-84B54A077414}"/>
                 </a:ext>
               </a:extLst>
             </p:cNvPr>
@@ -12703,7 +12717,7 @@
               <p:cNvPr id="20" name="Object 29">
                 <a:extLst>
                   <a:ext uri="{FF2B5EF4-FFF2-40B4-BE49-F238E27FC236}">
-                    <a16:creationId xmlns:a16="http://schemas.microsoft.com/office/drawing/2014/main" xmlns="" id="{7B078609-4286-7B00-51EB-809C8E2DE289}"/>
+                    <a16:creationId xmlns:a16="http://schemas.microsoft.com/office/drawing/2014/main" id="{7B078609-4286-7B00-51EB-809C8E2DE289}"/>
                   </a:ext>
                 </a:extLst>
               </p:cNvPr>
@@ -12734,7 +12748,7 @@
             <p:cNvPr id="16" name="그룹 1010">
               <a:extLst>
                 <a:ext uri="{FF2B5EF4-FFF2-40B4-BE49-F238E27FC236}">
-                  <a16:creationId xmlns:a16="http://schemas.microsoft.com/office/drawing/2014/main" xmlns="" id="{02A649BF-B5B5-FBAF-7DFD-E118A4DF8907}"/>
+                  <a16:creationId xmlns:a16="http://schemas.microsoft.com/office/drawing/2014/main" id="{02A649BF-B5B5-FBAF-7DFD-E118A4DF8907}"/>
                 </a:ext>
               </a:extLst>
             </p:cNvPr>
@@ -12754,7 +12768,7 @@
               <p:cNvPr id="19" name="Object 32">
                 <a:extLst>
                   <a:ext uri="{FF2B5EF4-FFF2-40B4-BE49-F238E27FC236}">
-                    <a16:creationId xmlns:a16="http://schemas.microsoft.com/office/drawing/2014/main" xmlns="" id="{2A0FFF23-B3C9-3EA0-1C1B-A87D4FF098AE}"/>
+                    <a16:creationId xmlns:a16="http://schemas.microsoft.com/office/drawing/2014/main" id="{2A0FFF23-B3C9-3EA0-1C1B-A87D4FF098AE}"/>
                   </a:ext>
                 </a:extLst>
               </p:cNvPr>
@@ -12785,7 +12799,7 @@
             <p:cNvPr id="17" name="그룹 1011">
               <a:extLst>
                 <a:ext uri="{FF2B5EF4-FFF2-40B4-BE49-F238E27FC236}">
-                  <a16:creationId xmlns:a16="http://schemas.microsoft.com/office/drawing/2014/main" xmlns="" id="{881F5410-F7FB-F261-A584-707359BAC593}"/>
+                  <a16:creationId xmlns:a16="http://schemas.microsoft.com/office/drawing/2014/main" id="{881F5410-F7FB-F261-A584-707359BAC593}"/>
                 </a:ext>
               </a:extLst>
             </p:cNvPr>
@@ -12805,7 +12819,7 @@
               <p:cNvPr id="18" name="Object 35">
                 <a:extLst>
                   <a:ext uri="{FF2B5EF4-FFF2-40B4-BE49-F238E27FC236}">
-                    <a16:creationId xmlns:a16="http://schemas.microsoft.com/office/drawing/2014/main" xmlns="" id="{4E99E669-73EB-F9F4-EFE8-DC107035C265}"/>
+                    <a16:creationId xmlns:a16="http://schemas.microsoft.com/office/drawing/2014/main" id="{4E99E669-73EB-F9F4-EFE8-DC107035C265}"/>
                   </a:ext>
                 </a:extLst>
               </p:cNvPr>
@@ -12957,33 +12971,6 @@
                                           </p:stCondLst>
                                         </p:cTn>
                                         <p:tgtEl>
-                                          <p:spTgt spid="9"/>
-                                        </p:tgtEl>
-                                        <p:attrNameLst>
-                                          <p:attrName>style.visibility</p:attrName>
-                                        </p:attrNameLst>
-                                      </p:cBhvr>
-                                      <p:to>
-                                        <p:strVal val="visible"/>
-                                      </p:to>
-                                    </p:set>
-                                  </p:childTnLst>
-                                </p:cTn>
-                              </p:par>
-                              <p:par>
-                                <p:cTn id="13" presetID="1" presetClass="entr" presetSubtype="0" fill="hold" nodeType="withEffect">
-                                  <p:stCondLst>
-                                    <p:cond delay="0"/>
-                                  </p:stCondLst>
-                                  <p:childTnLst>
-                                    <p:set>
-                                      <p:cBhvr>
-                                        <p:cTn id="14" dur="1" fill="hold">
-                                          <p:stCondLst>
-                                            <p:cond delay="0"/>
-                                          </p:stCondLst>
-                                        </p:cTn>
-                                        <p:tgtEl>
                                           <p:spTgt spid="14"/>
                                         </p:tgtEl>
                                         <p:attrNameLst>
@@ -13054,7 +13041,7 @@
           <p:cNvPr id="4" name="TextBox 3">
             <a:extLst>
               <a:ext uri="{FF2B5EF4-FFF2-40B4-BE49-F238E27FC236}">
-                <a16:creationId xmlns:a16="http://schemas.microsoft.com/office/drawing/2014/main" xmlns="" id="{DF7DDD33-9412-2802-339A-E55446AC2DA7}"/>
+                <a16:creationId xmlns:a16="http://schemas.microsoft.com/office/drawing/2014/main" id="{DF7DDD33-9412-2802-339A-E55446AC2DA7}"/>
               </a:ext>
             </a:extLst>
           </p:cNvPr>
@@ -13126,7 +13113,7 @@
           <p:cNvPr id="6" name="직선 화살표 연결선 5">
             <a:extLst>
               <a:ext uri="{FF2B5EF4-FFF2-40B4-BE49-F238E27FC236}">
-                <a16:creationId xmlns:a16="http://schemas.microsoft.com/office/drawing/2014/main" xmlns="" id="{299DF5EC-9DF4-5255-06AC-0A7CE4FF58C3}"/>
+                <a16:creationId xmlns:a16="http://schemas.microsoft.com/office/drawing/2014/main" id="{299DF5EC-9DF4-5255-06AC-0A7CE4FF58C3}"/>
               </a:ext>
             </a:extLst>
           </p:cNvPr>
@@ -13167,7 +13154,7 @@
           <p:cNvPr id="7" name="TextBox 6">
             <a:extLst>
               <a:ext uri="{FF2B5EF4-FFF2-40B4-BE49-F238E27FC236}">
-                <a16:creationId xmlns:a16="http://schemas.microsoft.com/office/drawing/2014/main" xmlns="" id="{C6D113C6-EA5C-788F-0C77-E7CE6EBB865F}"/>
+                <a16:creationId xmlns:a16="http://schemas.microsoft.com/office/drawing/2014/main" id="{C6D113C6-EA5C-788F-0C77-E7CE6EBB865F}"/>
               </a:ext>
             </a:extLst>
           </p:cNvPr>
@@ -13477,7 +13464,7 @@
           <p:cNvPr id="7" name="TextBox 6">
             <a:extLst>
               <a:ext uri="{FF2B5EF4-FFF2-40B4-BE49-F238E27FC236}">
-                <a16:creationId xmlns:a16="http://schemas.microsoft.com/office/drawing/2014/main" xmlns="" id="{DF7DDD33-9412-2802-339A-E55446AC2DA7}"/>
+                <a16:creationId xmlns:a16="http://schemas.microsoft.com/office/drawing/2014/main" id="{DF7DDD33-9412-2802-339A-E55446AC2DA7}"/>
               </a:ext>
             </a:extLst>
           </p:cNvPr>
@@ -13525,7 +13512,7 @@
           <p:cNvPr id="8" name="TextBox 7">
             <a:extLst>
               <a:ext uri="{FF2B5EF4-FFF2-40B4-BE49-F238E27FC236}">
-                <a16:creationId xmlns:a16="http://schemas.microsoft.com/office/drawing/2014/main" xmlns="" id="{DF7DDD33-9412-2802-339A-E55446AC2DA7}"/>
+                <a16:creationId xmlns:a16="http://schemas.microsoft.com/office/drawing/2014/main" id="{DF7DDD33-9412-2802-339A-E55446AC2DA7}"/>
               </a:ext>
             </a:extLst>
           </p:cNvPr>
@@ -13588,14 +13575,6 @@
   <p:clrMapOvr>
     <a:masterClrMapping/>
   </p:clrMapOvr>
-  <mc:AlternateContent xmlns:mc="http://schemas.openxmlformats.org/markup-compatibility/2006">
-    <mc:Choice xmlns:p14="http://schemas.microsoft.com/office/powerpoint/2010/main" Requires="p14">
-      <p:transition spd="slow" p14:dur="2000"/>
-    </mc:Choice>
-    <mc:Fallback>
-      <p:transition spd="slow"/>
-    </mc:Fallback>
-  </mc:AlternateContent>
   <p:timing>
     <p:tnLst>
       <p:par>
@@ -13750,7 +13729,7 @@
           <p:cNvPr id="5" name="TextBox 4">
             <a:extLst>
               <a:ext uri="{FF2B5EF4-FFF2-40B4-BE49-F238E27FC236}">
-                <a16:creationId xmlns:a16="http://schemas.microsoft.com/office/drawing/2014/main" xmlns="" id="{C6D113C6-EA5C-788F-0C77-E7CE6EBB865F}"/>
+                <a16:creationId xmlns:a16="http://schemas.microsoft.com/office/drawing/2014/main" id="{C6D113C6-EA5C-788F-0C77-E7CE6EBB865F}"/>
               </a:ext>
             </a:extLst>
           </p:cNvPr>
@@ -13841,7 +13820,7 @@
           <p:cNvPr id="2" name="그림 1">
             <a:extLst>
               <a:ext uri="{FF2B5EF4-FFF2-40B4-BE49-F238E27FC236}">
-                <a16:creationId xmlns:a16="http://schemas.microsoft.com/office/drawing/2014/main" xmlns="" id="{8A56D6AF-060F-FC15-6FF2-10A4E602B228}"/>
+                <a16:creationId xmlns:a16="http://schemas.microsoft.com/office/drawing/2014/main" id="{8A56D6AF-060F-FC15-6FF2-10A4E602B228}"/>
               </a:ext>
             </a:extLst>
           </p:cNvPr>
@@ -13871,7 +13850,7 @@
           <p:cNvPr id="3" name="직선 화살표 연결선 2">
             <a:extLst>
               <a:ext uri="{FF2B5EF4-FFF2-40B4-BE49-F238E27FC236}">
-                <a16:creationId xmlns:a16="http://schemas.microsoft.com/office/drawing/2014/main" xmlns="" id="{1EDB5248-E8F9-1617-254A-04091D372669}"/>
+                <a16:creationId xmlns:a16="http://schemas.microsoft.com/office/drawing/2014/main" id="{1EDB5248-E8F9-1617-254A-04091D372669}"/>
               </a:ext>
             </a:extLst>
           </p:cNvPr>
@@ -13912,7 +13891,7 @@
           <p:cNvPr id="6" name="TextBox 5">
             <a:extLst>
               <a:ext uri="{FF2B5EF4-FFF2-40B4-BE49-F238E27FC236}">
-                <a16:creationId xmlns:a16="http://schemas.microsoft.com/office/drawing/2014/main" xmlns="" id="{00198A46-4233-7779-016C-8BC321C4A090}"/>
+                <a16:creationId xmlns:a16="http://schemas.microsoft.com/office/drawing/2014/main" id="{00198A46-4233-7779-016C-8BC321C4A090}"/>
               </a:ext>
             </a:extLst>
           </p:cNvPr>
@@ -13968,14 +13947,6 @@
   <p:clrMapOvr>
     <a:masterClrMapping/>
   </p:clrMapOvr>
-  <mc:AlternateContent xmlns:mc="http://schemas.openxmlformats.org/markup-compatibility/2006">
-    <mc:Choice xmlns:p14="http://schemas.microsoft.com/office/powerpoint/2010/main" Requires="p14">
-      <p:transition spd="slow" p14:dur="2000"/>
-    </mc:Choice>
-    <mc:Fallback>
-      <p:transition spd="slow"/>
-    </mc:Fallback>
-  </mc:AlternateContent>
   <p:timing>
     <p:tnLst>
       <p:par>
@@ -14079,7 +14050,7 @@
           <p:cNvPr id="4" name="TextBox 3">
             <a:extLst>
               <a:ext uri="{FF2B5EF4-FFF2-40B4-BE49-F238E27FC236}">
-                <a16:creationId xmlns:a16="http://schemas.microsoft.com/office/drawing/2014/main" xmlns="" id="{5ADC00B6-990A-40DC-3CEA-505258F5E8DA}"/>
+                <a16:creationId xmlns:a16="http://schemas.microsoft.com/office/drawing/2014/main" id="{5ADC00B6-990A-40DC-3CEA-505258F5E8DA}"/>
               </a:ext>
             </a:extLst>
           </p:cNvPr>
@@ -14137,7 +14108,7 @@
           <p:cNvPr id="5" name="TextBox 4">
             <a:extLst>
               <a:ext uri="{FF2B5EF4-FFF2-40B4-BE49-F238E27FC236}">
-                <a16:creationId xmlns:a16="http://schemas.microsoft.com/office/drawing/2014/main" xmlns="" id="{A2AD056B-97A4-5BCC-4460-250160F3E171}"/>
+                <a16:creationId xmlns:a16="http://schemas.microsoft.com/office/drawing/2014/main" id="{A2AD056B-97A4-5BCC-4460-250160F3E171}"/>
               </a:ext>
             </a:extLst>
           </p:cNvPr>
@@ -14327,7 +14298,7 @@
           <p:cNvPr id="3" name="그림 2">
             <a:extLst>
               <a:ext uri="{FF2B5EF4-FFF2-40B4-BE49-F238E27FC236}">
-                <a16:creationId xmlns:a16="http://schemas.microsoft.com/office/drawing/2014/main" xmlns="" id="{D01EB4A9-9A38-67EC-B71E-C0917F3E2B02}"/>
+                <a16:creationId xmlns:a16="http://schemas.microsoft.com/office/drawing/2014/main" id="{D01EB4A9-9A38-67EC-B71E-C0917F3E2B02}"/>
               </a:ext>
             </a:extLst>
           </p:cNvPr>
@@ -14357,7 +14328,7 @@
           <p:cNvPr id="9" name="그림 8">
             <a:extLst>
               <a:ext uri="{FF2B5EF4-FFF2-40B4-BE49-F238E27FC236}">
-                <a16:creationId xmlns:a16="http://schemas.microsoft.com/office/drawing/2014/main" xmlns="" id="{06F0AB7F-AE14-307A-65BF-50B875E48685}"/>
+                <a16:creationId xmlns:a16="http://schemas.microsoft.com/office/drawing/2014/main" id="{06F0AB7F-AE14-307A-65BF-50B875E48685}"/>
               </a:ext>
             </a:extLst>
           </p:cNvPr>
@@ -14392,13 +14363,6 @@
   <p:clrMapOvr>
     <a:masterClrMapping/>
   </p:clrMapOvr>
-  <p:timing>
-    <p:tnLst>
-      <p:par>
-        <p:cTn id="1" dur="indefinite" restart="never" nodeType="tmRoot"/>
-      </p:par>
-    </p:tnLst>
-  </p:timing>
 </p:sld>
 </file>
 
@@ -14612,7 +14576,7 @@
           <p:cNvPr id="2" name="TextBox 1">
             <a:extLst>
               <a:ext uri="{FF2B5EF4-FFF2-40B4-BE49-F238E27FC236}">
-                <a16:creationId xmlns:a16="http://schemas.microsoft.com/office/drawing/2014/main" xmlns="" id="{8D19D88B-9541-32D7-90F1-0C45C993E21C}"/>
+                <a16:creationId xmlns:a16="http://schemas.microsoft.com/office/drawing/2014/main" id="{8D19D88B-9541-32D7-90F1-0C45C993E21C}"/>
               </a:ext>
             </a:extLst>
           </p:cNvPr>
@@ -14685,7 +14649,7 @@
           <p:cNvPr id="9" name="그룹 8">
             <a:extLst>
               <a:ext uri="{FF2B5EF4-FFF2-40B4-BE49-F238E27FC236}">
-                <a16:creationId xmlns:a16="http://schemas.microsoft.com/office/drawing/2014/main" xmlns="" id="{6E8E91E4-4D10-B948-17D3-E1F13033763E}"/>
+                <a16:creationId xmlns:a16="http://schemas.microsoft.com/office/drawing/2014/main" id="{6E8E91E4-4D10-B948-17D3-E1F13033763E}"/>
               </a:ext>
             </a:extLst>
           </p:cNvPr>
@@ -14705,7 +14669,7 @@
             <p:cNvPr id="5" name="그림 4">
               <a:extLst>
                 <a:ext uri="{FF2B5EF4-FFF2-40B4-BE49-F238E27FC236}">
-                  <a16:creationId xmlns:a16="http://schemas.microsoft.com/office/drawing/2014/main" xmlns="" id="{FC77C676-BD8E-7279-64AF-0BFD5DB8DD50}"/>
+                  <a16:creationId xmlns:a16="http://schemas.microsoft.com/office/drawing/2014/main" id="{FC77C676-BD8E-7279-64AF-0BFD5DB8DD50}"/>
                 </a:ext>
               </a:extLst>
             </p:cNvPr>
@@ -14735,7 +14699,7 @@
             <p:cNvPr id="7" name="그림 6">
               <a:extLst>
                 <a:ext uri="{FF2B5EF4-FFF2-40B4-BE49-F238E27FC236}">
-                  <a16:creationId xmlns:a16="http://schemas.microsoft.com/office/drawing/2014/main" xmlns="" id="{CBEDC097-B0D5-D8F8-E19E-0CE13BBC68CE}"/>
+                  <a16:creationId xmlns:a16="http://schemas.microsoft.com/office/drawing/2014/main" id="{CBEDC097-B0D5-D8F8-E19E-0CE13BBC68CE}"/>
                 </a:ext>
               </a:extLst>
             </p:cNvPr>
@@ -14766,7 +14730,7 @@
           <p:cNvPr id="10" name="직선 화살표 연결선 9">
             <a:extLst>
               <a:ext uri="{FF2B5EF4-FFF2-40B4-BE49-F238E27FC236}">
-                <a16:creationId xmlns:a16="http://schemas.microsoft.com/office/drawing/2014/main" xmlns="" id="{73461F0C-B57C-11A1-8561-D5EFF9D3F735}"/>
+                <a16:creationId xmlns:a16="http://schemas.microsoft.com/office/drawing/2014/main" id="{73461F0C-B57C-11A1-8561-D5EFF9D3F735}"/>
               </a:ext>
             </a:extLst>
           </p:cNvPr>
@@ -14807,7 +14771,7 @@
           <p:cNvPr id="11" name="TextBox 10">
             <a:extLst>
               <a:ext uri="{FF2B5EF4-FFF2-40B4-BE49-F238E27FC236}">
-                <a16:creationId xmlns:a16="http://schemas.microsoft.com/office/drawing/2014/main" xmlns="" id="{D0FFC89C-96B0-B684-1D16-16ED1E9235BE}"/>
+                <a16:creationId xmlns:a16="http://schemas.microsoft.com/office/drawing/2014/main" id="{D0FFC89C-96B0-B684-1D16-16ED1E9235BE}"/>
               </a:ext>
             </a:extLst>
           </p:cNvPr>
@@ -14878,7 +14842,7 @@
           <p:cNvPr id="12" name="직선 화살표 연결선 11">
             <a:extLst>
               <a:ext uri="{FF2B5EF4-FFF2-40B4-BE49-F238E27FC236}">
-                <a16:creationId xmlns:a16="http://schemas.microsoft.com/office/drawing/2014/main" xmlns="" id="{81E2B92B-7F90-B72D-7827-A88A9F05D4B2}"/>
+                <a16:creationId xmlns:a16="http://schemas.microsoft.com/office/drawing/2014/main" id="{81E2B92B-7F90-B72D-7827-A88A9F05D4B2}"/>
               </a:ext>
             </a:extLst>
           </p:cNvPr>
@@ -14919,7 +14883,7 @@
           <p:cNvPr id="14" name="직선 화살표 연결선 13">
             <a:extLst>
               <a:ext uri="{FF2B5EF4-FFF2-40B4-BE49-F238E27FC236}">
-                <a16:creationId xmlns:a16="http://schemas.microsoft.com/office/drawing/2014/main" xmlns="" id="{E801C359-28E9-DBA9-798D-9B9FC7FBBEB1}"/>
+                <a16:creationId xmlns:a16="http://schemas.microsoft.com/office/drawing/2014/main" id="{E801C359-28E9-DBA9-798D-9B9FC7FBBEB1}"/>
               </a:ext>
             </a:extLst>
           </p:cNvPr>
@@ -14960,7 +14924,7 @@
           <p:cNvPr id="16" name="TextBox 15">
             <a:extLst>
               <a:ext uri="{FF2B5EF4-FFF2-40B4-BE49-F238E27FC236}">
-                <a16:creationId xmlns:a16="http://schemas.microsoft.com/office/drawing/2014/main" xmlns="" id="{D15846FF-94B2-2A26-97FA-DA8623CD808D}"/>
+                <a16:creationId xmlns:a16="http://schemas.microsoft.com/office/drawing/2014/main" id="{D15846FF-94B2-2A26-97FA-DA8623CD808D}"/>
               </a:ext>
             </a:extLst>
           </p:cNvPr>
@@ -15008,7 +14972,7 @@
           <p:cNvPr id="17" name="직사각형 16">
             <a:extLst>
               <a:ext uri="{FF2B5EF4-FFF2-40B4-BE49-F238E27FC236}">
-                <a16:creationId xmlns:a16="http://schemas.microsoft.com/office/drawing/2014/main" xmlns="" id="{E897FD1F-7BC4-1683-DA6C-4C8B7640C6DB}"/>
+                <a16:creationId xmlns:a16="http://schemas.microsoft.com/office/drawing/2014/main" id="{E897FD1F-7BC4-1683-DA6C-4C8B7640C6DB}"/>
               </a:ext>
             </a:extLst>
           </p:cNvPr>
@@ -15168,7 +15132,7 @@
           <p:cNvPr id="6" name="TextBox 5">
             <a:extLst>
               <a:ext uri="{FF2B5EF4-FFF2-40B4-BE49-F238E27FC236}">
-                <a16:creationId xmlns:a16="http://schemas.microsoft.com/office/drawing/2014/main" xmlns="" id="{B25BCF7D-0BC1-9114-5916-B786A8FD0B67}"/>
+                <a16:creationId xmlns:a16="http://schemas.microsoft.com/office/drawing/2014/main" id="{B25BCF7D-0BC1-9114-5916-B786A8FD0B67}"/>
               </a:ext>
             </a:extLst>
           </p:cNvPr>
@@ -15389,7 +15353,7 @@
           <p:cNvPr id="10" name="그림 9">
             <a:extLst>
               <a:ext uri="{FF2B5EF4-FFF2-40B4-BE49-F238E27FC236}">
-                <a16:creationId xmlns:a16="http://schemas.microsoft.com/office/drawing/2014/main" xmlns="" id="{26DDBE3D-03B6-A6D7-B6C0-16A6931F2D74}"/>
+                <a16:creationId xmlns:a16="http://schemas.microsoft.com/office/drawing/2014/main" id="{26DDBE3D-03B6-A6D7-B6C0-16A6931F2D74}"/>
               </a:ext>
             </a:extLst>
           </p:cNvPr>
@@ -15419,7 +15383,7 @@
           <p:cNvPr id="3" name="그림 2">
             <a:extLst>
               <a:ext uri="{FF2B5EF4-FFF2-40B4-BE49-F238E27FC236}">
-                <a16:creationId xmlns:a16="http://schemas.microsoft.com/office/drawing/2014/main" xmlns="" id="{2B481209-30DC-8A12-A7F5-6D89E5C31881}"/>
+                <a16:creationId xmlns:a16="http://schemas.microsoft.com/office/drawing/2014/main" id="{2B481209-30DC-8A12-A7F5-6D89E5C31881}"/>
               </a:ext>
             </a:extLst>
           </p:cNvPr>
@@ -15454,13 +15418,6 @@
   <p:clrMapOvr>
     <a:masterClrMapping/>
   </p:clrMapOvr>
-  <p:timing>
-    <p:tnLst>
-      <p:par>
-        <p:cTn id="1" dur="indefinite" restart="never" nodeType="tmRoot"/>
-      </p:par>
-    </p:tnLst>
-  </p:timing>
 </p:sld>
 </file>
 
@@ -15486,7 +15443,7 @@
           <p:cNvPr id="2" name="TextBox 1">
             <a:extLst>
               <a:ext uri="{FF2B5EF4-FFF2-40B4-BE49-F238E27FC236}">
-                <a16:creationId xmlns:a16="http://schemas.microsoft.com/office/drawing/2014/main" xmlns="" id="{EC0C5CB0-065B-7FA5-FF43-C77AD2B07740}"/>
+                <a16:creationId xmlns:a16="http://schemas.microsoft.com/office/drawing/2014/main" id="{EC0C5CB0-065B-7FA5-FF43-C77AD2B07740}"/>
               </a:ext>
             </a:extLst>
           </p:cNvPr>
@@ -15534,7 +15491,7 @@
           <p:cNvPr id="4" name="그림 3">
             <a:extLst>
               <a:ext uri="{FF2B5EF4-FFF2-40B4-BE49-F238E27FC236}">
-                <a16:creationId xmlns:a16="http://schemas.microsoft.com/office/drawing/2014/main" xmlns="" id="{BCD7D187-06D7-7C07-42FE-10554D74D646}"/>
+                <a16:creationId xmlns:a16="http://schemas.microsoft.com/office/drawing/2014/main" id="{BCD7D187-06D7-7C07-42FE-10554D74D646}"/>
               </a:ext>
             </a:extLst>
           </p:cNvPr>
@@ -15564,7 +15521,7 @@
           <p:cNvPr id="5" name="직선 화살표 연결선 4">
             <a:extLst>
               <a:ext uri="{FF2B5EF4-FFF2-40B4-BE49-F238E27FC236}">
-                <a16:creationId xmlns:a16="http://schemas.microsoft.com/office/drawing/2014/main" xmlns="" id="{5F511D8E-3871-704B-C027-311C2DA837EB}"/>
+                <a16:creationId xmlns:a16="http://schemas.microsoft.com/office/drawing/2014/main" id="{5F511D8E-3871-704B-C027-311C2DA837EB}"/>
               </a:ext>
             </a:extLst>
           </p:cNvPr>
@@ -15605,7 +15562,7 @@
           <p:cNvPr id="6" name="직사각형 5">
             <a:extLst>
               <a:ext uri="{FF2B5EF4-FFF2-40B4-BE49-F238E27FC236}">
-                <a16:creationId xmlns:a16="http://schemas.microsoft.com/office/drawing/2014/main" xmlns="" id="{EB6665D4-BA53-0802-048B-7E997B1DF6D8}"/>
+                <a16:creationId xmlns:a16="http://schemas.microsoft.com/office/drawing/2014/main" id="{EB6665D4-BA53-0802-048B-7E997B1DF6D8}"/>
               </a:ext>
             </a:extLst>
           </p:cNvPr>
@@ -15657,7 +15614,7 @@
           <p:cNvPr id="7" name="TextBox 6">
             <a:extLst>
               <a:ext uri="{FF2B5EF4-FFF2-40B4-BE49-F238E27FC236}">
-                <a16:creationId xmlns:a16="http://schemas.microsoft.com/office/drawing/2014/main" xmlns="" id="{300D42C1-314A-1AEE-FC17-A8993AD347C1}"/>
+                <a16:creationId xmlns:a16="http://schemas.microsoft.com/office/drawing/2014/main" id="{300D42C1-314A-1AEE-FC17-A8993AD347C1}"/>
               </a:ext>
             </a:extLst>
           </p:cNvPr>
@@ -15748,7 +15705,7 @@
           <p:cNvPr id="9" name="직사각형 8">
             <a:extLst>
               <a:ext uri="{FF2B5EF4-FFF2-40B4-BE49-F238E27FC236}">
-                <a16:creationId xmlns:a16="http://schemas.microsoft.com/office/drawing/2014/main" xmlns="" id="{4A27CCE5-46F4-7571-8023-C80A092954BB}"/>
+                <a16:creationId xmlns:a16="http://schemas.microsoft.com/office/drawing/2014/main" id="{4A27CCE5-46F4-7571-8023-C80A092954BB}"/>
               </a:ext>
             </a:extLst>
           </p:cNvPr>
@@ -15908,7 +15865,7 @@
           <p:cNvPr id="6" name="TextBox 5">
             <a:extLst>
               <a:ext uri="{FF2B5EF4-FFF2-40B4-BE49-F238E27FC236}">
-                <a16:creationId xmlns:a16="http://schemas.microsoft.com/office/drawing/2014/main" xmlns="" id="{3ABE030A-9E8F-F8D0-0529-3326D3C33C06}"/>
+                <a16:creationId xmlns:a16="http://schemas.microsoft.com/office/drawing/2014/main" id="{3ABE030A-9E8F-F8D0-0529-3326D3C33C06}"/>
               </a:ext>
             </a:extLst>
           </p:cNvPr>
@@ -16263,7 +16220,7 @@
           <p:cNvPr id="3" name="그림 2">
             <a:extLst>
               <a:ext uri="{FF2B5EF4-FFF2-40B4-BE49-F238E27FC236}">
-                <a16:creationId xmlns:a16="http://schemas.microsoft.com/office/drawing/2014/main" xmlns="" id="{B467608B-17AD-97AF-B8E2-5A81619D18A1}"/>
+                <a16:creationId xmlns:a16="http://schemas.microsoft.com/office/drawing/2014/main" id="{B467608B-17AD-97AF-B8E2-5A81619D18A1}"/>
               </a:ext>
             </a:extLst>
           </p:cNvPr>
@@ -16293,7 +16250,7 @@
           <p:cNvPr id="5" name="그림 4">
             <a:extLst>
               <a:ext uri="{FF2B5EF4-FFF2-40B4-BE49-F238E27FC236}">
-                <a16:creationId xmlns:a16="http://schemas.microsoft.com/office/drawing/2014/main" xmlns="" id="{6A408723-6047-BF9E-A444-4A482BDF4E9D}"/>
+                <a16:creationId xmlns:a16="http://schemas.microsoft.com/office/drawing/2014/main" id="{6A408723-6047-BF9E-A444-4A482BDF4E9D}"/>
               </a:ext>
             </a:extLst>
           </p:cNvPr>
@@ -16328,13 +16285,6 @@
   <p:clrMapOvr>
     <a:masterClrMapping/>
   </p:clrMapOvr>
-  <p:timing>
-    <p:tnLst>
-      <p:par>
-        <p:cTn id="1" dur="indefinite" restart="never" nodeType="tmRoot"/>
-      </p:par>
-    </p:tnLst>
-  </p:timing>
 </p:sld>
 </file>
 
@@ -16360,7 +16310,7 @@
           <p:cNvPr id="2" name="TextBox 1">
             <a:extLst>
               <a:ext uri="{FF2B5EF4-FFF2-40B4-BE49-F238E27FC236}">
-                <a16:creationId xmlns:a16="http://schemas.microsoft.com/office/drawing/2014/main" xmlns="" id="{09BE8972-653C-8683-18AD-0DEBD8A0310C}"/>
+                <a16:creationId xmlns:a16="http://schemas.microsoft.com/office/drawing/2014/main" id="{09BE8972-653C-8683-18AD-0DEBD8A0310C}"/>
               </a:ext>
             </a:extLst>
           </p:cNvPr>
@@ -16408,7 +16358,7 @@
           <p:cNvPr id="4" name="그림 3">
             <a:extLst>
               <a:ext uri="{FF2B5EF4-FFF2-40B4-BE49-F238E27FC236}">
-                <a16:creationId xmlns:a16="http://schemas.microsoft.com/office/drawing/2014/main" xmlns="" id="{9008AAF9-5A78-2079-2F55-121DCD2CF51C}"/>
+                <a16:creationId xmlns:a16="http://schemas.microsoft.com/office/drawing/2014/main" id="{9008AAF9-5A78-2079-2F55-121DCD2CF51C}"/>
               </a:ext>
             </a:extLst>
           </p:cNvPr>
@@ -16438,7 +16388,7 @@
           <p:cNvPr id="5" name="직선 화살표 연결선 4">
             <a:extLst>
               <a:ext uri="{FF2B5EF4-FFF2-40B4-BE49-F238E27FC236}">
-                <a16:creationId xmlns:a16="http://schemas.microsoft.com/office/drawing/2014/main" xmlns="" id="{AE809B45-36F0-44DC-F182-A78C8AFD27AB}"/>
+                <a16:creationId xmlns:a16="http://schemas.microsoft.com/office/drawing/2014/main" id="{AE809B45-36F0-44DC-F182-A78C8AFD27AB}"/>
               </a:ext>
             </a:extLst>
           </p:cNvPr>
@@ -16479,7 +16429,7 @@
           <p:cNvPr id="6" name="직사각형 5">
             <a:extLst>
               <a:ext uri="{FF2B5EF4-FFF2-40B4-BE49-F238E27FC236}">
-                <a16:creationId xmlns:a16="http://schemas.microsoft.com/office/drawing/2014/main" xmlns="" id="{3B22551B-1FC8-FD3D-B6AC-7734D474069A}"/>
+                <a16:creationId xmlns:a16="http://schemas.microsoft.com/office/drawing/2014/main" id="{3B22551B-1FC8-FD3D-B6AC-7734D474069A}"/>
               </a:ext>
             </a:extLst>
           </p:cNvPr>
@@ -16531,7 +16481,7 @@
           <p:cNvPr id="7" name="TextBox 6">
             <a:extLst>
               <a:ext uri="{FF2B5EF4-FFF2-40B4-BE49-F238E27FC236}">
-                <a16:creationId xmlns:a16="http://schemas.microsoft.com/office/drawing/2014/main" xmlns="" id="{CB849EBE-3CD4-39AF-A004-79B4F6784137}"/>
+                <a16:creationId xmlns:a16="http://schemas.microsoft.com/office/drawing/2014/main" id="{CB849EBE-3CD4-39AF-A004-79B4F6784137}"/>
               </a:ext>
             </a:extLst>
           </p:cNvPr>
@@ -16692,7 +16642,7 @@
           <p:cNvPr id="8" name="직사각형 7">
             <a:extLst>
               <a:ext uri="{FF2B5EF4-FFF2-40B4-BE49-F238E27FC236}">
-                <a16:creationId xmlns:a16="http://schemas.microsoft.com/office/drawing/2014/main" xmlns="" id="{BE2A7C28-436D-1A92-1446-11A9FFF45F88}"/>
+                <a16:creationId xmlns:a16="http://schemas.microsoft.com/office/drawing/2014/main" id="{BE2A7C28-436D-1A92-1446-11A9FFF45F88}"/>
               </a:ext>
             </a:extLst>
           </p:cNvPr>
@@ -16744,7 +16694,7 @@
           <p:cNvPr id="9" name="직사각형 8">
             <a:extLst>
               <a:ext uri="{FF2B5EF4-FFF2-40B4-BE49-F238E27FC236}">
-                <a16:creationId xmlns:a16="http://schemas.microsoft.com/office/drawing/2014/main" xmlns="" id="{9F513C1C-EB01-725C-9BF9-A53EEE1B9700}"/>
+                <a16:creationId xmlns:a16="http://schemas.microsoft.com/office/drawing/2014/main" id="{9F513C1C-EB01-725C-9BF9-A53EEE1B9700}"/>
               </a:ext>
             </a:extLst>
           </p:cNvPr>
@@ -16796,7 +16746,7 @@
           <p:cNvPr id="11" name="직선 화살표 연결선 10">
             <a:extLst>
               <a:ext uri="{FF2B5EF4-FFF2-40B4-BE49-F238E27FC236}">
-                <a16:creationId xmlns:a16="http://schemas.microsoft.com/office/drawing/2014/main" xmlns="" id="{64CD52B3-C79B-3A76-BA6F-914229D9F589}"/>
+                <a16:creationId xmlns:a16="http://schemas.microsoft.com/office/drawing/2014/main" id="{64CD52B3-C79B-3A76-BA6F-914229D9F589}"/>
               </a:ext>
             </a:extLst>
           </p:cNvPr>
@@ -16837,7 +16787,7 @@
           <p:cNvPr id="13" name="직선 화살표 연결선 12">
             <a:extLst>
               <a:ext uri="{FF2B5EF4-FFF2-40B4-BE49-F238E27FC236}">
-                <a16:creationId xmlns:a16="http://schemas.microsoft.com/office/drawing/2014/main" xmlns="" id="{0CB43B55-74F6-F275-9D1B-2B0F180D003F}"/>
+                <a16:creationId xmlns:a16="http://schemas.microsoft.com/office/drawing/2014/main" id="{0CB43B55-74F6-F275-9D1B-2B0F180D003F}"/>
               </a:ext>
             </a:extLst>
           </p:cNvPr>
@@ -16878,7 +16828,7 @@
           <p:cNvPr id="15" name="직사각형 14">
             <a:extLst>
               <a:ext uri="{FF2B5EF4-FFF2-40B4-BE49-F238E27FC236}">
-                <a16:creationId xmlns:a16="http://schemas.microsoft.com/office/drawing/2014/main" xmlns="" id="{D467A0E1-55DF-52C7-9F8A-4372D35710A8}"/>
+                <a16:creationId xmlns:a16="http://schemas.microsoft.com/office/drawing/2014/main" id="{D467A0E1-55DF-52C7-9F8A-4372D35710A8}"/>
               </a:ext>
             </a:extLst>
           </p:cNvPr>
@@ -17038,7 +16988,7 @@
           <p:cNvPr id="4" name="TextBox 3">
             <a:extLst>
               <a:ext uri="{FF2B5EF4-FFF2-40B4-BE49-F238E27FC236}">
-                <a16:creationId xmlns:a16="http://schemas.microsoft.com/office/drawing/2014/main" xmlns="" id="{A2AD056B-97A4-5BCC-4460-250160F3E171}"/>
+                <a16:creationId xmlns:a16="http://schemas.microsoft.com/office/drawing/2014/main" id="{A2AD056B-97A4-5BCC-4460-250160F3E171}"/>
               </a:ext>
             </a:extLst>
           </p:cNvPr>
@@ -17589,7 +17539,7 @@
           <p:cNvPr id="5" name="그림 4">
             <a:extLst>
               <a:ext uri="{FF2B5EF4-FFF2-40B4-BE49-F238E27FC236}">
-                <a16:creationId xmlns:a16="http://schemas.microsoft.com/office/drawing/2014/main" xmlns="" id="{AFAD68E1-E53E-A649-B22F-2FE4956C1E6D}"/>
+                <a16:creationId xmlns:a16="http://schemas.microsoft.com/office/drawing/2014/main" id="{AFAD68E1-E53E-A649-B22F-2FE4956C1E6D}"/>
               </a:ext>
             </a:extLst>
           </p:cNvPr>
@@ -17619,7 +17569,7 @@
           <p:cNvPr id="6" name="TextBox 5">
             <a:extLst>
               <a:ext uri="{FF2B5EF4-FFF2-40B4-BE49-F238E27FC236}">
-                <a16:creationId xmlns:a16="http://schemas.microsoft.com/office/drawing/2014/main" xmlns="" id="{A207007B-1BC8-1388-2C31-03C92AE72613}"/>
+                <a16:creationId xmlns:a16="http://schemas.microsoft.com/office/drawing/2014/main" id="{A207007B-1BC8-1388-2C31-03C92AE72613}"/>
               </a:ext>
             </a:extLst>
           </p:cNvPr>
@@ -17667,7 +17617,7 @@
           <p:cNvPr id="8" name="그림 7">
             <a:extLst>
               <a:ext uri="{FF2B5EF4-FFF2-40B4-BE49-F238E27FC236}">
-                <a16:creationId xmlns:a16="http://schemas.microsoft.com/office/drawing/2014/main" xmlns="" id="{C68DE2AA-1C4B-E5F9-E001-BED58998BFA6}"/>
+                <a16:creationId xmlns:a16="http://schemas.microsoft.com/office/drawing/2014/main" id="{C68DE2AA-1C4B-E5F9-E001-BED58998BFA6}"/>
               </a:ext>
             </a:extLst>
           </p:cNvPr>
@@ -17697,7 +17647,7 @@
           <p:cNvPr id="9" name="직선 화살표 연결선 8">
             <a:extLst>
               <a:ext uri="{FF2B5EF4-FFF2-40B4-BE49-F238E27FC236}">
-                <a16:creationId xmlns:a16="http://schemas.microsoft.com/office/drawing/2014/main" xmlns="" id="{965FC0D5-AA0A-9709-2FE4-BA0CD0B932B7}"/>
+                <a16:creationId xmlns:a16="http://schemas.microsoft.com/office/drawing/2014/main" id="{965FC0D5-AA0A-9709-2FE4-BA0CD0B932B7}"/>
               </a:ext>
             </a:extLst>
           </p:cNvPr>
@@ -17738,7 +17688,7 @@
           <p:cNvPr id="10" name="직사각형 9">
             <a:extLst>
               <a:ext uri="{FF2B5EF4-FFF2-40B4-BE49-F238E27FC236}">
-                <a16:creationId xmlns:a16="http://schemas.microsoft.com/office/drawing/2014/main" xmlns="" id="{32A92ACA-4D80-6AE4-5A79-799AAAE041F3}"/>
+                <a16:creationId xmlns:a16="http://schemas.microsoft.com/office/drawing/2014/main" id="{32A92ACA-4D80-6AE4-5A79-799AAAE041F3}"/>
               </a:ext>
             </a:extLst>
           </p:cNvPr>
@@ -17790,7 +17740,7 @@
           <p:cNvPr id="11" name="TextBox 10">
             <a:extLst>
               <a:ext uri="{FF2B5EF4-FFF2-40B4-BE49-F238E27FC236}">
-                <a16:creationId xmlns:a16="http://schemas.microsoft.com/office/drawing/2014/main" xmlns="" id="{13E4EA50-8B53-4FC3-CD32-EB29AB221651}"/>
+                <a16:creationId xmlns:a16="http://schemas.microsoft.com/office/drawing/2014/main" id="{13E4EA50-8B53-4FC3-CD32-EB29AB221651}"/>
               </a:ext>
             </a:extLst>
           </p:cNvPr>
@@ -17851,7 +17801,7 @@
           <p:cNvPr id="12" name="직선 화살표 연결선 11">
             <a:extLst>
               <a:ext uri="{FF2B5EF4-FFF2-40B4-BE49-F238E27FC236}">
-                <a16:creationId xmlns:a16="http://schemas.microsoft.com/office/drawing/2014/main" xmlns="" id="{7C8B8470-7167-4EF0-BD08-D8D879CCFDA3}"/>
+                <a16:creationId xmlns:a16="http://schemas.microsoft.com/office/drawing/2014/main" id="{7C8B8470-7167-4EF0-BD08-D8D879CCFDA3}"/>
               </a:ext>
             </a:extLst>
           </p:cNvPr>
@@ -17892,7 +17842,7 @@
           <p:cNvPr id="13" name="직사각형 12">
             <a:extLst>
               <a:ext uri="{FF2B5EF4-FFF2-40B4-BE49-F238E27FC236}">
-                <a16:creationId xmlns:a16="http://schemas.microsoft.com/office/drawing/2014/main" xmlns="" id="{FD0277A3-2AA2-15DD-F226-5A60B9232E08}"/>
+                <a16:creationId xmlns:a16="http://schemas.microsoft.com/office/drawing/2014/main" id="{FD0277A3-2AA2-15DD-F226-5A60B9232E08}"/>
               </a:ext>
             </a:extLst>
           </p:cNvPr>
@@ -17944,7 +17894,7 @@
           <p:cNvPr id="14" name="TextBox 13">
             <a:extLst>
               <a:ext uri="{FF2B5EF4-FFF2-40B4-BE49-F238E27FC236}">
-                <a16:creationId xmlns:a16="http://schemas.microsoft.com/office/drawing/2014/main" xmlns="" id="{8D6B9908-3ECD-668C-1D19-40CEA40A06BE}"/>
+                <a16:creationId xmlns:a16="http://schemas.microsoft.com/office/drawing/2014/main" id="{8D6B9908-3ECD-668C-1D19-40CEA40A06BE}"/>
               </a:ext>
             </a:extLst>
           </p:cNvPr>
@@ -18075,7 +18025,7 @@
           <p:cNvPr id="17" name="직선 화살표 연결선 16">
             <a:extLst>
               <a:ext uri="{FF2B5EF4-FFF2-40B4-BE49-F238E27FC236}">
-                <a16:creationId xmlns:a16="http://schemas.microsoft.com/office/drawing/2014/main" xmlns="" id="{F3A9222A-913A-E3B3-5B0F-8F59EA0C9BBB}"/>
+                <a16:creationId xmlns:a16="http://schemas.microsoft.com/office/drawing/2014/main" id="{F3A9222A-913A-E3B3-5B0F-8F59EA0C9BBB}"/>
               </a:ext>
             </a:extLst>
           </p:cNvPr>
@@ -18116,7 +18066,7 @@
           <p:cNvPr id="18" name="TextBox 17">
             <a:extLst>
               <a:ext uri="{FF2B5EF4-FFF2-40B4-BE49-F238E27FC236}">
-                <a16:creationId xmlns:a16="http://schemas.microsoft.com/office/drawing/2014/main" xmlns="" id="{01929403-3294-3F57-0E97-552FFCFF4BFA}"/>
+                <a16:creationId xmlns:a16="http://schemas.microsoft.com/office/drawing/2014/main" id="{01929403-3294-3F57-0E97-552FFCFF4BFA}"/>
               </a:ext>
             </a:extLst>
           </p:cNvPr>
@@ -18167,7 +18117,7 @@
           <p:cNvPr id="20" name="직선 화살표 연결선 19">
             <a:extLst>
               <a:ext uri="{FF2B5EF4-FFF2-40B4-BE49-F238E27FC236}">
-                <a16:creationId xmlns:a16="http://schemas.microsoft.com/office/drawing/2014/main" xmlns="" id="{F8222E14-E72B-2748-FFB0-0DA2E7C22436}"/>
+                <a16:creationId xmlns:a16="http://schemas.microsoft.com/office/drawing/2014/main" id="{F8222E14-E72B-2748-FFB0-0DA2E7C22436}"/>
               </a:ext>
             </a:extLst>
           </p:cNvPr>
@@ -18208,7 +18158,7 @@
           <p:cNvPr id="22" name="직사각형 21">
             <a:extLst>
               <a:ext uri="{FF2B5EF4-FFF2-40B4-BE49-F238E27FC236}">
-                <a16:creationId xmlns:a16="http://schemas.microsoft.com/office/drawing/2014/main" xmlns="" id="{F12D4A9E-34E6-F67B-C0C6-7EA47906AB3D}"/>
+                <a16:creationId xmlns:a16="http://schemas.microsoft.com/office/drawing/2014/main" id="{F12D4A9E-34E6-F67B-C0C6-7EA47906AB3D}"/>
               </a:ext>
             </a:extLst>
           </p:cNvPr>
@@ -18368,7 +18318,7 @@
           <p:cNvPr id="4" name="TextBox 3">
             <a:extLst>
               <a:ext uri="{FF2B5EF4-FFF2-40B4-BE49-F238E27FC236}">
-                <a16:creationId xmlns:a16="http://schemas.microsoft.com/office/drawing/2014/main" xmlns="" id="{A2AD056B-97A4-5BCC-4460-250160F3E171}"/>
+                <a16:creationId xmlns:a16="http://schemas.microsoft.com/office/drawing/2014/main" id="{A2AD056B-97A4-5BCC-4460-250160F3E171}"/>
               </a:ext>
             </a:extLst>
           </p:cNvPr>
@@ -18658,7 +18608,7 @@
           <p:cNvPr id="8" name="TextBox 7">
             <a:extLst>
               <a:ext uri="{FF2B5EF4-FFF2-40B4-BE49-F238E27FC236}">
-                <a16:creationId xmlns:a16="http://schemas.microsoft.com/office/drawing/2014/main" xmlns="" id="{C6D113C6-EA5C-788F-0C77-E7CE6EBB865F}"/>
+                <a16:creationId xmlns:a16="http://schemas.microsoft.com/office/drawing/2014/main" id="{C6D113C6-EA5C-788F-0C77-E7CE6EBB865F}"/>
               </a:ext>
             </a:extLst>
           </p:cNvPr>
@@ -18909,7 +18859,7 @@
           <p:cNvPr id="2" name="TextBox 1">
             <a:extLst>
               <a:ext uri="{FF2B5EF4-FFF2-40B4-BE49-F238E27FC236}">
-                <a16:creationId xmlns:a16="http://schemas.microsoft.com/office/drawing/2014/main" xmlns="" id="{B2A0685E-724F-91EF-7A2D-DEBCA22BC99F}"/>
+                <a16:creationId xmlns:a16="http://schemas.microsoft.com/office/drawing/2014/main" id="{B2A0685E-724F-91EF-7A2D-DEBCA22BC99F}"/>
               </a:ext>
             </a:extLst>
           </p:cNvPr>
@@ -18957,7 +18907,7 @@
           <p:cNvPr id="5" name="직선 화살표 연결선 4">
             <a:extLst>
               <a:ext uri="{FF2B5EF4-FFF2-40B4-BE49-F238E27FC236}">
-                <a16:creationId xmlns:a16="http://schemas.microsoft.com/office/drawing/2014/main" xmlns="" id="{299DF5EC-9DF4-5255-06AC-0A7CE4FF58C3}"/>
+                <a16:creationId xmlns:a16="http://schemas.microsoft.com/office/drawing/2014/main" id="{299DF5EC-9DF4-5255-06AC-0A7CE4FF58C3}"/>
               </a:ext>
             </a:extLst>
           </p:cNvPr>
@@ -18998,7 +18948,7 @@
           <p:cNvPr id="6" name="TextBox 5">
             <a:extLst>
               <a:ext uri="{FF2B5EF4-FFF2-40B4-BE49-F238E27FC236}">
-                <a16:creationId xmlns:a16="http://schemas.microsoft.com/office/drawing/2014/main" xmlns="" id="{C6D113C6-EA5C-788F-0C77-E7CE6EBB865F}"/>
+                <a16:creationId xmlns:a16="http://schemas.microsoft.com/office/drawing/2014/main" id="{C6D113C6-EA5C-788F-0C77-E7CE6EBB865F}"/>
               </a:ext>
             </a:extLst>
           </p:cNvPr>
@@ -19022,7 +18972,7 @@
           <a:lstStyle/>
           <a:p>
             <a:r>
-              <a:rPr lang="en-US" altLang="ko-KR" sz="2400" smtClean="0">
+              <a:rPr lang="en-US" altLang="ko-KR" sz="2400">
                 <a:solidFill>
                   <a:srgbClr val="FF0000"/>
                 </a:solidFill>
@@ -19032,7 +18982,7 @@
               <a:t>getMinAvg</a:t>
             </a:r>
             <a:r>
-              <a:rPr lang="ko-KR" altLang="en-US" sz="2400" smtClean="0">
+              <a:rPr lang="ko-KR" altLang="en-US" sz="2400">
                 <a:solidFill>
                   <a:srgbClr val="FF0000"/>
                 </a:solidFill>
@@ -19042,7 +18992,7 @@
               <a:t>메서드는 특정 객체의 기능이 아니라 </a:t>
             </a:r>
             <a:r>
-              <a:rPr lang="en-US" altLang="ko-KR" sz="2400" smtClean="0">
+              <a:rPr lang="en-US" altLang="ko-KR" sz="2400">
                 <a:solidFill>
                   <a:srgbClr val="FF0000"/>
                 </a:solidFill>
@@ -19052,7 +19002,7 @@
               <a:t>Student</a:t>
             </a:r>
             <a:r>
-              <a:rPr lang="ko-KR" altLang="en-US" sz="2400" smtClean="0">
+              <a:rPr lang="ko-KR" altLang="en-US" sz="2400">
                 <a:solidFill>
                   <a:srgbClr val="FF0000"/>
                 </a:solidFill>
@@ -19062,7 +19012,7 @@
               <a:t>객체의 공통적인 기능이다</a:t>
             </a:r>
             <a:r>
-              <a:rPr lang="en-US" altLang="ko-KR" sz="2400" smtClean="0">
+              <a:rPr lang="en-US" altLang="ko-KR" sz="2400">
                 <a:solidFill>
                   <a:srgbClr val="FF0000"/>
                 </a:solidFill>
@@ -19072,7 +19022,7 @@
               <a:t>. </a:t>
             </a:r>
             <a:r>
-              <a:rPr lang="ko-KR" altLang="en-US" sz="2400" smtClean="0">
+              <a:rPr lang="ko-KR" altLang="en-US" sz="2400">
                 <a:solidFill>
                   <a:srgbClr val="FF0000"/>
                 </a:solidFill>
@@ -19082,7 +19032,7 @@
               <a:t>따라서 객체 생성없이 사용가능하도록 </a:t>
             </a:r>
             <a:r>
-              <a:rPr lang="en-US" altLang="ko-KR" sz="2400" smtClean="0">
+              <a:rPr lang="en-US" altLang="ko-KR" sz="2400">
                 <a:solidFill>
                   <a:srgbClr val="FF0000"/>
                 </a:solidFill>
@@ -19092,7 +19042,7 @@
               <a:t>static </a:t>
             </a:r>
             <a:r>
-              <a:rPr lang="ko-KR" altLang="en-US" sz="2400" smtClean="0">
+              <a:rPr lang="ko-KR" altLang="en-US" sz="2400">
                 <a:solidFill>
                   <a:srgbClr val="FF0000"/>
                 </a:solidFill>
@@ -19102,7 +19052,7 @@
               <a:t>메서드로 만든다</a:t>
             </a:r>
             <a:r>
-              <a:rPr lang="en-US" altLang="ko-KR" sz="2400" smtClean="0">
+              <a:rPr lang="en-US" altLang="ko-KR" sz="2400">
                 <a:solidFill>
                   <a:srgbClr val="FF0000"/>
                 </a:solidFill>
@@ -19126,7 +19076,7 @@
           <p:cNvPr id="8" name="직선 화살표 연결선 7">
             <a:extLst>
               <a:ext uri="{FF2B5EF4-FFF2-40B4-BE49-F238E27FC236}">
-                <a16:creationId xmlns:a16="http://schemas.microsoft.com/office/drawing/2014/main" xmlns="" id="{299DF5EC-9DF4-5255-06AC-0A7CE4FF58C3}"/>
+                <a16:creationId xmlns:a16="http://schemas.microsoft.com/office/drawing/2014/main" id="{299DF5EC-9DF4-5255-06AC-0A7CE4FF58C3}"/>
               </a:ext>
             </a:extLst>
           </p:cNvPr>
@@ -19167,7 +19117,7 @@
           <p:cNvPr id="9" name="TextBox 8">
             <a:extLst>
               <a:ext uri="{FF2B5EF4-FFF2-40B4-BE49-F238E27FC236}">
-                <a16:creationId xmlns:a16="http://schemas.microsoft.com/office/drawing/2014/main" xmlns="" id="{C6D113C6-EA5C-788F-0C77-E7CE6EBB865F}"/>
+                <a16:creationId xmlns:a16="http://schemas.microsoft.com/office/drawing/2014/main" id="{C6D113C6-EA5C-788F-0C77-E7CE6EBB865F}"/>
               </a:ext>
             </a:extLst>
           </p:cNvPr>
@@ -19191,7 +19141,7 @@
           <a:lstStyle/>
           <a:p>
             <a:r>
-              <a:rPr lang="ko-KR" altLang="en-US" sz="2400" smtClean="0">
+              <a:rPr lang="ko-KR" altLang="en-US" sz="2400">
                 <a:solidFill>
                   <a:srgbClr val="FF0000"/>
                 </a:solidFill>
@@ -19215,7 +19165,7 @@
           <p:cNvPr id="10" name="직선 화살표 연결선 9">
             <a:extLst>
               <a:ext uri="{FF2B5EF4-FFF2-40B4-BE49-F238E27FC236}">
-                <a16:creationId xmlns:a16="http://schemas.microsoft.com/office/drawing/2014/main" xmlns="" id="{299DF5EC-9DF4-5255-06AC-0A7CE4FF58C3}"/>
+                <a16:creationId xmlns:a16="http://schemas.microsoft.com/office/drawing/2014/main" id="{299DF5EC-9DF4-5255-06AC-0A7CE4FF58C3}"/>
               </a:ext>
             </a:extLst>
           </p:cNvPr>
@@ -19257,7 +19207,7 @@
           <p:cNvPr id="11" name="TextBox 10">
             <a:extLst>
               <a:ext uri="{FF2B5EF4-FFF2-40B4-BE49-F238E27FC236}">
-                <a16:creationId xmlns:a16="http://schemas.microsoft.com/office/drawing/2014/main" xmlns="" id="{C6D113C6-EA5C-788F-0C77-E7CE6EBB865F}"/>
+                <a16:creationId xmlns:a16="http://schemas.microsoft.com/office/drawing/2014/main" id="{C6D113C6-EA5C-788F-0C77-E7CE6EBB865F}"/>
               </a:ext>
             </a:extLst>
           </p:cNvPr>
@@ -19281,7 +19231,7 @@
           <a:lstStyle/>
           <a:p>
             <a:r>
-              <a:rPr lang="ko-KR" altLang="en-US" sz="2400" smtClean="0">
+              <a:rPr lang="ko-KR" altLang="en-US" sz="2400">
                 <a:solidFill>
                   <a:srgbClr val="FF0000"/>
                 </a:solidFill>
@@ -19291,7 +19241,7 @@
               <a:t>새로 발견한 꼴등학생의 성적을 저장한다</a:t>
             </a:r>
             <a:r>
-              <a:rPr lang="en-US" altLang="ko-KR" sz="2400" smtClean="0">
+              <a:rPr lang="en-US" altLang="ko-KR" sz="2400">
                 <a:solidFill>
                   <a:srgbClr val="FF0000"/>
                 </a:solidFill>
@@ -19315,7 +19265,7 @@
           <p:cNvPr id="14" name="직선 화살표 연결선 13">
             <a:extLst>
               <a:ext uri="{FF2B5EF4-FFF2-40B4-BE49-F238E27FC236}">
-                <a16:creationId xmlns:a16="http://schemas.microsoft.com/office/drawing/2014/main" xmlns="" id="{299DF5EC-9DF4-5255-06AC-0A7CE4FF58C3}"/>
+                <a16:creationId xmlns:a16="http://schemas.microsoft.com/office/drawing/2014/main" id="{299DF5EC-9DF4-5255-06AC-0A7CE4FF58C3}"/>
               </a:ext>
             </a:extLst>
           </p:cNvPr>
@@ -19357,7 +19307,7 @@
           <p:cNvPr id="15" name="TextBox 14">
             <a:extLst>
               <a:ext uri="{FF2B5EF4-FFF2-40B4-BE49-F238E27FC236}">
-                <a16:creationId xmlns:a16="http://schemas.microsoft.com/office/drawing/2014/main" xmlns="" id="{C6D113C6-EA5C-788F-0C77-E7CE6EBB865F}"/>
+                <a16:creationId xmlns:a16="http://schemas.microsoft.com/office/drawing/2014/main" id="{C6D113C6-EA5C-788F-0C77-E7CE6EBB865F}"/>
               </a:ext>
             </a:extLst>
           </p:cNvPr>
@@ -19381,7 +19331,7 @@
           <a:lstStyle/>
           <a:p>
             <a:r>
-              <a:rPr lang="ko-KR" altLang="en-US" sz="2400" smtClean="0">
+              <a:rPr lang="ko-KR" altLang="en-US" sz="2400">
                 <a:solidFill>
                   <a:srgbClr val="FF0000"/>
                 </a:solidFill>
@@ -19391,7 +19341,7 @@
               <a:t>꼴등 학생의 객체를 저장해둔다</a:t>
             </a:r>
             <a:r>
-              <a:rPr lang="en-US" altLang="ko-KR" sz="2400" smtClean="0">
+              <a:rPr lang="en-US" altLang="ko-KR" sz="2400">
                 <a:solidFill>
                   <a:srgbClr val="FF0000"/>
                 </a:solidFill>
@@ -19415,7 +19365,7 @@
           <p:cNvPr id="17" name="직선 화살표 연결선 16">
             <a:extLst>
               <a:ext uri="{FF2B5EF4-FFF2-40B4-BE49-F238E27FC236}">
-                <a16:creationId xmlns:a16="http://schemas.microsoft.com/office/drawing/2014/main" xmlns="" id="{299DF5EC-9DF4-5255-06AC-0A7CE4FF58C3}"/>
+                <a16:creationId xmlns:a16="http://schemas.microsoft.com/office/drawing/2014/main" id="{299DF5EC-9DF4-5255-06AC-0A7CE4FF58C3}"/>
               </a:ext>
             </a:extLst>
           </p:cNvPr>
@@ -19456,7 +19406,7 @@
           <p:cNvPr id="18" name="TextBox 17">
             <a:extLst>
               <a:ext uri="{FF2B5EF4-FFF2-40B4-BE49-F238E27FC236}">
-                <a16:creationId xmlns:a16="http://schemas.microsoft.com/office/drawing/2014/main" xmlns="" id="{C6D113C6-EA5C-788F-0C77-E7CE6EBB865F}"/>
+                <a16:creationId xmlns:a16="http://schemas.microsoft.com/office/drawing/2014/main" id="{C6D113C6-EA5C-788F-0C77-E7CE6EBB865F}"/>
               </a:ext>
             </a:extLst>
           </p:cNvPr>
@@ -19480,7 +19430,7 @@
           <a:lstStyle/>
           <a:p>
             <a:r>
-              <a:rPr lang="ko-KR" altLang="en-US" sz="2400" smtClean="0">
+              <a:rPr lang="ko-KR" altLang="en-US" sz="2400">
                 <a:solidFill>
                   <a:srgbClr val="FF0000"/>
                 </a:solidFill>
@@ -19490,7 +19440,7 @@
               <a:t>반복문이 모두 수행되면 </a:t>
             </a:r>
             <a:r>
-              <a:rPr lang="en-US" altLang="ko-KR" sz="2400" smtClean="0">
+              <a:rPr lang="en-US" altLang="ko-KR" sz="2400">
                 <a:solidFill>
                   <a:srgbClr val="FF0000"/>
                 </a:solidFill>
@@ -19500,7 +19450,7 @@
               <a:t>target </a:t>
             </a:r>
             <a:r>
-              <a:rPr lang="ko-KR" altLang="en-US" sz="2400" smtClean="0">
+              <a:rPr lang="ko-KR" altLang="en-US" sz="2400">
                 <a:solidFill>
                   <a:srgbClr val="FF0000"/>
                 </a:solidFill>
@@ -19510,7 +19460,7 @@
               <a:t>변수는 성적이 가장 낮은 학생 객체를 가리키고 있다</a:t>
             </a:r>
             <a:r>
-              <a:rPr lang="en-US" altLang="ko-KR" sz="2400" smtClean="0">
+              <a:rPr lang="en-US" altLang="ko-KR" sz="2400">
                 <a:solidFill>
                   <a:srgbClr val="FF0000"/>
                 </a:solidFill>
@@ -19534,7 +19484,7 @@
           <p:cNvPr id="22" name="직사각형 21">
             <a:extLst>
               <a:ext uri="{FF2B5EF4-FFF2-40B4-BE49-F238E27FC236}">
-                <a16:creationId xmlns:a16="http://schemas.microsoft.com/office/drawing/2014/main" xmlns="" id="{F12D4A9E-34E6-F67B-C0C6-7EA47906AB3D}"/>
+                <a16:creationId xmlns:a16="http://schemas.microsoft.com/office/drawing/2014/main" id="{F12D4A9E-34E6-F67B-C0C6-7EA47906AB3D}"/>
               </a:ext>
             </a:extLst>
           </p:cNvPr>
@@ -19694,7 +19644,7 @@
           <p:cNvPr id="4" name="TextBox 3">
             <a:extLst>
               <a:ext uri="{FF2B5EF4-FFF2-40B4-BE49-F238E27FC236}">
-                <a16:creationId xmlns:a16="http://schemas.microsoft.com/office/drawing/2014/main" xmlns="" id="{A2AD056B-97A4-5BCC-4460-250160F3E171}"/>
+                <a16:creationId xmlns:a16="http://schemas.microsoft.com/office/drawing/2014/main" id="{A2AD056B-97A4-5BCC-4460-250160F3E171}"/>
               </a:ext>
             </a:extLst>
           </p:cNvPr>
@@ -19718,7 +19668,7 @@
           <a:lstStyle/>
           <a:p>
             <a:r>
-              <a:rPr lang="en-US" altLang="ko-KR" sz="3600" smtClean="0">
+              <a:rPr lang="en-US" altLang="ko-KR" sz="3600">
                 <a:solidFill>
                   <a:srgbClr val="4C50BC"/>
                 </a:solidFill>
@@ -19758,7 +19708,7 @@
               <a:t>추가하자</a:t>
             </a:r>
             <a:r>
-              <a:rPr lang="en-US" altLang="ko-KR" sz="3600" smtClean="0">
+              <a:rPr lang="en-US" altLang="ko-KR" sz="3600">
                 <a:solidFill>
                   <a:srgbClr val="4C50BC"/>
                 </a:solidFill>
@@ -19768,7 +19718,7 @@
               <a:t>.</a:t>
             </a:r>
             <a:r>
-              <a:rPr lang="en-US" altLang="ko-KR" sz="3600" smtClean="0">
+              <a:rPr lang="en-US" altLang="ko-KR" sz="3600">
                 <a:solidFill>
                   <a:srgbClr val="FF0000"/>
                 </a:solidFill>
@@ -20475,13 +20425,6 @@
   <p:clrMapOvr>
     <a:masterClrMapping/>
   </p:clrMapOvr>
-  <p:timing>
-    <p:tnLst>
-      <p:par>
-        <p:cTn id="1" dur="indefinite" restart="never" nodeType="tmRoot"/>
-      </p:par>
-    </p:tnLst>
-  </p:timing>
 </p:sld>
 </file>
 
@@ -20531,7 +20474,7 @@
           <p:cNvPr id="4" name="TextBox 3">
             <a:extLst>
               <a:ext uri="{FF2B5EF4-FFF2-40B4-BE49-F238E27FC236}">
-                <a16:creationId xmlns:a16="http://schemas.microsoft.com/office/drawing/2014/main" xmlns="" id="{DF7DDD33-9412-2802-339A-E55446AC2DA7}"/>
+                <a16:creationId xmlns:a16="http://schemas.microsoft.com/office/drawing/2014/main" id="{DF7DDD33-9412-2802-339A-E55446AC2DA7}"/>
               </a:ext>
             </a:extLst>
           </p:cNvPr>
@@ -20572,7 +20515,7 @@
           <p:cNvPr id="3" name="TextBox 2">
             <a:extLst>
               <a:ext uri="{FF2B5EF4-FFF2-40B4-BE49-F238E27FC236}">
-                <a16:creationId xmlns:a16="http://schemas.microsoft.com/office/drawing/2014/main" xmlns="" id="{A2AD056B-97A4-5BCC-4460-250160F3E171}"/>
+                <a16:creationId xmlns:a16="http://schemas.microsoft.com/office/drawing/2014/main" id="{A2AD056B-97A4-5BCC-4460-250160F3E171}"/>
               </a:ext>
             </a:extLst>
           </p:cNvPr>
@@ -20857,7 +20800,7 @@
           <p:cNvPr id="6" name="직사각형 5">
             <a:extLst>
               <a:ext uri="{FF2B5EF4-FFF2-40B4-BE49-F238E27FC236}">
-                <a16:creationId xmlns:a16="http://schemas.microsoft.com/office/drawing/2014/main" xmlns="" id="{FFF506F9-840A-0508-4CAF-3AC711D8D5CE}"/>
+                <a16:creationId xmlns:a16="http://schemas.microsoft.com/office/drawing/2014/main" id="{FFF506F9-840A-0508-4CAF-3AC711D8D5CE}"/>
               </a:ext>
             </a:extLst>
           </p:cNvPr>
@@ -20939,7 +20882,7 @@
           <p:cNvPr id="5" name="TextBox 4">
             <a:extLst>
               <a:ext uri="{FF2B5EF4-FFF2-40B4-BE49-F238E27FC236}">
-                <a16:creationId xmlns:a16="http://schemas.microsoft.com/office/drawing/2014/main" xmlns="" id="{DF7DDD33-9412-2802-339A-E55446AC2DA7}"/>
+                <a16:creationId xmlns:a16="http://schemas.microsoft.com/office/drawing/2014/main" id="{DF7DDD33-9412-2802-339A-E55446AC2DA7}"/>
               </a:ext>
             </a:extLst>
           </p:cNvPr>
@@ -20987,7 +20930,7 @@
           <p:cNvPr id="7" name="TextBox 6">
             <a:extLst>
               <a:ext uri="{FF2B5EF4-FFF2-40B4-BE49-F238E27FC236}">
-                <a16:creationId xmlns:a16="http://schemas.microsoft.com/office/drawing/2014/main" xmlns="" id="{DF7DDD33-9412-2802-339A-E55446AC2DA7}"/>
+                <a16:creationId xmlns:a16="http://schemas.microsoft.com/office/drawing/2014/main" id="{DF7DDD33-9412-2802-339A-E55446AC2DA7}"/>
               </a:ext>
             </a:extLst>
           </p:cNvPr>
@@ -21052,14 +20995,14 @@
                 <a:gridCol w="2688700">
                   <a:extLst>
                     <a:ext uri="{9D8B030D-6E8A-4147-A177-3AD203B41FA5}">
-                      <a16:colId xmlns:a16="http://schemas.microsoft.com/office/drawing/2014/main" xmlns="" val="20000"/>
+                      <a16:colId xmlns:a16="http://schemas.microsoft.com/office/drawing/2014/main" val="20000"/>
                     </a:ext>
                   </a:extLst>
                 </a:gridCol>
                 <a:gridCol w="2721500">
                   <a:extLst>
                     <a:ext uri="{9D8B030D-6E8A-4147-A177-3AD203B41FA5}">
-                      <a16:colId xmlns:a16="http://schemas.microsoft.com/office/drawing/2014/main" xmlns="" val="20001"/>
+                      <a16:colId xmlns:a16="http://schemas.microsoft.com/office/drawing/2014/main" val="20001"/>
                     </a:ext>
                   </a:extLst>
                 </a:gridCol>
@@ -21197,7 +21140,7 @@
                 </a:tc>
                 <a:extLst>
                   <a:ext uri="{0D108BD9-81ED-4DB2-BD59-A6C34878D82A}">
-                    <a16:rowId xmlns:a16="http://schemas.microsoft.com/office/drawing/2014/main" xmlns="" val="10000"/>
+                    <a16:rowId xmlns:a16="http://schemas.microsoft.com/office/drawing/2014/main" val="10000"/>
                   </a:ext>
                 </a:extLst>
               </a:tr>
@@ -21322,7 +21265,7 @@
                 </a:tc>
                 <a:extLst>
                   <a:ext uri="{0D108BD9-81ED-4DB2-BD59-A6C34878D82A}">
-                    <a16:rowId xmlns:a16="http://schemas.microsoft.com/office/drawing/2014/main" xmlns="" val="10001"/>
+                    <a16:rowId xmlns:a16="http://schemas.microsoft.com/office/drawing/2014/main" val="10001"/>
                   </a:ext>
                 </a:extLst>
               </a:tr>
@@ -21447,7 +21390,7 @@
                 </a:tc>
                 <a:extLst>
                   <a:ext uri="{0D108BD9-81ED-4DB2-BD59-A6C34878D82A}">
-                    <a16:rowId xmlns:a16="http://schemas.microsoft.com/office/drawing/2014/main" xmlns="" val="10002"/>
+                    <a16:rowId xmlns:a16="http://schemas.microsoft.com/office/drawing/2014/main" val="10002"/>
                   </a:ext>
                 </a:extLst>
               </a:tr>
@@ -21556,7 +21499,7 @@
                 </a:tc>
                 <a:extLst>
                   <a:ext uri="{0D108BD9-81ED-4DB2-BD59-A6C34878D82A}">
-                    <a16:rowId xmlns:a16="http://schemas.microsoft.com/office/drawing/2014/main" xmlns="" val="10003"/>
+                    <a16:rowId xmlns:a16="http://schemas.microsoft.com/office/drawing/2014/main" val="10003"/>
                   </a:ext>
                 </a:extLst>
               </a:tr>
@@ -21665,7 +21608,7 @@
                 </a:tc>
                 <a:extLst>
                   <a:ext uri="{0D108BD9-81ED-4DB2-BD59-A6C34878D82A}">
-                    <a16:rowId xmlns:a16="http://schemas.microsoft.com/office/drawing/2014/main" xmlns="" val="10004"/>
+                    <a16:rowId xmlns:a16="http://schemas.microsoft.com/office/drawing/2014/main" val="10004"/>
                   </a:ext>
                 </a:extLst>
               </a:tr>
@@ -21774,7 +21717,7 @@
                 </a:tc>
                 <a:extLst>
                   <a:ext uri="{0D108BD9-81ED-4DB2-BD59-A6C34878D82A}">
-                    <a16:rowId xmlns:a16="http://schemas.microsoft.com/office/drawing/2014/main" xmlns="" val="10005"/>
+                    <a16:rowId xmlns:a16="http://schemas.microsoft.com/office/drawing/2014/main" val="10005"/>
                   </a:ext>
                 </a:extLst>
               </a:tr>
@@ -21883,7 +21826,7 @@
                 </a:tc>
                 <a:extLst>
                   <a:ext uri="{0D108BD9-81ED-4DB2-BD59-A6C34878D82A}">
-                    <a16:rowId xmlns:a16="http://schemas.microsoft.com/office/drawing/2014/main" xmlns="" val="10006"/>
+                    <a16:rowId xmlns:a16="http://schemas.microsoft.com/office/drawing/2014/main" val="10006"/>
                   </a:ext>
                 </a:extLst>
               </a:tr>
@@ -21992,7 +21935,7 @@
                 </a:tc>
                 <a:extLst>
                   <a:ext uri="{0D108BD9-81ED-4DB2-BD59-A6C34878D82A}">
-                    <a16:rowId xmlns:a16="http://schemas.microsoft.com/office/drawing/2014/main" xmlns="" val="10007"/>
+                    <a16:rowId xmlns:a16="http://schemas.microsoft.com/office/drawing/2014/main" val="10007"/>
                   </a:ext>
                 </a:extLst>
               </a:tr>
@@ -22101,7 +22044,7 @@
                 </a:tc>
                 <a:extLst>
                   <a:ext uri="{0D108BD9-81ED-4DB2-BD59-A6C34878D82A}">
-                    <a16:rowId xmlns:a16="http://schemas.microsoft.com/office/drawing/2014/main" xmlns="" val="10008"/>
+                    <a16:rowId xmlns:a16="http://schemas.microsoft.com/office/drawing/2014/main" val="10008"/>
                   </a:ext>
                 </a:extLst>
               </a:tr>
@@ -22226,7 +22169,7 @@
                 </a:tc>
                 <a:extLst>
                   <a:ext uri="{0D108BD9-81ED-4DB2-BD59-A6C34878D82A}">
-                    <a16:rowId xmlns:a16="http://schemas.microsoft.com/office/drawing/2014/main" xmlns="" val="10009"/>
+                    <a16:rowId xmlns:a16="http://schemas.microsoft.com/office/drawing/2014/main" val="10009"/>
                   </a:ext>
                 </a:extLst>
               </a:tr>
@@ -22335,7 +22278,7 @@
                 </a:tc>
                 <a:extLst>
                   <a:ext uri="{0D108BD9-81ED-4DB2-BD59-A6C34878D82A}">
-                    <a16:rowId xmlns:a16="http://schemas.microsoft.com/office/drawing/2014/main" xmlns="" val="10010"/>
+                    <a16:rowId xmlns:a16="http://schemas.microsoft.com/office/drawing/2014/main" val="10010"/>
                   </a:ext>
                 </a:extLst>
               </a:tr>
@@ -22348,7 +22291,7 @@
           <p:cNvPr id="11" name="TextBox 10">
             <a:extLst>
               <a:ext uri="{FF2B5EF4-FFF2-40B4-BE49-F238E27FC236}">
-                <a16:creationId xmlns:a16="http://schemas.microsoft.com/office/drawing/2014/main" xmlns="" id="{DF7DDD33-9412-2802-339A-E55446AC2DA7}"/>
+                <a16:creationId xmlns:a16="http://schemas.microsoft.com/office/drawing/2014/main" id="{DF7DDD33-9412-2802-339A-E55446AC2DA7}"/>
               </a:ext>
             </a:extLst>
           </p:cNvPr>
@@ -22406,7 +22349,7 @@
           <p:cNvPr id="12" name="TextBox 11">
             <a:extLst>
               <a:ext uri="{FF2B5EF4-FFF2-40B4-BE49-F238E27FC236}">
-                <a16:creationId xmlns:a16="http://schemas.microsoft.com/office/drawing/2014/main" xmlns="" id="{DF7DDD33-9412-2802-339A-E55446AC2DA7}"/>
+                <a16:creationId xmlns:a16="http://schemas.microsoft.com/office/drawing/2014/main" id="{DF7DDD33-9412-2802-339A-E55446AC2DA7}"/>
               </a:ext>
             </a:extLst>
           </p:cNvPr>
@@ -22454,7 +22397,7 @@
           <p:cNvPr id="13" name="TextBox 12">
             <a:extLst>
               <a:ext uri="{FF2B5EF4-FFF2-40B4-BE49-F238E27FC236}">
-                <a16:creationId xmlns:a16="http://schemas.microsoft.com/office/drawing/2014/main" xmlns="" id="{DF7DDD33-9412-2802-339A-E55446AC2DA7}"/>
+                <a16:creationId xmlns:a16="http://schemas.microsoft.com/office/drawing/2014/main" id="{DF7DDD33-9412-2802-339A-E55446AC2DA7}"/>
               </a:ext>
             </a:extLst>
           </p:cNvPr>
@@ -22502,7 +22445,7 @@
           <p:cNvPr id="14" name="TextBox 13">
             <a:extLst>
               <a:ext uri="{FF2B5EF4-FFF2-40B4-BE49-F238E27FC236}">
-                <a16:creationId xmlns:a16="http://schemas.microsoft.com/office/drawing/2014/main" xmlns="" id="{DF7DDD33-9412-2802-339A-E55446AC2DA7}"/>
+                <a16:creationId xmlns:a16="http://schemas.microsoft.com/office/drawing/2014/main" id="{DF7DDD33-9412-2802-339A-E55446AC2DA7}"/>
               </a:ext>
             </a:extLst>
           </p:cNvPr>
@@ -22560,7 +22503,7 @@
           <p:cNvPr id="15" name="TextBox 14">
             <a:extLst>
               <a:ext uri="{FF2B5EF4-FFF2-40B4-BE49-F238E27FC236}">
-                <a16:creationId xmlns:a16="http://schemas.microsoft.com/office/drawing/2014/main" xmlns="" id="{DF7DDD33-9412-2802-339A-E55446AC2DA7}"/>
+                <a16:creationId xmlns:a16="http://schemas.microsoft.com/office/drawing/2014/main" id="{DF7DDD33-9412-2802-339A-E55446AC2DA7}"/>
               </a:ext>
             </a:extLst>
           </p:cNvPr>
@@ -22608,7 +22551,7 @@
           <p:cNvPr id="16" name="TextBox 15">
             <a:extLst>
               <a:ext uri="{FF2B5EF4-FFF2-40B4-BE49-F238E27FC236}">
-                <a16:creationId xmlns:a16="http://schemas.microsoft.com/office/drawing/2014/main" xmlns="" id="{DF7DDD33-9412-2802-339A-E55446AC2DA7}"/>
+                <a16:creationId xmlns:a16="http://schemas.microsoft.com/office/drawing/2014/main" id="{DF7DDD33-9412-2802-339A-E55446AC2DA7}"/>
               </a:ext>
             </a:extLst>
           </p:cNvPr>
@@ -22666,7 +22609,7 @@
           <p:cNvPr id="17" name="TextBox 16">
             <a:extLst>
               <a:ext uri="{FF2B5EF4-FFF2-40B4-BE49-F238E27FC236}">
-                <a16:creationId xmlns:a16="http://schemas.microsoft.com/office/drawing/2014/main" xmlns="" id="{DF7DDD33-9412-2802-339A-E55446AC2DA7}"/>
+                <a16:creationId xmlns:a16="http://schemas.microsoft.com/office/drawing/2014/main" id="{DF7DDD33-9412-2802-339A-E55446AC2DA7}"/>
               </a:ext>
             </a:extLst>
           </p:cNvPr>
@@ -22714,7 +22657,7 @@
           <p:cNvPr id="18" name="TextBox 17">
             <a:extLst>
               <a:ext uri="{FF2B5EF4-FFF2-40B4-BE49-F238E27FC236}">
-                <a16:creationId xmlns:a16="http://schemas.microsoft.com/office/drawing/2014/main" xmlns="" id="{DF7DDD33-9412-2802-339A-E55446AC2DA7}"/>
+                <a16:creationId xmlns:a16="http://schemas.microsoft.com/office/drawing/2014/main" id="{DF7DDD33-9412-2802-339A-E55446AC2DA7}"/>
               </a:ext>
             </a:extLst>
           </p:cNvPr>
@@ -22772,7 +22715,7 @@
           <p:cNvPr id="19" name="TextBox 18">
             <a:extLst>
               <a:ext uri="{FF2B5EF4-FFF2-40B4-BE49-F238E27FC236}">
-                <a16:creationId xmlns:a16="http://schemas.microsoft.com/office/drawing/2014/main" xmlns="" id="{DF7DDD33-9412-2802-339A-E55446AC2DA7}"/>
+                <a16:creationId xmlns:a16="http://schemas.microsoft.com/office/drawing/2014/main" id="{DF7DDD33-9412-2802-339A-E55446AC2DA7}"/>
               </a:ext>
             </a:extLst>
           </p:cNvPr>
@@ -22820,7 +22763,7 @@
           <p:cNvPr id="20" name="TextBox 19">
             <a:extLst>
               <a:ext uri="{FF2B5EF4-FFF2-40B4-BE49-F238E27FC236}">
-                <a16:creationId xmlns:a16="http://schemas.microsoft.com/office/drawing/2014/main" xmlns="" id="{DF7DDD33-9412-2802-339A-E55446AC2DA7}"/>
+                <a16:creationId xmlns:a16="http://schemas.microsoft.com/office/drawing/2014/main" id="{DF7DDD33-9412-2802-339A-E55446AC2DA7}"/>
               </a:ext>
             </a:extLst>
           </p:cNvPr>
@@ -22895,14 +22838,14 @@
                 <a:gridCol w="2688700">
                   <a:extLst>
                     <a:ext uri="{9D8B030D-6E8A-4147-A177-3AD203B41FA5}">
-                      <a16:colId xmlns:a16="http://schemas.microsoft.com/office/drawing/2014/main" xmlns="" val="20000"/>
+                      <a16:colId xmlns:a16="http://schemas.microsoft.com/office/drawing/2014/main" val="20000"/>
                     </a:ext>
                   </a:extLst>
                 </a:gridCol>
                 <a:gridCol w="2721500">
                   <a:extLst>
                     <a:ext uri="{9D8B030D-6E8A-4147-A177-3AD203B41FA5}">
-                      <a16:colId xmlns:a16="http://schemas.microsoft.com/office/drawing/2014/main" xmlns="" val="20001"/>
+                      <a16:colId xmlns:a16="http://schemas.microsoft.com/office/drawing/2014/main" val="20001"/>
                     </a:ext>
                   </a:extLst>
                 </a:gridCol>
@@ -23040,7 +22983,7 @@
                 </a:tc>
                 <a:extLst>
                   <a:ext uri="{0D108BD9-81ED-4DB2-BD59-A6C34878D82A}">
-                    <a16:rowId xmlns:a16="http://schemas.microsoft.com/office/drawing/2014/main" xmlns="" val="10000"/>
+                    <a16:rowId xmlns:a16="http://schemas.microsoft.com/office/drawing/2014/main" val="10000"/>
                   </a:ext>
                 </a:extLst>
               </a:tr>
@@ -23165,7 +23108,7 @@
                 </a:tc>
                 <a:extLst>
                   <a:ext uri="{0D108BD9-81ED-4DB2-BD59-A6C34878D82A}">
-                    <a16:rowId xmlns:a16="http://schemas.microsoft.com/office/drawing/2014/main" xmlns="" val="10001"/>
+                    <a16:rowId xmlns:a16="http://schemas.microsoft.com/office/drawing/2014/main" val="10001"/>
                   </a:ext>
                 </a:extLst>
               </a:tr>
@@ -23290,7 +23233,7 @@
                 </a:tc>
                 <a:extLst>
                   <a:ext uri="{0D108BD9-81ED-4DB2-BD59-A6C34878D82A}">
-                    <a16:rowId xmlns:a16="http://schemas.microsoft.com/office/drawing/2014/main" xmlns="" val="10002"/>
+                    <a16:rowId xmlns:a16="http://schemas.microsoft.com/office/drawing/2014/main" val="10002"/>
                   </a:ext>
                 </a:extLst>
               </a:tr>
@@ -23399,7 +23342,7 @@
                 </a:tc>
                 <a:extLst>
                   <a:ext uri="{0D108BD9-81ED-4DB2-BD59-A6C34878D82A}">
-                    <a16:rowId xmlns:a16="http://schemas.microsoft.com/office/drawing/2014/main" xmlns="" val="10003"/>
+                    <a16:rowId xmlns:a16="http://schemas.microsoft.com/office/drawing/2014/main" val="10003"/>
                   </a:ext>
                 </a:extLst>
               </a:tr>
@@ -23508,7 +23451,7 @@
                 </a:tc>
                 <a:extLst>
                   <a:ext uri="{0D108BD9-81ED-4DB2-BD59-A6C34878D82A}">
-                    <a16:rowId xmlns:a16="http://schemas.microsoft.com/office/drawing/2014/main" xmlns="" val="10004"/>
+                    <a16:rowId xmlns:a16="http://schemas.microsoft.com/office/drawing/2014/main" val="10004"/>
                   </a:ext>
                 </a:extLst>
               </a:tr>
@@ -23617,7 +23560,7 @@
                 </a:tc>
                 <a:extLst>
                   <a:ext uri="{0D108BD9-81ED-4DB2-BD59-A6C34878D82A}">
-                    <a16:rowId xmlns:a16="http://schemas.microsoft.com/office/drawing/2014/main" xmlns="" val="10005"/>
+                    <a16:rowId xmlns:a16="http://schemas.microsoft.com/office/drawing/2014/main" val="10005"/>
                   </a:ext>
                 </a:extLst>
               </a:tr>
@@ -23726,7 +23669,7 @@
                 </a:tc>
                 <a:extLst>
                   <a:ext uri="{0D108BD9-81ED-4DB2-BD59-A6C34878D82A}">
-                    <a16:rowId xmlns:a16="http://schemas.microsoft.com/office/drawing/2014/main" xmlns="" val="10006"/>
+                    <a16:rowId xmlns:a16="http://schemas.microsoft.com/office/drawing/2014/main" val="10006"/>
                   </a:ext>
                 </a:extLst>
               </a:tr>
@@ -23835,7 +23778,7 @@
                 </a:tc>
                 <a:extLst>
                   <a:ext uri="{0D108BD9-81ED-4DB2-BD59-A6C34878D82A}">
-                    <a16:rowId xmlns:a16="http://schemas.microsoft.com/office/drawing/2014/main" xmlns="" val="10007"/>
+                    <a16:rowId xmlns:a16="http://schemas.microsoft.com/office/drawing/2014/main" val="10007"/>
                   </a:ext>
                 </a:extLst>
               </a:tr>
@@ -23944,7 +23887,7 @@
                 </a:tc>
                 <a:extLst>
                   <a:ext uri="{0D108BD9-81ED-4DB2-BD59-A6C34878D82A}">
-                    <a16:rowId xmlns:a16="http://schemas.microsoft.com/office/drawing/2014/main" xmlns="" val="10008"/>
+                    <a16:rowId xmlns:a16="http://schemas.microsoft.com/office/drawing/2014/main" val="10008"/>
                   </a:ext>
                 </a:extLst>
               </a:tr>
@@ -24069,7 +24012,7 @@
                 </a:tc>
                 <a:extLst>
                   <a:ext uri="{0D108BD9-81ED-4DB2-BD59-A6C34878D82A}">
-                    <a16:rowId xmlns:a16="http://schemas.microsoft.com/office/drawing/2014/main" xmlns="" val="10009"/>
+                    <a16:rowId xmlns:a16="http://schemas.microsoft.com/office/drawing/2014/main" val="10009"/>
                   </a:ext>
                 </a:extLst>
               </a:tr>
@@ -24178,7 +24121,7 @@
                 </a:tc>
                 <a:extLst>
                   <a:ext uri="{0D108BD9-81ED-4DB2-BD59-A6C34878D82A}">
-                    <a16:rowId xmlns:a16="http://schemas.microsoft.com/office/drawing/2014/main" xmlns="" val="10010"/>
+                    <a16:rowId xmlns:a16="http://schemas.microsoft.com/office/drawing/2014/main" val="10010"/>
                   </a:ext>
                 </a:extLst>
               </a:tr>
@@ -24191,7 +24134,7 @@
           <p:cNvPr id="23" name="TextBox 22">
             <a:extLst>
               <a:ext uri="{FF2B5EF4-FFF2-40B4-BE49-F238E27FC236}">
-                <a16:creationId xmlns:a16="http://schemas.microsoft.com/office/drawing/2014/main" xmlns="" id="{DF7DDD33-9412-2802-339A-E55446AC2DA7}"/>
+                <a16:creationId xmlns:a16="http://schemas.microsoft.com/office/drawing/2014/main" id="{DF7DDD33-9412-2802-339A-E55446AC2DA7}"/>
               </a:ext>
             </a:extLst>
           </p:cNvPr>
@@ -24239,7 +24182,7 @@
           <p:cNvPr id="24" name="TextBox 23">
             <a:extLst>
               <a:ext uri="{FF2B5EF4-FFF2-40B4-BE49-F238E27FC236}">
-                <a16:creationId xmlns:a16="http://schemas.microsoft.com/office/drawing/2014/main" xmlns="" id="{DF7DDD33-9412-2802-339A-E55446AC2DA7}"/>
+                <a16:creationId xmlns:a16="http://schemas.microsoft.com/office/drawing/2014/main" id="{DF7DDD33-9412-2802-339A-E55446AC2DA7}"/>
               </a:ext>
             </a:extLst>
           </p:cNvPr>
@@ -24287,7 +24230,7 @@
           <p:cNvPr id="26" name="TextBox 25">
             <a:extLst>
               <a:ext uri="{FF2B5EF4-FFF2-40B4-BE49-F238E27FC236}">
-                <a16:creationId xmlns:a16="http://schemas.microsoft.com/office/drawing/2014/main" xmlns="" id="{DF7DDD33-9412-2802-339A-E55446AC2DA7}"/>
+                <a16:creationId xmlns:a16="http://schemas.microsoft.com/office/drawing/2014/main" id="{DF7DDD33-9412-2802-339A-E55446AC2DA7}"/>
               </a:ext>
             </a:extLst>
           </p:cNvPr>
@@ -24335,7 +24278,7 @@
           <p:cNvPr id="28" name="TextBox 27">
             <a:extLst>
               <a:ext uri="{FF2B5EF4-FFF2-40B4-BE49-F238E27FC236}">
-                <a16:creationId xmlns:a16="http://schemas.microsoft.com/office/drawing/2014/main" xmlns="" id="{DF7DDD33-9412-2802-339A-E55446AC2DA7}"/>
+                <a16:creationId xmlns:a16="http://schemas.microsoft.com/office/drawing/2014/main" id="{DF7DDD33-9412-2802-339A-E55446AC2DA7}"/>
               </a:ext>
             </a:extLst>
           </p:cNvPr>
@@ -24383,7 +24326,7 @@
           <p:cNvPr id="30" name="TextBox 29">
             <a:extLst>
               <a:ext uri="{FF2B5EF4-FFF2-40B4-BE49-F238E27FC236}">
-                <a16:creationId xmlns:a16="http://schemas.microsoft.com/office/drawing/2014/main" xmlns="" id="{DF7DDD33-9412-2802-339A-E55446AC2DA7}"/>
+                <a16:creationId xmlns:a16="http://schemas.microsoft.com/office/drawing/2014/main" id="{DF7DDD33-9412-2802-339A-E55446AC2DA7}"/>
               </a:ext>
             </a:extLst>
           </p:cNvPr>
@@ -24847,7 +24790,7 @@
           <p:cNvPr id="5" name="직사각형 4">
             <a:extLst>
               <a:ext uri="{FF2B5EF4-FFF2-40B4-BE49-F238E27FC236}">
-                <a16:creationId xmlns:a16="http://schemas.microsoft.com/office/drawing/2014/main" xmlns="" id="{FFF506F9-840A-0508-4CAF-3AC711D8D5CE}"/>
+                <a16:creationId xmlns:a16="http://schemas.microsoft.com/office/drawing/2014/main" id="{FFF506F9-840A-0508-4CAF-3AC711D8D5CE}"/>
               </a:ext>
             </a:extLst>
           </p:cNvPr>
@@ -24923,7 +24866,7 @@
           <p:cNvPr id="7" name="직사각형 6">
             <a:extLst>
               <a:ext uri="{FF2B5EF4-FFF2-40B4-BE49-F238E27FC236}">
-                <a16:creationId xmlns:a16="http://schemas.microsoft.com/office/drawing/2014/main" xmlns="" id="{FFF506F9-840A-0508-4CAF-3AC711D8D5CE}"/>
+                <a16:creationId xmlns:a16="http://schemas.microsoft.com/office/drawing/2014/main" id="{FFF506F9-840A-0508-4CAF-3AC711D8D5CE}"/>
               </a:ext>
             </a:extLst>
           </p:cNvPr>
@@ -25301,7 +25244,7 @@
           <p:cNvPr id="4" name="TextBox 3">
             <a:extLst>
               <a:ext uri="{FF2B5EF4-FFF2-40B4-BE49-F238E27FC236}">
-                <a16:creationId xmlns:a16="http://schemas.microsoft.com/office/drawing/2014/main" xmlns="" id="{DF7DDD33-9412-2802-339A-E55446AC2DA7}"/>
+                <a16:creationId xmlns:a16="http://schemas.microsoft.com/office/drawing/2014/main" id="{DF7DDD33-9412-2802-339A-E55446AC2DA7}"/>
               </a:ext>
             </a:extLst>
           </p:cNvPr>
@@ -25462,7 +25405,7 @@
           <p:cNvPr id="9" name="직선 화살표 연결선 8">
             <a:extLst>
               <a:ext uri="{FF2B5EF4-FFF2-40B4-BE49-F238E27FC236}">
-                <a16:creationId xmlns:a16="http://schemas.microsoft.com/office/drawing/2014/main" xmlns="" id="{299DF5EC-9DF4-5255-06AC-0A7CE4FF58C3}"/>
+                <a16:creationId xmlns:a16="http://schemas.microsoft.com/office/drawing/2014/main" id="{299DF5EC-9DF4-5255-06AC-0A7CE4FF58C3}"/>
               </a:ext>
             </a:extLst>
           </p:cNvPr>
@@ -25503,7 +25446,7 @@
           <p:cNvPr id="10" name="직사각형 9">
             <a:extLst>
               <a:ext uri="{FF2B5EF4-FFF2-40B4-BE49-F238E27FC236}">
-                <a16:creationId xmlns:a16="http://schemas.microsoft.com/office/drawing/2014/main" xmlns="" id="{FFF506F9-840A-0508-4CAF-3AC711D8D5CE}"/>
+                <a16:creationId xmlns:a16="http://schemas.microsoft.com/office/drawing/2014/main" id="{FFF506F9-840A-0508-4CAF-3AC711D8D5CE}"/>
               </a:ext>
             </a:extLst>
           </p:cNvPr>
@@ -25555,7 +25498,7 @@
           <p:cNvPr id="11" name="TextBox 10">
             <a:extLst>
               <a:ext uri="{FF2B5EF4-FFF2-40B4-BE49-F238E27FC236}">
-                <a16:creationId xmlns:a16="http://schemas.microsoft.com/office/drawing/2014/main" xmlns="" id="{C6D113C6-EA5C-788F-0C77-E7CE6EBB865F}"/>
+                <a16:creationId xmlns:a16="http://schemas.microsoft.com/office/drawing/2014/main" id="{C6D113C6-EA5C-788F-0C77-E7CE6EBB865F}"/>
               </a:ext>
             </a:extLst>
           </p:cNvPr>
@@ -25603,7 +25546,7 @@
           <p:cNvPr id="14" name="TextBox 13">
             <a:extLst>
               <a:ext uri="{FF2B5EF4-FFF2-40B4-BE49-F238E27FC236}">
-                <a16:creationId xmlns:a16="http://schemas.microsoft.com/office/drawing/2014/main" xmlns="" id="{C6D113C6-EA5C-788F-0C77-E7CE6EBB865F}"/>
+                <a16:creationId xmlns:a16="http://schemas.microsoft.com/office/drawing/2014/main" id="{C6D113C6-EA5C-788F-0C77-E7CE6EBB865F}"/>
               </a:ext>
             </a:extLst>
           </p:cNvPr>
@@ -25941,7 +25884,7 @@
           <p:cNvPr id="4" name="TextBox 3">
             <a:extLst>
               <a:ext uri="{FF2B5EF4-FFF2-40B4-BE49-F238E27FC236}">
-                <a16:creationId xmlns:a16="http://schemas.microsoft.com/office/drawing/2014/main" xmlns="" id="{DF7DDD33-9412-2802-339A-E55446AC2DA7}"/>
+                <a16:creationId xmlns:a16="http://schemas.microsoft.com/office/drawing/2014/main" id="{DF7DDD33-9412-2802-339A-E55446AC2DA7}"/>
               </a:ext>
             </a:extLst>
           </p:cNvPr>
@@ -26012,7 +25955,7 @@
           <p:cNvPr id="5" name="TextBox 4">
             <a:extLst>
               <a:ext uri="{FF2B5EF4-FFF2-40B4-BE49-F238E27FC236}">
-                <a16:creationId xmlns:a16="http://schemas.microsoft.com/office/drawing/2014/main" xmlns="" id="{DF7DDD33-9412-2802-339A-E55446AC2DA7}"/>
+                <a16:creationId xmlns:a16="http://schemas.microsoft.com/office/drawing/2014/main" id="{DF7DDD33-9412-2802-339A-E55446AC2DA7}"/>
               </a:ext>
             </a:extLst>
           </p:cNvPr>
@@ -26176,7 +26119,7 @@
           <p:cNvPr id="4" name="Object 1">
             <a:extLst>
               <a:ext uri="{FF2B5EF4-FFF2-40B4-BE49-F238E27FC236}">
-                <a16:creationId xmlns:a16="http://schemas.microsoft.com/office/drawing/2014/main" xmlns="" id="{B0329035-BE76-33A8-0F2E-44624FCC1DED}"/>
+                <a16:creationId xmlns:a16="http://schemas.microsoft.com/office/drawing/2014/main" id="{B0329035-BE76-33A8-0F2E-44624FCC1DED}"/>
               </a:ext>
             </a:extLst>
           </p:cNvPr>
@@ -26206,7 +26149,7 @@
           <p:cNvPr id="7" name="그룹 1001">
             <a:extLst>
               <a:ext uri="{FF2B5EF4-FFF2-40B4-BE49-F238E27FC236}">
-                <a16:creationId xmlns:a16="http://schemas.microsoft.com/office/drawing/2014/main" xmlns="" id="{CD24CE9D-AC18-B6CD-F397-7E8E03D6FE26}"/>
+                <a16:creationId xmlns:a16="http://schemas.microsoft.com/office/drawing/2014/main" id="{CD24CE9D-AC18-B6CD-F397-7E8E03D6FE26}"/>
               </a:ext>
             </a:extLst>
           </p:cNvPr>
@@ -26226,7 +26169,7 @@
             <p:cNvPr id="8" name="Object 5">
               <a:extLst>
                 <a:ext uri="{FF2B5EF4-FFF2-40B4-BE49-F238E27FC236}">
-                  <a16:creationId xmlns:a16="http://schemas.microsoft.com/office/drawing/2014/main" xmlns="" id="{0EEF25E8-3BA8-EBAA-6DC2-66D70C3F9F4D}"/>
+                  <a16:creationId xmlns:a16="http://schemas.microsoft.com/office/drawing/2014/main" id="{0EEF25E8-3BA8-EBAA-6DC2-66D70C3F9F4D}"/>
                 </a:ext>
               </a:extLst>
             </p:cNvPr>
@@ -26257,7 +26200,7 @@
           <p:cNvPr id="9" name="그룹 1002">
             <a:extLst>
               <a:ext uri="{FF2B5EF4-FFF2-40B4-BE49-F238E27FC236}">
-                <a16:creationId xmlns:a16="http://schemas.microsoft.com/office/drawing/2014/main" xmlns="" id="{0F281BC9-DE1F-D1FE-E64C-C4640398F00C}"/>
+                <a16:creationId xmlns:a16="http://schemas.microsoft.com/office/drawing/2014/main" id="{0F281BC9-DE1F-D1FE-E64C-C4640398F00C}"/>
               </a:ext>
             </a:extLst>
           </p:cNvPr>
@@ -26277,7 +26220,7 @@
             <p:cNvPr id="10" name="Object 8">
               <a:extLst>
                 <a:ext uri="{FF2B5EF4-FFF2-40B4-BE49-F238E27FC236}">
-                  <a16:creationId xmlns:a16="http://schemas.microsoft.com/office/drawing/2014/main" xmlns="" id="{F669DCEF-04BB-7046-3F7F-5B513213556E}"/>
+                  <a16:creationId xmlns:a16="http://schemas.microsoft.com/office/drawing/2014/main" id="{F669DCEF-04BB-7046-3F7F-5B513213556E}"/>
                 </a:ext>
               </a:extLst>
             </p:cNvPr>
@@ -26308,7 +26251,7 @@
           <p:cNvPr id="11" name="그룹 1003">
             <a:extLst>
               <a:ext uri="{FF2B5EF4-FFF2-40B4-BE49-F238E27FC236}">
-                <a16:creationId xmlns:a16="http://schemas.microsoft.com/office/drawing/2014/main" xmlns="" id="{1F91EEF9-13EA-BB7F-B056-D35E7DB989AC}"/>
+                <a16:creationId xmlns:a16="http://schemas.microsoft.com/office/drawing/2014/main" id="{1F91EEF9-13EA-BB7F-B056-D35E7DB989AC}"/>
               </a:ext>
             </a:extLst>
           </p:cNvPr>
@@ -26328,7 +26271,7 @@
             <p:cNvPr id="12" name="Object 11">
               <a:extLst>
                 <a:ext uri="{FF2B5EF4-FFF2-40B4-BE49-F238E27FC236}">
-                  <a16:creationId xmlns:a16="http://schemas.microsoft.com/office/drawing/2014/main" xmlns="" id="{2CFFB217-AEFB-2C9E-5F86-6EE19510FFC6}"/>
+                  <a16:creationId xmlns:a16="http://schemas.microsoft.com/office/drawing/2014/main" id="{2CFFB217-AEFB-2C9E-5F86-6EE19510FFC6}"/>
                 </a:ext>
               </a:extLst>
             </p:cNvPr>
@@ -26359,7 +26302,7 @@
           <p:cNvPr id="13" name="그룹 1004">
             <a:extLst>
               <a:ext uri="{FF2B5EF4-FFF2-40B4-BE49-F238E27FC236}">
-                <a16:creationId xmlns:a16="http://schemas.microsoft.com/office/drawing/2014/main" xmlns="" id="{123B9C7E-94E8-E7E1-81BE-D59EA0299187}"/>
+                <a16:creationId xmlns:a16="http://schemas.microsoft.com/office/drawing/2014/main" id="{123B9C7E-94E8-E7E1-81BE-D59EA0299187}"/>
               </a:ext>
             </a:extLst>
           </p:cNvPr>
@@ -26379,7 +26322,7 @@
             <p:cNvPr id="14" name="Object 14">
               <a:extLst>
                 <a:ext uri="{FF2B5EF4-FFF2-40B4-BE49-F238E27FC236}">
-                  <a16:creationId xmlns:a16="http://schemas.microsoft.com/office/drawing/2014/main" xmlns="" id="{B6291552-2D89-A79F-7ACD-EA0EF9A4C389}"/>
+                  <a16:creationId xmlns:a16="http://schemas.microsoft.com/office/drawing/2014/main" id="{B6291552-2D89-A79F-7ACD-EA0EF9A4C389}"/>
                 </a:ext>
               </a:extLst>
             </p:cNvPr>
@@ -26410,7 +26353,7 @@
           <p:cNvPr id="15" name="TextBox 14">
             <a:extLst>
               <a:ext uri="{FF2B5EF4-FFF2-40B4-BE49-F238E27FC236}">
-                <a16:creationId xmlns:a16="http://schemas.microsoft.com/office/drawing/2014/main" xmlns="" id="{7D99763A-FC24-23F5-5BA9-D7B042E0F323}"/>
+                <a16:creationId xmlns:a16="http://schemas.microsoft.com/office/drawing/2014/main" id="{7D99763A-FC24-23F5-5BA9-D7B042E0F323}"/>
               </a:ext>
             </a:extLst>
           </p:cNvPr>
@@ -26463,13 +26406,6 @@
   <p:clrMapOvr>
     <a:masterClrMapping/>
   </p:clrMapOvr>
-  <p:timing>
-    <p:tnLst>
-      <p:par>
-        <p:cTn id="1" dur="indefinite" restart="never" nodeType="tmRoot"/>
-      </p:par>
-    </p:tnLst>
-  </p:timing>
 </p:sld>
 </file>
 
@@ -26519,7 +26455,7 @@
           <p:cNvPr id="5" name="직선 화살표 연결선 4">
             <a:extLst>
               <a:ext uri="{FF2B5EF4-FFF2-40B4-BE49-F238E27FC236}">
-                <a16:creationId xmlns:a16="http://schemas.microsoft.com/office/drawing/2014/main" xmlns="" id="{299DF5EC-9DF4-5255-06AC-0A7CE4FF58C3}"/>
+                <a16:creationId xmlns:a16="http://schemas.microsoft.com/office/drawing/2014/main" id="{299DF5EC-9DF4-5255-06AC-0A7CE4FF58C3}"/>
               </a:ext>
             </a:extLst>
           </p:cNvPr>
@@ -26560,7 +26496,7 @@
           <p:cNvPr id="6" name="직사각형 5">
             <a:extLst>
               <a:ext uri="{FF2B5EF4-FFF2-40B4-BE49-F238E27FC236}">
-                <a16:creationId xmlns:a16="http://schemas.microsoft.com/office/drawing/2014/main" xmlns="" id="{FFF506F9-840A-0508-4CAF-3AC711D8D5CE}"/>
+                <a16:creationId xmlns:a16="http://schemas.microsoft.com/office/drawing/2014/main" id="{FFF506F9-840A-0508-4CAF-3AC711D8D5CE}"/>
               </a:ext>
             </a:extLst>
           </p:cNvPr>
@@ -26612,7 +26548,7 @@
           <p:cNvPr id="7" name="TextBox 6">
             <a:extLst>
               <a:ext uri="{FF2B5EF4-FFF2-40B4-BE49-F238E27FC236}">
-                <a16:creationId xmlns:a16="http://schemas.microsoft.com/office/drawing/2014/main" xmlns="" id="{C6D113C6-EA5C-788F-0C77-E7CE6EBB865F}"/>
+                <a16:creationId xmlns:a16="http://schemas.microsoft.com/office/drawing/2014/main" id="{C6D113C6-EA5C-788F-0C77-E7CE6EBB865F}"/>
               </a:ext>
             </a:extLst>
           </p:cNvPr>
@@ -26622,7 +26558,7 @@
         <p:spPr>
           <a:xfrm>
             <a:off x="4343400" y="1562100"/>
-            <a:ext cx="6096000" cy="707886"/>
+            <a:ext cx="6493328" cy="707886"/>
           </a:xfrm>
           <a:prstGeom prst="rect">
             <a:avLst/>
@@ -26636,7 +26572,7 @@
           <a:lstStyle/>
           <a:p>
             <a:r>
-              <a:rPr lang="ko-KR" altLang="en-US" sz="4000">
+              <a:rPr lang="ko-KR" altLang="en-US" sz="4000" dirty="0">
                 <a:solidFill>
                   <a:srgbClr val="FF0000"/>
                 </a:solidFill>
@@ -26660,7 +26596,7 @@
           <p:cNvPr id="8" name="직선 화살표 연결선 7">
             <a:extLst>
               <a:ext uri="{FF2B5EF4-FFF2-40B4-BE49-F238E27FC236}">
-                <a16:creationId xmlns:a16="http://schemas.microsoft.com/office/drawing/2014/main" xmlns="" id="{299DF5EC-9DF4-5255-06AC-0A7CE4FF58C3}"/>
+                <a16:creationId xmlns:a16="http://schemas.microsoft.com/office/drawing/2014/main" id="{299DF5EC-9DF4-5255-06AC-0A7CE4FF58C3}"/>
               </a:ext>
             </a:extLst>
           </p:cNvPr>
@@ -26701,7 +26637,7 @@
           <p:cNvPr id="9" name="직사각형 8">
             <a:extLst>
               <a:ext uri="{FF2B5EF4-FFF2-40B4-BE49-F238E27FC236}">
-                <a16:creationId xmlns:a16="http://schemas.microsoft.com/office/drawing/2014/main" xmlns="" id="{FFF506F9-840A-0508-4CAF-3AC711D8D5CE}"/>
+                <a16:creationId xmlns:a16="http://schemas.microsoft.com/office/drawing/2014/main" id="{FFF506F9-840A-0508-4CAF-3AC711D8D5CE}"/>
               </a:ext>
             </a:extLst>
           </p:cNvPr>
@@ -26753,7 +26689,7 @@
           <p:cNvPr id="10" name="TextBox 9">
             <a:extLst>
               <a:ext uri="{FF2B5EF4-FFF2-40B4-BE49-F238E27FC236}">
-                <a16:creationId xmlns:a16="http://schemas.microsoft.com/office/drawing/2014/main" xmlns="" id="{C6D113C6-EA5C-788F-0C77-E7CE6EBB865F}"/>
+                <a16:creationId xmlns:a16="http://schemas.microsoft.com/office/drawing/2014/main" id="{C6D113C6-EA5C-788F-0C77-E7CE6EBB865F}"/>
               </a:ext>
             </a:extLst>
           </p:cNvPr>
@@ -26763,7 +26699,7 @@
         <p:spPr>
           <a:xfrm>
             <a:off x="5105400" y="2857649"/>
-            <a:ext cx="4953000" cy="707886"/>
+            <a:ext cx="5562600" cy="707886"/>
           </a:xfrm>
           <a:prstGeom prst="rect">
             <a:avLst/>
@@ -26777,14 +26713,24 @@
           <a:lstStyle/>
           <a:p>
             <a:r>
-              <a:rPr lang="ko-KR" altLang="en-US" sz="4000">
+              <a:rPr lang="ko-KR" altLang="en-US" sz="4000" dirty="0">
                 <a:solidFill>
                   <a:srgbClr val="FF0000"/>
                 </a:solidFill>
                 <a:latin typeface="G마켓 산스 Medium" panose="02000000000000000000" pitchFamily="50" charset="-127"/>
                 <a:ea typeface="G마켓 산스 Medium" panose="02000000000000000000" pitchFamily="50" charset="-127"/>
               </a:rPr>
-              <a:t>지역변수는 쓰레기값</a:t>
+              <a:t>지역변수는 </a:t>
+            </a:r>
+            <a:r>
+              <a:rPr lang="ko-KR" altLang="en-US" sz="4000" dirty="0" err="1">
+                <a:solidFill>
+                  <a:srgbClr val="FF0000"/>
+                </a:solidFill>
+                <a:latin typeface="G마켓 산스 Medium" panose="02000000000000000000" pitchFamily="50" charset="-127"/>
+                <a:ea typeface="G마켓 산스 Medium" panose="02000000000000000000" pitchFamily="50" charset="-127"/>
+              </a:rPr>
+              <a:t>쓰레기값</a:t>
             </a:r>
             <a:endParaRPr lang="en-US" altLang="ko-KR" sz="4000" dirty="0">
               <a:solidFill>
@@ -26801,7 +26747,7 @@
           <p:cNvPr id="11" name="TextBox 10">
             <a:extLst>
               <a:ext uri="{FF2B5EF4-FFF2-40B4-BE49-F238E27FC236}">
-                <a16:creationId xmlns:a16="http://schemas.microsoft.com/office/drawing/2014/main" xmlns="" id="{C6D113C6-EA5C-788F-0C77-E7CE6EBB865F}"/>
+                <a16:creationId xmlns:a16="http://schemas.microsoft.com/office/drawing/2014/main" id="{C6D113C6-EA5C-788F-0C77-E7CE6EBB865F}"/>
               </a:ext>
             </a:extLst>
           </p:cNvPr>
@@ -26859,7 +26805,7 @@
           <p:cNvPr id="12" name="표 2">
             <a:extLst>
               <a:ext uri="{FF2B5EF4-FFF2-40B4-BE49-F238E27FC236}">
-                <a16:creationId xmlns:a16="http://schemas.microsoft.com/office/drawing/2014/main" xmlns="" id="{D2CC6F32-611A-E22D-EB8C-52D626A5B319}"/>
+                <a16:creationId xmlns:a16="http://schemas.microsoft.com/office/drawing/2014/main" id="{D2CC6F32-611A-E22D-EB8C-52D626A5B319}"/>
               </a:ext>
             </a:extLst>
           </p:cNvPr>
@@ -26869,13 +26815,13 @@
           <p:nvPr>
             <p:extLst>
               <p:ext uri="{D42A27DB-BD31-4B8C-83A1-F6EECF244321}">
-                <p14:modId xmlns:p14="http://schemas.microsoft.com/office/powerpoint/2010/main" val="1514744204"/>
+                <p14:modId xmlns:p14="http://schemas.microsoft.com/office/powerpoint/2010/main" val="718968676"/>
               </p:ext>
             </p:extLst>
           </p:nvPr>
         </p:nvGraphicFramePr>
         <p:xfrm>
-          <a:off x="10836728" y="1234945"/>
+          <a:off x="12210986" y="1246710"/>
           <a:ext cx="3484793" cy="2133600"/>
         </p:xfrm>
         <a:graphic>
@@ -26888,14 +26834,14 @@
                 <a:gridCol w="1731833">
                   <a:extLst>
                     <a:ext uri="{9D8B030D-6E8A-4147-A177-3AD203B41FA5}">
-                      <a16:colId xmlns:a16="http://schemas.microsoft.com/office/drawing/2014/main" xmlns="" val="1960770391"/>
+                      <a16:colId xmlns:a16="http://schemas.microsoft.com/office/drawing/2014/main" val="1960770391"/>
                     </a:ext>
                   </a:extLst>
                 </a:gridCol>
                 <a:gridCol w="1752960">
                   <a:extLst>
                     <a:ext uri="{9D8B030D-6E8A-4147-A177-3AD203B41FA5}">
-                      <a16:colId xmlns:a16="http://schemas.microsoft.com/office/drawing/2014/main" xmlns="" val="733308553"/>
+                      <a16:colId xmlns:a16="http://schemas.microsoft.com/office/drawing/2014/main" val="733308553"/>
                     </a:ext>
                   </a:extLst>
                 </a:gridCol>
@@ -26908,7 +26854,7 @@
                     <a:p>
                       <a:pPr latinLnBrk="1"/>
                       <a:r>
-                        <a:rPr lang="ko-KR" altLang="en-US" sz="2200">
+                        <a:rPr lang="ko-KR" altLang="en-US" sz="2200" dirty="0">
                           <a:solidFill>
                             <a:schemeClr val="bg1"/>
                           </a:solidFill>
@@ -26916,12 +26862,6 @@
                         </a:rPr>
                         <a:t>자료형</a:t>
                       </a:r>
-                      <a:endParaRPr lang="ko-KR" altLang="en-US" sz="2200" dirty="0">
-                        <a:solidFill>
-                          <a:schemeClr val="bg1"/>
-                        </a:solidFill>
-                        <a:ea typeface="G마켓 산스 Medium" panose="02000000000000000000"/>
-                      </a:endParaRPr>
                     </a:p>
                   </a:txBody>
                   <a:tcPr>
@@ -27033,7 +26973,7 @@
                 </a:tc>
                 <a:extLst>
                   <a:ext uri="{0D108BD9-81ED-4DB2-BD59-A6C34878D82A}">
-                    <a16:rowId xmlns:a16="http://schemas.microsoft.com/office/drawing/2014/main" xmlns="" val="2452905565"/>
+                    <a16:rowId xmlns:a16="http://schemas.microsoft.com/office/drawing/2014/main" val="2452905565"/>
                   </a:ext>
                 </a:extLst>
               </a:tr>
@@ -27170,7 +27110,7 @@
                 </a:tc>
                 <a:extLst>
                   <a:ext uri="{0D108BD9-81ED-4DB2-BD59-A6C34878D82A}">
-                    <a16:rowId xmlns:a16="http://schemas.microsoft.com/office/drawing/2014/main" xmlns="" val="3551452526"/>
+                    <a16:rowId xmlns:a16="http://schemas.microsoft.com/office/drawing/2014/main" val="3551452526"/>
                   </a:ext>
                 </a:extLst>
               </a:tr>
@@ -27291,7 +27231,7 @@
                 </a:tc>
                 <a:extLst>
                   <a:ext uri="{0D108BD9-81ED-4DB2-BD59-A6C34878D82A}">
-                    <a16:rowId xmlns:a16="http://schemas.microsoft.com/office/drawing/2014/main" xmlns="" val="3645064171"/>
+                    <a16:rowId xmlns:a16="http://schemas.microsoft.com/office/drawing/2014/main" val="3645064171"/>
                   </a:ext>
                 </a:extLst>
               </a:tr>
@@ -27412,7 +27352,7 @@
                 </a:tc>
                 <a:extLst>
                   <a:ext uri="{0D108BD9-81ED-4DB2-BD59-A6C34878D82A}">
-                    <a16:rowId xmlns:a16="http://schemas.microsoft.com/office/drawing/2014/main" xmlns="" val="2802120283"/>
+                    <a16:rowId xmlns:a16="http://schemas.microsoft.com/office/drawing/2014/main" val="2802120283"/>
                   </a:ext>
                 </a:extLst>
               </a:tr>
@@ -27481,7 +27421,7 @@
                     <a:p>
                       <a:pPr latinLnBrk="1"/>
                       <a:r>
-                        <a:rPr lang="en-US" altLang="ko-KR" sz="2200">
+                        <a:rPr lang="en-US" altLang="ko-KR" sz="2200" dirty="0">
                           <a:ea typeface="G마켓 산스 Medium" panose="02000000000000000000"/>
                         </a:rPr>
                         <a:t>0</a:t>
@@ -27533,7 +27473,7 @@
                 </a:tc>
                 <a:extLst>
                   <a:ext uri="{0D108BD9-81ED-4DB2-BD59-A6C34878D82A}">
-                    <a16:rowId xmlns:a16="http://schemas.microsoft.com/office/drawing/2014/main" xmlns="" val="1362299918"/>
+                    <a16:rowId xmlns:a16="http://schemas.microsoft.com/office/drawing/2014/main" val="1362299918"/>
                   </a:ext>
                 </a:extLst>
               </a:tr>
@@ -27973,7 +27913,7 @@
           <p:cNvPr id="60" name="TextBox 59">
             <a:extLst>
               <a:ext uri="{FF2B5EF4-FFF2-40B4-BE49-F238E27FC236}">
-                <a16:creationId xmlns:a16="http://schemas.microsoft.com/office/drawing/2014/main" xmlns="" id="{5ADC00B6-990A-40DC-3CEA-505258F5E8DA}"/>
+                <a16:creationId xmlns:a16="http://schemas.microsoft.com/office/drawing/2014/main" id="{5ADC00B6-990A-40DC-3CEA-505258F5E8DA}"/>
               </a:ext>
             </a:extLst>
           </p:cNvPr>
@@ -28021,7 +27961,7 @@
           <p:cNvPr id="61" name="TextBox 60">
             <a:extLst>
               <a:ext uri="{FF2B5EF4-FFF2-40B4-BE49-F238E27FC236}">
-                <a16:creationId xmlns:a16="http://schemas.microsoft.com/office/drawing/2014/main" xmlns="" id="{5ADC00B6-990A-40DC-3CEA-505258F5E8DA}"/>
+                <a16:creationId xmlns:a16="http://schemas.microsoft.com/office/drawing/2014/main" id="{5ADC00B6-990A-40DC-3CEA-505258F5E8DA}"/>
               </a:ext>
             </a:extLst>
           </p:cNvPr>
@@ -28069,7 +28009,7 @@
           <p:cNvPr id="62" name="TextBox 61">
             <a:extLst>
               <a:ext uri="{FF2B5EF4-FFF2-40B4-BE49-F238E27FC236}">
-                <a16:creationId xmlns:a16="http://schemas.microsoft.com/office/drawing/2014/main" xmlns="" id="{5ADC00B6-990A-40DC-3CEA-505258F5E8DA}"/>
+                <a16:creationId xmlns:a16="http://schemas.microsoft.com/office/drawing/2014/main" id="{5ADC00B6-990A-40DC-3CEA-505258F5E8DA}"/>
               </a:ext>
             </a:extLst>
           </p:cNvPr>
@@ -28117,7 +28057,7 @@
           <p:cNvPr id="19" name="TextBox 18">
             <a:extLst>
               <a:ext uri="{FF2B5EF4-FFF2-40B4-BE49-F238E27FC236}">
-                <a16:creationId xmlns:a16="http://schemas.microsoft.com/office/drawing/2014/main" xmlns="" id="{5ADC00B6-990A-40DC-3CEA-505258F5E8DA}"/>
+                <a16:creationId xmlns:a16="http://schemas.microsoft.com/office/drawing/2014/main" id="{5ADC00B6-990A-40DC-3CEA-505258F5E8DA}"/>
               </a:ext>
             </a:extLst>
           </p:cNvPr>
@@ -28190,13 +28130,6 @@
   <p:clrMapOvr>
     <a:masterClrMapping/>
   </p:clrMapOvr>
-  <p:timing>
-    <p:tnLst>
-      <p:par>
-        <p:cTn id="1" dur="indefinite" restart="never" nodeType="tmRoot"/>
-      </p:par>
-    </p:tnLst>
-  </p:timing>
 </p:sld>
 </file>
 
@@ -28222,7 +28155,7 @@
           <p:cNvPr id="4" name="TextBox 3">
             <a:extLst>
               <a:ext uri="{FF2B5EF4-FFF2-40B4-BE49-F238E27FC236}">
-                <a16:creationId xmlns:a16="http://schemas.microsoft.com/office/drawing/2014/main" xmlns="" id="{5ADC00B6-990A-40DC-3CEA-505258F5E8DA}"/>
+                <a16:creationId xmlns:a16="http://schemas.microsoft.com/office/drawing/2014/main" id="{5ADC00B6-990A-40DC-3CEA-505258F5E8DA}"/>
               </a:ext>
             </a:extLst>
           </p:cNvPr>
@@ -28294,7 +28227,7 @@
           <p:cNvPr id="6" name="TextBox 5">
             <a:extLst>
               <a:ext uri="{FF2B5EF4-FFF2-40B4-BE49-F238E27FC236}">
-                <a16:creationId xmlns:a16="http://schemas.microsoft.com/office/drawing/2014/main" xmlns="" id="{5ADC00B6-990A-40DC-3CEA-505258F5E8DA}"/>
+                <a16:creationId xmlns:a16="http://schemas.microsoft.com/office/drawing/2014/main" id="{5ADC00B6-990A-40DC-3CEA-505258F5E8DA}"/>
               </a:ext>
             </a:extLst>
           </p:cNvPr>
@@ -28484,7 +28417,7 @@
           <p:cNvPr id="4" name="TextBox 3">
             <a:extLst>
               <a:ext uri="{FF2B5EF4-FFF2-40B4-BE49-F238E27FC236}">
-                <a16:creationId xmlns:a16="http://schemas.microsoft.com/office/drawing/2014/main" xmlns="" id="{5ADC00B6-990A-40DC-3CEA-505258F5E8DA}"/>
+                <a16:creationId xmlns:a16="http://schemas.microsoft.com/office/drawing/2014/main" id="{5ADC00B6-990A-40DC-3CEA-505258F5E8DA}"/>
               </a:ext>
             </a:extLst>
           </p:cNvPr>
@@ -28556,7 +28489,7 @@
           <p:cNvPr id="8" name="직사각형 7">
             <a:extLst>
               <a:ext uri="{FF2B5EF4-FFF2-40B4-BE49-F238E27FC236}">
-                <a16:creationId xmlns:a16="http://schemas.microsoft.com/office/drawing/2014/main" xmlns="" id="{FFF506F9-840A-0508-4CAF-3AC711D8D5CE}"/>
+                <a16:creationId xmlns:a16="http://schemas.microsoft.com/office/drawing/2014/main" id="{FFF506F9-840A-0508-4CAF-3AC711D8D5CE}"/>
               </a:ext>
             </a:extLst>
           </p:cNvPr>
@@ -28608,7 +28541,7 @@
           <p:cNvPr id="9" name="직사각형 8">
             <a:extLst>
               <a:ext uri="{FF2B5EF4-FFF2-40B4-BE49-F238E27FC236}">
-                <a16:creationId xmlns:a16="http://schemas.microsoft.com/office/drawing/2014/main" xmlns="" id="{FFF506F9-840A-0508-4CAF-3AC711D8D5CE}"/>
+                <a16:creationId xmlns:a16="http://schemas.microsoft.com/office/drawing/2014/main" id="{FFF506F9-840A-0508-4CAF-3AC711D8D5CE}"/>
               </a:ext>
             </a:extLst>
           </p:cNvPr>
@@ -28660,7 +28593,7 @@
           <p:cNvPr id="10" name="직사각형 9">
             <a:extLst>
               <a:ext uri="{FF2B5EF4-FFF2-40B4-BE49-F238E27FC236}">
-                <a16:creationId xmlns:a16="http://schemas.microsoft.com/office/drawing/2014/main" xmlns="" id="{FFF506F9-840A-0508-4CAF-3AC711D8D5CE}"/>
+                <a16:creationId xmlns:a16="http://schemas.microsoft.com/office/drawing/2014/main" id="{FFF506F9-840A-0508-4CAF-3AC711D8D5CE}"/>
               </a:ext>
             </a:extLst>
           </p:cNvPr>
@@ -28712,7 +28645,7 @@
           <p:cNvPr id="12" name="그룹 1008">
             <a:extLst>
               <a:ext uri="{FF2B5EF4-FFF2-40B4-BE49-F238E27FC236}">
-                <a16:creationId xmlns:a16="http://schemas.microsoft.com/office/drawing/2014/main" xmlns="" id="{678F6342-C505-E8AD-ADA4-022CB2C2088E}"/>
+                <a16:creationId xmlns:a16="http://schemas.microsoft.com/office/drawing/2014/main" id="{678F6342-C505-E8AD-ADA4-022CB2C2088E}"/>
               </a:ext>
             </a:extLst>
           </p:cNvPr>
@@ -28732,7 +28665,7 @@
             <p:cNvPr id="13" name="그룹 1009">
               <a:extLst>
                 <a:ext uri="{FF2B5EF4-FFF2-40B4-BE49-F238E27FC236}">
-                  <a16:creationId xmlns:a16="http://schemas.microsoft.com/office/drawing/2014/main" xmlns="" id="{4E1F1FED-812B-9BBB-925A-84B54A077414}"/>
+                  <a16:creationId xmlns:a16="http://schemas.microsoft.com/office/drawing/2014/main" id="{4E1F1FED-812B-9BBB-925A-84B54A077414}"/>
                 </a:ext>
               </a:extLst>
             </p:cNvPr>
@@ -28752,7 +28685,7 @@
               <p:cNvPr id="18" name="Object 29">
                 <a:extLst>
                   <a:ext uri="{FF2B5EF4-FFF2-40B4-BE49-F238E27FC236}">
-                    <a16:creationId xmlns:a16="http://schemas.microsoft.com/office/drawing/2014/main" xmlns="" id="{7B078609-4286-7B00-51EB-809C8E2DE289}"/>
+                    <a16:creationId xmlns:a16="http://schemas.microsoft.com/office/drawing/2014/main" id="{7B078609-4286-7B00-51EB-809C8E2DE289}"/>
                   </a:ext>
                 </a:extLst>
               </p:cNvPr>
@@ -28783,7 +28716,7 @@
             <p:cNvPr id="14" name="그룹 1010">
               <a:extLst>
                 <a:ext uri="{FF2B5EF4-FFF2-40B4-BE49-F238E27FC236}">
-                  <a16:creationId xmlns:a16="http://schemas.microsoft.com/office/drawing/2014/main" xmlns="" id="{02A649BF-B5B5-FBAF-7DFD-E118A4DF8907}"/>
+                  <a16:creationId xmlns:a16="http://schemas.microsoft.com/office/drawing/2014/main" id="{02A649BF-B5B5-FBAF-7DFD-E118A4DF8907}"/>
                 </a:ext>
               </a:extLst>
             </p:cNvPr>
@@ -28803,7 +28736,7 @@
               <p:cNvPr id="17" name="Object 32">
                 <a:extLst>
                   <a:ext uri="{FF2B5EF4-FFF2-40B4-BE49-F238E27FC236}">
-                    <a16:creationId xmlns:a16="http://schemas.microsoft.com/office/drawing/2014/main" xmlns="" id="{2A0FFF23-B3C9-3EA0-1C1B-A87D4FF098AE}"/>
+                    <a16:creationId xmlns:a16="http://schemas.microsoft.com/office/drawing/2014/main" id="{2A0FFF23-B3C9-3EA0-1C1B-A87D4FF098AE}"/>
                   </a:ext>
                 </a:extLst>
               </p:cNvPr>
@@ -28834,7 +28767,7 @@
             <p:cNvPr id="15" name="그룹 1011">
               <a:extLst>
                 <a:ext uri="{FF2B5EF4-FFF2-40B4-BE49-F238E27FC236}">
-                  <a16:creationId xmlns:a16="http://schemas.microsoft.com/office/drawing/2014/main" xmlns="" id="{881F5410-F7FB-F261-A584-707359BAC593}"/>
+                  <a16:creationId xmlns:a16="http://schemas.microsoft.com/office/drawing/2014/main" id="{881F5410-F7FB-F261-A584-707359BAC593}"/>
                 </a:ext>
               </a:extLst>
             </p:cNvPr>
@@ -28854,7 +28787,7 @@
               <p:cNvPr id="16" name="Object 35">
                 <a:extLst>
                   <a:ext uri="{FF2B5EF4-FFF2-40B4-BE49-F238E27FC236}">
-                    <a16:creationId xmlns:a16="http://schemas.microsoft.com/office/drawing/2014/main" xmlns="" id="{4E99E669-73EB-F9F4-EFE8-DC107035C265}"/>
+                    <a16:creationId xmlns:a16="http://schemas.microsoft.com/office/drawing/2014/main" id="{4E99E669-73EB-F9F4-EFE8-DC107035C265}"/>
                   </a:ext>
                 </a:extLst>
               </p:cNvPr>
@@ -28886,7 +28819,7 @@
           <p:cNvPr id="19" name="직사각형 18">
             <a:extLst>
               <a:ext uri="{FF2B5EF4-FFF2-40B4-BE49-F238E27FC236}">
-                <a16:creationId xmlns:a16="http://schemas.microsoft.com/office/drawing/2014/main" xmlns="" id="{FFF506F9-840A-0508-4CAF-3AC711D8D5CE}"/>
+                <a16:creationId xmlns:a16="http://schemas.microsoft.com/office/drawing/2014/main" id="{FFF506F9-840A-0508-4CAF-3AC711D8D5CE}"/>
               </a:ext>
             </a:extLst>
           </p:cNvPr>
@@ -29184,7 +29117,7 @@
           <p:cNvPr id="4" name="TextBox 3">
             <a:extLst>
               <a:ext uri="{FF2B5EF4-FFF2-40B4-BE49-F238E27FC236}">
-                <a16:creationId xmlns:a16="http://schemas.microsoft.com/office/drawing/2014/main" xmlns="" id="{DF7DDD33-9412-2802-339A-E55446AC2DA7}"/>
+                <a16:creationId xmlns:a16="http://schemas.microsoft.com/office/drawing/2014/main" id="{DF7DDD33-9412-2802-339A-E55446AC2DA7}"/>
               </a:ext>
             </a:extLst>
           </p:cNvPr>
@@ -29280,7 +29213,7 @@
           <p:cNvPr id="6" name="직사각형 5">
             <a:extLst>
               <a:ext uri="{FF2B5EF4-FFF2-40B4-BE49-F238E27FC236}">
-                <a16:creationId xmlns:a16="http://schemas.microsoft.com/office/drawing/2014/main" xmlns="" id="{FFF506F9-840A-0508-4CAF-3AC711D8D5CE}"/>
+                <a16:creationId xmlns:a16="http://schemas.microsoft.com/office/drawing/2014/main" id="{FFF506F9-840A-0508-4CAF-3AC711D8D5CE}"/>
               </a:ext>
             </a:extLst>
           </p:cNvPr>
@@ -29332,7 +29265,7 @@
           <p:cNvPr id="9" name="그룹 1008">
             <a:extLst>
               <a:ext uri="{FF2B5EF4-FFF2-40B4-BE49-F238E27FC236}">
-                <a16:creationId xmlns:a16="http://schemas.microsoft.com/office/drawing/2014/main" xmlns="" id="{E395BDE3-2EDE-065D-70E8-56E348228ACF}"/>
+                <a16:creationId xmlns:a16="http://schemas.microsoft.com/office/drawing/2014/main" id="{E395BDE3-2EDE-065D-70E8-56E348228ACF}"/>
               </a:ext>
             </a:extLst>
           </p:cNvPr>
@@ -29352,7 +29285,7 @@
             <p:cNvPr id="10" name="그룹 1009">
               <a:extLst>
                 <a:ext uri="{FF2B5EF4-FFF2-40B4-BE49-F238E27FC236}">
-                  <a16:creationId xmlns:a16="http://schemas.microsoft.com/office/drawing/2014/main" xmlns="" id="{852F4DEB-DB33-DB3F-9E9F-52A46CD0B10A}"/>
+                  <a16:creationId xmlns:a16="http://schemas.microsoft.com/office/drawing/2014/main" id="{852F4DEB-DB33-DB3F-9E9F-52A46CD0B10A}"/>
                 </a:ext>
               </a:extLst>
             </p:cNvPr>
@@ -29372,7 +29305,7 @@
               <p:cNvPr id="15" name="Object 29">
                 <a:extLst>
                   <a:ext uri="{FF2B5EF4-FFF2-40B4-BE49-F238E27FC236}">
-                    <a16:creationId xmlns:a16="http://schemas.microsoft.com/office/drawing/2014/main" xmlns="" id="{7E353D3B-14D4-8A64-5888-3F0C062C2CDD}"/>
+                    <a16:creationId xmlns:a16="http://schemas.microsoft.com/office/drawing/2014/main" id="{7E353D3B-14D4-8A64-5888-3F0C062C2CDD}"/>
                   </a:ext>
                 </a:extLst>
               </p:cNvPr>
@@ -29403,7 +29336,7 @@
             <p:cNvPr id="11" name="그룹 1010">
               <a:extLst>
                 <a:ext uri="{FF2B5EF4-FFF2-40B4-BE49-F238E27FC236}">
-                  <a16:creationId xmlns:a16="http://schemas.microsoft.com/office/drawing/2014/main" xmlns="" id="{001E38AB-1390-ABD0-BE01-9727136FEAEE}"/>
+                  <a16:creationId xmlns:a16="http://schemas.microsoft.com/office/drawing/2014/main" id="{001E38AB-1390-ABD0-BE01-9727136FEAEE}"/>
                 </a:ext>
               </a:extLst>
             </p:cNvPr>
@@ -29423,7 +29356,7 @@
               <p:cNvPr id="14" name="Object 32">
                 <a:extLst>
                   <a:ext uri="{FF2B5EF4-FFF2-40B4-BE49-F238E27FC236}">
-                    <a16:creationId xmlns:a16="http://schemas.microsoft.com/office/drawing/2014/main" xmlns="" id="{2ED1C30F-0D0B-F86C-8215-2598D332B5A3}"/>
+                    <a16:creationId xmlns:a16="http://schemas.microsoft.com/office/drawing/2014/main" id="{2ED1C30F-0D0B-F86C-8215-2598D332B5A3}"/>
                   </a:ext>
                 </a:extLst>
               </p:cNvPr>
@@ -29454,7 +29387,7 @@
             <p:cNvPr id="12" name="그룹 1011">
               <a:extLst>
                 <a:ext uri="{FF2B5EF4-FFF2-40B4-BE49-F238E27FC236}">
-                  <a16:creationId xmlns:a16="http://schemas.microsoft.com/office/drawing/2014/main" xmlns="" id="{1BCB8DE5-ABAF-4198-BC16-85BB76F2DB24}"/>
+                  <a16:creationId xmlns:a16="http://schemas.microsoft.com/office/drawing/2014/main" id="{1BCB8DE5-ABAF-4198-BC16-85BB76F2DB24}"/>
                 </a:ext>
               </a:extLst>
             </p:cNvPr>
@@ -29474,7 +29407,7 @@
               <p:cNvPr id="13" name="Object 35">
                 <a:extLst>
                   <a:ext uri="{FF2B5EF4-FFF2-40B4-BE49-F238E27FC236}">
-                    <a16:creationId xmlns:a16="http://schemas.microsoft.com/office/drawing/2014/main" xmlns="" id="{86E7BA23-0A1E-B581-CADC-06AB269DB2BD}"/>
+                    <a16:creationId xmlns:a16="http://schemas.microsoft.com/office/drawing/2014/main" id="{86E7BA23-0A1E-B581-CADC-06AB269DB2BD}"/>
                   </a:ext>
                 </a:extLst>
               </p:cNvPr>
@@ -29506,7 +29439,7 @@
           <p:cNvPr id="16" name="TextBox 15">
             <a:extLst>
               <a:ext uri="{FF2B5EF4-FFF2-40B4-BE49-F238E27FC236}">
-                <a16:creationId xmlns:a16="http://schemas.microsoft.com/office/drawing/2014/main" xmlns="" id="{C6D113C6-EA5C-788F-0C77-E7CE6EBB865F}"/>
+                <a16:creationId xmlns:a16="http://schemas.microsoft.com/office/drawing/2014/main" id="{C6D113C6-EA5C-788F-0C77-E7CE6EBB865F}"/>
               </a:ext>
             </a:extLst>
           </p:cNvPr>
@@ -29744,7 +29677,7 @@
           <p:cNvPr id="4" name="TextBox 3">
             <a:extLst>
               <a:ext uri="{FF2B5EF4-FFF2-40B4-BE49-F238E27FC236}">
-                <a16:creationId xmlns:a16="http://schemas.microsoft.com/office/drawing/2014/main" xmlns="" id="{5ADC00B6-990A-40DC-3CEA-505258F5E8DA}"/>
+                <a16:creationId xmlns:a16="http://schemas.microsoft.com/office/drawing/2014/main" id="{5ADC00B6-990A-40DC-3CEA-505258F5E8DA}"/>
               </a:ext>
             </a:extLst>
           </p:cNvPr>
@@ -29793,7 +29726,7 @@
           </a:p>
           <a:p>
             <a:r>
-              <a:rPr lang="en-US" altLang="ko-KR" sz="4800" smtClean="0">
+              <a:rPr lang="en-US" altLang="ko-KR" sz="4800">
                 <a:solidFill>
                   <a:srgbClr val="FF0000"/>
                 </a:solidFill>
@@ -29803,7 +29736,7 @@
               <a:t>(</a:t>
             </a:r>
             <a:r>
-              <a:rPr lang="ko-KR" altLang="en-US" sz="4800" smtClean="0">
+              <a:rPr lang="ko-KR" altLang="en-US" sz="4800">
                 <a:solidFill>
                   <a:srgbClr val="FF0000"/>
                 </a:solidFill>
@@ -29813,7 +29746,7 @@
               <a:t>프로그램이 실행될때</a:t>
             </a:r>
             <a:r>
-              <a:rPr lang="en-US" altLang="ko-KR" sz="4800" smtClean="0">
+              <a:rPr lang="en-US" altLang="ko-KR" sz="4800">
                 <a:solidFill>
                   <a:srgbClr val="FF0000"/>
                 </a:solidFill>
@@ -29840,7 +29773,7 @@
           <p:cNvPr id="5" name="TextBox 4">
             <a:extLst>
               <a:ext uri="{FF2B5EF4-FFF2-40B4-BE49-F238E27FC236}">
-                <a16:creationId xmlns:a16="http://schemas.microsoft.com/office/drawing/2014/main" xmlns="" id="{5ADC00B6-990A-40DC-3CEA-505258F5E8DA}"/>
+                <a16:creationId xmlns:a16="http://schemas.microsoft.com/office/drawing/2014/main" id="{5ADC00B6-990A-40DC-3CEA-505258F5E8DA}"/>
               </a:ext>
             </a:extLst>
           </p:cNvPr>
@@ -29850,7 +29783,7 @@
         <p:spPr>
           <a:xfrm>
             <a:off x="1981200" y="4561196"/>
-            <a:ext cx="13616354" cy="830997"/>
+            <a:ext cx="14478000" cy="830997"/>
           </a:xfrm>
           <a:prstGeom prst="rect">
             <a:avLst/>
@@ -29864,7 +29797,7 @@
           <a:lstStyle/>
           <a:p>
             <a:r>
-              <a:rPr lang="ko-KR" altLang="en-US" sz="4800">
+              <a:rPr lang="ko-KR" altLang="en-US" sz="4800" dirty="0">
                 <a:solidFill>
                   <a:schemeClr val="tx1">
                     <a:lumMod val="50000"/>
@@ -29874,7 +29807,33 @@
                 <a:latin typeface="G마켓 산스 Medium" panose="02000000000000000000" pitchFamily="50" charset="-127"/>
                 <a:ea typeface="G마켓 산스 Medium" panose="02000000000000000000" pitchFamily="50" charset="-127"/>
               </a:rPr>
-              <a:t>인스턴스가 만들어질때 마다 생성자보다 먼저 실행</a:t>
+              <a:t>인스턴스가 </a:t>
+            </a:r>
+            <a:r>
+              <a:rPr lang="ko-KR" altLang="en-US" sz="4800" dirty="0" err="1">
+                <a:solidFill>
+                  <a:schemeClr val="tx1">
+                    <a:lumMod val="50000"/>
+                    <a:lumOff val="50000"/>
+                  </a:schemeClr>
+                </a:solidFill>
+                <a:latin typeface="G마켓 산스 Medium" panose="02000000000000000000" pitchFamily="50" charset="-127"/>
+                <a:ea typeface="G마켓 산스 Medium" panose="02000000000000000000" pitchFamily="50" charset="-127"/>
+              </a:rPr>
+              <a:t>만들어질때</a:t>
+            </a:r>
+            <a:r>
+              <a:rPr lang="ko-KR" altLang="en-US" sz="4800" dirty="0">
+                <a:solidFill>
+                  <a:schemeClr val="tx1">
+                    <a:lumMod val="50000"/>
+                    <a:lumOff val="50000"/>
+                  </a:schemeClr>
+                </a:solidFill>
+                <a:latin typeface="G마켓 산스 Medium" panose="02000000000000000000" pitchFamily="50" charset="-127"/>
+                <a:ea typeface="G마켓 산스 Medium" panose="02000000000000000000" pitchFamily="50" charset="-127"/>
+              </a:rPr>
+              <a:t> 마다 생성자보다 먼저 실행</a:t>
             </a:r>
             <a:endParaRPr lang="en-US" altLang="ko-KR" sz="4800" dirty="0">
               <a:solidFill>
@@ -29894,7 +29853,7 @@
           <p:cNvPr id="6" name="TextBox 5">
             <a:extLst>
               <a:ext uri="{FF2B5EF4-FFF2-40B4-BE49-F238E27FC236}">
-                <a16:creationId xmlns:a16="http://schemas.microsoft.com/office/drawing/2014/main" xmlns="" id="{5ADC00B6-990A-40DC-3CEA-505258F5E8DA}"/>
+                <a16:creationId xmlns:a16="http://schemas.microsoft.com/office/drawing/2014/main" id="{5ADC00B6-990A-40DC-3CEA-505258F5E8DA}"/>
               </a:ext>
             </a:extLst>
           </p:cNvPr>
@@ -29952,7 +29911,7 @@
           <p:cNvPr id="7" name="TextBox 6">
             <a:extLst>
               <a:ext uri="{FF2B5EF4-FFF2-40B4-BE49-F238E27FC236}">
-                <a16:creationId xmlns:a16="http://schemas.microsoft.com/office/drawing/2014/main" xmlns="" id="{5ADC00B6-990A-40DC-3CEA-505258F5E8DA}"/>
+                <a16:creationId xmlns:a16="http://schemas.microsoft.com/office/drawing/2014/main" id="{5ADC00B6-990A-40DC-3CEA-505258F5E8DA}"/>
               </a:ext>
             </a:extLst>
           </p:cNvPr>
@@ -30222,7 +30181,7 @@
           <p:cNvPr id="5" name="직선 화살표 연결선 4">
             <a:extLst>
               <a:ext uri="{FF2B5EF4-FFF2-40B4-BE49-F238E27FC236}">
-                <a16:creationId xmlns:a16="http://schemas.microsoft.com/office/drawing/2014/main" xmlns="" id="{299DF5EC-9DF4-5255-06AC-0A7CE4FF58C3}"/>
+                <a16:creationId xmlns:a16="http://schemas.microsoft.com/office/drawing/2014/main" id="{299DF5EC-9DF4-5255-06AC-0A7CE4FF58C3}"/>
               </a:ext>
             </a:extLst>
           </p:cNvPr>
@@ -30263,7 +30222,7 @@
           <p:cNvPr id="6" name="직사각형 5">
             <a:extLst>
               <a:ext uri="{FF2B5EF4-FFF2-40B4-BE49-F238E27FC236}">
-                <a16:creationId xmlns:a16="http://schemas.microsoft.com/office/drawing/2014/main" xmlns="" id="{FFF506F9-840A-0508-4CAF-3AC711D8D5CE}"/>
+                <a16:creationId xmlns:a16="http://schemas.microsoft.com/office/drawing/2014/main" id="{FFF506F9-840A-0508-4CAF-3AC711D8D5CE}"/>
               </a:ext>
             </a:extLst>
           </p:cNvPr>
@@ -30315,7 +30274,7 @@
           <p:cNvPr id="7" name="TextBox 6">
             <a:extLst>
               <a:ext uri="{FF2B5EF4-FFF2-40B4-BE49-F238E27FC236}">
-                <a16:creationId xmlns:a16="http://schemas.microsoft.com/office/drawing/2014/main" xmlns="" id="{C6D113C6-EA5C-788F-0C77-E7CE6EBB865F}"/>
+                <a16:creationId xmlns:a16="http://schemas.microsoft.com/office/drawing/2014/main" id="{C6D113C6-EA5C-788F-0C77-E7CE6EBB865F}"/>
               </a:ext>
             </a:extLst>
           </p:cNvPr>
@@ -30378,13 +30337,6 @@
   <p:clrMapOvr>
     <a:masterClrMapping/>
   </p:clrMapOvr>
-  <p:timing>
-    <p:tnLst>
-      <p:par>
-        <p:cTn id="1" dur="indefinite" restart="never" nodeType="tmRoot"/>
-      </p:par>
-    </p:tnLst>
-  </p:timing>
 </p:sld>
 </file>
 
@@ -30410,7 +30362,7 @@
           <p:cNvPr id="4" name="TextBox 3">
             <a:extLst>
               <a:ext uri="{FF2B5EF4-FFF2-40B4-BE49-F238E27FC236}">
-                <a16:creationId xmlns:a16="http://schemas.microsoft.com/office/drawing/2014/main" xmlns="" id="{5ADC00B6-990A-40DC-3CEA-505258F5E8DA}"/>
+                <a16:creationId xmlns:a16="http://schemas.microsoft.com/office/drawing/2014/main" id="{5ADC00B6-990A-40DC-3CEA-505258F5E8DA}"/>
               </a:ext>
             </a:extLst>
           </p:cNvPr>
@@ -30420,7 +30372,7 @@
         <p:spPr>
           <a:xfrm>
             <a:off x="5105400" y="3467100"/>
-            <a:ext cx="7391400" cy="830997"/>
+            <a:ext cx="10134600" cy="830997"/>
           </a:xfrm>
           <a:prstGeom prst="rect">
             <a:avLst/>
@@ -30434,7 +30386,7 @@
           <a:lstStyle/>
           <a:p>
             <a:r>
-              <a:rPr lang="ko-KR" altLang="en-US" sz="4800" smtClean="0">
+              <a:rPr lang="ko-KR" altLang="en-US" sz="4800" dirty="0">
                 <a:solidFill>
                   <a:srgbClr val="4C50BC"/>
                 </a:solidFill>
@@ -30444,7 +30396,7 @@
               <a:t>초기화 블록은 왜 필요할까</a:t>
             </a:r>
             <a:r>
-              <a:rPr lang="en-US" altLang="ko-KR" sz="4800" smtClean="0">
+              <a:rPr lang="en-US" altLang="ko-KR" sz="4800" dirty="0">
                 <a:solidFill>
                   <a:srgbClr val="4C50BC"/>
                 </a:solidFill>
@@ -30453,13 +30405,6 @@
               </a:rPr>
               <a:t>?</a:t>
             </a:r>
-            <a:endParaRPr lang="en-US" altLang="ko-KR" sz="4800" dirty="0">
-              <a:solidFill>
-                <a:srgbClr val="4C50BC"/>
-              </a:solidFill>
-              <a:latin typeface="G마켓 산스 Medium" panose="02000000000000000000" pitchFamily="50" charset="-127"/>
-              <a:ea typeface="G마켓 산스 Medium" panose="02000000000000000000" pitchFamily="50" charset="-127"/>
-            </a:endParaRPr>
           </a:p>
         </p:txBody>
       </p:sp>
@@ -30473,13 +30418,6 @@
   <p:clrMapOvr>
     <a:masterClrMapping/>
   </p:clrMapOvr>
-  <p:timing>
-    <p:tnLst>
-      <p:par>
-        <p:cTn id="1" dur="indefinite" restart="never" nodeType="tmRoot"/>
-      </p:par>
-    </p:tnLst>
-  </p:timing>
 </p:sld>
 </file>
 
@@ -30529,7 +30467,7 @@
           <p:cNvPr id="5" name="직선 화살표 연결선 4">
             <a:extLst>
               <a:ext uri="{FF2B5EF4-FFF2-40B4-BE49-F238E27FC236}">
-                <a16:creationId xmlns:a16="http://schemas.microsoft.com/office/drawing/2014/main" xmlns="" id="{299DF5EC-9DF4-5255-06AC-0A7CE4FF58C3}"/>
+                <a16:creationId xmlns:a16="http://schemas.microsoft.com/office/drawing/2014/main" id="{299DF5EC-9DF4-5255-06AC-0A7CE4FF58C3}"/>
               </a:ext>
             </a:extLst>
           </p:cNvPr>
@@ -30570,7 +30508,7 @@
           <p:cNvPr id="6" name="TextBox 5">
             <a:extLst>
               <a:ext uri="{FF2B5EF4-FFF2-40B4-BE49-F238E27FC236}">
-                <a16:creationId xmlns:a16="http://schemas.microsoft.com/office/drawing/2014/main" xmlns="" id="{C6D113C6-EA5C-788F-0C77-E7CE6EBB865F}"/>
+                <a16:creationId xmlns:a16="http://schemas.microsoft.com/office/drawing/2014/main" id="{C6D113C6-EA5C-788F-0C77-E7CE6EBB865F}"/>
               </a:ext>
             </a:extLst>
           </p:cNvPr>
@@ -30594,7 +30532,7 @@
           <a:lstStyle/>
           <a:p>
             <a:r>
-              <a:rPr lang="ko-KR" altLang="en-US" sz="3600" smtClean="0">
+              <a:rPr lang="ko-KR" altLang="en-US" sz="3600">
                 <a:solidFill>
                   <a:srgbClr val="FF0000"/>
                 </a:solidFill>
@@ -30604,7 +30542,7 @@
               <a:t>학생 객체가 만들어 질때마다 카운트를 올려 객체가 생성된 개수를 관리한다</a:t>
             </a:r>
             <a:r>
-              <a:rPr lang="en-US" altLang="ko-KR" sz="3600" smtClean="0">
+              <a:rPr lang="en-US" altLang="ko-KR" sz="3600">
                 <a:solidFill>
                   <a:srgbClr val="FF0000"/>
                 </a:solidFill>
@@ -30628,7 +30566,7 @@
           <p:cNvPr id="7" name="직선 화살표 연결선 6">
             <a:extLst>
               <a:ext uri="{FF2B5EF4-FFF2-40B4-BE49-F238E27FC236}">
-                <a16:creationId xmlns:a16="http://schemas.microsoft.com/office/drawing/2014/main" xmlns="" id="{299DF5EC-9DF4-5255-06AC-0A7CE4FF58C3}"/>
+                <a16:creationId xmlns:a16="http://schemas.microsoft.com/office/drawing/2014/main" id="{299DF5EC-9DF4-5255-06AC-0A7CE4FF58C3}"/>
               </a:ext>
             </a:extLst>
           </p:cNvPr>
@@ -30669,7 +30607,7 @@
           <p:cNvPr id="8" name="TextBox 7">
             <a:extLst>
               <a:ext uri="{FF2B5EF4-FFF2-40B4-BE49-F238E27FC236}">
-                <a16:creationId xmlns:a16="http://schemas.microsoft.com/office/drawing/2014/main" xmlns="" id="{C6D113C6-EA5C-788F-0C77-E7CE6EBB865F}"/>
+                <a16:creationId xmlns:a16="http://schemas.microsoft.com/office/drawing/2014/main" id="{C6D113C6-EA5C-788F-0C77-E7CE6EBB865F}"/>
               </a:ext>
             </a:extLst>
           </p:cNvPr>
@@ -30693,7 +30631,7 @@
           <a:lstStyle/>
           <a:p>
             <a:r>
-              <a:rPr lang="ko-KR" altLang="en-US" sz="3600" smtClean="0">
+              <a:rPr lang="ko-KR" altLang="en-US" sz="3600">
                 <a:solidFill>
                   <a:srgbClr val="FF0000"/>
                 </a:solidFill>
@@ -30703,7 +30641,7 @@
               <a:t>모든 생성자에 다 작성해줘야 된다</a:t>
             </a:r>
             <a:r>
-              <a:rPr lang="en-US" altLang="ko-KR" sz="3600" smtClean="0">
+              <a:rPr lang="en-US" altLang="ko-KR" sz="3600">
                 <a:solidFill>
                   <a:srgbClr val="FF0000"/>
                 </a:solidFill>
@@ -30732,13 +30670,6 @@
   <p:clrMapOvr>
     <a:masterClrMapping/>
   </p:clrMapOvr>
-  <p:timing>
-    <p:tnLst>
-      <p:par>
-        <p:cTn id="1" dur="indefinite" restart="never" nodeType="tmRoot"/>
-      </p:par>
-    </p:tnLst>
-  </p:timing>
 </p:sld>
 </file>
 
@@ -30788,7 +30719,7 @@
           <p:cNvPr id="5" name="직선 화살표 연결선 4">
             <a:extLst>
               <a:ext uri="{FF2B5EF4-FFF2-40B4-BE49-F238E27FC236}">
-                <a16:creationId xmlns:a16="http://schemas.microsoft.com/office/drawing/2014/main" xmlns="" id="{299DF5EC-9DF4-5255-06AC-0A7CE4FF58C3}"/>
+                <a16:creationId xmlns:a16="http://schemas.microsoft.com/office/drawing/2014/main" id="{299DF5EC-9DF4-5255-06AC-0A7CE4FF58C3}"/>
               </a:ext>
             </a:extLst>
           </p:cNvPr>
@@ -30829,7 +30760,7 @@
           <p:cNvPr id="6" name="직사각형 5">
             <a:extLst>
               <a:ext uri="{FF2B5EF4-FFF2-40B4-BE49-F238E27FC236}">
-                <a16:creationId xmlns:a16="http://schemas.microsoft.com/office/drawing/2014/main" xmlns="" id="{FFF506F9-840A-0508-4CAF-3AC711D8D5CE}"/>
+                <a16:creationId xmlns:a16="http://schemas.microsoft.com/office/drawing/2014/main" id="{FFF506F9-840A-0508-4CAF-3AC711D8D5CE}"/>
               </a:ext>
             </a:extLst>
           </p:cNvPr>
@@ -30881,7 +30812,7 @@
           <p:cNvPr id="7" name="TextBox 6">
             <a:extLst>
               <a:ext uri="{FF2B5EF4-FFF2-40B4-BE49-F238E27FC236}">
-                <a16:creationId xmlns:a16="http://schemas.microsoft.com/office/drawing/2014/main" xmlns="" id="{C6D113C6-EA5C-788F-0C77-E7CE6EBB865F}"/>
+                <a16:creationId xmlns:a16="http://schemas.microsoft.com/office/drawing/2014/main" id="{C6D113C6-EA5C-788F-0C77-E7CE6EBB865F}"/>
               </a:ext>
             </a:extLst>
           </p:cNvPr>
@@ -30905,7 +30836,7 @@
           <a:lstStyle/>
           <a:p>
             <a:r>
-              <a:rPr lang="ko-KR" altLang="en-US" sz="3600" smtClean="0">
+              <a:rPr lang="ko-KR" altLang="en-US" sz="3600">
                 <a:solidFill>
                   <a:srgbClr val="FF0000"/>
                 </a:solidFill>
@@ -30915,7 +30846,7 @@
               <a:t>초기화블럭을 이용해 생성자에서 공통적으로 수행해야 하는 기능을  한번만 작성해주면 된다</a:t>
             </a:r>
             <a:r>
-              <a:rPr lang="en-US" altLang="ko-KR" sz="3600" smtClean="0">
+              <a:rPr lang="en-US" altLang="ko-KR" sz="3600">
                 <a:solidFill>
                   <a:srgbClr val="FF0000"/>
                 </a:solidFill>
@@ -30944,13 +30875,6 @@
   <p:clrMapOvr>
     <a:masterClrMapping/>
   </p:clrMapOvr>
-  <p:timing>
-    <p:tnLst>
-      <p:par>
-        <p:cTn id="1" dur="indefinite" restart="never" nodeType="tmRoot"/>
-      </p:par>
-    </p:tnLst>
-  </p:timing>
 </p:sld>
 </file>
 
@@ -31140,7 +31064,7 @@
           <p:cNvPr id="2" name="TextBox 1">
             <a:extLst>
               <a:ext uri="{FF2B5EF4-FFF2-40B4-BE49-F238E27FC236}">
-                <a16:creationId xmlns:a16="http://schemas.microsoft.com/office/drawing/2014/main" xmlns="" id="{76F36AE5-79B5-0B9F-E510-1C27AAC4B649}"/>
+                <a16:creationId xmlns:a16="http://schemas.microsoft.com/office/drawing/2014/main" id="{76F36AE5-79B5-0B9F-E510-1C27AAC4B649}"/>
               </a:ext>
             </a:extLst>
           </p:cNvPr>
@@ -31217,21 +31141,6 @@
   <p:clrMapOvr>
     <a:masterClrMapping/>
   </p:clrMapOvr>
-  <mc:AlternateContent xmlns:mc="http://schemas.openxmlformats.org/markup-compatibility/2006">
-    <mc:Choice xmlns:p14="http://schemas.microsoft.com/office/powerpoint/2010/main" Requires="p14">
-      <p:transition spd="slow" p14:dur="2000"/>
-    </mc:Choice>
-    <mc:Fallback>
-      <p:transition spd="slow"/>
-    </mc:Fallback>
-  </mc:AlternateContent>
-  <p:timing>
-    <p:tnLst>
-      <p:par>
-        <p:cTn id="1" dur="indefinite" restart="never" nodeType="tmRoot"/>
-      </p:par>
-    </p:tnLst>
-  </p:timing>
 </p:sld>
 </file>
 
@@ -31257,7 +31166,7 @@
           <p:cNvPr id="5" name="TextBox 4">
             <a:extLst>
               <a:ext uri="{FF2B5EF4-FFF2-40B4-BE49-F238E27FC236}">
-                <a16:creationId xmlns:a16="http://schemas.microsoft.com/office/drawing/2014/main" xmlns="" id="{5ADC00B6-990A-40DC-3CEA-505258F5E8DA}"/>
+                <a16:creationId xmlns:a16="http://schemas.microsoft.com/office/drawing/2014/main" id="{5ADC00B6-990A-40DC-3CEA-505258F5E8DA}"/>
               </a:ext>
             </a:extLst>
           </p:cNvPr>
@@ -31315,7 +31224,7 @@
           <p:cNvPr id="6" name="TextBox 5">
             <a:extLst>
               <a:ext uri="{FF2B5EF4-FFF2-40B4-BE49-F238E27FC236}">
-                <a16:creationId xmlns:a16="http://schemas.microsoft.com/office/drawing/2014/main" xmlns="" id="{A2AD056B-97A4-5BCC-4460-250160F3E171}"/>
+                <a16:creationId xmlns:a16="http://schemas.microsoft.com/office/drawing/2014/main" id="{A2AD056B-97A4-5BCC-4460-250160F3E171}"/>
               </a:ext>
             </a:extLst>
           </p:cNvPr>
@@ -31596,14 +31505,6 @@
   <p:clrMapOvr>
     <a:masterClrMapping/>
   </p:clrMapOvr>
-  <mc:AlternateContent xmlns:mc="http://schemas.openxmlformats.org/markup-compatibility/2006">
-    <mc:Choice xmlns:p14="http://schemas.microsoft.com/office/powerpoint/2010/main" Requires="p14">
-      <p:transition spd="slow" p14:dur="2000"/>
-    </mc:Choice>
-    <mc:Fallback>
-      <p:transition spd="slow"/>
-    </mc:Fallback>
-  </mc:AlternateContent>
   <p:timing>
     <p:tnLst>
       <p:par>
@@ -31709,21 +31610,6 @@
   <p:clrMapOvr>
     <a:masterClrMapping/>
   </p:clrMapOvr>
-  <mc:AlternateContent xmlns:mc="http://schemas.openxmlformats.org/markup-compatibility/2006">
-    <mc:Choice xmlns:p14="http://schemas.microsoft.com/office/powerpoint/2010/main" Requires="p14">
-      <p:transition spd="slow" p14:dur="2000"/>
-    </mc:Choice>
-    <mc:Fallback>
-      <p:transition spd="slow"/>
-    </mc:Fallback>
-  </mc:AlternateContent>
-  <p:timing>
-    <p:tnLst>
-      <p:par>
-        <p:cTn id="1" dur="indefinite" restart="never" nodeType="tmRoot"/>
-      </p:par>
-    </p:tnLst>
-  </p:timing>
 </p:sld>
 </file>
 
@@ -32015,7 +31901,7 @@
           <p:cNvPr id="2" name="TextBox 1">
             <a:extLst>
               <a:ext uri="{FF2B5EF4-FFF2-40B4-BE49-F238E27FC236}">
-                <a16:creationId xmlns:a16="http://schemas.microsoft.com/office/drawing/2014/main" xmlns="" id="{715D88A2-BD52-978B-A00A-540446126E3D}"/>
+                <a16:creationId xmlns:a16="http://schemas.microsoft.com/office/drawing/2014/main" id="{715D88A2-BD52-978B-A00A-540446126E3D}"/>
               </a:ext>
             </a:extLst>
           </p:cNvPr>
@@ -32063,13 +31949,6 @@
   <p:clrMapOvr>
     <a:masterClrMapping/>
   </p:clrMapOvr>
-  <p:timing>
-    <p:tnLst>
-      <p:par>
-        <p:cTn id="1" dur="indefinite" restart="never" nodeType="tmRoot"/>
-      </p:par>
-    </p:tnLst>
-  </p:timing>
 </p:sld>
 </file>
 
@@ -32095,7 +31974,7 @@
           <p:cNvPr id="4" name="TextBox 3">
             <a:extLst>
               <a:ext uri="{FF2B5EF4-FFF2-40B4-BE49-F238E27FC236}">
-                <a16:creationId xmlns:a16="http://schemas.microsoft.com/office/drawing/2014/main" xmlns="" id="{DF7DDD33-9412-2802-339A-E55446AC2DA7}"/>
+                <a16:creationId xmlns:a16="http://schemas.microsoft.com/office/drawing/2014/main" id="{DF7DDD33-9412-2802-339A-E55446AC2DA7}"/>
               </a:ext>
             </a:extLst>
           </p:cNvPr>
@@ -32158,13 +32037,6 @@
   <p:clrMapOvr>
     <a:masterClrMapping/>
   </p:clrMapOvr>
-  <p:timing>
-    <p:tnLst>
-      <p:par>
-        <p:cTn id="1" dur="indefinite" restart="never" nodeType="tmRoot"/>
-      </p:par>
-    </p:tnLst>
-  </p:timing>
 </p:sld>
 </file>
 
@@ -32214,7 +32086,7 @@
           <p:cNvPr id="4" name="TextBox 3">
             <a:extLst>
               <a:ext uri="{FF2B5EF4-FFF2-40B4-BE49-F238E27FC236}">
-                <a16:creationId xmlns:a16="http://schemas.microsoft.com/office/drawing/2014/main" xmlns="" id="{DF7DDD33-9412-2802-339A-E55446AC2DA7}"/>
+                <a16:creationId xmlns:a16="http://schemas.microsoft.com/office/drawing/2014/main" id="{DF7DDD33-9412-2802-339A-E55446AC2DA7}"/>
               </a:ext>
             </a:extLst>
           </p:cNvPr>
@@ -32279,7 +32151,7 @@
           <p:cNvPr id="18" name="직사각형 17">
             <a:extLst>
               <a:ext uri="{FF2B5EF4-FFF2-40B4-BE49-F238E27FC236}">
-                <a16:creationId xmlns:a16="http://schemas.microsoft.com/office/drawing/2014/main" xmlns="" id="{FFF506F9-840A-0508-4CAF-3AC711D8D5CE}"/>
+                <a16:creationId xmlns:a16="http://schemas.microsoft.com/office/drawing/2014/main" id="{FFF506F9-840A-0508-4CAF-3AC711D8D5CE}"/>
               </a:ext>
             </a:extLst>
           </p:cNvPr>
@@ -32331,7 +32203,7 @@
           <p:cNvPr id="2" name="TextBox 1">
             <a:extLst>
               <a:ext uri="{FF2B5EF4-FFF2-40B4-BE49-F238E27FC236}">
-                <a16:creationId xmlns:a16="http://schemas.microsoft.com/office/drawing/2014/main" xmlns="" id="{2CDE53C3-B9CA-43AF-E687-E7AACF89E6E2}"/>
+                <a16:creationId xmlns:a16="http://schemas.microsoft.com/office/drawing/2014/main" id="{2CDE53C3-B9CA-43AF-E687-E7AACF89E6E2}"/>
               </a:ext>
             </a:extLst>
           </p:cNvPr>
@@ -32585,7 +32457,7 @@
           <p:cNvPr id="6" name="직선 화살표 연결선 5">
             <a:extLst>
               <a:ext uri="{FF2B5EF4-FFF2-40B4-BE49-F238E27FC236}">
-                <a16:creationId xmlns:a16="http://schemas.microsoft.com/office/drawing/2014/main" xmlns="" id="{299DF5EC-9DF4-5255-06AC-0A7CE4FF58C3}"/>
+                <a16:creationId xmlns:a16="http://schemas.microsoft.com/office/drawing/2014/main" id="{299DF5EC-9DF4-5255-06AC-0A7CE4FF58C3}"/>
               </a:ext>
             </a:extLst>
           </p:cNvPr>
@@ -32626,7 +32498,7 @@
           <p:cNvPr id="7" name="TextBox 6">
             <a:extLst>
               <a:ext uri="{FF2B5EF4-FFF2-40B4-BE49-F238E27FC236}">
-                <a16:creationId xmlns:a16="http://schemas.microsoft.com/office/drawing/2014/main" xmlns="" id="{C6D113C6-EA5C-788F-0C77-E7CE6EBB865F}"/>
+                <a16:creationId xmlns:a16="http://schemas.microsoft.com/office/drawing/2014/main" id="{C6D113C6-EA5C-788F-0C77-E7CE6EBB865F}"/>
               </a:ext>
             </a:extLst>
           </p:cNvPr>
@@ -32677,7 +32549,7 @@
           <p:cNvPr id="2" name="직선 화살표 연결선 1">
             <a:extLst>
               <a:ext uri="{FF2B5EF4-FFF2-40B4-BE49-F238E27FC236}">
-                <a16:creationId xmlns:a16="http://schemas.microsoft.com/office/drawing/2014/main" xmlns="" id="{BF836249-BF96-CD87-058C-70FA49201686}"/>
+                <a16:creationId xmlns:a16="http://schemas.microsoft.com/office/drawing/2014/main" id="{BF836249-BF96-CD87-058C-70FA49201686}"/>
               </a:ext>
             </a:extLst>
           </p:cNvPr>
@@ -32718,7 +32590,7 @@
           <p:cNvPr id="3" name="TextBox 2">
             <a:extLst>
               <a:ext uri="{FF2B5EF4-FFF2-40B4-BE49-F238E27FC236}">
-                <a16:creationId xmlns:a16="http://schemas.microsoft.com/office/drawing/2014/main" xmlns="" id="{1175674C-2F81-C086-76D3-37516CB1F27A}"/>
+                <a16:creationId xmlns:a16="http://schemas.microsoft.com/office/drawing/2014/main" id="{1175674C-2F81-C086-76D3-37516CB1F27A}"/>
               </a:ext>
             </a:extLst>
           </p:cNvPr>
@@ -32986,7 +32858,7 @@
           <p:cNvPr id="2" name="TextBox 1">
             <a:extLst>
               <a:ext uri="{FF2B5EF4-FFF2-40B4-BE49-F238E27FC236}">
-                <a16:creationId xmlns:a16="http://schemas.microsoft.com/office/drawing/2014/main" xmlns="" id="{E9F02990-0F1C-DE86-54FF-A6079141643E}"/>
+                <a16:creationId xmlns:a16="http://schemas.microsoft.com/office/drawing/2014/main" id="{E9F02990-0F1C-DE86-54FF-A6079141643E}"/>
               </a:ext>
             </a:extLst>
           </p:cNvPr>
@@ -33027,7 +32899,7 @@
           <p:cNvPr id="3" name="그림 2">
             <a:extLst>
               <a:ext uri="{FF2B5EF4-FFF2-40B4-BE49-F238E27FC236}">
-                <a16:creationId xmlns:a16="http://schemas.microsoft.com/office/drawing/2014/main" xmlns="" id="{7045123F-9300-34D3-4735-3836D6B01B6B}"/>
+                <a16:creationId xmlns:a16="http://schemas.microsoft.com/office/drawing/2014/main" id="{7045123F-9300-34D3-4735-3836D6B01B6B}"/>
               </a:ext>
             </a:extLst>
           </p:cNvPr>
@@ -33057,7 +32929,7 @@
           <p:cNvPr id="5" name="직사각형 4">
             <a:extLst>
               <a:ext uri="{FF2B5EF4-FFF2-40B4-BE49-F238E27FC236}">
-                <a16:creationId xmlns:a16="http://schemas.microsoft.com/office/drawing/2014/main" xmlns="" id="{3746C6CC-E25D-7714-0D6D-3C940DD56372}"/>
+                <a16:creationId xmlns:a16="http://schemas.microsoft.com/office/drawing/2014/main" id="{3746C6CC-E25D-7714-0D6D-3C940DD56372}"/>
               </a:ext>
             </a:extLst>
           </p:cNvPr>
@@ -33109,7 +32981,7 @@
           <p:cNvPr id="7" name="직선 화살표 연결선 6">
             <a:extLst>
               <a:ext uri="{FF2B5EF4-FFF2-40B4-BE49-F238E27FC236}">
-                <a16:creationId xmlns:a16="http://schemas.microsoft.com/office/drawing/2014/main" xmlns="" id="{AE7E2042-7408-A5B5-2DF3-3A6915D59AC7}"/>
+                <a16:creationId xmlns:a16="http://schemas.microsoft.com/office/drawing/2014/main" id="{AE7E2042-7408-A5B5-2DF3-3A6915D59AC7}"/>
               </a:ext>
             </a:extLst>
           </p:cNvPr>
@@ -33150,7 +33022,7 @@
           <p:cNvPr id="8" name="TextBox 7">
             <a:extLst>
               <a:ext uri="{FF2B5EF4-FFF2-40B4-BE49-F238E27FC236}">
-                <a16:creationId xmlns:a16="http://schemas.microsoft.com/office/drawing/2014/main" xmlns="" id="{EC0C835D-052F-C487-F4A0-55127E2FE612}"/>
+                <a16:creationId xmlns:a16="http://schemas.microsoft.com/office/drawing/2014/main" id="{EC0C835D-052F-C487-F4A0-55127E2FE612}"/>
               </a:ext>
             </a:extLst>
           </p:cNvPr>
@@ -33221,7 +33093,7 @@
           <p:cNvPr id="9" name="TextBox 8">
             <a:extLst>
               <a:ext uri="{FF2B5EF4-FFF2-40B4-BE49-F238E27FC236}">
-                <a16:creationId xmlns:a16="http://schemas.microsoft.com/office/drawing/2014/main" xmlns="" id="{46AED080-D5E1-0E1A-6547-98852A9FB52B}"/>
+                <a16:creationId xmlns:a16="http://schemas.microsoft.com/office/drawing/2014/main" id="{46AED080-D5E1-0E1A-6547-98852A9FB52B}"/>
               </a:ext>
             </a:extLst>
           </p:cNvPr>

--- a/JavaLecture/LectureFile/java 8강 생성자.pptx
+++ b/JavaLecture/LectureFile/java 8강 생성자.pptx
@@ -265,7 +265,7 @@
           <a:p>
             <a:fld id="{D79F2C30-10E1-4C46-91DC-BBDB9629E720}" type="datetimeFigureOut">
               <a:rPr lang="ko-KR" altLang="en-US" smtClean="0"/>
-              <a:t>2023-10-25 Wednesday</a:t>
+              <a:t>2024-03-20 Wednesday</a:t>
             </a:fld>
             <a:endParaRPr lang="ko-KR" altLang="en-US"/>
           </a:p>
@@ -725,7 +725,7 @@
           <a:p>
             <a:fld id="{F8166F1F-CE9B-4651-A6AA-CD717754106B}" type="datetimeFigureOut">
               <a:rPr lang="en-US" smtClean="0"/>
-              <a:t>10/25/2023</a:t>
+              <a:t>3/20/2024</a:t>
             </a:fld>
             <a:endParaRPr lang="en-US"/>
           </a:p>
@@ -928,7 +928,7 @@
           <a:p>
             <a:fld id="{A76116CE-C4A3-4A05-B2D7-7C2E9A889C0F}" type="datetimeFigureOut">
               <a:rPr lang="en-US" smtClean="0"/>
-              <a:t>10/25/2023</a:t>
+              <a:t>3/20/2024</a:t>
             </a:fld>
             <a:endParaRPr lang="en-US"/>
           </a:p>
@@ -1131,7 +1131,7 @@
           <a:p>
             <a:fld id="{A76116CE-C4A3-4A05-B2D7-7C2E9A889C0F}" type="datetimeFigureOut">
               <a:rPr lang="en-US" smtClean="0"/>
-              <a:t>10/25/2023</a:t>
+              <a:t>3/20/2024</a:t>
             </a:fld>
             <a:endParaRPr lang="en-US"/>
           </a:p>
@@ -1336,7 +1336,7 @@
           <a:p>
             <a:fld id="{A76116CE-C4A3-4A05-B2D7-7C2E9A889C0F}" type="datetimeFigureOut">
               <a:rPr lang="en-US" smtClean="0"/>
-              <a:t>10/25/2023</a:t>
+              <a:t>3/20/2024</a:t>
             </a:fld>
             <a:endParaRPr lang="en-US"/>
           </a:p>
@@ -1606,7 +1606,7 @@
           <a:p>
             <a:fld id="{A76116CE-C4A3-4A05-B2D7-7C2E9A889C0F}" type="datetimeFigureOut">
               <a:rPr lang="en-US" smtClean="0"/>
-              <a:t>10/25/2023</a:t>
+              <a:t>3/20/2024</a:t>
             </a:fld>
             <a:endParaRPr lang="en-US"/>
           </a:p>
@@ -1924,7 +1924,7 @@
           <a:p>
             <a:fld id="{A76116CE-C4A3-4A05-B2D7-7C2E9A889C0F}" type="datetimeFigureOut">
               <a:rPr lang="en-US" smtClean="0"/>
-              <a:t>10/25/2023</a:t>
+              <a:t>3/20/2024</a:t>
             </a:fld>
             <a:endParaRPr lang="en-US"/>
           </a:p>
@@ -2382,7 +2382,7 @@
           <a:p>
             <a:fld id="{A76116CE-C4A3-4A05-B2D7-7C2E9A889C0F}" type="datetimeFigureOut">
               <a:rPr lang="en-US" smtClean="0"/>
-              <a:t>10/25/2023</a:t>
+              <a:t>3/20/2024</a:t>
             </a:fld>
             <a:endParaRPr lang="en-US"/>
           </a:p>
@@ -2526,7 +2526,7 @@
           <a:p>
             <a:fld id="{A76116CE-C4A3-4A05-B2D7-7C2E9A889C0F}" type="datetimeFigureOut">
               <a:rPr lang="en-US" smtClean="0"/>
-              <a:t>10/25/2023</a:t>
+              <a:t>3/20/2024</a:t>
             </a:fld>
             <a:endParaRPr lang="en-US"/>
           </a:p>
@@ -2640,7 +2640,7 @@
           <a:p>
             <a:fld id="{A76116CE-C4A3-4A05-B2D7-7C2E9A889C0F}" type="datetimeFigureOut">
               <a:rPr lang="en-US" smtClean="0"/>
-              <a:t>10/25/2023</a:t>
+              <a:t>3/20/2024</a:t>
             </a:fld>
             <a:endParaRPr lang="en-US"/>
           </a:p>
@@ -2943,7 +2943,7 @@
           <a:p>
             <a:fld id="{A76116CE-C4A3-4A05-B2D7-7C2E9A889C0F}" type="datetimeFigureOut">
               <a:rPr lang="en-US" smtClean="0"/>
-              <a:t>10/25/2023</a:t>
+              <a:t>3/20/2024</a:t>
             </a:fld>
             <a:endParaRPr lang="en-US"/>
           </a:p>
@@ -3223,7 +3223,7 @@
           <a:p>
             <a:fld id="{A76116CE-C4A3-4A05-B2D7-7C2E9A889C0F}" type="datetimeFigureOut">
               <a:rPr lang="en-US" smtClean="0"/>
-              <a:t>10/25/2023</a:t>
+              <a:t>3/20/2024</a:t>
             </a:fld>
             <a:endParaRPr lang="en-US"/>
           </a:p>
@@ -4606,7 +4606,7 @@
         </p:blipFill>
         <p:spPr>
           <a:xfrm>
-            <a:off x="838200" y="1063206"/>
+            <a:off x="838200" y="1215606"/>
             <a:ext cx="9296400" cy="9033294"/>
           </a:xfrm>
           <a:prstGeom prst="rect">
@@ -4628,7 +4628,7 @@
         </p:nvSpPr>
         <p:spPr>
           <a:xfrm>
-            <a:off x="9753600" y="5036390"/>
+            <a:off x="9753600" y="5188790"/>
             <a:ext cx="8915400" cy="2554545"/>
           </a:xfrm>
           <a:prstGeom prst="rect">
@@ -4739,7 +4739,7 @@
         </p:nvCxnSpPr>
         <p:spPr>
           <a:xfrm flipH="1">
-            <a:off x="4191000" y="5264990"/>
+            <a:off x="4191000" y="5417390"/>
             <a:ext cx="5486400" cy="1326310"/>
           </a:xfrm>
           <a:prstGeom prst="straightConnector1">
@@ -4778,7 +4778,7 @@
         </p:nvSpPr>
         <p:spPr>
           <a:xfrm>
-            <a:off x="2362200" y="9195738"/>
+            <a:off x="2362200" y="9348138"/>
             <a:ext cx="14859000" cy="769441"/>
           </a:xfrm>
           <a:prstGeom prst="rect">
@@ -4817,10 +4817,10 @@
       </p:sp>
       <p:sp>
         <p:nvSpPr>
-          <p:cNvPr id="2" name="TextBox 1">
+          <p:cNvPr id="3" name="TextBox 2">
             <a:extLst>
               <a:ext uri="{FF2B5EF4-FFF2-40B4-BE49-F238E27FC236}">
-                <a16:creationId xmlns:a16="http://schemas.microsoft.com/office/drawing/2014/main" id="{967B4167-E8E5-F23D-82D7-C415C8DC4B3E}"/>
+                <a16:creationId xmlns:a16="http://schemas.microsoft.com/office/drawing/2014/main" id="{91344DAA-9990-843D-C59E-1A06B009F934}"/>
               </a:ext>
             </a:extLst>
           </p:cNvPr>
@@ -4829,8 +4829,8 @@
         </p:nvSpPr>
         <p:spPr>
           <a:xfrm>
-            <a:off x="685800" y="190500"/>
-            <a:ext cx="9225602" cy="923330"/>
+            <a:off x="304800" y="114300"/>
+            <a:ext cx="14325600" cy="923330"/>
           </a:xfrm>
           <a:prstGeom prst="rect">
             <a:avLst/>
@@ -4838,24 +4838,74 @@
           <a:noFill/>
         </p:spPr>
         <p:txBody>
-          <a:bodyPr wrap="none" rtlCol="0">
+          <a:bodyPr wrap="square" rtlCol="0">
             <a:spAutoFit/>
           </a:bodyPr>
           <a:lstStyle/>
           <a:p>
             <a:r>
-              <a:rPr lang="ko-KR" altLang="en-US" sz="5400" dirty="0">
+              <a:rPr lang="ko-KR" altLang="en-US" sz="5400" spc="-300" dirty="0">
                 <a:solidFill>
                   <a:srgbClr val="4C50BC"/>
                 </a:solidFill>
-                <a:latin typeface="G마켓 산스 Bold"/>
-                <a:ea typeface="G마켓 산스 Medium" panose="02000000000000000000" pitchFamily="50" charset="-127"/>
+                <a:latin typeface="G마켓 산스 Bold" panose="02000000000000000000" pitchFamily="50" charset="-127"/>
+                <a:ea typeface="G마켓 산스 Bold" panose="02000000000000000000" pitchFamily="50" charset="-127"/>
               </a:rPr>
               <a:t>생성자에서 다른 생성자 호출</a:t>
             </a:r>
+            <a:endParaRPr lang="en-US" altLang="ko-KR" sz="5400" spc="-300" dirty="0">
+              <a:solidFill>
+                <a:srgbClr val="4C50BC"/>
+              </a:solidFill>
+              <a:latin typeface="G마켓 산스 Bold" panose="02000000000000000000" pitchFamily="50" charset="-127"/>
+              <a:ea typeface="G마켓 산스 Bold" panose="02000000000000000000" pitchFamily="50" charset="-127"/>
+            </a:endParaRPr>
           </a:p>
         </p:txBody>
       </p:sp>
+      <p:cxnSp>
+        <p:nvCxnSpPr>
+          <p:cNvPr id="7" name="직선 연결선 6">
+            <a:extLst>
+              <a:ext uri="{FF2B5EF4-FFF2-40B4-BE49-F238E27FC236}">
+                <a16:creationId xmlns:a16="http://schemas.microsoft.com/office/drawing/2014/main" id="{4AE6EF61-3B90-A644-B671-687A53D3644C}"/>
+              </a:ext>
+            </a:extLst>
+          </p:cNvPr>
+          <p:cNvCxnSpPr>
+            <a:cxnSpLocks/>
+          </p:cNvCxnSpPr>
+          <p:nvPr/>
+        </p:nvCxnSpPr>
+        <p:spPr>
+          <a:xfrm flipH="1" flipV="1">
+            <a:off x="-13447" y="972511"/>
+            <a:ext cx="18288000" cy="65119"/>
+          </a:xfrm>
+          <a:prstGeom prst="line">
+            <a:avLst/>
+          </a:prstGeom>
+          <a:ln w="38100">
+            <a:solidFill>
+              <a:srgbClr val="4C50BC"/>
+            </a:solidFill>
+          </a:ln>
+        </p:spPr>
+        <p:style>
+          <a:lnRef idx="1">
+            <a:schemeClr val="accent1"/>
+          </a:lnRef>
+          <a:fillRef idx="0">
+            <a:schemeClr val="accent1"/>
+          </a:fillRef>
+          <a:effectRef idx="0">
+            <a:schemeClr val="accent1"/>
+          </a:effectRef>
+          <a:fontRef idx="minor">
+            <a:schemeClr val="tx1"/>
+          </a:fontRef>
+        </p:style>
+      </p:cxnSp>
     </p:spTree>
     <p:extLst>
       <p:ext uri="{BB962C8B-B14F-4D97-AF65-F5344CB8AC3E}">
@@ -5039,47 +5089,6 @@
       </p:grpSpPr>
       <p:sp>
         <p:nvSpPr>
-          <p:cNvPr id="4" name="TextBox 3">
-            <a:extLst>
-              <a:ext uri="{FF2B5EF4-FFF2-40B4-BE49-F238E27FC236}">
-                <a16:creationId xmlns:a16="http://schemas.microsoft.com/office/drawing/2014/main" id="{DF7DDD33-9412-2802-339A-E55446AC2DA7}"/>
-              </a:ext>
-            </a:extLst>
-          </p:cNvPr>
-          <p:cNvSpPr txBox="1"/>
-          <p:nvPr/>
-        </p:nvSpPr>
-        <p:spPr>
-          <a:xfrm>
-            <a:off x="451453" y="241441"/>
-            <a:ext cx="10368947" cy="923330"/>
-          </a:xfrm>
-          <a:prstGeom prst="rect">
-            <a:avLst/>
-          </a:prstGeom>
-          <a:noFill/>
-        </p:spPr>
-        <p:txBody>
-          <a:bodyPr wrap="square" rtlCol="0">
-            <a:spAutoFit/>
-          </a:bodyPr>
-          <a:lstStyle/>
-          <a:p>
-            <a:r>
-              <a:rPr lang="ko-KR" altLang="en-US" sz="5400" dirty="0">
-                <a:solidFill>
-                  <a:srgbClr val="4C50BC"/>
-                </a:solidFill>
-                <a:latin typeface="G마켓 산스 Bold"/>
-                <a:ea typeface="G마켓 산스 Medium" panose="02000000000000000000" pitchFamily="50" charset="-127"/>
-              </a:rPr>
-              <a:t>생성자에서 다른 생성자 호출</a:t>
-            </a:r>
-          </a:p>
-        </p:txBody>
-      </p:sp>
-      <p:sp>
-        <p:nvSpPr>
           <p:cNvPr id="8" name="TextBox 7">
             <a:extLst>
               <a:ext uri="{FF2B5EF4-FFF2-40B4-BE49-F238E27FC236}">
@@ -5092,8 +5101,8 @@
         </p:nvSpPr>
         <p:spPr>
           <a:xfrm>
-            <a:off x="9220200" y="1257300"/>
-            <a:ext cx="9296400" cy="1938992"/>
+            <a:off x="8904912" y="1223308"/>
+            <a:ext cx="9296400" cy="1754326"/>
           </a:xfrm>
           <a:prstGeom prst="rect">
             <a:avLst/>
@@ -5106,8 +5115,12 @@
           </a:bodyPr>
           <a:lstStyle/>
           <a:p>
-            <a:r>
-              <a:rPr lang="en-US" altLang="ko-KR" sz="4000" dirty="0">
+            <a:pPr marL="571500" indent="-571500">
+              <a:buFont typeface="Arial" panose="020B0604020202020204" pitchFamily="34" charset="0"/>
+              <a:buChar char="•"/>
+            </a:pPr>
+            <a:r>
+              <a:rPr lang="ko-KR" altLang="en-US" sz="3600" dirty="0">
                 <a:solidFill>
                   <a:schemeClr val="tx1">
                     <a:lumMod val="50000"/>
@@ -5117,10 +5130,10 @@
                 <a:latin typeface="G마켓 산스 Medium" panose="02000000000000000000" pitchFamily="50" charset="-127"/>
                 <a:ea typeface="G마켓 산스 Medium" panose="02000000000000000000" pitchFamily="50" charset="-127"/>
               </a:rPr>
-              <a:t>1.</a:t>
-            </a:r>
-            <a:r>
-              <a:rPr lang="ko-KR" altLang="en-US" sz="4000" dirty="0">
+              <a:t>메서드 이름을 </a:t>
+            </a:r>
+            <a:r>
+              <a:rPr lang="en-US" altLang="ko-KR" sz="3600" dirty="0">
                 <a:solidFill>
                   <a:schemeClr val="tx1">
                     <a:lumMod val="50000"/>
@@ -5130,10 +5143,10 @@
                 <a:latin typeface="G마켓 산스 Medium" panose="02000000000000000000" pitchFamily="50" charset="-127"/>
                 <a:ea typeface="G마켓 산스 Medium" panose="02000000000000000000" pitchFamily="50" charset="-127"/>
               </a:rPr>
-              <a:t>  메서드 이름을 </a:t>
-            </a:r>
-            <a:r>
-              <a:rPr lang="en-US" altLang="ko-KR" sz="4000" dirty="0">
+              <a:t>this</a:t>
+            </a:r>
+            <a:r>
+              <a:rPr lang="ko-KR" altLang="en-US" sz="3600" dirty="0">
                 <a:solidFill>
                   <a:schemeClr val="tx1">
                     <a:lumMod val="50000"/>
@@ -5143,10 +5156,10 @@
                 <a:latin typeface="G마켓 산스 Medium" panose="02000000000000000000" pitchFamily="50" charset="-127"/>
                 <a:ea typeface="G마켓 산스 Medium" panose="02000000000000000000" pitchFamily="50" charset="-127"/>
               </a:rPr>
-              <a:t>this</a:t>
-            </a:r>
-            <a:r>
-              <a:rPr lang="ko-KR" altLang="en-US" sz="4000" dirty="0">
+              <a:t>로 해야 한다</a:t>
+            </a:r>
+            <a:r>
+              <a:rPr lang="en-US" altLang="ko-KR" sz="3600" dirty="0">
                 <a:solidFill>
                   <a:schemeClr val="tx1">
                     <a:lumMod val="50000"/>
@@ -5156,10 +5169,16 @@
                 <a:latin typeface="G마켓 산스 Medium" panose="02000000000000000000" pitchFamily="50" charset="-127"/>
                 <a:ea typeface="G마켓 산스 Medium" panose="02000000000000000000" pitchFamily="50" charset="-127"/>
               </a:rPr>
-              <a:t>로 해야 한다</a:t>
-            </a:r>
-            <a:r>
-              <a:rPr lang="en-US" altLang="ko-KR" sz="4000" dirty="0">
+              <a:t>.</a:t>
+            </a:r>
+          </a:p>
+          <a:p>
+            <a:pPr marL="571500" indent="-571500">
+              <a:buFont typeface="Arial" panose="020B0604020202020204" pitchFamily="34" charset="0"/>
+              <a:buChar char="•"/>
+            </a:pPr>
+            <a:r>
+              <a:rPr lang="ko-KR" altLang="en-US" sz="3600" dirty="0">
                 <a:solidFill>
                   <a:schemeClr val="tx1">
                     <a:lumMod val="50000"/>
@@ -5169,12 +5188,10 @@
                 <a:latin typeface="G마켓 산스 Medium" panose="02000000000000000000" pitchFamily="50" charset="-127"/>
                 <a:ea typeface="G마켓 산스 Medium" panose="02000000000000000000" pitchFamily="50" charset="-127"/>
               </a:rPr>
-              <a:t>.</a:t>
-            </a:r>
-          </a:p>
-          <a:p>
-            <a:r>
-              <a:rPr lang="en-US" altLang="ko-KR" sz="4000" dirty="0">
+              <a:t>생성자의 가장 </a:t>
+            </a:r>
+            <a:r>
+              <a:rPr lang="ko-KR" altLang="en-US" sz="3600" dirty="0" err="1">
                 <a:solidFill>
                   <a:schemeClr val="tx1">
                     <a:lumMod val="50000"/>
@@ -5184,10 +5201,10 @@
                 <a:latin typeface="G마켓 산스 Medium" panose="02000000000000000000" pitchFamily="50" charset="-127"/>
                 <a:ea typeface="G마켓 산스 Medium" panose="02000000000000000000" pitchFamily="50" charset="-127"/>
               </a:rPr>
-              <a:t>2. </a:t>
-            </a:r>
-            <a:r>
-              <a:rPr lang="ko-KR" altLang="en-US" sz="4000" dirty="0">
+              <a:t>첫줄에</a:t>
+            </a:r>
+            <a:r>
+              <a:rPr lang="ko-KR" altLang="en-US" sz="3600" dirty="0">
                 <a:solidFill>
                   <a:schemeClr val="tx1">
                     <a:lumMod val="50000"/>
@@ -5197,10 +5214,10 @@
                 <a:latin typeface="G마켓 산스 Medium" panose="02000000000000000000" pitchFamily="50" charset="-127"/>
                 <a:ea typeface="G마켓 산스 Medium" panose="02000000000000000000" pitchFamily="50" charset="-127"/>
               </a:rPr>
-              <a:t>생성자의 가장 </a:t>
-            </a:r>
-            <a:r>
-              <a:rPr lang="ko-KR" altLang="en-US" sz="4000" dirty="0" err="1">
+              <a:t> 작성해야 한다</a:t>
+            </a:r>
+            <a:r>
+              <a:rPr lang="en-US" altLang="ko-KR" sz="3600" dirty="0">
                 <a:solidFill>
                   <a:schemeClr val="tx1">
                     <a:lumMod val="50000"/>
@@ -5210,10 +5227,16 @@
                 <a:latin typeface="G마켓 산스 Medium" panose="02000000000000000000" pitchFamily="50" charset="-127"/>
                 <a:ea typeface="G마켓 산스 Medium" panose="02000000000000000000" pitchFamily="50" charset="-127"/>
               </a:rPr>
-              <a:t>첫줄에</a:t>
-            </a:r>
-            <a:r>
-              <a:rPr lang="ko-KR" altLang="en-US" sz="4000" dirty="0">
+              <a:t>.</a:t>
+            </a:r>
+          </a:p>
+          <a:p>
+            <a:pPr marL="571500" indent="-571500">
+              <a:buFont typeface="Arial" panose="020B0604020202020204" pitchFamily="34" charset="0"/>
+              <a:buChar char="•"/>
+            </a:pPr>
+            <a:r>
+              <a:rPr lang="ko-KR" altLang="en-US" sz="3600" dirty="0">
                 <a:solidFill>
                   <a:schemeClr val="tx1">
                     <a:lumMod val="50000"/>
@@ -5223,51 +5246,10 @@
                 <a:latin typeface="G마켓 산스 Medium" panose="02000000000000000000" pitchFamily="50" charset="-127"/>
                 <a:ea typeface="G마켓 산스 Medium" panose="02000000000000000000" pitchFamily="50" charset="-127"/>
               </a:rPr>
-              <a:t> 작성해야 한다</a:t>
-            </a:r>
-            <a:r>
-              <a:rPr lang="en-US" altLang="ko-KR" sz="4000" dirty="0">
-                <a:solidFill>
-                  <a:schemeClr val="tx1">
-                    <a:lumMod val="50000"/>
-                    <a:lumOff val="50000"/>
-                  </a:schemeClr>
-                </a:solidFill>
-                <a:latin typeface="G마켓 산스 Medium" panose="02000000000000000000" pitchFamily="50" charset="-127"/>
-                <a:ea typeface="G마켓 산스 Medium" panose="02000000000000000000" pitchFamily="50" charset="-127"/>
-              </a:rPr>
-              <a:t>.</a:t>
-            </a:r>
-          </a:p>
-          <a:p>
-            <a:r>
-              <a:rPr lang="en-US" altLang="ko-KR" sz="4000" dirty="0">
-                <a:solidFill>
-                  <a:schemeClr val="tx1">
-                    <a:lumMod val="50000"/>
-                    <a:lumOff val="50000"/>
-                  </a:schemeClr>
-                </a:solidFill>
-                <a:latin typeface="G마켓 산스 Medium" panose="02000000000000000000" pitchFamily="50" charset="-127"/>
-                <a:ea typeface="G마켓 산스 Medium" panose="02000000000000000000" pitchFamily="50" charset="-127"/>
-              </a:rPr>
-              <a:t>3.</a:t>
-            </a:r>
-            <a:r>
-              <a:rPr lang="ko-KR" altLang="en-US" sz="4000" dirty="0">
-                <a:solidFill>
-                  <a:schemeClr val="tx1">
-                    <a:lumMod val="50000"/>
-                    <a:lumOff val="50000"/>
-                  </a:schemeClr>
-                </a:solidFill>
-                <a:latin typeface="G마켓 산스 Medium" panose="02000000000000000000" pitchFamily="50" charset="-127"/>
-                <a:ea typeface="G마켓 산스 Medium" panose="02000000000000000000" pitchFamily="50" charset="-127"/>
-              </a:rPr>
               <a:t>일반 메서드에서는 호출 할 수 없다</a:t>
             </a:r>
             <a:r>
-              <a:rPr lang="en-US" altLang="ko-KR" sz="4000" dirty="0">
+              <a:rPr lang="en-US" altLang="ko-KR" sz="3600" dirty="0">
                 <a:solidFill>
                   <a:schemeClr val="tx1">
                     <a:lumMod val="50000"/>
@@ -5298,7 +5280,7 @@
         </p:blipFill>
         <p:spPr>
           <a:xfrm>
-            <a:off x="7034" y="1257300"/>
+            <a:off x="7034" y="1866900"/>
             <a:ext cx="8897878" cy="7848600"/>
           </a:xfrm>
           <a:prstGeom prst="rect">
@@ -5322,7 +5304,7 @@
         </p:nvCxnSpPr>
         <p:spPr>
           <a:xfrm>
-            <a:off x="3886200" y="6819900"/>
+            <a:off x="3886200" y="7429500"/>
             <a:ext cx="1219200" cy="0"/>
           </a:xfrm>
           <a:prstGeom prst="straightConnector1">
@@ -5361,7 +5343,7 @@
         </p:nvSpPr>
         <p:spPr>
           <a:xfrm>
-            <a:off x="1295400" y="6515100"/>
+            <a:off x="1295400" y="7124700"/>
             <a:ext cx="2590800" cy="457200"/>
           </a:xfrm>
           <a:prstGeom prst="rect">
@@ -5413,7 +5395,7 @@
         </p:nvSpPr>
         <p:spPr>
           <a:xfrm>
-            <a:off x="5181600" y="6515100"/>
+            <a:off x="5181600" y="7124700"/>
             <a:ext cx="6400800" cy="1200329"/>
           </a:xfrm>
           <a:prstGeom prst="rect">
@@ -5480,6 +5462,97 @@
           </a:p>
         </p:txBody>
       </p:sp>
+      <p:sp>
+        <p:nvSpPr>
+          <p:cNvPr id="7" name="TextBox 6">
+            <a:extLst>
+              <a:ext uri="{FF2B5EF4-FFF2-40B4-BE49-F238E27FC236}">
+                <a16:creationId xmlns:a16="http://schemas.microsoft.com/office/drawing/2014/main" id="{ED6C49F2-AE3E-90E2-4088-96809996868E}"/>
+              </a:ext>
+            </a:extLst>
+          </p:cNvPr>
+          <p:cNvSpPr txBox="1"/>
+          <p:nvPr/>
+        </p:nvSpPr>
+        <p:spPr>
+          <a:xfrm>
+            <a:off x="304800" y="114300"/>
+            <a:ext cx="14325600" cy="923330"/>
+          </a:xfrm>
+          <a:prstGeom prst="rect">
+            <a:avLst/>
+          </a:prstGeom>
+          <a:noFill/>
+        </p:spPr>
+        <p:txBody>
+          <a:bodyPr wrap="square" rtlCol="0">
+            <a:spAutoFit/>
+          </a:bodyPr>
+          <a:lstStyle/>
+          <a:p>
+            <a:r>
+              <a:rPr lang="ko-KR" altLang="en-US" sz="5400" spc="-300" dirty="0">
+                <a:solidFill>
+                  <a:srgbClr val="4C50BC"/>
+                </a:solidFill>
+                <a:latin typeface="G마켓 산스 Bold" panose="02000000000000000000" pitchFamily="50" charset="-127"/>
+                <a:ea typeface="G마켓 산스 Bold" panose="02000000000000000000" pitchFamily="50" charset="-127"/>
+              </a:rPr>
+              <a:t>생성자에서 다른 생성자 호출</a:t>
+            </a:r>
+            <a:endParaRPr lang="en-US" altLang="ko-KR" sz="5400" spc="-300" dirty="0">
+              <a:solidFill>
+                <a:srgbClr val="4C50BC"/>
+              </a:solidFill>
+              <a:latin typeface="G마켓 산스 Bold" panose="02000000000000000000" pitchFamily="50" charset="-127"/>
+              <a:ea typeface="G마켓 산스 Bold" panose="02000000000000000000" pitchFamily="50" charset="-127"/>
+            </a:endParaRPr>
+          </a:p>
+        </p:txBody>
+      </p:sp>
+      <p:cxnSp>
+        <p:nvCxnSpPr>
+          <p:cNvPr id="9" name="직선 연결선 8">
+            <a:extLst>
+              <a:ext uri="{FF2B5EF4-FFF2-40B4-BE49-F238E27FC236}">
+                <a16:creationId xmlns:a16="http://schemas.microsoft.com/office/drawing/2014/main" id="{F94C200B-A8C4-E954-3684-A2A2D1E9C47B}"/>
+              </a:ext>
+            </a:extLst>
+          </p:cNvPr>
+          <p:cNvCxnSpPr>
+            <a:cxnSpLocks/>
+          </p:cNvCxnSpPr>
+          <p:nvPr/>
+        </p:nvCxnSpPr>
+        <p:spPr>
+          <a:xfrm flipH="1" flipV="1">
+            <a:off x="-13447" y="972511"/>
+            <a:ext cx="18288000" cy="65119"/>
+          </a:xfrm>
+          <a:prstGeom prst="line">
+            <a:avLst/>
+          </a:prstGeom>
+          <a:ln w="38100">
+            <a:solidFill>
+              <a:srgbClr val="4C50BC"/>
+            </a:solidFill>
+          </a:ln>
+        </p:spPr>
+        <p:style>
+          <a:lnRef idx="1">
+            <a:schemeClr val="accent1"/>
+          </a:lnRef>
+          <a:fillRef idx="0">
+            <a:schemeClr val="accent1"/>
+          </a:fillRef>
+          <a:effectRef idx="0">
+            <a:schemeClr val="accent1"/>
+          </a:effectRef>
+          <a:fontRef idx="minor">
+            <a:schemeClr val="tx1"/>
+          </a:fontRef>
+        </p:style>
+      </p:cxnSp>
     </p:spTree>
     <p:extLst>
       <p:ext uri="{BB962C8B-B14F-4D97-AF65-F5344CB8AC3E}">
@@ -10586,64 +10659,6 @@
           <a:chExt cx="0" cy="0"/>
         </a:xfrm>
       </p:grpSpPr>
-      <p:sp>
-        <p:nvSpPr>
-          <p:cNvPr id="4" name="TextBox 3">
-            <a:extLst>
-              <a:ext uri="{FF2B5EF4-FFF2-40B4-BE49-F238E27FC236}">
-                <a16:creationId xmlns:a16="http://schemas.microsoft.com/office/drawing/2014/main" id="{DF7DDD33-9412-2802-339A-E55446AC2DA7}"/>
-              </a:ext>
-            </a:extLst>
-          </p:cNvPr>
-          <p:cNvSpPr txBox="1"/>
-          <p:nvPr/>
-        </p:nvSpPr>
-        <p:spPr>
-          <a:xfrm>
-            <a:off x="762000" y="419100"/>
-            <a:ext cx="3505200" cy="769441"/>
-          </a:xfrm>
-          <a:prstGeom prst="rect">
-            <a:avLst/>
-          </a:prstGeom>
-          <a:noFill/>
-        </p:spPr>
-        <p:txBody>
-          <a:bodyPr wrap="square" rtlCol="0">
-            <a:spAutoFit/>
-          </a:bodyPr>
-          <a:lstStyle/>
-          <a:p>
-            <a:r>
-              <a:rPr lang="en-US" altLang="ko-KR" sz="4400">
-                <a:solidFill>
-                  <a:srgbClr val="4C50BC"/>
-                </a:solidFill>
-                <a:latin typeface="G마켓 산스 Bold"/>
-                <a:ea typeface="G마켓 산스 Medium" panose="02000000000000000000" pitchFamily="50" charset="-127"/>
-              </a:rPr>
-              <a:t>this</a:t>
-            </a:r>
-            <a:r>
-              <a:rPr lang="ko-KR" altLang="en-US" sz="4400">
-                <a:solidFill>
-                  <a:srgbClr val="4C50BC"/>
-                </a:solidFill>
-                <a:latin typeface="G마켓 산스 Bold"/>
-                <a:ea typeface="G마켓 산스 Medium" panose="02000000000000000000" pitchFamily="50" charset="-127"/>
-              </a:rPr>
-              <a:t>변수</a:t>
-            </a:r>
-            <a:endParaRPr lang="ko-KR" altLang="en-US" sz="4400" dirty="0">
-              <a:solidFill>
-                <a:srgbClr val="4C50BC"/>
-              </a:solidFill>
-              <a:latin typeface="G마켓 산스 Bold"/>
-              <a:ea typeface="G마켓 산스 Medium" panose="02000000000000000000" pitchFamily="50" charset="-127"/>
-            </a:endParaRPr>
-          </a:p>
-        </p:txBody>
-      </p:sp>
       <p:pic>
         <p:nvPicPr>
           <p:cNvPr id="5" name="그림 4"/>
@@ -10660,7 +10675,7 @@
         </p:blipFill>
         <p:spPr>
           <a:xfrm>
-            <a:off x="322322" y="1257300"/>
+            <a:off x="322322" y="1333500"/>
             <a:ext cx="8897878" cy="7848600"/>
           </a:xfrm>
           <a:prstGeom prst="rect">
@@ -10682,7 +10697,7 @@
         </p:nvSpPr>
         <p:spPr>
           <a:xfrm>
-            <a:off x="1610688" y="6515100"/>
+            <a:off x="1610688" y="6591300"/>
             <a:ext cx="2590800" cy="457200"/>
           </a:xfrm>
           <a:prstGeom prst="rect">
@@ -10736,7 +10751,7 @@
         </p:nvCxnSpPr>
         <p:spPr>
           <a:xfrm>
-            <a:off x="4194454" y="6782972"/>
+            <a:off x="4194454" y="6859172"/>
             <a:ext cx="1219200" cy="0"/>
           </a:xfrm>
           <a:prstGeom prst="straightConnector1">
@@ -10775,7 +10790,7 @@
         </p:nvSpPr>
         <p:spPr>
           <a:xfrm>
-            <a:off x="5489854" y="6478172"/>
+            <a:off x="5489854" y="6554372"/>
             <a:ext cx="3349346" cy="646331"/>
           </a:xfrm>
           <a:prstGeom prst="rect">
@@ -10825,7 +10840,7 @@
         </p:blipFill>
         <p:spPr>
           <a:xfrm>
-            <a:off x="9829800" y="1485900"/>
+            <a:off x="9829800" y="1562100"/>
             <a:ext cx="6477000" cy="8711268"/>
           </a:xfrm>
           <a:prstGeom prst="rect">
@@ -10847,7 +10862,7 @@
         </p:nvSpPr>
         <p:spPr>
           <a:xfrm>
-            <a:off x="13716000" y="8076028"/>
+            <a:off x="13716000" y="8152228"/>
             <a:ext cx="845234" cy="457200"/>
           </a:xfrm>
           <a:prstGeom prst="rect">
@@ -10901,7 +10916,7 @@
         </p:nvCxnSpPr>
         <p:spPr>
           <a:xfrm>
-            <a:off x="14554200" y="8343900"/>
+            <a:off x="14554200" y="8420100"/>
             <a:ext cx="1219200" cy="0"/>
           </a:xfrm>
           <a:prstGeom prst="straightConnector1">
@@ -10940,7 +10955,7 @@
         </p:nvSpPr>
         <p:spPr>
           <a:xfrm>
-            <a:off x="15849600" y="8039100"/>
+            <a:off x="15849600" y="8115300"/>
             <a:ext cx="2597834" cy="646331"/>
           </a:xfrm>
           <a:prstGeom prst="rect">
@@ -10984,6 +10999,107 @@
           </a:p>
         </p:txBody>
       </p:sp>
+      <p:sp>
+        <p:nvSpPr>
+          <p:cNvPr id="2" name="TextBox 1">
+            <a:extLst>
+              <a:ext uri="{FF2B5EF4-FFF2-40B4-BE49-F238E27FC236}">
+                <a16:creationId xmlns:a16="http://schemas.microsoft.com/office/drawing/2014/main" id="{FE5C3C59-9571-2B94-7E1C-11B4921354B4}"/>
+              </a:ext>
+            </a:extLst>
+          </p:cNvPr>
+          <p:cNvSpPr txBox="1"/>
+          <p:nvPr/>
+        </p:nvSpPr>
+        <p:spPr>
+          <a:xfrm>
+            <a:off x="304800" y="114300"/>
+            <a:ext cx="14325600" cy="923330"/>
+          </a:xfrm>
+          <a:prstGeom prst="rect">
+            <a:avLst/>
+          </a:prstGeom>
+          <a:noFill/>
+        </p:spPr>
+        <p:txBody>
+          <a:bodyPr wrap="square" rtlCol="0">
+            <a:spAutoFit/>
+          </a:bodyPr>
+          <a:lstStyle/>
+          <a:p>
+            <a:r>
+              <a:rPr lang="en-US" altLang="ko-KR" sz="5400" spc="-300" dirty="0">
+                <a:solidFill>
+                  <a:srgbClr val="4C50BC"/>
+                </a:solidFill>
+                <a:latin typeface="G마켓 산스 Bold" panose="02000000000000000000" pitchFamily="50" charset="-127"/>
+                <a:ea typeface="G마켓 산스 Bold" panose="02000000000000000000" pitchFamily="50" charset="-127"/>
+              </a:rPr>
+              <a:t>this </a:t>
+            </a:r>
+            <a:r>
+              <a:rPr lang="ko-KR" altLang="en-US" sz="5400" spc="-300" dirty="0">
+                <a:solidFill>
+                  <a:srgbClr val="4C50BC"/>
+                </a:solidFill>
+                <a:latin typeface="G마켓 산스 Bold" panose="02000000000000000000" pitchFamily="50" charset="-127"/>
+                <a:ea typeface="G마켓 산스 Bold" panose="02000000000000000000" pitchFamily="50" charset="-127"/>
+              </a:rPr>
+              <a:t>변수</a:t>
+            </a:r>
+            <a:endParaRPr lang="en-US" altLang="ko-KR" sz="5400" spc="-300" dirty="0">
+              <a:solidFill>
+                <a:srgbClr val="4C50BC"/>
+              </a:solidFill>
+              <a:latin typeface="G마켓 산스 Bold" panose="02000000000000000000" pitchFamily="50" charset="-127"/>
+              <a:ea typeface="G마켓 산스 Bold" panose="02000000000000000000" pitchFamily="50" charset="-127"/>
+            </a:endParaRPr>
+          </a:p>
+        </p:txBody>
+      </p:sp>
+      <p:cxnSp>
+        <p:nvCxnSpPr>
+          <p:cNvPr id="3" name="직선 연결선 2">
+            <a:extLst>
+              <a:ext uri="{FF2B5EF4-FFF2-40B4-BE49-F238E27FC236}">
+                <a16:creationId xmlns:a16="http://schemas.microsoft.com/office/drawing/2014/main" id="{4001A27D-42B4-BE7C-1586-78B955776A20}"/>
+              </a:ext>
+            </a:extLst>
+          </p:cNvPr>
+          <p:cNvCxnSpPr>
+            <a:cxnSpLocks/>
+          </p:cNvCxnSpPr>
+          <p:nvPr/>
+        </p:nvCxnSpPr>
+        <p:spPr>
+          <a:xfrm flipH="1" flipV="1">
+            <a:off x="-13447" y="972511"/>
+            <a:ext cx="18288000" cy="65119"/>
+          </a:xfrm>
+          <a:prstGeom prst="line">
+            <a:avLst/>
+          </a:prstGeom>
+          <a:ln w="38100">
+            <a:solidFill>
+              <a:srgbClr val="4C50BC"/>
+            </a:solidFill>
+          </a:ln>
+        </p:spPr>
+        <p:style>
+          <a:lnRef idx="1">
+            <a:schemeClr val="accent1"/>
+          </a:lnRef>
+          <a:fillRef idx="0">
+            <a:schemeClr val="accent1"/>
+          </a:fillRef>
+          <a:effectRef idx="0">
+            <a:schemeClr val="accent1"/>
+          </a:effectRef>
+          <a:fontRef idx="minor">
+            <a:schemeClr val="tx1"/>
+          </a:fontRef>
+        </p:style>
+      </p:cxnSp>
     </p:spTree>
     <p:extLst>
       <p:ext uri="{BB962C8B-B14F-4D97-AF65-F5344CB8AC3E}">
@@ -11016,64 +11132,6 @@
       </p:grpSpPr>
       <p:sp>
         <p:nvSpPr>
-          <p:cNvPr id="4" name="TextBox 3">
-            <a:extLst>
-              <a:ext uri="{FF2B5EF4-FFF2-40B4-BE49-F238E27FC236}">
-                <a16:creationId xmlns:a16="http://schemas.microsoft.com/office/drawing/2014/main" id="{DF7DDD33-9412-2802-339A-E55446AC2DA7}"/>
-              </a:ext>
-            </a:extLst>
-          </p:cNvPr>
-          <p:cNvSpPr txBox="1"/>
-          <p:nvPr/>
-        </p:nvSpPr>
-        <p:spPr>
-          <a:xfrm>
-            <a:off x="762000" y="419100"/>
-            <a:ext cx="3505200" cy="769441"/>
-          </a:xfrm>
-          <a:prstGeom prst="rect">
-            <a:avLst/>
-          </a:prstGeom>
-          <a:noFill/>
-        </p:spPr>
-        <p:txBody>
-          <a:bodyPr wrap="square" rtlCol="0">
-            <a:spAutoFit/>
-          </a:bodyPr>
-          <a:lstStyle/>
-          <a:p>
-            <a:r>
-              <a:rPr lang="en-US" altLang="ko-KR" sz="4400">
-                <a:solidFill>
-                  <a:srgbClr val="4C50BC"/>
-                </a:solidFill>
-                <a:latin typeface="G마켓 산스 Bold"/>
-                <a:ea typeface="G마켓 산스 Medium" panose="02000000000000000000" pitchFamily="50" charset="-127"/>
-              </a:rPr>
-              <a:t>this</a:t>
-            </a:r>
-            <a:r>
-              <a:rPr lang="ko-KR" altLang="en-US" sz="4400">
-                <a:solidFill>
-                  <a:srgbClr val="4C50BC"/>
-                </a:solidFill>
-                <a:latin typeface="G마켓 산스 Bold"/>
-                <a:ea typeface="G마켓 산스 Medium" panose="02000000000000000000" pitchFamily="50" charset="-127"/>
-              </a:rPr>
-              <a:t>변수</a:t>
-            </a:r>
-            <a:endParaRPr lang="ko-KR" altLang="en-US" sz="4400" dirty="0">
-              <a:solidFill>
-                <a:srgbClr val="4C50BC"/>
-              </a:solidFill>
-              <a:latin typeface="G마켓 산스 Bold"/>
-              <a:ea typeface="G마켓 산스 Medium" panose="02000000000000000000" pitchFamily="50" charset="-127"/>
-            </a:endParaRPr>
-          </a:p>
-        </p:txBody>
-      </p:sp>
-      <p:sp>
-        <p:nvSpPr>
           <p:cNvPr id="5" name="TextBox 4">
             <a:extLst>
               <a:ext uri="{FF2B5EF4-FFF2-40B4-BE49-F238E27FC236}">
@@ -11086,8 +11144,8 @@
         </p:nvSpPr>
         <p:spPr>
           <a:xfrm>
-            <a:off x="2819400" y="1213746"/>
-            <a:ext cx="12649200" cy="1323439"/>
+            <a:off x="754743" y="1104900"/>
+            <a:ext cx="12649200" cy="1200329"/>
           </a:xfrm>
           <a:prstGeom prst="rect">
             <a:avLst/>
@@ -11100,8 +11158,12 @@
           </a:bodyPr>
           <a:lstStyle/>
           <a:p>
-            <a:r>
-              <a:rPr lang="en-US" altLang="ko-KR" sz="4000">
+            <a:pPr marL="571500" indent="-571500">
+              <a:buFont typeface="Arial" panose="020B0604020202020204" pitchFamily="34" charset="0"/>
+              <a:buChar char="•"/>
+            </a:pPr>
+            <a:r>
+              <a:rPr lang="ko-KR" altLang="en-US" sz="3600" dirty="0">
                 <a:solidFill>
                   <a:schemeClr val="tx1">
                     <a:lumMod val="50000"/>
@@ -11111,22 +11173,9 @@
                 <a:latin typeface="G마켓 산스 Medium" panose="02000000000000000000" pitchFamily="50" charset="-127"/>
                 <a:ea typeface="G마켓 산스 Medium" panose="02000000000000000000" pitchFamily="50" charset="-127"/>
               </a:rPr>
-              <a:t>1. </a:t>
-            </a:r>
-            <a:r>
-              <a:rPr lang="ko-KR" altLang="en-US" sz="4000">
-                <a:solidFill>
-                  <a:schemeClr val="tx1">
-                    <a:lumMod val="50000"/>
-                    <a:lumOff val="50000"/>
-                  </a:schemeClr>
-                </a:solidFill>
-                <a:latin typeface="G마켓 산스 Medium" panose="02000000000000000000" pitchFamily="50" charset="-127"/>
-                <a:ea typeface="G마켓 산스 Medium" panose="02000000000000000000" pitchFamily="50" charset="-127"/>
-              </a:rPr>
               <a:t>클래스 생성시 자동을 만들어지는 멤버변수</a:t>
             </a:r>
-            <a:endParaRPr lang="en-US" altLang="ko-KR" sz="4000">
+            <a:endParaRPr lang="en-US" altLang="ko-KR" sz="3600" dirty="0">
               <a:solidFill>
                 <a:schemeClr val="tx1">
                   <a:lumMod val="50000"/>
@@ -11138,8 +11187,12 @@
             </a:endParaRPr>
           </a:p>
           <a:p>
-            <a:r>
-              <a:rPr lang="en-US" altLang="ko-KR" sz="4000">
+            <a:pPr marL="571500" indent="-571500">
+              <a:buFont typeface="Arial" panose="020B0604020202020204" pitchFamily="34" charset="0"/>
+              <a:buChar char="•"/>
+            </a:pPr>
+            <a:r>
+              <a:rPr lang="ko-KR" altLang="en-US" sz="3600" dirty="0">
                 <a:solidFill>
                   <a:schemeClr val="tx1">
                     <a:lumMod val="50000"/>
@@ -11149,23 +11202,10 @@
                 <a:latin typeface="G마켓 산스 Medium" panose="02000000000000000000" pitchFamily="50" charset="-127"/>
                 <a:ea typeface="G마켓 산스 Medium" panose="02000000000000000000" pitchFamily="50" charset="-127"/>
               </a:rPr>
-              <a:t>2.</a:t>
-            </a:r>
-            <a:r>
-              <a:rPr lang="ko-KR" altLang="en-US" sz="4000">
-                <a:solidFill>
-                  <a:schemeClr val="tx1">
-                    <a:lumMod val="50000"/>
-                    <a:lumOff val="50000"/>
-                  </a:schemeClr>
-                </a:solidFill>
-                <a:latin typeface="G마켓 산스 Medium" panose="02000000000000000000" pitchFamily="50" charset="-127"/>
-                <a:ea typeface="G마켓 산스 Medium" panose="02000000000000000000" pitchFamily="50" charset="-127"/>
-              </a:rPr>
               <a:t>객체 자신의 주소를 가지고 있다</a:t>
             </a:r>
             <a:r>
-              <a:rPr lang="en-US" altLang="ko-KR" sz="4000">
+              <a:rPr lang="en-US" altLang="ko-KR" sz="3600" dirty="0">
                 <a:solidFill>
                   <a:schemeClr val="tx1">
                     <a:lumMod val="50000"/>
@@ -11402,6 +11442,107 @@
           </a:p>
         </p:txBody>
       </p:sp>
+      <p:sp>
+        <p:nvSpPr>
+          <p:cNvPr id="2" name="TextBox 1">
+            <a:extLst>
+              <a:ext uri="{FF2B5EF4-FFF2-40B4-BE49-F238E27FC236}">
+                <a16:creationId xmlns:a16="http://schemas.microsoft.com/office/drawing/2014/main" id="{1E47E0FD-324B-A023-AA0D-912A5595FA7F}"/>
+              </a:ext>
+            </a:extLst>
+          </p:cNvPr>
+          <p:cNvSpPr txBox="1"/>
+          <p:nvPr/>
+        </p:nvSpPr>
+        <p:spPr>
+          <a:xfrm>
+            <a:off x="304800" y="114300"/>
+            <a:ext cx="14325600" cy="923330"/>
+          </a:xfrm>
+          <a:prstGeom prst="rect">
+            <a:avLst/>
+          </a:prstGeom>
+          <a:noFill/>
+        </p:spPr>
+        <p:txBody>
+          <a:bodyPr wrap="square" rtlCol="0">
+            <a:spAutoFit/>
+          </a:bodyPr>
+          <a:lstStyle/>
+          <a:p>
+            <a:r>
+              <a:rPr lang="en-US" altLang="ko-KR" sz="5400" spc="-300" dirty="0">
+                <a:solidFill>
+                  <a:srgbClr val="4C50BC"/>
+                </a:solidFill>
+                <a:latin typeface="G마켓 산스 Bold" panose="02000000000000000000" pitchFamily="50" charset="-127"/>
+                <a:ea typeface="G마켓 산스 Bold" panose="02000000000000000000" pitchFamily="50" charset="-127"/>
+              </a:rPr>
+              <a:t>this </a:t>
+            </a:r>
+            <a:r>
+              <a:rPr lang="ko-KR" altLang="en-US" sz="5400" spc="-300" dirty="0">
+                <a:solidFill>
+                  <a:srgbClr val="4C50BC"/>
+                </a:solidFill>
+                <a:latin typeface="G마켓 산스 Bold" panose="02000000000000000000" pitchFamily="50" charset="-127"/>
+                <a:ea typeface="G마켓 산스 Bold" panose="02000000000000000000" pitchFamily="50" charset="-127"/>
+              </a:rPr>
+              <a:t>변수</a:t>
+            </a:r>
+            <a:endParaRPr lang="en-US" altLang="ko-KR" sz="5400" spc="-300" dirty="0">
+              <a:solidFill>
+                <a:srgbClr val="4C50BC"/>
+              </a:solidFill>
+              <a:latin typeface="G마켓 산스 Bold" panose="02000000000000000000" pitchFamily="50" charset="-127"/>
+              <a:ea typeface="G마켓 산스 Bold" panose="02000000000000000000" pitchFamily="50" charset="-127"/>
+            </a:endParaRPr>
+          </a:p>
+        </p:txBody>
+      </p:sp>
+      <p:cxnSp>
+        <p:nvCxnSpPr>
+          <p:cNvPr id="3" name="직선 연결선 2">
+            <a:extLst>
+              <a:ext uri="{FF2B5EF4-FFF2-40B4-BE49-F238E27FC236}">
+                <a16:creationId xmlns:a16="http://schemas.microsoft.com/office/drawing/2014/main" id="{CDEF4B5D-7C0E-ABA6-F545-ACACF3353B08}"/>
+              </a:ext>
+            </a:extLst>
+          </p:cNvPr>
+          <p:cNvCxnSpPr>
+            <a:cxnSpLocks/>
+          </p:cNvCxnSpPr>
+          <p:nvPr/>
+        </p:nvCxnSpPr>
+        <p:spPr>
+          <a:xfrm flipH="1" flipV="1">
+            <a:off x="-13447" y="972511"/>
+            <a:ext cx="18288000" cy="65119"/>
+          </a:xfrm>
+          <a:prstGeom prst="line">
+            <a:avLst/>
+          </a:prstGeom>
+          <a:ln w="38100">
+            <a:solidFill>
+              <a:srgbClr val="4C50BC"/>
+            </a:solidFill>
+          </a:ln>
+        </p:spPr>
+        <p:style>
+          <a:lnRef idx="1">
+            <a:schemeClr val="accent1"/>
+          </a:lnRef>
+          <a:fillRef idx="0">
+            <a:schemeClr val="accent1"/>
+          </a:fillRef>
+          <a:effectRef idx="0">
+            <a:schemeClr val="accent1"/>
+          </a:effectRef>
+          <a:fontRef idx="minor">
+            <a:schemeClr val="tx1"/>
+          </a:fontRef>
+        </p:style>
+      </p:cxnSp>
     </p:spTree>
     <p:extLst>
       <p:ext uri="{BB962C8B-B14F-4D97-AF65-F5344CB8AC3E}">
@@ -11456,64 +11597,6 @@
           </a:prstGeom>
         </p:spPr>
       </p:pic>
-      <p:sp>
-        <p:nvSpPr>
-          <p:cNvPr id="6" name="TextBox 5">
-            <a:extLst>
-              <a:ext uri="{FF2B5EF4-FFF2-40B4-BE49-F238E27FC236}">
-                <a16:creationId xmlns:a16="http://schemas.microsoft.com/office/drawing/2014/main" id="{DF7DDD33-9412-2802-339A-E55446AC2DA7}"/>
-              </a:ext>
-            </a:extLst>
-          </p:cNvPr>
-          <p:cNvSpPr txBox="1"/>
-          <p:nvPr/>
-        </p:nvSpPr>
-        <p:spPr>
-          <a:xfrm>
-            <a:off x="762000" y="419100"/>
-            <a:ext cx="3505200" cy="769441"/>
-          </a:xfrm>
-          <a:prstGeom prst="rect">
-            <a:avLst/>
-          </a:prstGeom>
-          <a:noFill/>
-        </p:spPr>
-        <p:txBody>
-          <a:bodyPr wrap="square" rtlCol="0">
-            <a:spAutoFit/>
-          </a:bodyPr>
-          <a:lstStyle/>
-          <a:p>
-            <a:r>
-              <a:rPr lang="en-US" altLang="ko-KR" sz="4400">
-                <a:solidFill>
-                  <a:srgbClr val="4C50BC"/>
-                </a:solidFill>
-                <a:latin typeface="G마켓 산스 Bold"/>
-                <a:ea typeface="G마켓 산스 Medium" panose="02000000000000000000" pitchFamily="50" charset="-127"/>
-              </a:rPr>
-              <a:t>this</a:t>
-            </a:r>
-            <a:r>
-              <a:rPr lang="ko-KR" altLang="en-US" sz="4400">
-                <a:solidFill>
-                  <a:srgbClr val="4C50BC"/>
-                </a:solidFill>
-                <a:latin typeface="G마켓 산스 Bold"/>
-                <a:ea typeface="G마켓 산스 Medium" panose="02000000000000000000" pitchFamily="50" charset="-127"/>
-              </a:rPr>
-              <a:t>변수</a:t>
-            </a:r>
-            <a:endParaRPr lang="ko-KR" altLang="en-US" sz="4400" dirty="0">
-              <a:solidFill>
-                <a:srgbClr val="4C50BC"/>
-              </a:solidFill>
-              <a:latin typeface="G마켓 산스 Bold"/>
-              <a:ea typeface="G마켓 산스 Medium" panose="02000000000000000000" pitchFamily="50" charset="-127"/>
-            </a:endParaRPr>
-          </a:p>
-        </p:txBody>
-      </p:sp>
       <p:pic>
         <p:nvPicPr>
           <p:cNvPr id="7" name="그림 6"/>
@@ -11836,6 +11919,107 @@
           </a:p>
         </p:txBody>
       </p:sp>
+      <p:sp>
+        <p:nvSpPr>
+          <p:cNvPr id="2" name="TextBox 1">
+            <a:extLst>
+              <a:ext uri="{FF2B5EF4-FFF2-40B4-BE49-F238E27FC236}">
+                <a16:creationId xmlns:a16="http://schemas.microsoft.com/office/drawing/2014/main" id="{1EC35894-4524-47AE-C5B6-0C07E3A91F00}"/>
+              </a:ext>
+            </a:extLst>
+          </p:cNvPr>
+          <p:cNvSpPr txBox="1"/>
+          <p:nvPr/>
+        </p:nvSpPr>
+        <p:spPr>
+          <a:xfrm>
+            <a:off x="304800" y="114300"/>
+            <a:ext cx="14325600" cy="923330"/>
+          </a:xfrm>
+          <a:prstGeom prst="rect">
+            <a:avLst/>
+          </a:prstGeom>
+          <a:noFill/>
+        </p:spPr>
+        <p:txBody>
+          <a:bodyPr wrap="square" rtlCol="0">
+            <a:spAutoFit/>
+          </a:bodyPr>
+          <a:lstStyle/>
+          <a:p>
+            <a:r>
+              <a:rPr lang="en-US" altLang="ko-KR" sz="5400" spc="-300" dirty="0">
+                <a:solidFill>
+                  <a:srgbClr val="4C50BC"/>
+                </a:solidFill>
+                <a:latin typeface="G마켓 산스 Bold" panose="02000000000000000000" pitchFamily="50" charset="-127"/>
+                <a:ea typeface="G마켓 산스 Bold" panose="02000000000000000000" pitchFamily="50" charset="-127"/>
+              </a:rPr>
+              <a:t>this </a:t>
+            </a:r>
+            <a:r>
+              <a:rPr lang="ko-KR" altLang="en-US" sz="5400" spc="-300" dirty="0">
+                <a:solidFill>
+                  <a:srgbClr val="4C50BC"/>
+                </a:solidFill>
+                <a:latin typeface="G마켓 산스 Bold" panose="02000000000000000000" pitchFamily="50" charset="-127"/>
+                <a:ea typeface="G마켓 산스 Bold" panose="02000000000000000000" pitchFamily="50" charset="-127"/>
+              </a:rPr>
+              <a:t>변수</a:t>
+            </a:r>
+            <a:endParaRPr lang="en-US" altLang="ko-KR" sz="5400" spc="-300" dirty="0">
+              <a:solidFill>
+                <a:srgbClr val="4C50BC"/>
+              </a:solidFill>
+              <a:latin typeface="G마켓 산스 Bold" panose="02000000000000000000" pitchFamily="50" charset="-127"/>
+              <a:ea typeface="G마켓 산스 Bold" panose="02000000000000000000" pitchFamily="50" charset="-127"/>
+            </a:endParaRPr>
+          </a:p>
+        </p:txBody>
+      </p:sp>
+      <p:cxnSp>
+        <p:nvCxnSpPr>
+          <p:cNvPr id="3" name="직선 연결선 2">
+            <a:extLst>
+              <a:ext uri="{FF2B5EF4-FFF2-40B4-BE49-F238E27FC236}">
+                <a16:creationId xmlns:a16="http://schemas.microsoft.com/office/drawing/2014/main" id="{9D3DE775-BA50-4044-59DB-6E402AE0C0A8}"/>
+              </a:ext>
+            </a:extLst>
+          </p:cNvPr>
+          <p:cNvCxnSpPr>
+            <a:cxnSpLocks/>
+          </p:cNvCxnSpPr>
+          <p:nvPr/>
+        </p:nvCxnSpPr>
+        <p:spPr>
+          <a:xfrm flipH="1" flipV="1">
+            <a:off x="-13447" y="972511"/>
+            <a:ext cx="18288000" cy="65119"/>
+          </a:xfrm>
+          <a:prstGeom prst="line">
+            <a:avLst/>
+          </a:prstGeom>
+          <a:ln w="38100">
+            <a:solidFill>
+              <a:srgbClr val="4C50BC"/>
+            </a:solidFill>
+          </a:ln>
+        </p:spPr>
+        <p:style>
+          <a:lnRef idx="1">
+            <a:schemeClr val="accent1"/>
+          </a:lnRef>
+          <a:fillRef idx="0">
+            <a:schemeClr val="accent1"/>
+          </a:fillRef>
+          <a:effectRef idx="0">
+            <a:schemeClr val="accent1"/>
+          </a:effectRef>
+          <a:fontRef idx="minor">
+            <a:schemeClr val="tx1"/>
+          </a:fontRef>
+        </p:style>
+      </p:cxnSp>
     </p:spTree>
     <p:extLst>
       <p:ext uri="{BB962C8B-B14F-4D97-AF65-F5344CB8AC3E}">
@@ -13036,54 +13220,6 @@
           <a:chExt cx="0" cy="0"/>
         </a:xfrm>
       </p:grpSpPr>
-      <p:sp>
-        <p:nvSpPr>
-          <p:cNvPr id="4" name="TextBox 3">
-            <a:extLst>
-              <a:ext uri="{FF2B5EF4-FFF2-40B4-BE49-F238E27FC236}">
-                <a16:creationId xmlns:a16="http://schemas.microsoft.com/office/drawing/2014/main" id="{DF7DDD33-9412-2802-339A-E55446AC2DA7}"/>
-              </a:ext>
-            </a:extLst>
-          </p:cNvPr>
-          <p:cNvSpPr txBox="1"/>
-          <p:nvPr/>
-        </p:nvSpPr>
-        <p:spPr>
-          <a:xfrm>
-            <a:off x="1066800" y="266700"/>
-            <a:ext cx="1518364" cy="923330"/>
-          </a:xfrm>
-          <a:prstGeom prst="rect">
-            <a:avLst/>
-          </a:prstGeom>
-          <a:noFill/>
-        </p:spPr>
-        <p:txBody>
-          <a:bodyPr wrap="none" rtlCol="0">
-            <a:spAutoFit/>
-          </a:bodyPr>
-          <a:lstStyle/>
-          <a:p>
-            <a:r>
-              <a:rPr lang="ko-KR" altLang="en-US" sz="5400">
-                <a:solidFill>
-                  <a:srgbClr val="4C50BC"/>
-                </a:solidFill>
-                <a:latin typeface="G마켓 산스 Bold"/>
-                <a:ea typeface="G마켓 산스 Medium" panose="02000000000000000000" pitchFamily="50" charset="-127"/>
-              </a:rPr>
-              <a:t>퀴즈</a:t>
-            </a:r>
-            <a:endParaRPr lang="ko-KR" altLang="en-US" sz="5400" dirty="0">
-              <a:solidFill>
-                <a:srgbClr val="4C50BC"/>
-              </a:solidFill>
-              <a:latin typeface="G마켓 산스 Bold"/>
-              <a:ea typeface="G마켓 산스 Medium" panose="02000000000000000000" pitchFamily="50" charset="-127"/>
-            </a:endParaRPr>
-          </a:p>
-        </p:txBody>
-      </p:sp>
       <p:pic>
         <p:nvPicPr>
           <p:cNvPr id="5" name="그림 4"/>
@@ -13252,6 +13388,97 @@
           </a:p>
         </p:txBody>
       </p:sp>
+      <p:sp>
+        <p:nvSpPr>
+          <p:cNvPr id="2" name="TextBox 1">
+            <a:extLst>
+              <a:ext uri="{FF2B5EF4-FFF2-40B4-BE49-F238E27FC236}">
+                <a16:creationId xmlns:a16="http://schemas.microsoft.com/office/drawing/2014/main" id="{3FE89776-0292-C01C-C3DA-B8BDF713E883}"/>
+              </a:ext>
+            </a:extLst>
+          </p:cNvPr>
+          <p:cNvSpPr txBox="1"/>
+          <p:nvPr/>
+        </p:nvSpPr>
+        <p:spPr>
+          <a:xfrm>
+            <a:off x="304800" y="114300"/>
+            <a:ext cx="14325600" cy="923330"/>
+          </a:xfrm>
+          <a:prstGeom prst="rect">
+            <a:avLst/>
+          </a:prstGeom>
+          <a:noFill/>
+        </p:spPr>
+        <p:txBody>
+          <a:bodyPr wrap="square" rtlCol="0">
+            <a:spAutoFit/>
+          </a:bodyPr>
+          <a:lstStyle/>
+          <a:p>
+            <a:r>
+              <a:rPr lang="ko-KR" altLang="en-US" sz="5400" spc="-300" dirty="0">
+                <a:solidFill>
+                  <a:srgbClr val="4C50BC"/>
+                </a:solidFill>
+                <a:latin typeface="G마켓 산스 Bold" panose="02000000000000000000" pitchFamily="50" charset="-127"/>
+                <a:ea typeface="G마켓 산스 Bold" panose="02000000000000000000" pitchFamily="50" charset="-127"/>
+              </a:rPr>
+              <a:t>퀴즈</a:t>
+            </a:r>
+            <a:endParaRPr lang="en-US" altLang="ko-KR" sz="5400" spc="-300" dirty="0">
+              <a:solidFill>
+                <a:srgbClr val="4C50BC"/>
+              </a:solidFill>
+              <a:latin typeface="G마켓 산스 Bold" panose="02000000000000000000" pitchFamily="50" charset="-127"/>
+              <a:ea typeface="G마켓 산스 Bold" panose="02000000000000000000" pitchFamily="50" charset="-127"/>
+            </a:endParaRPr>
+          </a:p>
+        </p:txBody>
+      </p:sp>
+      <p:cxnSp>
+        <p:nvCxnSpPr>
+          <p:cNvPr id="3" name="직선 연결선 2">
+            <a:extLst>
+              <a:ext uri="{FF2B5EF4-FFF2-40B4-BE49-F238E27FC236}">
+                <a16:creationId xmlns:a16="http://schemas.microsoft.com/office/drawing/2014/main" id="{F75B428B-DD54-C150-F95B-A3A1EF06F908}"/>
+              </a:ext>
+            </a:extLst>
+          </p:cNvPr>
+          <p:cNvCxnSpPr>
+            <a:cxnSpLocks/>
+          </p:cNvCxnSpPr>
+          <p:nvPr/>
+        </p:nvCxnSpPr>
+        <p:spPr>
+          <a:xfrm flipH="1" flipV="1">
+            <a:off x="-13447" y="972511"/>
+            <a:ext cx="18288000" cy="65119"/>
+          </a:xfrm>
+          <a:prstGeom prst="line">
+            <a:avLst/>
+          </a:prstGeom>
+          <a:ln w="38100">
+            <a:solidFill>
+              <a:srgbClr val="4C50BC"/>
+            </a:solidFill>
+          </a:ln>
+        </p:spPr>
+        <p:style>
+          <a:lnRef idx="1">
+            <a:schemeClr val="accent1"/>
+          </a:lnRef>
+          <a:fillRef idx="0">
+            <a:schemeClr val="accent1"/>
+          </a:fillRef>
+          <a:effectRef idx="0">
+            <a:schemeClr val="accent1"/>
+          </a:effectRef>
+          <a:fontRef idx="minor">
+            <a:schemeClr val="tx1"/>
+          </a:fontRef>
+        </p:style>
+      </p:cxnSp>
     </p:spTree>
     <p:extLst>
       <p:ext uri="{BB962C8B-B14F-4D97-AF65-F5344CB8AC3E}">
@@ -14047,64 +14274,6 @@
       </p:grpSpPr>
       <p:sp>
         <p:nvSpPr>
-          <p:cNvPr id="4" name="TextBox 3">
-            <a:extLst>
-              <a:ext uri="{FF2B5EF4-FFF2-40B4-BE49-F238E27FC236}">
-                <a16:creationId xmlns:a16="http://schemas.microsoft.com/office/drawing/2014/main" id="{5ADC00B6-990A-40DC-3CEA-505258F5E8DA}"/>
-              </a:ext>
-            </a:extLst>
-          </p:cNvPr>
-          <p:cNvSpPr txBox="1"/>
-          <p:nvPr/>
-        </p:nvSpPr>
-        <p:spPr>
-          <a:xfrm>
-            <a:off x="762000" y="197703"/>
-            <a:ext cx="3048000" cy="830997"/>
-          </a:xfrm>
-          <a:prstGeom prst="rect">
-            <a:avLst/>
-          </a:prstGeom>
-          <a:noFill/>
-        </p:spPr>
-        <p:txBody>
-          <a:bodyPr wrap="square" rtlCol="0">
-            <a:spAutoFit/>
-          </a:bodyPr>
-          <a:lstStyle/>
-          <a:p>
-            <a:r>
-              <a:rPr lang="ko-KR" altLang="en-US" sz="4800">
-                <a:solidFill>
-                  <a:srgbClr val="4C50BC"/>
-                </a:solidFill>
-                <a:latin typeface="G마켓 산스 Medium" panose="02000000000000000000" pitchFamily="50" charset="-127"/>
-                <a:ea typeface="G마켓 산스 Medium" panose="02000000000000000000" pitchFamily="50" charset="-127"/>
-              </a:rPr>
-              <a:t>연습문제</a:t>
-            </a:r>
-            <a:r>
-              <a:rPr lang="en-US" altLang="ko-KR" sz="4800">
-                <a:solidFill>
-                  <a:srgbClr val="4C50BC"/>
-                </a:solidFill>
-                <a:latin typeface="G마켓 산스 Medium" panose="02000000000000000000" pitchFamily="50" charset="-127"/>
-                <a:ea typeface="G마켓 산스 Medium" panose="02000000000000000000" pitchFamily="50" charset="-127"/>
-              </a:rPr>
-              <a:t>1</a:t>
-            </a:r>
-            <a:endParaRPr lang="en-US" altLang="ko-KR" sz="4800" dirty="0">
-              <a:solidFill>
-                <a:srgbClr val="4C50BC"/>
-              </a:solidFill>
-              <a:latin typeface="G마켓 산스 Medium" panose="02000000000000000000" pitchFamily="50" charset="-127"/>
-              <a:ea typeface="G마켓 산스 Medium" panose="02000000000000000000" pitchFamily="50" charset="-127"/>
-            </a:endParaRPr>
-          </a:p>
-        </p:txBody>
-      </p:sp>
-      <p:sp>
-        <p:nvSpPr>
           <p:cNvPr id="5" name="TextBox 4">
             <a:extLst>
               <a:ext uri="{FF2B5EF4-FFF2-40B4-BE49-F238E27FC236}">
@@ -14139,7 +14308,7 @@
                 <a:latin typeface="G마켓 산스 Medium" panose="02000000000000000000" pitchFamily="50" charset="-127"/>
                 <a:ea typeface="G마켓 산스 Medium" panose="02000000000000000000" pitchFamily="50" charset="-127"/>
               </a:rPr>
-              <a:t>1-1 Student </a:t>
+              <a:t>Student </a:t>
             </a:r>
             <a:r>
               <a:rPr lang="ko-KR" altLang="en-US" sz="3600" dirty="0">
@@ -14151,16 +14320,13 @@
               </a:rPr>
               <a:t>클래스를 만들고 사용해보자</a:t>
             </a:r>
-            <a:r>
-              <a:rPr lang="en-US" altLang="ko-KR" sz="3600" dirty="0">
-                <a:solidFill>
-                  <a:srgbClr val="FF0000"/>
-                </a:solidFill>
-                <a:latin typeface="G마켓 산스 Medium" panose="02000000000000000000" pitchFamily="50" charset="-127"/>
-                <a:ea typeface="G마켓 산스 Medium" panose="02000000000000000000" pitchFamily="50" charset="-127"/>
-              </a:rPr>
-              <a:t>(normal)</a:t>
-            </a:r>
+            <a:endParaRPr lang="en-US" altLang="ko-KR" sz="3600" dirty="0">
+              <a:solidFill>
+                <a:srgbClr val="FF0000"/>
+              </a:solidFill>
+              <a:latin typeface="G마켓 산스 Medium" panose="02000000000000000000" pitchFamily="50" charset="-127"/>
+              <a:ea typeface="G마켓 산스 Medium" panose="02000000000000000000" pitchFamily="50" charset="-127"/>
+            </a:endParaRPr>
           </a:p>
           <a:p>
             <a:pPr marL="571500" indent="-571500">
@@ -14353,6 +14519,120 @@
           </a:prstGeom>
         </p:spPr>
       </p:pic>
+      <p:sp>
+        <p:nvSpPr>
+          <p:cNvPr id="2" name="TextBox 1">
+            <a:extLst>
+              <a:ext uri="{FF2B5EF4-FFF2-40B4-BE49-F238E27FC236}">
+                <a16:creationId xmlns:a16="http://schemas.microsoft.com/office/drawing/2014/main" id="{C0481989-658A-66AC-046D-3584C41A09CA}"/>
+              </a:ext>
+            </a:extLst>
+          </p:cNvPr>
+          <p:cNvSpPr txBox="1"/>
+          <p:nvPr/>
+        </p:nvSpPr>
+        <p:spPr>
+          <a:xfrm>
+            <a:off x="304800" y="114300"/>
+            <a:ext cx="10972800" cy="923330"/>
+          </a:xfrm>
+          <a:prstGeom prst="rect">
+            <a:avLst/>
+          </a:prstGeom>
+          <a:noFill/>
+        </p:spPr>
+        <p:txBody>
+          <a:bodyPr wrap="square" rtlCol="0">
+            <a:spAutoFit/>
+          </a:bodyPr>
+          <a:lstStyle/>
+          <a:p>
+            <a:r>
+              <a:rPr lang="en-US" altLang="ko-KR" sz="5400" spc="-300" dirty="0">
+                <a:solidFill>
+                  <a:srgbClr val="4C50BC"/>
+                </a:solidFill>
+                <a:latin typeface="G마켓 산스 Bold" panose="02000000000000000000" pitchFamily="50" charset="-127"/>
+                <a:ea typeface="G마켓 산스 Bold" panose="02000000000000000000" pitchFamily="50" charset="-127"/>
+              </a:rPr>
+              <a:t>1-1 </a:t>
+            </a:r>
+            <a:r>
+              <a:rPr lang="ko-KR" altLang="en-US" sz="5400" spc="-300" dirty="0">
+                <a:solidFill>
+                  <a:srgbClr val="4C50BC"/>
+                </a:solidFill>
+                <a:latin typeface="G마켓 산스 Bold" panose="02000000000000000000" pitchFamily="50" charset="-127"/>
+                <a:ea typeface="G마켓 산스 Bold" panose="02000000000000000000" pitchFamily="50" charset="-127"/>
+              </a:rPr>
+              <a:t>실습문제</a:t>
+            </a:r>
+            <a:r>
+              <a:rPr lang="en-US" altLang="ko-KR" sz="5400" spc="-300" dirty="0">
+                <a:solidFill>
+                  <a:srgbClr val="4C50BC"/>
+                </a:solidFill>
+                <a:latin typeface="G마켓 산스 Bold" panose="02000000000000000000" pitchFamily="50" charset="-127"/>
+                <a:ea typeface="G마켓 산스 Bold" panose="02000000000000000000" pitchFamily="50" charset="-127"/>
+              </a:rPr>
+              <a:t> </a:t>
+            </a:r>
+            <a:r>
+              <a:rPr lang="en-US" altLang="ko-KR" sz="5400" spc="-300" dirty="0">
+                <a:solidFill>
+                  <a:srgbClr val="FF0000"/>
+                </a:solidFill>
+                <a:latin typeface="G마켓 산스 Bold" panose="02000000000000000000" pitchFamily="50" charset="-127"/>
+                <a:ea typeface="G마켓 산스 Bold" panose="02000000000000000000" pitchFamily="50" charset="-127"/>
+              </a:rPr>
+              <a:t>(normal)</a:t>
+            </a:r>
+          </a:p>
+        </p:txBody>
+      </p:sp>
+      <p:cxnSp>
+        <p:nvCxnSpPr>
+          <p:cNvPr id="6" name="직선 연결선 5">
+            <a:extLst>
+              <a:ext uri="{FF2B5EF4-FFF2-40B4-BE49-F238E27FC236}">
+                <a16:creationId xmlns:a16="http://schemas.microsoft.com/office/drawing/2014/main" id="{7929F887-8B64-BC12-7817-F6ECC371AB56}"/>
+              </a:ext>
+            </a:extLst>
+          </p:cNvPr>
+          <p:cNvCxnSpPr>
+            <a:cxnSpLocks/>
+          </p:cNvCxnSpPr>
+          <p:nvPr/>
+        </p:nvCxnSpPr>
+        <p:spPr>
+          <a:xfrm flipH="1" flipV="1">
+            <a:off x="-13447" y="972511"/>
+            <a:ext cx="18288000" cy="65119"/>
+          </a:xfrm>
+          <a:prstGeom prst="line">
+            <a:avLst/>
+          </a:prstGeom>
+          <a:ln w="38100">
+            <a:solidFill>
+              <a:srgbClr val="4C50BC"/>
+            </a:solidFill>
+          </a:ln>
+        </p:spPr>
+        <p:style>
+          <a:lnRef idx="1">
+            <a:schemeClr val="accent1"/>
+          </a:lnRef>
+          <a:fillRef idx="0">
+            <a:schemeClr val="accent1"/>
+          </a:fillRef>
+          <a:effectRef idx="0">
+            <a:schemeClr val="accent1"/>
+          </a:effectRef>
+          <a:fontRef idx="minor">
+            <a:schemeClr val="tx1"/>
+          </a:fontRef>
+        </p:style>
+      </p:cxnSp>
     </p:spTree>
     <p:extLst>
       <p:ext uri="{BB962C8B-B14F-4D97-AF65-F5344CB8AC3E}">
@@ -14658,8 +14938,8 @@
         </p:nvGrpSpPr>
         <p:grpSpPr>
           <a:xfrm>
-            <a:off x="4114800" y="876300"/>
-            <a:ext cx="9906000" cy="8610600"/>
+            <a:off x="4114800" y="1232984"/>
+            <a:ext cx="9906000" cy="8253915"/>
             <a:chOff x="1447800" y="876300"/>
             <a:chExt cx="9525000" cy="8305800"/>
           </a:xfrm>
@@ -14921,54 +15201,6 @@
       </p:cxnSp>
       <p:sp>
         <p:nvSpPr>
-          <p:cNvPr id="16" name="TextBox 15">
-            <a:extLst>
-              <a:ext uri="{FF2B5EF4-FFF2-40B4-BE49-F238E27FC236}">
-                <a16:creationId xmlns:a16="http://schemas.microsoft.com/office/drawing/2014/main" id="{D15846FF-94B2-2A26-97FA-DA8623CD808D}"/>
-              </a:ext>
-            </a:extLst>
-          </p:cNvPr>
-          <p:cNvSpPr txBox="1"/>
-          <p:nvPr/>
-        </p:nvSpPr>
-        <p:spPr>
-          <a:xfrm>
-            <a:off x="609600" y="571500"/>
-            <a:ext cx="1665841" cy="1015663"/>
-          </a:xfrm>
-          <a:prstGeom prst="rect">
-            <a:avLst/>
-          </a:prstGeom>
-          <a:noFill/>
-        </p:spPr>
-        <p:txBody>
-          <a:bodyPr wrap="none" rtlCol="0">
-            <a:spAutoFit/>
-          </a:bodyPr>
-          <a:lstStyle/>
-          <a:p>
-            <a:r>
-              <a:rPr lang="ko-KR" altLang="en-US" sz="6000" dirty="0">
-                <a:solidFill>
-                  <a:srgbClr val="4C50BB"/>
-                </a:solidFill>
-                <a:latin typeface="G마켓 산스 TTF Bold" panose="02000000000000000000" pitchFamily="2" charset="-127"/>
-                <a:ea typeface="G마켓 산스 TTF Bold" panose="02000000000000000000" pitchFamily="2" charset="-127"/>
-              </a:rPr>
-              <a:t>해설</a:t>
-            </a:r>
-            <a:endParaRPr lang="ko-KR" altLang="en-US" sz="800" dirty="0">
-              <a:solidFill>
-                <a:srgbClr val="4C50BB"/>
-              </a:solidFill>
-              <a:latin typeface="G마켓 산스 TTF Bold" panose="02000000000000000000" pitchFamily="2" charset="-127"/>
-              <a:ea typeface="G마켓 산스 TTF Bold" panose="02000000000000000000" pitchFamily="2" charset="-127"/>
-            </a:endParaRPr>
-          </a:p>
-        </p:txBody>
-      </p:sp>
-      <p:sp>
-        <p:nvSpPr>
           <p:cNvPr id="17" name="직사각형 16">
             <a:extLst>
               <a:ext uri="{FF2B5EF4-FFF2-40B4-BE49-F238E27FC236}">
@@ -14981,8 +15213,8 @@
         </p:nvSpPr>
         <p:spPr>
           <a:xfrm>
-            <a:off x="2590800" y="269263"/>
-            <a:ext cx="15240000" cy="9217637"/>
+            <a:off x="2590800" y="1232985"/>
+            <a:ext cx="15240000" cy="8253916"/>
           </a:xfrm>
           <a:prstGeom prst="rect">
             <a:avLst/>
@@ -15019,6 +15251,120 @@
           </a:p>
         </p:txBody>
       </p:sp>
+      <p:sp>
+        <p:nvSpPr>
+          <p:cNvPr id="2" name="TextBox 1">
+            <a:extLst>
+              <a:ext uri="{FF2B5EF4-FFF2-40B4-BE49-F238E27FC236}">
+                <a16:creationId xmlns:a16="http://schemas.microsoft.com/office/drawing/2014/main" id="{BFAFBE84-DC3A-B25B-8AE4-64A473318A28}"/>
+              </a:ext>
+            </a:extLst>
+          </p:cNvPr>
+          <p:cNvSpPr txBox="1"/>
+          <p:nvPr/>
+        </p:nvSpPr>
+        <p:spPr>
+          <a:xfrm>
+            <a:off x="304800" y="114300"/>
+            <a:ext cx="10972800" cy="923330"/>
+          </a:xfrm>
+          <a:prstGeom prst="rect">
+            <a:avLst/>
+          </a:prstGeom>
+          <a:noFill/>
+        </p:spPr>
+        <p:txBody>
+          <a:bodyPr wrap="square" rtlCol="0">
+            <a:spAutoFit/>
+          </a:bodyPr>
+          <a:lstStyle/>
+          <a:p>
+            <a:r>
+              <a:rPr lang="en-US" altLang="ko-KR" sz="5400" spc="-300" dirty="0">
+                <a:solidFill>
+                  <a:srgbClr val="4C50BC"/>
+                </a:solidFill>
+                <a:latin typeface="G마켓 산스 Bold" panose="02000000000000000000" pitchFamily="50" charset="-127"/>
+                <a:ea typeface="G마켓 산스 Bold" panose="02000000000000000000" pitchFamily="50" charset="-127"/>
+              </a:rPr>
+              <a:t>1-1 </a:t>
+            </a:r>
+            <a:r>
+              <a:rPr lang="ko-KR" altLang="en-US" sz="5400" spc="-300" dirty="0">
+                <a:solidFill>
+                  <a:srgbClr val="4C50BC"/>
+                </a:solidFill>
+                <a:latin typeface="G마켓 산스 Bold" panose="02000000000000000000" pitchFamily="50" charset="-127"/>
+                <a:ea typeface="G마켓 산스 Bold" panose="02000000000000000000" pitchFamily="50" charset="-127"/>
+              </a:rPr>
+              <a:t>문제풀이</a:t>
+            </a:r>
+            <a:r>
+              <a:rPr lang="en-US" altLang="ko-KR" sz="5400" spc="-300" dirty="0">
+                <a:solidFill>
+                  <a:srgbClr val="4C50BC"/>
+                </a:solidFill>
+                <a:latin typeface="G마켓 산스 Bold" panose="02000000000000000000" pitchFamily="50" charset="-127"/>
+                <a:ea typeface="G마켓 산스 Bold" panose="02000000000000000000" pitchFamily="50" charset="-127"/>
+              </a:rPr>
+              <a:t> </a:t>
+            </a:r>
+            <a:r>
+              <a:rPr lang="en-US" altLang="ko-KR" sz="5400" spc="-300" dirty="0">
+                <a:solidFill>
+                  <a:srgbClr val="FF0000"/>
+                </a:solidFill>
+                <a:latin typeface="G마켓 산스 Bold" panose="02000000000000000000" pitchFamily="50" charset="-127"/>
+                <a:ea typeface="G마켓 산스 Bold" panose="02000000000000000000" pitchFamily="50" charset="-127"/>
+              </a:rPr>
+              <a:t>(normal)</a:t>
+            </a:r>
+          </a:p>
+        </p:txBody>
+      </p:sp>
+      <p:cxnSp>
+        <p:nvCxnSpPr>
+          <p:cNvPr id="3" name="직선 연결선 2">
+            <a:extLst>
+              <a:ext uri="{FF2B5EF4-FFF2-40B4-BE49-F238E27FC236}">
+                <a16:creationId xmlns:a16="http://schemas.microsoft.com/office/drawing/2014/main" id="{F9BFFCB7-DAFE-CA4B-3807-298BAC2D5CEF}"/>
+              </a:ext>
+            </a:extLst>
+          </p:cNvPr>
+          <p:cNvCxnSpPr>
+            <a:cxnSpLocks/>
+          </p:cNvCxnSpPr>
+          <p:nvPr/>
+        </p:nvCxnSpPr>
+        <p:spPr>
+          <a:xfrm flipH="1" flipV="1">
+            <a:off x="-13447" y="972511"/>
+            <a:ext cx="18288000" cy="65119"/>
+          </a:xfrm>
+          <a:prstGeom prst="line">
+            <a:avLst/>
+          </a:prstGeom>
+          <a:ln w="38100">
+            <a:solidFill>
+              <a:srgbClr val="4C50BC"/>
+            </a:solidFill>
+          </a:ln>
+        </p:spPr>
+        <p:style>
+          <a:lnRef idx="1">
+            <a:schemeClr val="accent1"/>
+          </a:lnRef>
+          <a:fillRef idx="0">
+            <a:schemeClr val="accent1"/>
+          </a:fillRef>
+          <a:effectRef idx="0">
+            <a:schemeClr val="accent1"/>
+          </a:effectRef>
+          <a:fontRef idx="minor">
+            <a:schemeClr val="tx1"/>
+          </a:fontRef>
+        </p:style>
+      </p:cxnSp>
     </p:spTree>
     <p:extLst>
       <p:ext uri="{BB962C8B-B14F-4D97-AF65-F5344CB8AC3E}">
@@ -15141,7 +15487,7 @@
         </p:nvSpPr>
         <p:spPr>
           <a:xfrm>
-            <a:off x="381000" y="38100"/>
+            <a:off x="381000" y="966509"/>
             <a:ext cx="17526000" cy="1569660"/>
           </a:xfrm>
           <a:prstGeom prst="rect">
@@ -15163,7 +15509,7 @@
                 <a:latin typeface="G마켓 산스 Medium" panose="02000000000000000000" pitchFamily="50" charset="-127"/>
                 <a:ea typeface="G마켓 산스 Medium" panose="02000000000000000000" pitchFamily="50" charset="-127"/>
               </a:rPr>
-              <a:t>1-2 Student</a:t>
+              <a:t>Student</a:t>
             </a:r>
             <a:r>
               <a:rPr lang="ko-KR" altLang="en-US" sz="3200" dirty="0">
@@ -15175,16 +15521,13 @@
               </a:rPr>
               <a:t>클래스에 성적의 합계와 평균을 구하는 기능을 추가하자</a:t>
             </a:r>
-            <a:r>
-              <a:rPr lang="en-US" altLang="ko-KR" sz="3200" dirty="0">
-                <a:solidFill>
-                  <a:srgbClr val="FF0000"/>
-                </a:solidFill>
-                <a:latin typeface="G마켓 산스 Medium" panose="02000000000000000000" pitchFamily="50" charset="-127"/>
-                <a:ea typeface="G마켓 산스 Medium" panose="02000000000000000000" pitchFamily="50" charset="-127"/>
-              </a:rPr>
-              <a:t>(normal)</a:t>
-            </a:r>
+            <a:endParaRPr lang="en-US" altLang="ko-KR" sz="3200" dirty="0">
+              <a:solidFill>
+                <a:srgbClr val="FF0000"/>
+              </a:solidFill>
+              <a:latin typeface="G마켓 산스 Medium" panose="02000000000000000000" pitchFamily="50" charset="-127"/>
+              <a:ea typeface="G마켓 산스 Medium" panose="02000000000000000000" pitchFamily="50" charset="-127"/>
+            </a:endParaRPr>
           </a:p>
           <a:p>
             <a:r>
@@ -15370,7 +15713,7 @@
         </p:blipFill>
         <p:spPr>
           <a:xfrm>
-            <a:off x="413657" y="2552700"/>
+            <a:off x="413657" y="3481109"/>
             <a:ext cx="10454197" cy="3886200"/>
           </a:xfrm>
           <a:prstGeom prst="rect">
@@ -15400,7 +15743,7 @@
         </p:blipFill>
         <p:spPr>
           <a:xfrm>
-            <a:off x="381000" y="6743700"/>
+            <a:off x="381000" y="7672109"/>
             <a:ext cx="6306358" cy="2576791"/>
           </a:xfrm>
           <a:prstGeom prst="rect">
@@ -15408,6 +15751,120 @@
           </a:prstGeom>
         </p:spPr>
       </p:pic>
+      <p:sp>
+        <p:nvSpPr>
+          <p:cNvPr id="2" name="TextBox 1">
+            <a:extLst>
+              <a:ext uri="{FF2B5EF4-FFF2-40B4-BE49-F238E27FC236}">
+                <a16:creationId xmlns:a16="http://schemas.microsoft.com/office/drawing/2014/main" id="{B1B93011-0A64-611E-26EC-1DA683D38A7E}"/>
+              </a:ext>
+            </a:extLst>
+          </p:cNvPr>
+          <p:cNvSpPr txBox="1"/>
+          <p:nvPr/>
+        </p:nvSpPr>
+        <p:spPr>
+          <a:xfrm>
+            <a:off x="304800" y="114300"/>
+            <a:ext cx="10972800" cy="923330"/>
+          </a:xfrm>
+          <a:prstGeom prst="rect">
+            <a:avLst/>
+          </a:prstGeom>
+          <a:noFill/>
+        </p:spPr>
+        <p:txBody>
+          <a:bodyPr wrap="square" rtlCol="0">
+            <a:spAutoFit/>
+          </a:bodyPr>
+          <a:lstStyle/>
+          <a:p>
+            <a:r>
+              <a:rPr lang="en-US" altLang="ko-KR" sz="5400" spc="-300" dirty="0">
+                <a:solidFill>
+                  <a:srgbClr val="4C50BC"/>
+                </a:solidFill>
+                <a:latin typeface="G마켓 산스 Bold" panose="02000000000000000000" pitchFamily="50" charset="-127"/>
+                <a:ea typeface="G마켓 산스 Bold" panose="02000000000000000000" pitchFamily="50" charset="-127"/>
+              </a:rPr>
+              <a:t>1-2 </a:t>
+            </a:r>
+            <a:r>
+              <a:rPr lang="ko-KR" altLang="en-US" sz="5400" spc="-300" dirty="0">
+                <a:solidFill>
+                  <a:srgbClr val="4C50BC"/>
+                </a:solidFill>
+                <a:latin typeface="G마켓 산스 Bold" panose="02000000000000000000" pitchFamily="50" charset="-127"/>
+                <a:ea typeface="G마켓 산스 Bold" panose="02000000000000000000" pitchFamily="50" charset="-127"/>
+              </a:rPr>
+              <a:t>실습문제</a:t>
+            </a:r>
+            <a:r>
+              <a:rPr lang="en-US" altLang="ko-KR" sz="5400" spc="-300" dirty="0">
+                <a:solidFill>
+                  <a:srgbClr val="4C50BC"/>
+                </a:solidFill>
+                <a:latin typeface="G마켓 산스 Bold" panose="02000000000000000000" pitchFamily="50" charset="-127"/>
+                <a:ea typeface="G마켓 산스 Bold" panose="02000000000000000000" pitchFamily="50" charset="-127"/>
+              </a:rPr>
+              <a:t> </a:t>
+            </a:r>
+            <a:r>
+              <a:rPr lang="en-US" altLang="ko-KR" sz="5400" spc="-300" dirty="0">
+                <a:solidFill>
+                  <a:srgbClr val="FF0000"/>
+                </a:solidFill>
+                <a:latin typeface="G마켓 산스 Bold" panose="02000000000000000000" pitchFamily="50" charset="-127"/>
+                <a:ea typeface="G마켓 산스 Bold" panose="02000000000000000000" pitchFamily="50" charset="-127"/>
+              </a:rPr>
+              <a:t>(normal)</a:t>
+            </a:r>
+          </a:p>
+        </p:txBody>
+      </p:sp>
+      <p:cxnSp>
+        <p:nvCxnSpPr>
+          <p:cNvPr id="4" name="직선 연결선 3">
+            <a:extLst>
+              <a:ext uri="{FF2B5EF4-FFF2-40B4-BE49-F238E27FC236}">
+                <a16:creationId xmlns:a16="http://schemas.microsoft.com/office/drawing/2014/main" id="{147CA3EE-12CA-BAE2-1981-09711CADAFC7}"/>
+              </a:ext>
+            </a:extLst>
+          </p:cNvPr>
+          <p:cNvCxnSpPr>
+            <a:cxnSpLocks/>
+          </p:cNvCxnSpPr>
+          <p:nvPr/>
+        </p:nvCxnSpPr>
+        <p:spPr>
+          <a:xfrm flipH="1" flipV="1">
+            <a:off x="-13447" y="972511"/>
+            <a:ext cx="18288000" cy="65119"/>
+          </a:xfrm>
+          <a:prstGeom prst="line">
+            <a:avLst/>
+          </a:prstGeom>
+          <a:ln w="38100">
+            <a:solidFill>
+              <a:srgbClr val="4C50BC"/>
+            </a:solidFill>
+          </a:ln>
+        </p:spPr>
+        <p:style>
+          <a:lnRef idx="1">
+            <a:schemeClr val="accent1"/>
+          </a:lnRef>
+          <a:fillRef idx="0">
+            <a:schemeClr val="accent1"/>
+          </a:fillRef>
+          <a:effectRef idx="0">
+            <a:schemeClr val="accent1"/>
+          </a:effectRef>
+          <a:fontRef idx="minor">
+            <a:schemeClr val="tx1"/>
+          </a:fontRef>
+        </p:style>
+      </p:cxnSp>
     </p:spTree>
     <p:extLst>
       <p:ext uri="{BB962C8B-B14F-4D97-AF65-F5344CB8AC3E}">
@@ -15438,54 +15895,6 @@
           <a:chExt cx="0" cy="0"/>
         </a:xfrm>
       </p:grpSpPr>
-      <p:sp>
-        <p:nvSpPr>
-          <p:cNvPr id="2" name="TextBox 1">
-            <a:extLst>
-              <a:ext uri="{FF2B5EF4-FFF2-40B4-BE49-F238E27FC236}">
-                <a16:creationId xmlns:a16="http://schemas.microsoft.com/office/drawing/2014/main" id="{EC0C5CB0-065B-7FA5-FF43-C77AD2B07740}"/>
-              </a:ext>
-            </a:extLst>
-          </p:cNvPr>
-          <p:cNvSpPr txBox="1"/>
-          <p:nvPr/>
-        </p:nvSpPr>
-        <p:spPr>
-          <a:xfrm>
-            <a:off x="609600" y="571500"/>
-            <a:ext cx="1665841" cy="1015663"/>
-          </a:xfrm>
-          <a:prstGeom prst="rect">
-            <a:avLst/>
-          </a:prstGeom>
-          <a:noFill/>
-        </p:spPr>
-        <p:txBody>
-          <a:bodyPr wrap="none" rtlCol="0">
-            <a:spAutoFit/>
-          </a:bodyPr>
-          <a:lstStyle/>
-          <a:p>
-            <a:r>
-              <a:rPr lang="ko-KR" altLang="en-US" sz="6000" dirty="0">
-                <a:solidFill>
-                  <a:srgbClr val="4C50BB"/>
-                </a:solidFill>
-                <a:latin typeface="G마켓 산스 TTF Bold" panose="02000000000000000000" pitchFamily="2" charset="-127"/>
-                <a:ea typeface="G마켓 산스 TTF Bold" panose="02000000000000000000" pitchFamily="2" charset="-127"/>
-              </a:rPr>
-              <a:t>해설</a:t>
-            </a:r>
-            <a:endParaRPr lang="ko-KR" altLang="en-US" sz="800" dirty="0">
-              <a:solidFill>
-                <a:srgbClr val="4C50BB"/>
-              </a:solidFill>
-              <a:latin typeface="G마켓 산스 TTF Bold" panose="02000000000000000000" pitchFamily="2" charset="-127"/>
-              <a:ea typeface="G마켓 산스 TTF Bold" panose="02000000000000000000" pitchFamily="2" charset="-127"/>
-            </a:endParaRPr>
-          </a:p>
-        </p:txBody>
-      </p:sp>
       <p:pic>
         <p:nvPicPr>
           <p:cNvPr id="4" name="그림 3">
@@ -15752,6 +16161,120 @@
           </a:p>
         </p:txBody>
       </p:sp>
+      <p:sp>
+        <p:nvSpPr>
+          <p:cNvPr id="3" name="TextBox 2">
+            <a:extLst>
+              <a:ext uri="{FF2B5EF4-FFF2-40B4-BE49-F238E27FC236}">
+                <a16:creationId xmlns:a16="http://schemas.microsoft.com/office/drawing/2014/main" id="{FB36E2BA-64A8-1AF7-655A-0AD43ED670B5}"/>
+              </a:ext>
+            </a:extLst>
+          </p:cNvPr>
+          <p:cNvSpPr txBox="1"/>
+          <p:nvPr/>
+        </p:nvSpPr>
+        <p:spPr>
+          <a:xfrm>
+            <a:off x="304800" y="114300"/>
+            <a:ext cx="10972800" cy="923330"/>
+          </a:xfrm>
+          <a:prstGeom prst="rect">
+            <a:avLst/>
+          </a:prstGeom>
+          <a:noFill/>
+        </p:spPr>
+        <p:txBody>
+          <a:bodyPr wrap="square" rtlCol="0">
+            <a:spAutoFit/>
+          </a:bodyPr>
+          <a:lstStyle/>
+          <a:p>
+            <a:r>
+              <a:rPr lang="en-US" altLang="ko-KR" sz="5400" spc="-300" dirty="0">
+                <a:solidFill>
+                  <a:srgbClr val="4C50BC"/>
+                </a:solidFill>
+                <a:latin typeface="G마켓 산스 Bold" panose="02000000000000000000" pitchFamily="50" charset="-127"/>
+                <a:ea typeface="G마켓 산스 Bold" panose="02000000000000000000" pitchFamily="50" charset="-127"/>
+              </a:rPr>
+              <a:t>1-2 </a:t>
+            </a:r>
+            <a:r>
+              <a:rPr lang="ko-KR" altLang="en-US" sz="5400" spc="-300" dirty="0">
+                <a:solidFill>
+                  <a:srgbClr val="4C50BC"/>
+                </a:solidFill>
+                <a:latin typeface="G마켓 산스 Bold" panose="02000000000000000000" pitchFamily="50" charset="-127"/>
+                <a:ea typeface="G마켓 산스 Bold" panose="02000000000000000000" pitchFamily="50" charset="-127"/>
+              </a:rPr>
+              <a:t>문제풀이</a:t>
+            </a:r>
+            <a:r>
+              <a:rPr lang="en-US" altLang="ko-KR" sz="5400" spc="-300" dirty="0">
+                <a:solidFill>
+                  <a:srgbClr val="4C50BC"/>
+                </a:solidFill>
+                <a:latin typeface="G마켓 산스 Bold" panose="02000000000000000000" pitchFamily="50" charset="-127"/>
+                <a:ea typeface="G마켓 산스 Bold" panose="02000000000000000000" pitchFamily="50" charset="-127"/>
+              </a:rPr>
+              <a:t> </a:t>
+            </a:r>
+            <a:r>
+              <a:rPr lang="en-US" altLang="ko-KR" sz="5400" spc="-300" dirty="0">
+                <a:solidFill>
+                  <a:srgbClr val="FF0000"/>
+                </a:solidFill>
+                <a:latin typeface="G마켓 산스 Bold" panose="02000000000000000000" pitchFamily="50" charset="-127"/>
+                <a:ea typeface="G마켓 산스 Bold" panose="02000000000000000000" pitchFamily="50" charset="-127"/>
+              </a:rPr>
+              <a:t>(normal)</a:t>
+            </a:r>
+          </a:p>
+        </p:txBody>
+      </p:sp>
+      <p:cxnSp>
+        <p:nvCxnSpPr>
+          <p:cNvPr id="8" name="직선 연결선 7">
+            <a:extLst>
+              <a:ext uri="{FF2B5EF4-FFF2-40B4-BE49-F238E27FC236}">
+                <a16:creationId xmlns:a16="http://schemas.microsoft.com/office/drawing/2014/main" id="{BC6F84A4-ECEC-59FE-B495-1DAC9DE558E5}"/>
+              </a:ext>
+            </a:extLst>
+          </p:cNvPr>
+          <p:cNvCxnSpPr>
+            <a:cxnSpLocks/>
+          </p:cNvCxnSpPr>
+          <p:nvPr/>
+        </p:nvCxnSpPr>
+        <p:spPr>
+          <a:xfrm flipH="1" flipV="1">
+            <a:off x="-13447" y="972511"/>
+            <a:ext cx="18288000" cy="65119"/>
+          </a:xfrm>
+          <a:prstGeom prst="line">
+            <a:avLst/>
+          </a:prstGeom>
+          <a:ln w="38100">
+            <a:solidFill>
+              <a:srgbClr val="4C50BC"/>
+            </a:solidFill>
+          </a:ln>
+        </p:spPr>
+        <p:style>
+          <a:lnRef idx="1">
+            <a:schemeClr val="accent1"/>
+          </a:lnRef>
+          <a:fillRef idx="0">
+            <a:schemeClr val="accent1"/>
+          </a:fillRef>
+          <a:effectRef idx="0">
+            <a:schemeClr val="accent1"/>
+          </a:effectRef>
+          <a:fontRef idx="minor">
+            <a:schemeClr val="tx1"/>
+          </a:fontRef>
+        </p:style>
+      </p:cxnSp>
     </p:spTree>
     <p:extLst>
       <p:ext uri="{BB962C8B-B14F-4D97-AF65-F5344CB8AC3E}">
@@ -15874,8 +16397,8 @@
         </p:nvSpPr>
         <p:spPr>
           <a:xfrm>
-            <a:off x="381000" y="38100"/>
-            <a:ext cx="17526000" cy="3539430"/>
+            <a:off x="381000" y="1181100"/>
+            <a:ext cx="17526000" cy="4031873"/>
           </a:xfrm>
           <a:prstGeom prst="rect">
             <a:avLst/>
@@ -15896,7 +16419,7 @@
                 <a:latin typeface="G마켓 산스 Medium" panose="02000000000000000000" pitchFamily="50" charset="-127"/>
                 <a:ea typeface="G마켓 산스 Medium" panose="02000000000000000000" pitchFamily="50" charset="-127"/>
               </a:rPr>
-              <a:t>1-3 Student</a:t>
+              <a:t>Student</a:t>
             </a:r>
             <a:r>
               <a:rPr lang="ko-KR" altLang="en-US" sz="3200" dirty="0">
@@ -15908,16 +16431,13 @@
               </a:rPr>
               <a:t>클래스에 객체가 생성 될 때마다 객체의 카운트를 올려보자</a:t>
             </a:r>
-            <a:r>
-              <a:rPr lang="en-US" altLang="ko-KR" sz="3200" dirty="0">
-                <a:solidFill>
-                  <a:srgbClr val="FF0000"/>
-                </a:solidFill>
-                <a:latin typeface="G마켓 산스 Medium" panose="02000000000000000000" pitchFamily="50" charset="-127"/>
-                <a:ea typeface="G마켓 산스 Medium" panose="02000000000000000000" pitchFamily="50" charset="-127"/>
-              </a:rPr>
-              <a:t>(hard)</a:t>
-            </a:r>
+            <a:endParaRPr lang="en-US" altLang="ko-KR" sz="3200" dirty="0">
+              <a:solidFill>
+                <a:srgbClr val="FF0000"/>
+              </a:solidFill>
+              <a:latin typeface="G마켓 산스 Medium" panose="02000000000000000000" pitchFamily="50" charset="-127"/>
+              <a:ea typeface="G마켓 산스 Medium" panose="02000000000000000000" pitchFamily="50" charset="-127"/>
+            </a:endParaRPr>
           </a:p>
           <a:p>
             <a:r>
@@ -16004,6 +16524,15 @@
               </a:rPr>
               <a:t>.)</a:t>
             </a:r>
+          </a:p>
+          <a:p>
+            <a:endParaRPr lang="en-US" altLang="ko-KR" sz="3200" dirty="0">
+              <a:solidFill>
+                <a:srgbClr val="FF0000"/>
+              </a:solidFill>
+              <a:latin typeface="G마켓 산스 Medium" panose="02000000000000000000" pitchFamily="50" charset="-127"/>
+              <a:ea typeface="G마켓 산스 Medium" panose="02000000000000000000" pitchFamily="50" charset="-127"/>
+            </a:endParaRPr>
           </a:p>
           <a:p>
             <a:r>
@@ -16057,27 +16586,7 @@
                 <a:latin typeface="G마켓 산스 Medium" panose="02000000000000000000" pitchFamily="50" charset="-127"/>
                 <a:ea typeface="G마켓 산스 Medium" panose="02000000000000000000" pitchFamily="50" charset="-127"/>
               </a:rPr>
-              <a:t>변수는 객체가 </a:t>
-            </a:r>
-            <a:r>
-              <a:rPr lang="ko-KR" altLang="en-US" sz="3200" dirty="0" err="1">
-                <a:solidFill>
-                  <a:srgbClr val="FF0000"/>
-                </a:solidFill>
-                <a:latin typeface="G마켓 산스 Medium" panose="02000000000000000000" pitchFamily="50" charset="-127"/>
-                <a:ea typeface="G마켓 산스 Medium" panose="02000000000000000000" pitchFamily="50" charset="-127"/>
-              </a:rPr>
-              <a:t>생성될때마다</a:t>
-            </a:r>
-            <a:r>
-              <a:rPr lang="ko-KR" altLang="en-US" sz="3200" dirty="0">
-                <a:solidFill>
-                  <a:srgbClr val="FF0000"/>
-                </a:solidFill>
-                <a:latin typeface="G마켓 산스 Medium" panose="02000000000000000000" pitchFamily="50" charset="-127"/>
-                <a:ea typeface="G마켓 산스 Medium" panose="02000000000000000000" pitchFamily="50" charset="-127"/>
-              </a:rPr>
-              <a:t> </a:t>
+              <a:t>변수는 객체가 생성 될 때마다 </a:t>
             </a:r>
             <a:r>
               <a:rPr lang="en-US" altLang="ko-KR" sz="3200" dirty="0">
@@ -16180,27 +16689,7 @@
                 <a:latin typeface="G마켓 산스 Medium" panose="02000000000000000000" pitchFamily="50" charset="-127"/>
                 <a:ea typeface="G마켓 산스 Medium" panose="02000000000000000000" pitchFamily="50" charset="-127"/>
               </a:rPr>
-              <a:t>객체가 </a:t>
-            </a:r>
-            <a:r>
-              <a:rPr lang="ko-KR" altLang="en-US" sz="3200" dirty="0" err="1">
-                <a:solidFill>
-                  <a:srgbClr val="FF0000"/>
-                </a:solidFill>
-                <a:latin typeface="G마켓 산스 Medium" panose="02000000000000000000" pitchFamily="50" charset="-127"/>
-                <a:ea typeface="G마켓 산스 Medium" panose="02000000000000000000" pitchFamily="50" charset="-127"/>
-              </a:rPr>
-              <a:t>생성될때마다</a:t>
-            </a:r>
-            <a:r>
-              <a:rPr lang="ko-KR" altLang="en-US" sz="3200" dirty="0">
-                <a:solidFill>
-                  <a:srgbClr val="FF0000"/>
-                </a:solidFill>
-                <a:latin typeface="G마켓 산스 Medium" panose="02000000000000000000" pitchFamily="50" charset="-127"/>
-                <a:ea typeface="G마켓 산스 Medium" panose="02000000000000000000" pitchFamily="50" charset="-127"/>
-              </a:rPr>
-              <a:t> 특정 작업을 하고 싶다면 생성자 내부에서 해야 한다</a:t>
+              <a:t>객체가 생성 될 때마다 특정 작업을 하고 싶다면 생성자 내부에서 해야 한다</a:t>
             </a:r>
             <a:r>
               <a:rPr lang="en-US" altLang="ko-KR" sz="3200" dirty="0">
@@ -16237,7 +16726,7 @@
         </p:blipFill>
         <p:spPr>
           <a:xfrm>
-            <a:off x="533400" y="4838700"/>
+            <a:off x="533400" y="5219700"/>
             <a:ext cx="13305099" cy="2514600"/>
           </a:xfrm>
           <a:prstGeom prst="rect">
@@ -16267,7 +16756,7 @@
         </p:blipFill>
         <p:spPr>
           <a:xfrm>
-            <a:off x="547914" y="7658100"/>
+            <a:off x="547914" y="7810500"/>
             <a:ext cx="5726428" cy="2057400"/>
           </a:xfrm>
           <a:prstGeom prst="rect">
@@ -16275,6 +16764,120 @@
           </a:prstGeom>
         </p:spPr>
       </p:pic>
+      <p:sp>
+        <p:nvSpPr>
+          <p:cNvPr id="7" name="TextBox 6">
+            <a:extLst>
+              <a:ext uri="{FF2B5EF4-FFF2-40B4-BE49-F238E27FC236}">
+                <a16:creationId xmlns:a16="http://schemas.microsoft.com/office/drawing/2014/main" id="{67A7BF7B-642F-8897-F8B6-B168CDBF3E40}"/>
+              </a:ext>
+            </a:extLst>
+          </p:cNvPr>
+          <p:cNvSpPr txBox="1"/>
+          <p:nvPr/>
+        </p:nvSpPr>
+        <p:spPr>
+          <a:xfrm>
+            <a:off x="304800" y="114300"/>
+            <a:ext cx="10972800" cy="923330"/>
+          </a:xfrm>
+          <a:prstGeom prst="rect">
+            <a:avLst/>
+          </a:prstGeom>
+          <a:noFill/>
+        </p:spPr>
+        <p:txBody>
+          <a:bodyPr wrap="square" rtlCol="0">
+            <a:spAutoFit/>
+          </a:bodyPr>
+          <a:lstStyle/>
+          <a:p>
+            <a:r>
+              <a:rPr lang="en-US" altLang="ko-KR" sz="5400" spc="-300" dirty="0">
+                <a:solidFill>
+                  <a:srgbClr val="4C50BC"/>
+                </a:solidFill>
+                <a:latin typeface="G마켓 산스 Bold" panose="02000000000000000000" pitchFamily="50" charset="-127"/>
+                <a:ea typeface="G마켓 산스 Bold" panose="02000000000000000000" pitchFamily="50" charset="-127"/>
+              </a:rPr>
+              <a:t>1-3 </a:t>
+            </a:r>
+            <a:r>
+              <a:rPr lang="ko-KR" altLang="en-US" sz="5400" spc="-300" dirty="0">
+                <a:solidFill>
+                  <a:srgbClr val="4C50BC"/>
+                </a:solidFill>
+                <a:latin typeface="G마켓 산스 Bold" panose="02000000000000000000" pitchFamily="50" charset="-127"/>
+                <a:ea typeface="G마켓 산스 Bold" panose="02000000000000000000" pitchFamily="50" charset="-127"/>
+              </a:rPr>
+              <a:t>실습문제</a:t>
+            </a:r>
+            <a:r>
+              <a:rPr lang="en-US" altLang="ko-KR" sz="5400" spc="-300" dirty="0">
+                <a:solidFill>
+                  <a:srgbClr val="4C50BC"/>
+                </a:solidFill>
+                <a:latin typeface="G마켓 산스 Bold" panose="02000000000000000000" pitchFamily="50" charset="-127"/>
+                <a:ea typeface="G마켓 산스 Bold" panose="02000000000000000000" pitchFamily="50" charset="-127"/>
+              </a:rPr>
+              <a:t> </a:t>
+            </a:r>
+            <a:r>
+              <a:rPr lang="en-US" altLang="ko-KR" sz="5400" spc="-300" dirty="0">
+                <a:solidFill>
+                  <a:srgbClr val="FF0000"/>
+                </a:solidFill>
+                <a:latin typeface="G마켓 산스 Bold" panose="02000000000000000000" pitchFamily="50" charset="-127"/>
+                <a:ea typeface="G마켓 산스 Bold" panose="02000000000000000000" pitchFamily="50" charset="-127"/>
+              </a:rPr>
+              <a:t>(hard)</a:t>
+            </a:r>
+          </a:p>
+        </p:txBody>
+      </p:sp>
+      <p:cxnSp>
+        <p:nvCxnSpPr>
+          <p:cNvPr id="8" name="직선 연결선 7">
+            <a:extLst>
+              <a:ext uri="{FF2B5EF4-FFF2-40B4-BE49-F238E27FC236}">
+                <a16:creationId xmlns:a16="http://schemas.microsoft.com/office/drawing/2014/main" id="{BC4B2E23-BBFC-5F3E-7E3E-5119B74CAF8C}"/>
+              </a:ext>
+            </a:extLst>
+          </p:cNvPr>
+          <p:cNvCxnSpPr>
+            <a:cxnSpLocks/>
+          </p:cNvCxnSpPr>
+          <p:nvPr/>
+        </p:nvCxnSpPr>
+        <p:spPr>
+          <a:xfrm flipH="1" flipV="1">
+            <a:off x="-13447" y="972511"/>
+            <a:ext cx="18288000" cy="65119"/>
+          </a:xfrm>
+          <a:prstGeom prst="line">
+            <a:avLst/>
+          </a:prstGeom>
+          <a:ln w="38100">
+            <a:solidFill>
+              <a:srgbClr val="4C50BC"/>
+            </a:solidFill>
+          </a:ln>
+        </p:spPr>
+        <p:style>
+          <a:lnRef idx="1">
+            <a:schemeClr val="accent1"/>
+          </a:lnRef>
+          <a:fillRef idx="0">
+            <a:schemeClr val="accent1"/>
+          </a:fillRef>
+          <a:effectRef idx="0">
+            <a:schemeClr val="accent1"/>
+          </a:effectRef>
+          <a:fontRef idx="minor">
+            <a:schemeClr val="tx1"/>
+          </a:fontRef>
+        </p:style>
+      </p:cxnSp>
     </p:spTree>
     <p:extLst>
       <p:ext uri="{BB962C8B-B14F-4D97-AF65-F5344CB8AC3E}">
@@ -16305,54 +16908,6 @@
           <a:chExt cx="0" cy="0"/>
         </a:xfrm>
       </p:grpSpPr>
-      <p:sp>
-        <p:nvSpPr>
-          <p:cNvPr id="2" name="TextBox 1">
-            <a:extLst>
-              <a:ext uri="{FF2B5EF4-FFF2-40B4-BE49-F238E27FC236}">
-                <a16:creationId xmlns:a16="http://schemas.microsoft.com/office/drawing/2014/main" id="{09BE8972-653C-8683-18AD-0DEBD8A0310C}"/>
-              </a:ext>
-            </a:extLst>
-          </p:cNvPr>
-          <p:cNvSpPr txBox="1"/>
-          <p:nvPr/>
-        </p:nvSpPr>
-        <p:spPr>
-          <a:xfrm>
-            <a:off x="609600" y="38100"/>
-            <a:ext cx="1665841" cy="1015663"/>
-          </a:xfrm>
-          <a:prstGeom prst="rect">
-            <a:avLst/>
-          </a:prstGeom>
-          <a:noFill/>
-        </p:spPr>
-        <p:txBody>
-          <a:bodyPr wrap="none" rtlCol="0">
-            <a:spAutoFit/>
-          </a:bodyPr>
-          <a:lstStyle/>
-          <a:p>
-            <a:r>
-              <a:rPr lang="ko-KR" altLang="en-US" sz="6000" dirty="0">
-                <a:solidFill>
-                  <a:srgbClr val="4C50BB"/>
-                </a:solidFill>
-                <a:latin typeface="G마켓 산스 TTF Bold" panose="02000000000000000000" pitchFamily="2" charset="-127"/>
-                <a:ea typeface="G마켓 산스 TTF Bold" panose="02000000000000000000" pitchFamily="2" charset="-127"/>
-              </a:rPr>
-              <a:t>해설</a:t>
-            </a:r>
-            <a:endParaRPr lang="ko-KR" altLang="en-US" sz="800" dirty="0">
-              <a:solidFill>
-                <a:srgbClr val="4C50BB"/>
-              </a:solidFill>
-              <a:latin typeface="G마켓 산스 TTF Bold" panose="02000000000000000000" pitchFamily="2" charset="-127"/>
-              <a:ea typeface="G마켓 산스 TTF Bold" panose="02000000000000000000" pitchFamily="2" charset="-127"/>
-            </a:endParaRPr>
-          </a:p>
-        </p:txBody>
-      </p:sp>
       <p:pic>
         <p:nvPicPr>
           <p:cNvPr id="4" name="그림 3">
@@ -16400,7 +16955,7 @@
         <p:spPr>
           <a:xfrm>
             <a:off x="3962400" y="2569029"/>
-            <a:ext cx="3962400" cy="59871"/>
+            <a:ext cx="5181600" cy="874205"/>
           </a:xfrm>
           <a:prstGeom prst="straightConnector1">
             <a:avLst/>
@@ -16490,7 +17045,7 @@
         </p:nvSpPr>
         <p:spPr>
           <a:xfrm>
-            <a:off x="8534400" y="952500"/>
+            <a:off x="9238347" y="2165962"/>
             <a:ext cx="9220200" cy="2554545"/>
           </a:xfrm>
           <a:prstGeom prst="rect">
@@ -16752,13 +17307,14 @@
           </p:cNvPr>
           <p:cNvCxnSpPr>
             <a:cxnSpLocks/>
+            <a:endCxn id="7" idx="1"/>
           </p:cNvCxnSpPr>
           <p:nvPr/>
         </p:nvCxnSpPr>
         <p:spPr>
           <a:xfrm flipV="1">
-            <a:off x="3757386" y="3223399"/>
-            <a:ext cx="4700814" cy="1945501"/>
+            <a:off x="3757386" y="3443235"/>
+            <a:ext cx="5480961" cy="1725665"/>
           </a:xfrm>
           <a:prstGeom prst="straightConnector1">
             <a:avLst/>
@@ -16793,13 +17349,14 @@
           </p:cNvPr>
           <p:cNvCxnSpPr>
             <a:cxnSpLocks/>
+            <a:endCxn id="7" idx="1"/>
           </p:cNvCxnSpPr>
           <p:nvPr/>
         </p:nvCxnSpPr>
         <p:spPr>
           <a:xfrm flipV="1">
-            <a:off x="3875314" y="3608953"/>
-            <a:ext cx="5116286" cy="4956041"/>
+            <a:off x="3875314" y="3443235"/>
+            <a:ext cx="5363033" cy="5121759"/>
           </a:xfrm>
           <a:prstGeom prst="straightConnector1">
             <a:avLst/>
@@ -16837,7 +17394,7 @@
         </p:nvSpPr>
         <p:spPr>
           <a:xfrm>
-            <a:off x="914400" y="914400"/>
+            <a:off x="838200" y="1485900"/>
             <a:ext cx="17286841" cy="8420100"/>
           </a:xfrm>
           <a:prstGeom prst="rect">
@@ -16875,6 +17432,120 @@
           </a:p>
         </p:txBody>
       </p:sp>
+      <p:sp>
+        <p:nvSpPr>
+          <p:cNvPr id="3" name="TextBox 2">
+            <a:extLst>
+              <a:ext uri="{FF2B5EF4-FFF2-40B4-BE49-F238E27FC236}">
+                <a16:creationId xmlns:a16="http://schemas.microsoft.com/office/drawing/2014/main" id="{ADA8AA0A-66AE-4FFC-D6F0-630BFA4ED89A}"/>
+              </a:ext>
+            </a:extLst>
+          </p:cNvPr>
+          <p:cNvSpPr txBox="1"/>
+          <p:nvPr/>
+        </p:nvSpPr>
+        <p:spPr>
+          <a:xfrm>
+            <a:off x="304800" y="114300"/>
+            <a:ext cx="10972800" cy="923330"/>
+          </a:xfrm>
+          <a:prstGeom prst="rect">
+            <a:avLst/>
+          </a:prstGeom>
+          <a:noFill/>
+        </p:spPr>
+        <p:txBody>
+          <a:bodyPr wrap="square" rtlCol="0">
+            <a:spAutoFit/>
+          </a:bodyPr>
+          <a:lstStyle/>
+          <a:p>
+            <a:r>
+              <a:rPr lang="en-US" altLang="ko-KR" sz="5400" spc="-300" dirty="0">
+                <a:solidFill>
+                  <a:srgbClr val="4C50BC"/>
+                </a:solidFill>
+                <a:latin typeface="G마켓 산스 Bold" panose="02000000000000000000" pitchFamily="50" charset="-127"/>
+                <a:ea typeface="G마켓 산스 Bold" panose="02000000000000000000" pitchFamily="50" charset="-127"/>
+              </a:rPr>
+              <a:t>1-3 </a:t>
+            </a:r>
+            <a:r>
+              <a:rPr lang="ko-KR" altLang="en-US" sz="5400" spc="-300" dirty="0">
+                <a:solidFill>
+                  <a:srgbClr val="4C50BC"/>
+                </a:solidFill>
+                <a:latin typeface="G마켓 산스 Bold" panose="02000000000000000000" pitchFamily="50" charset="-127"/>
+                <a:ea typeface="G마켓 산스 Bold" panose="02000000000000000000" pitchFamily="50" charset="-127"/>
+              </a:rPr>
+              <a:t>문제풀이</a:t>
+            </a:r>
+            <a:r>
+              <a:rPr lang="en-US" altLang="ko-KR" sz="5400" spc="-300" dirty="0">
+                <a:solidFill>
+                  <a:srgbClr val="4C50BC"/>
+                </a:solidFill>
+                <a:latin typeface="G마켓 산스 Bold" panose="02000000000000000000" pitchFamily="50" charset="-127"/>
+                <a:ea typeface="G마켓 산스 Bold" panose="02000000000000000000" pitchFamily="50" charset="-127"/>
+              </a:rPr>
+              <a:t> </a:t>
+            </a:r>
+            <a:r>
+              <a:rPr lang="en-US" altLang="ko-KR" sz="5400" spc="-300" dirty="0">
+                <a:solidFill>
+                  <a:srgbClr val="FF0000"/>
+                </a:solidFill>
+                <a:latin typeface="G마켓 산스 Bold" panose="02000000000000000000" pitchFamily="50" charset="-127"/>
+                <a:ea typeface="G마켓 산스 Bold" panose="02000000000000000000" pitchFamily="50" charset="-127"/>
+              </a:rPr>
+              <a:t>(hard)</a:t>
+            </a:r>
+          </a:p>
+        </p:txBody>
+      </p:sp>
+      <p:cxnSp>
+        <p:nvCxnSpPr>
+          <p:cNvPr id="10" name="직선 연결선 9">
+            <a:extLst>
+              <a:ext uri="{FF2B5EF4-FFF2-40B4-BE49-F238E27FC236}">
+                <a16:creationId xmlns:a16="http://schemas.microsoft.com/office/drawing/2014/main" id="{7B7A4891-29FB-FD8C-4D15-57CB92C89B64}"/>
+              </a:ext>
+            </a:extLst>
+          </p:cNvPr>
+          <p:cNvCxnSpPr>
+            <a:cxnSpLocks/>
+          </p:cNvCxnSpPr>
+          <p:nvPr/>
+        </p:nvCxnSpPr>
+        <p:spPr>
+          <a:xfrm flipH="1" flipV="1">
+            <a:off x="-13447" y="972511"/>
+            <a:ext cx="18288000" cy="65119"/>
+          </a:xfrm>
+          <a:prstGeom prst="line">
+            <a:avLst/>
+          </a:prstGeom>
+          <a:ln w="38100">
+            <a:solidFill>
+              <a:srgbClr val="4C50BC"/>
+            </a:solidFill>
+          </a:ln>
+        </p:spPr>
+        <p:style>
+          <a:lnRef idx="1">
+            <a:schemeClr val="accent1"/>
+          </a:lnRef>
+          <a:fillRef idx="0">
+            <a:schemeClr val="accent1"/>
+          </a:fillRef>
+          <a:effectRef idx="0">
+            <a:schemeClr val="accent1"/>
+          </a:effectRef>
+          <a:fontRef idx="minor">
+            <a:schemeClr val="tx1"/>
+          </a:fontRef>
+        </p:style>
+      </p:cxnSp>
     </p:spTree>
     <p:extLst>
       <p:ext uri="{BB962C8B-B14F-4D97-AF65-F5344CB8AC3E}">
@@ -16997,7 +17668,7 @@
         </p:nvSpPr>
         <p:spPr>
           <a:xfrm>
-            <a:off x="609600" y="342514"/>
+            <a:off x="609600" y="952114"/>
             <a:ext cx="15544800" cy="3108543"/>
           </a:xfrm>
           <a:prstGeom prst="rect">
@@ -17019,7 +17690,7 @@
                 <a:latin typeface="G마켓 산스 Medium" panose="02000000000000000000" pitchFamily="50" charset="-127"/>
                 <a:ea typeface="G마켓 산스 Medium" panose="02000000000000000000" pitchFamily="50" charset="-127"/>
               </a:rPr>
-              <a:t>1-4 Student </a:t>
+              <a:t> Student </a:t>
             </a:r>
             <a:r>
               <a:rPr lang="ko-KR" altLang="en-US" sz="3600" dirty="0">
@@ -17041,16 +17712,13 @@
               </a:rPr>
               <a:t>.</a:t>
             </a:r>
-            <a:r>
-              <a:rPr lang="en-US" altLang="ko-KR" sz="3600" dirty="0">
-                <a:solidFill>
-                  <a:srgbClr val="FF0000"/>
-                </a:solidFill>
-                <a:latin typeface="G마켓 산스 Medium" panose="02000000000000000000" pitchFamily="50" charset="-127"/>
-                <a:ea typeface="G마켓 산스 Medium" panose="02000000000000000000" pitchFamily="50" charset="-127"/>
-              </a:rPr>
-              <a:t>(hard)</a:t>
-            </a:r>
+            <a:endParaRPr lang="en-US" altLang="ko-KR" sz="3600" dirty="0">
+              <a:solidFill>
+                <a:srgbClr val="FF0000"/>
+              </a:solidFill>
+              <a:latin typeface="G마켓 산스 Medium" panose="02000000000000000000" pitchFamily="50" charset="-127"/>
+              <a:ea typeface="G마켓 산스 Medium" panose="02000000000000000000" pitchFamily="50" charset="-127"/>
+            </a:endParaRPr>
           </a:p>
           <a:p>
             <a:pPr marL="571500" indent="-571500">
@@ -17374,7 +18042,7 @@
         </p:blipFill>
         <p:spPr>
           <a:xfrm>
-            <a:off x="304800" y="3314700"/>
+            <a:off x="304800" y="3924300"/>
             <a:ext cx="10268825" cy="6324600"/>
           </a:xfrm>
           <a:prstGeom prst="rect">
@@ -17397,7 +18065,7 @@
         </p:blipFill>
         <p:spPr>
           <a:xfrm>
-            <a:off x="304800" y="6591300"/>
+            <a:off x="304800" y="7200900"/>
             <a:ext cx="10668000" cy="2438400"/>
           </a:xfrm>
           <a:prstGeom prst="rect">
@@ -17421,7 +18089,7 @@
         </p:blipFill>
         <p:spPr>
           <a:xfrm>
-            <a:off x="10287000" y="3481900"/>
+            <a:off x="10287000" y="4091500"/>
             <a:ext cx="7933312" cy="3566600"/>
           </a:xfrm>
           <a:prstGeom prst="rect">
@@ -17429,6 +18097,120 @@
           </a:prstGeom>
         </p:spPr>
       </p:pic>
+      <p:sp>
+        <p:nvSpPr>
+          <p:cNvPr id="2" name="TextBox 1">
+            <a:extLst>
+              <a:ext uri="{FF2B5EF4-FFF2-40B4-BE49-F238E27FC236}">
+                <a16:creationId xmlns:a16="http://schemas.microsoft.com/office/drawing/2014/main" id="{9B6E975E-3A11-DF56-D11F-99ED1AB76343}"/>
+              </a:ext>
+            </a:extLst>
+          </p:cNvPr>
+          <p:cNvSpPr txBox="1"/>
+          <p:nvPr/>
+        </p:nvSpPr>
+        <p:spPr>
+          <a:xfrm>
+            <a:off x="304800" y="114300"/>
+            <a:ext cx="10972800" cy="923330"/>
+          </a:xfrm>
+          <a:prstGeom prst="rect">
+            <a:avLst/>
+          </a:prstGeom>
+          <a:noFill/>
+        </p:spPr>
+        <p:txBody>
+          <a:bodyPr wrap="square" rtlCol="0">
+            <a:spAutoFit/>
+          </a:bodyPr>
+          <a:lstStyle/>
+          <a:p>
+            <a:r>
+              <a:rPr lang="en-US" altLang="ko-KR" sz="5400" spc="-300" dirty="0">
+                <a:solidFill>
+                  <a:srgbClr val="4C50BC"/>
+                </a:solidFill>
+                <a:latin typeface="G마켓 산스 Bold" panose="02000000000000000000" pitchFamily="50" charset="-127"/>
+                <a:ea typeface="G마켓 산스 Bold" panose="02000000000000000000" pitchFamily="50" charset="-127"/>
+              </a:rPr>
+              <a:t>1-4 </a:t>
+            </a:r>
+            <a:r>
+              <a:rPr lang="ko-KR" altLang="en-US" sz="5400" spc="-300" dirty="0">
+                <a:solidFill>
+                  <a:srgbClr val="4C50BC"/>
+                </a:solidFill>
+                <a:latin typeface="G마켓 산스 Bold" panose="02000000000000000000" pitchFamily="50" charset="-127"/>
+                <a:ea typeface="G마켓 산스 Bold" panose="02000000000000000000" pitchFamily="50" charset="-127"/>
+              </a:rPr>
+              <a:t>실습문제</a:t>
+            </a:r>
+            <a:r>
+              <a:rPr lang="en-US" altLang="ko-KR" sz="5400" spc="-300" dirty="0">
+                <a:solidFill>
+                  <a:srgbClr val="4C50BC"/>
+                </a:solidFill>
+                <a:latin typeface="G마켓 산스 Bold" panose="02000000000000000000" pitchFamily="50" charset="-127"/>
+                <a:ea typeface="G마켓 산스 Bold" panose="02000000000000000000" pitchFamily="50" charset="-127"/>
+              </a:rPr>
+              <a:t> </a:t>
+            </a:r>
+            <a:r>
+              <a:rPr lang="en-US" altLang="ko-KR" sz="5400" spc="-300" dirty="0">
+                <a:solidFill>
+                  <a:srgbClr val="FF0000"/>
+                </a:solidFill>
+                <a:latin typeface="G마켓 산스 Bold" panose="02000000000000000000" pitchFamily="50" charset="-127"/>
+                <a:ea typeface="G마켓 산스 Bold" panose="02000000000000000000" pitchFamily="50" charset="-127"/>
+              </a:rPr>
+              <a:t>(hard)</a:t>
+            </a:r>
+          </a:p>
+        </p:txBody>
+      </p:sp>
+      <p:cxnSp>
+        <p:nvCxnSpPr>
+          <p:cNvPr id="3" name="직선 연결선 2">
+            <a:extLst>
+              <a:ext uri="{FF2B5EF4-FFF2-40B4-BE49-F238E27FC236}">
+                <a16:creationId xmlns:a16="http://schemas.microsoft.com/office/drawing/2014/main" id="{95A66410-1608-F09D-23E0-A5E30E7E07C8}"/>
+              </a:ext>
+            </a:extLst>
+          </p:cNvPr>
+          <p:cNvCxnSpPr>
+            <a:cxnSpLocks/>
+          </p:cNvCxnSpPr>
+          <p:nvPr/>
+        </p:nvCxnSpPr>
+        <p:spPr>
+          <a:xfrm flipH="1" flipV="1">
+            <a:off x="-13447" y="972511"/>
+            <a:ext cx="18288000" cy="65119"/>
+          </a:xfrm>
+          <a:prstGeom prst="line">
+            <a:avLst/>
+          </a:prstGeom>
+          <a:ln w="38100">
+            <a:solidFill>
+              <a:srgbClr val="4C50BC"/>
+            </a:solidFill>
+          </a:ln>
+        </p:spPr>
+        <p:style>
+          <a:lnRef idx="1">
+            <a:schemeClr val="accent1"/>
+          </a:lnRef>
+          <a:fillRef idx="0">
+            <a:schemeClr val="accent1"/>
+          </a:fillRef>
+          <a:effectRef idx="0">
+            <a:schemeClr val="accent1"/>
+          </a:effectRef>
+          <a:fontRef idx="minor">
+            <a:schemeClr val="tx1"/>
+          </a:fontRef>
+        </p:style>
+      </p:cxnSp>
     </p:spTree>
     <p:extLst>
       <p:ext uri="{BB962C8B-B14F-4D97-AF65-F5344CB8AC3E}">
@@ -17556,7 +18338,7 @@
         </p:blipFill>
         <p:spPr>
           <a:xfrm>
-            <a:off x="2743200" y="5051661"/>
+            <a:off x="2743200" y="5372100"/>
             <a:ext cx="9440252" cy="4842143"/>
           </a:xfrm>
           <a:prstGeom prst="rect">
@@ -17564,54 +18346,6 @@
           </a:prstGeom>
         </p:spPr>
       </p:pic>
-      <p:sp>
-        <p:nvSpPr>
-          <p:cNvPr id="6" name="TextBox 5">
-            <a:extLst>
-              <a:ext uri="{FF2B5EF4-FFF2-40B4-BE49-F238E27FC236}">
-                <a16:creationId xmlns:a16="http://schemas.microsoft.com/office/drawing/2014/main" id="{A207007B-1BC8-1388-2C31-03C92AE72613}"/>
-              </a:ext>
-            </a:extLst>
-          </p:cNvPr>
-          <p:cNvSpPr txBox="1"/>
-          <p:nvPr/>
-        </p:nvSpPr>
-        <p:spPr>
-          <a:xfrm>
-            <a:off x="609600" y="38100"/>
-            <a:ext cx="1665841" cy="1015663"/>
-          </a:xfrm>
-          <a:prstGeom prst="rect">
-            <a:avLst/>
-          </a:prstGeom>
-          <a:noFill/>
-        </p:spPr>
-        <p:txBody>
-          <a:bodyPr wrap="none" rtlCol="0">
-            <a:spAutoFit/>
-          </a:bodyPr>
-          <a:lstStyle/>
-          <a:p>
-            <a:r>
-              <a:rPr lang="ko-KR" altLang="en-US" sz="6000" dirty="0">
-                <a:solidFill>
-                  <a:srgbClr val="4C50BB"/>
-                </a:solidFill>
-                <a:latin typeface="G마켓 산스 TTF Bold" panose="02000000000000000000" pitchFamily="2" charset="-127"/>
-                <a:ea typeface="G마켓 산스 TTF Bold" panose="02000000000000000000" pitchFamily="2" charset="-127"/>
-              </a:rPr>
-              <a:t>해설</a:t>
-            </a:r>
-            <a:endParaRPr lang="ko-KR" altLang="en-US" sz="800" dirty="0">
-              <a:solidFill>
-                <a:srgbClr val="4C50BB"/>
-              </a:solidFill>
-              <a:latin typeface="G마켓 산스 TTF Bold" panose="02000000000000000000" pitchFamily="2" charset="-127"/>
-              <a:ea typeface="G마켓 산스 TTF Bold" panose="02000000000000000000" pitchFamily="2" charset="-127"/>
-            </a:endParaRPr>
-          </a:p>
-        </p:txBody>
-      </p:sp>
       <p:pic>
         <p:nvPicPr>
           <p:cNvPr id="8" name="그림 7">
@@ -17634,7 +18368,7 @@
         </p:blipFill>
         <p:spPr>
           <a:xfrm>
-            <a:off x="2743200" y="393196"/>
+            <a:off x="2743200" y="1231396"/>
             <a:ext cx="8183775" cy="4369304"/>
           </a:xfrm>
           <a:prstGeom prst="rect">
@@ -17658,7 +18392,7 @@
         </p:nvCxnSpPr>
         <p:spPr>
           <a:xfrm>
-            <a:off x="10363200" y="3162300"/>
+            <a:off x="10363200" y="4000500"/>
             <a:ext cx="1219200" cy="0"/>
           </a:xfrm>
           <a:prstGeom prst="straightConnector1">
@@ -17697,7 +18431,7 @@
         </p:nvSpPr>
         <p:spPr>
           <a:xfrm>
-            <a:off x="7543800" y="2857500"/>
+            <a:off x="7543800" y="3695700"/>
             <a:ext cx="2819400" cy="1219200"/>
           </a:xfrm>
           <a:prstGeom prst="rect">
@@ -17749,7 +18483,7 @@
         </p:nvSpPr>
         <p:spPr>
           <a:xfrm>
-            <a:off x="11658600" y="2857500"/>
+            <a:off x="11658600" y="3695700"/>
             <a:ext cx="6400800" cy="1200329"/>
           </a:xfrm>
           <a:prstGeom prst="rect">
@@ -17812,7 +18546,7 @@
         </p:nvCxnSpPr>
         <p:spPr>
           <a:xfrm>
-            <a:off x="10591800" y="5950275"/>
+            <a:off x="10591800" y="6270714"/>
             <a:ext cx="1219200" cy="0"/>
           </a:xfrm>
           <a:prstGeom prst="straightConnector1">
@@ -17851,7 +18585,7 @@
         </p:nvSpPr>
         <p:spPr>
           <a:xfrm>
-            <a:off x="6934200" y="5645475"/>
+            <a:off x="6934200" y="5965914"/>
             <a:ext cx="3657600" cy="412424"/>
           </a:xfrm>
           <a:prstGeom prst="rect">
@@ -17903,7 +18637,7 @@
         </p:nvSpPr>
         <p:spPr>
           <a:xfrm>
-            <a:off x="11887200" y="5067300"/>
+            <a:off x="11887200" y="5387739"/>
             <a:ext cx="6400800" cy="1754326"/>
           </a:xfrm>
           <a:prstGeom prst="rect">
@@ -18036,7 +18770,7 @@
         </p:nvCxnSpPr>
         <p:spPr>
           <a:xfrm>
-            <a:off x="6629400" y="7277100"/>
+            <a:off x="6629400" y="7597539"/>
             <a:ext cx="3715657" cy="1760992"/>
           </a:xfrm>
           <a:prstGeom prst="straightConnector1">
@@ -18075,7 +18809,7 @@
         </p:nvSpPr>
         <p:spPr>
           <a:xfrm>
-            <a:off x="10421257" y="8155117"/>
+            <a:off x="10421257" y="8475556"/>
             <a:ext cx="6400800" cy="1200329"/>
           </a:xfrm>
           <a:prstGeom prst="rect">
@@ -18128,7 +18862,7 @@
         </p:nvCxnSpPr>
         <p:spPr>
           <a:xfrm>
-            <a:off x="6629400" y="9038092"/>
+            <a:off x="6629400" y="9358531"/>
             <a:ext cx="3868057" cy="152400"/>
           </a:xfrm>
           <a:prstGeom prst="straightConnector1">
@@ -18167,8 +18901,8 @@
         </p:nvSpPr>
         <p:spPr>
           <a:xfrm>
-            <a:off x="2590800" y="266700"/>
-            <a:ext cx="15610441" cy="9067800"/>
+            <a:off x="762001" y="1296514"/>
+            <a:ext cx="17266638" cy="8723785"/>
           </a:xfrm>
           <a:prstGeom prst="rect">
             <a:avLst/>
@@ -18205,6 +18939,120 @@
           </a:p>
         </p:txBody>
       </p:sp>
+      <p:sp>
+        <p:nvSpPr>
+          <p:cNvPr id="4" name="TextBox 3">
+            <a:extLst>
+              <a:ext uri="{FF2B5EF4-FFF2-40B4-BE49-F238E27FC236}">
+                <a16:creationId xmlns:a16="http://schemas.microsoft.com/office/drawing/2014/main" id="{579A7EEA-C383-9C03-B6C4-60700E071349}"/>
+              </a:ext>
+            </a:extLst>
+          </p:cNvPr>
+          <p:cNvSpPr txBox="1"/>
+          <p:nvPr/>
+        </p:nvSpPr>
+        <p:spPr>
+          <a:xfrm>
+            <a:off x="304800" y="114300"/>
+            <a:ext cx="10972800" cy="923330"/>
+          </a:xfrm>
+          <a:prstGeom prst="rect">
+            <a:avLst/>
+          </a:prstGeom>
+          <a:noFill/>
+        </p:spPr>
+        <p:txBody>
+          <a:bodyPr wrap="square" rtlCol="0">
+            <a:spAutoFit/>
+          </a:bodyPr>
+          <a:lstStyle/>
+          <a:p>
+            <a:r>
+              <a:rPr lang="en-US" altLang="ko-KR" sz="5400" spc="-300" dirty="0">
+                <a:solidFill>
+                  <a:srgbClr val="4C50BC"/>
+                </a:solidFill>
+                <a:latin typeface="G마켓 산스 Bold" panose="02000000000000000000" pitchFamily="50" charset="-127"/>
+                <a:ea typeface="G마켓 산스 Bold" panose="02000000000000000000" pitchFamily="50" charset="-127"/>
+              </a:rPr>
+              <a:t>1-4 </a:t>
+            </a:r>
+            <a:r>
+              <a:rPr lang="ko-KR" altLang="en-US" sz="5400" spc="-300" dirty="0">
+                <a:solidFill>
+                  <a:srgbClr val="4C50BC"/>
+                </a:solidFill>
+                <a:latin typeface="G마켓 산스 Bold" panose="02000000000000000000" pitchFamily="50" charset="-127"/>
+                <a:ea typeface="G마켓 산스 Bold" panose="02000000000000000000" pitchFamily="50" charset="-127"/>
+              </a:rPr>
+              <a:t>문제풀이</a:t>
+            </a:r>
+            <a:r>
+              <a:rPr lang="en-US" altLang="ko-KR" sz="5400" spc="-300" dirty="0">
+                <a:solidFill>
+                  <a:srgbClr val="4C50BC"/>
+                </a:solidFill>
+                <a:latin typeface="G마켓 산스 Bold" panose="02000000000000000000" pitchFamily="50" charset="-127"/>
+                <a:ea typeface="G마켓 산스 Bold" panose="02000000000000000000" pitchFamily="50" charset="-127"/>
+              </a:rPr>
+              <a:t> </a:t>
+            </a:r>
+            <a:r>
+              <a:rPr lang="en-US" altLang="ko-KR" sz="5400" spc="-300" dirty="0">
+                <a:solidFill>
+                  <a:srgbClr val="FF0000"/>
+                </a:solidFill>
+                <a:latin typeface="G마켓 산스 Bold" panose="02000000000000000000" pitchFamily="50" charset="-127"/>
+                <a:ea typeface="G마켓 산스 Bold" panose="02000000000000000000" pitchFamily="50" charset="-127"/>
+              </a:rPr>
+              <a:t>(hard)</a:t>
+            </a:r>
+          </a:p>
+        </p:txBody>
+      </p:sp>
+      <p:cxnSp>
+        <p:nvCxnSpPr>
+          <p:cNvPr id="7" name="직선 연결선 6">
+            <a:extLst>
+              <a:ext uri="{FF2B5EF4-FFF2-40B4-BE49-F238E27FC236}">
+                <a16:creationId xmlns:a16="http://schemas.microsoft.com/office/drawing/2014/main" id="{327C34ED-EB88-1651-2C8A-028948ECA376}"/>
+              </a:ext>
+            </a:extLst>
+          </p:cNvPr>
+          <p:cNvCxnSpPr>
+            <a:cxnSpLocks/>
+          </p:cNvCxnSpPr>
+          <p:nvPr/>
+        </p:nvCxnSpPr>
+        <p:spPr>
+          <a:xfrm flipH="1" flipV="1">
+            <a:off x="-13447" y="972511"/>
+            <a:ext cx="18288000" cy="65119"/>
+          </a:xfrm>
+          <a:prstGeom prst="line">
+            <a:avLst/>
+          </a:prstGeom>
+          <a:ln w="38100">
+            <a:solidFill>
+              <a:srgbClr val="4C50BC"/>
+            </a:solidFill>
+          </a:ln>
+        </p:spPr>
+        <p:style>
+          <a:lnRef idx="1">
+            <a:schemeClr val="accent1"/>
+          </a:lnRef>
+          <a:fillRef idx="0">
+            <a:schemeClr val="accent1"/>
+          </a:fillRef>
+          <a:effectRef idx="0">
+            <a:schemeClr val="accent1"/>
+          </a:effectRef>
+          <a:fontRef idx="minor">
+            <a:schemeClr val="tx1"/>
+          </a:fontRef>
+        </p:style>
+      </p:cxnSp>
     </p:spTree>
     <p:extLst>
       <p:ext uri="{BB962C8B-B14F-4D97-AF65-F5344CB8AC3E}">
@@ -18327,7 +19175,7 @@
         </p:nvSpPr>
         <p:spPr>
           <a:xfrm>
-            <a:off x="609600" y="342900"/>
+            <a:off x="609600" y="952500"/>
             <a:ext cx="15544800" cy="2308324"/>
           </a:xfrm>
           <a:prstGeom prst="rect">
@@ -18349,7 +19197,7 @@
                 <a:latin typeface="G마켓 산스 Medium" panose="02000000000000000000" pitchFamily="50" charset="-127"/>
                 <a:ea typeface="G마켓 산스 Medium" panose="02000000000000000000" pitchFamily="50" charset="-127"/>
               </a:rPr>
-              <a:t>1-5 Student </a:t>
+              <a:t>Student </a:t>
             </a:r>
             <a:r>
               <a:rPr lang="ko-KR" altLang="en-US" sz="3600" dirty="0">
@@ -18371,16 +19219,13 @@
               </a:rPr>
               <a:t>.</a:t>
             </a:r>
-            <a:r>
-              <a:rPr lang="en-US" altLang="ko-KR" sz="3600" dirty="0">
-                <a:solidFill>
-                  <a:srgbClr val="FF0000"/>
-                </a:solidFill>
-                <a:latin typeface="G마켓 산스 Medium" panose="02000000000000000000" pitchFamily="50" charset="-127"/>
-                <a:ea typeface="G마켓 산스 Medium" panose="02000000000000000000" pitchFamily="50" charset="-127"/>
-              </a:rPr>
-              <a:t>(expert)</a:t>
-            </a:r>
+            <a:endParaRPr lang="en-US" altLang="ko-KR" sz="3600" dirty="0">
+              <a:solidFill>
+                <a:srgbClr val="FF0000"/>
+              </a:solidFill>
+              <a:latin typeface="G마켓 산스 Medium" panose="02000000000000000000" pitchFamily="50" charset="-127"/>
+              <a:ea typeface="G마켓 산스 Medium" panose="02000000000000000000" pitchFamily="50" charset="-127"/>
+            </a:endParaRPr>
           </a:p>
           <a:p>
             <a:pPr marL="571500" indent="-571500">
@@ -18560,7 +19405,7 @@
         </p:blipFill>
         <p:spPr>
           <a:xfrm>
-            <a:off x="533399" y="2651224"/>
+            <a:off x="533399" y="3260824"/>
             <a:ext cx="9134021" cy="6988076"/>
           </a:xfrm>
           <a:prstGeom prst="rect">
@@ -18595,7 +19440,7 @@
         </p:blipFill>
         <p:spPr>
           <a:xfrm>
-            <a:off x="533400" y="4991100"/>
+            <a:off x="533400" y="5600700"/>
             <a:ext cx="9448800" cy="2362200"/>
           </a:xfrm>
           <a:prstGeom prst="rect">
@@ -18617,7 +19462,7 @@
         </p:nvSpPr>
         <p:spPr>
           <a:xfrm>
-            <a:off x="990600" y="5676900"/>
+            <a:off x="990600" y="6286500"/>
             <a:ext cx="6400800" cy="646331"/>
           </a:xfrm>
           <a:prstGeom prst="rect">
@@ -18687,7 +19532,7 @@
         </p:blipFill>
         <p:spPr>
           <a:xfrm>
-            <a:off x="9829800" y="2727424"/>
+            <a:off x="9829800" y="3337024"/>
             <a:ext cx="8417994" cy="4473476"/>
           </a:xfrm>
           <a:prstGeom prst="rect">
@@ -18695,6 +19540,120 @@
           </a:prstGeom>
         </p:spPr>
       </p:pic>
+      <p:sp>
+        <p:nvSpPr>
+          <p:cNvPr id="2" name="TextBox 1">
+            <a:extLst>
+              <a:ext uri="{FF2B5EF4-FFF2-40B4-BE49-F238E27FC236}">
+                <a16:creationId xmlns:a16="http://schemas.microsoft.com/office/drawing/2014/main" id="{0DD3EEE9-F7BA-559B-2132-0C2F15281684}"/>
+              </a:ext>
+            </a:extLst>
+          </p:cNvPr>
+          <p:cNvSpPr txBox="1"/>
+          <p:nvPr/>
+        </p:nvSpPr>
+        <p:spPr>
+          <a:xfrm>
+            <a:off x="304800" y="114300"/>
+            <a:ext cx="10972800" cy="923330"/>
+          </a:xfrm>
+          <a:prstGeom prst="rect">
+            <a:avLst/>
+          </a:prstGeom>
+          <a:noFill/>
+        </p:spPr>
+        <p:txBody>
+          <a:bodyPr wrap="square" rtlCol="0">
+            <a:spAutoFit/>
+          </a:bodyPr>
+          <a:lstStyle/>
+          <a:p>
+            <a:r>
+              <a:rPr lang="en-US" altLang="ko-KR" sz="5400" spc="-300" dirty="0">
+                <a:solidFill>
+                  <a:srgbClr val="4C50BC"/>
+                </a:solidFill>
+                <a:latin typeface="G마켓 산스 Bold" panose="02000000000000000000" pitchFamily="50" charset="-127"/>
+                <a:ea typeface="G마켓 산스 Bold" panose="02000000000000000000" pitchFamily="50" charset="-127"/>
+              </a:rPr>
+              <a:t>1-5 </a:t>
+            </a:r>
+            <a:r>
+              <a:rPr lang="ko-KR" altLang="en-US" sz="5400" spc="-300" dirty="0">
+                <a:solidFill>
+                  <a:srgbClr val="4C50BC"/>
+                </a:solidFill>
+                <a:latin typeface="G마켓 산스 Bold" panose="02000000000000000000" pitchFamily="50" charset="-127"/>
+                <a:ea typeface="G마켓 산스 Bold" panose="02000000000000000000" pitchFamily="50" charset="-127"/>
+              </a:rPr>
+              <a:t>실습문제</a:t>
+            </a:r>
+            <a:r>
+              <a:rPr lang="en-US" altLang="ko-KR" sz="5400" spc="-300" dirty="0">
+                <a:solidFill>
+                  <a:srgbClr val="4C50BC"/>
+                </a:solidFill>
+                <a:latin typeface="G마켓 산스 Bold" panose="02000000000000000000" pitchFamily="50" charset="-127"/>
+                <a:ea typeface="G마켓 산스 Bold" panose="02000000000000000000" pitchFamily="50" charset="-127"/>
+              </a:rPr>
+              <a:t> </a:t>
+            </a:r>
+            <a:r>
+              <a:rPr lang="en-US" altLang="ko-KR" sz="5400" spc="-300" dirty="0">
+                <a:solidFill>
+                  <a:srgbClr val="FF0000"/>
+                </a:solidFill>
+                <a:latin typeface="G마켓 산스 Bold" panose="02000000000000000000" pitchFamily="50" charset="-127"/>
+                <a:ea typeface="G마켓 산스 Bold" panose="02000000000000000000" pitchFamily="50" charset="-127"/>
+              </a:rPr>
+              <a:t>(expert)</a:t>
+            </a:r>
+          </a:p>
+        </p:txBody>
+      </p:sp>
+      <p:cxnSp>
+        <p:nvCxnSpPr>
+          <p:cNvPr id="3" name="직선 연결선 2">
+            <a:extLst>
+              <a:ext uri="{FF2B5EF4-FFF2-40B4-BE49-F238E27FC236}">
+                <a16:creationId xmlns:a16="http://schemas.microsoft.com/office/drawing/2014/main" id="{B6C45DB6-12F6-20AB-9127-18EA7A9F44C9}"/>
+              </a:ext>
+            </a:extLst>
+          </p:cNvPr>
+          <p:cNvCxnSpPr>
+            <a:cxnSpLocks/>
+          </p:cNvCxnSpPr>
+          <p:nvPr/>
+        </p:nvCxnSpPr>
+        <p:spPr>
+          <a:xfrm flipH="1" flipV="1">
+            <a:off x="-13447" y="972511"/>
+            <a:ext cx="18288000" cy="65119"/>
+          </a:xfrm>
+          <a:prstGeom prst="line">
+            <a:avLst/>
+          </a:prstGeom>
+          <a:ln w="38100">
+            <a:solidFill>
+              <a:srgbClr val="4C50BC"/>
+            </a:solidFill>
+          </a:ln>
+        </p:spPr>
+        <p:style>
+          <a:lnRef idx="1">
+            <a:schemeClr val="accent1"/>
+          </a:lnRef>
+          <a:fillRef idx="0">
+            <a:schemeClr val="accent1"/>
+          </a:fillRef>
+          <a:effectRef idx="0">
+            <a:schemeClr val="accent1"/>
+          </a:effectRef>
+          <a:fontRef idx="minor">
+            <a:schemeClr val="tx1"/>
+          </a:fontRef>
+        </p:style>
+      </p:cxnSp>
     </p:spTree>
     <p:extLst>
       <p:ext uri="{BB962C8B-B14F-4D97-AF65-F5344CB8AC3E}">
@@ -18854,54 +19813,6 @@
           </a:prstGeom>
         </p:spPr>
       </p:pic>
-      <p:sp>
-        <p:nvSpPr>
-          <p:cNvPr id="2" name="TextBox 1">
-            <a:extLst>
-              <a:ext uri="{FF2B5EF4-FFF2-40B4-BE49-F238E27FC236}">
-                <a16:creationId xmlns:a16="http://schemas.microsoft.com/office/drawing/2014/main" id="{B2A0685E-724F-91EF-7A2D-DEBCA22BC99F}"/>
-              </a:ext>
-            </a:extLst>
-          </p:cNvPr>
-          <p:cNvSpPr txBox="1"/>
-          <p:nvPr/>
-        </p:nvSpPr>
-        <p:spPr>
-          <a:xfrm>
-            <a:off x="609600" y="165437"/>
-            <a:ext cx="1665841" cy="1015663"/>
-          </a:xfrm>
-          <a:prstGeom prst="rect">
-            <a:avLst/>
-          </a:prstGeom>
-          <a:noFill/>
-        </p:spPr>
-        <p:txBody>
-          <a:bodyPr wrap="none" rtlCol="0">
-            <a:spAutoFit/>
-          </a:bodyPr>
-          <a:lstStyle/>
-          <a:p>
-            <a:r>
-              <a:rPr lang="ko-KR" altLang="en-US" sz="6000" dirty="0">
-                <a:solidFill>
-                  <a:srgbClr val="4C50BB"/>
-                </a:solidFill>
-                <a:latin typeface="G마켓 산스 TTF Bold" panose="02000000000000000000" pitchFamily="2" charset="-127"/>
-                <a:ea typeface="G마켓 산스 TTF Bold" panose="02000000000000000000" pitchFamily="2" charset="-127"/>
-              </a:rPr>
-              <a:t>해설</a:t>
-            </a:r>
-            <a:endParaRPr lang="ko-KR" altLang="en-US" sz="800" dirty="0">
-              <a:solidFill>
-                <a:srgbClr val="4C50BB"/>
-              </a:solidFill>
-              <a:latin typeface="G마켓 산스 TTF Bold" panose="02000000000000000000" pitchFamily="2" charset="-127"/>
-              <a:ea typeface="G마켓 산스 TTF Bold" panose="02000000000000000000" pitchFamily="2" charset="-127"/>
-            </a:endParaRPr>
-          </a:p>
-        </p:txBody>
-      </p:sp>
       <p:cxnSp>
         <p:nvCxnSpPr>
           <p:cNvPr id="5" name="직선 화살표 연결선 4">
@@ -18917,9 +19828,9 @@
           <p:nvPr/>
         </p:nvCxnSpPr>
         <p:spPr>
-          <a:xfrm flipV="1">
-            <a:off x="1970641" y="673268"/>
-            <a:ext cx="3744359" cy="645216"/>
+          <a:xfrm>
+            <a:off x="2275441" y="1870748"/>
+            <a:ext cx="5154059" cy="450067"/>
           </a:xfrm>
           <a:prstGeom prst="straightConnector1">
             <a:avLst/>
@@ -18957,8 +19868,8 @@
         </p:nvSpPr>
         <p:spPr>
           <a:xfrm>
-            <a:off x="5867400" y="56971"/>
-            <a:ext cx="10058400" cy="1200329"/>
+            <a:off x="7467600" y="1870748"/>
+            <a:ext cx="10515600" cy="830997"/>
           </a:xfrm>
           <a:prstGeom prst="rect">
             <a:avLst/>
@@ -18972,7 +19883,7 @@
           <a:lstStyle/>
           <a:p>
             <a:r>
-              <a:rPr lang="en-US" altLang="ko-KR" sz="2400">
+              <a:rPr lang="en-US" altLang="ko-KR" sz="2400" dirty="0" err="1">
                 <a:solidFill>
                   <a:srgbClr val="FF0000"/>
                 </a:solidFill>
@@ -18982,7 +19893,7 @@
               <a:t>getMinAvg</a:t>
             </a:r>
             <a:r>
-              <a:rPr lang="ko-KR" altLang="en-US" sz="2400">
+              <a:rPr lang="ko-KR" altLang="en-US" sz="2400" dirty="0">
                 <a:solidFill>
                   <a:srgbClr val="FF0000"/>
                 </a:solidFill>
@@ -18992,7 +19903,7 @@
               <a:t>메서드는 특정 객체의 기능이 아니라 </a:t>
             </a:r>
             <a:r>
-              <a:rPr lang="en-US" altLang="ko-KR" sz="2400">
+              <a:rPr lang="en-US" altLang="ko-KR" sz="2400" dirty="0">
                 <a:solidFill>
                   <a:srgbClr val="FF0000"/>
                 </a:solidFill>
@@ -19002,7 +19913,7 @@
               <a:t>Student</a:t>
             </a:r>
             <a:r>
-              <a:rPr lang="ko-KR" altLang="en-US" sz="2400">
+              <a:rPr lang="ko-KR" altLang="en-US" sz="2400" dirty="0">
                 <a:solidFill>
                   <a:srgbClr val="FF0000"/>
                 </a:solidFill>
@@ -19012,7 +19923,7 @@
               <a:t>객체의 공통적인 기능이다</a:t>
             </a:r>
             <a:r>
-              <a:rPr lang="en-US" altLang="ko-KR" sz="2400">
+              <a:rPr lang="en-US" altLang="ko-KR" sz="2400" dirty="0">
                 <a:solidFill>
                   <a:srgbClr val="FF0000"/>
                 </a:solidFill>
@@ -19022,27 +19933,47 @@
               <a:t>. </a:t>
             </a:r>
             <a:r>
-              <a:rPr lang="ko-KR" altLang="en-US" sz="2400">
+              <a:rPr lang="ko-KR" altLang="en-US" sz="2400" dirty="0">
                 <a:solidFill>
                   <a:srgbClr val="FF0000"/>
                 </a:solidFill>
                 <a:latin typeface="G마켓 산스 Medium" panose="02000000000000000000" pitchFamily="50" charset="-127"/>
                 <a:ea typeface="G마켓 산스 Medium" panose="02000000000000000000" pitchFamily="50" charset="-127"/>
               </a:rPr>
-              <a:t>따라서 객체 생성없이 사용가능하도록 </a:t>
-            </a:r>
-            <a:r>
-              <a:rPr lang="en-US" altLang="ko-KR" sz="2400">
+              <a:t>따라서 객체 생성 없이 </a:t>
+            </a:r>
+            <a:r>
+              <a:rPr lang="ko-KR" altLang="en-US" sz="2400" dirty="0" err="1">
                 <a:solidFill>
                   <a:srgbClr val="FF0000"/>
                 </a:solidFill>
                 <a:latin typeface="G마켓 산스 Medium" panose="02000000000000000000" pitchFamily="50" charset="-127"/>
                 <a:ea typeface="G마켓 산스 Medium" panose="02000000000000000000" pitchFamily="50" charset="-127"/>
               </a:rPr>
+              <a:t>사용가능하도록</a:t>
+            </a:r>
+            <a:r>
+              <a:rPr lang="ko-KR" altLang="en-US" sz="2400" dirty="0">
+                <a:solidFill>
+                  <a:srgbClr val="FF0000"/>
+                </a:solidFill>
+                <a:latin typeface="G마켓 산스 Medium" panose="02000000000000000000" pitchFamily="50" charset="-127"/>
+                <a:ea typeface="G마켓 산스 Medium" panose="02000000000000000000" pitchFamily="50" charset="-127"/>
+              </a:rPr>
+              <a:t> </a:t>
+            </a:r>
+            <a:r>
+              <a:rPr lang="en-US" altLang="ko-KR" sz="2400" dirty="0">
+                <a:solidFill>
+                  <a:srgbClr val="FF0000"/>
+                </a:solidFill>
+                <a:latin typeface="G마켓 산스 Medium" panose="02000000000000000000" pitchFamily="50" charset="-127"/>
+                <a:ea typeface="G마켓 산스 Medium" panose="02000000000000000000" pitchFamily="50" charset="-127"/>
+              </a:rPr>
               <a:t>static </a:t>
             </a:r>
             <a:r>
-              <a:rPr lang="ko-KR" altLang="en-US" sz="2400">
+              <a:rPr lang="ko-KR" altLang="en-US" sz="2400" dirty="0">
                 <a:solidFill>
                   <a:srgbClr val="FF0000"/>
                 </a:solidFill>
@@ -19052,7 +19983,7 @@
               <a:t>메서드로 만든다</a:t>
             </a:r>
             <a:r>
-              <a:rPr lang="en-US" altLang="ko-KR" sz="2400">
+              <a:rPr lang="en-US" altLang="ko-KR" sz="2400" dirty="0">
                 <a:solidFill>
                   <a:srgbClr val="FF0000"/>
                 </a:solidFill>
@@ -19061,13 +19992,6 @@
               </a:rPr>
               <a:t>.</a:t>
             </a:r>
-            <a:endParaRPr lang="en-US" altLang="ko-KR" sz="2400" dirty="0">
-              <a:solidFill>
-                <a:srgbClr val="FF0000"/>
-              </a:solidFill>
-              <a:latin typeface="G마켓 산스 Medium" panose="02000000000000000000" pitchFamily="50" charset="-127"/>
-              <a:ea typeface="G마켓 산스 Medium" panose="02000000000000000000" pitchFamily="50" charset="-127"/>
-            </a:endParaRPr>
           </a:p>
         </p:txBody>
       </p:sp>
@@ -19493,8 +20417,8 @@
         </p:nvSpPr>
         <p:spPr>
           <a:xfrm>
-            <a:off x="424379" y="1181100"/>
-            <a:ext cx="17439241" cy="9067800"/>
+            <a:off x="481199" y="1037629"/>
+            <a:ext cx="17502001" cy="8776231"/>
           </a:xfrm>
           <a:prstGeom prst="rect">
             <a:avLst/>
@@ -19531,6 +20455,120 @@
           </a:p>
         </p:txBody>
       </p:sp>
+      <p:sp>
+        <p:nvSpPr>
+          <p:cNvPr id="12" name="TextBox 11">
+            <a:extLst>
+              <a:ext uri="{FF2B5EF4-FFF2-40B4-BE49-F238E27FC236}">
+                <a16:creationId xmlns:a16="http://schemas.microsoft.com/office/drawing/2014/main" id="{B28DCB58-D78E-0DB4-02DF-B5F3AF57E15D}"/>
+              </a:ext>
+            </a:extLst>
+          </p:cNvPr>
+          <p:cNvSpPr txBox="1"/>
+          <p:nvPr/>
+        </p:nvSpPr>
+        <p:spPr>
+          <a:xfrm>
+            <a:off x="304800" y="114300"/>
+            <a:ext cx="10972800" cy="923330"/>
+          </a:xfrm>
+          <a:prstGeom prst="rect">
+            <a:avLst/>
+          </a:prstGeom>
+          <a:noFill/>
+        </p:spPr>
+        <p:txBody>
+          <a:bodyPr wrap="square" rtlCol="0">
+            <a:spAutoFit/>
+          </a:bodyPr>
+          <a:lstStyle/>
+          <a:p>
+            <a:r>
+              <a:rPr lang="en-US" altLang="ko-KR" sz="5400" spc="-300" dirty="0">
+                <a:solidFill>
+                  <a:srgbClr val="4C50BC"/>
+                </a:solidFill>
+                <a:latin typeface="G마켓 산스 Bold" panose="02000000000000000000" pitchFamily="50" charset="-127"/>
+                <a:ea typeface="G마켓 산스 Bold" panose="02000000000000000000" pitchFamily="50" charset="-127"/>
+              </a:rPr>
+              <a:t>1-5 </a:t>
+            </a:r>
+            <a:r>
+              <a:rPr lang="ko-KR" altLang="en-US" sz="5400" spc="-300" dirty="0">
+                <a:solidFill>
+                  <a:srgbClr val="4C50BC"/>
+                </a:solidFill>
+                <a:latin typeface="G마켓 산스 Bold" panose="02000000000000000000" pitchFamily="50" charset="-127"/>
+                <a:ea typeface="G마켓 산스 Bold" panose="02000000000000000000" pitchFamily="50" charset="-127"/>
+              </a:rPr>
+              <a:t>문제풀이</a:t>
+            </a:r>
+            <a:r>
+              <a:rPr lang="en-US" altLang="ko-KR" sz="5400" spc="-300" dirty="0">
+                <a:solidFill>
+                  <a:srgbClr val="4C50BC"/>
+                </a:solidFill>
+                <a:latin typeface="G마켓 산스 Bold" panose="02000000000000000000" pitchFamily="50" charset="-127"/>
+                <a:ea typeface="G마켓 산스 Bold" panose="02000000000000000000" pitchFamily="50" charset="-127"/>
+              </a:rPr>
+              <a:t> </a:t>
+            </a:r>
+            <a:r>
+              <a:rPr lang="en-US" altLang="ko-KR" sz="5400" spc="-300" dirty="0">
+                <a:solidFill>
+                  <a:srgbClr val="FF0000"/>
+                </a:solidFill>
+                <a:latin typeface="G마켓 산스 Bold" panose="02000000000000000000" pitchFamily="50" charset="-127"/>
+                <a:ea typeface="G마켓 산스 Bold" panose="02000000000000000000" pitchFamily="50" charset="-127"/>
+              </a:rPr>
+              <a:t>(expert)</a:t>
+            </a:r>
+          </a:p>
+        </p:txBody>
+      </p:sp>
+      <p:cxnSp>
+        <p:nvCxnSpPr>
+          <p:cNvPr id="13" name="직선 연결선 12">
+            <a:extLst>
+              <a:ext uri="{FF2B5EF4-FFF2-40B4-BE49-F238E27FC236}">
+                <a16:creationId xmlns:a16="http://schemas.microsoft.com/office/drawing/2014/main" id="{566C556C-47D2-CE98-F30D-36692C8304B1}"/>
+              </a:ext>
+            </a:extLst>
+          </p:cNvPr>
+          <p:cNvCxnSpPr>
+            <a:cxnSpLocks/>
+          </p:cNvCxnSpPr>
+          <p:nvPr/>
+        </p:nvCxnSpPr>
+        <p:spPr>
+          <a:xfrm flipH="1" flipV="1">
+            <a:off x="-13447" y="972511"/>
+            <a:ext cx="18288000" cy="65119"/>
+          </a:xfrm>
+          <a:prstGeom prst="line">
+            <a:avLst/>
+          </a:prstGeom>
+          <a:ln w="38100">
+            <a:solidFill>
+              <a:srgbClr val="4C50BC"/>
+            </a:solidFill>
+          </a:ln>
+        </p:spPr>
+        <p:style>
+          <a:lnRef idx="1">
+            <a:schemeClr val="accent1"/>
+          </a:lnRef>
+          <a:fillRef idx="0">
+            <a:schemeClr val="accent1"/>
+          </a:fillRef>
+          <a:effectRef idx="0">
+            <a:schemeClr val="accent1"/>
+          </a:effectRef>
+          <a:fontRef idx="minor">
+            <a:schemeClr val="tx1"/>
+          </a:fontRef>
+        </p:style>
+      </p:cxnSp>
     </p:spTree>
     <p:extLst>
       <p:ext uri="{BB962C8B-B14F-4D97-AF65-F5344CB8AC3E}">
@@ -19653,7 +20691,7 @@
         </p:nvSpPr>
         <p:spPr>
           <a:xfrm>
-            <a:off x="609600" y="342900"/>
+            <a:off x="609600" y="1155054"/>
             <a:ext cx="17145000" cy="5632311"/>
           </a:xfrm>
           <a:prstGeom prst="rect">
@@ -19668,14 +20706,24 @@
           <a:lstStyle/>
           <a:p>
             <a:r>
-              <a:rPr lang="en-US" altLang="ko-KR" sz="3600">
+              <a:rPr lang="en-US" altLang="ko-KR" sz="3600" dirty="0">
                 <a:solidFill>
                   <a:srgbClr val="4C50BC"/>
                 </a:solidFill>
                 <a:latin typeface="G마켓 산스 Medium" panose="02000000000000000000" pitchFamily="50" charset="-127"/>
                 <a:ea typeface="G마켓 산스 Medium" panose="02000000000000000000" pitchFamily="50" charset="-127"/>
               </a:rPr>
-              <a:t>1-6 </a:t>
+              <a:t>Student </a:t>
+            </a:r>
+            <a:r>
+              <a:rPr lang="ko-KR" altLang="en-US" sz="3600" dirty="0">
+                <a:solidFill>
+                  <a:srgbClr val="4C50BC"/>
+                </a:solidFill>
+                <a:latin typeface="G마켓 산스 Medium" panose="02000000000000000000" pitchFamily="50" charset="-127"/>
+                <a:ea typeface="G마켓 산스 Medium" panose="02000000000000000000" pitchFamily="50" charset="-127"/>
+              </a:rPr>
+              <a:t>클래스의 기능을 추가하자</a:t>
             </a:r>
             <a:r>
               <a:rPr lang="en-US" altLang="ko-KR" sz="3600" dirty="0">
@@ -19685,47 +20733,7 @@
                 <a:latin typeface="G마켓 산스 Medium" panose="02000000000000000000" pitchFamily="50" charset="-127"/>
                 <a:ea typeface="G마켓 산스 Medium" panose="02000000000000000000" pitchFamily="50" charset="-127"/>
               </a:rPr>
-              <a:t>Student </a:t>
-            </a:r>
-            <a:r>
-              <a:rPr lang="ko-KR" altLang="en-US" sz="3600" dirty="0">
-                <a:solidFill>
-                  <a:srgbClr val="4C50BC"/>
-                </a:solidFill>
-                <a:latin typeface="G마켓 산스 Medium" panose="02000000000000000000" pitchFamily="50" charset="-127"/>
-                <a:ea typeface="G마켓 산스 Medium" panose="02000000000000000000" pitchFamily="50" charset="-127"/>
-              </a:rPr>
-              <a:t>클래스의 기능을 </a:t>
-            </a:r>
-            <a:r>
-              <a:rPr lang="ko-KR" altLang="en-US" sz="3600">
-                <a:solidFill>
-                  <a:srgbClr val="4C50BC"/>
-                </a:solidFill>
-                <a:latin typeface="G마켓 산스 Medium" panose="02000000000000000000" pitchFamily="50" charset="-127"/>
-                <a:ea typeface="G마켓 산스 Medium" panose="02000000000000000000" pitchFamily="50" charset="-127"/>
-              </a:rPr>
-              <a:t>추가하자</a:t>
-            </a:r>
-            <a:r>
-              <a:rPr lang="en-US" altLang="ko-KR" sz="3600">
-                <a:solidFill>
-                  <a:srgbClr val="4C50BC"/>
-                </a:solidFill>
-                <a:latin typeface="G마켓 산스 Medium" panose="02000000000000000000" pitchFamily="50" charset="-127"/>
-                <a:ea typeface="G마켓 산스 Medium" panose="02000000000000000000" pitchFamily="50" charset="-127"/>
-              </a:rPr>
               <a:t>.</a:t>
-            </a:r>
-            <a:r>
-              <a:rPr lang="en-US" altLang="ko-KR" sz="3600">
-                <a:solidFill>
-                  <a:srgbClr val="FF0000"/>
-                </a:solidFill>
-                <a:latin typeface="G마켓 산스 Medium" panose="02000000000000000000" pitchFamily="50" charset="-127"/>
-                <a:ea typeface="G마켓 산스 Medium" panose="02000000000000000000" pitchFamily="50" charset="-127"/>
-              </a:rPr>
-              <a:t>(expert)</a:t>
             </a:r>
             <a:endParaRPr lang="en-US" altLang="ko-KR" sz="3600" dirty="0">
               <a:solidFill>
@@ -20407,14 +21415,128 @@
         </p:blipFill>
         <p:spPr>
           <a:xfrm>
-            <a:off x="10744200" y="4838699"/>
-            <a:ext cx="5943600" cy="5360047"/>
+            <a:off x="10972800" y="5705994"/>
+            <a:ext cx="4953000" cy="4466706"/>
           </a:xfrm>
           <a:prstGeom prst="rect">
             <a:avLst/>
           </a:prstGeom>
         </p:spPr>
       </p:pic>
+      <p:sp>
+        <p:nvSpPr>
+          <p:cNvPr id="2" name="TextBox 1">
+            <a:extLst>
+              <a:ext uri="{FF2B5EF4-FFF2-40B4-BE49-F238E27FC236}">
+                <a16:creationId xmlns:a16="http://schemas.microsoft.com/office/drawing/2014/main" id="{5E4F6BD4-EA89-85A2-4F9F-78740A82B3FB}"/>
+              </a:ext>
+            </a:extLst>
+          </p:cNvPr>
+          <p:cNvSpPr txBox="1"/>
+          <p:nvPr/>
+        </p:nvSpPr>
+        <p:spPr>
+          <a:xfrm>
+            <a:off x="304800" y="114300"/>
+            <a:ext cx="10972800" cy="923330"/>
+          </a:xfrm>
+          <a:prstGeom prst="rect">
+            <a:avLst/>
+          </a:prstGeom>
+          <a:noFill/>
+        </p:spPr>
+        <p:txBody>
+          <a:bodyPr wrap="square" rtlCol="0">
+            <a:spAutoFit/>
+          </a:bodyPr>
+          <a:lstStyle/>
+          <a:p>
+            <a:r>
+              <a:rPr lang="en-US" altLang="ko-KR" sz="5400" spc="-300" dirty="0">
+                <a:solidFill>
+                  <a:srgbClr val="4C50BC"/>
+                </a:solidFill>
+                <a:latin typeface="G마켓 산스 Bold" panose="02000000000000000000" pitchFamily="50" charset="-127"/>
+                <a:ea typeface="G마켓 산스 Bold" panose="02000000000000000000" pitchFamily="50" charset="-127"/>
+              </a:rPr>
+              <a:t>1-6 </a:t>
+            </a:r>
+            <a:r>
+              <a:rPr lang="ko-KR" altLang="en-US" sz="5400" spc="-300" dirty="0">
+                <a:solidFill>
+                  <a:srgbClr val="4C50BC"/>
+                </a:solidFill>
+                <a:latin typeface="G마켓 산스 Bold" panose="02000000000000000000" pitchFamily="50" charset="-127"/>
+                <a:ea typeface="G마켓 산스 Bold" panose="02000000000000000000" pitchFamily="50" charset="-127"/>
+              </a:rPr>
+              <a:t>실습문제</a:t>
+            </a:r>
+            <a:r>
+              <a:rPr lang="en-US" altLang="ko-KR" sz="5400" spc="-300" dirty="0">
+                <a:solidFill>
+                  <a:srgbClr val="4C50BC"/>
+                </a:solidFill>
+                <a:latin typeface="G마켓 산스 Bold" panose="02000000000000000000" pitchFamily="50" charset="-127"/>
+                <a:ea typeface="G마켓 산스 Bold" panose="02000000000000000000" pitchFamily="50" charset="-127"/>
+              </a:rPr>
+              <a:t> </a:t>
+            </a:r>
+            <a:r>
+              <a:rPr lang="en-US" altLang="ko-KR" sz="5400" spc="-300" dirty="0">
+                <a:solidFill>
+                  <a:srgbClr val="FF0000"/>
+                </a:solidFill>
+                <a:latin typeface="G마켓 산스 Bold" panose="02000000000000000000" pitchFamily="50" charset="-127"/>
+                <a:ea typeface="G마켓 산스 Bold" panose="02000000000000000000" pitchFamily="50" charset="-127"/>
+              </a:rPr>
+              <a:t>(expert)</a:t>
+            </a:r>
+          </a:p>
+        </p:txBody>
+      </p:sp>
+      <p:cxnSp>
+        <p:nvCxnSpPr>
+          <p:cNvPr id="3" name="직선 연결선 2">
+            <a:extLst>
+              <a:ext uri="{FF2B5EF4-FFF2-40B4-BE49-F238E27FC236}">
+                <a16:creationId xmlns:a16="http://schemas.microsoft.com/office/drawing/2014/main" id="{BD024810-6673-E672-9C47-736546F22EC9}"/>
+              </a:ext>
+            </a:extLst>
+          </p:cNvPr>
+          <p:cNvCxnSpPr>
+            <a:cxnSpLocks/>
+          </p:cNvCxnSpPr>
+          <p:nvPr/>
+        </p:nvCxnSpPr>
+        <p:spPr>
+          <a:xfrm flipH="1" flipV="1">
+            <a:off x="-13447" y="972511"/>
+            <a:ext cx="18288000" cy="65119"/>
+          </a:xfrm>
+          <a:prstGeom prst="line">
+            <a:avLst/>
+          </a:prstGeom>
+          <a:ln w="38100">
+            <a:solidFill>
+              <a:srgbClr val="4C50BC"/>
+            </a:solidFill>
+          </a:ln>
+        </p:spPr>
+        <p:style>
+          <a:lnRef idx="1">
+            <a:schemeClr val="accent1"/>
+          </a:lnRef>
+          <a:fillRef idx="0">
+            <a:schemeClr val="accent1"/>
+          </a:fillRef>
+          <a:effectRef idx="0">
+            <a:schemeClr val="accent1"/>
+          </a:effectRef>
+          <a:fontRef idx="minor">
+            <a:schemeClr val="tx1"/>
+          </a:fontRef>
+        </p:style>
+      </p:cxnSp>
     </p:spTree>
     <p:extLst>
       <p:ext uri="{BB962C8B-B14F-4D97-AF65-F5344CB8AC3E}">
@@ -20461,7 +21583,7 @@
         </p:blipFill>
         <p:spPr>
           <a:xfrm>
-            <a:off x="152400" y="1485900"/>
+            <a:off x="1371600" y="3362006"/>
             <a:ext cx="6868102" cy="6629400"/>
           </a:xfrm>
           <a:prstGeom prst="rect">
@@ -20469,47 +21591,6 @@
           </a:prstGeom>
         </p:spPr>
       </p:pic>
-      <p:sp>
-        <p:nvSpPr>
-          <p:cNvPr id="4" name="TextBox 3">
-            <a:extLst>
-              <a:ext uri="{FF2B5EF4-FFF2-40B4-BE49-F238E27FC236}">
-                <a16:creationId xmlns:a16="http://schemas.microsoft.com/office/drawing/2014/main" id="{DF7DDD33-9412-2802-339A-E55446AC2DA7}"/>
-              </a:ext>
-            </a:extLst>
-          </p:cNvPr>
-          <p:cNvSpPr txBox="1"/>
-          <p:nvPr/>
-        </p:nvSpPr>
-        <p:spPr>
-          <a:xfrm>
-            <a:off x="1219200" y="419100"/>
-            <a:ext cx="2262158" cy="923330"/>
-          </a:xfrm>
-          <a:prstGeom prst="rect">
-            <a:avLst/>
-          </a:prstGeom>
-          <a:noFill/>
-        </p:spPr>
-        <p:txBody>
-          <a:bodyPr wrap="none" rtlCol="0">
-            <a:spAutoFit/>
-          </a:bodyPr>
-          <a:lstStyle/>
-          <a:p>
-            <a:r>
-              <a:rPr lang="ko-KR" altLang="en-US" sz="5400" dirty="0">
-                <a:solidFill>
-                  <a:srgbClr val="4C50BC"/>
-                </a:solidFill>
-                <a:latin typeface="G마켓 산스 Bold"/>
-                <a:ea typeface="G마켓 산스 Medium" panose="02000000000000000000" pitchFamily="50" charset="-127"/>
-              </a:rPr>
-              <a:t>생성자</a:t>
-            </a:r>
-          </a:p>
-        </p:txBody>
-      </p:sp>
       <p:sp>
         <p:nvSpPr>
           <p:cNvPr id="3" name="TextBox 2">
@@ -20524,8 +21605,8 @@
         </p:nvSpPr>
         <p:spPr>
           <a:xfrm>
-            <a:off x="6553200" y="419100"/>
-            <a:ext cx="12115800" cy="2554545"/>
+            <a:off x="609600" y="1091782"/>
+            <a:ext cx="12115800" cy="2308324"/>
           </a:xfrm>
           <a:prstGeom prst="rect">
             <a:avLst/>
@@ -20538,8 +21619,12 @@
           </a:bodyPr>
           <a:lstStyle/>
           <a:p>
-            <a:r>
-              <a:rPr lang="en-US" altLang="ko-KR" sz="4000" dirty="0">
+            <a:pPr marL="571500" indent="-571500">
+              <a:buFont typeface="Arial" panose="020B0604020202020204" pitchFamily="34" charset="0"/>
+              <a:buChar char="•"/>
+            </a:pPr>
+            <a:r>
+              <a:rPr lang="ko-KR" altLang="en-US" sz="3600" dirty="0">
                 <a:solidFill>
                   <a:schemeClr val="tx1">
                     <a:lumMod val="50000"/>
@@ -20549,10 +21634,40 @@
                 <a:latin typeface="G마켓 산스 Medium" panose="02000000000000000000" pitchFamily="50" charset="-127"/>
                 <a:ea typeface="G마켓 산스 Medium" panose="02000000000000000000" pitchFamily="50" charset="-127"/>
               </a:rPr>
-              <a:t>1.</a:t>
-            </a:r>
-            <a:r>
-              <a:rPr lang="ko-KR" altLang="en-US" sz="4000" dirty="0">
+              <a:t>객체 생성시 </a:t>
+            </a:r>
+            <a:r>
+              <a:rPr lang="ko-KR" altLang="en-US" sz="3600" dirty="0">
+                <a:solidFill>
+                  <a:srgbClr val="FF0000"/>
+                </a:solidFill>
+                <a:latin typeface="G마켓 산스 Medium" panose="02000000000000000000" pitchFamily="50" charset="-127"/>
+                <a:ea typeface="G마켓 산스 Medium" panose="02000000000000000000" pitchFamily="50" charset="-127"/>
+              </a:rPr>
+              <a:t>최초 </a:t>
+            </a:r>
+            <a:r>
+              <a:rPr lang="en-US" altLang="ko-KR" sz="3600" dirty="0">
+                <a:solidFill>
+                  <a:srgbClr val="FF0000"/>
+                </a:solidFill>
+                <a:latin typeface="G마켓 산스 Medium" panose="02000000000000000000" pitchFamily="50" charset="-127"/>
+                <a:ea typeface="G마켓 산스 Medium" panose="02000000000000000000" pitchFamily="50" charset="-127"/>
+              </a:rPr>
+              <a:t>1</a:t>
+            </a:r>
+            <a:r>
+              <a:rPr lang="ko-KR" altLang="en-US" sz="3600" dirty="0">
+                <a:solidFill>
+                  <a:srgbClr val="FF0000"/>
+                </a:solidFill>
+                <a:latin typeface="G마켓 산스 Medium" panose="02000000000000000000" pitchFamily="50" charset="-127"/>
+                <a:ea typeface="G마켓 산스 Medium" panose="02000000000000000000" pitchFamily="50" charset="-127"/>
+              </a:rPr>
+              <a:t>번만 실행</a:t>
+            </a:r>
+            <a:r>
+              <a:rPr lang="ko-KR" altLang="en-US" sz="3600" dirty="0">
                 <a:solidFill>
                   <a:schemeClr val="tx1">
                     <a:lumMod val="50000"/>
@@ -20562,52 +21677,9 @@
                 <a:latin typeface="G마켓 산스 Medium" panose="02000000000000000000" pitchFamily="50" charset="-127"/>
                 <a:ea typeface="G마켓 산스 Medium" panose="02000000000000000000" pitchFamily="50" charset="-127"/>
               </a:rPr>
-              <a:t>객체 생성시 </a:t>
-            </a:r>
-            <a:r>
-              <a:rPr lang="ko-KR" altLang="en-US" sz="4000" dirty="0">
-                <a:solidFill>
-                  <a:srgbClr val="FF0000"/>
-                </a:solidFill>
-                <a:latin typeface="G마켓 산스 Medium" panose="02000000000000000000" pitchFamily="50" charset="-127"/>
-                <a:ea typeface="G마켓 산스 Medium" panose="02000000000000000000" pitchFamily="50" charset="-127"/>
-              </a:rPr>
-              <a:t>최초 </a:t>
-            </a:r>
-            <a:r>
-              <a:rPr lang="en-US" altLang="ko-KR" sz="4000" dirty="0">
-                <a:solidFill>
-                  <a:srgbClr val="FF0000"/>
-                </a:solidFill>
-                <a:latin typeface="G마켓 산스 Medium" panose="02000000000000000000" pitchFamily="50" charset="-127"/>
-                <a:ea typeface="G마켓 산스 Medium" panose="02000000000000000000" pitchFamily="50" charset="-127"/>
-              </a:rPr>
-              <a:t>1</a:t>
-            </a:r>
-            <a:r>
-              <a:rPr lang="ko-KR" altLang="en-US" sz="4000" dirty="0">
-                <a:solidFill>
-                  <a:srgbClr val="FF0000"/>
-                </a:solidFill>
-                <a:latin typeface="G마켓 산스 Medium" panose="02000000000000000000" pitchFamily="50" charset="-127"/>
-                <a:ea typeface="G마켓 산스 Medium" panose="02000000000000000000" pitchFamily="50" charset="-127"/>
-              </a:rPr>
-              <a:t>번만 실행</a:t>
-            </a:r>
-            <a:r>
-              <a:rPr lang="ko-KR" altLang="en-US" sz="4000" dirty="0">
-                <a:solidFill>
-                  <a:schemeClr val="tx1">
-                    <a:lumMod val="50000"/>
-                    <a:lumOff val="50000"/>
-                  </a:schemeClr>
-                </a:solidFill>
-                <a:latin typeface="G마켓 산스 Medium" panose="02000000000000000000" pitchFamily="50" charset="-127"/>
-                <a:ea typeface="G마켓 산스 Medium" panose="02000000000000000000" pitchFamily="50" charset="-127"/>
-              </a:rPr>
               <a:t>되는 특별한 메서드</a:t>
             </a:r>
-            <a:endParaRPr lang="en-US" altLang="ko-KR" sz="4000" dirty="0">
+            <a:endParaRPr lang="en-US" altLang="ko-KR" sz="3600" dirty="0">
               <a:solidFill>
                 <a:schemeClr val="tx1">
                   <a:lumMod val="50000"/>
@@ -20619,8 +21691,12 @@
             </a:endParaRPr>
           </a:p>
           <a:p>
-            <a:r>
-              <a:rPr lang="en-US" altLang="ko-KR" sz="4000" dirty="0">
+            <a:pPr marL="571500" indent="-571500">
+              <a:buFont typeface="Arial" panose="020B0604020202020204" pitchFamily="34" charset="0"/>
+              <a:buChar char="•"/>
+            </a:pPr>
+            <a:r>
+              <a:rPr lang="ko-KR" altLang="en-US" sz="3600" dirty="0">
                 <a:solidFill>
                   <a:schemeClr val="tx1">
                     <a:lumMod val="50000"/>
@@ -20630,10 +21706,10 @@
                 <a:latin typeface="G마켓 산스 Medium" panose="02000000000000000000" pitchFamily="50" charset="-127"/>
                 <a:ea typeface="G마켓 산스 Medium" panose="02000000000000000000" pitchFamily="50" charset="-127"/>
               </a:rPr>
-              <a:t>2.</a:t>
-            </a:r>
-            <a:r>
-              <a:rPr lang="ko-KR" altLang="en-US" sz="4000" dirty="0">
+              <a:t>클래스와 이름이 같아야 한다</a:t>
+            </a:r>
+            <a:r>
+              <a:rPr lang="en-US" altLang="ko-KR" sz="3600" dirty="0">
                 <a:solidFill>
                   <a:schemeClr val="tx1">
                     <a:lumMod val="50000"/>
@@ -20643,10 +21719,10 @@
                 <a:latin typeface="G마켓 산스 Medium" panose="02000000000000000000" pitchFamily="50" charset="-127"/>
                 <a:ea typeface="G마켓 산스 Medium" panose="02000000000000000000" pitchFamily="50" charset="-127"/>
               </a:rPr>
-              <a:t>클래스와 이름이 같아야 한다</a:t>
-            </a:r>
-            <a:r>
-              <a:rPr lang="en-US" altLang="ko-KR" sz="4000" dirty="0">
+              <a:t>(</a:t>
+            </a:r>
+            <a:r>
+              <a:rPr lang="ko-KR" altLang="en-US" sz="3600" dirty="0">
                 <a:solidFill>
                   <a:schemeClr val="tx1">
                     <a:lumMod val="50000"/>
@@ -20656,10 +21732,10 @@
                 <a:latin typeface="G마켓 산스 Medium" panose="02000000000000000000" pitchFamily="50" charset="-127"/>
                 <a:ea typeface="G마켓 산스 Medium" panose="02000000000000000000" pitchFamily="50" charset="-127"/>
               </a:rPr>
-              <a:t>(</a:t>
-            </a:r>
-            <a:r>
-              <a:rPr lang="ko-KR" altLang="en-US" sz="4000" dirty="0">
+              <a:t>대소문자 구분</a:t>
+            </a:r>
+            <a:r>
+              <a:rPr lang="en-US" altLang="ko-KR" sz="3600" dirty="0">
                 <a:solidFill>
                   <a:schemeClr val="tx1">
                     <a:lumMod val="50000"/>
@@ -20669,10 +21745,16 @@
                 <a:latin typeface="G마켓 산스 Medium" panose="02000000000000000000" pitchFamily="50" charset="-127"/>
                 <a:ea typeface="G마켓 산스 Medium" panose="02000000000000000000" pitchFamily="50" charset="-127"/>
               </a:rPr>
-              <a:t>대소문자 구분</a:t>
-            </a:r>
-            <a:r>
-              <a:rPr lang="en-US" altLang="ko-KR" sz="4000" dirty="0">
+              <a:t>)</a:t>
+            </a:r>
+          </a:p>
+          <a:p>
+            <a:pPr marL="571500" indent="-571500">
+              <a:buFont typeface="Arial" panose="020B0604020202020204" pitchFamily="34" charset="0"/>
+              <a:buChar char="•"/>
+            </a:pPr>
+            <a:r>
+              <a:rPr lang="ko-KR" altLang="en-US" sz="3600" dirty="0">
                 <a:solidFill>
                   <a:schemeClr val="tx1">
                     <a:lumMod val="50000"/>
@@ -20682,12 +21764,10 @@
                 <a:latin typeface="G마켓 산스 Medium" panose="02000000000000000000" pitchFamily="50" charset="-127"/>
                 <a:ea typeface="G마켓 산스 Medium" panose="02000000000000000000" pitchFamily="50" charset="-127"/>
               </a:rPr>
-              <a:t>)</a:t>
-            </a:r>
-          </a:p>
-          <a:p>
-            <a:r>
-              <a:rPr lang="en-US" altLang="ko-KR" sz="4000" dirty="0">
+              <a:t>리턴 타입이 없어야 한다</a:t>
+            </a:r>
+            <a:r>
+              <a:rPr lang="en-US" altLang="ko-KR" sz="3600" dirty="0">
                 <a:solidFill>
                   <a:schemeClr val="tx1">
                     <a:lumMod val="50000"/>
@@ -20697,10 +21777,10 @@
                 <a:latin typeface="G마켓 산스 Medium" panose="02000000000000000000" pitchFamily="50" charset="-127"/>
                 <a:ea typeface="G마켓 산스 Medium" panose="02000000000000000000" pitchFamily="50" charset="-127"/>
               </a:rPr>
-              <a:t>3.</a:t>
-            </a:r>
-            <a:r>
-              <a:rPr lang="ko-KR" altLang="en-US" sz="4000" dirty="0">
+              <a:t>(void</a:t>
+            </a:r>
+            <a:r>
+              <a:rPr lang="ko-KR" altLang="en-US" sz="3600" dirty="0">
                 <a:solidFill>
                   <a:schemeClr val="tx1">
                     <a:lumMod val="50000"/>
@@ -20710,10 +21790,10 @@
                 <a:latin typeface="G마켓 산스 Medium" panose="02000000000000000000" pitchFamily="50" charset="-127"/>
                 <a:ea typeface="G마켓 산스 Medium" panose="02000000000000000000" pitchFamily="50" charset="-127"/>
               </a:rPr>
-              <a:t>리턴 타입이 없어야 한다</a:t>
-            </a:r>
-            <a:r>
-              <a:rPr lang="en-US" altLang="ko-KR" sz="4000" dirty="0">
+              <a:t>가 아님</a:t>
+            </a:r>
+            <a:r>
+              <a:rPr lang="en-US" altLang="ko-KR" sz="3600" dirty="0">
                 <a:solidFill>
                   <a:schemeClr val="tx1">
                     <a:lumMod val="50000"/>
@@ -20723,10 +21803,16 @@
                 <a:latin typeface="G마켓 산스 Medium" panose="02000000000000000000" pitchFamily="50" charset="-127"/>
                 <a:ea typeface="G마켓 산스 Medium" panose="02000000000000000000" pitchFamily="50" charset="-127"/>
               </a:rPr>
-              <a:t>(void</a:t>
-            </a:r>
-            <a:r>
-              <a:rPr lang="ko-KR" altLang="en-US" sz="4000" dirty="0">
+              <a:t>)</a:t>
+            </a:r>
+          </a:p>
+          <a:p>
+            <a:pPr marL="571500" indent="-571500">
+              <a:buFont typeface="Arial" panose="020B0604020202020204" pitchFamily="34" charset="0"/>
+              <a:buChar char="•"/>
+            </a:pPr>
+            <a:r>
+              <a:rPr lang="ko-KR" altLang="en-US" sz="3600" dirty="0">
                 <a:solidFill>
                   <a:schemeClr val="tx1">
                     <a:lumMod val="50000"/>
@@ -20736,51 +21822,10 @@
                 <a:latin typeface="G마켓 산스 Medium" panose="02000000000000000000" pitchFamily="50" charset="-127"/>
                 <a:ea typeface="G마켓 산스 Medium" panose="02000000000000000000" pitchFamily="50" charset="-127"/>
               </a:rPr>
-              <a:t>가 아님</a:t>
-            </a:r>
-            <a:r>
-              <a:rPr lang="en-US" altLang="ko-KR" sz="4000" dirty="0">
-                <a:solidFill>
-                  <a:schemeClr val="tx1">
-                    <a:lumMod val="50000"/>
-                    <a:lumOff val="50000"/>
-                  </a:schemeClr>
-                </a:solidFill>
-                <a:latin typeface="G마켓 산스 Medium" panose="02000000000000000000" pitchFamily="50" charset="-127"/>
-                <a:ea typeface="G마켓 산스 Medium" panose="02000000000000000000" pitchFamily="50" charset="-127"/>
-              </a:rPr>
-              <a:t>)</a:t>
-            </a:r>
-          </a:p>
-          <a:p>
-            <a:r>
-              <a:rPr lang="en-US" altLang="ko-KR" sz="4000" dirty="0">
-                <a:solidFill>
-                  <a:schemeClr val="tx1">
-                    <a:lumMod val="50000"/>
-                    <a:lumOff val="50000"/>
-                  </a:schemeClr>
-                </a:solidFill>
-                <a:latin typeface="G마켓 산스 Medium" panose="02000000000000000000" pitchFamily="50" charset="-127"/>
-                <a:ea typeface="G마켓 산스 Medium" panose="02000000000000000000" pitchFamily="50" charset="-127"/>
-              </a:rPr>
-              <a:t>4.</a:t>
-            </a:r>
-            <a:r>
-              <a:rPr lang="ko-KR" altLang="en-US" sz="4000" dirty="0">
-                <a:solidFill>
-                  <a:schemeClr val="tx1">
-                    <a:lumMod val="50000"/>
-                    <a:lumOff val="50000"/>
-                  </a:schemeClr>
-                </a:solidFill>
-                <a:latin typeface="G마켓 산스 Medium" panose="02000000000000000000" pitchFamily="50" charset="-127"/>
-                <a:ea typeface="G마켓 산스 Medium" panose="02000000000000000000" pitchFamily="50" charset="-127"/>
-              </a:rPr>
               <a:t>객체는 무조건 생성자를 통해서 생성된다</a:t>
             </a:r>
             <a:r>
-              <a:rPr lang="en-US" altLang="ko-KR" sz="4000" dirty="0">
+              <a:rPr lang="en-US" altLang="ko-KR" sz="3600" dirty="0">
                 <a:solidFill>
                   <a:schemeClr val="tx1">
                     <a:lumMod val="50000"/>
@@ -20809,7 +21854,7 @@
         </p:nvSpPr>
         <p:spPr>
           <a:xfrm>
-            <a:off x="609600" y="3086100"/>
+            <a:off x="1828800" y="4962206"/>
             <a:ext cx="6410902" cy="5172670"/>
           </a:xfrm>
           <a:prstGeom prst="rect">
@@ -20847,6 +21892,97 @@
           </a:p>
         </p:txBody>
       </p:sp>
+      <p:sp>
+        <p:nvSpPr>
+          <p:cNvPr id="2" name="TextBox 1">
+            <a:extLst>
+              <a:ext uri="{FF2B5EF4-FFF2-40B4-BE49-F238E27FC236}">
+                <a16:creationId xmlns:a16="http://schemas.microsoft.com/office/drawing/2014/main" id="{C469378A-A06A-A46A-4B02-A1558CEF33CE}"/>
+              </a:ext>
+            </a:extLst>
+          </p:cNvPr>
+          <p:cNvSpPr txBox="1"/>
+          <p:nvPr/>
+        </p:nvSpPr>
+        <p:spPr>
+          <a:xfrm>
+            <a:off x="304800" y="114300"/>
+            <a:ext cx="14325600" cy="923330"/>
+          </a:xfrm>
+          <a:prstGeom prst="rect">
+            <a:avLst/>
+          </a:prstGeom>
+          <a:noFill/>
+        </p:spPr>
+        <p:txBody>
+          <a:bodyPr wrap="square" rtlCol="0">
+            <a:spAutoFit/>
+          </a:bodyPr>
+          <a:lstStyle/>
+          <a:p>
+            <a:r>
+              <a:rPr lang="ko-KR" altLang="en-US" sz="5400" spc="-300" dirty="0">
+                <a:solidFill>
+                  <a:srgbClr val="4C50BC"/>
+                </a:solidFill>
+                <a:latin typeface="G마켓 산스 Bold" panose="02000000000000000000" pitchFamily="50" charset="-127"/>
+                <a:ea typeface="G마켓 산스 Bold" panose="02000000000000000000" pitchFamily="50" charset="-127"/>
+              </a:rPr>
+              <a:t>생성자</a:t>
+            </a:r>
+            <a:endParaRPr lang="en-US" altLang="ko-KR" sz="5400" spc="-300" dirty="0">
+              <a:solidFill>
+                <a:srgbClr val="4C50BC"/>
+              </a:solidFill>
+              <a:latin typeface="G마켓 산스 Bold" panose="02000000000000000000" pitchFamily="50" charset="-127"/>
+              <a:ea typeface="G마켓 산스 Bold" panose="02000000000000000000" pitchFamily="50" charset="-127"/>
+            </a:endParaRPr>
+          </a:p>
+        </p:txBody>
+      </p:sp>
+      <p:cxnSp>
+        <p:nvCxnSpPr>
+          <p:cNvPr id="5" name="직선 연결선 4">
+            <a:extLst>
+              <a:ext uri="{FF2B5EF4-FFF2-40B4-BE49-F238E27FC236}">
+                <a16:creationId xmlns:a16="http://schemas.microsoft.com/office/drawing/2014/main" id="{3B1FC7DA-8DE4-4D0A-E022-B57069CFAFE2}"/>
+              </a:ext>
+            </a:extLst>
+          </p:cNvPr>
+          <p:cNvCxnSpPr>
+            <a:cxnSpLocks/>
+          </p:cNvCxnSpPr>
+          <p:nvPr/>
+        </p:nvCxnSpPr>
+        <p:spPr>
+          <a:xfrm flipH="1" flipV="1">
+            <a:off x="-13447" y="972511"/>
+            <a:ext cx="18288000" cy="65119"/>
+          </a:xfrm>
+          <a:prstGeom prst="line">
+            <a:avLst/>
+          </a:prstGeom>
+          <a:ln w="38100">
+            <a:solidFill>
+              <a:srgbClr val="4C50BC"/>
+            </a:solidFill>
+          </a:ln>
+        </p:spPr>
+        <p:style>
+          <a:lnRef idx="1">
+            <a:schemeClr val="accent1"/>
+          </a:lnRef>
+          <a:fillRef idx="0">
+            <a:schemeClr val="accent1"/>
+          </a:fillRef>
+          <a:effectRef idx="0">
+            <a:schemeClr val="accent1"/>
+          </a:effectRef>
+          <a:fontRef idx="minor">
+            <a:schemeClr val="tx1"/>
+          </a:fontRef>
+        </p:style>
+      </p:cxnSp>
     </p:spTree>
     <p:extLst>
       <p:ext uri="{BB962C8B-B14F-4D97-AF65-F5344CB8AC3E}">
@@ -24369,6 +25505,120 @@
           </a:p>
         </p:txBody>
       </p:sp>
+      <p:sp>
+        <p:nvSpPr>
+          <p:cNvPr id="2" name="TextBox 1">
+            <a:extLst>
+              <a:ext uri="{FF2B5EF4-FFF2-40B4-BE49-F238E27FC236}">
+                <a16:creationId xmlns:a16="http://schemas.microsoft.com/office/drawing/2014/main" id="{E0330900-E06D-9E4F-C748-3A6A6D83666D}"/>
+              </a:ext>
+            </a:extLst>
+          </p:cNvPr>
+          <p:cNvSpPr txBox="1"/>
+          <p:nvPr/>
+        </p:nvSpPr>
+        <p:spPr>
+          <a:xfrm>
+            <a:off x="304800" y="114300"/>
+            <a:ext cx="10972800" cy="923330"/>
+          </a:xfrm>
+          <a:prstGeom prst="rect">
+            <a:avLst/>
+          </a:prstGeom>
+          <a:noFill/>
+        </p:spPr>
+        <p:txBody>
+          <a:bodyPr wrap="square" rtlCol="0">
+            <a:spAutoFit/>
+          </a:bodyPr>
+          <a:lstStyle/>
+          <a:p>
+            <a:r>
+              <a:rPr lang="en-US" altLang="ko-KR" sz="5400" spc="-300" dirty="0">
+                <a:solidFill>
+                  <a:srgbClr val="4C50BC"/>
+                </a:solidFill>
+                <a:latin typeface="G마켓 산스 Bold" panose="02000000000000000000" pitchFamily="50" charset="-127"/>
+                <a:ea typeface="G마켓 산스 Bold" panose="02000000000000000000" pitchFamily="50" charset="-127"/>
+              </a:rPr>
+              <a:t>1-6 </a:t>
+            </a:r>
+            <a:r>
+              <a:rPr lang="ko-KR" altLang="en-US" sz="5400" spc="-300" dirty="0">
+                <a:solidFill>
+                  <a:srgbClr val="4C50BC"/>
+                </a:solidFill>
+                <a:latin typeface="G마켓 산스 Bold" panose="02000000000000000000" pitchFamily="50" charset="-127"/>
+                <a:ea typeface="G마켓 산스 Bold" panose="02000000000000000000" pitchFamily="50" charset="-127"/>
+              </a:rPr>
+              <a:t>문제풀이</a:t>
+            </a:r>
+            <a:r>
+              <a:rPr lang="en-US" altLang="ko-KR" sz="5400" spc="-300" dirty="0">
+                <a:solidFill>
+                  <a:srgbClr val="4C50BC"/>
+                </a:solidFill>
+                <a:latin typeface="G마켓 산스 Bold" panose="02000000000000000000" pitchFamily="50" charset="-127"/>
+                <a:ea typeface="G마켓 산스 Bold" panose="02000000000000000000" pitchFamily="50" charset="-127"/>
+              </a:rPr>
+              <a:t> </a:t>
+            </a:r>
+            <a:r>
+              <a:rPr lang="en-US" altLang="ko-KR" sz="5400" spc="-300" dirty="0">
+                <a:solidFill>
+                  <a:srgbClr val="FF0000"/>
+                </a:solidFill>
+                <a:latin typeface="G마켓 산스 Bold" panose="02000000000000000000" pitchFamily="50" charset="-127"/>
+                <a:ea typeface="G마켓 산스 Bold" panose="02000000000000000000" pitchFamily="50" charset="-127"/>
+              </a:rPr>
+              <a:t>(expert)</a:t>
+            </a:r>
+          </a:p>
+        </p:txBody>
+      </p:sp>
+      <p:cxnSp>
+        <p:nvCxnSpPr>
+          <p:cNvPr id="3" name="직선 연결선 2">
+            <a:extLst>
+              <a:ext uri="{FF2B5EF4-FFF2-40B4-BE49-F238E27FC236}">
+                <a16:creationId xmlns:a16="http://schemas.microsoft.com/office/drawing/2014/main" id="{2CF5119E-B1E2-9AAF-D3BE-B130D365FDC9}"/>
+              </a:ext>
+            </a:extLst>
+          </p:cNvPr>
+          <p:cNvCxnSpPr>
+            <a:cxnSpLocks/>
+          </p:cNvCxnSpPr>
+          <p:nvPr/>
+        </p:nvCxnSpPr>
+        <p:spPr>
+          <a:xfrm flipH="1" flipV="1">
+            <a:off x="-13447" y="972511"/>
+            <a:ext cx="18288000" cy="65119"/>
+          </a:xfrm>
+          <a:prstGeom prst="line">
+            <a:avLst/>
+          </a:prstGeom>
+          <a:ln w="38100">
+            <a:solidFill>
+              <a:srgbClr val="4C50BC"/>
+            </a:solidFill>
+          </a:ln>
+        </p:spPr>
+        <p:style>
+          <a:lnRef idx="1">
+            <a:schemeClr val="accent1"/>
+          </a:lnRef>
+          <a:fillRef idx="0">
+            <a:schemeClr val="accent1"/>
+          </a:fillRef>
+          <a:effectRef idx="0">
+            <a:schemeClr val="accent1"/>
+          </a:effectRef>
+          <a:fontRef idx="minor">
+            <a:schemeClr val="tx1"/>
+          </a:fontRef>
+        </p:style>
+      </p:cxnSp>
     </p:spTree>
     <p:extLst>
       <p:ext uri="{BB962C8B-B14F-4D97-AF65-F5344CB8AC3E}">
@@ -24777,7 +26027,7 @@
         </p:blipFill>
         <p:spPr>
           <a:xfrm>
-            <a:off x="228600" y="800100"/>
+            <a:off x="228600" y="1866900"/>
             <a:ext cx="9633777" cy="7315200"/>
           </a:xfrm>
           <a:prstGeom prst="rect">
@@ -24799,7 +26049,7 @@
         </p:nvSpPr>
         <p:spPr>
           <a:xfrm>
-            <a:off x="1676400" y="3162300"/>
+            <a:off x="1676400" y="4229100"/>
             <a:ext cx="4267200" cy="914400"/>
           </a:xfrm>
           <a:prstGeom prst="rect">
@@ -24853,7 +26103,7 @@
         </p:blipFill>
         <p:spPr>
           <a:xfrm>
-            <a:off x="10134599" y="1028700"/>
+            <a:off x="10134599" y="2095500"/>
             <a:ext cx="8069057" cy="5486400"/>
           </a:xfrm>
           <a:prstGeom prst="rect">
@@ -24875,7 +26125,7 @@
         </p:nvSpPr>
         <p:spPr>
           <a:xfrm>
-            <a:off x="11582400" y="2247900"/>
+            <a:off x="11582400" y="3314700"/>
             <a:ext cx="4343400" cy="1143000"/>
           </a:xfrm>
           <a:prstGeom prst="rect">
@@ -24921,7 +26171,7 @@
         </p:nvSpPr>
         <p:spPr>
           <a:xfrm>
-            <a:off x="228600" y="419100"/>
+            <a:off x="228600" y="1485900"/>
             <a:ext cx="17975056" cy="8763000"/>
           </a:xfrm>
           <a:prstGeom prst="rect">
@@ -24956,6 +26206,120 @@
           </a:p>
         </p:txBody>
       </p:sp>
+      <p:sp>
+        <p:nvSpPr>
+          <p:cNvPr id="2" name="TextBox 1">
+            <a:extLst>
+              <a:ext uri="{FF2B5EF4-FFF2-40B4-BE49-F238E27FC236}">
+                <a16:creationId xmlns:a16="http://schemas.microsoft.com/office/drawing/2014/main" id="{AD4E13E8-54A3-3472-6FEA-7B5244B1476A}"/>
+              </a:ext>
+            </a:extLst>
+          </p:cNvPr>
+          <p:cNvSpPr txBox="1"/>
+          <p:nvPr/>
+        </p:nvSpPr>
+        <p:spPr>
+          <a:xfrm>
+            <a:off x="304800" y="114300"/>
+            <a:ext cx="10972800" cy="923330"/>
+          </a:xfrm>
+          <a:prstGeom prst="rect">
+            <a:avLst/>
+          </a:prstGeom>
+          <a:noFill/>
+        </p:spPr>
+        <p:txBody>
+          <a:bodyPr wrap="square" rtlCol="0">
+            <a:spAutoFit/>
+          </a:bodyPr>
+          <a:lstStyle/>
+          <a:p>
+            <a:r>
+              <a:rPr lang="en-US" altLang="ko-KR" sz="5400" spc="-300" dirty="0">
+                <a:solidFill>
+                  <a:srgbClr val="4C50BC"/>
+                </a:solidFill>
+                <a:latin typeface="G마켓 산스 Bold" panose="02000000000000000000" pitchFamily="50" charset="-127"/>
+                <a:ea typeface="G마켓 산스 Bold" panose="02000000000000000000" pitchFamily="50" charset="-127"/>
+              </a:rPr>
+              <a:t>1-6 </a:t>
+            </a:r>
+            <a:r>
+              <a:rPr lang="ko-KR" altLang="en-US" sz="5400" spc="-300" dirty="0">
+                <a:solidFill>
+                  <a:srgbClr val="4C50BC"/>
+                </a:solidFill>
+                <a:latin typeface="G마켓 산스 Bold" panose="02000000000000000000" pitchFamily="50" charset="-127"/>
+                <a:ea typeface="G마켓 산스 Bold" panose="02000000000000000000" pitchFamily="50" charset="-127"/>
+              </a:rPr>
+              <a:t>문제풀이</a:t>
+            </a:r>
+            <a:r>
+              <a:rPr lang="en-US" altLang="ko-KR" sz="5400" spc="-300" dirty="0">
+                <a:solidFill>
+                  <a:srgbClr val="4C50BC"/>
+                </a:solidFill>
+                <a:latin typeface="G마켓 산스 Bold" panose="02000000000000000000" pitchFamily="50" charset="-127"/>
+                <a:ea typeface="G마켓 산스 Bold" panose="02000000000000000000" pitchFamily="50" charset="-127"/>
+              </a:rPr>
+              <a:t> </a:t>
+            </a:r>
+            <a:r>
+              <a:rPr lang="en-US" altLang="ko-KR" sz="5400" spc="-300" dirty="0">
+                <a:solidFill>
+                  <a:srgbClr val="FF0000"/>
+                </a:solidFill>
+                <a:latin typeface="G마켓 산스 Bold" panose="02000000000000000000" pitchFamily="50" charset="-127"/>
+                <a:ea typeface="G마켓 산스 Bold" panose="02000000000000000000" pitchFamily="50" charset="-127"/>
+              </a:rPr>
+              <a:t>(expert)</a:t>
+            </a:r>
+          </a:p>
+        </p:txBody>
+      </p:sp>
+      <p:cxnSp>
+        <p:nvCxnSpPr>
+          <p:cNvPr id="4" name="직선 연결선 3">
+            <a:extLst>
+              <a:ext uri="{FF2B5EF4-FFF2-40B4-BE49-F238E27FC236}">
+                <a16:creationId xmlns:a16="http://schemas.microsoft.com/office/drawing/2014/main" id="{50A3FB89-D61C-8FA2-EBF5-F7AFE7260E85}"/>
+              </a:ext>
+            </a:extLst>
+          </p:cNvPr>
+          <p:cNvCxnSpPr>
+            <a:cxnSpLocks/>
+          </p:cNvCxnSpPr>
+          <p:nvPr/>
+        </p:nvCxnSpPr>
+        <p:spPr>
+          <a:xfrm flipH="1" flipV="1">
+            <a:off x="-13447" y="972511"/>
+            <a:ext cx="18288000" cy="65119"/>
+          </a:xfrm>
+          <a:prstGeom prst="line">
+            <a:avLst/>
+          </a:prstGeom>
+          <a:ln w="38100">
+            <a:solidFill>
+              <a:srgbClr val="4C50BC"/>
+            </a:solidFill>
+          </a:ln>
+        </p:spPr>
+        <p:style>
+          <a:lnRef idx="1">
+            <a:schemeClr val="accent1"/>
+          </a:lnRef>
+          <a:fillRef idx="0">
+            <a:schemeClr val="accent1"/>
+          </a:fillRef>
+          <a:effectRef idx="0">
+            <a:schemeClr val="accent1"/>
+          </a:effectRef>
+          <a:fontRef idx="minor">
+            <a:schemeClr val="tx1"/>
+          </a:fontRef>
+        </p:style>
+      </p:cxnSp>
     </p:spTree>
     <p:extLst>
       <p:ext uri="{BB962C8B-B14F-4D97-AF65-F5344CB8AC3E}">
@@ -25080,7 +26444,7 @@
         </p:blipFill>
         <p:spPr>
           <a:xfrm>
-            <a:off x="1371600" y="647700"/>
+            <a:off x="1371600" y="1714500"/>
             <a:ext cx="15010448" cy="7772400"/>
           </a:xfrm>
           <a:prstGeom prst="rect">
@@ -25096,7 +26460,7 @@
         </p:nvSpPr>
         <p:spPr>
           <a:xfrm>
-            <a:off x="228600" y="419100"/>
+            <a:off x="228600" y="1485900"/>
             <a:ext cx="17975056" cy="8763000"/>
           </a:xfrm>
           <a:prstGeom prst="rect">
@@ -25131,6 +26495,120 @@
           </a:p>
         </p:txBody>
       </p:sp>
+      <p:sp>
+        <p:nvSpPr>
+          <p:cNvPr id="2" name="TextBox 1">
+            <a:extLst>
+              <a:ext uri="{FF2B5EF4-FFF2-40B4-BE49-F238E27FC236}">
+                <a16:creationId xmlns:a16="http://schemas.microsoft.com/office/drawing/2014/main" id="{6F6C9939-E395-3467-9327-C3028DD7CA24}"/>
+              </a:ext>
+            </a:extLst>
+          </p:cNvPr>
+          <p:cNvSpPr txBox="1"/>
+          <p:nvPr/>
+        </p:nvSpPr>
+        <p:spPr>
+          <a:xfrm>
+            <a:off x="304800" y="114300"/>
+            <a:ext cx="10972800" cy="923330"/>
+          </a:xfrm>
+          <a:prstGeom prst="rect">
+            <a:avLst/>
+          </a:prstGeom>
+          <a:noFill/>
+        </p:spPr>
+        <p:txBody>
+          <a:bodyPr wrap="square" rtlCol="0">
+            <a:spAutoFit/>
+          </a:bodyPr>
+          <a:lstStyle/>
+          <a:p>
+            <a:r>
+              <a:rPr lang="en-US" altLang="ko-KR" sz="5400" spc="-300" dirty="0">
+                <a:solidFill>
+                  <a:srgbClr val="4C50BC"/>
+                </a:solidFill>
+                <a:latin typeface="G마켓 산스 Bold" panose="02000000000000000000" pitchFamily="50" charset="-127"/>
+                <a:ea typeface="G마켓 산스 Bold" panose="02000000000000000000" pitchFamily="50" charset="-127"/>
+              </a:rPr>
+              <a:t>1-6 </a:t>
+            </a:r>
+            <a:r>
+              <a:rPr lang="ko-KR" altLang="en-US" sz="5400" spc="-300" dirty="0">
+                <a:solidFill>
+                  <a:srgbClr val="4C50BC"/>
+                </a:solidFill>
+                <a:latin typeface="G마켓 산스 Bold" panose="02000000000000000000" pitchFamily="50" charset="-127"/>
+                <a:ea typeface="G마켓 산스 Bold" panose="02000000000000000000" pitchFamily="50" charset="-127"/>
+              </a:rPr>
+              <a:t>문제풀이</a:t>
+            </a:r>
+            <a:r>
+              <a:rPr lang="en-US" altLang="ko-KR" sz="5400" spc="-300" dirty="0">
+                <a:solidFill>
+                  <a:srgbClr val="4C50BC"/>
+                </a:solidFill>
+                <a:latin typeface="G마켓 산스 Bold" panose="02000000000000000000" pitchFamily="50" charset="-127"/>
+                <a:ea typeface="G마켓 산스 Bold" panose="02000000000000000000" pitchFamily="50" charset="-127"/>
+              </a:rPr>
+              <a:t> </a:t>
+            </a:r>
+            <a:r>
+              <a:rPr lang="en-US" altLang="ko-KR" sz="5400" spc="-300" dirty="0">
+                <a:solidFill>
+                  <a:srgbClr val="FF0000"/>
+                </a:solidFill>
+                <a:latin typeface="G마켓 산스 Bold" panose="02000000000000000000" pitchFamily="50" charset="-127"/>
+                <a:ea typeface="G마켓 산스 Bold" panose="02000000000000000000" pitchFamily="50" charset="-127"/>
+              </a:rPr>
+              <a:t>(expert)</a:t>
+            </a:r>
+          </a:p>
+        </p:txBody>
+      </p:sp>
+      <p:cxnSp>
+        <p:nvCxnSpPr>
+          <p:cNvPr id="5" name="직선 연결선 4">
+            <a:extLst>
+              <a:ext uri="{FF2B5EF4-FFF2-40B4-BE49-F238E27FC236}">
+                <a16:creationId xmlns:a16="http://schemas.microsoft.com/office/drawing/2014/main" id="{BA9FEA02-70E0-D394-213C-C6A4D1554C7F}"/>
+              </a:ext>
+            </a:extLst>
+          </p:cNvPr>
+          <p:cNvCxnSpPr>
+            <a:cxnSpLocks/>
+          </p:cNvCxnSpPr>
+          <p:nvPr/>
+        </p:nvCxnSpPr>
+        <p:spPr>
+          <a:xfrm flipH="1" flipV="1">
+            <a:off x="-13447" y="972511"/>
+            <a:ext cx="18288000" cy="65119"/>
+          </a:xfrm>
+          <a:prstGeom prst="line">
+            <a:avLst/>
+          </a:prstGeom>
+          <a:ln w="38100">
+            <a:solidFill>
+              <a:srgbClr val="4C50BC"/>
+            </a:solidFill>
+          </a:ln>
+        </p:spPr>
+        <p:style>
+          <a:lnRef idx="1">
+            <a:schemeClr val="accent1"/>
+          </a:lnRef>
+          <a:fillRef idx="0">
+            <a:schemeClr val="accent1"/>
+          </a:fillRef>
+          <a:effectRef idx="0">
+            <a:schemeClr val="accent1"/>
+          </a:effectRef>
+          <a:fontRef idx="minor">
+            <a:schemeClr val="tx1"/>
+          </a:fontRef>
+        </p:style>
+      </p:cxnSp>
     </p:spTree>
     <p:extLst>
       <p:ext uri="{BB962C8B-B14F-4D97-AF65-F5344CB8AC3E}">
@@ -25253,7 +26731,7 @@
         </p:nvSpPr>
         <p:spPr>
           <a:xfrm>
-            <a:off x="710752" y="38100"/>
+            <a:off x="710752" y="983040"/>
             <a:ext cx="17577248" cy="1569660"/>
           </a:xfrm>
           <a:prstGeom prst="rect">
@@ -25268,27 +26746,37 @@
           <a:lstStyle/>
           <a:p>
             <a:r>
-              <a:rPr lang="en-US" altLang="ko-KR" sz="4800">
+              <a:rPr lang="en-US" altLang="ko-KR" sz="4800" dirty="0" err="1">
                 <a:solidFill>
                   <a:srgbClr val="4C50BC"/>
                 </a:solidFill>
                 <a:latin typeface="G마켓 산스 Bold"/>
                 <a:ea typeface="G마켓 산스 Medium" panose="02000000000000000000" pitchFamily="50" charset="-127"/>
               </a:rPr>
-              <a:t>getMinAvg() </a:t>
-            </a:r>
-            <a:r>
-              <a:rPr lang="ko-KR" altLang="en-US" sz="4800">
+              <a:t>getMinAvg</a:t>
+            </a:r>
+            <a:r>
+              <a:rPr lang="en-US" altLang="ko-KR" sz="4800" dirty="0">
                 <a:solidFill>
                   <a:srgbClr val="4C50BC"/>
                 </a:solidFill>
                 <a:latin typeface="G마켓 산스 Bold"/>
                 <a:ea typeface="G마켓 산스 Medium" panose="02000000000000000000" pitchFamily="50" charset="-127"/>
               </a:rPr>
+              <a:t>() </a:t>
+            </a:r>
+            <a:r>
+              <a:rPr lang="ko-KR" altLang="en-US" sz="4800" dirty="0">
+                <a:solidFill>
+                  <a:srgbClr val="4C50BC"/>
+                </a:solidFill>
+                <a:latin typeface="G마켓 산스 Bold"/>
+                <a:ea typeface="G마켓 산스 Medium" panose="02000000000000000000" pitchFamily="50" charset="-127"/>
+              </a:rPr>
               <a:t>에서 리턴을 </a:t>
             </a:r>
             <a:r>
-              <a:rPr lang="en-US" altLang="ko-KR" sz="4800">
+              <a:rPr lang="en-US" altLang="ko-KR" sz="4800" dirty="0">
                 <a:solidFill>
                   <a:srgbClr val="4C50BC"/>
                 </a:solidFill>
@@ -25298,7 +26786,7 @@
               <a:t>Student </a:t>
             </a:r>
             <a:r>
-              <a:rPr lang="ko-KR" altLang="en-US" sz="4800">
+              <a:rPr lang="ko-KR" altLang="en-US" sz="4800" dirty="0">
                 <a:solidFill>
                   <a:srgbClr val="4C50BC"/>
                 </a:solidFill>
@@ -25307,7 +26795,7 @@
               </a:rPr>
               <a:t>객체 말고 </a:t>
             </a:r>
-            <a:endParaRPr lang="en-US" altLang="ko-KR" sz="4800">
+            <a:endParaRPr lang="en-US" altLang="ko-KR" sz="4800" dirty="0">
               <a:solidFill>
                 <a:srgbClr val="4C50BC"/>
               </a:solidFill>
@@ -25317,7 +26805,7 @@
           </a:p>
           <a:p>
             <a:r>
-              <a:rPr lang="en-US" altLang="ko-KR" sz="4800">
+              <a:rPr lang="en-US" altLang="ko-KR" sz="4800" dirty="0">
                 <a:solidFill>
                   <a:srgbClr val="4C50BC"/>
                 </a:solidFill>
@@ -25327,7 +26815,7 @@
               <a:t> index</a:t>
             </a:r>
             <a:r>
-              <a:rPr lang="ko-KR" altLang="en-US" sz="4800">
+              <a:rPr lang="ko-KR" altLang="en-US" sz="4800" dirty="0">
                 <a:solidFill>
                   <a:srgbClr val="4C50BC"/>
                 </a:solidFill>
@@ -25337,27 +26825,37 @@
               <a:t>를 반환하면 </a:t>
             </a:r>
             <a:r>
-              <a:rPr lang="en-US" altLang="ko-KR" sz="4800">
+              <a:rPr lang="en-US" altLang="ko-KR" sz="4800" dirty="0" err="1">
                 <a:solidFill>
                   <a:srgbClr val="4C50BC"/>
                 </a:solidFill>
                 <a:latin typeface="G마켓 산스 Bold"/>
                 <a:ea typeface="G마켓 산스 Medium" panose="02000000000000000000" pitchFamily="50" charset="-127"/>
               </a:rPr>
-              <a:t>getIndex </a:t>
-            </a:r>
-            <a:r>
-              <a:rPr lang="ko-KR" altLang="en-US" sz="4800">
+              <a:t>getIndex</a:t>
+            </a:r>
+            <a:r>
+              <a:rPr lang="en-US" altLang="ko-KR" sz="4800" dirty="0">
                 <a:solidFill>
                   <a:srgbClr val="4C50BC"/>
                 </a:solidFill>
                 <a:latin typeface="G마켓 산스 Bold"/>
                 <a:ea typeface="G마켓 산스 Medium" panose="02000000000000000000" pitchFamily="50" charset="-127"/>
               </a:rPr>
+              <a:t> </a:t>
+            </a:r>
+            <a:r>
+              <a:rPr lang="ko-KR" altLang="en-US" sz="4800" dirty="0">
+                <a:solidFill>
+                  <a:srgbClr val="4C50BC"/>
+                </a:solidFill>
+                <a:latin typeface="G마켓 산스 Bold"/>
+                <a:ea typeface="G마켓 산스 Medium" panose="02000000000000000000" pitchFamily="50" charset="-127"/>
+              </a:rPr>
               <a:t>메서드를 만들 필요 없지 않을까</a:t>
             </a:r>
             <a:r>
-              <a:rPr lang="en-US" altLang="ko-KR" sz="4800">
+              <a:rPr lang="en-US" altLang="ko-KR" sz="4800" dirty="0">
                 <a:solidFill>
                   <a:srgbClr val="4C50BC"/>
                 </a:solidFill>
@@ -25392,7 +26890,7 @@
         </p:blipFill>
         <p:spPr>
           <a:xfrm>
-            <a:off x="1066800" y="1905000"/>
+            <a:off x="1066800" y="2476500"/>
             <a:ext cx="15010448" cy="7772400"/>
           </a:xfrm>
           <a:prstGeom prst="rect">
@@ -25416,7 +26914,7 @@
         </p:nvCxnSpPr>
         <p:spPr>
           <a:xfrm flipV="1">
-            <a:off x="8991600" y="2552700"/>
+            <a:off x="8991600" y="3124200"/>
             <a:ext cx="1066800" cy="598304"/>
           </a:xfrm>
           <a:prstGeom prst="straightConnector1">
@@ -25455,7 +26953,7 @@
         </p:nvSpPr>
         <p:spPr>
           <a:xfrm>
-            <a:off x="7975600" y="3151003"/>
+            <a:off x="7975600" y="3722503"/>
             <a:ext cx="4673600" cy="457200"/>
           </a:xfrm>
           <a:prstGeom prst="rect">
@@ -25507,7 +27005,7 @@
         </p:nvSpPr>
         <p:spPr>
           <a:xfrm>
-            <a:off x="10047514" y="2047473"/>
+            <a:off x="10047514" y="2618973"/>
             <a:ext cx="7772400" cy="646331"/>
           </a:xfrm>
           <a:prstGeom prst="rect">
@@ -25555,7 +27053,7 @@
         </p:nvSpPr>
         <p:spPr>
           <a:xfrm>
-            <a:off x="7975600" y="4065402"/>
+            <a:off x="7975600" y="4636902"/>
             <a:ext cx="7772400" cy="646331"/>
           </a:xfrm>
           <a:prstGeom prst="rect">
@@ -25607,7 +27105,7 @@
         </p:nvSpPr>
         <p:spPr>
           <a:xfrm>
-            <a:off x="228600" y="114300"/>
+            <a:off x="152400" y="876300"/>
             <a:ext cx="17975056" cy="9258300"/>
           </a:xfrm>
           <a:prstGeom prst="rect">
@@ -25642,6 +27140,120 @@
           </a:p>
         </p:txBody>
       </p:sp>
+      <p:sp>
+        <p:nvSpPr>
+          <p:cNvPr id="2" name="TextBox 1">
+            <a:extLst>
+              <a:ext uri="{FF2B5EF4-FFF2-40B4-BE49-F238E27FC236}">
+                <a16:creationId xmlns:a16="http://schemas.microsoft.com/office/drawing/2014/main" id="{DB7A9A85-7813-AD94-4FBD-487573AAFD25}"/>
+              </a:ext>
+            </a:extLst>
+          </p:cNvPr>
+          <p:cNvSpPr txBox="1"/>
+          <p:nvPr/>
+        </p:nvSpPr>
+        <p:spPr>
+          <a:xfrm>
+            <a:off x="304800" y="114300"/>
+            <a:ext cx="10972800" cy="923330"/>
+          </a:xfrm>
+          <a:prstGeom prst="rect">
+            <a:avLst/>
+          </a:prstGeom>
+          <a:noFill/>
+        </p:spPr>
+        <p:txBody>
+          <a:bodyPr wrap="square" rtlCol="0">
+            <a:spAutoFit/>
+          </a:bodyPr>
+          <a:lstStyle/>
+          <a:p>
+            <a:r>
+              <a:rPr lang="en-US" altLang="ko-KR" sz="5400" spc="-300" dirty="0">
+                <a:solidFill>
+                  <a:srgbClr val="4C50BC"/>
+                </a:solidFill>
+                <a:latin typeface="G마켓 산스 Bold" panose="02000000000000000000" pitchFamily="50" charset="-127"/>
+                <a:ea typeface="G마켓 산스 Bold" panose="02000000000000000000" pitchFamily="50" charset="-127"/>
+              </a:rPr>
+              <a:t>1-6 </a:t>
+            </a:r>
+            <a:r>
+              <a:rPr lang="ko-KR" altLang="en-US" sz="5400" spc="-300" dirty="0">
+                <a:solidFill>
+                  <a:srgbClr val="4C50BC"/>
+                </a:solidFill>
+                <a:latin typeface="G마켓 산스 Bold" panose="02000000000000000000" pitchFamily="50" charset="-127"/>
+                <a:ea typeface="G마켓 산스 Bold" panose="02000000000000000000" pitchFamily="50" charset="-127"/>
+              </a:rPr>
+              <a:t>문제풀이</a:t>
+            </a:r>
+            <a:r>
+              <a:rPr lang="en-US" altLang="ko-KR" sz="5400" spc="-300" dirty="0">
+                <a:solidFill>
+                  <a:srgbClr val="4C50BC"/>
+                </a:solidFill>
+                <a:latin typeface="G마켓 산스 Bold" panose="02000000000000000000" pitchFamily="50" charset="-127"/>
+                <a:ea typeface="G마켓 산스 Bold" panose="02000000000000000000" pitchFamily="50" charset="-127"/>
+              </a:rPr>
+              <a:t> </a:t>
+            </a:r>
+            <a:r>
+              <a:rPr lang="en-US" altLang="ko-KR" sz="5400" spc="-300" dirty="0">
+                <a:solidFill>
+                  <a:srgbClr val="FF0000"/>
+                </a:solidFill>
+                <a:latin typeface="G마켓 산스 Bold" panose="02000000000000000000" pitchFamily="50" charset="-127"/>
+                <a:ea typeface="G마켓 산스 Bold" panose="02000000000000000000" pitchFamily="50" charset="-127"/>
+              </a:rPr>
+              <a:t>(expert)</a:t>
+            </a:r>
+          </a:p>
+        </p:txBody>
+      </p:sp>
+      <p:cxnSp>
+        <p:nvCxnSpPr>
+          <p:cNvPr id="3" name="직선 연결선 2">
+            <a:extLst>
+              <a:ext uri="{FF2B5EF4-FFF2-40B4-BE49-F238E27FC236}">
+                <a16:creationId xmlns:a16="http://schemas.microsoft.com/office/drawing/2014/main" id="{A14D4475-85A3-CE96-8208-1136A33A7660}"/>
+              </a:ext>
+            </a:extLst>
+          </p:cNvPr>
+          <p:cNvCxnSpPr>
+            <a:cxnSpLocks/>
+          </p:cNvCxnSpPr>
+          <p:nvPr/>
+        </p:nvCxnSpPr>
+        <p:spPr>
+          <a:xfrm flipH="1" flipV="1">
+            <a:off x="-13447" y="972511"/>
+            <a:ext cx="18288000" cy="65119"/>
+          </a:xfrm>
+          <a:prstGeom prst="line">
+            <a:avLst/>
+          </a:prstGeom>
+          <a:ln w="38100">
+            <a:solidFill>
+              <a:srgbClr val="4C50BC"/>
+            </a:solidFill>
+          </a:ln>
+        </p:spPr>
+        <p:style>
+          <a:lnRef idx="1">
+            <a:schemeClr val="accent1"/>
+          </a:lnRef>
+          <a:fillRef idx="0">
+            <a:schemeClr val="accent1"/>
+          </a:fillRef>
+          <a:effectRef idx="0">
+            <a:schemeClr val="accent1"/>
+          </a:effectRef>
+          <a:fontRef idx="minor">
+            <a:schemeClr val="tx1"/>
+          </a:fontRef>
+        </p:style>
+      </p:cxnSp>
     </p:spTree>
     <p:extLst>
       <p:ext uri="{BB962C8B-B14F-4D97-AF65-F5344CB8AC3E}">
@@ -27937,7 +29549,7 @@
           <a:lstStyle/>
           <a:p>
             <a:r>
-              <a:rPr lang="ko-KR" altLang="en-US" sz="4000">
+              <a:rPr lang="ko-KR" altLang="en-US" sz="4000" dirty="0">
                 <a:solidFill>
                   <a:srgbClr val="4C50BC"/>
                 </a:solidFill>
@@ -28054,10 +29666,10 @@
       </p:sp>
       <p:sp>
         <p:nvSpPr>
-          <p:cNvPr id="19" name="TextBox 18">
+          <p:cNvPr id="2" name="TextBox 1">
             <a:extLst>
               <a:ext uri="{FF2B5EF4-FFF2-40B4-BE49-F238E27FC236}">
-                <a16:creationId xmlns:a16="http://schemas.microsoft.com/office/drawing/2014/main" id="{5ADC00B6-990A-40DC-3CEA-505258F5E8DA}"/>
+                <a16:creationId xmlns:a16="http://schemas.microsoft.com/office/drawing/2014/main" id="{4EB3B870-5B0C-18CD-3C3C-7C76F5C31E12}"/>
               </a:ext>
             </a:extLst>
           </p:cNvPr>
@@ -28066,8 +29678,8 @@
         </p:nvSpPr>
         <p:spPr>
           <a:xfrm>
-            <a:off x="1143000" y="571500"/>
-            <a:ext cx="8839200" cy="830997"/>
+            <a:off x="304800" y="114300"/>
+            <a:ext cx="14325600" cy="923330"/>
           </a:xfrm>
           <a:prstGeom prst="rect">
             <a:avLst/>
@@ -28081,45 +29693,88 @@
           <a:lstStyle/>
           <a:p>
             <a:r>
-              <a:rPr lang="ko-KR" altLang="en-US" sz="4800">
+              <a:rPr lang="ko-KR" altLang="en-US" sz="5400" spc="-300" dirty="0">
                 <a:solidFill>
                   <a:srgbClr val="4C50BC"/>
                 </a:solidFill>
-                <a:latin typeface="G마켓 산스 Medium" panose="02000000000000000000" pitchFamily="50" charset="-127"/>
-                <a:ea typeface="G마켓 산스 Medium" panose="02000000000000000000" pitchFamily="50" charset="-127"/>
+                <a:latin typeface="G마켓 산스 Bold" panose="02000000000000000000" pitchFamily="50" charset="-127"/>
+                <a:ea typeface="G마켓 산스 Bold" panose="02000000000000000000" pitchFamily="50" charset="-127"/>
               </a:rPr>
               <a:t>멤버변수 초기화 방법 </a:t>
             </a:r>
             <a:r>
-              <a:rPr lang="en-US" altLang="ko-KR" sz="4800">
+              <a:rPr lang="en-US" altLang="ko-KR" sz="5400" spc="-300" dirty="0">
                 <a:solidFill>
                   <a:srgbClr val="4C50BC"/>
                 </a:solidFill>
-                <a:latin typeface="G마켓 산스 Medium" panose="02000000000000000000" pitchFamily="50" charset="-127"/>
-                <a:ea typeface="G마켓 산스 Medium" panose="02000000000000000000" pitchFamily="50" charset="-127"/>
+                <a:latin typeface="G마켓 산스 Bold" panose="02000000000000000000" pitchFamily="50" charset="-127"/>
+                <a:ea typeface="G마켓 산스 Bold" panose="02000000000000000000" pitchFamily="50" charset="-127"/>
               </a:rPr>
               <a:t>3</a:t>
             </a:r>
             <a:r>
-              <a:rPr lang="ko-KR" altLang="en-US" sz="4800">
+              <a:rPr lang="ko-KR" altLang="en-US" sz="5400" spc="-300" dirty="0">
                 <a:solidFill>
                   <a:srgbClr val="4C50BC"/>
                 </a:solidFill>
-                <a:latin typeface="G마켓 산스 Medium" panose="02000000000000000000" pitchFamily="50" charset="-127"/>
-                <a:ea typeface="G마켓 산스 Medium" panose="02000000000000000000" pitchFamily="50" charset="-127"/>
+                <a:latin typeface="G마켓 산스 Bold" panose="02000000000000000000" pitchFamily="50" charset="-127"/>
+                <a:ea typeface="G마켓 산스 Bold" panose="02000000000000000000" pitchFamily="50" charset="-127"/>
               </a:rPr>
               <a:t>가지</a:t>
             </a:r>
-            <a:endParaRPr lang="en-US" altLang="ko-KR" sz="4800" dirty="0">
+            <a:endParaRPr lang="en-US" altLang="ko-KR" sz="5400" spc="-300" dirty="0">
               <a:solidFill>
                 <a:srgbClr val="4C50BC"/>
               </a:solidFill>
-              <a:latin typeface="G마켓 산스 Medium" panose="02000000000000000000" pitchFamily="50" charset="-127"/>
-              <a:ea typeface="G마켓 산스 Medium" panose="02000000000000000000" pitchFamily="50" charset="-127"/>
+              <a:latin typeface="G마켓 산스 Bold" panose="02000000000000000000" pitchFamily="50" charset="-127"/>
+              <a:ea typeface="G마켓 산스 Bold" panose="02000000000000000000" pitchFamily="50" charset="-127"/>
             </a:endParaRPr>
           </a:p>
         </p:txBody>
       </p:sp>
+      <p:cxnSp>
+        <p:nvCxnSpPr>
+          <p:cNvPr id="3" name="직선 연결선 2">
+            <a:extLst>
+              <a:ext uri="{FF2B5EF4-FFF2-40B4-BE49-F238E27FC236}">
+                <a16:creationId xmlns:a16="http://schemas.microsoft.com/office/drawing/2014/main" id="{AB925443-A542-649C-2910-6342762AE38B}"/>
+              </a:ext>
+            </a:extLst>
+          </p:cNvPr>
+          <p:cNvCxnSpPr>
+            <a:cxnSpLocks/>
+          </p:cNvCxnSpPr>
+          <p:nvPr/>
+        </p:nvCxnSpPr>
+        <p:spPr>
+          <a:xfrm flipH="1" flipV="1">
+            <a:off x="-13447" y="972511"/>
+            <a:ext cx="18288000" cy="65119"/>
+          </a:xfrm>
+          <a:prstGeom prst="line">
+            <a:avLst/>
+          </a:prstGeom>
+          <a:ln w="38100">
+            <a:solidFill>
+              <a:srgbClr val="4C50BC"/>
+            </a:solidFill>
+          </a:ln>
+        </p:spPr>
+        <p:style>
+          <a:lnRef idx="1">
+            <a:schemeClr val="accent1"/>
+          </a:lnRef>
+          <a:fillRef idx="0">
+            <a:schemeClr val="accent1"/>
+          </a:fillRef>
+          <a:effectRef idx="0">
+            <a:schemeClr val="accent1"/>
+          </a:effectRef>
+          <a:fontRef idx="minor">
+            <a:schemeClr val="tx1"/>
+          </a:fontRef>
+        </p:style>
+      </p:cxnSp>
     </p:spTree>
     <p:extLst>
       <p:ext uri="{BB962C8B-B14F-4D97-AF65-F5344CB8AC3E}">
@@ -28150,54 +29805,6 @@
           <a:chExt cx="0" cy="0"/>
         </a:xfrm>
       </p:grpSpPr>
-      <p:sp>
-        <p:nvSpPr>
-          <p:cNvPr id="4" name="TextBox 3">
-            <a:extLst>
-              <a:ext uri="{FF2B5EF4-FFF2-40B4-BE49-F238E27FC236}">
-                <a16:creationId xmlns:a16="http://schemas.microsoft.com/office/drawing/2014/main" id="{5ADC00B6-990A-40DC-3CEA-505258F5E8DA}"/>
-              </a:ext>
-            </a:extLst>
-          </p:cNvPr>
-          <p:cNvSpPr txBox="1"/>
-          <p:nvPr/>
-        </p:nvSpPr>
-        <p:spPr>
-          <a:xfrm>
-            <a:off x="1143000" y="571500"/>
-            <a:ext cx="4114800" cy="830997"/>
-          </a:xfrm>
-          <a:prstGeom prst="rect">
-            <a:avLst/>
-          </a:prstGeom>
-          <a:noFill/>
-        </p:spPr>
-        <p:txBody>
-          <a:bodyPr wrap="square" rtlCol="0">
-            <a:spAutoFit/>
-          </a:bodyPr>
-          <a:lstStyle/>
-          <a:p>
-            <a:r>
-              <a:rPr lang="ko-KR" altLang="en-US" sz="4800">
-                <a:solidFill>
-                  <a:srgbClr val="4C50BC"/>
-                </a:solidFill>
-                <a:latin typeface="G마켓 산스 Medium" panose="02000000000000000000" pitchFamily="50" charset="-127"/>
-                <a:ea typeface="G마켓 산스 Medium" panose="02000000000000000000" pitchFamily="50" charset="-127"/>
-              </a:rPr>
-              <a:t>명시적 초기화</a:t>
-            </a:r>
-            <a:endParaRPr lang="en-US" altLang="ko-KR" sz="4800" dirty="0">
-              <a:solidFill>
-                <a:srgbClr val="4C50BC"/>
-              </a:solidFill>
-              <a:latin typeface="G마켓 산스 Medium" panose="02000000000000000000" pitchFamily="50" charset="-127"/>
-              <a:ea typeface="G마켓 산스 Medium" panose="02000000000000000000" pitchFamily="50" charset="-127"/>
-            </a:endParaRPr>
-          </a:p>
-        </p:txBody>
-      </p:sp>
       <p:pic>
         <p:nvPicPr>
           <p:cNvPr id="5" name="그림 4"/>
@@ -28214,7 +29821,7 @@
         </p:blipFill>
         <p:spPr>
           <a:xfrm>
-            <a:off x="1371600" y="1714500"/>
+            <a:off x="1371600" y="2247900"/>
             <a:ext cx="5305778" cy="3352800"/>
           </a:xfrm>
           <a:prstGeom prst="rect">
@@ -28236,7 +29843,7 @@
         </p:nvSpPr>
         <p:spPr>
           <a:xfrm>
-            <a:off x="1371600" y="7505700"/>
+            <a:off x="1371600" y="8039100"/>
             <a:ext cx="12573000" cy="830997"/>
           </a:xfrm>
           <a:prstGeom prst="rect">
@@ -28280,6 +29887,97 @@
           </a:p>
         </p:txBody>
       </p:sp>
+      <p:sp>
+        <p:nvSpPr>
+          <p:cNvPr id="2" name="TextBox 1">
+            <a:extLst>
+              <a:ext uri="{FF2B5EF4-FFF2-40B4-BE49-F238E27FC236}">
+                <a16:creationId xmlns:a16="http://schemas.microsoft.com/office/drawing/2014/main" id="{547FC959-D170-C847-B526-81D1F44F543D}"/>
+              </a:ext>
+            </a:extLst>
+          </p:cNvPr>
+          <p:cNvSpPr txBox="1"/>
+          <p:nvPr/>
+        </p:nvSpPr>
+        <p:spPr>
+          <a:xfrm>
+            <a:off x="304800" y="114300"/>
+            <a:ext cx="14325600" cy="923330"/>
+          </a:xfrm>
+          <a:prstGeom prst="rect">
+            <a:avLst/>
+          </a:prstGeom>
+          <a:noFill/>
+        </p:spPr>
+        <p:txBody>
+          <a:bodyPr wrap="square" rtlCol="0">
+            <a:spAutoFit/>
+          </a:bodyPr>
+          <a:lstStyle/>
+          <a:p>
+            <a:r>
+              <a:rPr lang="ko-KR" altLang="en-US" sz="5400" spc="-300" dirty="0">
+                <a:solidFill>
+                  <a:srgbClr val="4C50BC"/>
+                </a:solidFill>
+                <a:latin typeface="G마켓 산스 Bold" panose="02000000000000000000" pitchFamily="50" charset="-127"/>
+                <a:ea typeface="G마켓 산스 Bold" panose="02000000000000000000" pitchFamily="50" charset="-127"/>
+              </a:rPr>
+              <a:t>명시적 초기화</a:t>
+            </a:r>
+            <a:endParaRPr lang="en-US" altLang="ko-KR" sz="5400" spc="-300" dirty="0">
+              <a:solidFill>
+                <a:srgbClr val="4C50BC"/>
+              </a:solidFill>
+              <a:latin typeface="G마켓 산스 Bold" panose="02000000000000000000" pitchFamily="50" charset="-127"/>
+              <a:ea typeface="G마켓 산스 Bold" panose="02000000000000000000" pitchFamily="50" charset="-127"/>
+            </a:endParaRPr>
+          </a:p>
+        </p:txBody>
+      </p:sp>
+      <p:cxnSp>
+        <p:nvCxnSpPr>
+          <p:cNvPr id="3" name="직선 연결선 2">
+            <a:extLst>
+              <a:ext uri="{FF2B5EF4-FFF2-40B4-BE49-F238E27FC236}">
+                <a16:creationId xmlns:a16="http://schemas.microsoft.com/office/drawing/2014/main" id="{07C5659C-F03B-4B22-5E83-F08C852313D0}"/>
+              </a:ext>
+            </a:extLst>
+          </p:cNvPr>
+          <p:cNvCxnSpPr>
+            <a:cxnSpLocks/>
+          </p:cNvCxnSpPr>
+          <p:nvPr/>
+        </p:nvCxnSpPr>
+        <p:spPr>
+          <a:xfrm flipH="1" flipV="1">
+            <a:off x="-13447" y="972511"/>
+            <a:ext cx="18288000" cy="65119"/>
+          </a:xfrm>
+          <a:prstGeom prst="line">
+            <a:avLst/>
+          </a:prstGeom>
+          <a:ln w="38100">
+            <a:solidFill>
+              <a:srgbClr val="4C50BC"/>
+            </a:solidFill>
+          </a:ln>
+        </p:spPr>
+        <p:style>
+          <a:lnRef idx="1">
+            <a:schemeClr val="accent1"/>
+          </a:lnRef>
+          <a:fillRef idx="0">
+            <a:schemeClr val="accent1"/>
+          </a:fillRef>
+          <a:effectRef idx="0">
+            <a:schemeClr val="accent1"/>
+          </a:effectRef>
+          <a:fontRef idx="minor">
+            <a:schemeClr val="tx1"/>
+          </a:fontRef>
+        </p:style>
+      </p:cxnSp>
     </p:spTree>
     <p:extLst>
       <p:ext uri="{BB962C8B-B14F-4D97-AF65-F5344CB8AC3E}">
@@ -28404,7 +30102,7 @@
         </p:blipFill>
         <p:spPr>
           <a:xfrm>
-            <a:off x="10075996" y="1415979"/>
+            <a:off x="10075996" y="1794152"/>
             <a:ext cx="7485414" cy="8454748"/>
           </a:xfrm>
           <a:prstGeom prst="rect">
@@ -28412,54 +30110,6 @@
           </a:prstGeom>
         </p:spPr>
       </p:pic>
-      <p:sp>
-        <p:nvSpPr>
-          <p:cNvPr id="4" name="TextBox 3">
-            <a:extLst>
-              <a:ext uri="{FF2B5EF4-FFF2-40B4-BE49-F238E27FC236}">
-                <a16:creationId xmlns:a16="http://schemas.microsoft.com/office/drawing/2014/main" id="{5ADC00B6-990A-40DC-3CEA-505258F5E8DA}"/>
-              </a:ext>
-            </a:extLst>
-          </p:cNvPr>
-          <p:cNvSpPr txBox="1"/>
-          <p:nvPr/>
-        </p:nvSpPr>
-        <p:spPr>
-          <a:xfrm>
-            <a:off x="1143000" y="571500"/>
-            <a:ext cx="4114800" cy="830997"/>
-          </a:xfrm>
-          <a:prstGeom prst="rect">
-            <a:avLst/>
-          </a:prstGeom>
-          <a:noFill/>
-        </p:spPr>
-        <p:txBody>
-          <a:bodyPr wrap="square" rtlCol="0">
-            <a:spAutoFit/>
-          </a:bodyPr>
-          <a:lstStyle/>
-          <a:p>
-            <a:r>
-              <a:rPr lang="ko-KR" altLang="en-US" sz="4800">
-                <a:solidFill>
-                  <a:srgbClr val="4C50BC"/>
-                </a:solidFill>
-                <a:latin typeface="G마켓 산스 Medium" panose="02000000000000000000" pitchFamily="50" charset="-127"/>
-                <a:ea typeface="G마켓 산스 Medium" panose="02000000000000000000" pitchFamily="50" charset="-127"/>
-              </a:rPr>
-              <a:t>초기화 블럭</a:t>
-            </a:r>
-            <a:endParaRPr lang="en-US" altLang="ko-KR" sz="4800" dirty="0">
-              <a:solidFill>
-                <a:srgbClr val="4C50BC"/>
-              </a:solidFill>
-              <a:latin typeface="G마켓 산스 Medium" panose="02000000000000000000" pitchFamily="50" charset="-127"/>
-              <a:ea typeface="G마켓 산스 Medium" panose="02000000000000000000" pitchFamily="50" charset="-127"/>
-            </a:endParaRPr>
-          </a:p>
-        </p:txBody>
-      </p:sp>
       <p:pic>
         <p:nvPicPr>
           <p:cNvPr id="7" name="그림 6"/>
@@ -28476,7 +30126,7 @@
         </p:blipFill>
         <p:spPr>
           <a:xfrm>
-            <a:off x="1143000" y="1485900"/>
+            <a:off x="1143000" y="1864073"/>
             <a:ext cx="6858000" cy="8384827"/>
           </a:xfrm>
           <a:prstGeom prst="rect">
@@ -28498,7 +30148,7 @@
         </p:nvSpPr>
         <p:spPr>
           <a:xfrm>
-            <a:off x="2286000" y="4229100"/>
+            <a:off x="2286000" y="4607273"/>
             <a:ext cx="1447800" cy="457200"/>
           </a:xfrm>
           <a:prstGeom prst="rect">
@@ -28550,7 +30200,7 @@
         </p:nvSpPr>
         <p:spPr>
           <a:xfrm>
-            <a:off x="2286000" y="5905500"/>
+            <a:off x="2286000" y="6283673"/>
             <a:ext cx="1447800" cy="457200"/>
           </a:xfrm>
           <a:prstGeom prst="rect">
@@ -28602,7 +30252,7 @@
         </p:nvSpPr>
         <p:spPr>
           <a:xfrm>
-            <a:off x="2286000" y="7581900"/>
+            <a:off x="2286000" y="7960073"/>
             <a:ext cx="1447800" cy="457200"/>
           </a:xfrm>
           <a:prstGeom prst="rect">
@@ -28654,7 +30304,7 @@
         </p:nvGrpSpPr>
         <p:grpSpPr>
           <a:xfrm>
-            <a:off x="8534400" y="5091305"/>
+            <a:off x="8534400" y="5469478"/>
             <a:ext cx="1295398" cy="1271395"/>
             <a:chOff x="9011713" y="5350533"/>
             <a:chExt cx="720995" cy="587007"/>
@@ -28828,7 +30478,7 @@
         </p:nvSpPr>
         <p:spPr>
           <a:xfrm>
-            <a:off x="10820400" y="3771900"/>
+            <a:off x="10820400" y="4150073"/>
             <a:ext cx="6781800" cy="2251417"/>
           </a:xfrm>
           <a:prstGeom prst="rect">
@@ -28866,6 +30516,107 @@
           </a:p>
         </p:txBody>
       </p:sp>
+      <p:sp>
+        <p:nvSpPr>
+          <p:cNvPr id="2" name="TextBox 1">
+            <a:extLst>
+              <a:ext uri="{FF2B5EF4-FFF2-40B4-BE49-F238E27FC236}">
+                <a16:creationId xmlns:a16="http://schemas.microsoft.com/office/drawing/2014/main" id="{7C63C9DF-8286-F674-42BD-9F42A4B73E63}"/>
+              </a:ext>
+            </a:extLst>
+          </p:cNvPr>
+          <p:cNvSpPr txBox="1"/>
+          <p:nvPr/>
+        </p:nvSpPr>
+        <p:spPr>
+          <a:xfrm>
+            <a:off x="304800" y="114300"/>
+            <a:ext cx="14325600" cy="923330"/>
+          </a:xfrm>
+          <a:prstGeom prst="rect">
+            <a:avLst/>
+          </a:prstGeom>
+          <a:noFill/>
+        </p:spPr>
+        <p:txBody>
+          <a:bodyPr wrap="square" rtlCol="0">
+            <a:spAutoFit/>
+          </a:bodyPr>
+          <a:lstStyle/>
+          <a:p>
+            <a:r>
+              <a:rPr lang="ko-KR" altLang="en-US" sz="5400" spc="-300" dirty="0">
+                <a:solidFill>
+                  <a:srgbClr val="4C50BC"/>
+                </a:solidFill>
+                <a:latin typeface="G마켓 산스 Bold" panose="02000000000000000000" pitchFamily="50" charset="-127"/>
+                <a:ea typeface="G마켓 산스 Bold" panose="02000000000000000000" pitchFamily="50" charset="-127"/>
+              </a:rPr>
+              <a:t>초기화 </a:t>
+            </a:r>
+            <a:r>
+              <a:rPr lang="ko-KR" altLang="en-US" sz="5400" spc="-300" dirty="0" err="1">
+                <a:solidFill>
+                  <a:srgbClr val="4C50BC"/>
+                </a:solidFill>
+                <a:latin typeface="G마켓 산스 Bold" panose="02000000000000000000" pitchFamily="50" charset="-127"/>
+                <a:ea typeface="G마켓 산스 Bold" panose="02000000000000000000" pitchFamily="50" charset="-127"/>
+              </a:rPr>
+              <a:t>블럭</a:t>
+            </a:r>
+            <a:endParaRPr lang="en-US" altLang="ko-KR" sz="5400" spc="-300" dirty="0">
+              <a:solidFill>
+                <a:srgbClr val="4C50BC"/>
+              </a:solidFill>
+              <a:latin typeface="G마켓 산스 Bold" panose="02000000000000000000" pitchFamily="50" charset="-127"/>
+              <a:ea typeface="G마켓 산스 Bold" panose="02000000000000000000" pitchFamily="50" charset="-127"/>
+            </a:endParaRPr>
+          </a:p>
+        </p:txBody>
+      </p:sp>
+      <p:cxnSp>
+        <p:nvCxnSpPr>
+          <p:cNvPr id="3" name="직선 연결선 2">
+            <a:extLst>
+              <a:ext uri="{FF2B5EF4-FFF2-40B4-BE49-F238E27FC236}">
+                <a16:creationId xmlns:a16="http://schemas.microsoft.com/office/drawing/2014/main" id="{B1C5EB18-CDB3-1C6A-7F41-0BFB50C838FB}"/>
+              </a:ext>
+            </a:extLst>
+          </p:cNvPr>
+          <p:cNvCxnSpPr>
+            <a:cxnSpLocks/>
+          </p:cNvCxnSpPr>
+          <p:nvPr/>
+        </p:nvCxnSpPr>
+        <p:spPr>
+          <a:xfrm flipH="1" flipV="1">
+            <a:off x="-13447" y="972511"/>
+            <a:ext cx="18288000" cy="65119"/>
+          </a:xfrm>
+          <a:prstGeom prst="line">
+            <a:avLst/>
+          </a:prstGeom>
+          <a:ln w="38100">
+            <a:solidFill>
+              <a:srgbClr val="4C50BC"/>
+            </a:solidFill>
+          </a:ln>
+        </p:spPr>
+        <p:style>
+          <a:lnRef idx="1">
+            <a:schemeClr val="accent1"/>
+          </a:lnRef>
+          <a:fillRef idx="0">
+            <a:schemeClr val="accent1"/>
+          </a:fillRef>
+          <a:effectRef idx="0">
+            <a:schemeClr val="accent1"/>
+          </a:effectRef>
+          <a:fontRef idx="minor">
+            <a:schemeClr val="tx1"/>
+          </a:fontRef>
+        </p:style>
+      </p:cxnSp>
     </p:spTree>
     <p:extLst>
       <p:ext uri="{BB962C8B-B14F-4D97-AF65-F5344CB8AC3E}">
@@ -29112,54 +30863,6 @@
           <a:chExt cx="0" cy="0"/>
         </a:xfrm>
       </p:grpSpPr>
-      <p:sp>
-        <p:nvSpPr>
-          <p:cNvPr id="4" name="TextBox 3">
-            <a:extLst>
-              <a:ext uri="{FF2B5EF4-FFF2-40B4-BE49-F238E27FC236}">
-                <a16:creationId xmlns:a16="http://schemas.microsoft.com/office/drawing/2014/main" id="{DF7DDD33-9412-2802-339A-E55446AC2DA7}"/>
-              </a:ext>
-            </a:extLst>
-          </p:cNvPr>
-          <p:cNvSpPr txBox="1"/>
-          <p:nvPr/>
-        </p:nvSpPr>
-        <p:spPr>
-          <a:xfrm>
-            <a:off x="1219200" y="419100"/>
-            <a:ext cx="5713424" cy="923330"/>
-          </a:xfrm>
-          <a:prstGeom prst="rect">
-            <a:avLst/>
-          </a:prstGeom>
-          <a:noFill/>
-        </p:spPr>
-        <p:txBody>
-          <a:bodyPr wrap="none" rtlCol="0">
-            <a:spAutoFit/>
-          </a:bodyPr>
-          <a:lstStyle/>
-          <a:p>
-            <a:r>
-              <a:rPr lang="ko-KR" altLang="en-US" sz="5400">
-                <a:solidFill>
-                  <a:srgbClr val="4C50BC"/>
-                </a:solidFill>
-                <a:latin typeface="G마켓 산스 Bold"/>
-                <a:ea typeface="G마켓 산스 Medium" panose="02000000000000000000" pitchFamily="50" charset="-127"/>
-              </a:rPr>
-              <a:t>생성자의 사용방법</a:t>
-            </a:r>
-            <a:endParaRPr lang="ko-KR" altLang="en-US" sz="5400" dirty="0">
-              <a:solidFill>
-                <a:srgbClr val="4C50BC"/>
-              </a:solidFill>
-              <a:latin typeface="G마켓 산스 Bold"/>
-              <a:ea typeface="G마켓 산스 Medium" panose="02000000000000000000" pitchFamily="50" charset="-127"/>
-            </a:endParaRPr>
-          </a:p>
-        </p:txBody>
-      </p:sp>
       <p:pic>
         <p:nvPicPr>
           <p:cNvPr id="5" name="그림 4"/>
@@ -29176,7 +30879,7 @@
         </p:blipFill>
         <p:spPr>
           <a:xfrm>
-            <a:off x="1066800" y="5524500"/>
+            <a:off x="1066800" y="5586710"/>
             <a:ext cx="13651871" cy="2667000"/>
           </a:xfrm>
           <a:prstGeom prst="rect">
@@ -29200,7 +30903,7 @@
         </p:blipFill>
         <p:spPr>
           <a:xfrm>
-            <a:off x="1066800" y="1576090"/>
+            <a:off x="1066800" y="1638300"/>
             <a:ext cx="7935510" cy="2881610"/>
           </a:xfrm>
           <a:prstGeom prst="rect">
@@ -29222,7 +30925,7 @@
         </p:nvSpPr>
         <p:spPr>
           <a:xfrm>
-            <a:off x="5410200" y="1723430"/>
+            <a:off x="5410200" y="1785640"/>
             <a:ext cx="3429000" cy="524470"/>
           </a:xfrm>
           <a:prstGeom prst="rect">
@@ -29274,7 +30977,7 @@
         </p:nvGrpSpPr>
         <p:grpSpPr>
           <a:xfrm rot="5400000">
-            <a:off x="5724206" y="4712251"/>
+            <a:off x="5724206" y="4774461"/>
             <a:ext cx="720996" cy="587007"/>
             <a:chOff x="9011713" y="5350533"/>
             <a:chExt cx="720996" cy="587007"/>
@@ -29448,7 +31151,7 @@
         </p:nvSpPr>
         <p:spPr>
           <a:xfrm>
-            <a:off x="2590801" y="8775789"/>
+            <a:off x="2590801" y="8837999"/>
             <a:ext cx="6400800" cy="923330"/>
           </a:xfrm>
           <a:prstGeom prst="rect">
@@ -29492,6 +31195,97 @@
           </a:p>
         </p:txBody>
       </p:sp>
+      <p:sp>
+        <p:nvSpPr>
+          <p:cNvPr id="2" name="TextBox 1">
+            <a:extLst>
+              <a:ext uri="{FF2B5EF4-FFF2-40B4-BE49-F238E27FC236}">
+                <a16:creationId xmlns:a16="http://schemas.microsoft.com/office/drawing/2014/main" id="{5FFBEE30-A827-5F54-140F-7C50FAC84E6C}"/>
+              </a:ext>
+            </a:extLst>
+          </p:cNvPr>
+          <p:cNvSpPr txBox="1"/>
+          <p:nvPr/>
+        </p:nvSpPr>
+        <p:spPr>
+          <a:xfrm>
+            <a:off x="304800" y="114300"/>
+            <a:ext cx="14325600" cy="923330"/>
+          </a:xfrm>
+          <a:prstGeom prst="rect">
+            <a:avLst/>
+          </a:prstGeom>
+          <a:noFill/>
+        </p:spPr>
+        <p:txBody>
+          <a:bodyPr wrap="square" rtlCol="0">
+            <a:spAutoFit/>
+          </a:bodyPr>
+          <a:lstStyle/>
+          <a:p>
+            <a:r>
+              <a:rPr lang="ko-KR" altLang="en-US" sz="5400" spc="-300" dirty="0">
+                <a:solidFill>
+                  <a:srgbClr val="4C50BC"/>
+                </a:solidFill>
+                <a:latin typeface="G마켓 산스 Bold" panose="02000000000000000000" pitchFamily="50" charset="-127"/>
+                <a:ea typeface="G마켓 산스 Bold" panose="02000000000000000000" pitchFamily="50" charset="-127"/>
+              </a:rPr>
+              <a:t>생성자의 사용방법</a:t>
+            </a:r>
+            <a:endParaRPr lang="en-US" altLang="ko-KR" sz="5400" spc="-300" dirty="0">
+              <a:solidFill>
+                <a:srgbClr val="4C50BC"/>
+              </a:solidFill>
+              <a:latin typeface="G마켓 산스 Bold" panose="02000000000000000000" pitchFamily="50" charset="-127"/>
+              <a:ea typeface="G마켓 산스 Bold" panose="02000000000000000000" pitchFamily="50" charset="-127"/>
+            </a:endParaRPr>
+          </a:p>
+        </p:txBody>
+      </p:sp>
+      <p:cxnSp>
+        <p:nvCxnSpPr>
+          <p:cNvPr id="3" name="직선 연결선 2">
+            <a:extLst>
+              <a:ext uri="{FF2B5EF4-FFF2-40B4-BE49-F238E27FC236}">
+                <a16:creationId xmlns:a16="http://schemas.microsoft.com/office/drawing/2014/main" id="{AB67A90B-CAC8-F4B9-D425-DB6C31EF70AF}"/>
+              </a:ext>
+            </a:extLst>
+          </p:cNvPr>
+          <p:cNvCxnSpPr>
+            <a:cxnSpLocks/>
+          </p:cNvCxnSpPr>
+          <p:nvPr/>
+        </p:nvCxnSpPr>
+        <p:spPr>
+          <a:xfrm flipH="1" flipV="1">
+            <a:off x="-13447" y="972511"/>
+            <a:ext cx="18288000" cy="65119"/>
+          </a:xfrm>
+          <a:prstGeom prst="line">
+            <a:avLst/>
+          </a:prstGeom>
+          <a:ln w="38100">
+            <a:solidFill>
+              <a:srgbClr val="4C50BC"/>
+            </a:solidFill>
+          </a:ln>
+        </p:spPr>
+        <p:style>
+          <a:lnRef idx="1">
+            <a:schemeClr val="accent1"/>
+          </a:lnRef>
+          <a:fillRef idx="0">
+            <a:schemeClr val="accent1"/>
+          </a:fillRef>
+          <a:effectRef idx="0">
+            <a:schemeClr val="accent1"/>
+          </a:effectRef>
+          <a:fontRef idx="minor">
+            <a:schemeClr val="tx1"/>
+          </a:fontRef>
+        </p:style>
+      </p:cxnSp>
     </p:spTree>
     <p:extLst>
       <p:ext uri="{BB962C8B-B14F-4D97-AF65-F5344CB8AC3E}">
@@ -29674,102 +31468,6 @@
       </p:grpSpPr>
       <p:sp>
         <p:nvSpPr>
-          <p:cNvPr id="4" name="TextBox 3">
-            <a:extLst>
-              <a:ext uri="{FF2B5EF4-FFF2-40B4-BE49-F238E27FC236}">
-                <a16:creationId xmlns:a16="http://schemas.microsoft.com/office/drawing/2014/main" id="{5ADC00B6-990A-40DC-3CEA-505258F5E8DA}"/>
-              </a:ext>
-            </a:extLst>
-          </p:cNvPr>
-          <p:cNvSpPr txBox="1"/>
-          <p:nvPr/>
-        </p:nvSpPr>
-        <p:spPr>
-          <a:xfrm>
-            <a:off x="1828800" y="1839998"/>
-            <a:ext cx="13335000" cy="1569660"/>
-          </a:xfrm>
-          <a:prstGeom prst="rect">
-            <a:avLst/>
-          </a:prstGeom>
-          <a:noFill/>
-        </p:spPr>
-        <p:txBody>
-          <a:bodyPr wrap="square" rtlCol="0">
-            <a:spAutoFit/>
-          </a:bodyPr>
-          <a:lstStyle/>
-          <a:p>
-            <a:r>
-              <a:rPr lang="ko-KR" altLang="en-US" sz="4800">
-                <a:solidFill>
-                  <a:schemeClr val="tx1">
-                    <a:lumMod val="50000"/>
-                    <a:lumOff val="50000"/>
-                  </a:schemeClr>
-                </a:solidFill>
-                <a:latin typeface="G마켓 산스 Medium" panose="02000000000000000000" pitchFamily="50" charset="-127"/>
-                <a:ea typeface="G마켓 산스 Medium" panose="02000000000000000000" pitchFamily="50" charset="-127"/>
-              </a:rPr>
-              <a:t>클래스가 메모리에 처음 로딩될때 한번만 실행</a:t>
-            </a:r>
-            <a:endParaRPr lang="en-US" altLang="ko-KR" sz="4800">
-              <a:solidFill>
-                <a:schemeClr val="tx1">
-                  <a:lumMod val="50000"/>
-                  <a:lumOff val="50000"/>
-                </a:schemeClr>
-              </a:solidFill>
-              <a:latin typeface="G마켓 산스 Medium" panose="02000000000000000000" pitchFamily="50" charset="-127"/>
-              <a:ea typeface="G마켓 산스 Medium" panose="02000000000000000000" pitchFamily="50" charset="-127"/>
-            </a:endParaRPr>
-          </a:p>
-          <a:p>
-            <a:r>
-              <a:rPr lang="en-US" altLang="ko-KR" sz="4800">
-                <a:solidFill>
-                  <a:srgbClr val="FF0000"/>
-                </a:solidFill>
-                <a:latin typeface="G마켓 산스 Medium" panose="02000000000000000000" pitchFamily="50" charset="-127"/>
-                <a:ea typeface="G마켓 산스 Medium" panose="02000000000000000000" pitchFamily="50" charset="-127"/>
-              </a:rPr>
-              <a:t>(</a:t>
-            </a:r>
-            <a:r>
-              <a:rPr lang="ko-KR" altLang="en-US" sz="4800">
-                <a:solidFill>
-                  <a:srgbClr val="FF0000"/>
-                </a:solidFill>
-                <a:latin typeface="G마켓 산스 Medium" panose="02000000000000000000" pitchFamily="50" charset="-127"/>
-                <a:ea typeface="G마켓 산스 Medium" panose="02000000000000000000" pitchFamily="50" charset="-127"/>
-              </a:rPr>
-              <a:t>프로그램이 실행될때</a:t>
-            </a:r>
-            <a:r>
-              <a:rPr lang="en-US" altLang="ko-KR" sz="4800">
-                <a:solidFill>
-                  <a:srgbClr val="FF0000"/>
-                </a:solidFill>
-                <a:latin typeface="G마켓 산스 Medium" panose="02000000000000000000" pitchFamily="50" charset="-127"/>
-                <a:ea typeface="G마켓 산스 Medium" panose="02000000000000000000" pitchFamily="50" charset="-127"/>
-              </a:rPr>
-              <a:t>!)</a:t>
-            </a:r>
-            <a:endParaRPr lang="en-US" altLang="ko-KR" sz="4800" dirty="0">
-              <a:solidFill>
-                <a:schemeClr val="tx1">
-                  <a:lumMod val="50000"/>
-                  <a:lumOff val="50000"/>
-                </a:schemeClr>
-              </a:solidFill>
-              <a:latin typeface="G마켓 산스 Medium" panose="02000000000000000000" pitchFamily="50" charset="-127"/>
-              <a:ea typeface="G마켓 산스 Medium" panose="02000000000000000000" pitchFamily="50" charset="-127"/>
-            </a:endParaRPr>
-          </a:p>
-        </p:txBody>
-      </p:sp>
-      <p:sp>
-        <p:nvSpPr>
           <p:cNvPr id="5" name="TextBox 4">
             <a:extLst>
               <a:ext uri="{FF2B5EF4-FFF2-40B4-BE49-F238E27FC236}">
@@ -29782,8 +31480,8 @@
         </p:nvSpPr>
         <p:spPr>
           <a:xfrm>
-            <a:off x="1981200" y="4561196"/>
-            <a:ext cx="14478000" cy="830997"/>
+            <a:off x="685800" y="1110414"/>
+            <a:ext cx="14478000" cy="646331"/>
           </a:xfrm>
           <a:prstGeom prst="rect">
             <a:avLst/>
@@ -29796,8 +31494,12 @@
           </a:bodyPr>
           <a:lstStyle/>
           <a:p>
-            <a:r>
-              <a:rPr lang="ko-KR" altLang="en-US" sz="4800" dirty="0">
+            <a:pPr marL="571500" indent="-571500">
+              <a:buFont typeface="Arial" panose="020B0604020202020204" pitchFamily="34" charset="0"/>
+              <a:buChar char="•"/>
+            </a:pPr>
+            <a:r>
+              <a:rPr lang="ko-KR" altLang="en-US" sz="3600" dirty="0">
                 <a:solidFill>
                   <a:schemeClr val="tx1">
                     <a:lumMod val="50000"/>
@@ -29807,146 +31509,14 @@
                 <a:latin typeface="G마켓 산스 Medium" panose="02000000000000000000" pitchFamily="50" charset="-127"/>
                 <a:ea typeface="G마켓 산스 Medium" panose="02000000000000000000" pitchFamily="50" charset="-127"/>
               </a:rPr>
-              <a:t>인스턴스가 </a:t>
-            </a:r>
-            <a:r>
-              <a:rPr lang="ko-KR" altLang="en-US" sz="4800" dirty="0" err="1">
-                <a:solidFill>
-                  <a:schemeClr val="tx1">
-                    <a:lumMod val="50000"/>
-                    <a:lumOff val="50000"/>
-                  </a:schemeClr>
-                </a:solidFill>
-                <a:latin typeface="G마켓 산스 Medium" panose="02000000000000000000" pitchFamily="50" charset="-127"/>
-                <a:ea typeface="G마켓 산스 Medium" panose="02000000000000000000" pitchFamily="50" charset="-127"/>
-              </a:rPr>
-              <a:t>만들어질때</a:t>
-            </a:r>
-            <a:r>
-              <a:rPr lang="ko-KR" altLang="en-US" sz="4800" dirty="0">
-                <a:solidFill>
-                  <a:schemeClr val="tx1">
-                    <a:lumMod val="50000"/>
-                    <a:lumOff val="50000"/>
-                  </a:schemeClr>
-                </a:solidFill>
-                <a:latin typeface="G마켓 산스 Medium" panose="02000000000000000000" pitchFamily="50" charset="-127"/>
-                <a:ea typeface="G마켓 산스 Medium" panose="02000000000000000000" pitchFamily="50" charset="-127"/>
-              </a:rPr>
-              <a:t> 마다 생성자보다 먼저 실행</a:t>
-            </a:r>
-            <a:endParaRPr lang="en-US" altLang="ko-KR" sz="4800" dirty="0">
+              <a:t>인스턴스가 만들어 질 때 마다 생성자보다 먼저 실행</a:t>
+            </a:r>
+            <a:endParaRPr lang="en-US" altLang="ko-KR" sz="3600" dirty="0">
               <a:solidFill>
                 <a:schemeClr val="tx1">
                   <a:lumMod val="50000"/>
                   <a:lumOff val="50000"/>
                 </a:schemeClr>
-              </a:solidFill>
-              <a:latin typeface="G마켓 산스 Medium" panose="02000000000000000000" pitchFamily="50" charset="-127"/>
-              <a:ea typeface="G마켓 산스 Medium" panose="02000000000000000000" pitchFamily="50" charset="-127"/>
-            </a:endParaRPr>
-          </a:p>
-        </p:txBody>
-      </p:sp>
-      <p:sp>
-        <p:nvSpPr>
-          <p:cNvPr id="6" name="TextBox 5">
-            <a:extLst>
-              <a:ext uri="{FF2B5EF4-FFF2-40B4-BE49-F238E27FC236}">
-                <a16:creationId xmlns:a16="http://schemas.microsoft.com/office/drawing/2014/main" id="{5ADC00B6-990A-40DC-3CEA-505258F5E8DA}"/>
-              </a:ext>
-            </a:extLst>
-          </p:cNvPr>
-          <p:cNvSpPr txBox="1"/>
-          <p:nvPr/>
-        </p:nvSpPr>
-        <p:spPr>
-          <a:xfrm>
-            <a:off x="1295400" y="1001404"/>
-            <a:ext cx="7391400" cy="830997"/>
-          </a:xfrm>
-          <a:prstGeom prst="rect">
-            <a:avLst/>
-          </a:prstGeom>
-          <a:noFill/>
-        </p:spPr>
-        <p:txBody>
-          <a:bodyPr wrap="square" rtlCol="0">
-            <a:spAutoFit/>
-          </a:bodyPr>
-          <a:lstStyle/>
-          <a:p>
-            <a:r>
-              <a:rPr lang="ko-KR" altLang="en-US" sz="4800" dirty="0">
-                <a:solidFill>
-                  <a:srgbClr val="4C50BC"/>
-                </a:solidFill>
-                <a:latin typeface="G마켓 산스 Medium" panose="02000000000000000000" pitchFamily="50" charset="-127"/>
-                <a:ea typeface="G마켓 산스 Medium" panose="02000000000000000000" pitchFamily="50" charset="-127"/>
-              </a:rPr>
-              <a:t>클래스 초기화 </a:t>
-            </a:r>
-            <a:r>
-              <a:rPr lang="ko-KR" altLang="en-US" sz="4800" dirty="0" err="1">
-                <a:solidFill>
-                  <a:srgbClr val="4C50BC"/>
-                </a:solidFill>
-                <a:latin typeface="G마켓 산스 Medium" panose="02000000000000000000" pitchFamily="50" charset="-127"/>
-                <a:ea typeface="G마켓 산스 Medium" panose="02000000000000000000" pitchFamily="50" charset="-127"/>
-              </a:rPr>
-              <a:t>블럭</a:t>
-            </a:r>
-            <a:endParaRPr lang="en-US" altLang="ko-KR" sz="4800" dirty="0">
-              <a:solidFill>
-                <a:srgbClr val="4C50BC"/>
-              </a:solidFill>
-              <a:latin typeface="G마켓 산스 Medium" panose="02000000000000000000" pitchFamily="50" charset="-127"/>
-              <a:ea typeface="G마켓 산스 Medium" panose="02000000000000000000" pitchFamily="50" charset="-127"/>
-            </a:endParaRPr>
-          </a:p>
-        </p:txBody>
-      </p:sp>
-      <p:sp>
-        <p:nvSpPr>
-          <p:cNvPr id="7" name="TextBox 6">
-            <a:extLst>
-              <a:ext uri="{FF2B5EF4-FFF2-40B4-BE49-F238E27FC236}">
-                <a16:creationId xmlns:a16="http://schemas.microsoft.com/office/drawing/2014/main" id="{5ADC00B6-990A-40DC-3CEA-505258F5E8DA}"/>
-              </a:ext>
-            </a:extLst>
-          </p:cNvPr>
-          <p:cNvSpPr txBox="1"/>
-          <p:nvPr/>
-        </p:nvSpPr>
-        <p:spPr>
-          <a:xfrm>
-            <a:off x="1295400" y="3626703"/>
-            <a:ext cx="6477000" cy="830997"/>
-          </a:xfrm>
-          <a:prstGeom prst="rect">
-            <a:avLst/>
-          </a:prstGeom>
-          <a:noFill/>
-        </p:spPr>
-        <p:txBody>
-          <a:bodyPr wrap="square" rtlCol="0">
-            <a:spAutoFit/>
-          </a:bodyPr>
-          <a:lstStyle/>
-          <a:p>
-            <a:r>
-              <a:rPr lang="ko-KR" altLang="en-US" sz="4800">
-                <a:solidFill>
-                  <a:srgbClr val="4C50BC"/>
-                </a:solidFill>
-                <a:latin typeface="G마켓 산스 Medium" panose="02000000000000000000" pitchFamily="50" charset="-127"/>
-                <a:ea typeface="G마켓 산스 Medium" panose="02000000000000000000" pitchFamily="50" charset="-127"/>
-              </a:rPr>
-              <a:t>인스턴스 초기화 블럭</a:t>
-            </a:r>
-            <a:endParaRPr lang="en-US" altLang="ko-KR" sz="4800" dirty="0">
-              <a:solidFill>
-                <a:srgbClr val="4C50BC"/>
               </a:solidFill>
               <a:latin typeface="G마켓 산스 Medium" panose="02000000000000000000" pitchFamily="50" charset="-127"/>
               <a:ea typeface="G마켓 산스 Medium" panose="02000000000000000000" pitchFamily="50" charset="-127"/>
@@ -29970,7 +31540,7 @@
         </p:blipFill>
         <p:spPr>
           <a:xfrm>
-            <a:off x="1316502" y="5799154"/>
+            <a:off x="10439400" y="2560741"/>
             <a:ext cx="6324600" cy="2303075"/>
           </a:xfrm>
           <a:prstGeom prst="rect">
@@ -29994,8 +31564,139 @@
         </p:blipFill>
         <p:spPr>
           <a:xfrm>
-            <a:off x="9220200" y="5799154"/>
+            <a:off x="10744200" y="5259766"/>
             <a:ext cx="4343400" cy="4213746"/>
+          </a:xfrm>
+          <a:prstGeom prst="rect">
+            <a:avLst/>
+          </a:prstGeom>
+        </p:spPr>
+      </p:pic>
+      <p:sp>
+        <p:nvSpPr>
+          <p:cNvPr id="2" name="TextBox 1">
+            <a:extLst>
+              <a:ext uri="{FF2B5EF4-FFF2-40B4-BE49-F238E27FC236}">
+                <a16:creationId xmlns:a16="http://schemas.microsoft.com/office/drawing/2014/main" id="{79E46114-0AB5-348F-E1AA-A6B093990F2A}"/>
+              </a:ext>
+            </a:extLst>
+          </p:cNvPr>
+          <p:cNvSpPr txBox="1"/>
+          <p:nvPr/>
+        </p:nvSpPr>
+        <p:spPr>
+          <a:xfrm>
+            <a:off x="304800" y="114300"/>
+            <a:ext cx="14325600" cy="923330"/>
+          </a:xfrm>
+          <a:prstGeom prst="rect">
+            <a:avLst/>
+          </a:prstGeom>
+          <a:noFill/>
+        </p:spPr>
+        <p:txBody>
+          <a:bodyPr wrap="square" rtlCol="0">
+            <a:spAutoFit/>
+          </a:bodyPr>
+          <a:lstStyle/>
+          <a:p>
+            <a:r>
+              <a:rPr lang="ko-KR" altLang="en-US" sz="5400" spc="-300" dirty="0">
+                <a:solidFill>
+                  <a:srgbClr val="4C50BC"/>
+                </a:solidFill>
+                <a:latin typeface="G마켓 산스 Bold" panose="02000000000000000000" pitchFamily="50" charset="-127"/>
+                <a:ea typeface="G마켓 산스 Bold" panose="02000000000000000000" pitchFamily="50" charset="-127"/>
+              </a:rPr>
+              <a:t>인스턴스 초기화 </a:t>
+            </a:r>
+            <a:r>
+              <a:rPr lang="ko-KR" altLang="en-US" sz="5400" spc="-300" dirty="0" err="1">
+                <a:solidFill>
+                  <a:srgbClr val="4C50BC"/>
+                </a:solidFill>
+                <a:latin typeface="G마켓 산스 Bold" panose="02000000000000000000" pitchFamily="50" charset="-127"/>
+                <a:ea typeface="G마켓 산스 Bold" panose="02000000000000000000" pitchFamily="50" charset="-127"/>
+              </a:rPr>
+              <a:t>블럭</a:t>
+            </a:r>
+            <a:endParaRPr lang="en-US" altLang="ko-KR" sz="5400" spc="-300" dirty="0">
+              <a:solidFill>
+                <a:srgbClr val="4C50BC"/>
+              </a:solidFill>
+              <a:latin typeface="G마켓 산스 Bold" panose="02000000000000000000" pitchFamily="50" charset="-127"/>
+              <a:ea typeface="G마켓 산스 Bold" panose="02000000000000000000" pitchFamily="50" charset="-127"/>
+            </a:endParaRPr>
+          </a:p>
+        </p:txBody>
+      </p:sp>
+      <p:cxnSp>
+        <p:nvCxnSpPr>
+          <p:cNvPr id="3" name="직선 연결선 2">
+            <a:extLst>
+              <a:ext uri="{FF2B5EF4-FFF2-40B4-BE49-F238E27FC236}">
+                <a16:creationId xmlns:a16="http://schemas.microsoft.com/office/drawing/2014/main" id="{B9A5BE45-654E-5FDC-CA76-D40587716281}"/>
+              </a:ext>
+            </a:extLst>
+          </p:cNvPr>
+          <p:cNvCxnSpPr>
+            <a:cxnSpLocks/>
+          </p:cNvCxnSpPr>
+          <p:nvPr/>
+        </p:nvCxnSpPr>
+        <p:spPr>
+          <a:xfrm flipH="1" flipV="1">
+            <a:off x="-13447" y="972511"/>
+            <a:ext cx="18288000" cy="65119"/>
+          </a:xfrm>
+          <a:prstGeom prst="line">
+            <a:avLst/>
+          </a:prstGeom>
+          <a:ln w="38100">
+            <a:solidFill>
+              <a:srgbClr val="4C50BC"/>
+            </a:solidFill>
+          </a:ln>
+        </p:spPr>
+        <p:style>
+          <a:lnRef idx="1">
+            <a:schemeClr val="accent1"/>
+          </a:lnRef>
+          <a:fillRef idx="0">
+            <a:schemeClr val="accent1"/>
+          </a:fillRef>
+          <a:effectRef idx="0">
+            <a:schemeClr val="accent1"/>
+          </a:effectRef>
+          <a:fontRef idx="minor">
+            <a:schemeClr val="tx1"/>
+          </a:fontRef>
+        </p:style>
+      </p:cxnSp>
+      <p:pic>
+        <p:nvPicPr>
+          <p:cNvPr id="10" name="그림 9">
+            <a:extLst>
+              <a:ext uri="{FF2B5EF4-FFF2-40B4-BE49-F238E27FC236}">
+                <a16:creationId xmlns:a16="http://schemas.microsoft.com/office/drawing/2014/main" id="{2EB01561-C756-06D1-1B7A-F505D5EAD395}"/>
+              </a:ext>
+            </a:extLst>
+          </p:cNvPr>
+          <p:cNvPicPr>
+            <a:picLocks noChangeAspect="1"/>
+          </p:cNvPicPr>
+          <p:nvPr/>
+        </p:nvPicPr>
+        <p:blipFill>
+          <a:blip r:embed="rId4"/>
+          <a:stretch>
+            <a:fillRect/>
+          </a:stretch>
+        </p:blipFill>
+        <p:spPr>
+          <a:xfrm>
+            <a:off x="682171" y="1717952"/>
+            <a:ext cx="7485414" cy="8454748"/>
           </a:xfrm>
           <a:prstGeom prst="rect">
             <a:avLst/>
@@ -30110,6 +31811,51 @@
                       </p:childTnLst>
                     </p:cTn>
                   </p:par>
+                  <p:par>
+                    <p:cTn id="11" fill="hold">
+                      <p:stCondLst>
+                        <p:cond delay="indefinite"/>
+                      </p:stCondLst>
+                      <p:childTnLst>
+                        <p:par>
+                          <p:cTn id="12" fill="hold">
+                            <p:stCondLst>
+                              <p:cond delay="0"/>
+                            </p:stCondLst>
+                            <p:childTnLst>
+                              <p:par>
+                                <p:cTn id="13" presetID="1" presetClass="entr" presetSubtype="0" fill="hold" nodeType="clickEffect">
+                                  <p:stCondLst>
+                                    <p:cond delay="0"/>
+                                  </p:stCondLst>
+                                  <p:childTnLst>
+                                    <p:set>
+                                      <p:cBhvr>
+                                        <p:cTn id="14" dur="1" fill="hold">
+                                          <p:stCondLst>
+                                            <p:cond delay="0"/>
+                                          </p:stCondLst>
+                                        </p:cTn>
+                                        <p:tgtEl>
+                                          <p:spTgt spid="10"/>
+                                        </p:tgtEl>
+                                        <p:attrNameLst>
+                                          <p:attrName>style.visibility</p:attrName>
+                                        </p:attrNameLst>
+                                      </p:cBhvr>
+                                      <p:to>
+                                        <p:strVal val="visible"/>
+                                      </p:to>
+                                    </p:set>
+                                  </p:childTnLst>
+                                </p:cTn>
+                              </p:par>
+                            </p:childTnLst>
+                          </p:cTn>
+                        </p:par>
+                      </p:childTnLst>
+                    </p:cTn>
+                  </p:par>
                 </p:childTnLst>
               </p:cTn>
               <p:prevCondLst>
@@ -30168,7 +31914,7 @@
         </p:blipFill>
         <p:spPr>
           <a:xfrm>
-            <a:off x="1295400" y="1044074"/>
+            <a:off x="1295400" y="3911635"/>
             <a:ext cx="8305800" cy="5318626"/>
           </a:xfrm>
           <a:prstGeom prst="rect">
@@ -30192,7 +31938,7 @@
         </p:nvCxnSpPr>
         <p:spPr>
           <a:xfrm>
-            <a:off x="5331343" y="5635214"/>
+            <a:off x="5331343" y="8502775"/>
             <a:ext cx="1219200" cy="0"/>
           </a:xfrm>
           <a:prstGeom prst="straightConnector1">
@@ -30231,7 +31977,7 @@
         </p:nvSpPr>
         <p:spPr>
           <a:xfrm>
-            <a:off x="2740543" y="5395317"/>
+            <a:off x="2740543" y="8262878"/>
             <a:ext cx="2590800" cy="457200"/>
           </a:xfrm>
           <a:prstGeom prst="rect">
@@ -30283,7 +32029,7 @@
         </p:nvSpPr>
         <p:spPr>
           <a:xfrm>
-            <a:off x="6705600" y="5219700"/>
+            <a:off x="6705600" y="8087261"/>
             <a:ext cx="10896600" cy="1323439"/>
           </a:xfrm>
           <a:prstGeom prst="rect">
@@ -30320,6 +32066,160 @@
             <a:endParaRPr lang="en-US" altLang="ko-KR" sz="4000" dirty="0">
               <a:solidFill>
                 <a:srgbClr val="FF0000"/>
+              </a:solidFill>
+              <a:latin typeface="G마켓 산스 Medium" panose="02000000000000000000" pitchFamily="50" charset="-127"/>
+              <a:ea typeface="G마켓 산스 Medium" panose="02000000000000000000" pitchFamily="50" charset="-127"/>
+            </a:endParaRPr>
+          </a:p>
+        </p:txBody>
+      </p:sp>
+      <p:sp>
+        <p:nvSpPr>
+          <p:cNvPr id="2" name="TextBox 1">
+            <a:extLst>
+              <a:ext uri="{FF2B5EF4-FFF2-40B4-BE49-F238E27FC236}">
+                <a16:creationId xmlns:a16="http://schemas.microsoft.com/office/drawing/2014/main" id="{5ADC00B6-990A-40DC-3CEA-505258F5E8DA}"/>
+              </a:ext>
+            </a:extLst>
+          </p:cNvPr>
+          <p:cNvSpPr txBox="1"/>
+          <p:nvPr/>
+        </p:nvSpPr>
+        <p:spPr>
+          <a:xfrm>
+            <a:off x="1828800" y="2075998"/>
+            <a:ext cx="13335000" cy="1569660"/>
+          </a:xfrm>
+          <a:prstGeom prst="rect">
+            <a:avLst/>
+          </a:prstGeom>
+          <a:noFill/>
+        </p:spPr>
+        <p:txBody>
+          <a:bodyPr wrap="square" rtlCol="0">
+            <a:spAutoFit/>
+          </a:bodyPr>
+          <a:lstStyle/>
+          <a:p>
+            <a:r>
+              <a:rPr lang="ko-KR" altLang="en-US" sz="4800">
+                <a:solidFill>
+                  <a:schemeClr val="tx1">
+                    <a:lumMod val="50000"/>
+                    <a:lumOff val="50000"/>
+                  </a:schemeClr>
+                </a:solidFill>
+                <a:latin typeface="G마켓 산스 Medium" panose="02000000000000000000" pitchFamily="50" charset="-127"/>
+                <a:ea typeface="G마켓 산스 Medium" panose="02000000000000000000" pitchFamily="50" charset="-127"/>
+              </a:rPr>
+              <a:t>클래스가 메모리에 처음 로딩될때 한번만 실행</a:t>
+            </a:r>
+            <a:endParaRPr lang="en-US" altLang="ko-KR" sz="4800">
+              <a:solidFill>
+                <a:schemeClr val="tx1">
+                  <a:lumMod val="50000"/>
+                  <a:lumOff val="50000"/>
+                </a:schemeClr>
+              </a:solidFill>
+              <a:latin typeface="G마켓 산스 Medium" panose="02000000000000000000" pitchFamily="50" charset="-127"/>
+              <a:ea typeface="G마켓 산스 Medium" panose="02000000000000000000" pitchFamily="50" charset="-127"/>
+            </a:endParaRPr>
+          </a:p>
+          <a:p>
+            <a:r>
+              <a:rPr lang="en-US" altLang="ko-KR" sz="4800">
+                <a:solidFill>
+                  <a:srgbClr val="FF0000"/>
+                </a:solidFill>
+                <a:latin typeface="G마켓 산스 Medium" panose="02000000000000000000" pitchFamily="50" charset="-127"/>
+                <a:ea typeface="G마켓 산스 Medium" panose="02000000000000000000" pitchFamily="50" charset="-127"/>
+              </a:rPr>
+              <a:t>(</a:t>
+            </a:r>
+            <a:r>
+              <a:rPr lang="ko-KR" altLang="en-US" sz="4800">
+                <a:solidFill>
+                  <a:srgbClr val="FF0000"/>
+                </a:solidFill>
+                <a:latin typeface="G마켓 산스 Medium" panose="02000000000000000000" pitchFamily="50" charset="-127"/>
+                <a:ea typeface="G마켓 산스 Medium" panose="02000000000000000000" pitchFamily="50" charset="-127"/>
+              </a:rPr>
+              <a:t>프로그램이 실행될때</a:t>
+            </a:r>
+            <a:r>
+              <a:rPr lang="en-US" altLang="ko-KR" sz="4800">
+                <a:solidFill>
+                  <a:srgbClr val="FF0000"/>
+                </a:solidFill>
+                <a:latin typeface="G마켓 산스 Medium" panose="02000000000000000000" pitchFamily="50" charset="-127"/>
+                <a:ea typeface="G마켓 산스 Medium" panose="02000000000000000000" pitchFamily="50" charset="-127"/>
+              </a:rPr>
+              <a:t>!)</a:t>
+            </a:r>
+            <a:endParaRPr lang="en-US" altLang="ko-KR" sz="4800" dirty="0">
+              <a:solidFill>
+                <a:schemeClr val="tx1">
+                  <a:lumMod val="50000"/>
+                  <a:lumOff val="50000"/>
+                </a:schemeClr>
+              </a:solidFill>
+              <a:latin typeface="G마켓 산스 Medium" panose="02000000000000000000" pitchFamily="50" charset="-127"/>
+              <a:ea typeface="G마켓 산스 Medium" panose="02000000000000000000" pitchFamily="50" charset="-127"/>
+            </a:endParaRPr>
+          </a:p>
+        </p:txBody>
+      </p:sp>
+      <p:sp>
+        <p:nvSpPr>
+          <p:cNvPr id="3" name="TextBox 2">
+            <a:extLst>
+              <a:ext uri="{FF2B5EF4-FFF2-40B4-BE49-F238E27FC236}">
+                <a16:creationId xmlns:a16="http://schemas.microsoft.com/office/drawing/2014/main" id="{5ADC00B6-990A-40DC-3CEA-505258F5E8DA}"/>
+              </a:ext>
+            </a:extLst>
+          </p:cNvPr>
+          <p:cNvSpPr txBox="1"/>
+          <p:nvPr/>
+        </p:nvSpPr>
+        <p:spPr>
+          <a:xfrm>
+            <a:off x="1295400" y="1237404"/>
+            <a:ext cx="7391400" cy="830997"/>
+          </a:xfrm>
+          <a:prstGeom prst="rect">
+            <a:avLst/>
+          </a:prstGeom>
+          <a:noFill/>
+        </p:spPr>
+        <p:txBody>
+          <a:bodyPr wrap="square" rtlCol="0">
+            <a:spAutoFit/>
+          </a:bodyPr>
+          <a:lstStyle/>
+          <a:p>
+            <a:r>
+              <a:rPr lang="ko-KR" altLang="en-US" sz="4800" dirty="0">
+                <a:solidFill>
+                  <a:srgbClr val="4C50BC"/>
+                </a:solidFill>
+                <a:latin typeface="G마켓 산스 Medium" panose="02000000000000000000" pitchFamily="50" charset="-127"/>
+                <a:ea typeface="G마켓 산스 Medium" panose="02000000000000000000" pitchFamily="50" charset="-127"/>
+              </a:rPr>
+              <a:t>클래스 초기화 </a:t>
+            </a:r>
+            <a:r>
+              <a:rPr lang="ko-KR" altLang="en-US" sz="4800" dirty="0" err="1">
+                <a:solidFill>
+                  <a:srgbClr val="4C50BC"/>
+                </a:solidFill>
+                <a:latin typeface="G마켓 산스 Medium" panose="02000000000000000000" pitchFamily="50" charset="-127"/>
+                <a:ea typeface="G마켓 산스 Medium" panose="02000000000000000000" pitchFamily="50" charset="-127"/>
+              </a:rPr>
+              <a:t>블럭</a:t>
+            </a:r>
+            <a:endParaRPr lang="en-US" altLang="ko-KR" sz="4800" dirty="0">
+              <a:solidFill>
+                <a:srgbClr val="4C50BC"/>
               </a:solidFill>
               <a:latin typeface="G마켓 산스 Medium" panose="02000000000000000000" pitchFamily="50" charset="-127"/>
               <a:ea typeface="G마켓 산스 Medium" panose="02000000000000000000" pitchFamily="50" charset="-127"/>
@@ -32073,7 +33973,7 @@
         </p:blipFill>
         <p:spPr>
           <a:xfrm>
-            <a:off x="152400" y="1309018"/>
+            <a:off x="1752600" y="2942244"/>
             <a:ext cx="7086600" cy="7284481"/>
           </a:xfrm>
           <a:prstGeom prst="rect">
@@ -32081,47 +33981,6 @@
           </a:prstGeom>
         </p:spPr>
       </p:pic>
-      <p:sp>
-        <p:nvSpPr>
-          <p:cNvPr id="4" name="TextBox 3">
-            <a:extLst>
-              <a:ext uri="{FF2B5EF4-FFF2-40B4-BE49-F238E27FC236}">
-                <a16:creationId xmlns:a16="http://schemas.microsoft.com/office/drawing/2014/main" id="{DF7DDD33-9412-2802-339A-E55446AC2DA7}"/>
-              </a:ext>
-            </a:extLst>
-          </p:cNvPr>
-          <p:cNvSpPr txBox="1"/>
-          <p:nvPr/>
-        </p:nvSpPr>
-        <p:spPr>
-          <a:xfrm>
-            <a:off x="1219200" y="419100"/>
-            <a:ext cx="3712876" cy="923330"/>
-          </a:xfrm>
-          <a:prstGeom prst="rect">
-            <a:avLst/>
-          </a:prstGeom>
-          <a:noFill/>
-        </p:spPr>
-        <p:txBody>
-          <a:bodyPr wrap="none" rtlCol="0">
-            <a:spAutoFit/>
-          </a:bodyPr>
-          <a:lstStyle/>
-          <a:p>
-            <a:r>
-              <a:rPr lang="ko-KR" altLang="en-US" sz="5400" dirty="0">
-                <a:solidFill>
-                  <a:srgbClr val="4C50BC"/>
-                </a:solidFill>
-                <a:latin typeface="G마켓 산스 Bold"/>
-                <a:ea typeface="G마켓 산스 Medium" panose="02000000000000000000" pitchFamily="50" charset="-127"/>
-              </a:rPr>
-              <a:t>기본 생성자</a:t>
-            </a:r>
-          </a:p>
-        </p:txBody>
-      </p:sp>
       <p:pic>
         <p:nvPicPr>
           <p:cNvPr id="14" name="그림 13"/>
@@ -32138,8 +33997,8 @@
         </p:blipFill>
         <p:spPr>
           <a:xfrm>
-            <a:off x="152400" y="9064317"/>
-            <a:ext cx="7224486" cy="838200"/>
+            <a:off x="10624458" y="4982418"/>
+            <a:ext cx="6248400" cy="724952"/>
           </a:xfrm>
           <a:prstGeom prst="rect">
             <a:avLst/>
@@ -32160,7 +34019,7 @@
         </p:nvSpPr>
         <p:spPr>
           <a:xfrm>
-            <a:off x="609600" y="3418448"/>
+            <a:off x="2209800" y="5051674"/>
             <a:ext cx="2467210" cy="1344051"/>
           </a:xfrm>
           <a:prstGeom prst="rect">
@@ -32212,7 +34071,7 @@
         </p:nvSpPr>
         <p:spPr>
           <a:xfrm>
-            <a:off x="7239000" y="419100"/>
+            <a:off x="533400" y="1198804"/>
             <a:ext cx="11430000" cy="1754326"/>
           </a:xfrm>
           <a:prstGeom prst="rect">
@@ -32226,8 +34085,9 @@
           </a:bodyPr>
           <a:lstStyle/>
           <a:p>
-            <a:pPr marL="742950" indent="-742950">
-              <a:buAutoNum type="arabicPeriod"/>
+            <a:pPr marL="571500" indent="-571500">
+              <a:buFont typeface="Arial" panose="020B0604020202020204" pitchFamily="34" charset="0"/>
+              <a:buChar char="•"/>
             </a:pPr>
             <a:r>
               <a:rPr lang="ko-KR" altLang="en-US" sz="3600" dirty="0">
@@ -32257,8 +34117,12 @@
             </a:r>
           </a:p>
           <a:p>
-            <a:r>
-              <a:rPr lang="en-US" altLang="ko-KR" sz="3600" dirty="0">
+            <a:pPr marL="571500" indent="-571500">
+              <a:buFont typeface="Arial" panose="020B0604020202020204" pitchFamily="34" charset="0"/>
+              <a:buChar char="•"/>
+            </a:pPr>
+            <a:r>
+              <a:rPr lang="ko-KR" altLang="en-US" sz="3600" dirty="0">
                 <a:solidFill>
                   <a:schemeClr val="tx1">
                     <a:lumMod val="50000"/>
@@ -32268,10 +34132,10 @@
                 <a:latin typeface="G마켓 산스 Medium" panose="02000000000000000000" pitchFamily="50" charset="-127"/>
                 <a:ea typeface="G마켓 산스 Medium" panose="02000000000000000000" pitchFamily="50" charset="-127"/>
               </a:rPr>
-              <a:t>2. </a:t>
-            </a:r>
-            <a:r>
-              <a:rPr lang="ko-KR" altLang="en-US" sz="3600" dirty="0">
+              <a:t>명시적으로 생성자가 한 개라도 선언이 되었다면 만들어지지 않는다</a:t>
+            </a:r>
+            <a:r>
+              <a:rPr lang="en-US" altLang="ko-KR" sz="3600" dirty="0">
                 <a:solidFill>
                   <a:schemeClr val="tx1">
                     <a:lumMod val="50000"/>
@@ -32281,24 +34145,102 @@
                 <a:latin typeface="G마켓 산스 Medium" panose="02000000000000000000" pitchFamily="50" charset="-127"/>
                 <a:ea typeface="G마켓 산스 Medium" panose="02000000000000000000" pitchFamily="50" charset="-127"/>
               </a:rPr>
-              <a:t>명시적으로 생성자가 한 개라도 선언이 되었다면 만들어지지 않는다</a:t>
-            </a:r>
-            <a:r>
-              <a:rPr lang="en-US" altLang="ko-KR" sz="3600" dirty="0">
-                <a:solidFill>
-                  <a:schemeClr val="tx1">
-                    <a:lumMod val="50000"/>
-                    <a:lumOff val="50000"/>
-                  </a:schemeClr>
-                </a:solidFill>
-                <a:latin typeface="G마켓 산스 Medium" panose="02000000000000000000" pitchFamily="50" charset="-127"/>
-                <a:ea typeface="G마켓 산스 Medium" panose="02000000000000000000" pitchFamily="50" charset="-127"/>
-              </a:rPr>
               <a:t>.</a:t>
             </a:r>
           </a:p>
         </p:txBody>
       </p:sp>
+      <p:sp>
+        <p:nvSpPr>
+          <p:cNvPr id="3" name="TextBox 2">
+            <a:extLst>
+              <a:ext uri="{FF2B5EF4-FFF2-40B4-BE49-F238E27FC236}">
+                <a16:creationId xmlns:a16="http://schemas.microsoft.com/office/drawing/2014/main" id="{7604ACE9-95B9-6D71-8DCC-DA6B637E4908}"/>
+              </a:ext>
+            </a:extLst>
+          </p:cNvPr>
+          <p:cNvSpPr txBox="1"/>
+          <p:nvPr/>
+        </p:nvSpPr>
+        <p:spPr>
+          <a:xfrm>
+            <a:off x="304800" y="114300"/>
+            <a:ext cx="14325600" cy="923330"/>
+          </a:xfrm>
+          <a:prstGeom prst="rect">
+            <a:avLst/>
+          </a:prstGeom>
+          <a:noFill/>
+        </p:spPr>
+        <p:txBody>
+          <a:bodyPr wrap="square" rtlCol="0">
+            <a:spAutoFit/>
+          </a:bodyPr>
+          <a:lstStyle/>
+          <a:p>
+            <a:r>
+              <a:rPr lang="ko-KR" altLang="en-US" sz="5400" spc="-300" dirty="0">
+                <a:solidFill>
+                  <a:srgbClr val="4C50BC"/>
+                </a:solidFill>
+                <a:latin typeface="G마켓 산스 Bold" panose="02000000000000000000" pitchFamily="50" charset="-127"/>
+                <a:ea typeface="G마켓 산스 Bold" panose="02000000000000000000" pitchFamily="50" charset="-127"/>
+              </a:rPr>
+              <a:t>기본 생성자</a:t>
+            </a:r>
+            <a:endParaRPr lang="en-US" altLang="ko-KR" sz="5400" spc="-300" dirty="0">
+              <a:solidFill>
+                <a:srgbClr val="4C50BC"/>
+              </a:solidFill>
+              <a:latin typeface="G마켓 산스 Bold" panose="02000000000000000000" pitchFamily="50" charset="-127"/>
+              <a:ea typeface="G마켓 산스 Bold" panose="02000000000000000000" pitchFamily="50" charset="-127"/>
+            </a:endParaRPr>
+          </a:p>
+        </p:txBody>
+      </p:sp>
+      <p:cxnSp>
+        <p:nvCxnSpPr>
+          <p:cNvPr id="5" name="직선 연결선 4">
+            <a:extLst>
+              <a:ext uri="{FF2B5EF4-FFF2-40B4-BE49-F238E27FC236}">
+                <a16:creationId xmlns:a16="http://schemas.microsoft.com/office/drawing/2014/main" id="{8F4AC3A5-4011-8853-857E-89FACA10BBA4}"/>
+              </a:ext>
+            </a:extLst>
+          </p:cNvPr>
+          <p:cNvCxnSpPr>
+            <a:cxnSpLocks/>
+          </p:cNvCxnSpPr>
+          <p:nvPr/>
+        </p:nvCxnSpPr>
+        <p:spPr>
+          <a:xfrm flipH="1" flipV="1">
+            <a:off x="-13447" y="972511"/>
+            <a:ext cx="18288000" cy="65119"/>
+          </a:xfrm>
+          <a:prstGeom prst="line">
+            <a:avLst/>
+          </a:prstGeom>
+          <a:ln w="38100">
+            <a:solidFill>
+              <a:srgbClr val="4C50BC"/>
+            </a:solidFill>
+          </a:ln>
+        </p:spPr>
+        <p:style>
+          <a:lnRef idx="1">
+            <a:schemeClr val="accent1"/>
+          </a:lnRef>
+          <a:fillRef idx="0">
+            <a:schemeClr val="accent1"/>
+          </a:fillRef>
+          <a:effectRef idx="0">
+            <a:schemeClr val="accent1"/>
+          </a:effectRef>
+          <a:fontRef idx="minor">
+            <a:schemeClr val="tx1"/>
+          </a:fontRef>
+        </p:style>
+      </p:cxnSp>
     </p:spTree>
     <p:extLst>
       <p:ext uri="{BB962C8B-B14F-4D97-AF65-F5344CB8AC3E}">
@@ -32853,47 +34795,6 @@
           <a:chExt cx="0" cy="0"/>
         </a:xfrm>
       </p:grpSpPr>
-      <p:sp>
-        <p:nvSpPr>
-          <p:cNvPr id="2" name="TextBox 1">
-            <a:extLst>
-              <a:ext uri="{FF2B5EF4-FFF2-40B4-BE49-F238E27FC236}">
-                <a16:creationId xmlns:a16="http://schemas.microsoft.com/office/drawing/2014/main" id="{E9F02990-0F1C-DE86-54FF-A6079141643E}"/>
-              </a:ext>
-            </a:extLst>
-          </p:cNvPr>
-          <p:cNvSpPr txBox="1"/>
-          <p:nvPr/>
-        </p:nvSpPr>
-        <p:spPr>
-          <a:xfrm>
-            <a:off x="685800" y="190500"/>
-            <a:ext cx="5189241" cy="923330"/>
-          </a:xfrm>
-          <a:prstGeom prst="rect">
-            <a:avLst/>
-          </a:prstGeom>
-          <a:noFill/>
-        </p:spPr>
-        <p:txBody>
-          <a:bodyPr wrap="none" rtlCol="0">
-            <a:spAutoFit/>
-          </a:bodyPr>
-          <a:lstStyle/>
-          <a:p>
-            <a:r>
-              <a:rPr lang="ko-KR" altLang="en-US" sz="5400" dirty="0">
-                <a:solidFill>
-                  <a:srgbClr val="4C50BC"/>
-                </a:solidFill>
-                <a:latin typeface="G마켓 산스 Bold"/>
-                <a:ea typeface="G마켓 산스 Medium" panose="02000000000000000000" pitchFamily="50" charset="-127"/>
-              </a:rPr>
-              <a:t>생성자 오버로딩</a:t>
-            </a:r>
-          </a:p>
-        </p:txBody>
-      </p:sp>
       <p:pic>
         <p:nvPicPr>
           <p:cNvPr id="3" name="그림 2">
@@ -32916,7 +34817,7 @@
         </p:blipFill>
         <p:spPr>
           <a:xfrm>
-            <a:off x="533400" y="1181100"/>
+            <a:off x="533400" y="1795928"/>
             <a:ext cx="8915400" cy="7386172"/>
           </a:xfrm>
           <a:prstGeom prst="rect">
@@ -32938,7 +34839,7 @@
         </p:nvSpPr>
         <p:spPr>
           <a:xfrm>
-            <a:off x="1190362" y="3771900"/>
+            <a:off x="1190362" y="4386728"/>
             <a:ext cx="8106037" cy="4572000"/>
           </a:xfrm>
           <a:prstGeom prst="rect">
@@ -32992,7 +34893,7 @@
         </p:nvCxnSpPr>
         <p:spPr>
           <a:xfrm>
-            <a:off x="9434095" y="3885337"/>
+            <a:off x="9434095" y="4500165"/>
             <a:ext cx="1219200" cy="0"/>
           </a:xfrm>
           <a:prstGeom prst="straightConnector1">
@@ -33031,7 +34932,7 @@
         </p:nvSpPr>
         <p:spPr>
           <a:xfrm>
-            <a:off x="10729495" y="3580537"/>
+            <a:off x="10729495" y="4195365"/>
             <a:ext cx="6400800" cy="1754326"/>
           </a:xfrm>
           <a:prstGeom prst="rect">
@@ -33102,7 +35003,7 @@
         </p:nvSpPr>
         <p:spPr>
           <a:xfrm>
-            <a:off x="10729495" y="6896100"/>
+            <a:off x="10729495" y="7510928"/>
             <a:ext cx="6400800" cy="1200329"/>
           </a:xfrm>
           <a:prstGeom prst="rect">
@@ -33159,6 +35060,97 @@
           </a:p>
         </p:txBody>
       </p:sp>
+      <p:sp>
+        <p:nvSpPr>
+          <p:cNvPr id="4" name="TextBox 3">
+            <a:extLst>
+              <a:ext uri="{FF2B5EF4-FFF2-40B4-BE49-F238E27FC236}">
+                <a16:creationId xmlns:a16="http://schemas.microsoft.com/office/drawing/2014/main" id="{4C568ADE-E66D-3194-E7CB-FCC53F8ADDF1}"/>
+              </a:ext>
+            </a:extLst>
+          </p:cNvPr>
+          <p:cNvSpPr txBox="1"/>
+          <p:nvPr/>
+        </p:nvSpPr>
+        <p:spPr>
+          <a:xfrm>
+            <a:off x="304800" y="114300"/>
+            <a:ext cx="14325600" cy="923330"/>
+          </a:xfrm>
+          <a:prstGeom prst="rect">
+            <a:avLst/>
+          </a:prstGeom>
+          <a:noFill/>
+        </p:spPr>
+        <p:txBody>
+          <a:bodyPr wrap="square" rtlCol="0">
+            <a:spAutoFit/>
+          </a:bodyPr>
+          <a:lstStyle/>
+          <a:p>
+            <a:r>
+              <a:rPr lang="ko-KR" altLang="en-US" sz="5400" spc="-300" dirty="0">
+                <a:solidFill>
+                  <a:srgbClr val="4C50BC"/>
+                </a:solidFill>
+                <a:latin typeface="G마켓 산스 Bold" panose="02000000000000000000" pitchFamily="50" charset="-127"/>
+                <a:ea typeface="G마켓 산스 Bold" panose="02000000000000000000" pitchFamily="50" charset="-127"/>
+              </a:rPr>
+              <a:t>생성자 오버로딩</a:t>
+            </a:r>
+            <a:endParaRPr lang="en-US" altLang="ko-KR" sz="5400" spc="-300" dirty="0">
+              <a:solidFill>
+                <a:srgbClr val="4C50BC"/>
+              </a:solidFill>
+              <a:latin typeface="G마켓 산스 Bold" panose="02000000000000000000" pitchFamily="50" charset="-127"/>
+              <a:ea typeface="G마켓 산스 Bold" panose="02000000000000000000" pitchFamily="50" charset="-127"/>
+            </a:endParaRPr>
+          </a:p>
+        </p:txBody>
+      </p:sp>
+      <p:cxnSp>
+        <p:nvCxnSpPr>
+          <p:cNvPr id="6" name="직선 연결선 5">
+            <a:extLst>
+              <a:ext uri="{FF2B5EF4-FFF2-40B4-BE49-F238E27FC236}">
+                <a16:creationId xmlns:a16="http://schemas.microsoft.com/office/drawing/2014/main" id="{8D987C6A-3BDA-26D5-8B37-C4D0B60C1851}"/>
+              </a:ext>
+            </a:extLst>
+          </p:cNvPr>
+          <p:cNvCxnSpPr>
+            <a:cxnSpLocks/>
+          </p:cNvCxnSpPr>
+          <p:nvPr/>
+        </p:nvCxnSpPr>
+        <p:spPr>
+          <a:xfrm flipH="1" flipV="1">
+            <a:off x="-13447" y="972511"/>
+            <a:ext cx="18288000" cy="65119"/>
+          </a:xfrm>
+          <a:prstGeom prst="line">
+            <a:avLst/>
+          </a:prstGeom>
+          <a:ln w="38100">
+            <a:solidFill>
+              <a:srgbClr val="4C50BC"/>
+            </a:solidFill>
+          </a:ln>
+        </p:spPr>
+        <p:style>
+          <a:lnRef idx="1">
+            <a:schemeClr val="accent1"/>
+          </a:lnRef>
+          <a:fillRef idx="0">
+            <a:schemeClr val="accent1"/>
+          </a:fillRef>
+          <a:effectRef idx="0">
+            <a:schemeClr val="accent1"/>
+          </a:effectRef>
+          <a:fontRef idx="minor">
+            <a:schemeClr val="tx1"/>
+          </a:fontRef>
+        </p:style>
+      </p:cxnSp>
     </p:spTree>
     <p:extLst>
       <p:ext uri="{BB962C8B-B14F-4D97-AF65-F5344CB8AC3E}">

--- a/JavaLecture/LectureFile/java 8강 생성자.pptx
+++ b/JavaLecture/LectureFile/java 8강 생성자.pptx
@@ -265,7 +265,7 @@
           <a:p>
             <a:fld id="{D79F2C30-10E1-4C46-91DC-BBDB9629E720}" type="datetimeFigureOut">
               <a:rPr lang="ko-KR" altLang="en-US" smtClean="0"/>
-              <a:t>2024-03-20 Wednesday</a:t>
+              <a:t>2024-03-24 Sunday</a:t>
             </a:fld>
             <a:endParaRPr lang="ko-KR" altLang="en-US"/>
           </a:p>
@@ -725,7 +725,7 @@
           <a:p>
             <a:fld id="{F8166F1F-CE9B-4651-A6AA-CD717754106B}" type="datetimeFigureOut">
               <a:rPr lang="en-US" smtClean="0"/>
-              <a:t>3/20/2024</a:t>
+              <a:t>3/24/2024</a:t>
             </a:fld>
             <a:endParaRPr lang="en-US"/>
           </a:p>
@@ -928,7 +928,7 @@
           <a:p>
             <a:fld id="{A76116CE-C4A3-4A05-B2D7-7C2E9A889C0F}" type="datetimeFigureOut">
               <a:rPr lang="en-US" smtClean="0"/>
-              <a:t>3/20/2024</a:t>
+              <a:t>3/24/2024</a:t>
             </a:fld>
             <a:endParaRPr lang="en-US"/>
           </a:p>
@@ -1131,7 +1131,7 @@
           <a:p>
             <a:fld id="{A76116CE-C4A3-4A05-B2D7-7C2E9A889C0F}" type="datetimeFigureOut">
               <a:rPr lang="en-US" smtClean="0"/>
-              <a:t>3/20/2024</a:t>
+              <a:t>3/24/2024</a:t>
             </a:fld>
             <a:endParaRPr lang="en-US"/>
           </a:p>
@@ -1336,7 +1336,7 @@
           <a:p>
             <a:fld id="{A76116CE-C4A3-4A05-B2D7-7C2E9A889C0F}" type="datetimeFigureOut">
               <a:rPr lang="en-US" smtClean="0"/>
-              <a:t>3/20/2024</a:t>
+              <a:t>3/24/2024</a:t>
             </a:fld>
             <a:endParaRPr lang="en-US"/>
           </a:p>
@@ -1606,7 +1606,7 @@
           <a:p>
             <a:fld id="{A76116CE-C4A3-4A05-B2D7-7C2E9A889C0F}" type="datetimeFigureOut">
               <a:rPr lang="en-US" smtClean="0"/>
-              <a:t>3/20/2024</a:t>
+              <a:t>3/24/2024</a:t>
             </a:fld>
             <a:endParaRPr lang="en-US"/>
           </a:p>
@@ -1924,7 +1924,7 @@
           <a:p>
             <a:fld id="{A76116CE-C4A3-4A05-B2D7-7C2E9A889C0F}" type="datetimeFigureOut">
               <a:rPr lang="en-US" smtClean="0"/>
-              <a:t>3/20/2024</a:t>
+              <a:t>3/24/2024</a:t>
             </a:fld>
             <a:endParaRPr lang="en-US"/>
           </a:p>
@@ -2382,7 +2382,7 @@
           <a:p>
             <a:fld id="{A76116CE-C4A3-4A05-B2D7-7C2E9A889C0F}" type="datetimeFigureOut">
               <a:rPr lang="en-US" smtClean="0"/>
-              <a:t>3/20/2024</a:t>
+              <a:t>3/24/2024</a:t>
             </a:fld>
             <a:endParaRPr lang="en-US"/>
           </a:p>
@@ -2526,7 +2526,7 @@
           <a:p>
             <a:fld id="{A76116CE-C4A3-4A05-B2D7-7C2E9A889C0F}" type="datetimeFigureOut">
               <a:rPr lang="en-US" smtClean="0"/>
-              <a:t>3/20/2024</a:t>
+              <a:t>3/24/2024</a:t>
             </a:fld>
             <a:endParaRPr lang="en-US"/>
           </a:p>
@@ -2640,7 +2640,7 @@
           <a:p>
             <a:fld id="{A76116CE-C4A3-4A05-B2D7-7C2E9A889C0F}" type="datetimeFigureOut">
               <a:rPr lang="en-US" smtClean="0"/>
-              <a:t>3/20/2024</a:t>
+              <a:t>3/24/2024</a:t>
             </a:fld>
             <a:endParaRPr lang="en-US"/>
           </a:p>
@@ -2943,7 +2943,7 @@
           <a:p>
             <a:fld id="{A76116CE-C4A3-4A05-B2D7-7C2E9A889C0F}" type="datetimeFigureOut">
               <a:rPr lang="en-US" smtClean="0"/>
-              <a:t>3/20/2024</a:t>
+              <a:t>3/24/2024</a:t>
             </a:fld>
             <a:endParaRPr lang="en-US"/>
           </a:p>
@@ -3223,7 +3223,7 @@
           <a:p>
             <a:fld id="{A76116CE-C4A3-4A05-B2D7-7C2E9A889C0F}" type="datetimeFigureOut">
               <a:rPr lang="en-US" smtClean="0"/>
-              <a:t>3/20/2024</a:t>
+              <a:t>3/24/2024</a:t>
             </a:fld>
             <a:endParaRPr lang="en-US"/>
           </a:p>
@@ -32171,10 +32171,10 @@
       </p:sp>
       <p:sp>
         <p:nvSpPr>
-          <p:cNvPr id="3" name="TextBox 2">
+          <p:cNvPr id="8" name="TextBox 7">
             <a:extLst>
               <a:ext uri="{FF2B5EF4-FFF2-40B4-BE49-F238E27FC236}">
-                <a16:creationId xmlns:a16="http://schemas.microsoft.com/office/drawing/2014/main" id="{5ADC00B6-990A-40DC-3CEA-505258F5E8DA}"/>
+                <a16:creationId xmlns:a16="http://schemas.microsoft.com/office/drawing/2014/main" id="{DB94E442-E783-44D4-F732-F5750DD8FEB5}"/>
               </a:ext>
             </a:extLst>
           </p:cNvPr>
@@ -32183,8 +32183,8 @@
         </p:nvSpPr>
         <p:spPr>
           <a:xfrm>
-            <a:off x="1295400" y="1237404"/>
-            <a:ext cx="7391400" cy="830997"/>
+            <a:off x="304800" y="114300"/>
+            <a:ext cx="14325600" cy="923330"/>
           </a:xfrm>
           <a:prstGeom prst="rect">
             <a:avLst/>
@@ -32198,35 +32198,78 @@
           <a:lstStyle/>
           <a:p>
             <a:r>
-              <a:rPr lang="ko-KR" altLang="en-US" sz="4800" dirty="0">
+              <a:rPr lang="ko-KR" altLang="en-US" sz="5400" spc="-300" dirty="0">
                 <a:solidFill>
                   <a:srgbClr val="4C50BC"/>
                 </a:solidFill>
-                <a:latin typeface="G마켓 산스 Medium" panose="02000000000000000000" pitchFamily="50" charset="-127"/>
-                <a:ea typeface="G마켓 산스 Medium" panose="02000000000000000000" pitchFamily="50" charset="-127"/>
+                <a:latin typeface="G마켓 산스 Bold" panose="02000000000000000000" pitchFamily="50" charset="-127"/>
+                <a:ea typeface="G마켓 산스 Bold" panose="02000000000000000000" pitchFamily="50" charset="-127"/>
               </a:rPr>
               <a:t>클래스 초기화 </a:t>
             </a:r>
             <a:r>
-              <a:rPr lang="ko-KR" altLang="en-US" sz="4800" dirty="0" err="1">
+              <a:rPr lang="ko-KR" altLang="en-US" sz="5400" spc="-300" dirty="0" err="1">
                 <a:solidFill>
                   <a:srgbClr val="4C50BC"/>
                 </a:solidFill>
-                <a:latin typeface="G마켓 산스 Medium" panose="02000000000000000000" pitchFamily="50" charset="-127"/>
-                <a:ea typeface="G마켓 산스 Medium" panose="02000000000000000000" pitchFamily="50" charset="-127"/>
+                <a:latin typeface="G마켓 산스 Bold" panose="02000000000000000000" pitchFamily="50" charset="-127"/>
+                <a:ea typeface="G마켓 산스 Bold" panose="02000000000000000000" pitchFamily="50" charset="-127"/>
               </a:rPr>
               <a:t>블럭</a:t>
             </a:r>
-            <a:endParaRPr lang="en-US" altLang="ko-KR" sz="4800" dirty="0">
+            <a:endParaRPr lang="en-US" altLang="ko-KR" sz="5400" spc="-300" dirty="0">
               <a:solidFill>
                 <a:srgbClr val="4C50BC"/>
               </a:solidFill>
-              <a:latin typeface="G마켓 산스 Medium" panose="02000000000000000000" pitchFamily="50" charset="-127"/>
-              <a:ea typeface="G마켓 산스 Medium" panose="02000000000000000000" pitchFamily="50" charset="-127"/>
+              <a:latin typeface="G마켓 산스 Bold" panose="02000000000000000000" pitchFamily="50" charset="-127"/>
+              <a:ea typeface="G마켓 산스 Bold" panose="02000000000000000000" pitchFamily="50" charset="-127"/>
             </a:endParaRPr>
           </a:p>
         </p:txBody>
       </p:sp>
+      <p:cxnSp>
+        <p:nvCxnSpPr>
+          <p:cNvPr id="9" name="직선 연결선 8">
+            <a:extLst>
+              <a:ext uri="{FF2B5EF4-FFF2-40B4-BE49-F238E27FC236}">
+                <a16:creationId xmlns:a16="http://schemas.microsoft.com/office/drawing/2014/main" id="{70202C6B-AFD5-C8B1-D263-0A6C61227790}"/>
+              </a:ext>
+            </a:extLst>
+          </p:cNvPr>
+          <p:cNvCxnSpPr>
+            <a:cxnSpLocks/>
+          </p:cNvCxnSpPr>
+          <p:nvPr/>
+        </p:nvCxnSpPr>
+        <p:spPr>
+          <a:xfrm flipH="1" flipV="1">
+            <a:off x="-13447" y="972511"/>
+            <a:ext cx="18288000" cy="65119"/>
+          </a:xfrm>
+          <a:prstGeom prst="line">
+            <a:avLst/>
+          </a:prstGeom>
+          <a:ln w="38100">
+            <a:solidFill>
+              <a:srgbClr val="4C50BC"/>
+            </a:solidFill>
+          </a:ln>
+        </p:spPr>
+        <p:style>
+          <a:lnRef idx="1">
+            <a:schemeClr val="accent1"/>
+          </a:lnRef>
+          <a:fillRef idx="0">
+            <a:schemeClr val="accent1"/>
+          </a:fillRef>
+          <a:effectRef idx="0">
+            <a:schemeClr val="accent1"/>
+          </a:effectRef>
+          <a:fontRef idx="minor">
+            <a:schemeClr val="tx1"/>
+          </a:fontRef>
+        </p:style>
+      </p:cxnSp>
     </p:spTree>
     <p:extLst>
       <p:ext uri="{BB962C8B-B14F-4D97-AF65-F5344CB8AC3E}">

--- a/JavaLecture/LectureFile/java 8강 생성자.pptx
+++ b/JavaLecture/LectureFile/java 8강 생성자.pptx
@@ -265,7 +265,7 @@
           <a:p>
             <a:fld id="{D79F2C30-10E1-4C46-91DC-BBDB9629E720}" type="datetimeFigureOut">
               <a:rPr lang="ko-KR" altLang="en-US" smtClean="0"/>
-              <a:t>2024-03-24 Sunday</a:t>
+              <a:t>2024-03-25 Monday</a:t>
             </a:fld>
             <a:endParaRPr lang="ko-KR" altLang="en-US"/>
           </a:p>
@@ -725,7 +725,7 @@
           <a:p>
             <a:fld id="{F8166F1F-CE9B-4651-A6AA-CD717754106B}" type="datetimeFigureOut">
               <a:rPr lang="en-US" smtClean="0"/>
-              <a:t>3/24/2024</a:t>
+              <a:t>3/25/2024</a:t>
             </a:fld>
             <a:endParaRPr lang="en-US"/>
           </a:p>
@@ -928,7 +928,7 @@
           <a:p>
             <a:fld id="{A76116CE-C4A3-4A05-B2D7-7C2E9A889C0F}" type="datetimeFigureOut">
               <a:rPr lang="en-US" smtClean="0"/>
-              <a:t>3/24/2024</a:t>
+              <a:t>3/25/2024</a:t>
             </a:fld>
             <a:endParaRPr lang="en-US"/>
           </a:p>
@@ -1131,7 +1131,7 @@
           <a:p>
             <a:fld id="{A76116CE-C4A3-4A05-B2D7-7C2E9A889C0F}" type="datetimeFigureOut">
               <a:rPr lang="en-US" smtClean="0"/>
-              <a:t>3/24/2024</a:t>
+              <a:t>3/25/2024</a:t>
             </a:fld>
             <a:endParaRPr lang="en-US"/>
           </a:p>
@@ -1336,7 +1336,7 @@
           <a:p>
             <a:fld id="{A76116CE-C4A3-4A05-B2D7-7C2E9A889C0F}" type="datetimeFigureOut">
               <a:rPr lang="en-US" smtClean="0"/>
-              <a:t>3/24/2024</a:t>
+              <a:t>3/25/2024</a:t>
             </a:fld>
             <a:endParaRPr lang="en-US"/>
           </a:p>
@@ -1606,7 +1606,7 @@
           <a:p>
             <a:fld id="{A76116CE-C4A3-4A05-B2D7-7C2E9A889C0F}" type="datetimeFigureOut">
               <a:rPr lang="en-US" smtClean="0"/>
-              <a:t>3/24/2024</a:t>
+              <a:t>3/25/2024</a:t>
             </a:fld>
             <a:endParaRPr lang="en-US"/>
           </a:p>
@@ -1924,7 +1924,7 @@
           <a:p>
             <a:fld id="{A76116CE-C4A3-4A05-B2D7-7C2E9A889C0F}" type="datetimeFigureOut">
               <a:rPr lang="en-US" smtClean="0"/>
-              <a:t>3/24/2024</a:t>
+              <a:t>3/25/2024</a:t>
             </a:fld>
             <a:endParaRPr lang="en-US"/>
           </a:p>
@@ -2382,7 +2382,7 @@
           <a:p>
             <a:fld id="{A76116CE-C4A3-4A05-B2D7-7C2E9A889C0F}" type="datetimeFigureOut">
               <a:rPr lang="en-US" smtClean="0"/>
-              <a:t>3/24/2024</a:t>
+              <a:t>3/25/2024</a:t>
             </a:fld>
             <a:endParaRPr lang="en-US"/>
           </a:p>
@@ -2526,7 +2526,7 @@
           <a:p>
             <a:fld id="{A76116CE-C4A3-4A05-B2D7-7C2E9A889C0F}" type="datetimeFigureOut">
               <a:rPr lang="en-US" smtClean="0"/>
-              <a:t>3/24/2024</a:t>
+              <a:t>3/25/2024</a:t>
             </a:fld>
             <a:endParaRPr lang="en-US"/>
           </a:p>
@@ -2640,7 +2640,7 @@
           <a:p>
             <a:fld id="{A76116CE-C4A3-4A05-B2D7-7C2E9A889C0F}" type="datetimeFigureOut">
               <a:rPr lang="en-US" smtClean="0"/>
-              <a:t>3/24/2024</a:t>
+              <a:t>3/25/2024</a:t>
             </a:fld>
             <a:endParaRPr lang="en-US"/>
           </a:p>
@@ -2943,7 +2943,7 @@
           <a:p>
             <a:fld id="{A76116CE-C4A3-4A05-B2D7-7C2E9A889C0F}" type="datetimeFigureOut">
               <a:rPr lang="en-US" smtClean="0"/>
-              <a:t>3/24/2024</a:t>
+              <a:t>3/25/2024</a:t>
             </a:fld>
             <a:endParaRPr lang="en-US"/>
           </a:p>
@@ -3223,7 +3223,7 @@
           <a:p>
             <a:fld id="{A76116CE-C4A3-4A05-B2D7-7C2E9A889C0F}" type="datetimeFigureOut">
               <a:rPr lang="en-US" smtClean="0"/>
-              <a:t>3/24/2024</a:t>
+              <a:t>3/25/2024</a:t>
             </a:fld>
             <a:endParaRPr lang="en-US"/>
           </a:p>
@@ -11173,7 +11173,7 @@
                 <a:latin typeface="G마켓 산스 Medium" panose="02000000000000000000" pitchFamily="50" charset="-127"/>
                 <a:ea typeface="G마켓 산스 Medium" panose="02000000000000000000" pitchFamily="50" charset="-127"/>
               </a:rPr>
-              <a:t>클래스 생성시 자동을 만들어지는 멤버변수</a:t>
+              <a:t>객체 생성시 자동으로 만들어지는 멤버변수</a:t>
             </a:r>
             <a:endParaRPr lang="en-US" altLang="ko-KR" sz="3600" dirty="0">
               <a:solidFill>
